--- a/thesis_adf/presentazione_tesi/presentazione.pptx
+++ b/thesis_adf/presentazione_tesi/presentazione.pptx
@@ -5,11 +5,13 @@
     <p:sldMasterId id="2147483648" r:id="rId1"/>
   </p:sldMasterIdLst>
   <p:notesMasterIdLst>
-    <p:notesMasterId r:id="rId4"/>
+    <p:notesMasterId r:id="rId6"/>
   </p:notesMasterIdLst>
   <p:sldIdLst>
     <p:sldId id="256" r:id="rId2"/>
     <p:sldId id="257" r:id="rId3"/>
+    <p:sldId id="258" r:id="rId4"/>
+    <p:sldId id="259" r:id="rId5"/>
   </p:sldIdLst>
   <p:sldSz cx="9144000" cy="6858000" type="screen4x3"/>
   <p:notesSz cx="6858000" cy="9144000"/>
@@ -193,7 +195,8 @@
           <a:p>
             <a:fld id="{8BA93F81-AB1A-49EB-B45D-4C43C205A3D4}" type="datetimeFigureOut">
               <a:rPr lang="it-IT" smtClean="0"/>
-              <a:t>23/09/2008</a:t>
+              <a:pPr/>
+              <a:t>24/09/2008</a:t>
             </a:fld>
             <a:endParaRPr lang="it-IT"/>
           </a:p>
@@ -354,6 +357,7 @@
           <a:p>
             <a:fld id="{3C5F3EAD-28AC-4A25-A99D-E102A1195681}" type="slidenum">
               <a:rPr lang="it-IT" smtClean="0"/>
+              <a:pPr/>
               <a:t>‹N›</a:t>
             </a:fld>
             <a:endParaRPr lang="it-IT"/>
@@ -1006,6 +1010,7 @@
           <a:p>
             <a:fld id="{BB9EEBAB-65FC-4513-B19A-4B06FD56D3C9}" type="slidenum">
               <a:rPr lang="it-IT" smtClean="0"/>
+              <a:pPr/>
               <a:t>‹N›</a:t>
             </a:fld>
             <a:endParaRPr lang="it-IT"/>
@@ -1185,6 +1190,7 @@
           <a:p>
             <a:fld id="{BB9EEBAB-65FC-4513-B19A-4B06FD56D3C9}" type="slidenum">
               <a:rPr lang="it-IT" smtClean="0"/>
+              <a:pPr/>
               <a:t>‹N›</a:t>
             </a:fld>
             <a:endParaRPr lang="it-IT"/>
@@ -1354,6 +1360,7 @@
           <a:p>
             <a:fld id="{BB9EEBAB-65FC-4513-B19A-4B06FD56D3C9}" type="slidenum">
               <a:rPr lang="it-IT" smtClean="0"/>
+              <a:pPr/>
               <a:t>‹N›</a:t>
             </a:fld>
             <a:endParaRPr lang="it-IT"/>
@@ -1599,6 +1606,7 @@
           <a:p>
             <a:fld id="{BB9EEBAB-65FC-4513-B19A-4B06FD56D3C9}" type="slidenum">
               <a:rPr lang="it-IT" smtClean="0"/>
+              <a:pPr/>
               <a:t>‹N›</a:t>
             </a:fld>
             <a:endParaRPr lang="it-IT"/>
@@ -1886,6 +1894,7 @@
           <a:p>
             <a:fld id="{BB9EEBAB-65FC-4513-B19A-4B06FD56D3C9}" type="slidenum">
               <a:rPr lang="it-IT" smtClean="0"/>
+              <a:pPr/>
               <a:t>‹N›</a:t>
             </a:fld>
             <a:endParaRPr lang="it-IT"/>
@@ -2307,6 +2316,7 @@
           <a:p>
             <a:fld id="{BB9EEBAB-65FC-4513-B19A-4B06FD56D3C9}" type="slidenum">
               <a:rPr lang="it-IT" smtClean="0"/>
+              <a:pPr/>
               <a:t>‹N›</a:t>
             </a:fld>
             <a:endParaRPr lang="it-IT"/>
@@ -2424,6 +2434,7 @@
           <a:p>
             <a:fld id="{BB9EEBAB-65FC-4513-B19A-4B06FD56D3C9}" type="slidenum">
               <a:rPr lang="it-IT" smtClean="0"/>
+              <a:pPr/>
               <a:t>‹N›</a:t>
             </a:fld>
             <a:endParaRPr lang="it-IT"/>
@@ -2518,6 +2529,7 @@
           <a:p>
             <a:fld id="{BB9EEBAB-65FC-4513-B19A-4B06FD56D3C9}" type="slidenum">
               <a:rPr lang="it-IT" smtClean="0"/>
+              <a:pPr/>
               <a:t>‹N›</a:t>
             </a:fld>
             <a:endParaRPr lang="it-IT"/>
@@ -2794,6 +2806,7 @@
           <a:p>
             <a:fld id="{BB9EEBAB-65FC-4513-B19A-4B06FD56D3C9}" type="slidenum">
               <a:rPr lang="it-IT" smtClean="0"/>
+              <a:pPr/>
               <a:t>‹N›</a:t>
             </a:fld>
             <a:endParaRPr lang="it-IT"/>
@@ -3046,6 +3059,7 @@
           <a:p>
             <a:fld id="{BB9EEBAB-65FC-4513-B19A-4B06FD56D3C9}" type="slidenum">
               <a:rPr lang="it-IT" smtClean="0"/>
+              <a:pPr/>
               <a:t>‹N›</a:t>
             </a:fld>
             <a:endParaRPr lang="it-IT"/>
@@ -3318,6 +3332,7 @@
           <a:p>
             <a:fld id="{BB9EEBAB-65FC-4513-B19A-4B06FD56D3C9}" type="slidenum">
               <a:rPr lang="it-IT" smtClean="0"/>
+              <a:pPr/>
               <a:t>‹N›</a:t>
             </a:fld>
             <a:endParaRPr lang="it-IT"/>
@@ -3740,11 +3755,7 @@
             <a:pPr algn="ctr"/>
             <a:r>
               <a:rPr lang="en-US" sz="3600" dirty="0" smtClean="0"/>
-              <a:t>Progettazione</a:t>
-            </a:r>
-            <a:r>
-              <a:rPr lang="en-US" sz="3600" dirty="0" smtClean="0"/>
-              <a:t> e </a:t>
+              <a:t>Progettazione e </a:t>
             </a:r>
             <a:r>
               <a:rPr lang="it-IT" sz="3600" dirty="0" smtClean="0"/>
@@ -4172,8 +4183,8 @@
         </p:nvSpPr>
         <p:spPr>
           <a:xfrm>
-            <a:off x="214282" y="1214422"/>
-            <a:ext cx="3357586" cy="2862322"/>
+            <a:off x="214282" y="1071546"/>
+            <a:ext cx="8643998" cy="5262979"/>
           </a:xfrm>
           <a:prstGeom prst="rect">
             <a:avLst/>
@@ -4187,58 +4198,249 @@
           <a:lstStyle/>
           <a:p>
             <a:pPr>
-              <a:buFont typeface="Arial" pitchFamily="34" charset="0"/>
-              <a:buChar char="•"/>
+              <a:lnSpc>
+                <a:spcPct val="150000"/>
+              </a:lnSpc>
+              <a:buFont typeface="Wingdings" pitchFamily="2" charset="2"/>
+              <a:buChar char="Ø"/>
             </a:pPr>
             <a:r>
-              <a:rPr lang="en-US" sz="3600" dirty="0"/>
-              <a:t> F</a:t>
-            </a:r>
-            <a:r>
-              <a:rPr lang="en-US" sz="3600" dirty="0" smtClean="0"/>
-              <a:t>irst</a:t>
-            </a:r>
+              <a:rPr lang="en-US" sz="2800" dirty="0" err="1" smtClean="0"/>
+              <a:t>Sistemi</a:t>
+            </a:r>
+            <a:r>
+              <a:rPr lang="en-US" sz="2800" dirty="0" smtClean="0"/>
+              <a:t> </a:t>
+            </a:r>
+            <a:r>
+              <a:rPr lang="en-US" sz="2800" dirty="0" err="1" smtClean="0"/>
+              <a:t>di</a:t>
+            </a:r>
+            <a:r>
+              <a:rPr lang="en-US" sz="2800" dirty="0" smtClean="0"/>
+              <a:t> </a:t>
+            </a:r>
+            <a:r>
+              <a:rPr lang="en-US" sz="2800" dirty="0" err="1" smtClean="0"/>
+              <a:t>emulazione</a:t>
+            </a:r>
+            <a:endParaRPr lang="en-US" sz="2800" dirty="0" smtClean="0"/>
+          </a:p>
+          <a:p>
+            <a:pPr marL="0" lvl="1">
+              <a:lnSpc>
+                <a:spcPct val="150000"/>
+              </a:lnSpc>
+              <a:buFont typeface="Wingdings" pitchFamily="2" charset="2"/>
+              <a:buChar char="Ø"/>
+            </a:pPr>
+            <a:r>
+              <a:rPr lang="en-US" sz="2800" dirty="0" err="1" smtClean="0"/>
+              <a:t>Complessità</a:t>
+            </a:r>
+            <a:r>
+              <a:rPr lang="en-US" sz="2800" dirty="0" smtClean="0"/>
+              <a:t> </a:t>
+            </a:r>
+            <a:r>
+              <a:rPr lang="en-US" sz="2800" dirty="0" err="1" smtClean="0"/>
+              <a:t>delle</a:t>
+            </a:r>
+            <a:r>
+              <a:rPr lang="en-US" sz="2800" dirty="0" smtClean="0"/>
+              <a:t> </a:t>
+            </a:r>
+            <a:r>
+              <a:rPr lang="en-US" sz="2800" dirty="0" err="1" smtClean="0"/>
+              <a:t>configurazioni</a:t>
+            </a:r>
+            <a:endParaRPr lang="en-US" sz="2800" dirty="0" smtClean="0"/>
+          </a:p>
+          <a:p>
+            <a:pPr lvl="1">
+              <a:lnSpc>
+                <a:spcPct val="150000"/>
+              </a:lnSpc>
+              <a:buFont typeface="Wingdings" pitchFamily="2" charset="2"/>
+              <a:buChar char="Ø"/>
+            </a:pPr>
+            <a:r>
+              <a:rPr lang="en-US" sz="2800" dirty="0" err="1" smtClean="0"/>
+              <a:t>Ambienti</a:t>
+            </a:r>
+            <a:r>
+              <a:rPr lang="en-US" sz="2800" dirty="0" smtClean="0"/>
+              <a:t> </a:t>
+            </a:r>
+            <a:r>
+              <a:rPr lang="en-US" sz="2800" dirty="0" err="1" smtClean="0"/>
+              <a:t>di</a:t>
+            </a:r>
+            <a:r>
+              <a:rPr lang="en-US" sz="2800" dirty="0" smtClean="0"/>
+              <a:t> </a:t>
+            </a:r>
+            <a:r>
+              <a:rPr lang="en-US" sz="2800" dirty="0" err="1" smtClean="0"/>
+              <a:t>configurazione</a:t>
+            </a:r>
+            <a:r>
+              <a:rPr lang="en-US" sz="2800" dirty="0" smtClean="0"/>
+              <a:t> a </a:t>
+            </a:r>
+            <a:r>
+              <a:rPr lang="en-US" sz="2800" dirty="0" err="1" smtClean="0"/>
+              <a:t>supporto</a:t>
+            </a:r>
+            <a:r>
+              <a:rPr lang="en-US" sz="2800" dirty="0" smtClean="0"/>
+              <a:t> </a:t>
+            </a:r>
+            <a:r>
+              <a:rPr lang="en-US" sz="2800" dirty="0" err="1" smtClean="0"/>
+              <a:t>dell’utente</a:t>
+            </a:r>
+            <a:endParaRPr lang="en-US" sz="2800" dirty="0" smtClean="0"/>
           </a:p>
           <a:p>
             <a:pPr>
-              <a:buFont typeface="Arial" pitchFamily="34" charset="0"/>
-              <a:buChar char="•"/>
+              <a:lnSpc>
+                <a:spcPct val="150000"/>
+              </a:lnSpc>
+              <a:buFont typeface="Wingdings" pitchFamily="2" charset="2"/>
+              <a:buChar char="Ø"/>
             </a:pPr>
             <a:r>
-              <a:rPr lang="en-US" sz="3600" dirty="0" smtClean="0"/>
-              <a:t> Second</a:t>
+              <a:rPr lang="en-US" sz="2800" dirty="0" err="1" smtClean="0"/>
+              <a:t>VisualNetkit</a:t>
+            </a:r>
+            <a:endParaRPr lang="en-US" sz="2800" dirty="0" smtClean="0"/>
+          </a:p>
+          <a:p>
+            <a:pPr lvl="1">
+              <a:lnSpc>
+                <a:spcPct val="150000"/>
+              </a:lnSpc>
+              <a:buFont typeface="Wingdings" pitchFamily="2" charset="2"/>
+              <a:buChar char="Ø"/>
+            </a:pPr>
+            <a:r>
+              <a:rPr lang="en-US" sz="2800" dirty="0" err="1" smtClean="0"/>
+              <a:t>Problemi</a:t>
+            </a:r>
+            <a:r>
+              <a:rPr lang="en-US" sz="2800" dirty="0" smtClean="0"/>
+              <a:t> </a:t>
+            </a:r>
+            <a:r>
+              <a:rPr lang="en-US" sz="2800" dirty="0" err="1" smtClean="0"/>
+              <a:t>di</a:t>
+            </a:r>
+            <a:r>
+              <a:rPr lang="en-US" sz="2800" dirty="0" smtClean="0"/>
+              <a:t> </a:t>
+            </a:r>
+            <a:r>
+              <a:rPr lang="en-US" sz="2800" dirty="0" err="1" smtClean="0"/>
+              <a:t>una</a:t>
+            </a:r>
+            <a:r>
+              <a:rPr lang="en-US" sz="2800" dirty="0" smtClean="0"/>
+              <a:t> </a:t>
+            </a:r>
+            <a:r>
+              <a:rPr lang="en-US" sz="2800" dirty="0" err="1" smtClean="0"/>
+              <a:t>struttura</a:t>
+            </a:r>
+            <a:r>
+              <a:rPr lang="en-US" sz="2800" dirty="0" smtClean="0"/>
+              <a:t> </a:t>
+            </a:r>
+            <a:r>
+              <a:rPr lang="en-US" sz="2800" dirty="0" err="1" smtClean="0"/>
+              <a:t>monolitica</a:t>
+            </a:r>
+            <a:endParaRPr lang="en-US" sz="2800" dirty="0" smtClean="0"/>
+          </a:p>
+          <a:p>
+            <a:pPr lvl="1">
+              <a:lnSpc>
+                <a:spcPct val="150000"/>
+              </a:lnSpc>
+              <a:buFont typeface="Wingdings" pitchFamily="2" charset="2"/>
+              <a:buChar char="Ø"/>
+            </a:pPr>
+            <a:r>
+              <a:rPr lang="en-US" sz="2800" dirty="0" err="1" smtClean="0"/>
+              <a:t>Introduzione</a:t>
+            </a:r>
+            <a:r>
+              <a:rPr lang="en-US" sz="2800" dirty="0" smtClean="0"/>
+              <a:t> </a:t>
+            </a:r>
+            <a:r>
+              <a:rPr lang="en-US" sz="2800" dirty="0" err="1" smtClean="0"/>
+              <a:t>dei</a:t>
+            </a:r>
+            <a:r>
+              <a:rPr lang="en-US" sz="2800" dirty="0" smtClean="0"/>
+              <a:t> Plug-In</a:t>
+            </a:r>
+          </a:p>
+          <a:p>
+            <a:pPr lvl="1">
+              <a:lnSpc>
+                <a:spcPct val="150000"/>
+              </a:lnSpc>
+              <a:buFont typeface="Wingdings" pitchFamily="2" charset="2"/>
+              <a:buChar char="Ø"/>
+            </a:pPr>
+            <a:r>
+              <a:rPr lang="en-US" sz="2800" dirty="0" err="1" smtClean="0"/>
+              <a:t>L’evoluzione</a:t>
+            </a:r>
+            <a:r>
+              <a:rPr lang="en-US" sz="2800" dirty="0" smtClean="0"/>
+              <a:t> del Plug-In Framework</a:t>
             </a:r>
           </a:p>
           <a:p>
             <a:pPr>
-              <a:buFont typeface="Arial" pitchFamily="34" charset="0"/>
-              <a:buChar char="•"/>
+              <a:lnSpc>
+                <a:spcPct val="150000"/>
+              </a:lnSpc>
+              <a:buFont typeface="Wingdings" pitchFamily="2" charset="2"/>
+              <a:buChar char="Ø"/>
             </a:pPr>
             <a:r>
-              <a:rPr lang="en-US" sz="3600" dirty="0" smtClean="0"/>
-              <a:t> Third</a:t>
-            </a:r>
-          </a:p>
-          <a:p>
-            <a:pPr>
-              <a:buFont typeface="Arial" pitchFamily="34" charset="0"/>
-              <a:buChar char="•"/>
-            </a:pPr>
-            <a:r>
-              <a:rPr lang="en-US" sz="3600" dirty="0" smtClean="0"/>
-              <a:t> Forth</a:t>
-            </a:r>
-          </a:p>
-          <a:p>
-            <a:pPr>
-              <a:buFont typeface="Arial" pitchFamily="34" charset="0"/>
-              <a:buChar char="•"/>
-            </a:pPr>
-            <a:r>
-              <a:rPr lang="en-US" sz="3600" dirty="0" smtClean="0"/>
-              <a:t> …</a:t>
-            </a:r>
-            <a:endParaRPr lang="it-IT" sz="3600" dirty="0"/>
+              <a:rPr lang="en-US" sz="2800" dirty="0" err="1" smtClean="0"/>
+              <a:t>Strumenti</a:t>
+            </a:r>
+            <a:r>
+              <a:rPr lang="en-US" sz="2800" dirty="0" smtClean="0"/>
+              <a:t> </a:t>
+            </a:r>
+            <a:r>
+              <a:rPr lang="en-US" sz="2800" dirty="0" err="1" smtClean="0"/>
+              <a:t>utilizzati</a:t>
+            </a:r>
+            <a:r>
+              <a:rPr lang="en-US" sz="2800" dirty="0" smtClean="0"/>
+              <a:t> e </a:t>
+            </a:r>
+            <a:r>
+              <a:rPr lang="en-US" sz="2800" dirty="0" err="1" smtClean="0"/>
+              <a:t>svilupi</a:t>
+            </a:r>
+            <a:r>
+              <a:rPr lang="en-US" sz="2800" dirty="0" smtClean="0"/>
+              <a:t> </a:t>
+            </a:r>
+            <a:r>
+              <a:rPr lang="en-US" sz="2800" dirty="0" err="1" smtClean="0"/>
+              <a:t>futuri</a:t>
+            </a:r>
+            <a:endParaRPr lang="en-US" sz="2800" dirty="0" smtClean="0"/>
           </a:p>
         </p:txBody>
       </p:sp>
@@ -4256,6 +4458,1001 @@
         <p:cTn id="1" dur="indefinite" restart="never" nodeType="tmRoot"/>
       </p:par>
     </p:tnLst>
+  </p:timing>
+</p:sld>
+</file>
+
+<file path=ppt/slides/slide3.xml><?xml version="1.0" encoding="utf-8"?>
+<p:sld xmlns:a="http://schemas.openxmlformats.org/drawingml/2006/main" xmlns:r="http://schemas.openxmlformats.org/officeDocument/2006/relationships" xmlns:p="http://schemas.openxmlformats.org/presentationml/2006/main">
+  <p:cSld>
+    <p:spTree>
+      <p:nvGrpSpPr>
+        <p:cNvPr id="1" name=""/>
+        <p:cNvGrpSpPr/>
+        <p:nvPr/>
+      </p:nvGrpSpPr>
+      <p:grpSpPr>
+        <a:xfrm>
+          <a:off x="0" y="0"/>
+          <a:ext cx="0" cy="0"/>
+          <a:chOff x="0" y="0"/>
+          <a:chExt cx="0" cy="0"/>
+        </a:xfrm>
+      </p:grpSpPr>
+      <p:sp>
+        <p:nvSpPr>
+          <p:cNvPr id="6" name="Segnaposto data 5"/>
+          <p:cNvSpPr>
+            <a:spLocks noGrp="1"/>
+          </p:cNvSpPr>
+          <p:nvPr>
+            <p:ph type="dt" sz="half" idx="10"/>
+          </p:nvPr>
+        </p:nvSpPr>
+        <p:spPr/>
+        <p:txBody>
+          <a:bodyPr/>
+          <a:lstStyle/>
+          <a:p>
+            <a:r>
+              <a:rPr lang="it-IT" smtClean="0"/>
+              <a:t>Anno accademico 2007/2008</a:t>
+            </a:r>
+            <a:endParaRPr lang="it-IT" dirty="0"/>
+          </a:p>
+        </p:txBody>
+      </p:sp>
+      <p:sp>
+        <p:nvSpPr>
+          <p:cNvPr id="7" name="Segnaposto numero diapositiva 6"/>
+          <p:cNvSpPr>
+            <a:spLocks noGrp="1"/>
+          </p:cNvSpPr>
+          <p:nvPr>
+            <p:ph type="sldNum" sz="quarter" idx="12"/>
+          </p:nvPr>
+        </p:nvSpPr>
+        <p:spPr/>
+        <p:txBody>
+          <a:bodyPr/>
+          <a:lstStyle/>
+          <a:p>
+            <a:fld id="{BB9EEBAB-65FC-4513-B19A-4B06FD56D3C9}" type="slidenum">
+              <a:rPr lang="it-IT" smtClean="0"/>
+              <a:pPr/>
+              <a:t>3</a:t>
+            </a:fld>
+            <a:endParaRPr lang="it-IT" dirty="0"/>
+          </a:p>
+        </p:txBody>
+      </p:sp>
+      <p:sp>
+        <p:nvSpPr>
+          <p:cNvPr id="8" name="Segnaposto piè di pagina 7"/>
+          <p:cNvSpPr>
+            <a:spLocks noGrp="1"/>
+          </p:cNvSpPr>
+          <p:nvPr>
+            <p:ph type="ftr" sz="quarter" idx="11"/>
+          </p:nvPr>
+        </p:nvSpPr>
+        <p:spPr/>
+        <p:txBody>
+          <a:bodyPr/>
+          <a:lstStyle/>
+          <a:p>
+            <a:r>
+              <a:rPr lang="it-IT" smtClean="0"/>
+              <a:t>Università degli studi di Roma Tre</a:t>
+            </a:r>
+            <a:endParaRPr lang="it-IT" dirty="0"/>
+          </a:p>
+        </p:txBody>
+      </p:sp>
+      <p:pic>
+        <p:nvPicPr>
+          <p:cNvPr id="11" name="Immagine 10" descr="Internet_marc.jpg"/>
+          <p:cNvPicPr>
+            <a:picLocks noChangeAspect="1"/>
+          </p:cNvPicPr>
+          <p:nvPr/>
+        </p:nvPicPr>
+        <p:blipFill>
+          <a:blip r:embed="rId2"/>
+          <a:stretch>
+            <a:fillRect/>
+          </a:stretch>
+        </p:blipFill>
+        <p:spPr>
+          <a:xfrm>
+            <a:off x="0" y="0"/>
+            <a:ext cx="9144000" cy="6858000"/>
+          </a:xfrm>
+          <a:prstGeom prst="rect">
+            <a:avLst/>
+          </a:prstGeom>
+        </p:spPr>
+      </p:pic>
+      <p:sp>
+        <p:nvSpPr>
+          <p:cNvPr id="12" name="CasellaDiTesto 11"/>
+          <p:cNvSpPr txBox="1"/>
+          <p:nvPr/>
+        </p:nvSpPr>
+        <p:spPr>
+          <a:xfrm>
+            <a:off x="214282" y="5857892"/>
+            <a:ext cx="3576364" cy="769441"/>
+          </a:xfrm>
+          <a:prstGeom prst="rect">
+            <a:avLst/>
+          </a:prstGeom>
+          <a:noFill/>
+        </p:spPr>
+        <p:txBody>
+          <a:bodyPr wrap="none" rtlCol="0">
+            <a:spAutoFit/>
+          </a:bodyPr>
+          <a:lstStyle/>
+          <a:p>
+            <a:r>
+              <a:rPr lang="en-US" sz="4400" dirty="0" smtClean="0">
+                <a:solidFill>
+                  <a:schemeClr val="bg1"/>
+                </a:solidFill>
+              </a:rPr>
+              <a:t>Internet Graph</a:t>
+            </a:r>
+            <a:endParaRPr lang="it-IT" sz="4400" dirty="0">
+              <a:solidFill>
+                <a:schemeClr val="bg1"/>
+              </a:solidFill>
+            </a:endParaRPr>
+          </a:p>
+        </p:txBody>
+      </p:sp>
+    </p:spTree>
+  </p:cSld>
+  <p:clrMapOvr>
+    <a:masterClrMapping/>
+  </p:clrMapOvr>
+  <p:transition advClick="0" advTm="1000">
+    <p:fade/>
+  </p:transition>
+  <p:timing>
+    <p:tnLst>
+      <p:par>
+        <p:cTn id="1" dur="indefinite" restart="never" nodeType="tmRoot"/>
+      </p:par>
+    </p:tnLst>
+  </p:timing>
+</p:sld>
+</file>
+
+<file path=ppt/slides/slide4.xml><?xml version="1.0" encoding="utf-8"?>
+<p:sld xmlns:a="http://schemas.openxmlformats.org/drawingml/2006/main" xmlns:r="http://schemas.openxmlformats.org/officeDocument/2006/relationships" xmlns:p="http://schemas.openxmlformats.org/presentationml/2006/main">
+  <p:cSld>
+    <p:spTree>
+      <p:nvGrpSpPr>
+        <p:cNvPr id="1" name=""/>
+        <p:cNvGrpSpPr/>
+        <p:nvPr/>
+      </p:nvGrpSpPr>
+      <p:grpSpPr>
+        <a:xfrm>
+          <a:off x="0" y="0"/>
+          <a:ext cx="0" cy="0"/>
+          <a:chOff x="0" y="0"/>
+          <a:chExt cx="0" cy="0"/>
+        </a:xfrm>
+      </p:grpSpPr>
+      <p:sp>
+        <p:nvSpPr>
+          <p:cNvPr id="6" name="Segnaposto data 5"/>
+          <p:cNvSpPr>
+            <a:spLocks noGrp="1"/>
+          </p:cNvSpPr>
+          <p:nvPr>
+            <p:ph type="dt" sz="half" idx="10"/>
+          </p:nvPr>
+        </p:nvSpPr>
+        <p:spPr/>
+        <p:txBody>
+          <a:bodyPr/>
+          <a:lstStyle/>
+          <a:p>
+            <a:r>
+              <a:rPr lang="it-IT" smtClean="0"/>
+              <a:t>Anno accademico 2007/2008</a:t>
+            </a:r>
+            <a:endParaRPr lang="it-IT" dirty="0"/>
+          </a:p>
+        </p:txBody>
+      </p:sp>
+      <p:sp>
+        <p:nvSpPr>
+          <p:cNvPr id="7" name="Segnaposto numero diapositiva 6"/>
+          <p:cNvSpPr>
+            <a:spLocks noGrp="1"/>
+          </p:cNvSpPr>
+          <p:nvPr>
+            <p:ph type="sldNum" sz="quarter" idx="12"/>
+          </p:nvPr>
+        </p:nvSpPr>
+        <p:spPr/>
+        <p:txBody>
+          <a:bodyPr/>
+          <a:lstStyle/>
+          <a:p>
+            <a:fld id="{BB9EEBAB-65FC-4513-B19A-4B06FD56D3C9}" type="slidenum">
+              <a:rPr lang="it-IT" smtClean="0"/>
+              <a:pPr/>
+              <a:t>4</a:t>
+            </a:fld>
+            <a:endParaRPr lang="it-IT" dirty="0"/>
+          </a:p>
+        </p:txBody>
+      </p:sp>
+      <p:sp>
+        <p:nvSpPr>
+          <p:cNvPr id="8" name="Segnaposto piè di pagina 7"/>
+          <p:cNvSpPr>
+            <a:spLocks noGrp="1"/>
+          </p:cNvSpPr>
+          <p:nvPr>
+            <p:ph type="ftr" sz="quarter" idx="11"/>
+          </p:nvPr>
+        </p:nvSpPr>
+        <p:spPr/>
+        <p:txBody>
+          <a:bodyPr/>
+          <a:lstStyle/>
+          <a:p>
+            <a:r>
+              <a:rPr lang="it-IT" smtClean="0"/>
+              <a:t>Università degli studi di Roma Tre</a:t>
+            </a:r>
+            <a:endParaRPr lang="it-IT" dirty="0"/>
+          </a:p>
+        </p:txBody>
+      </p:sp>
+      <p:sp>
+        <p:nvSpPr>
+          <p:cNvPr id="9" name="Titolo 3"/>
+          <p:cNvSpPr>
+            <a:spLocks noGrp="1"/>
+          </p:cNvSpPr>
+          <p:nvPr>
+            <p:ph type="ctrTitle"/>
+          </p:nvPr>
+        </p:nvSpPr>
+        <p:spPr>
+          <a:xfrm>
+            <a:off x="1839505" y="500042"/>
+            <a:ext cx="5464991" cy="742954"/>
+          </a:xfrm>
+        </p:spPr>
+        <p:txBody>
+          <a:bodyPr>
+            <a:noAutofit/>
+          </a:bodyPr>
+          <a:lstStyle/>
+          <a:p>
+            <a:r>
+              <a:rPr lang="en-US" dirty="0" err="1" smtClean="0"/>
+              <a:t>Sistemi</a:t>
+            </a:r>
+            <a:r>
+              <a:rPr lang="en-US" dirty="0" smtClean="0"/>
+              <a:t> </a:t>
+            </a:r>
+            <a:r>
+              <a:rPr lang="en-US" dirty="0" err="1" smtClean="0"/>
+              <a:t>di</a:t>
+            </a:r>
+            <a:r>
+              <a:rPr lang="en-US" dirty="0" smtClean="0"/>
+              <a:t> </a:t>
+            </a:r>
+            <a:r>
+              <a:rPr lang="en-US" dirty="0" err="1" smtClean="0"/>
+              <a:t>emulazione</a:t>
+            </a:r>
+            <a:endParaRPr lang="it-IT" dirty="0"/>
+          </a:p>
+        </p:txBody>
+      </p:sp>
+      <p:sp>
+        <p:nvSpPr>
+          <p:cNvPr id="10" name="Rettangolo arrotondato 9"/>
+          <p:cNvSpPr/>
+          <p:nvPr/>
+        </p:nvSpPr>
+        <p:spPr>
+          <a:xfrm>
+            <a:off x="214282" y="1928802"/>
+            <a:ext cx="2571768" cy="1000132"/>
+          </a:xfrm>
+          <a:prstGeom prst="roundRect">
+            <a:avLst/>
+          </a:prstGeom>
+        </p:spPr>
+        <p:style>
+          <a:lnRef idx="0">
+            <a:schemeClr val="accent6"/>
+          </a:lnRef>
+          <a:fillRef idx="3">
+            <a:schemeClr val="accent6"/>
+          </a:fillRef>
+          <a:effectRef idx="3">
+            <a:schemeClr val="accent6"/>
+          </a:effectRef>
+          <a:fontRef idx="minor">
+            <a:schemeClr val="lt1"/>
+          </a:fontRef>
+        </p:style>
+        <p:txBody>
+          <a:bodyPr rtlCol="0" anchor="ctr"/>
+          <a:lstStyle/>
+          <a:p>
+            <a:pPr algn="ctr"/>
+            <a:r>
+              <a:rPr lang="en-US" sz="4000" dirty="0" err="1" smtClean="0">
+                <a:solidFill>
+                  <a:schemeClr val="tx1"/>
+                </a:solidFill>
+              </a:rPr>
+              <a:t>NetKit</a:t>
+            </a:r>
+            <a:endParaRPr lang="it-IT" sz="4000" dirty="0">
+              <a:solidFill>
+                <a:schemeClr val="tx1"/>
+              </a:solidFill>
+            </a:endParaRPr>
+          </a:p>
+        </p:txBody>
+      </p:sp>
+      <p:sp>
+        <p:nvSpPr>
+          <p:cNvPr id="14" name="Rettangolo arrotondato 13"/>
+          <p:cNvSpPr/>
+          <p:nvPr/>
+        </p:nvSpPr>
+        <p:spPr>
+          <a:xfrm>
+            <a:off x="2071670" y="3357562"/>
+            <a:ext cx="2571768" cy="1000132"/>
+          </a:xfrm>
+          <a:prstGeom prst="roundRect">
+            <a:avLst/>
+          </a:prstGeom>
+        </p:spPr>
+        <p:style>
+          <a:lnRef idx="0">
+            <a:schemeClr val="accent5"/>
+          </a:lnRef>
+          <a:fillRef idx="3">
+            <a:schemeClr val="accent5"/>
+          </a:fillRef>
+          <a:effectRef idx="3">
+            <a:schemeClr val="accent5"/>
+          </a:effectRef>
+          <a:fontRef idx="minor">
+            <a:schemeClr val="lt1"/>
+          </a:fontRef>
+        </p:style>
+        <p:txBody>
+          <a:bodyPr rtlCol="0" anchor="ctr"/>
+          <a:lstStyle/>
+          <a:p>
+            <a:pPr algn="ctr"/>
+            <a:r>
+              <a:rPr lang="en-US" sz="4000" dirty="0" err="1" smtClean="0">
+                <a:solidFill>
+                  <a:schemeClr val="tx1"/>
+                </a:solidFill>
+              </a:rPr>
+              <a:t>VnUML</a:t>
+            </a:r>
+            <a:endParaRPr lang="en-US" sz="4000" dirty="0" smtClean="0">
+              <a:solidFill>
+                <a:schemeClr val="tx1"/>
+              </a:solidFill>
+            </a:endParaRPr>
+          </a:p>
+        </p:txBody>
+      </p:sp>
+      <p:sp>
+        <p:nvSpPr>
+          <p:cNvPr id="15" name="Rettangolo arrotondato 14"/>
+          <p:cNvSpPr/>
+          <p:nvPr/>
+        </p:nvSpPr>
+        <p:spPr>
+          <a:xfrm>
+            <a:off x="5715008" y="3357562"/>
+            <a:ext cx="2571768" cy="1000132"/>
+          </a:xfrm>
+          <a:prstGeom prst="roundRect">
+            <a:avLst/>
+          </a:prstGeom>
+        </p:spPr>
+        <p:style>
+          <a:lnRef idx="0">
+            <a:schemeClr val="accent5"/>
+          </a:lnRef>
+          <a:fillRef idx="3">
+            <a:schemeClr val="accent5"/>
+          </a:fillRef>
+          <a:effectRef idx="3">
+            <a:schemeClr val="accent5"/>
+          </a:effectRef>
+          <a:fontRef idx="minor">
+            <a:schemeClr val="lt1"/>
+          </a:fontRef>
+        </p:style>
+        <p:txBody>
+          <a:bodyPr rtlCol="0" anchor="ctr"/>
+          <a:lstStyle/>
+          <a:p>
+            <a:pPr algn="ctr"/>
+            <a:r>
+              <a:rPr lang="en-US" sz="4000" dirty="0" err="1" smtClean="0">
+                <a:solidFill>
+                  <a:schemeClr val="tx1"/>
+                </a:solidFill>
+              </a:rPr>
+              <a:t>Imunes</a:t>
+            </a:r>
+            <a:endParaRPr lang="en-US" sz="4000" dirty="0" smtClean="0">
+              <a:solidFill>
+                <a:schemeClr val="tx1"/>
+              </a:solidFill>
+            </a:endParaRPr>
+          </a:p>
+        </p:txBody>
+      </p:sp>
+      <p:sp>
+        <p:nvSpPr>
+          <p:cNvPr id="16" name="Rettangolo arrotondato 15"/>
+          <p:cNvSpPr/>
+          <p:nvPr/>
+        </p:nvSpPr>
+        <p:spPr>
+          <a:xfrm>
+            <a:off x="3857620" y="1928802"/>
+            <a:ext cx="2571768" cy="1000132"/>
+          </a:xfrm>
+          <a:prstGeom prst="roundRect">
+            <a:avLst/>
+          </a:prstGeom>
+        </p:spPr>
+        <p:style>
+          <a:lnRef idx="0">
+            <a:schemeClr val="accent5"/>
+          </a:lnRef>
+          <a:fillRef idx="3">
+            <a:schemeClr val="accent5"/>
+          </a:fillRef>
+          <a:effectRef idx="3">
+            <a:schemeClr val="accent5"/>
+          </a:effectRef>
+          <a:fontRef idx="minor">
+            <a:schemeClr val="lt1"/>
+          </a:fontRef>
+        </p:style>
+        <p:txBody>
+          <a:bodyPr rtlCol="0" anchor="ctr"/>
+          <a:lstStyle/>
+          <a:p>
+            <a:pPr algn="ctr"/>
+            <a:r>
+              <a:rPr lang="en-US" sz="4000" dirty="0" err="1" smtClean="0">
+                <a:solidFill>
+                  <a:schemeClr val="tx1"/>
+                </a:solidFill>
+              </a:rPr>
+              <a:t>MarionNet</a:t>
+            </a:r>
+            <a:endParaRPr lang="en-US" sz="4000" dirty="0" smtClean="0">
+              <a:solidFill>
+                <a:schemeClr val="tx1"/>
+              </a:solidFill>
+            </a:endParaRPr>
+          </a:p>
+        </p:txBody>
+      </p:sp>
+      <p:sp>
+        <p:nvSpPr>
+          <p:cNvPr id="17" name="Rettangolo arrotondato 16"/>
+          <p:cNvSpPr/>
+          <p:nvPr/>
+        </p:nvSpPr>
+        <p:spPr>
+          <a:xfrm>
+            <a:off x="4143372" y="4786322"/>
+            <a:ext cx="2571768" cy="1000132"/>
+          </a:xfrm>
+          <a:prstGeom prst="roundRect">
+            <a:avLst/>
+          </a:prstGeom>
+        </p:spPr>
+        <p:style>
+          <a:lnRef idx="0">
+            <a:schemeClr val="accent5"/>
+          </a:lnRef>
+          <a:fillRef idx="3">
+            <a:schemeClr val="accent5"/>
+          </a:fillRef>
+          <a:effectRef idx="3">
+            <a:schemeClr val="accent5"/>
+          </a:effectRef>
+          <a:fontRef idx="minor">
+            <a:schemeClr val="lt1"/>
+          </a:fontRef>
+        </p:style>
+        <p:txBody>
+          <a:bodyPr rtlCol="0" anchor="ctr"/>
+          <a:lstStyle/>
+          <a:p>
+            <a:pPr algn="ctr"/>
+            <a:r>
+              <a:rPr lang="en-US" sz="2800" dirty="0" err="1" smtClean="0">
+                <a:solidFill>
+                  <a:schemeClr val="tx1"/>
+                </a:solidFill>
+              </a:rPr>
+              <a:t>Qemu</a:t>
+            </a:r>
+            <a:endParaRPr lang="en-US" sz="2800" dirty="0" smtClean="0">
+              <a:solidFill>
+                <a:schemeClr val="tx1"/>
+              </a:solidFill>
+            </a:endParaRPr>
+          </a:p>
+          <a:p>
+            <a:pPr algn="ctr"/>
+            <a:r>
+              <a:rPr lang="en-US" sz="2800" dirty="0" smtClean="0">
+                <a:solidFill>
+                  <a:schemeClr val="tx1"/>
+                </a:solidFill>
+              </a:rPr>
+              <a:t>…</a:t>
+            </a:r>
+          </a:p>
+        </p:txBody>
+      </p:sp>
+    </p:spTree>
+  </p:cSld>
+  <p:clrMapOvr>
+    <a:masterClrMapping/>
+  </p:clrMapOvr>
+  <p:transition>
+    <p:fade/>
+  </p:transition>
+  <p:timing>
+    <p:tnLst>
+      <p:par>
+        <p:cTn id="1" dur="indefinite" restart="never" nodeType="tmRoot">
+          <p:childTnLst>
+            <p:seq concurrent="1" nextAc="seek">
+              <p:cTn id="2" dur="indefinite" nodeType="mainSeq">
+                <p:childTnLst>
+                  <p:par>
+                    <p:cTn id="3" fill="hold">
+                      <p:stCondLst>
+                        <p:cond delay="indefinite"/>
+                        <p:cond evt="onBegin" delay="0">
+                          <p:tn val="2"/>
+                        </p:cond>
+                      </p:stCondLst>
+                      <p:childTnLst>
+                        <p:par>
+                          <p:cTn id="4" fill="hold">
+                            <p:stCondLst>
+                              <p:cond delay="0"/>
+                            </p:stCondLst>
+                            <p:childTnLst>
+                              <p:par>
+                                <p:cTn id="5" presetID="2" presetClass="entr" presetSubtype="4" fill="hold" grpId="0" nodeType="withEffect">
+                                  <p:stCondLst>
+                                    <p:cond delay="0"/>
+                                  </p:stCondLst>
+                                  <p:childTnLst>
+                                    <p:set>
+                                      <p:cBhvr>
+                                        <p:cTn id="6" dur="1" fill="hold">
+                                          <p:stCondLst>
+                                            <p:cond delay="0"/>
+                                          </p:stCondLst>
+                                        </p:cTn>
+                                        <p:tgtEl>
+                                          <p:spTgt spid="10"/>
+                                        </p:tgtEl>
+                                        <p:attrNameLst>
+                                          <p:attrName>style.visibility</p:attrName>
+                                        </p:attrNameLst>
+                                      </p:cBhvr>
+                                      <p:to>
+                                        <p:strVal val="visible"/>
+                                      </p:to>
+                                    </p:set>
+                                    <p:anim calcmode="lin" valueType="num">
+                                      <p:cBhvr additive="base">
+                                        <p:cTn id="7" dur="500" fill="hold"/>
+                                        <p:tgtEl>
+                                          <p:spTgt spid="10"/>
+                                        </p:tgtEl>
+                                        <p:attrNameLst>
+                                          <p:attrName>ppt_x</p:attrName>
+                                        </p:attrNameLst>
+                                      </p:cBhvr>
+                                      <p:tavLst>
+                                        <p:tav tm="0">
+                                          <p:val>
+                                            <p:strVal val="#ppt_x"/>
+                                          </p:val>
+                                        </p:tav>
+                                        <p:tav tm="100000">
+                                          <p:val>
+                                            <p:strVal val="#ppt_x"/>
+                                          </p:val>
+                                        </p:tav>
+                                      </p:tavLst>
+                                    </p:anim>
+                                    <p:anim calcmode="lin" valueType="num">
+                                      <p:cBhvr additive="base">
+                                        <p:cTn id="8" dur="500" fill="hold"/>
+                                        <p:tgtEl>
+                                          <p:spTgt spid="10"/>
+                                        </p:tgtEl>
+                                        <p:attrNameLst>
+                                          <p:attrName>ppt_y</p:attrName>
+                                        </p:attrNameLst>
+                                      </p:cBhvr>
+                                      <p:tavLst>
+                                        <p:tav tm="0">
+                                          <p:val>
+                                            <p:strVal val="1+#ppt_h/2"/>
+                                          </p:val>
+                                        </p:tav>
+                                        <p:tav tm="100000">
+                                          <p:val>
+                                            <p:strVal val="#ppt_y"/>
+                                          </p:val>
+                                        </p:tav>
+                                      </p:tavLst>
+                                    </p:anim>
+                                  </p:childTnLst>
+                                </p:cTn>
+                              </p:par>
+                              <p:par>
+                                <p:cTn id="9" presetID="2" presetClass="entr" presetSubtype="4" fill="hold" grpId="0" nodeType="withEffect">
+                                  <p:stCondLst>
+                                    <p:cond delay="0"/>
+                                  </p:stCondLst>
+                                  <p:childTnLst>
+                                    <p:set>
+                                      <p:cBhvr>
+                                        <p:cTn id="10" dur="1" fill="hold">
+                                          <p:stCondLst>
+                                            <p:cond delay="0"/>
+                                          </p:stCondLst>
+                                        </p:cTn>
+                                        <p:tgtEl>
+                                          <p:spTgt spid="14"/>
+                                        </p:tgtEl>
+                                        <p:attrNameLst>
+                                          <p:attrName>style.visibility</p:attrName>
+                                        </p:attrNameLst>
+                                      </p:cBhvr>
+                                      <p:to>
+                                        <p:strVal val="visible"/>
+                                      </p:to>
+                                    </p:set>
+                                    <p:anim calcmode="lin" valueType="num">
+                                      <p:cBhvr additive="base">
+                                        <p:cTn id="11" dur="500" fill="hold"/>
+                                        <p:tgtEl>
+                                          <p:spTgt spid="14"/>
+                                        </p:tgtEl>
+                                        <p:attrNameLst>
+                                          <p:attrName>ppt_x</p:attrName>
+                                        </p:attrNameLst>
+                                      </p:cBhvr>
+                                      <p:tavLst>
+                                        <p:tav tm="0">
+                                          <p:val>
+                                            <p:strVal val="#ppt_x"/>
+                                          </p:val>
+                                        </p:tav>
+                                        <p:tav tm="100000">
+                                          <p:val>
+                                            <p:strVal val="#ppt_x"/>
+                                          </p:val>
+                                        </p:tav>
+                                      </p:tavLst>
+                                    </p:anim>
+                                    <p:anim calcmode="lin" valueType="num">
+                                      <p:cBhvr additive="base">
+                                        <p:cTn id="12" dur="500" fill="hold"/>
+                                        <p:tgtEl>
+                                          <p:spTgt spid="14"/>
+                                        </p:tgtEl>
+                                        <p:attrNameLst>
+                                          <p:attrName>ppt_y</p:attrName>
+                                        </p:attrNameLst>
+                                      </p:cBhvr>
+                                      <p:tavLst>
+                                        <p:tav tm="0">
+                                          <p:val>
+                                            <p:strVal val="1+#ppt_h/2"/>
+                                          </p:val>
+                                        </p:tav>
+                                        <p:tav tm="100000">
+                                          <p:val>
+                                            <p:strVal val="#ppt_y"/>
+                                          </p:val>
+                                        </p:tav>
+                                      </p:tavLst>
+                                    </p:anim>
+                                  </p:childTnLst>
+                                </p:cTn>
+                              </p:par>
+                              <p:par>
+                                <p:cTn id="13" presetID="2" presetClass="entr" presetSubtype="4" fill="hold" grpId="0" nodeType="withEffect">
+                                  <p:stCondLst>
+                                    <p:cond delay="0"/>
+                                  </p:stCondLst>
+                                  <p:childTnLst>
+                                    <p:set>
+                                      <p:cBhvr>
+                                        <p:cTn id="14" dur="1" fill="hold">
+                                          <p:stCondLst>
+                                            <p:cond delay="0"/>
+                                          </p:stCondLst>
+                                        </p:cTn>
+                                        <p:tgtEl>
+                                          <p:spTgt spid="15"/>
+                                        </p:tgtEl>
+                                        <p:attrNameLst>
+                                          <p:attrName>style.visibility</p:attrName>
+                                        </p:attrNameLst>
+                                      </p:cBhvr>
+                                      <p:to>
+                                        <p:strVal val="visible"/>
+                                      </p:to>
+                                    </p:set>
+                                    <p:anim calcmode="lin" valueType="num">
+                                      <p:cBhvr additive="base">
+                                        <p:cTn id="15" dur="500" fill="hold"/>
+                                        <p:tgtEl>
+                                          <p:spTgt spid="15"/>
+                                        </p:tgtEl>
+                                        <p:attrNameLst>
+                                          <p:attrName>ppt_x</p:attrName>
+                                        </p:attrNameLst>
+                                      </p:cBhvr>
+                                      <p:tavLst>
+                                        <p:tav tm="0">
+                                          <p:val>
+                                            <p:strVal val="#ppt_x"/>
+                                          </p:val>
+                                        </p:tav>
+                                        <p:tav tm="100000">
+                                          <p:val>
+                                            <p:strVal val="#ppt_x"/>
+                                          </p:val>
+                                        </p:tav>
+                                      </p:tavLst>
+                                    </p:anim>
+                                    <p:anim calcmode="lin" valueType="num">
+                                      <p:cBhvr additive="base">
+                                        <p:cTn id="16" dur="500" fill="hold"/>
+                                        <p:tgtEl>
+                                          <p:spTgt spid="15"/>
+                                        </p:tgtEl>
+                                        <p:attrNameLst>
+                                          <p:attrName>ppt_y</p:attrName>
+                                        </p:attrNameLst>
+                                      </p:cBhvr>
+                                      <p:tavLst>
+                                        <p:tav tm="0">
+                                          <p:val>
+                                            <p:strVal val="1+#ppt_h/2"/>
+                                          </p:val>
+                                        </p:tav>
+                                        <p:tav tm="100000">
+                                          <p:val>
+                                            <p:strVal val="#ppt_y"/>
+                                          </p:val>
+                                        </p:tav>
+                                      </p:tavLst>
+                                    </p:anim>
+                                  </p:childTnLst>
+                                </p:cTn>
+                              </p:par>
+                              <p:par>
+                                <p:cTn id="17" presetID="2" presetClass="entr" presetSubtype="4" fill="hold" grpId="0" nodeType="withEffect">
+                                  <p:stCondLst>
+                                    <p:cond delay="0"/>
+                                  </p:stCondLst>
+                                  <p:childTnLst>
+                                    <p:set>
+                                      <p:cBhvr>
+                                        <p:cTn id="18" dur="1" fill="hold">
+                                          <p:stCondLst>
+                                            <p:cond delay="0"/>
+                                          </p:stCondLst>
+                                        </p:cTn>
+                                        <p:tgtEl>
+                                          <p:spTgt spid="16"/>
+                                        </p:tgtEl>
+                                        <p:attrNameLst>
+                                          <p:attrName>style.visibility</p:attrName>
+                                        </p:attrNameLst>
+                                      </p:cBhvr>
+                                      <p:to>
+                                        <p:strVal val="visible"/>
+                                      </p:to>
+                                    </p:set>
+                                    <p:anim calcmode="lin" valueType="num">
+                                      <p:cBhvr additive="base">
+                                        <p:cTn id="19" dur="500" fill="hold"/>
+                                        <p:tgtEl>
+                                          <p:spTgt spid="16"/>
+                                        </p:tgtEl>
+                                        <p:attrNameLst>
+                                          <p:attrName>ppt_x</p:attrName>
+                                        </p:attrNameLst>
+                                      </p:cBhvr>
+                                      <p:tavLst>
+                                        <p:tav tm="0">
+                                          <p:val>
+                                            <p:strVal val="#ppt_x"/>
+                                          </p:val>
+                                        </p:tav>
+                                        <p:tav tm="100000">
+                                          <p:val>
+                                            <p:strVal val="#ppt_x"/>
+                                          </p:val>
+                                        </p:tav>
+                                      </p:tavLst>
+                                    </p:anim>
+                                    <p:anim calcmode="lin" valueType="num">
+                                      <p:cBhvr additive="base">
+                                        <p:cTn id="20" dur="500" fill="hold"/>
+                                        <p:tgtEl>
+                                          <p:spTgt spid="16"/>
+                                        </p:tgtEl>
+                                        <p:attrNameLst>
+                                          <p:attrName>ppt_y</p:attrName>
+                                        </p:attrNameLst>
+                                      </p:cBhvr>
+                                      <p:tavLst>
+                                        <p:tav tm="0">
+                                          <p:val>
+                                            <p:strVal val="1+#ppt_h/2"/>
+                                          </p:val>
+                                        </p:tav>
+                                        <p:tav tm="100000">
+                                          <p:val>
+                                            <p:strVal val="#ppt_y"/>
+                                          </p:val>
+                                        </p:tav>
+                                      </p:tavLst>
+                                    </p:anim>
+                                  </p:childTnLst>
+                                </p:cTn>
+                              </p:par>
+                              <p:par>
+                                <p:cTn id="21" presetID="2" presetClass="entr" presetSubtype="4" fill="hold" grpId="0" nodeType="withEffect">
+                                  <p:stCondLst>
+                                    <p:cond delay="0"/>
+                                  </p:stCondLst>
+                                  <p:childTnLst>
+                                    <p:set>
+                                      <p:cBhvr>
+                                        <p:cTn id="22" dur="1" fill="hold">
+                                          <p:stCondLst>
+                                            <p:cond delay="0"/>
+                                          </p:stCondLst>
+                                        </p:cTn>
+                                        <p:tgtEl>
+                                          <p:spTgt spid="17"/>
+                                        </p:tgtEl>
+                                        <p:attrNameLst>
+                                          <p:attrName>style.visibility</p:attrName>
+                                        </p:attrNameLst>
+                                      </p:cBhvr>
+                                      <p:to>
+                                        <p:strVal val="visible"/>
+                                      </p:to>
+                                    </p:set>
+                                    <p:anim calcmode="lin" valueType="num">
+                                      <p:cBhvr additive="base">
+                                        <p:cTn id="23" dur="500" fill="hold"/>
+                                        <p:tgtEl>
+                                          <p:spTgt spid="17"/>
+                                        </p:tgtEl>
+                                        <p:attrNameLst>
+                                          <p:attrName>ppt_x</p:attrName>
+                                        </p:attrNameLst>
+                                      </p:cBhvr>
+                                      <p:tavLst>
+                                        <p:tav tm="0">
+                                          <p:val>
+                                            <p:strVal val="#ppt_x"/>
+                                          </p:val>
+                                        </p:tav>
+                                        <p:tav tm="100000">
+                                          <p:val>
+                                            <p:strVal val="#ppt_x"/>
+                                          </p:val>
+                                        </p:tav>
+                                      </p:tavLst>
+                                    </p:anim>
+                                    <p:anim calcmode="lin" valueType="num">
+                                      <p:cBhvr additive="base">
+                                        <p:cTn id="24" dur="500" fill="hold"/>
+                                        <p:tgtEl>
+                                          <p:spTgt spid="17"/>
+                                        </p:tgtEl>
+                                        <p:attrNameLst>
+                                          <p:attrName>ppt_y</p:attrName>
+                                        </p:attrNameLst>
+                                      </p:cBhvr>
+                                      <p:tavLst>
+                                        <p:tav tm="0">
+                                          <p:val>
+                                            <p:strVal val="1+#ppt_h/2"/>
+                                          </p:val>
+                                        </p:tav>
+                                        <p:tav tm="100000">
+                                          <p:val>
+                                            <p:strVal val="#ppt_y"/>
+                                          </p:val>
+                                        </p:tav>
+                                      </p:tavLst>
+                                    </p:anim>
+                                  </p:childTnLst>
+                                </p:cTn>
+                              </p:par>
+                            </p:childTnLst>
+                          </p:cTn>
+                        </p:par>
+                      </p:childTnLst>
+                    </p:cTn>
+                  </p:par>
+                </p:childTnLst>
+              </p:cTn>
+              <p:prevCondLst>
+                <p:cond evt="onPrev" delay="0">
+                  <p:tgtEl>
+                    <p:sldTgt/>
+                  </p:tgtEl>
+                </p:cond>
+              </p:prevCondLst>
+              <p:nextCondLst>
+                <p:cond evt="onNext" delay="0">
+                  <p:tgtEl>
+                    <p:sldTgt/>
+                  </p:tgtEl>
+                </p:cond>
+              </p:nextCondLst>
+            </p:seq>
+          </p:childTnLst>
+        </p:cTn>
+      </p:par>
+    </p:tnLst>
+    <p:bldLst>
+      <p:bldP spid="10" grpId="0" animBg="1"/>
+      <p:bldP spid="14" grpId="0" animBg="1"/>
+      <p:bldP spid="15" grpId="0" animBg="1"/>
+      <p:bldP spid="16" grpId="0" animBg="1"/>
+      <p:bldP spid="17" grpId="0" animBg="1"/>
+    </p:bldLst>
   </p:timing>
 </p:sld>
 </file>

--- a/thesis_adf/presentazione_tesi/presentazione.pptx
+++ b/thesis_adf/presentazione_tesi/presentazione.pptx
@@ -5,13 +5,14 @@
     <p:sldMasterId id="2147483648" r:id="rId1"/>
   </p:sldMasterIdLst>
   <p:notesMasterIdLst>
-    <p:notesMasterId r:id="rId6"/>
+    <p:notesMasterId r:id="rId7"/>
   </p:notesMasterIdLst>
   <p:sldIdLst>
     <p:sldId id="256" r:id="rId2"/>
     <p:sldId id="257" r:id="rId3"/>
     <p:sldId id="258" r:id="rId4"/>
     <p:sldId id="259" r:id="rId5"/>
+    <p:sldId id="260" r:id="rId6"/>
   </p:sldIdLst>
   <p:sldSz cx="9144000" cy="6858000" type="screen4x3"/>
   <p:notesSz cx="6858000" cy="9144000"/>
@@ -196,7 +197,7 @@
             <a:fld id="{8BA93F81-AB1A-49EB-B45D-4C43C205A3D4}" type="datetimeFigureOut">
               <a:rPr lang="it-IT" smtClean="0"/>
               <a:pPr/>
-              <a:t>24/09/2008</a:t>
+              <a:t>25/09/2008</a:t>
             </a:fld>
             <a:endParaRPr lang="it-IT"/>
           </a:p>
@@ -5425,6 +5426,316 @@
                       </p:childTnLst>
                     </p:cTn>
                   </p:par>
+                  <p:par>
+                    <p:cTn id="25" fill="hold">
+                      <p:stCondLst>
+                        <p:cond delay="indefinite"/>
+                      </p:stCondLst>
+                      <p:childTnLst>
+                        <p:par>
+                          <p:cTn id="26" fill="hold">
+                            <p:stCondLst>
+                              <p:cond delay="0"/>
+                            </p:stCondLst>
+                            <p:childTnLst>
+                              <p:par>
+                                <p:cTn id="27" presetID="2" presetClass="exit" presetSubtype="4" fill="hold" grpId="1" nodeType="clickEffect">
+                                  <p:stCondLst>
+                                    <p:cond delay="0"/>
+                                  </p:stCondLst>
+                                  <p:childTnLst>
+                                    <p:anim calcmode="lin" valueType="num">
+                                      <p:cBhvr additive="base">
+                                        <p:cTn id="28" dur="500"/>
+                                        <p:tgtEl>
+                                          <p:spTgt spid="16"/>
+                                        </p:tgtEl>
+                                        <p:attrNameLst>
+                                          <p:attrName>ppt_x</p:attrName>
+                                        </p:attrNameLst>
+                                      </p:cBhvr>
+                                      <p:tavLst>
+                                        <p:tav tm="0">
+                                          <p:val>
+                                            <p:strVal val="ppt_x"/>
+                                          </p:val>
+                                        </p:tav>
+                                        <p:tav tm="100000">
+                                          <p:val>
+                                            <p:strVal val="ppt_x"/>
+                                          </p:val>
+                                        </p:tav>
+                                      </p:tavLst>
+                                    </p:anim>
+                                    <p:anim calcmode="lin" valueType="num">
+                                      <p:cBhvr additive="base">
+                                        <p:cTn id="29" dur="500"/>
+                                        <p:tgtEl>
+                                          <p:spTgt spid="16"/>
+                                        </p:tgtEl>
+                                        <p:attrNameLst>
+                                          <p:attrName>ppt_y</p:attrName>
+                                        </p:attrNameLst>
+                                      </p:cBhvr>
+                                      <p:tavLst>
+                                        <p:tav tm="0">
+                                          <p:val>
+                                            <p:strVal val="ppt_y"/>
+                                          </p:val>
+                                        </p:tav>
+                                        <p:tav tm="100000">
+                                          <p:val>
+                                            <p:strVal val="1+ppt_h/2"/>
+                                          </p:val>
+                                        </p:tav>
+                                      </p:tavLst>
+                                    </p:anim>
+                                    <p:set>
+                                      <p:cBhvr>
+                                        <p:cTn id="30" dur="1" fill="hold">
+                                          <p:stCondLst>
+                                            <p:cond delay="499"/>
+                                          </p:stCondLst>
+                                        </p:cTn>
+                                        <p:tgtEl>
+                                          <p:spTgt spid="16"/>
+                                        </p:tgtEl>
+                                        <p:attrNameLst>
+                                          <p:attrName>style.visibility</p:attrName>
+                                        </p:attrNameLst>
+                                      </p:cBhvr>
+                                      <p:to>
+                                        <p:strVal val="hidden"/>
+                                      </p:to>
+                                    </p:set>
+                                  </p:childTnLst>
+                                </p:cTn>
+                              </p:par>
+                              <p:par>
+                                <p:cTn id="31" presetID="2" presetClass="exit" presetSubtype="4" fill="hold" grpId="1" nodeType="withEffect">
+                                  <p:stCondLst>
+                                    <p:cond delay="0"/>
+                                  </p:stCondLst>
+                                  <p:childTnLst>
+                                    <p:anim calcmode="lin" valueType="num">
+                                      <p:cBhvr additive="base">
+                                        <p:cTn id="32" dur="500"/>
+                                        <p:tgtEl>
+                                          <p:spTgt spid="14"/>
+                                        </p:tgtEl>
+                                        <p:attrNameLst>
+                                          <p:attrName>ppt_x</p:attrName>
+                                        </p:attrNameLst>
+                                      </p:cBhvr>
+                                      <p:tavLst>
+                                        <p:tav tm="0">
+                                          <p:val>
+                                            <p:strVal val="ppt_x"/>
+                                          </p:val>
+                                        </p:tav>
+                                        <p:tav tm="100000">
+                                          <p:val>
+                                            <p:strVal val="ppt_x"/>
+                                          </p:val>
+                                        </p:tav>
+                                      </p:tavLst>
+                                    </p:anim>
+                                    <p:anim calcmode="lin" valueType="num">
+                                      <p:cBhvr additive="base">
+                                        <p:cTn id="33" dur="500"/>
+                                        <p:tgtEl>
+                                          <p:spTgt spid="14"/>
+                                        </p:tgtEl>
+                                        <p:attrNameLst>
+                                          <p:attrName>ppt_y</p:attrName>
+                                        </p:attrNameLst>
+                                      </p:cBhvr>
+                                      <p:tavLst>
+                                        <p:tav tm="0">
+                                          <p:val>
+                                            <p:strVal val="ppt_y"/>
+                                          </p:val>
+                                        </p:tav>
+                                        <p:tav tm="100000">
+                                          <p:val>
+                                            <p:strVal val="1+ppt_h/2"/>
+                                          </p:val>
+                                        </p:tav>
+                                      </p:tavLst>
+                                    </p:anim>
+                                    <p:set>
+                                      <p:cBhvr>
+                                        <p:cTn id="34" dur="1" fill="hold">
+                                          <p:stCondLst>
+                                            <p:cond delay="499"/>
+                                          </p:stCondLst>
+                                        </p:cTn>
+                                        <p:tgtEl>
+                                          <p:spTgt spid="14"/>
+                                        </p:tgtEl>
+                                        <p:attrNameLst>
+                                          <p:attrName>style.visibility</p:attrName>
+                                        </p:attrNameLst>
+                                      </p:cBhvr>
+                                      <p:to>
+                                        <p:strVal val="hidden"/>
+                                      </p:to>
+                                    </p:set>
+                                  </p:childTnLst>
+                                </p:cTn>
+                              </p:par>
+                              <p:par>
+                                <p:cTn id="35" presetID="2" presetClass="exit" presetSubtype="4" fill="hold" grpId="1" nodeType="withEffect">
+                                  <p:stCondLst>
+                                    <p:cond delay="0"/>
+                                  </p:stCondLst>
+                                  <p:childTnLst>
+                                    <p:anim calcmode="lin" valueType="num">
+                                      <p:cBhvr additive="base">
+                                        <p:cTn id="36" dur="500"/>
+                                        <p:tgtEl>
+                                          <p:spTgt spid="17"/>
+                                        </p:tgtEl>
+                                        <p:attrNameLst>
+                                          <p:attrName>ppt_x</p:attrName>
+                                        </p:attrNameLst>
+                                      </p:cBhvr>
+                                      <p:tavLst>
+                                        <p:tav tm="0">
+                                          <p:val>
+                                            <p:strVal val="ppt_x"/>
+                                          </p:val>
+                                        </p:tav>
+                                        <p:tav tm="100000">
+                                          <p:val>
+                                            <p:strVal val="ppt_x"/>
+                                          </p:val>
+                                        </p:tav>
+                                      </p:tavLst>
+                                    </p:anim>
+                                    <p:anim calcmode="lin" valueType="num">
+                                      <p:cBhvr additive="base">
+                                        <p:cTn id="37" dur="500"/>
+                                        <p:tgtEl>
+                                          <p:spTgt spid="17"/>
+                                        </p:tgtEl>
+                                        <p:attrNameLst>
+                                          <p:attrName>ppt_y</p:attrName>
+                                        </p:attrNameLst>
+                                      </p:cBhvr>
+                                      <p:tavLst>
+                                        <p:tav tm="0">
+                                          <p:val>
+                                            <p:strVal val="ppt_y"/>
+                                          </p:val>
+                                        </p:tav>
+                                        <p:tav tm="100000">
+                                          <p:val>
+                                            <p:strVal val="1+ppt_h/2"/>
+                                          </p:val>
+                                        </p:tav>
+                                      </p:tavLst>
+                                    </p:anim>
+                                    <p:set>
+                                      <p:cBhvr>
+                                        <p:cTn id="38" dur="1" fill="hold">
+                                          <p:stCondLst>
+                                            <p:cond delay="499"/>
+                                          </p:stCondLst>
+                                        </p:cTn>
+                                        <p:tgtEl>
+                                          <p:spTgt spid="17"/>
+                                        </p:tgtEl>
+                                        <p:attrNameLst>
+                                          <p:attrName>style.visibility</p:attrName>
+                                        </p:attrNameLst>
+                                      </p:cBhvr>
+                                      <p:to>
+                                        <p:strVal val="hidden"/>
+                                      </p:to>
+                                    </p:set>
+                                  </p:childTnLst>
+                                </p:cTn>
+                              </p:par>
+                              <p:par>
+                                <p:cTn id="39" presetID="2" presetClass="exit" presetSubtype="4" fill="hold" grpId="1" nodeType="withEffect">
+                                  <p:stCondLst>
+                                    <p:cond delay="0"/>
+                                  </p:stCondLst>
+                                  <p:childTnLst>
+                                    <p:anim calcmode="lin" valueType="num">
+                                      <p:cBhvr additive="base">
+                                        <p:cTn id="40" dur="500"/>
+                                        <p:tgtEl>
+                                          <p:spTgt spid="15"/>
+                                        </p:tgtEl>
+                                        <p:attrNameLst>
+                                          <p:attrName>ppt_x</p:attrName>
+                                        </p:attrNameLst>
+                                      </p:cBhvr>
+                                      <p:tavLst>
+                                        <p:tav tm="0">
+                                          <p:val>
+                                            <p:strVal val="ppt_x"/>
+                                          </p:val>
+                                        </p:tav>
+                                        <p:tav tm="100000">
+                                          <p:val>
+                                            <p:strVal val="ppt_x"/>
+                                          </p:val>
+                                        </p:tav>
+                                      </p:tavLst>
+                                    </p:anim>
+                                    <p:anim calcmode="lin" valueType="num">
+                                      <p:cBhvr additive="base">
+                                        <p:cTn id="41" dur="500"/>
+                                        <p:tgtEl>
+                                          <p:spTgt spid="15"/>
+                                        </p:tgtEl>
+                                        <p:attrNameLst>
+                                          <p:attrName>ppt_y</p:attrName>
+                                        </p:attrNameLst>
+                                      </p:cBhvr>
+                                      <p:tavLst>
+                                        <p:tav tm="0">
+                                          <p:val>
+                                            <p:strVal val="ppt_y"/>
+                                          </p:val>
+                                        </p:tav>
+                                        <p:tav tm="100000">
+                                          <p:val>
+                                            <p:strVal val="1+ppt_h/2"/>
+                                          </p:val>
+                                        </p:tav>
+                                      </p:tavLst>
+                                    </p:anim>
+                                    <p:set>
+                                      <p:cBhvr>
+                                        <p:cTn id="42" dur="1" fill="hold">
+                                          <p:stCondLst>
+                                            <p:cond delay="499"/>
+                                          </p:stCondLst>
+                                        </p:cTn>
+                                        <p:tgtEl>
+                                          <p:spTgt spid="15"/>
+                                        </p:tgtEl>
+                                        <p:attrNameLst>
+                                          <p:attrName>style.visibility</p:attrName>
+                                        </p:attrNameLst>
+                                      </p:cBhvr>
+                                      <p:to>
+                                        <p:strVal val="hidden"/>
+                                      </p:to>
+                                    </p:set>
+                                  </p:childTnLst>
+                                </p:cTn>
+                              </p:par>
+                            </p:childTnLst>
+                          </p:cTn>
+                        </p:par>
+                      </p:childTnLst>
+                    </p:cTn>
+                  </p:par>
                 </p:childTnLst>
               </p:cTn>
               <p:prevCondLst>
@@ -5449,9 +5760,528 @@
     <p:bldLst>
       <p:bldP spid="10" grpId="0" animBg="1"/>
       <p:bldP spid="14" grpId="0" animBg="1"/>
+      <p:bldP spid="14" grpId="1" animBg="1"/>
       <p:bldP spid="15" grpId="0" animBg="1"/>
+      <p:bldP spid="15" grpId="1" animBg="1"/>
       <p:bldP spid="16" grpId="0" animBg="1"/>
+      <p:bldP spid="16" grpId="1" animBg="1"/>
       <p:bldP spid="17" grpId="0" animBg="1"/>
+      <p:bldP spid="17" grpId="1" animBg="1"/>
+    </p:bldLst>
+  </p:timing>
+</p:sld>
+</file>
+
+<file path=ppt/slides/slide5.xml><?xml version="1.0" encoding="utf-8"?>
+<p:sld xmlns:a="http://schemas.openxmlformats.org/drawingml/2006/main" xmlns:r="http://schemas.openxmlformats.org/officeDocument/2006/relationships" xmlns:p="http://schemas.openxmlformats.org/presentationml/2006/main">
+  <p:cSld>
+    <p:spTree>
+      <p:nvGrpSpPr>
+        <p:cNvPr id="1" name=""/>
+        <p:cNvGrpSpPr/>
+        <p:nvPr/>
+      </p:nvGrpSpPr>
+      <p:grpSpPr>
+        <a:xfrm>
+          <a:off x="0" y="0"/>
+          <a:ext cx="0" cy="0"/>
+          <a:chOff x="0" y="0"/>
+          <a:chExt cx="0" cy="0"/>
+        </a:xfrm>
+      </p:grpSpPr>
+      <p:pic>
+        <p:nvPicPr>
+          <p:cNvPr id="11" name="Immagine 10" descr="lab_topology.png"/>
+          <p:cNvPicPr>
+            <a:picLocks noChangeAspect="1"/>
+          </p:cNvPicPr>
+          <p:nvPr/>
+        </p:nvPicPr>
+        <p:blipFill>
+          <a:blip r:embed="rId2"/>
+          <a:stretch>
+            <a:fillRect/>
+          </a:stretch>
+        </p:blipFill>
+        <p:spPr>
+          <a:xfrm>
+            <a:off x="1146402" y="714356"/>
+            <a:ext cx="6851196" cy="5488445"/>
+          </a:xfrm>
+          <a:prstGeom prst="rect">
+            <a:avLst/>
+          </a:prstGeom>
+          <a:ln>
+            <a:noFill/>
+          </a:ln>
+          <a:effectLst>
+            <a:outerShdw blurRad="292100" dist="139700" dir="2700000" algn="tl" rotWithShape="0">
+              <a:srgbClr val="333333">
+                <a:alpha val="65000"/>
+              </a:srgbClr>
+            </a:outerShdw>
+          </a:effectLst>
+        </p:spPr>
+      </p:pic>
+      <p:sp>
+        <p:nvSpPr>
+          <p:cNvPr id="6" name="Segnaposto data 5"/>
+          <p:cNvSpPr>
+            <a:spLocks noGrp="1"/>
+          </p:cNvSpPr>
+          <p:nvPr>
+            <p:ph type="dt" sz="half" idx="10"/>
+          </p:nvPr>
+        </p:nvSpPr>
+        <p:spPr/>
+        <p:txBody>
+          <a:bodyPr/>
+          <a:lstStyle/>
+          <a:p>
+            <a:r>
+              <a:rPr lang="it-IT" smtClean="0"/>
+              <a:t>Anno accademico 2007/2008</a:t>
+            </a:r>
+            <a:endParaRPr lang="it-IT" dirty="0"/>
+          </a:p>
+        </p:txBody>
+      </p:sp>
+      <p:sp>
+        <p:nvSpPr>
+          <p:cNvPr id="7" name="Segnaposto numero diapositiva 6"/>
+          <p:cNvSpPr>
+            <a:spLocks noGrp="1"/>
+          </p:cNvSpPr>
+          <p:nvPr>
+            <p:ph type="sldNum" sz="quarter" idx="12"/>
+          </p:nvPr>
+        </p:nvSpPr>
+        <p:spPr/>
+        <p:txBody>
+          <a:bodyPr/>
+          <a:lstStyle/>
+          <a:p>
+            <a:fld id="{BB9EEBAB-65FC-4513-B19A-4B06FD56D3C9}" type="slidenum">
+              <a:rPr lang="it-IT" smtClean="0"/>
+              <a:pPr/>
+              <a:t>5</a:t>
+            </a:fld>
+            <a:endParaRPr lang="it-IT" dirty="0"/>
+          </a:p>
+        </p:txBody>
+      </p:sp>
+      <p:sp>
+        <p:nvSpPr>
+          <p:cNvPr id="8" name="Segnaposto piè di pagina 7"/>
+          <p:cNvSpPr>
+            <a:spLocks noGrp="1"/>
+          </p:cNvSpPr>
+          <p:nvPr>
+            <p:ph type="ftr" sz="quarter" idx="11"/>
+          </p:nvPr>
+        </p:nvSpPr>
+        <p:spPr/>
+        <p:txBody>
+          <a:bodyPr/>
+          <a:lstStyle/>
+          <a:p>
+            <a:r>
+              <a:rPr lang="it-IT" smtClean="0"/>
+              <a:t>Università degli studi di Roma Tre</a:t>
+            </a:r>
+            <a:endParaRPr lang="it-IT" dirty="0"/>
+          </a:p>
+        </p:txBody>
+      </p:sp>
+      <p:sp>
+        <p:nvSpPr>
+          <p:cNvPr id="9" name="Titolo 3"/>
+          <p:cNvSpPr>
+            <a:spLocks noGrp="1"/>
+          </p:cNvSpPr>
+          <p:nvPr>
+            <p:ph type="ctrTitle"/>
+          </p:nvPr>
+        </p:nvSpPr>
+        <p:spPr>
+          <a:xfrm>
+            <a:off x="2321671" y="0"/>
+            <a:ext cx="6822329" cy="742954"/>
+          </a:xfrm>
+        </p:spPr>
+        <p:txBody>
+          <a:bodyPr>
+            <a:noAutofit/>
+          </a:bodyPr>
+          <a:lstStyle/>
+          <a:p>
+            <a:r>
+              <a:rPr lang="en-US" sz="3600" dirty="0" err="1" smtClean="0"/>
+              <a:t>Complessit</a:t>
+            </a:r>
+            <a:r>
+              <a:rPr lang="it-IT" sz="3600" dirty="0" smtClean="0"/>
+              <a:t>à</a:t>
+            </a:r>
+            <a:r>
+              <a:rPr lang="en-US" sz="3600" dirty="0" smtClean="0"/>
+              <a:t> </a:t>
+            </a:r>
+            <a:r>
+              <a:rPr lang="en-US" sz="3600" dirty="0" err="1" smtClean="0"/>
+              <a:t>delle</a:t>
+            </a:r>
+            <a:r>
+              <a:rPr lang="en-US" sz="3600" dirty="0" smtClean="0"/>
+              <a:t> </a:t>
+            </a:r>
+            <a:r>
+              <a:rPr lang="en-US" sz="3600" dirty="0" err="1" smtClean="0"/>
+              <a:t>configurazioni</a:t>
+            </a:r>
+            <a:endParaRPr lang="it-IT" sz="3600" dirty="0"/>
+          </a:p>
+        </p:txBody>
+      </p:sp>
+      <p:pic>
+        <p:nvPicPr>
+          <p:cNvPr id="12" name="Immagine 11" descr="lab_topology.png"/>
+          <p:cNvPicPr>
+            <a:picLocks noChangeAspect="1"/>
+          </p:cNvPicPr>
+          <p:nvPr/>
+        </p:nvPicPr>
+        <p:blipFill>
+          <a:blip r:embed="rId2"/>
+          <a:stretch>
+            <a:fillRect/>
+          </a:stretch>
+        </p:blipFill>
+        <p:spPr>
+          <a:xfrm>
+            <a:off x="214282" y="1285860"/>
+            <a:ext cx="2916495" cy="2336384"/>
+          </a:xfrm>
+          <a:prstGeom prst="rect">
+            <a:avLst/>
+          </a:prstGeom>
+          <a:ln>
+            <a:noFill/>
+          </a:ln>
+          <a:effectLst>
+            <a:outerShdw blurRad="292100" dist="139700" dir="2700000" algn="tl" rotWithShape="0">
+              <a:srgbClr val="333333">
+                <a:alpha val="65000"/>
+              </a:srgbClr>
+            </a:outerShdw>
+          </a:effectLst>
+        </p:spPr>
+      </p:pic>
+      <p:pic>
+        <p:nvPicPr>
+          <p:cNvPr id="13" name="Immagine 12" descr="lab_structure.png"/>
+          <p:cNvPicPr>
+            <a:picLocks noChangeAspect="1"/>
+          </p:cNvPicPr>
+          <p:nvPr/>
+        </p:nvPicPr>
+        <p:blipFill>
+          <a:blip r:embed="rId3"/>
+          <a:stretch>
+            <a:fillRect/>
+          </a:stretch>
+        </p:blipFill>
+        <p:spPr>
+          <a:xfrm>
+            <a:off x="3357554" y="714356"/>
+            <a:ext cx="1857388" cy="5633062"/>
+          </a:xfrm>
+          <a:prstGeom prst="rect">
+            <a:avLst/>
+          </a:prstGeom>
+          <a:ln>
+            <a:noFill/>
+          </a:ln>
+          <a:effectLst>
+            <a:outerShdw blurRad="292100" dist="139700" dir="2700000" algn="tl" rotWithShape="0">
+              <a:srgbClr val="333333">
+                <a:alpha val="65000"/>
+              </a:srgbClr>
+            </a:outerShdw>
+          </a:effectLst>
+        </p:spPr>
+        <p:style>
+          <a:lnRef idx="3">
+            <a:schemeClr val="lt1"/>
+          </a:lnRef>
+          <a:fillRef idx="1">
+            <a:schemeClr val="accent2"/>
+          </a:fillRef>
+          <a:effectRef idx="1">
+            <a:schemeClr val="accent2"/>
+          </a:effectRef>
+          <a:fontRef idx="minor">
+            <a:schemeClr val="lt1"/>
+          </a:fontRef>
+        </p:style>
+      </p:pic>
+      <p:sp>
+        <p:nvSpPr>
+          <p:cNvPr id="18" name="Freccia curva 17"/>
+          <p:cNvSpPr/>
+          <p:nvPr/>
+        </p:nvSpPr>
+        <p:spPr>
+          <a:xfrm flipV="1">
+            <a:off x="1214414" y="4000504"/>
+            <a:ext cx="1857388" cy="1571636"/>
+          </a:xfrm>
+          <a:prstGeom prst="bentArrow">
+            <a:avLst/>
+          </a:prstGeom>
+        </p:spPr>
+        <p:style>
+          <a:lnRef idx="0">
+            <a:schemeClr val="accent1"/>
+          </a:lnRef>
+          <a:fillRef idx="3">
+            <a:schemeClr val="accent1"/>
+          </a:fillRef>
+          <a:effectRef idx="3">
+            <a:schemeClr val="accent1"/>
+          </a:effectRef>
+          <a:fontRef idx="minor">
+            <a:schemeClr val="lt1"/>
+          </a:fontRef>
+        </p:style>
+        <p:txBody>
+          <a:bodyPr rtlCol="0" anchor="ctr"/>
+          <a:lstStyle/>
+          <a:p>
+            <a:pPr algn="ctr"/>
+            <a:endParaRPr lang="it-IT">
+              <a:solidFill>
+                <a:schemeClr val="tx1"/>
+              </a:solidFill>
+            </a:endParaRPr>
+          </a:p>
+        </p:txBody>
+      </p:sp>
+    </p:spTree>
+  </p:cSld>
+  <p:clrMapOvr>
+    <a:masterClrMapping/>
+  </p:clrMapOvr>
+  <p:transition>
+    <p:fade/>
+  </p:transition>
+  <p:timing>
+    <p:tnLst>
+      <p:par>
+        <p:cTn id="1" dur="indefinite" restart="never" nodeType="tmRoot">
+          <p:childTnLst>
+            <p:seq concurrent="1" nextAc="seek">
+              <p:cTn id="2" dur="indefinite" nodeType="mainSeq">
+                <p:childTnLst>
+                  <p:par>
+                    <p:cTn id="3" fill="hold">
+                      <p:stCondLst>
+                        <p:cond delay="indefinite"/>
+                      </p:stCondLst>
+                      <p:childTnLst>
+                        <p:par>
+                          <p:cTn id="4" fill="hold">
+                            <p:stCondLst>
+                              <p:cond delay="0"/>
+                            </p:stCondLst>
+                            <p:childTnLst>
+                              <p:par>
+                                <p:cTn id="5" presetID="10" presetClass="exit" presetSubtype="0" fill="hold" nodeType="clickEffect">
+                                  <p:stCondLst>
+                                    <p:cond delay="0"/>
+                                  </p:stCondLst>
+                                  <p:childTnLst>
+                                    <p:animEffect transition="out" filter="fade">
+                                      <p:cBhvr>
+                                        <p:cTn id="6" dur="2000"/>
+                                        <p:tgtEl>
+                                          <p:spTgt spid="11"/>
+                                        </p:tgtEl>
+                                      </p:cBhvr>
+                                    </p:animEffect>
+                                    <p:set>
+                                      <p:cBhvr>
+                                        <p:cTn id="7" dur="1" fill="hold">
+                                          <p:stCondLst>
+                                            <p:cond delay="1999"/>
+                                          </p:stCondLst>
+                                        </p:cTn>
+                                        <p:tgtEl>
+                                          <p:spTgt spid="11"/>
+                                        </p:tgtEl>
+                                        <p:attrNameLst>
+                                          <p:attrName>style.visibility</p:attrName>
+                                        </p:attrNameLst>
+                                      </p:cBhvr>
+                                      <p:to>
+                                        <p:strVal val="hidden"/>
+                                      </p:to>
+                                    </p:set>
+                                  </p:childTnLst>
+                                </p:cTn>
+                              </p:par>
+                              <p:par>
+                                <p:cTn id="8" presetID="10" presetClass="entr" presetSubtype="0" fill="hold" nodeType="withEffect">
+                                  <p:stCondLst>
+                                    <p:cond delay="0"/>
+                                  </p:stCondLst>
+                                  <p:childTnLst>
+                                    <p:set>
+                                      <p:cBhvr>
+                                        <p:cTn id="9" dur="1" fill="hold">
+                                          <p:stCondLst>
+                                            <p:cond delay="0"/>
+                                          </p:stCondLst>
+                                        </p:cTn>
+                                        <p:tgtEl>
+                                          <p:spTgt spid="12"/>
+                                        </p:tgtEl>
+                                        <p:attrNameLst>
+                                          <p:attrName>style.visibility</p:attrName>
+                                        </p:attrNameLst>
+                                      </p:cBhvr>
+                                      <p:to>
+                                        <p:strVal val="visible"/>
+                                      </p:to>
+                                    </p:set>
+                                    <p:animEffect transition="in" filter="fade">
+                                      <p:cBhvr>
+                                        <p:cTn id="10" dur="2000"/>
+                                        <p:tgtEl>
+                                          <p:spTgt spid="12"/>
+                                        </p:tgtEl>
+                                      </p:cBhvr>
+                                    </p:animEffect>
+                                  </p:childTnLst>
+                                </p:cTn>
+                              </p:par>
+                            </p:childTnLst>
+                          </p:cTn>
+                        </p:par>
+                      </p:childTnLst>
+                    </p:cTn>
+                  </p:par>
+                  <p:par>
+                    <p:cTn id="11" fill="hold">
+                      <p:stCondLst>
+                        <p:cond delay="indefinite"/>
+                      </p:stCondLst>
+                      <p:childTnLst>
+                        <p:par>
+                          <p:cTn id="12" fill="hold">
+                            <p:stCondLst>
+                              <p:cond delay="0"/>
+                            </p:stCondLst>
+                            <p:childTnLst>
+                              <p:par>
+                                <p:cTn id="13" presetID="10" presetClass="entr" presetSubtype="0" fill="hold" grpId="0" nodeType="clickEffect">
+                                  <p:stCondLst>
+                                    <p:cond delay="0"/>
+                                  </p:stCondLst>
+                                  <p:childTnLst>
+                                    <p:set>
+                                      <p:cBhvr>
+                                        <p:cTn id="14" dur="1" fill="hold">
+                                          <p:stCondLst>
+                                            <p:cond delay="0"/>
+                                          </p:stCondLst>
+                                        </p:cTn>
+                                        <p:tgtEl>
+                                          <p:spTgt spid="18"/>
+                                        </p:tgtEl>
+                                        <p:attrNameLst>
+                                          <p:attrName>style.visibility</p:attrName>
+                                        </p:attrNameLst>
+                                      </p:cBhvr>
+                                      <p:to>
+                                        <p:strVal val="visible"/>
+                                      </p:to>
+                                    </p:set>
+                                    <p:animEffect transition="in" filter="fade">
+                                      <p:cBhvr>
+                                        <p:cTn id="15" dur="2000"/>
+                                        <p:tgtEl>
+                                          <p:spTgt spid="18"/>
+                                        </p:tgtEl>
+                                      </p:cBhvr>
+                                    </p:animEffect>
+                                  </p:childTnLst>
+                                </p:cTn>
+                              </p:par>
+                              <p:par>
+                                <p:cTn id="16" presetID="10" presetClass="entr" presetSubtype="0" fill="hold" nodeType="withEffect">
+                                  <p:stCondLst>
+                                    <p:cond delay="0"/>
+                                  </p:stCondLst>
+                                  <p:childTnLst>
+                                    <p:set>
+                                      <p:cBhvr>
+                                        <p:cTn id="17" dur="1" fill="hold">
+                                          <p:stCondLst>
+                                            <p:cond delay="0"/>
+                                          </p:stCondLst>
+                                        </p:cTn>
+                                        <p:tgtEl>
+                                          <p:spTgt spid="13"/>
+                                        </p:tgtEl>
+                                        <p:attrNameLst>
+                                          <p:attrName>style.visibility</p:attrName>
+                                        </p:attrNameLst>
+                                      </p:cBhvr>
+                                      <p:to>
+                                        <p:strVal val="visible"/>
+                                      </p:to>
+                                    </p:set>
+                                    <p:animEffect transition="in" filter="fade">
+                                      <p:cBhvr>
+                                        <p:cTn id="18" dur="2000"/>
+                                        <p:tgtEl>
+                                          <p:spTgt spid="13"/>
+                                        </p:tgtEl>
+                                      </p:cBhvr>
+                                    </p:animEffect>
+                                  </p:childTnLst>
+                                </p:cTn>
+                              </p:par>
+                            </p:childTnLst>
+                          </p:cTn>
+                        </p:par>
+                      </p:childTnLst>
+                    </p:cTn>
+                  </p:par>
+                </p:childTnLst>
+              </p:cTn>
+              <p:prevCondLst>
+                <p:cond evt="onPrev" delay="0">
+                  <p:tgtEl>
+                    <p:sldTgt/>
+                  </p:tgtEl>
+                </p:cond>
+              </p:prevCondLst>
+              <p:nextCondLst>
+                <p:cond evt="onNext" delay="0">
+                  <p:tgtEl>
+                    <p:sldTgt/>
+                  </p:tgtEl>
+                </p:cond>
+              </p:nextCondLst>
+            </p:seq>
+          </p:childTnLst>
+        </p:cTn>
+      </p:par>
+    </p:tnLst>
+    <p:bldLst>
+      <p:bldP spid="18" grpId="0" animBg="1"/>
     </p:bldLst>
   </p:timing>
 </p:sld>

--- a/thesis_adf/presentazione_tesi/presentazione.pptx
+++ b/thesis_adf/presentazione_tesi/presentazione.pptx
@@ -5,14 +5,13 @@
     <p:sldMasterId id="2147483648" r:id="rId1"/>
   </p:sldMasterIdLst>
   <p:notesMasterIdLst>
-    <p:notesMasterId r:id="rId7"/>
+    <p:notesMasterId r:id="rId6"/>
   </p:notesMasterIdLst>
   <p:sldIdLst>
     <p:sldId id="256" r:id="rId2"/>
     <p:sldId id="257" r:id="rId3"/>
-    <p:sldId id="258" r:id="rId4"/>
-    <p:sldId id="259" r:id="rId5"/>
-    <p:sldId id="260" r:id="rId6"/>
+    <p:sldId id="259" r:id="rId4"/>
+    <p:sldId id="260" r:id="rId5"/>
   </p:sldIdLst>
   <p:sldSz cx="9144000" cy="6858000" type="screen4x3"/>
   <p:notesSz cx="6858000" cy="9144000"/>
@@ -4522,173 +4521,6 @@
               <a:rPr lang="it-IT" smtClean="0"/>
               <a:pPr/>
               <a:t>3</a:t>
-            </a:fld>
-            <a:endParaRPr lang="it-IT" dirty="0"/>
-          </a:p>
-        </p:txBody>
-      </p:sp>
-      <p:sp>
-        <p:nvSpPr>
-          <p:cNvPr id="8" name="Segnaposto piè di pagina 7"/>
-          <p:cNvSpPr>
-            <a:spLocks noGrp="1"/>
-          </p:cNvSpPr>
-          <p:nvPr>
-            <p:ph type="ftr" sz="quarter" idx="11"/>
-          </p:nvPr>
-        </p:nvSpPr>
-        <p:spPr/>
-        <p:txBody>
-          <a:bodyPr/>
-          <a:lstStyle/>
-          <a:p>
-            <a:r>
-              <a:rPr lang="it-IT" smtClean="0"/>
-              <a:t>Università degli studi di Roma Tre</a:t>
-            </a:r>
-            <a:endParaRPr lang="it-IT" dirty="0"/>
-          </a:p>
-        </p:txBody>
-      </p:sp>
-      <p:pic>
-        <p:nvPicPr>
-          <p:cNvPr id="11" name="Immagine 10" descr="Internet_marc.jpg"/>
-          <p:cNvPicPr>
-            <a:picLocks noChangeAspect="1"/>
-          </p:cNvPicPr>
-          <p:nvPr/>
-        </p:nvPicPr>
-        <p:blipFill>
-          <a:blip r:embed="rId2"/>
-          <a:stretch>
-            <a:fillRect/>
-          </a:stretch>
-        </p:blipFill>
-        <p:spPr>
-          <a:xfrm>
-            <a:off x="0" y="0"/>
-            <a:ext cx="9144000" cy="6858000"/>
-          </a:xfrm>
-          <a:prstGeom prst="rect">
-            <a:avLst/>
-          </a:prstGeom>
-        </p:spPr>
-      </p:pic>
-      <p:sp>
-        <p:nvSpPr>
-          <p:cNvPr id="12" name="CasellaDiTesto 11"/>
-          <p:cNvSpPr txBox="1"/>
-          <p:nvPr/>
-        </p:nvSpPr>
-        <p:spPr>
-          <a:xfrm>
-            <a:off x="214282" y="5857892"/>
-            <a:ext cx="3576364" cy="769441"/>
-          </a:xfrm>
-          <a:prstGeom prst="rect">
-            <a:avLst/>
-          </a:prstGeom>
-          <a:noFill/>
-        </p:spPr>
-        <p:txBody>
-          <a:bodyPr wrap="none" rtlCol="0">
-            <a:spAutoFit/>
-          </a:bodyPr>
-          <a:lstStyle/>
-          <a:p>
-            <a:r>
-              <a:rPr lang="en-US" sz="4400" dirty="0" smtClean="0">
-                <a:solidFill>
-                  <a:schemeClr val="bg1"/>
-                </a:solidFill>
-              </a:rPr>
-              <a:t>Internet Graph</a:t>
-            </a:r>
-            <a:endParaRPr lang="it-IT" sz="4400" dirty="0">
-              <a:solidFill>
-                <a:schemeClr val="bg1"/>
-              </a:solidFill>
-            </a:endParaRPr>
-          </a:p>
-        </p:txBody>
-      </p:sp>
-    </p:spTree>
-  </p:cSld>
-  <p:clrMapOvr>
-    <a:masterClrMapping/>
-  </p:clrMapOvr>
-  <p:transition advClick="0" advTm="1000">
-    <p:fade/>
-  </p:transition>
-  <p:timing>
-    <p:tnLst>
-      <p:par>
-        <p:cTn id="1" dur="indefinite" restart="never" nodeType="tmRoot"/>
-      </p:par>
-    </p:tnLst>
-  </p:timing>
-</p:sld>
-</file>
-
-<file path=ppt/slides/slide4.xml><?xml version="1.0" encoding="utf-8"?>
-<p:sld xmlns:a="http://schemas.openxmlformats.org/drawingml/2006/main" xmlns:r="http://schemas.openxmlformats.org/officeDocument/2006/relationships" xmlns:p="http://schemas.openxmlformats.org/presentationml/2006/main">
-  <p:cSld>
-    <p:spTree>
-      <p:nvGrpSpPr>
-        <p:cNvPr id="1" name=""/>
-        <p:cNvGrpSpPr/>
-        <p:nvPr/>
-      </p:nvGrpSpPr>
-      <p:grpSpPr>
-        <a:xfrm>
-          <a:off x="0" y="0"/>
-          <a:ext cx="0" cy="0"/>
-          <a:chOff x="0" y="0"/>
-          <a:chExt cx="0" cy="0"/>
-        </a:xfrm>
-      </p:grpSpPr>
-      <p:sp>
-        <p:nvSpPr>
-          <p:cNvPr id="6" name="Segnaposto data 5"/>
-          <p:cNvSpPr>
-            <a:spLocks noGrp="1"/>
-          </p:cNvSpPr>
-          <p:nvPr>
-            <p:ph type="dt" sz="half" idx="10"/>
-          </p:nvPr>
-        </p:nvSpPr>
-        <p:spPr/>
-        <p:txBody>
-          <a:bodyPr/>
-          <a:lstStyle/>
-          <a:p>
-            <a:r>
-              <a:rPr lang="it-IT" smtClean="0"/>
-              <a:t>Anno accademico 2007/2008</a:t>
-            </a:r>
-            <a:endParaRPr lang="it-IT" dirty="0"/>
-          </a:p>
-        </p:txBody>
-      </p:sp>
-      <p:sp>
-        <p:nvSpPr>
-          <p:cNvPr id="7" name="Segnaposto numero diapositiva 6"/>
-          <p:cNvSpPr>
-            <a:spLocks noGrp="1"/>
-          </p:cNvSpPr>
-          <p:nvPr>
-            <p:ph type="sldNum" sz="quarter" idx="12"/>
-          </p:nvPr>
-        </p:nvSpPr>
-        <p:spPr/>
-        <p:txBody>
-          <a:bodyPr/>
-          <a:lstStyle/>
-          <a:p>
-            <a:fld id="{BB9EEBAB-65FC-4513-B19A-4B06FD56D3C9}" type="slidenum">
-              <a:rPr lang="it-IT" smtClean="0"/>
-              <a:pPr/>
-              <a:t>4</a:t>
             </a:fld>
             <a:endParaRPr lang="it-IT" dirty="0"/>
           </a:p>
@@ -5772,7 +5604,7 @@
 </p:sld>
 </file>
 
-<file path=ppt/slides/slide5.xml><?xml version="1.0" encoding="utf-8"?>
+<file path=ppt/slides/slide4.xml><?xml version="1.0" encoding="utf-8"?>
 <p:sld xmlns:a="http://schemas.openxmlformats.org/drawingml/2006/main" xmlns:r="http://schemas.openxmlformats.org/officeDocument/2006/relationships" xmlns:p="http://schemas.openxmlformats.org/presentationml/2006/main">
   <p:cSld>
     <p:spTree>
@@ -5864,7 +5696,7 @@
             <a:fld id="{BB9EEBAB-65FC-4513-B19A-4B06FD56D3C9}" type="slidenum">
               <a:rPr lang="it-IT" smtClean="0"/>
               <a:pPr/>
-              <a:t>5</a:t>
+              <a:t>4</a:t>
             </a:fld>
             <a:endParaRPr lang="it-IT" dirty="0"/>
           </a:p>

--- a/thesis_adf/presentazione_tesi/presentazione.pptx
+++ b/thesis_adf/presentazione_tesi/presentazione.pptx
@@ -5,13 +5,19 @@
     <p:sldMasterId id="2147483648" r:id="rId1"/>
   </p:sldMasterIdLst>
   <p:notesMasterIdLst>
-    <p:notesMasterId r:id="rId6"/>
+    <p:notesMasterId r:id="rId12"/>
   </p:notesMasterIdLst>
   <p:sldIdLst>
     <p:sldId id="256" r:id="rId2"/>
     <p:sldId id="257" r:id="rId3"/>
     <p:sldId id="259" r:id="rId4"/>
     <p:sldId id="260" r:id="rId5"/>
+    <p:sldId id="261" r:id="rId6"/>
+    <p:sldId id="262" r:id="rId7"/>
+    <p:sldId id="263" r:id="rId8"/>
+    <p:sldId id="264" r:id="rId9"/>
+    <p:sldId id="265" r:id="rId10"/>
+    <p:sldId id="266" r:id="rId11"/>
   </p:sldIdLst>
   <p:sldSz cx="9144000" cy="6858000" type="screen4x3"/>
   <p:notesSz cx="6858000" cy="9144000"/>
@@ -111,6 +117,2590 @@
     </a:lvl9pPr>
   </p:defaultTextStyle>
 </p:presentation>
+</file>
+
+<file path=ppt/diagrams/colors1.xml><?xml version="1.0" encoding="utf-8"?>
+<dgm:colorsDef xmlns:dgm="http://schemas.openxmlformats.org/drawingml/2006/diagram" xmlns:a="http://schemas.openxmlformats.org/drawingml/2006/main" uniqueId="urn:microsoft.com/office/officeart/2005/8/colors/accent1_2">
+  <dgm:title val=""/>
+  <dgm:desc val=""/>
+  <dgm:catLst>
+    <dgm:cat type="accent1" pri="11200"/>
+  </dgm:catLst>
+  <dgm:styleLbl name="node0">
+    <dgm:fillClrLst meth="repeat">
+      <a:schemeClr val="accent1"/>
+    </dgm:fillClrLst>
+    <dgm:linClrLst meth="repeat">
+      <a:schemeClr val="lt1"/>
+    </dgm:linClrLst>
+    <dgm:effectClrLst/>
+    <dgm:txLinClrLst/>
+    <dgm:txFillClrLst/>
+    <dgm:txEffectClrLst/>
+  </dgm:styleLbl>
+  <dgm:styleLbl name="alignNode1">
+    <dgm:fillClrLst meth="repeat">
+      <a:schemeClr val="accent1"/>
+    </dgm:fillClrLst>
+    <dgm:linClrLst meth="repeat">
+      <a:schemeClr val="accent1"/>
+    </dgm:linClrLst>
+    <dgm:effectClrLst/>
+    <dgm:txLinClrLst/>
+    <dgm:txFillClrLst/>
+    <dgm:txEffectClrLst/>
+  </dgm:styleLbl>
+  <dgm:styleLbl name="node1">
+    <dgm:fillClrLst meth="repeat">
+      <a:schemeClr val="accent1"/>
+    </dgm:fillClrLst>
+    <dgm:linClrLst meth="repeat">
+      <a:schemeClr val="lt1"/>
+    </dgm:linClrLst>
+    <dgm:effectClrLst/>
+    <dgm:txLinClrLst/>
+    <dgm:txFillClrLst/>
+    <dgm:txEffectClrLst/>
+  </dgm:styleLbl>
+  <dgm:styleLbl name="lnNode1">
+    <dgm:fillClrLst meth="repeat">
+      <a:schemeClr val="accent1"/>
+    </dgm:fillClrLst>
+    <dgm:linClrLst meth="repeat">
+      <a:schemeClr val="lt1"/>
+    </dgm:linClrLst>
+    <dgm:effectClrLst/>
+    <dgm:txLinClrLst/>
+    <dgm:txFillClrLst/>
+    <dgm:txEffectClrLst/>
+  </dgm:styleLbl>
+  <dgm:styleLbl name="vennNode1">
+    <dgm:fillClrLst meth="repeat">
+      <a:schemeClr val="accent1">
+        <a:alpha val="50000"/>
+      </a:schemeClr>
+    </dgm:fillClrLst>
+    <dgm:linClrLst meth="repeat">
+      <a:schemeClr val="lt1"/>
+    </dgm:linClrLst>
+    <dgm:effectClrLst/>
+    <dgm:txLinClrLst/>
+    <dgm:txFillClrLst/>
+    <dgm:txEffectClrLst/>
+  </dgm:styleLbl>
+  <dgm:styleLbl name="node2">
+    <dgm:fillClrLst meth="repeat">
+      <a:schemeClr val="accent1"/>
+    </dgm:fillClrLst>
+    <dgm:linClrLst meth="repeat">
+      <a:schemeClr val="lt1"/>
+    </dgm:linClrLst>
+    <dgm:effectClrLst/>
+    <dgm:txLinClrLst/>
+    <dgm:txFillClrLst/>
+    <dgm:txEffectClrLst/>
+  </dgm:styleLbl>
+  <dgm:styleLbl name="node3">
+    <dgm:fillClrLst meth="repeat">
+      <a:schemeClr val="accent1"/>
+    </dgm:fillClrLst>
+    <dgm:linClrLst meth="repeat">
+      <a:schemeClr val="lt1"/>
+    </dgm:linClrLst>
+    <dgm:effectClrLst/>
+    <dgm:txLinClrLst/>
+    <dgm:txFillClrLst/>
+    <dgm:txEffectClrLst/>
+  </dgm:styleLbl>
+  <dgm:styleLbl name="node4">
+    <dgm:fillClrLst meth="repeat">
+      <a:schemeClr val="accent1"/>
+    </dgm:fillClrLst>
+    <dgm:linClrLst meth="repeat">
+      <a:schemeClr val="lt1"/>
+    </dgm:linClrLst>
+    <dgm:effectClrLst/>
+    <dgm:txLinClrLst/>
+    <dgm:txFillClrLst/>
+    <dgm:txEffectClrLst/>
+  </dgm:styleLbl>
+  <dgm:styleLbl name="fgImgPlace1">
+    <dgm:fillClrLst meth="repeat">
+      <a:schemeClr val="accent1">
+        <a:tint val="50000"/>
+      </a:schemeClr>
+    </dgm:fillClrLst>
+    <dgm:linClrLst meth="repeat">
+      <a:schemeClr val="lt1"/>
+    </dgm:linClrLst>
+    <dgm:effectClrLst/>
+    <dgm:txLinClrLst/>
+    <dgm:txFillClrLst meth="repeat">
+      <a:schemeClr val="lt1"/>
+    </dgm:txFillClrLst>
+    <dgm:txEffectClrLst/>
+  </dgm:styleLbl>
+  <dgm:styleLbl name="alignImgPlace1">
+    <dgm:fillClrLst meth="repeat">
+      <a:schemeClr val="accent1">
+        <a:tint val="50000"/>
+      </a:schemeClr>
+    </dgm:fillClrLst>
+    <dgm:linClrLst meth="repeat">
+      <a:schemeClr val="lt1"/>
+    </dgm:linClrLst>
+    <dgm:effectClrLst/>
+    <dgm:txLinClrLst/>
+    <dgm:txFillClrLst meth="repeat">
+      <a:schemeClr val="lt1"/>
+    </dgm:txFillClrLst>
+    <dgm:txEffectClrLst/>
+  </dgm:styleLbl>
+  <dgm:styleLbl name="bgImgPlace1">
+    <dgm:fillClrLst meth="repeat">
+      <a:schemeClr val="accent1">
+        <a:tint val="50000"/>
+      </a:schemeClr>
+    </dgm:fillClrLst>
+    <dgm:linClrLst meth="repeat">
+      <a:schemeClr val="lt1"/>
+    </dgm:linClrLst>
+    <dgm:effectClrLst/>
+    <dgm:txLinClrLst/>
+    <dgm:txFillClrLst meth="repeat">
+      <a:schemeClr val="lt1"/>
+    </dgm:txFillClrLst>
+    <dgm:txEffectClrLst/>
+  </dgm:styleLbl>
+  <dgm:styleLbl name="sibTrans2D1">
+    <dgm:fillClrLst meth="repeat">
+      <a:schemeClr val="accent1">
+        <a:tint val="60000"/>
+      </a:schemeClr>
+    </dgm:fillClrLst>
+    <dgm:linClrLst meth="repeat">
+      <a:schemeClr val="accent1">
+        <a:tint val="60000"/>
+      </a:schemeClr>
+    </dgm:linClrLst>
+    <dgm:effectClrLst/>
+    <dgm:txLinClrLst/>
+    <dgm:txFillClrLst/>
+    <dgm:txEffectClrLst/>
+  </dgm:styleLbl>
+  <dgm:styleLbl name="fgSibTrans2D1">
+    <dgm:fillClrLst meth="repeat">
+      <a:schemeClr val="accent1">
+        <a:tint val="60000"/>
+      </a:schemeClr>
+    </dgm:fillClrLst>
+    <dgm:linClrLst meth="repeat">
+      <a:schemeClr val="accent1">
+        <a:tint val="60000"/>
+      </a:schemeClr>
+    </dgm:linClrLst>
+    <dgm:effectClrLst/>
+    <dgm:txLinClrLst/>
+    <dgm:txFillClrLst/>
+    <dgm:txEffectClrLst/>
+  </dgm:styleLbl>
+  <dgm:styleLbl name="bgSibTrans2D1">
+    <dgm:fillClrLst meth="repeat">
+      <a:schemeClr val="accent1">
+        <a:tint val="60000"/>
+      </a:schemeClr>
+    </dgm:fillClrLst>
+    <dgm:linClrLst meth="repeat">
+      <a:schemeClr val="accent1">
+        <a:tint val="60000"/>
+      </a:schemeClr>
+    </dgm:linClrLst>
+    <dgm:effectClrLst/>
+    <dgm:txLinClrLst/>
+    <dgm:txFillClrLst/>
+    <dgm:txEffectClrLst/>
+  </dgm:styleLbl>
+  <dgm:styleLbl name="sibTrans1D1">
+    <dgm:fillClrLst meth="repeat">
+      <a:schemeClr val="accent1"/>
+    </dgm:fillClrLst>
+    <dgm:linClrLst meth="repeat">
+      <a:schemeClr val="accent1"/>
+    </dgm:linClrLst>
+    <dgm:effectClrLst/>
+    <dgm:txLinClrLst/>
+    <dgm:txFillClrLst meth="repeat">
+      <a:schemeClr val="tx1"/>
+    </dgm:txFillClrLst>
+    <dgm:txEffectClrLst/>
+  </dgm:styleLbl>
+  <dgm:styleLbl name="callout">
+    <dgm:fillClrLst meth="repeat">
+      <a:schemeClr val="accent1"/>
+    </dgm:fillClrLst>
+    <dgm:linClrLst meth="repeat">
+      <a:schemeClr val="accent1">
+        <a:tint val="50000"/>
+      </a:schemeClr>
+    </dgm:linClrLst>
+    <dgm:effectClrLst/>
+    <dgm:txLinClrLst/>
+    <dgm:txFillClrLst meth="repeat">
+      <a:schemeClr val="tx1"/>
+    </dgm:txFillClrLst>
+    <dgm:txEffectClrLst/>
+  </dgm:styleLbl>
+  <dgm:styleLbl name="asst0">
+    <dgm:fillClrLst meth="repeat">
+      <a:schemeClr val="accent1"/>
+    </dgm:fillClrLst>
+    <dgm:linClrLst meth="repeat">
+      <a:schemeClr val="lt1"/>
+    </dgm:linClrLst>
+    <dgm:effectClrLst/>
+    <dgm:txLinClrLst/>
+    <dgm:txFillClrLst/>
+    <dgm:txEffectClrLst/>
+  </dgm:styleLbl>
+  <dgm:styleLbl name="asst1">
+    <dgm:fillClrLst meth="repeat">
+      <a:schemeClr val="accent1"/>
+    </dgm:fillClrLst>
+    <dgm:linClrLst meth="repeat">
+      <a:schemeClr val="lt1"/>
+    </dgm:linClrLst>
+    <dgm:effectClrLst/>
+    <dgm:txLinClrLst/>
+    <dgm:txFillClrLst/>
+    <dgm:txEffectClrLst/>
+  </dgm:styleLbl>
+  <dgm:styleLbl name="asst2">
+    <dgm:fillClrLst meth="repeat">
+      <a:schemeClr val="accent1"/>
+    </dgm:fillClrLst>
+    <dgm:linClrLst meth="repeat">
+      <a:schemeClr val="lt1"/>
+    </dgm:linClrLst>
+    <dgm:effectClrLst/>
+    <dgm:txLinClrLst/>
+    <dgm:txFillClrLst/>
+    <dgm:txEffectClrLst/>
+  </dgm:styleLbl>
+  <dgm:styleLbl name="asst3">
+    <dgm:fillClrLst meth="repeat">
+      <a:schemeClr val="accent1"/>
+    </dgm:fillClrLst>
+    <dgm:linClrLst meth="repeat">
+      <a:schemeClr val="lt1"/>
+    </dgm:linClrLst>
+    <dgm:effectClrLst/>
+    <dgm:txLinClrLst/>
+    <dgm:txFillClrLst/>
+    <dgm:txEffectClrLst/>
+  </dgm:styleLbl>
+  <dgm:styleLbl name="asst4">
+    <dgm:fillClrLst meth="repeat">
+      <a:schemeClr val="accent1"/>
+    </dgm:fillClrLst>
+    <dgm:linClrLst meth="repeat">
+      <a:schemeClr val="lt1"/>
+    </dgm:linClrLst>
+    <dgm:effectClrLst/>
+    <dgm:txLinClrLst/>
+    <dgm:txFillClrLst/>
+    <dgm:txEffectClrLst/>
+  </dgm:styleLbl>
+  <dgm:styleLbl name="parChTrans2D1">
+    <dgm:fillClrLst meth="repeat">
+      <a:schemeClr val="accent1">
+        <a:tint val="60000"/>
+      </a:schemeClr>
+    </dgm:fillClrLst>
+    <dgm:linClrLst meth="repeat">
+      <a:schemeClr val="accent1">
+        <a:tint val="60000"/>
+      </a:schemeClr>
+    </dgm:linClrLst>
+    <dgm:effectClrLst/>
+    <dgm:txLinClrLst/>
+    <dgm:txFillClrLst meth="repeat">
+      <a:schemeClr val="lt1"/>
+    </dgm:txFillClrLst>
+    <dgm:txEffectClrLst/>
+  </dgm:styleLbl>
+  <dgm:styleLbl name="parChTrans2D2">
+    <dgm:fillClrLst meth="repeat">
+      <a:schemeClr val="accent1"/>
+    </dgm:fillClrLst>
+    <dgm:linClrLst meth="repeat">
+      <a:schemeClr val="accent1"/>
+    </dgm:linClrLst>
+    <dgm:effectClrLst/>
+    <dgm:txLinClrLst/>
+    <dgm:txFillClrLst meth="repeat">
+      <a:schemeClr val="lt1"/>
+    </dgm:txFillClrLst>
+    <dgm:txEffectClrLst/>
+  </dgm:styleLbl>
+  <dgm:styleLbl name="parChTrans2D3">
+    <dgm:fillClrLst meth="repeat">
+      <a:schemeClr val="accent1"/>
+    </dgm:fillClrLst>
+    <dgm:linClrLst meth="repeat">
+      <a:schemeClr val="accent1"/>
+    </dgm:linClrLst>
+    <dgm:effectClrLst/>
+    <dgm:txLinClrLst/>
+    <dgm:txFillClrLst meth="repeat">
+      <a:schemeClr val="lt1"/>
+    </dgm:txFillClrLst>
+    <dgm:txEffectClrLst/>
+  </dgm:styleLbl>
+  <dgm:styleLbl name="parChTrans2D4">
+    <dgm:fillClrLst meth="repeat">
+      <a:schemeClr val="accent1"/>
+    </dgm:fillClrLst>
+    <dgm:linClrLst meth="repeat">
+      <a:schemeClr val="accent1"/>
+    </dgm:linClrLst>
+    <dgm:effectClrLst/>
+    <dgm:txLinClrLst/>
+    <dgm:txFillClrLst meth="repeat">
+      <a:schemeClr val="lt1"/>
+    </dgm:txFillClrLst>
+    <dgm:txEffectClrLst/>
+  </dgm:styleLbl>
+  <dgm:styleLbl name="parChTrans1D1">
+    <dgm:fillClrLst meth="repeat">
+      <a:schemeClr val="accent1"/>
+    </dgm:fillClrLst>
+    <dgm:linClrLst meth="repeat">
+      <a:schemeClr val="accent1">
+        <a:shade val="60000"/>
+      </a:schemeClr>
+    </dgm:linClrLst>
+    <dgm:effectClrLst/>
+    <dgm:txLinClrLst/>
+    <dgm:txFillClrLst meth="repeat">
+      <a:schemeClr val="tx1"/>
+    </dgm:txFillClrLst>
+    <dgm:txEffectClrLst/>
+  </dgm:styleLbl>
+  <dgm:styleLbl name="parChTrans1D2">
+    <dgm:fillClrLst meth="repeat">
+      <a:schemeClr val="accent1"/>
+    </dgm:fillClrLst>
+    <dgm:linClrLst meth="repeat">
+      <a:schemeClr val="accent1">
+        <a:shade val="60000"/>
+      </a:schemeClr>
+    </dgm:linClrLst>
+    <dgm:effectClrLst/>
+    <dgm:txLinClrLst/>
+    <dgm:txFillClrLst meth="repeat">
+      <a:schemeClr val="tx1"/>
+    </dgm:txFillClrLst>
+    <dgm:txEffectClrLst/>
+  </dgm:styleLbl>
+  <dgm:styleLbl name="parChTrans1D3">
+    <dgm:fillClrLst meth="repeat">
+      <a:schemeClr val="accent1"/>
+    </dgm:fillClrLst>
+    <dgm:linClrLst meth="repeat">
+      <a:schemeClr val="accent1">
+        <a:shade val="80000"/>
+      </a:schemeClr>
+    </dgm:linClrLst>
+    <dgm:effectClrLst/>
+    <dgm:txLinClrLst/>
+    <dgm:txFillClrLst meth="repeat">
+      <a:schemeClr val="tx1"/>
+    </dgm:txFillClrLst>
+    <dgm:txEffectClrLst/>
+  </dgm:styleLbl>
+  <dgm:styleLbl name="parChTrans1D4">
+    <dgm:fillClrLst meth="repeat">
+      <a:schemeClr val="accent1"/>
+    </dgm:fillClrLst>
+    <dgm:linClrLst meth="repeat">
+      <a:schemeClr val="accent1">
+        <a:shade val="80000"/>
+      </a:schemeClr>
+    </dgm:linClrLst>
+    <dgm:effectClrLst/>
+    <dgm:txLinClrLst/>
+    <dgm:txFillClrLst meth="repeat">
+      <a:schemeClr val="tx1"/>
+    </dgm:txFillClrLst>
+    <dgm:txEffectClrLst/>
+  </dgm:styleLbl>
+  <dgm:styleLbl name="fgAcc1">
+    <dgm:fillClrLst meth="repeat">
+      <a:schemeClr val="lt1">
+        <a:alpha val="90000"/>
+      </a:schemeClr>
+    </dgm:fillClrLst>
+    <dgm:linClrLst meth="repeat">
+      <a:schemeClr val="accent1"/>
+    </dgm:linClrLst>
+    <dgm:effectClrLst/>
+    <dgm:txLinClrLst/>
+    <dgm:txFillClrLst meth="repeat">
+      <a:schemeClr val="dk1"/>
+    </dgm:txFillClrLst>
+    <dgm:txEffectClrLst/>
+  </dgm:styleLbl>
+  <dgm:styleLbl name="conFgAcc1">
+    <dgm:fillClrLst meth="repeat">
+      <a:schemeClr val="lt1">
+        <a:alpha val="90000"/>
+      </a:schemeClr>
+    </dgm:fillClrLst>
+    <dgm:linClrLst meth="repeat">
+      <a:schemeClr val="accent1"/>
+    </dgm:linClrLst>
+    <dgm:effectClrLst/>
+    <dgm:txLinClrLst/>
+    <dgm:txFillClrLst meth="repeat">
+      <a:schemeClr val="dk1"/>
+    </dgm:txFillClrLst>
+    <dgm:txEffectClrLst/>
+  </dgm:styleLbl>
+  <dgm:styleLbl name="alignAcc1">
+    <dgm:fillClrLst meth="repeat">
+      <a:schemeClr val="lt1">
+        <a:alpha val="90000"/>
+      </a:schemeClr>
+    </dgm:fillClrLst>
+    <dgm:linClrLst meth="repeat">
+      <a:schemeClr val="accent1"/>
+    </dgm:linClrLst>
+    <dgm:effectClrLst/>
+    <dgm:txLinClrLst/>
+    <dgm:txFillClrLst meth="repeat">
+      <a:schemeClr val="dk1"/>
+    </dgm:txFillClrLst>
+    <dgm:txEffectClrLst/>
+  </dgm:styleLbl>
+  <dgm:styleLbl name="trAlignAcc1">
+    <dgm:fillClrLst meth="repeat">
+      <a:schemeClr val="lt1">
+        <a:alpha val="40000"/>
+      </a:schemeClr>
+    </dgm:fillClrLst>
+    <dgm:linClrLst meth="repeat">
+      <a:schemeClr val="accent1"/>
+    </dgm:linClrLst>
+    <dgm:effectClrLst/>
+    <dgm:txLinClrLst/>
+    <dgm:txFillClrLst meth="repeat">
+      <a:schemeClr val="dk1"/>
+    </dgm:txFillClrLst>
+    <dgm:txEffectClrLst/>
+  </dgm:styleLbl>
+  <dgm:styleLbl name="bgAcc1">
+    <dgm:fillClrLst meth="repeat">
+      <a:schemeClr val="lt1">
+        <a:alpha val="90000"/>
+      </a:schemeClr>
+    </dgm:fillClrLst>
+    <dgm:linClrLst meth="repeat">
+      <a:schemeClr val="accent1"/>
+    </dgm:linClrLst>
+    <dgm:effectClrLst/>
+    <dgm:txLinClrLst/>
+    <dgm:txFillClrLst meth="repeat">
+      <a:schemeClr val="dk1"/>
+    </dgm:txFillClrLst>
+    <dgm:txEffectClrLst/>
+  </dgm:styleLbl>
+  <dgm:styleLbl name="solidFgAcc1">
+    <dgm:fillClrLst meth="repeat">
+      <a:schemeClr val="lt1"/>
+    </dgm:fillClrLst>
+    <dgm:linClrLst meth="repeat">
+      <a:schemeClr val="accent1"/>
+    </dgm:linClrLst>
+    <dgm:effectClrLst/>
+    <dgm:txLinClrLst/>
+    <dgm:txFillClrLst meth="repeat">
+      <a:schemeClr val="dk1"/>
+    </dgm:txFillClrLst>
+    <dgm:txEffectClrLst/>
+  </dgm:styleLbl>
+  <dgm:styleLbl name="solidAlignAcc1">
+    <dgm:fillClrLst meth="repeat">
+      <a:schemeClr val="lt1"/>
+    </dgm:fillClrLst>
+    <dgm:linClrLst meth="repeat">
+      <a:schemeClr val="accent1"/>
+    </dgm:linClrLst>
+    <dgm:effectClrLst/>
+    <dgm:txLinClrLst/>
+    <dgm:txFillClrLst meth="repeat">
+      <a:schemeClr val="dk1"/>
+    </dgm:txFillClrLst>
+    <dgm:txEffectClrLst/>
+  </dgm:styleLbl>
+  <dgm:styleLbl name="solidBgAcc1">
+    <dgm:fillClrLst meth="repeat">
+      <a:schemeClr val="lt1"/>
+    </dgm:fillClrLst>
+    <dgm:linClrLst meth="repeat">
+      <a:schemeClr val="accent1"/>
+    </dgm:linClrLst>
+    <dgm:effectClrLst/>
+    <dgm:txLinClrLst/>
+    <dgm:txFillClrLst meth="repeat">
+      <a:schemeClr val="dk1"/>
+    </dgm:txFillClrLst>
+    <dgm:txEffectClrLst/>
+  </dgm:styleLbl>
+  <dgm:styleLbl name="fgAccFollowNode1">
+    <dgm:fillClrLst meth="repeat">
+      <a:schemeClr val="accent1">
+        <a:alpha val="90000"/>
+        <a:tint val="40000"/>
+      </a:schemeClr>
+    </dgm:fillClrLst>
+    <dgm:linClrLst meth="repeat">
+      <a:schemeClr val="accent1">
+        <a:alpha val="90000"/>
+        <a:tint val="40000"/>
+      </a:schemeClr>
+    </dgm:linClrLst>
+    <dgm:effectClrLst/>
+    <dgm:txLinClrLst/>
+    <dgm:txFillClrLst meth="repeat">
+      <a:schemeClr val="dk1"/>
+    </dgm:txFillClrLst>
+    <dgm:txEffectClrLst/>
+  </dgm:styleLbl>
+  <dgm:styleLbl name="alignAccFollowNode1">
+    <dgm:fillClrLst meth="repeat">
+      <a:schemeClr val="accent1">
+        <a:alpha val="90000"/>
+        <a:tint val="40000"/>
+      </a:schemeClr>
+    </dgm:fillClrLst>
+    <dgm:linClrLst meth="repeat">
+      <a:schemeClr val="accent1">
+        <a:alpha val="90000"/>
+        <a:tint val="40000"/>
+      </a:schemeClr>
+    </dgm:linClrLst>
+    <dgm:effectClrLst/>
+    <dgm:txLinClrLst/>
+    <dgm:txFillClrLst meth="repeat">
+      <a:schemeClr val="dk1"/>
+    </dgm:txFillClrLst>
+    <dgm:txEffectClrLst/>
+  </dgm:styleLbl>
+  <dgm:styleLbl name="bgAccFollowNode1">
+    <dgm:fillClrLst meth="repeat">
+      <a:schemeClr val="accent1">
+        <a:alpha val="90000"/>
+        <a:tint val="40000"/>
+      </a:schemeClr>
+    </dgm:fillClrLst>
+    <dgm:linClrLst meth="repeat">
+      <a:schemeClr val="accent1">
+        <a:alpha val="90000"/>
+        <a:tint val="40000"/>
+      </a:schemeClr>
+    </dgm:linClrLst>
+    <dgm:effectClrLst/>
+    <dgm:txLinClrLst/>
+    <dgm:txFillClrLst meth="repeat">
+      <a:schemeClr val="dk1"/>
+    </dgm:txFillClrLst>
+    <dgm:txEffectClrLst/>
+  </dgm:styleLbl>
+  <dgm:styleLbl name="fgAcc0">
+    <dgm:fillClrLst meth="repeat">
+      <a:schemeClr val="lt1">
+        <a:alpha val="90000"/>
+      </a:schemeClr>
+    </dgm:fillClrLst>
+    <dgm:linClrLst meth="repeat">
+      <a:schemeClr val="accent1"/>
+    </dgm:linClrLst>
+    <dgm:effectClrLst/>
+    <dgm:txLinClrLst/>
+    <dgm:txFillClrLst meth="repeat">
+      <a:schemeClr val="dk1"/>
+    </dgm:txFillClrLst>
+    <dgm:txEffectClrLst/>
+  </dgm:styleLbl>
+  <dgm:styleLbl name="fgAcc2">
+    <dgm:fillClrLst meth="repeat">
+      <a:schemeClr val="lt1">
+        <a:alpha val="90000"/>
+      </a:schemeClr>
+    </dgm:fillClrLst>
+    <dgm:linClrLst meth="repeat">
+      <a:schemeClr val="accent1"/>
+    </dgm:linClrLst>
+    <dgm:effectClrLst/>
+    <dgm:txLinClrLst/>
+    <dgm:txFillClrLst meth="repeat">
+      <a:schemeClr val="dk1"/>
+    </dgm:txFillClrLst>
+    <dgm:txEffectClrLst/>
+  </dgm:styleLbl>
+  <dgm:styleLbl name="fgAcc3">
+    <dgm:fillClrLst meth="repeat">
+      <a:schemeClr val="lt1">
+        <a:alpha val="90000"/>
+      </a:schemeClr>
+    </dgm:fillClrLst>
+    <dgm:linClrLst meth="repeat">
+      <a:schemeClr val="accent1"/>
+    </dgm:linClrLst>
+    <dgm:effectClrLst/>
+    <dgm:txLinClrLst/>
+    <dgm:txFillClrLst meth="repeat">
+      <a:schemeClr val="dk1"/>
+    </dgm:txFillClrLst>
+    <dgm:txEffectClrLst/>
+  </dgm:styleLbl>
+  <dgm:styleLbl name="fgAcc4">
+    <dgm:fillClrLst meth="repeat">
+      <a:schemeClr val="lt1">
+        <a:alpha val="90000"/>
+      </a:schemeClr>
+    </dgm:fillClrLst>
+    <dgm:linClrLst meth="repeat">
+      <a:schemeClr val="accent1"/>
+    </dgm:linClrLst>
+    <dgm:effectClrLst/>
+    <dgm:txLinClrLst/>
+    <dgm:txFillClrLst meth="repeat">
+      <a:schemeClr val="dk1"/>
+    </dgm:txFillClrLst>
+    <dgm:txEffectClrLst/>
+  </dgm:styleLbl>
+  <dgm:styleLbl name="bgShp">
+    <dgm:fillClrLst meth="repeat">
+      <a:schemeClr val="accent1">
+        <a:tint val="40000"/>
+      </a:schemeClr>
+    </dgm:fillClrLst>
+    <dgm:linClrLst meth="repeat">
+      <a:schemeClr val="accent1"/>
+    </dgm:linClrLst>
+    <dgm:effectClrLst/>
+    <dgm:txLinClrLst/>
+    <dgm:txFillClrLst meth="repeat">
+      <a:schemeClr val="dk1"/>
+    </dgm:txFillClrLst>
+    <dgm:txEffectClrLst/>
+  </dgm:styleLbl>
+  <dgm:styleLbl name="dkBgShp">
+    <dgm:fillClrLst meth="repeat">
+      <a:schemeClr val="accent1">
+        <a:shade val="80000"/>
+      </a:schemeClr>
+    </dgm:fillClrLst>
+    <dgm:linClrLst meth="repeat">
+      <a:schemeClr val="accent1"/>
+    </dgm:linClrLst>
+    <dgm:effectClrLst/>
+    <dgm:txLinClrLst/>
+    <dgm:txFillClrLst meth="repeat">
+      <a:schemeClr val="lt1"/>
+    </dgm:txFillClrLst>
+    <dgm:txEffectClrLst/>
+  </dgm:styleLbl>
+  <dgm:styleLbl name="trBgShp">
+    <dgm:fillClrLst meth="repeat">
+      <a:schemeClr val="accent1">
+        <a:tint val="50000"/>
+        <a:alpha val="40000"/>
+      </a:schemeClr>
+    </dgm:fillClrLst>
+    <dgm:linClrLst meth="repeat">
+      <a:schemeClr val="accent1"/>
+    </dgm:linClrLst>
+    <dgm:effectClrLst/>
+    <dgm:txLinClrLst/>
+    <dgm:txFillClrLst meth="repeat">
+      <a:schemeClr val="lt1"/>
+    </dgm:txFillClrLst>
+    <dgm:txEffectClrLst/>
+  </dgm:styleLbl>
+  <dgm:styleLbl name="fgShp">
+    <dgm:fillClrLst meth="repeat">
+      <a:schemeClr val="accent1">
+        <a:tint val="60000"/>
+      </a:schemeClr>
+    </dgm:fillClrLst>
+    <dgm:linClrLst meth="repeat">
+      <a:schemeClr val="lt1"/>
+    </dgm:linClrLst>
+    <dgm:effectClrLst/>
+    <dgm:txLinClrLst/>
+    <dgm:txFillClrLst meth="repeat">
+      <a:schemeClr val="dk1"/>
+    </dgm:txFillClrLst>
+    <dgm:txEffectClrLst/>
+  </dgm:styleLbl>
+  <dgm:styleLbl name="revTx">
+    <dgm:fillClrLst meth="repeat">
+      <a:schemeClr val="lt1">
+        <a:alpha val="0"/>
+      </a:schemeClr>
+    </dgm:fillClrLst>
+    <dgm:linClrLst meth="repeat">
+      <a:schemeClr val="dk1">
+        <a:alpha val="0"/>
+      </a:schemeClr>
+    </dgm:linClrLst>
+    <dgm:effectClrLst/>
+    <dgm:txLinClrLst/>
+    <dgm:txFillClrLst meth="repeat">
+      <a:schemeClr val="tx1"/>
+    </dgm:txFillClrLst>
+    <dgm:txEffectClrLst/>
+  </dgm:styleLbl>
+</dgm:colorsDef>
+</file>
+
+<file path=ppt/diagrams/data1.xml><?xml version="1.0" encoding="utf-8"?>
+<dgm:dataModel xmlns:dgm="http://schemas.openxmlformats.org/drawingml/2006/diagram" xmlns:a="http://schemas.openxmlformats.org/drawingml/2006/main">
+  <dgm:ptLst>
+    <dgm:pt modelId="{235B55A1-85F2-46BD-B188-6F06F5D4A171}" type="doc">
+      <dgm:prSet loTypeId="urn:microsoft.com/office/officeart/2005/8/layout/vList5" loCatId="list" qsTypeId="urn:microsoft.com/office/officeart/2005/8/quickstyle/3d1" qsCatId="3D" csTypeId="urn:microsoft.com/office/officeart/2005/8/colors/accent1_2" csCatId="accent1" phldr="1"/>
+      <dgm:spPr/>
+      <dgm:t>
+        <a:bodyPr/>
+        <a:lstStyle/>
+        <a:p>
+          <a:endParaRPr lang="it-IT"/>
+        </a:p>
+      </dgm:t>
+    </dgm:pt>
+    <dgm:pt modelId="{6C742048-B828-4B29-B8E8-E763F092B0E9}">
+      <dgm:prSet phldrT="[Testo]"/>
+      <dgm:spPr/>
+      <dgm:t>
+        <a:bodyPr/>
+        <a:lstStyle/>
+        <a:p>
+          <a:r>
+            <a:rPr lang="en-US" dirty="0" err="1" smtClean="0"/>
+            <a:t>MarionNet</a:t>
+          </a:r>
+          <a:endParaRPr lang="it-IT" dirty="0"/>
+        </a:p>
+      </dgm:t>
+    </dgm:pt>
+    <dgm:pt modelId="{0E56E70A-927A-4A3B-B350-6295B4A60749}" type="parTrans" cxnId="{D29BA0D2-2C00-4F66-8163-3F03AB54F76E}">
+      <dgm:prSet/>
+      <dgm:spPr/>
+      <dgm:t>
+        <a:bodyPr/>
+        <a:lstStyle/>
+        <a:p>
+          <a:endParaRPr lang="it-IT"/>
+        </a:p>
+      </dgm:t>
+    </dgm:pt>
+    <dgm:pt modelId="{781F592B-7330-4BDB-8722-F883830332DF}" type="sibTrans" cxnId="{D29BA0D2-2C00-4F66-8163-3F03AB54F76E}">
+      <dgm:prSet/>
+      <dgm:spPr/>
+      <dgm:t>
+        <a:bodyPr/>
+        <a:lstStyle/>
+        <a:p>
+          <a:endParaRPr lang="it-IT"/>
+        </a:p>
+      </dgm:t>
+    </dgm:pt>
+    <dgm:pt modelId="{747FF608-217E-438B-BCFC-C198B0161C07}">
+      <dgm:prSet phldrT="[Testo]"/>
+      <dgm:spPr/>
+      <dgm:t>
+        <a:bodyPr/>
+        <a:lstStyle/>
+        <a:p>
+          <a:endParaRPr lang="it-IT" dirty="0"/>
+        </a:p>
+      </dgm:t>
+    </dgm:pt>
+    <dgm:pt modelId="{04B48E1E-054A-4C14-B28E-93E3BD7C4D3A}" type="parTrans" cxnId="{5707514A-2F67-40D1-819C-108179F9C566}">
+      <dgm:prSet/>
+      <dgm:spPr/>
+      <dgm:t>
+        <a:bodyPr/>
+        <a:lstStyle/>
+        <a:p>
+          <a:endParaRPr lang="it-IT"/>
+        </a:p>
+      </dgm:t>
+    </dgm:pt>
+    <dgm:pt modelId="{0FF173F9-2611-4C01-ACDF-5715C6BAD29A}" type="sibTrans" cxnId="{5707514A-2F67-40D1-819C-108179F9C566}">
+      <dgm:prSet/>
+      <dgm:spPr/>
+      <dgm:t>
+        <a:bodyPr/>
+        <a:lstStyle/>
+        <a:p>
+          <a:endParaRPr lang="it-IT"/>
+        </a:p>
+      </dgm:t>
+    </dgm:pt>
+    <dgm:pt modelId="{37BE8EAF-4D9C-45F0-ADFD-34D7679B5DCA}">
+      <dgm:prSet phldrT="[Testo]"/>
+      <dgm:spPr/>
+      <dgm:t>
+        <a:bodyPr/>
+        <a:lstStyle/>
+        <a:p>
+          <a:r>
+            <a:rPr lang="en-US" dirty="0" err="1" smtClean="0"/>
+            <a:t>Imunes</a:t>
+          </a:r>
+          <a:endParaRPr lang="it-IT" dirty="0"/>
+        </a:p>
+      </dgm:t>
+    </dgm:pt>
+    <dgm:pt modelId="{5F594A19-68DE-4937-BACF-333B59E5F50E}" type="parTrans" cxnId="{B59AE31E-4C11-482B-A4C5-F591A2AA8440}">
+      <dgm:prSet/>
+      <dgm:spPr/>
+      <dgm:t>
+        <a:bodyPr/>
+        <a:lstStyle/>
+        <a:p>
+          <a:endParaRPr lang="it-IT"/>
+        </a:p>
+      </dgm:t>
+    </dgm:pt>
+    <dgm:pt modelId="{B6928DFE-C7BE-4838-A530-3C88A8919FF0}" type="sibTrans" cxnId="{B59AE31E-4C11-482B-A4C5-F591A2AA8440}">
+      <dgm:prSet/>
+      <dgm:spPr/>
+      <dgm:t>
+        <a:bodyPr/>
+        <a:lstStyle/>
+        <a:p>
+          <a:endParaRPr lang="it-IT"/>
+        </a:p>
+      </dgm:t>
+    </dgm:pt>
+    <dgm:pt modelId="{AF6C5FEC-B06D-47E2-8FDA-7DEAC90858E5}">
+      <dgm:prSet phldrT="[Testo]" phldr="1"/>
+      <dgm:spPr/>
+      <dgm:t>
+        <a:bodyPr/>
+        <a:lstStyle/>
+        <a:p>
+          <a:endParaRPr lang="it-IT" dirty="0"/>
+        </a:p>
+      </dgm:t>
+    </dgm:pt>
+    <dgm:pt modelId="{70088A29-2B5C-49B0-A5FC-15A77A24724A}" type="parTrans" cxnId="{34F6A223-7F87-4F5F-AC4F-FC5DFA2A104A}">
+      <dgm:prSet/>
+      <dgm:spPr/>
+      <dgm:t>
+        <a:bodyPr/>
+        <a:lstStyle/>
+        <a:p>
+          <a:endParaRPr lang="it-IT"/>
+        </a:p>
+      </dgm:t>
+    </dgm:pt>
+    <dgm:pt modelId="{7AACAFFE-D56C-41EA-A721-8940BC06E628}" type="sibTrans" cxnId="{34F6A223-7F87-4F5F-AC4F-FC5DFA2A104A}">
+      <dgm:prSet/>
+      <dgm:spPr/>
+      <dgm:t>
+        <a:bodyPr/>
+        <a:lstStyle/>
+        <a:p>
+          <a:endParaRPr lang="it-IT"/>
+        </a:p>
+      </dgm:t>
+    </dgm:pt>
+    <dgm:pt modelId="{2BD7B090-D898-4E65-9E50-1009FC591733}">
+      <dgm:prSet phldrT="[Testo]" phldr="1"/>
+      <dgm:spPr/>
+      <dgm:t>
+        <a:bodyPr/>
+        <a:lstStyle/>
+        <a:p>
+          <a:endParaRPr lang="it-IT" dirty="0"/>
+        </a:p>
+      </dgm:t>
+    </dgm:pt>
+    <dgm:pt modelId="{233E02C5-2B04-4FD8-8CA1-B56FF9259BC2}" type="parTrans" cxnId="{EF9C0B9D-45B2-4E1D-8DA7-6402EA473527}">
+      <dgm:prSet/>
+      <dgm:spPr/>
+      <dgm:t>
+        <a:bodyPr/>
+        <a:lstStyle/>
+        <a:p>
+          <a:endParaRPr lang="it-IT"/>
+        </a:p>
+      </dgm:t>
+    </dgm:pt>
+    <dgm:pt modelId="{983D3244-10E0-4901-910E-F4D9B80B0F42}" type="sibTrans" cxnId="{EF9C0B9D-45B2-4E1D-8DA7-6402EA473527}">
+      <dgm:prSet/>
+      <dgm:spPr/>
+      <dgm:t>
+        <a:bodyPr/>
+        <a:lstStyle/>
+        <a:p>
+          <a:endParaRPr lang="it-IT"/>
+        </a:p>
+      </dgm:t>
+    </dgm:pt>
+    <dgm:pt modelId="{97831BA3-5392-4C40-9746-6020D803C42A}">
+      <dgm:prSet phldrT="[Testo]"/>
+      <dgm:spPr/>
+      <dgm:t>
+        <a:bodyPr/>
+        <a:lstStyle/>
+        <a:p>
+          <a:r>
+            <a:rPr lang="en-US" dirty="0" err="1" smtClean="0"/>
+            <a:t>VnUML</a:t>
+          </a:r>
+          <a:endParaRPr lang="it-IT" dirty="0"/>
+        </a:p>
+      </dgm:t>
+    </dgm:pt>
+    <dgm:pt modelId="{0D8D7C03-2873-400C-8032-D645328CDBFE}" type="parTrans" cxnId="{114DE1B5-CA03-403B-A45C-110A9143BABC}">
+      <dgm:prSet/>
+      <dgm:spPr/>
+      <dgm:t>
+        <a:bodyPr/>
+        <a:lstStyle/>
+        <a:p>
+          <a:endParaRPr lang="it-IT"/>
+        </a:p>
+      </dgm:t>
+    </dgm:pt>
+    <dgm:pt modelId="{412BF68C-0BEB-43D4-8253-EC1FD3D98463}" type="sibTrans" cxnId="{114DE1B5-CA03-403B-A45C-110A9143BABC}">
+      <dgm:prSet/>
+      <dgm:spPr/>
+      <dgm:t>
+        <a:bodyPr/>
+        <a:lstStyle/>
+        <a:p>
+          <a:endParaRPr lang="it-IT"/>
+        </a:p>
+      </dgm:t>
+    </dgm:pt>
+    <dgm:pt modelId="{BF95EC57-5936-4974-A783-8279AA2DE17D}">
+      <dgm:prSet phldrT="[Testo]" phldr="1"/>
+      <dgm:spPr/>
+      <dgm:t>
+        <a:bodyPr/>
+        <a:lstStyle/>
+        <a:p>
+          <a:endParaRPr lang="it-IT" dirty="0"/>
+        </a:p>
+      </dgm:t>
+    </dgm:pt>
+    <dgm:pt modelId="{6BAA8F1A-69F8-4D5B-AA49-577C5721987B}" type="parTrans" cxnId="{8BA434BB-916A-43A1-B380-93E273A8380A}">
+      <dgm:prSet/>
+      <dgm:spPr/>
+      <dgm:t>
+        <a:bodyPr/>
+        <a:lstStyle/>
+        <a:p>
+          <a:endParaRPr lang="it-IT"/>
+        </a:p>
+      </dgm:t>
+    </dgm:pt>
+    <dgm:pt modelId="{084A6669-9820-475D-AA7C-BFD82C623498}" type="sibTrans" cxnId="{8BA434BB-916A-43A1-B380-93E273A8380A}">
+      <dgm:prSet/>
+      <dgm:spPr/>
+      <dgm:t>
+        <a:bodyPr/>
+        <a:lstStyle/>
+        <a:p>
+          <a:endParaRPr lang="it-IT"/>
+        </a:p>
+      </dgm:t>
+    </dgm:pt>
+    <dgm:pt modelId="{61E8DC94-93CC-4EF5-890F-DC9F41836F92}">
+      <dgm:prSet phldrT="[Testo]" phldr="1"/>
+      <dgm:spPr/>
+      <dgm:t>
+        <a:bodyPr/>
+        <a:lstStyle/>
+        <a:p>
+          <a:endParaRPr lang="it-IT" dirty="0"/>
+        </a:p>
+      </dgm:t>
+    </dgm:pt>
+    <dgm:pt modelId="{F79AC635-C281-40F1-8832-20978D84E1F7}" type="parTrans" cxnId="{03B80E62-2126-4CB8-8FEE-594FD95CB979}">
+      <dgm:prSet/>
+      <dgm:spPr/>
+      <dgm:t>
+        <a:bodyPr/>
+        <a:lstStyle/>
+        <a:p>
+          <a:endParaRPr lang="it-IT"/>
+        </a:p>
+      </dgm:t>
+    </dgm:pt>
+    <dgm:pt modelId="{6BD9B842-A648-45BF-958A-8C811AF7F73B}" type="sibTrans" cxnId="{03B80E62-2126-4CB8-8FEE-594FD95CB979}">
+      <dgm:prSet/>
+      <dgm:spPr/>
+      <dgm:t>
+        <a:bodyPr/>
+        <a:lstStyle/>
+        <a:p>
+          <a:endParaRPr lang="it-IT"/>
+        </a:p>
+      </dgm:t>
+    </dgm:pt>
+    <dgm:pt modelId="{AC875E57-01B9-490D-8E7B-3E4AA2A39890}">
+      <dgm:prSet phldrT="[Testo]"/>
+      <dgm:spPr/>
+      <dgm:t>
+        <a:bodyPr/>
+        <a:lstStyle/>
+        <a:p>
+          <a:r>
+            <a:rPr lang="en-US" dirty="0" err="1" smtClean="0"/>
+            <a:t>NetKit</a:t>
+          </a:r>
+          <a:endParaRPr lang="it-IT" dirty="0"/>
+        </a:p>
+      </dgm:t>
+    </dgm:pt>
+    <dgm:pt modelId="{3FCB51C7-7057-4812-8576-53C0A98FEC27}" type="parTrans" cxnId="{C80919B0-AE76-4217-B330-F71595F647F5}">
+      <dgm:prSet/>
+      <dgm:spPr/>
+      <dgm:t>
+        <a:bodyPr/>
+        <a:lstStyle/>
+        <a:p>
+          <a:endParaRPr lang="it-IT"/>
+        </a:p>
+      </dgm:t>
+    </dgm:pt>
+    <dgm:pt modelId="{70C75D3C-4979-4F88-9356-87250DEAA12F}" type="sibTrans" cxnId="{C80919B0-AE76-4217-B330-F71595F647F5}">
+      <dgm:prSet/>
+      <dgm:spPr/>
+      <dgm:t>
+        <a:bodyPr/>
+        <a:lstStyle/>
+        <a:p>
+          <a:endParaRPr lang="it-IT"/>
+        </a:p>
+      </dgm:t>
+    </dgm:pt>
+    <dgm:pt modelId="{8707C7F1-5F37-4BF1-9329-5EE09FFDF905}" type="pres">
+      <dgm:prSet presAssocID="{235B55A1-85F2-46BD-B188-6F06F5D4A171}" presName="Name0" presStyleCnt="0">
+        <dgm:presLayoutVars>
+          <dgm:dir/>
+          <dgm:animLvl val="lvl"/>
+          <dgm:resizeHandles val="exact"/>
+        </dgm:presLayoutVars>
+      </dgm:prSet>
+      <dgm:spPr/>
+    </dgm:pt>
+    <dgm:pt modelId="{A27B2C76-E53D-47E6-B83F-9542B00CEDBB}" type="pres">
+      <dgm:prSet presAssocID="{6C742048-B828-4B29-B8E8-E763F092B0E9}" presName="linNode" presStyleCnt="0"/>
+      <dgm:spPr/>
+    </dgm:pt>
+    <dgm:pt modelId="{8888310B-D3F2-4AF4-921A-B66FB05564C1}" type="pres">
+      <dgm:prSet presAssocID="{6C742048-B828-4B29-B8E8-E763F092B0E9}" presName="parentText" presStyleLbl="node1" presStyleIdx="0" presStyleCnt="4">
+        <dgm:presLayoutVars>
+          <dgm:chMax val="1"/>
+          <dgm:bulletEnabled val="1"/>
+        </dgm:presLayoutVars>
+      </dgm:prSet>
+      <dgm:spPr/>
+      <dgm:t>
+        <a:bodyPr/>
+        <a:lstStyle/>
+        <a:p>
+          <a:endParaRPr lang="it-IT"/>
+        </a:p>
+      </dgm:t>
+    </dgm:pt>
+    <dgm:pt modelId="{B9328291-F94C-465E-BC05-BC968E4029C1}" type="pres">
+      <dgm:prSet presAssocID="{6C742048-B828-4B29-B8E8-E763F092B0E9}" presName="descendantText" presStyleLbl="alignAccFollowNode1" presStyleIdx="0" presStyleCnt="3">
+        <dgm:presLayoutVars>
+          <dgm:bulletEnabled val="1"/>
+        </dgm:presLayoutVars>
+      </dgm:prSet>
+      <dgm:spPr/>
+      <dgm:t>
+        <a:bodyPr/>
+        <a:lstStyle/>
+        <a:p>
+          <a:endParaRPr lang="it-IT"/>
+        </a:p>
+      </dgm:t>
+    </dgm:pt>
+    <dgm:pt modelId="{1CB4F97C-F65E-4EE5-90E5-E6F78359499F}" type="pres">
+      <dgm:prSet presAssocID="{781F592B-7330-4BDB-8722-F883830332DF}" presName="sp" presStyleCnt="0"/>
+      <dgm:spPr/>
+    </dgm:pt>
+    <dgm:pt modelId="{C394EB74-CF04-4D3E-A739-1F08FEBF1215}" type="pres">
+      <dgm:prSet presAssocID="{37BE8EAF-4D9C-45F0-ADFD-34D7679B5DCA}" presName="linNode" presStyleCnt="0"/>
+      <dgm:spPr/>
+    </dgm:pt>
+    <dgm:pt modelId="{C38FFCE9-262F-4B45-B7B5-04245FD89EFE}" type="pres">
+      <dgm:prSet presAssocID="{37BE8EAF-4D9C-45F0-ADFD-34D7679B5DCA}" presName="parentText" presStyleLbl="node1" presStyleIdx="1" presStyleCnt="4">
+        <dgm:presLayoutVars>
+          <dgm:chMax val="1"/>
+          <dgm:bulletEnabled val="1"/>
+        </dgm:presLayoutVars>
+      </dgm:prSet>
+      <dgm:spPr/>
+    </dgm:pt>
+    <dgm:pt modelId="{FFAECC64-C87B-4241-8414-259FAB795432}" type="pres">
+      <dgm:prSet presAssocID="{37BE8EAF-4D9C-45F0-ADFD-34D7679B5DCA}" presName="descendantText" presStyleLbl="alignAccFollowNode1" presStyleIdx="1" presStyleCnt="3">
+        <dgm:presLayoutVars>
+          <dgm:bulletEnabled val="1"/>
+        </dgm:presLayoutVars>
+      </dgm:prSet>
+      <dgm:spPr/>
+    </dgm:pt>
+    <dgm:pt modelId="{BAAF50DF-CC4E-4A5C-98D0-0AD807959F77}" type="pres">
+      <dgm:prSet presAssocID="{B6928DFE-C7BE-4838-A530-3C88A8919FF0}" presName="sp" presStyleCnt="0"/>
+      <dgm:spPr/>
+    </dgm:pt>
+    <dgm:pt modelId="{C91F2D8D-8CC1-4871-A063-7D6D460CA49A}" type="pres">
+      <dgm:prSet presAssocID="{97831BA3-5392-4C40-9746-6020D803C42A}" presName="linNode" presStyleCnt="0"/>
+      <dgm:spPr/>
+    </dgm:pt>
+    <dgm:pt modelId="{7A790736-225B-4B7C-84C3-4D835187A6F0}" type="pres">
+      <dgm:prSet presAssocID="{97831BA3-5392-4C40-9746-6020D803C42A}" presName="parentText" presStyleLbl="node1" presStyleIdx="2" presStyleCnt="4">
+        <dgm:presLayoutVars>
+          <dgm:chMax val="1"/>
+          <dgm:bulletEnabled val="1"/>
+        </dgm:presLayoutVars>
+      </dgm:prSet>
+      <dgm:spPr/>
+    </dgm:pt>
+    <dgm:pt modelId="{3513A661-E049-49A7-A84B-CDE58BC128C9}" type="pres">
+      <dgm:prSet presAssocID="{97831BA3-5392-4C40-9746-6020D803C42A}" presName="descendantText" presStyleLbl="alignAccFollowNode1" presStyleIdx="2" presStyleCnt="3">
+        <dgm:presLayoutVars>
+          <dgm:bulletEnabled val="1"/>
+        </dgm:presLayoutVars>
+      </dgm:prSet>
+      <dgm:spPr/>
+      <dgm:t>
+        <a:bodyPr/>
+        <a:lstStyle/>
+        <a:p>
+          <a:endParaRPr lang="it-IT"/>
+        </a:p>
+      </dgm:t>
+    </dgm:pt>
+    <dgm:pt modelId="{236287F9-664D-40B9-B2A2-8FAF5CC65211}" type="pres">
+      <dgm:prSet presAssocID="{412BF68C-0BEB-43D4-8253-EC1FD3D98463}" presName="sp" presStyleCnt="0"/>
+      <dgm:spPr/>
+    </dgm:pt>
+    <dgm:pt modelId="{1597A6FE-FBE5-4A6F-9621-E10D88B0D576}" type="pres">
+      <dgm:prSet presAssocID="{AC875E57-01B9-490D-8E7B-3E4AA2A39890}" presName="linNode" presStyleCnt="0"/>
+      <dgm:spPr/>
+    </dgm:pt>
+    <dgm:pt modelId="{8DCB7F05-B335-45AC-93EC-C3A5F5D6A7E0}" type="pres">
+      <dgm:prSet presAssocID="{AC875E57-01B9-490D-8E7B-3E4AA2A39890}" presName="parentText" presStyleLbl="node1" presStyleIdx="3" presStyleCnt="4">
+        <dgm:presLayoutVars>
+          <dgm:chMax val="1"/>
+          <dgm:bulletEnabled val="1"/>
+        </dgm:presLayoutVars>
+      </dgm:prSet>
+      <dgm:spPr/>
+    </dgm:pt>
+  </dgm:ptLst>
+  <dgm:cxnLst>
+    <dgm:cxn modelId="{E7C9EC05-60DC-4B17-8263-586FD8FD257D}" type="presOf" srcId="{97831BA3-5392-4C40-9746-6020D803C42A}" destId="{7A790736-225B-4B7C-84C3-4D835187A6F0}" srcOrd="0" destOrd="0" presId="urn:microsoft.com/office/officeart/2005/8/layout/vList5"/>
+    <dgm:cxn modelId="{69D83E30-638B-4C8B-87DC-600FE567AF85}" type="presOf" srcId="{BF95EC57-5936-4974-A783-8279AA2DE17D}" destId="{3513A661-E049-49A7-A84B-CDE58BC128C9}" srcOrd="0" destOrd="0" presId="urn:microsoft.com/office/officeart/2005/8/layout/vList5"/>
+    <dgm:cxn modelId="{D29BA0D2-2C00-4F66-8163-3F03AB54F76E}" srcId="{235B55A1-85F2-46BD-B188-6F06F5D4A171}" destId="{6C742048-B828-4B29-B8E8-E763F092B0E9}" srcOrd="0" destOrd="0" parTransId="{0E56E70A-927A-4A3B-B350-6295B4A60749}" sibTransId="{781F592B-7330-4BDB-8722-F883830332DF}"/>
+    <dgm:cxn modelId="{FF28E987-B587-4624-B605-473B52E49CF5}" type="presOf" srcId="{2BD7B090-D898-4E65-9E50-1009FC591733}" destId="{FFAECC64-C87B-4241-8414-259FAB795432}" srcOrd="0" destOrd="1" presId="urn:microsoft.com/office/officeart/2005/8/layout/vList5"/>
+    <dgm:cxn modelId="{1B340EE1-B887-4C4F-B0A1-68705024C313}" type="presOf" srcId="{6C742048-B828-4B29-B8E8-E763F092B0E9}" destId="{8888310B-D3F2-4AF4-921A-B66FB05564C1}" srcOrd="0" destOrd="0" presId="urn:microsoft.com/office/officeart/2005/8/layout/vList5"/>
+    <dgm:cxn modelId="{EF9C0B9D-45B2-4E1D-8DA7-6402EA473527}" srcId="{37BE8EAF-4D9C-45F0-ADFD-34D7679B5DCA}" destId="{2BD7B090-D898-4E65-9E50-1009FC591733}" srcOrd="1" destOrd="0" parTransId="{233E02C5-2B04-4FD8-8CA1-B56FF9259BC2}" sibTransId="{983D3244-10E0-4901-910E-F4D9B80B0F42}"/>
+    <dgm:cxn modelId="{B59AE31E-4C11-482B-A4C5-F591A2AA8440}" srcId="{235B55A1-85F2-46BD-B188-6F06F5D4A171}" destId="{37BE8EAF-4D9C-45F0-ADFD-34D7679B5DCA}" srcOrd="1" destOrd="0" parTransId="{5F594A19-68DE-4937-BACF-333B59E5F50E}" sibTransId="{B6928DFE-C7BE-4838-A530-3C88A8919FF0}"/>
+    <dgm:cxn modelId="{C80919B0-AE76-4217-B330-F71595F647F5}" srcId="{235B55A1-85F2-46BD-B188-6F06F5D4A171}" destId="{AC875E57-01B9-490D-8E7B-3E4AA2A39890}" srcOrd="3" destOrd="0" parTransId="{3FCB51C7-7057-4812-8576-53C0A98FEC27}" sibTransId="{70C75D3C-4979-4F88-9356-87250DEAA12F}"/>
+    <dgm:cxn modelId="{B69B0156-2165-47DD-A3B1-52DEAC8D90BC}" type="presOf" srcId="{61E8DC94-93CC-4EF5-890F-DC9F41836F92}" destId="{3513A661-E049-49A7-A84B-CDE58BC128C9}" srcOrd="0" destOrd="1" presId="urn:microsoft.com/office/officeart/2005/8/layout/vList5"/>
+    <dgm:cxn modelId="{8BA434BB-916A-43A1-B380-93E273A8380A}" srcId="{97831BA3-5392-4C40-9746-6020D803C42A}" destId="{BF95EC57-5936-4974-A783-8279AA2DE17D}" srcOrd="0" destOrd="0" parTransId="{6BAA8F1A-69F8-4D5B-AA49-577C5721987B}" sibTransId="{084A6669-9820-475D-AA7C-BFD82C623498}"/>
+    <dgm:cxn modelId="{1468A386-4043-422F-8CFA-1A0564937195}" type="presOf" srcId="{747FF608-217E-438B-BCFC-C198B0161C07}" destId="{B9328291-F94C-465E-BC05-BC968E4029C1}" srcOrd="0" destOrd="0" presId="urn:microsoft.com/office/officeart/2005/8/layout/vList5"/>
+    <dgm:cxn modelId="{5707514A-2F67-40D1-819C-108179F9C566}" srcId="{6C742048-B828-4B29-B8E8-E763F092B0E9}" destId="{747FF608-217E-438B-BCFC-C198B0161C07}" srcOrd="0" destOrd="0" parTransId="{04B48E1E-054A-4C14-B28E-93E3BD7C4D3A}" sibTransId="{0FF173F9-2611-4C01-ACDF-5715C6BAD29A}"/>
+    <dgm:cxn modelId="{80B564EE-1B67-4165-B8B7-65E3C8B528A3}" type="presOf" srcId="{37BE8EAF-4D9C-45F0-ADFD-34D7679B5DCA}" destId="{C38FFCE9-262F-4B45-B7B5-04245FD89EFE}" srcOrd="0" destOrd="0" presId="urn:microsoft.com/office/officeart/2005/8/layout/vList5"/>
+    <dgm:cxn modelId="{34F6A223-7F87-4F5F-AC4F-FC5DFA2A104A}" srcId="{37BE8EAF-4D9C-45F0-ADFD-34D7679B5DCA}" destId="{AF6C5FEC-B06D-47E2-8FDA-7DEAC90858E5}" srcOrd="0" destOrd="0" parTransId="{70088A29-2B5C-49B0-A5FC-15A77A24724A}" sibTransId="{7AACAFFE-D56C-41EA-A721-8940BC06E628}"/>
+    <dgm:cxn modelId="{B0A70232-3147-4FFD-AA52-C9C8FC36B77E}" type="presOf" srcId="{AC875E57-01B9-490D-8E7B-3E4AA2A39890}" destId="{8DCB7F05-B335-45AC-93EC-C3A5F5D6A7E0}" srcOrd="0" destOrd="0" presId="urn:microsoft.com/office/officeart/2005/8/layout/vList5"/>
+    <dgm:cxn modelId="{114DE1B5-CA03-403B-A45C-110A9143BABC}" srcId="{235B55A1-85F2-46BD-B188-6F06F5D4A171}" destId="{97831BA3-5392-4C40-9746-6020D803C42A}" srcOrd="2" destOrd="0" parTransId="{0D8D7C03-2873-400C-8032-D645328CDBFE}" sibTransId="{412BF68C-0BEB-43D4-8253-EC1FD3D98463}"/>
+    <dgm:cxn modelId="{03B80E62-2126-4CB8-8FEE-594FD95CB979}" srcId="{97831BA3-5392-4C40-9746-6020D803C42A}" destId="{61E8DC94-93CC-4EF5-890F-DC9F41836F92}" srcOrd="1" destOrd="0" parTransId="{F79AC635-C281-40F1-8832-20978D84E1F7}" sibTransId="{6BD9B842-A648-45BF-958A-8C811AF7F73B}"/>
+    <dgm:cxn modelId="{01518609-F9D6-46C9-8F6B-91241E2766B6}" type="presOf" srcId="{AF6C5FEC-B06D-47E2-8FDA-7DEAC90858E5}" destId="{FFAECC64-C87B-4241-8414-259FAB795432}" srcOrd="0" destOrd="0" presId="urn:microsoft.com/office/officeart/2005/8/layout/vList5"/>
+    <dgm:cxn modelId="{419903BF-DB0D-4609-B8CC-1F44B96AEA86}" type="presOf" srcId="{235B55A1-85F2-46BD-B188-6F06F5D4A171}" destId="{8707C7F1-5F37-4BF1-9329-5EE09FFDF905}" srcOrd="0" destOrd="0" presId="urn:microsoft.com/office/officeart/2005/8/layout/vList5"/>
+    <dgm:cxn modelId="{6B40CB67-857E-4B40-A659-8B8A5ECD8BB6}" type="presParOf" srcId="{8707C7F1-5F37-4BF1-9329-5EE09FFDF905}" destId="{A27B2C76-E53D-47E6-B83F-9542B00CEDBB}" srcOrd="0" destOrd="0" presId="urn:microsoft.com/office/officeart/2005/8/layout/vList5"/>
+    <dgm:cxn modelId="{5CBD1588-FC0E-450D-A677-BF86D2B193BA}" type="presParOf" srcId="{A27B2C76-E53D-47E6-B83F-9542B00CEDBB}" destId="{8888310B-D3F2-4AF4-921A-B66FB05564C1}" srcOrd="0" destOrd="0" presId="urn:microsoft.com/office/officeart/2005/8/layout/vList5"/>
+    <dgm:cxn modelId="{37B0C893-6983-46A8-9731-DBA890DB6395}" type="presParOf" srcId="{A27B2C76-E53D-47E6-B83F-9542B00CEDBB}" destId="{B9328291-F94C-465E-BC05-BC968E4029C1}" srcOrd="1" destOrd="0" presId="urn:microsoft.com/office/officeart/2005/8/layout/vList5"/>
+    <dgm:cxn modelId="{56BB3AA5-06C5-4AD1-9C28-7EB597227D63}" type="presParOf" srcId="{8707C7F1-5F37-4BF1-9329-5EE09FFDF905}" destId="{1CB4F97C-F65E-4EE5-90E5-E6F78359499F}" srcOrd="1" destOrd="0" presId="urn:microsoft.com/office/officeart/2005/8/layout/vList5"/>
+    <dgm:cxn modelId="{DFF8480D-13EC-48AC-AAA5-8A9411B82B3D}" type="presParOf" srcId="{8707C7F1-5F37-4BF1-9329-5EE09FFDF905}" destId="{C394EB74-CF04-4D3E-A739-1F08FEBF1215}" srcOrd="2" destOrd="0" presId="urn:microsoft.com/office/officeart/2005/8/layout/vList5"/>
+    <dgm:cxn modelId="{612C5742-4715-4128-8B48-576310198E37}" type="presParOf" srcId="{C394EB74-CF04-4D3E-A739-1F08FEBF1215}" destId="{C38FFCE9-262F-4B45-B7B5-04245FD89EFE}" srcOrd="0" destOrd="0" presId="urn:microsoft.com/office/officeart/2005/8/layout/vList5"/>
+    <dgm:cxn modelId="{C4AA06B9-C148-4321-9882-274466353ADF}" type="presParOf" srcId="{C394EB74-CF04-4D3E-A739-1F08FEBF1215}" destId="{FFAECC64-C87B-4241-8414-259FAB795432}" srcOrd="1" destOrd="0" presId="urn:microsoft.com/office/officeart/2005/8/layout/vList5"/>
+    <dgm:cxn modelId="{1AFA1F41-BABF-42F8-A98B-CCD8F270AE4E}" type="presParOf" srcId="{8707C7F1-5F37-4BF1-9329-5EE09FFDF905}" destId="{BAAF50DF-CC4E-4A5C-98D0-0AD807959F77}" srcOrd="3" destOrd="0" presId="urn:microsoft.com/office/officeart/2005/8/layout/vList5"/>
+    <dgm:cxn modelId="{51401C11-E41D-414D-9A3F-AC605C3B6C13}" type="presParOf" srcId="{8707C7F1-5F37-4BF1-9329-5EE09FFDF905}" destId="{C91F2D8D-8CC1-4871-A063-7D6D460CA49A}" srcOrd="4" destOrd="0" presId="urn:microsoft.com/office/officeart/2005/8/layout/vList5"/>
+    <dgm:cxn modelId="{4A9B22C2-4ED4-4FEB-AFBA-A96A8CA595F2}" type="presParOf" srcId="{C91F2D8D-8CC1-4871-A063-7D6D460CA49A}" destId="{7A790736-225B-4B7C-84C3-4D835187A6F0}" srcOrd="0" destOrd="0" presId="urn:microsoft.com/office/officeart/2005/8/layout/vList5"/>
+    <dgm:cxn modelId="{CA8DDB68-CF71-4B77-90EA-62176F520776}" type="presParOf" srcId="{C91F2D8D-8CC1-4871-A063-7D6D460CA49A}" destId="{3513A661-E049-49A7-A84B-CDE58BC128C9}" srcOrd="1" destOrd="0" presId="urn:microsoft.com/office/officeart/2005/8/layout/vList5"/>
+    <dgm:cxn modelId="{6860FD90-E416-4B4C-9326-B5DB16A6D4BA}" type="presParOf" srcId="{8707C7F1-5F37-4BF1-9329-5EE09FFDF905}" destId="{236287F9-664D-40B9-B2A2-8FAF5CC65211}" srcOrd="5" destOrd="0" presId="urn:microsoft.com/office/officeart/2005/8/layout/vList5"/>
+    <dgm:cxn modelId="{54326626-0AC8-49C4-9EA8-FC64A626EB45}" type="presParOf" srcId="{8707C7F1-5F37-4BF1-9329-5EE09FFDF905}" destId="{1597A6FE-FBE5-4A6F-9621-E10D88B0D576}" srcOrd="6" destOrd="0" presId="urn:microsoft.com/office/officeart/2005/8/layout/vList5"/>
+    <dgm:cxn modelId="{02AF0A23-307E-4469-B1DE-44646186B352}" type="presParOf" srcId="{1597A6FE-FBE5-4A6F-9621-E10D88B0D576}" destId="{8DCB7F05-B335-45AC-93EC-C3A5F5D6A7E0}" srcOrd="0" destOrd="0" presId="urn:microsoft.com/office/officeart/2005/8/layout/vList5"/>
+  </dgm:cxnLst>
+  <dgm:bg/>
+  <dgm:whole/>
+</dgm:dataModel>
+</file>
+
+<file path=ppt/diagrams/layout1.xml><?xml version="1.0" encoding="utf-8"?>
+<dgm:layoutDef xmlns:dgm="http://schemas.openxmlformats.org/drawingml/2006/diagram" xmlns:a="http://schemas.openxmlformats.org/drawingml/2006/main" uniqueId="urn:microsoft.com/office/officeart/2005/8/layout/vList5">
+  <dgm:title val=""/>
+  <dgm:desc val=""/>
+  <dgm:catLst>
+    <dgm:cat type="list" pri="15000"/>
+    <dgm:cat type="convert" pri="2000"/>
+  </dgm:catLst>
+  <dgm:sampData>
+    <dgm:dataModel>
+      <dgm:ptLst>
+        <dgm:pt modelId="0" type="doc"/>
+        <dgm:pt modelId="1">
+          <dgm:prSet phldr="1"/>
+        </dgm:pt>
+        <dgm:pt modelId="11">
+          <dgm:prSet phldr="1"/>
+        </dgm:pt>
+        <dgm:pt modelId="12">
+          <dgm:prSet phldr="1"/>
+        </dgm:pt>
+        <dgm:pt modelId="2">
+          <dgm:prSet phldr="1"/>
+        </dgm:pt>
+        <dgm:pt modelId="21">
+          <dgm:prSet phldr="1"/>
+        </dgm:pt>
+        <dgm:pt modelId="22">
+          <dgm:prSet phldr="1"/>
+        </dgm:pt>
+        <dgm:pt modelId="3">
+          <dgm:prSet phldr="1"/>
+        </dgm:pt>
+        <dgm:pt modelId="31">
+          <dgm:prSet phldr="1"/>
+        </dgm:pt>
+        <dgm:pt modelId="32">
+          <dgm:prSet phldr="1"/>
+        </dgm:pt>
+      </dgm:ptLst>
+      <dgm:cxnLst>
+        <dgm:cxn modelId="4" srcId="0" destId="1" srcOrd="0" destOrd="0"/>
+        <dgm:cxn modelId="5" srcId="0" destId="2" srcOrd="1" destOrd="0"/>
+        <dgm:cxn modelId="6" srcId="0" destId="3" srcOrd="2" destOrd="0"/>
+        <dgm:cxn modelId="13" srcId="1" destId="11" srcOrd="0" destOrd="0"/>
+        <dgm:cxn modelId="14" srcId="1" destId="12" srcOrd="1" destOrd="0"/>
+        <dgm:cxn modelId="23" srcId="2" destId="21" srcOrd="0" destOrd="0"/>
+        <dgm:cxn modelId="24" srcId="2" destId="22" srcOrd="1" destOrd="0"/>
+        <dgm:cxn modelId="33" srcId="3" destId="31" srcOrd="0" destOrd="0"/>
+        <dgm:cxn modelId="34" srcId="3" destId="32" srcOrd="1" destOrd="0"/>
+      </dgm:cxnLst>
+      <dgm:bg/>
+      <dgm:whole/>
+    </dgm:dataModel>
+  </dgm:sampData>
+  <dgm:styleData>
+    <dgm:dataModel>
+      <dgm:ptLst>
+        <dgm:pt modelId="0" type="doc"/>
+        <dgm:pt modelId="1"/>
+        <dgm:pt modelId="11"/>
+        <dgm:pt modelId="2"/>
+        <dgm:pt modelId="21"/>
+      </dgm:ptLst>
+      <dgm:cxnLst>
+        <dgm:cxn modelId="4" srcId="0" destId="1" srcOrd="0" destOrd="0"/>
+        <dgm:cxn modelId="5" srcId="0" destId="2" srcOrd="1" destOrd="0"/>
+        <dgm:cxn modelId="13" srcId="1" destId="11" srcOrd="0" destOrd="0"/>
+        <dgm:cxn modelId="23" srcId="2" destId="21" srcOrd="0" destOrd="0"/>
+      </dgm:cxnLst>
+      <dgm:bg/>
+      <dgm:whole/>
+    </dgm:dataModel>
+  </dgm:styleData>
+  <dgm:clrData>
+    <dgm:dataModel>
+      <dgm:ptLst>
+        <dgm:pt modelId="0" type="doc"/>
+        <dgm:pt modelId="1"/>
+        <dgm:pt modelId="11"/>
+        <dgm:pt modelId="2"/>
+        <dgm:pt modelId="21"/>
+        <dgm:pt modelId="3"/>
+        <dgm:pt modelId="31"/>
+        <dgm:pt modelId="4"/>
+        <dgm:pt modelId="41"/>
+      </dgm:ptLst>
+      <dgm:cxnLst>
+        <dgm:cxn modelId="5" srcId="0" destId="1" srcOrd="0" destOrd="0"/>
+        <dgm:cxn modelId="6" srcId="0" destId="2" srcOrd="1" destOrd="0"/>
+        <dgm:cxn modelId="7" srcId="0" destId="3" srcOrd="2" destOrd="0"/>
+        <dgm:cxn modelId="8" srcId="0" destId="4" srcOrd="3" destOrd="0"/>
+        <dgm:cxn modelId="13" srcId="1" destId="11" srcOrd="0" destOrd="0"/>
+        <dgm:cxn modelId="23" srcId="2" destId="21" srcOrd="0" destOrd="0"/>
+        <dgm:cxn modelId="33" srcId="3" destId="31" srcOrd="0" destOrd="0"/>
+        <dgm:cxn modelId="43" srcId="4" destId="41" srcOrd="0" destOrd="0"/>
+      </dgm:cxnLst>
+      <dgm:bg/>
+      <dgm:whole/>
+    </dgm:dataModel>
+  </dgm:clrData>
+  <dgm:layoutNode name="Name0">
+    <dgm:varLst>
+      <dgm:dir/>
+      <dgm:animLvl val="lvl"/>
+      <dgm:resizeHandles val="exact"/>
+    </dgm:varLst>
+    <dgm:choose name="Name1">
+      <dgm:if name="Name2" func="var" arg="dir" op="equ" val="norm">
+        <dgm:alg type="lin">
+          <dgm:param type="linDir" val="fromT"/>
+          <dgm:param type="nodeHorzAlign" val="l"/>
+        </dgm:alg>
+      </dgm:if>
+      <dgm:else name="Name3">
+        <dgm:alg type="lin">
+          <dgm:param type="linDir" val="fromT"/>
+          <dgm:param type="nodeHorzAlign" val="r"/>
+        </dgm:alg>
+      </dgm:else>
+    </dgm:choose>
+    <dgm:shape xmlns:r="http://schemas.openxmlformats.org/officeDocument/2006/relationships" r:blip="">
+      <dgm:adjLst/>
+    </dgm:shape>
+    <dgm:presOf/>
+    <dgm:constrLst>
+      <dgm:constr type="h" for="ch" forName="linNode" refType="h"/>
+      <dgm:constr type="w" for="ch" forName="linNode" refType="w"/>
+      <dgm:constr type="h" for="ch" forName="sp" refType="h" fact="0.05"/>
+      <dgm:constr type="primFontSz" for="des" forName="parentText" op="equ" val="65"/>
+      <dgm:constr type="secFontSz" for="des" forName="descendantText" op="equ"/>
+    </dgm:constrLst>
+    <dgm:ruleLst/>
+    <dgm:forEach name="Name4" axis="ch" ptType="node">
+      <dgm:layoutNode name="linNode">
+        <dgm:choose name="Name5">
+          <dgm:if name="Name6" func="var" arg="dir" op="equ" val="norm">
+            <dgm:alg type="lin">
+              <dgm:param type="linDir" val="fromL"/>
+            </dgm:alg>
+          </dgm:if>
+          <dgm:else name="Name7">
+            <dgm:alg type="lin">
+              <dgm:param type="linDir" val="fromR"/>
+            </dgm:alg>
+          </dgm:else>
+        </dgm:choose>
+        <dgm:shape xmlns:r="http://schemas.openxmlformats.org/officeDocument/2006/relationships" r:blip="">
+          <dgm:adjLst/>
+        </dgm:shape>
+        <dgm:presOf/>
+        <dgm:constrLst>
+          <dgm:constr type="w" for="ch" forName="parentText" refType="w" fact="0.36"/>
+          <dgm:constr type="w" for="ch" forName="descendantText" refType="w" fact="0.64"/>
+          <dgm:constr type="h" for="ch" forName="parentText" refType="h"/>
+          <dgm:constr type="h" for="ch" forName="descendantText" refType="h" refFor="ch" refForName="parentText" fact="0.8"/>
+        </dgm:constrLst>
+        <dgm:ruleLst/>
+        <dgm:layoutNode name="parentText">
+          <dgm:varLst>
+            <dgm:chMax val="1"/>
+            <dgm:bulletEnabled val="1"/>
+          </dgm:varLst>
+          <dgm:alg type="tx"/>
+          <dgm:shape xmlns:r="http://schemas.openxmlformats.org/officeDocument/2006/relationships" type="roundRect" r:blip="" zOrderOff="3">
+            <dgm:adjLst/>
+          </dgm:shape>
+          <dgm:presOf axis="self" ptType="node"/>
+          <dgm:constrLst>
+            <dgm:constr type="tMarg" refType="primFontSz" fact="0.15"/>
+            <dgm:constr type="bMarg" refType="primFontSz" fact="0.15"/>
+            <dgm:constr type="lMarg" refType="primFontSz" fact="0.3"/>
+            <dgm:constr type="rMarg" refType="primFontSz" fact="0.3"/>
+          </dgm:constrLst>
+          <dgm:ruleLst>
+            <dgm:rule type="primFontSz" val="5" fact="NaN" max="NaN"/>
+          </dgm:ruleLst>
+        </dgm:layoutNode>
+        <dgm:choose name="Name8">
+          <dgm:if name="Name9" axis="ch" ptType="node" func="cnt" op="gte" val="1">
+            <dgm:layoutNode name="descendantText" styleLbl="alignAccFollowNode1">
+              <dgm:varLst>
+                <dgm:bulletEnabled val="1"/>
+              </dgm:varLst>
+              <dgm:alg type="tx">
+                <dgm:param type="stBulletLvl" val="1"/>
+                <dgm:param type="txAnchorVertCh" val="mid"/>
+              </dgm:alg>
+              <dgm:choose name="Name10">
+                <dgm:if name="Name11" func="var" arg="dir" op="equ" val="norm">
+                  <dgm:shape xmlns:r="http://schemas.openxmlformats.org/officeDocument/2006/relationships" rot="90" type="round2SameRect" r:blip="">
+                    <dgm:adjLst/>
+                  </dgm:shape>
+                </dgm:if>
+                <dgm:else name="Name12">
+                  <dgm:shape xmlns:r="http://schemas.openxmlformats.org/officeDocument/2006/relationships" rot="-90" type="round2SameRect" r:blip="">
+                    <dgm:adjLst/>
+                  </dgm:shape>
+                </dgm:else>
+              </dgm:choose>
+              <dgm:presOf axis="des" ptType="node"/>
+              <dgm:constrLst>
+                <dgm:constr type="secFontSz" val="65"/>
+                <dgm:constr type="primFontSz" refType="secFontSz"/>
+                <dgm:constr type="lMarg" refType="secFontSz" fact="0.3"/>
+                <dgm:constr type="rMarg" refType="secFontSz" fact="0.3"/>
+                <dgm:constr type="tMarg" refType="secFontSz" fact="0.15"/>
+                <dgm:constr type="bMarg" refType="secFontSz" fact="0.15"/>
+              </dgm:constrLst>
+              <dgm:ruleLst>
+                <dgm:rule type="secFontSz" val="5" fact="NaN" max="NaN"/>
+              </dgm:ruleLst>
+            </dgm:layoutNode>
+          </dgm:if>
+          <dgm:else name="Name13"/>
+        </dgm:choose>
+      </dgm:layoutNode>
+      <dgm:forEach name="Name14" axis="followSib" ptType="sibTrans" cnt="1">
+        <dgm:layoutNode name="sp">
+          <dgm:alg type="sp"/>
+          <dgm:shape xmlns:r="http://schemas.openxmlformats.org/officeDocument/2006/relationships" r:blip="">
+            <dgm:adjLst/>
+          </dgm:shape>
+          <dgm:presOf/>
+          <dgm:constrLst/>
+          <dgm:ruleLst/>
+        </dgm:layoutNode>
+      </dgm:forEach>
+    </dgm:forEach>
+  </dgm:layoutNode>
+</dgm:layoutDef>
+</file>
+
+<file path=ppt/diagrams/quickStyle1.xml><?xml version="1.0" encoding="utf-8"?>
+<dgm:styleDef xmlns:dgm="http://schemas.openxmlformats.org/drawingml/2006/diagram" xmlns:a="http://schemas.openxmlformats.org/drawingml/2006/main" uniqueId="urn:microsoft.com/office/officeart/2005/8/quickstyle/3d1">
+  <dgm:title val=""/>
+  <dgm:desc val=""/>
+  <dgm:catLst>
+    <dgm:cat type="3D" pri="11100"/>
+  </dgm:catLst>
+  <dgm:scene3d>
+    <a:camera prst="orthographicFront"/>
+    <a:lightRig rig="threePt" dir="t"/>
+  </dgm:scene3d>
+  <dgm:styleLbl name="node0">
+    <dgm:scene3d>
+      <a:camera prst="orthographicFront"/>
+      <a:lightRig rig="flat" dir="t"/>
+    </dgm:scene3d>
+    <dgm:sp3d prstMaterial="plastic">
+      <a:bevelT w="120900" h="88900"/>
+      <a:bevelB w="88900" h="31750" prst="angle"/>
+    </dgm:sp3d>
+    <dgm:txPr/>
+    <dgm:style>
+      <a:lnRef idx="0">
+        <a:scrgbClr r="0" g="0" b="0"/>
+      </a:lnRef>
+      <a:fillRef idx="3">
+        <a:scrgbClr r="0" g="0" b="0"/>
+      </a:fillRef>
+      <a:effectRef idx="2">
+        <a:scrgbClr r="0" g="0" b="0"/>
+      </a:effectRef>
+      <a:fontRef idx="minor">
+        <a:schemeClr val="lt1"/>
+      </a:fontRef>
+    </dgm:style>
+  </dgm:styleLbl>
+  <dgm:styleLbl name="lnNode1">
+    <dgm:scene3d>
+      <a:camera prst="orthographicFront"/>
+      <a:lightRig rig="flat" dir="t"/>
+    </dgm:scene3d>
+    <dgm:sp3d prstMaterial="plastic">
+      <a:bevelT w="120900" h="88900"/>
+      <a:bevelB w="88900" h="31750" prst="angle"/>
+    </dgm:sp3d>
+    <dgm:txPr/>
+    <dgm:style>
+      <a:lnRef idx="0">
+        <a:scrgbClr r="0" g="0" b="0"/>
+      </a:lnRef>
+      <a:fillRef idx="3">
+        <a:scrgbClr r="0" g="0" b="0"/>
+      </a:fillRef>
+      <a:effectRef idx="1">
+        <a:scrgbClr r="0" g="0" b="0"/>
+      </a:effectRef>
+      <a:fontRef idx="minor">
+        <a:schemeClr val="lt1"/>
+      </a:fontRef>
+    </dgm:style>
+  </dgm:styleLbl>
+  <dgm:styleLbl name="vennNode1">
+    <dgm:scene3d>
+      <a:camera prst="orthographicFront"/>
+      <a:lightRig rig="flat" dir="t"/>
+    </dgm:scene3d>
+    <dgm:sp3d prstMaterial="plastic">
+      <a:bevelT w="120900" h="88900"/>
+      <a:bevelB w="88900" h="31750" prst="angle"/>
+    </dgm:sp3d>
+    <dgm:txPr/>
+    <dgm:style>
+      <a:lnRef idx="0">
+        <a:scrgbClr r="0" g="0" b="0"/>
+      </a:lnRef>
+      <a:fillRef idx="1">
+        <a:scrgbClr r="0" g="0" b="0"/>
+      </a:fillRef>
+      <a:effectRef idx="1">
+        <a:scrgbClr r="0" g="0" b="0"/>
+      </a:effectRef>
+      <a:fontRef idx="minor">
+        <a:schemeClr val="tx1"/>
+      </a:fontRef>
+    </dgm:style>
+  </dgm:styleLbl>
+  <dgm:styleLbl name="alignNode1">
+    <dgm:scene3d>
+      <a:camera prst="orthographicFront"/>
+      <a:lightRig rig="flat" dir="t"/>
+    </dgm:scene3d>
+    <dgm:sp3d prstMaterial="plastic">
+      <a:bevelT w="120900" h="88900"/>
+      <a:bevelB w="88900" h="31750" prst="angle"/>
+    </dgm:sp3d>
+    <dgm:txPr/>
+    <dgm:style>
+      <a:lnRef idx="1">
+        <a:scrgbClr r="0" g="0" b="0"/>
+      </a:lnRef>
+      <a:fillRef idx="3">
+        <a:scrgbClr r="0" g="0" b="0"/>
+      </a:fillRef>
+      <a:effectRef idx="2">
+        <a:scrgbClr r="0" g="0" b="0"/>
+      </a:effectRef>
+      <a:fontRef idx="minor">
+        <a:schemeClr val="lt1"/>
+      </a:fontRef>
+    </dgm:style>
+  </dgm:styleLbl>
+  <dgm:styleLbl name="node1">
+    <dgm:scene3d>
+      <a:camera prst="orthographicFront"/>
+      <a:lightRig rig="flat" dir="t"/>
+    </dgm:scene3d>
+    <dgm:sp3d prstMaterial="plastic">
+      <a:bevelT w="120900" h="88900"/>
+      <a:bevelB w="88900" h="31750" prst="angle"/>
+    </dgm:sp3d>
+    <dgm:txPr/>
+    <dgm:style>
+      <a:lnRef idx="0">
+        <a:scrgbClr r="0" g="0" b="0"/>
+      </a:lnRef>
+      <a:fillRef idx="3">
+        <a:scrgbClr r="0" g="0" b="0"/>
+      </a:fillRef>
+      <a:effectRef idx="2">
+        <a:scrgbClr r="0" g="0" b="0"/>
+      </a:effectRef>
+      <a:fontRef idx="minor">
+        <a:schemeClr val="lt1"/>
+      </a:fontRef>
+    </dgm:style>
+  </dgm:styleLbl>
+  <dgm:styleLbl name="node2">
+    <dgm:scene3d>
+      <a:camera prst="orthographicFront"/>
+      <a:lightRig rig="flat" dir="t"/>
+    </dgm:scene3d>
+    <dgm:sp3d prstMaterial="plastic">
+      <a:bevelT w="120900" h="88900"/>
+      <a:bevelB w="88900" h="31750" prst="angle"/>
+    </dgm:sp3d>
+    <dgm:txPr/>
+    <dgm:style>
+      <a:lnRef idx="0">
+        <a:scrgbClr r="0" g="0" b="0"/>
+      </a:lnRef>
+      <a:fillRef idx="3">
+        <a:scrgbClr r="0" g="0" b="0"/>
+      </a:fillRef>
+      <a:effectRef idx="1">
+        <a:scrgbClr r="0" g="0" b="0"/>
+      </a:effectRef>
+      <a:fontRef idx="minor">
+        <a:schemeClr val="lt1"/>
+      </a:fontRef>
+    </dgm:style>
+  </dgm:styleLbl>
+  <dgm:styleLbl name="node3">
+    <dgm:scene3d>
+      <a:camera prst="orthographicFront"/>
+      <a:lightRig rig="flat" dir="t"/>
+    </dgm:scene3d>
+    <dgm:sp3d prstMaterial="plastic">
+      <a:bevelT w="120900" h="88900"/>
+      <a:bevelB w="88900" h="31750" prst="angle"/>
+    </dgm:sp3d>
+    <dgm:txPr/>
+    <dgm:style>
+      <a:lnRef idx="0">
+        <a:scrgbClr r="0" g="0" b="0"/>
+      </a:lnRef>
+      <a:fillRef idx="3">
+        <a:scrgbClr r="0" g="0" b="0"/>
+      </a:fillRef>
+      <a:effectRef idx="1">
+        <a:scrgbClr r="0" g="0" b="0"/>
+      </a:effectRef>
+      <a:fontRef idx="minor">
+        <a:schemeClr val="lt1"/>
+      </a:fontRef>
+    </dgm:style>
+  </dgm:styleLbl>
+  <dgm:styleLbl name="node4">
+    <dgm:scene3d>
+      <a:camera prst="orthographicFront"/>
+      <a:lightRig rig="flat" dir="t"/>
+    </dgm:scene3d>
+    <dgm:sp3d prstMaterial="plastic">
+      <a:bevelT w="120900" h="88900"/>
+      <a:bevelB w="88900" h="31750" prst="angle"/>
+    </dgm:sp3d>
+    <dgm:txPr/>
+    <dgm:style>
+      <a:lnRef idx="0">
+        <a:scrgbClr r="0" g="0" b="0"/>
+      </a:lnRef>
+      <a:fillRef idx="3">
+        <a:scrgbClr r="0" g="0" b="0"/>
+      </a:fillRef>
+      <a:effectRef idx="1">
+        <a:scrgbClr r="0" g="0" b="0"/>
+      </a:effectRef>
+      <a:fontRef idx="minor">
+        <a:schemeClr val="lt1"/>
+      </a:fontRef>
+    </dgm:style>
+  </dgm:styleLbl>
+  <dgm:styleLbl name="fgImgPlace1">
+    <dgm:scene3d>
+      <a:camera prst="orthographicFront"/>
+      <a:lightRig rig="flat" dir="t"/>
+    </dgm:scene3d>
+    <dgm:sp3d z="127000" prstMaterial="plastic">
+      <a:bevelT w="88900" h="88900"/>
+      <a:bevelB w="88900" h="31750" prst="angle"/>
+    </dgm:sp3d>
+    <dgm:txPr/>
+    <dgm:style>
+      <a:lnRef idx="0">
+        <a:scrgbClr r="0" g="0" b="0"/>
+      </a:lnRef>
+      <a:fillRef idx="3">
+        <a:scrgbClr r="0" g="0" b="0"/>
+      </a:fillRef>
+      <a:effectRef idx="2">
+        <a:scrgbClr r="0" g="0" b="0"/>
+      </a:effectRef>
+      <a:fontRef idx="minor"/>
+    </dgm:style>
+  </dgm:styleLbl>
+  <dgm:styleLbl name="alignImgPlace1">
+    <dgm:scene3d>
+      <a:camera prst="orthographicFront"/>
+      <a:lightRig rig="flat" dir="t"/>
+    </dgm:scene3d>
+    <dgm:sp3d prstMaterial="plastic">
+      <a:bevelT w="88900" h="88900"/>
+      <a:bevelB w="88900" h="31750" prst="angle"/>
+    </dgm:sp3d>
+    <dgm:txPr/>
+    <dgm:style>
+      <a:lnRef idx="0">
+        <a:scrgbClr r="0" g="0" b="0"/>
+      </a:lnRef>
+      <a:fillRef idx="3">
+        <a:scrgbClr r="0" g="0" b="0"/>
+      </a:fillRef>
+      <a:effectRef idx="2">
+        <a:scrgbClr r="0" g="0" b="0"/>
+      </a:effectRef>
+      <a:fontRef idx="minor"/>
+    </dgm:style>
+  </dgm:styleLbl>
+  <dgm:styleLbl name="bgImgPlace1">
+    <dgm:scene3d>
+      <a:camera prst="orthographicFront"/>
+      <a:lightRig rig="flat" dir="t"/>
+    </dgm:scene3d>
+    <dgm:sp3d z="-190500" prstMaterial="plastic">
+      <a:bevelT w="88900" h="88900"/>
+      <a:bevelB w="88900" h="31750" prst="angle"/>
+    </dgm:sp3d>
+    <dgm:txPr/>
+    <dgm:style>
+      <a:lnRef idx="0">
+        <a:scrgbClr r="0" g="0" b="0"/>
+      </a:lnRef>
+      <a:fillRef idx="3">
+        <a:scrgbClr r="0" g="0" b="0"/>
+      </a:fillRef>
+      <a:effectRef idx="2">
+        <a:scrgbClr r="0" g="0" b="0"/>
+      </a:effectRef>
+      <a:fontRef idx="minor"/>
+    </dgm:style>
+  </dgm:styleLbl>
+  <dgm:styleLbl name="sibTrans2D1">
+    <dgm:scene3d>
+      <a:camera prst="orthographicFront"/>
+      <a:lightRig rig="flat" dir="t"/>
+    </dgm:scene3d>
+    <dgm:sp3d z="-80000" prstMaterial="plastic">
+      <a:bevelT w="50800" h="50800"/>
+      <a:bevelB w="25400" h="25400" prst="angle"/>
+    </dgm:sp3d>
+    <dgm:txPr/>
+    <dgm:style>
+      <a:lnRef idx="0">
+        <a:scrgbClr r="0" g="0" b="0"/>
+      </a:lnRef>
+      <a:fillRef idx="3">
+        <a:scrgbClr r="0" g="0" b="0"/>
+      </a:fillRef>
+      <a:effectRef idx="2">
+        <a:scrgbClr r="0" g="0" b="0"/>
+      </a:effectRef>
+      <a:fontRef idx="minor">
+        <a:schemeClr val="lt1"/>
+      </a:fontRef>
+    </dgm:style>
+  </dgm:styleLbl>
+  <dgm:styleLbl name="fgSibTrans2D1">
+    <dgm:scene3d>
+      <a:camera prst="orthographicFront"/>
+      <a:lightRig rig="flat" dir="t"/>
+    </dgm:scene3d>
+    <dgm:sp3d z="127000" prstMaterial="plastic">
+      <a:bevelT w="50800" h="50800"/>
+      <a:bevelB w="25400" h="25400" prst="angle"/>
+    </dgm:sp3d>
+    <dgm:txPr/>
+    <dgm:style>
+      <a:lnRef idx="0">
+        <a:scrgbClr r="0" g="0" b="0"/>
+      </a:lnRef>
+      <a:fillRef idx="3">
+        <a:scrgbClr r="0" g="0" b="0"/>
+      </a:fillRef>
+      <a:effectRef idx="2">
+        <a:scrgbClr r="0" g="0" b="0"/>
+      </a:effectRef>
+      <a:fontRef idx="minor">
+        <a:schemeClr val="lt1"/>
+      </a:fontRef>
+    </dgm:style>
+  </dgm:styleLbl>
+  <dgm:styleLbl name="bgSibTrans2D1">
+    <dgm:scene3d>
+      <a:camera prst="orthographicFront"/>
+      <a:lightRig rig="flat" dir="t"/>
+    </dgm:scene3d>
+    <dgm:sp3d z="-190500" prstMaterial="plastic">
+      <a:bevelT w="50800" h="50800"/>
+      <a:bevelB w="25400" h="25400" prst="angle"/>
+    </dgm:sp3d>
+    <dgm:txPr/>
+    <dgm:style>
+      <a:lnRef idx="0">
+        <a:scrgbClr r="0" g="0" b="0"/>
+      </a:lnRef>
+      <a:fillRef idx="3">
+        <a:scrgbClr r="0" g="0" b="0"/>
+      </a:fillRef>
+      <a:effectRef idx="2">
+        <a:scrgbClr r="0" g="0" b="0"/>
+      </a:effectRef>
+      <a:fontRef idx="minor">
+        <a:schemeClr val="lt1"/>
+      </a:fontRef>
+    </dgm:style>
+  </dgm:styleLbl>
+  <dgm:styleLbl name="sibTrans1D1">
+    <dgm:scene3d>
+      <a:camera prst="orthographicFront"/>
+      <a:lightRig rig="flat" dir="t"/>
+    </dgm:scene3d>
+    <dgm:sp3d z="-40000" prstMaterial="matte"/>
+    <dgm:txPr/>
+    <dgm:style>
+      <a:lnRef idx="1">
+        <a:scrgbClr r="0" g="0" b="0"/>
+      </a:lnRef>
+      <a:fillRef idx="0">
+        <a:scrgbClr r="0" g="0" b="0"/>
+      </a:fillRef>
+      <a:effectRef idx="0">
+        <a:scrgbClr r="0" g="0" b="0"/>
+      </a:effectRef>
+      <a:fontRef idx="minor"/>
+    </dgm:style>
+  </dgm:styleLbl>
+  <dgm:styleLbl name="callout">
+    <dgm:scene3d>
+      <a:camera prst="orthographicFront"/>
+      <a:lightRig rig="threePt" dir="t"/>
+    </dgm:scene3d>
+    <dgm:sp3d z="127000" prstMaterial="matte"/>
+    <dgm:txPr/>
+    <dgm:style>
+      <a:lnRef idx="2">
+        <a:scrgbClr r="0" g="0" b="0"/>
+      </a:lnRef>
+      <a:fillRef idx="1">
+        <a:scrgbClr r="0" g="0" b="0"/>
+      </a:fillRef>
+      <a:effectRef idx="0">
+        <a:scrgbClr r="0" g="0" b="0"/>
+      </a:effectRef>
+      <a:fontRef idx="minor"/>
+    </dgm:style>
+  </dgm:styleLbl>
+  <dgm:styleLbl name="asst0">
+    <dgm:scene3d>
+      <a:camera prst="orthographicFront"/>
+      <a:lightRig rig="flat" dir="t"/>
+    </dgm:scene3d>
+    <dgm:sp3d prstMaterial="plastic">
+      <a:bevelT w="120900" h="88900"/>
+      <a:bevelB w="88900" h="31750" prst="angle"/>
+    </dgm:sp3d>
+    <dgm:txPr/>
+    <dgm:style>
+      <a:lnRef idx="0">
+        <a:scrgbClr r="0" g="0" b="0"/>
+      </a:lnRef>
+      <a:fillRef idx="3">
+        <a:scrgbClr r="0" g="0" b="0"/>
+      </a:fillRef>
+      <a:effectRef idx="1">
+        <a:scrgbClr r="0" g="0" b="0"/>
+      </a:effectRef>
+      <a:fontRef idx="minor">
+        <a:schemeClr val="lt1"/>
+      </a:fontRef>
+    </dgm:style>
+  </dgm:styleLbl>
+  <dgm:styleLbl name="asst1">
+    <dgm:scene3d>
+      <a:camera prst="orthographicFront"/>
+      <a:lightRig rig="flat" dir="t"/>
+    </dgm:scene3d>
+    <dgm:sp3d prstMaterial="plastic">
+      <a:bevelT w="120900" h="88900"/>
+      <a:bevelB w="88900" h="31750" prst="angle"/>
+    </dgm:sp3d>
+    <dgm:txPr/>
+    <dgm:style>
+      <a:lnRef idx="0">
+        <a:scrgbClr r="0" g="0" b="0"/>
+      </a:lnRef>
+      <a:fillRef idx="3">
+        <a:scrgbClr r="0" g="0" b="0"/>
+      </a:fillRef>
+      <a:effectRef idx="1">
+        <a:scrgbClr r="0" g="0" b="0"/>
+      </a:effectRef>
+      <a:fontRef idx="minor">
+        <a:schemeClr val="lt1"/>
+      </a:fontRef>
+    </dgm:style>
+  </dgm:styleLbl>
+  <dgm:styleLbl name="asst2">
+    <dgm:scene3d>
+      <a:camera prst="orthographicFront"/>
+      <a:lightRig rig="flat" dir="t"/>
+    </dgm:scene3d>
+    <dgm:sp3d prstMaterial="plastic">
+      <a:bevelT w="120900" h="88900"/>
+      <a:bevelB w="88900" h="31750" prst="angle"/>
+    </dgm:sp3d>
+    <dgm:txPr/>
+    <dgm:style>
+      <a:lnRef idx="0">
+        <a:scrgbClr r="0" g="0" b="0"/>
+      </a:lnRef>
+      <a:fillRef idx="3">
+        <a:scrgbClr r="0" g="0" b="0"/>
+      </a:fillRef>
+      <a:effectRef idx="1">
+        <a:scrgbClr r="0" g="0" b="0"/>
+      </a:effectRef>
+      <a:fontRef idx="minor">
+        <a:schemeClr val="lt1"/>
+      </a:fontRef>
+    </dgm:style>
+  </dgm:styleLbl>
+  <dgm:styleLbl name="asst3">
+    <dgm:scene3d>
+      <a:camera prst="orthographicFront"/>
+      <a:lightRig rig="flat" dir="t"/>
+    </dgm:scene3d>
+    <dgm:sp3d prstMaterial="plastic">
+      <a:bevelT w="120900" h="88900"/>
+      <a:bevelB w="88900" h="31750" prst="angle"/>
+    </dgm:sp3d>
+    <dgm:txPr/>
+    <dgm:style>
+      <a:lnRef idx="0">
+        <a:scrgbClr r="0" g="0" b="0"/>
+      </a:lnRef>
+      <a:fillRef idx="3">
+        <a:scrgbClr r="0" g="0" b="0"/>
+      </a:fillRef>
+      <a:effectRef idx="1">
+        <a:scrgbClr r="0" g="0" b="0"/>
+      </a:effectRef>
+      <a:fontRef idx="minor">
+        <a:schemeClr val="lt1"/>
+      </a:fontRef>
+    </dgm:style>
+  </dgm:styleLbl>
+  <dgm:styleLbl name="parChTrans2D1">
+    <dgm:scene3d>
+      <a:camera prst="orthographicFront"/>
+      <a:lightRig rig="flat" dir="t"/>
+    </dgm:scene3d>
+    <dgm:sp3d z="-100000" prstMaterial="plastic">
+      <a:bevelT w="120900" h="88900"/>
+      <a:bevelB w="88900" h="31750" prst="angle"/>
+    </dgm:sp3d>
+    <dgm:txPr/>
+    <dgm:style>
+      <a:lnRef idx="0">
+        <a:scrgbClr r="0" g="0" b="0"/>
+      </a:lnRef>
+      <a:fillRef idx="3">
+        <a:scrgbClr r="0" g="0" b="0"/>
+      </a:fillRef>
+      <a:effectRef idx="1">
+        <a:scrgbClr r="0" g="0" b="0"/>
+      </a:effectRef>
+      <a:fontRef idx="minor">
+        <a:schemeClr val="lt1"/>
+      </a:fontRef>
+    </dgm:style>
+  </dgm:styleLbl>
+  <dgm:styleLbl name="parChTrans2D2">
+    <dgm:scene3d>
+      <a:camera prst="orthographicFront"/>
+      <a:lightRig rig="flat" dir="t"/>
+    </dgm:scene3d>
+    <dgm:sp3d z="-60000" prstMaterial="plastic">
+      <a:bevelT w="120900" h="88900"/>
+      <a:bevelB w="88900" h="31750" prst="angle"/>
+    </dgm:sp3d>
+    <dgm:txPr/>
+    <dgm:style>
+      <a:lnRef idx="0">
+        <a:scrgbClr r="0" g="0" b="0"/>
+      </a:lnRef>
+      <a:fillRef idx="3">
+        <a:scrgbClr r="0" g="0" b="0"/>
+      </a:fillRef>
+      <a:effectRef idx="1">
+        <a:scrgbClr r="0" g="0" b="0"/>
+      </a:effectRef>
+      <a:fontRef idx="minor">
+        <a:schemeClr val="lt1"/>
+      </a:fontRef>
+    </dgm:style>
+  </dgm:styleLbl>
+  <dgm:styleLbl name="parChTrans2D3">
+    <dgm:scene3d>
+      <a:camera prst="orthographicFront"/>
+      <a:lightRig rig="flat" dir="t"/>
+    </dgm:scene3d>
+    <dgm:sp3d z="-60000" prstMaterial="plastic">
+      <a:bevelT w="120900" h="88900"/>
+      <a:bevelB w="88900" h="31750" prst="angle"/>
+    </dgm:sp3d>
+    <dgm:txPr/>
+    <dgm:style>
+      <a:lnRef idx="0">
+        <a:scrgbClr r="0" g="0" b="0"/>
+      </a:lnRef>
+      <a:fillRef idx="3">
+        <a:scrgbClr r="0" g="0" b="0"/>
+      </a:fillRef>
+      <a:effectRef idx="1">
+        <a:scrgbClr r="0" g="0" b="0"/>
+      </a:effectRef>
+      <a:fontRef idx="minor">
+        <a:schemeClr val="lt1"/>
+      </a:fontRef>
+    </dgm:style>
+  </dgm:styleLbl>
+  <dgm:styleLbl name="parChTrans2D4">
+    <dgm:scene3d>
+      <a:camera prst="orthographicFront"/>
+      <a:lightRig rig="flat" dir="t"/>
+    </dgm:scene3d>
+    <dgm:sp3d z="-60000" prstMaterial="plastic">
+      <a:bevelT w="120900" h="88900"/>
+      <a:bevelB w="88900" h="31750" prst="angle"/>
+    </dgm:sp3d>
+    <dgm:txPr/>
+    <dgm:style>
+      <a:lnRef idx="0">
+        <a:scrgbClr r="0" g="0" b="0"/>
+      </a:lnRef>
+      <a:fillRef idx="3">
+        <a:scrgbClr r="0" g="0" b="0"/>
+      </a:fillRef>
+      <a:effectRef idx="1">
+        <a:scrgbClr r="0" g="0" b="0"/>
+      </a:effectRef>
+      <a:fontRef idx="minor">
+        <a:schemeClr val="lt1"/>
+      </a:fontRef>
+    </dgm:style>
+  </dgm:styleLbl>
+  <dgm:styleLbl name="parChTrans1D1">
+    <dgm:scene3d>
+      <a:camera prst="orthographicFront"/>
+      <a:lightRig rig="flat" dir="t"/>
+    </dgm:scene3d>
+    <dgm:sp3d prstMaterial="matte"/>
+    <dgm:txPr/>
+    <dgm:style>
+      <a:lnRef idx="2">
+        <a:scrgbClr r="0" g="0" b="0"/>
+      </a:lnRef>
+      <a:fillRef idx="0">
+        <a:scrgbClr r="0" g="0" b="0"/>
+      </a:fillRef>
+      <a:effectRef idx="0">
+        <a:scrgbClr r="0" g="0" b="0"/>
+      </a:effectRef>
+      <a:fontRef idx="minor"/>
+    </dgm:style>
+  </dgm:styleLbl>
+  <dgm:styleLbl name="parChTrans1D2">
+    <dgm:scene3d>
+      <a:camera prst="orthographicFront"/>
+      <a:lightRig rig="flat" dir="t"/>
+    </dgm:scene3d>
+    <dgm:sp3d prstMaterial="matte"/>
+    <dgm:txPr/>
+    <dgm:style>
+      <a:lnRef idx="2">
+        <a:scrgbClr r="0" g="0" b="0"/>
+      </a:lnRef>
+      <a:fillRef idx="0">
+        <a:scrgbClr r="0" g="0" b="0"/>
+      </a:fillRef>
+      <a:effectRef idx="0">
+        <a:scrgbClr r="0" g="0" b="0"/>
+      </a:effectRef>
+      <a:fontRef idx="minor"/>
+    </dgm:style>
+  </dgm:styleLbl>
+  <dgm:styleLbl name="parChTrans1D3">
+    <dgm:scene3d>
+      <a:camera prst="orthographicFront"/>
+      <a:lightRig rig="flat" dir="t"/>
+    </dgm:scene3d>
+    <dgm:sp3d prstMaterial="matte"/>
+    <dgm:txPr/>
+    <dgm:style>
+      <a:lnRef idx="2">
+        <a:scrgbClr r="0" g="0" b="0"/>
+      </a:lnRef>
+      <a:fillRef idx="0">
+        <a:scrgbClr r="0" g="0" b="0"/>
+      </a:fillRef>
+      <a:effectRef idx="0">
+        <a:scrgbClr r="0" g="0" b="0"/>
+      </a:effectRef>
+      <a:fontRef idx="minor"/>
+    </dgm:style>
+  </dgm:styleLbl>
+  <dgm:styleLbl name="parChTrans1D4">
+    <dgm:scene3d>
+      <a:camera prst="orthographicFront"/>
+      <a:lightRig rig="flat" dir="t"/>
+    </dgm:scene3d>
+    <dgm:sp3d prstMaterial="matte"/>
+    <dgm:txPr/>
+    <dgm:style>
+      <a:lnRef idx="2">
+        <a:scrgbClr r="0" g="0" b="0"/>
+      </a:lnRef>
+      <a:fillRef idx="0">
+        <a:scrgbClr r="0" g="0" b="0"/>
+      </a:fillRef>
+      <a:effectRef idx="0">
+        <a:scrgbClr r="0" g="0" b="0"/>
+      </a:effectRef>
+      <a:fontRef idx="minor"/>
+    </dgm:style>
+  </dgm:styleLbl>
+  <dgm:styleLbl name="fgAcc1">
+    <dgm:scene3d>
+      <a:camera prst="orthographicFront"/>
+      <a:lightRig rig="flat" dir="t"/>
+    </dgm:scene3d>
+    <dgm:sp3d z="190500" extrusionH="12700" prstMaterial="plastic">
+      <a:bevelT w="50800" h="50800"/>
+    </dgm:sp3d>
+    <dgm:txPr/>
+    <dgm:style>
+      <a:lnRef idx="1">
+        <a:scrgbClr r="0" g="0" b="0"/>
+      </a:lnRef>
+      <a:fillRef idx="1">
+        <a:scrgbClr r="0" g="0" b="0"/>
+      </a:fillRef>
+      <a:effectRef idx="2">
+        <a:scrgbClr r="0" g="0" b="0"/>
+      </a:effectRef>
+      <a:fontRef idx="minor"/>
+    </dgm:style>
+  </dgm:styleLbl>
+  <dgm:styleLbl name="conFgAcc1">
+    <dgm:scene3d>
+      <a:camera prst="orthographicFront"/>
+      <a:lightRig rig="flat" dir="t"/>
+    </dgm:scene3d>
+    <dgm:sp3d z="190500" extrusionH="12700" prstMaterial="plastic">
+      <a:bevelT w="50800" h="50800"/>
+    </dgm:sp3d>
+    <dgm:txPr/>
+    <dgm:style>
+      <a:lnRef idx="1">
+        <a:scrgbClr r="0" g="0" b="0"/>
+      </a:lnRef>
+      <a:fillRef idx="1">
+        <a:scrgbClr r="0" g="0" b="0"/>
+      </a:fillRef>
+      <a:effectRef idx="2">
+        <a:scrgbClr r="0" g="0" b="0"/>
+      </a:effectRef>
+      <a:fontRef idx="minor"/>
+    </dgm:style>
+  </dgm:styleLbl>
+  <dgm:styleLbl name="alignAcc1">
+    <dgm:scene3d>
+      <a:camera prst="orthographicFront"/>
+      <a:lightRig rig="flat" dir="t"/>
+    </dgm:scene3d>
+    <dgm:sp3d extrusionH="12700" prstMaterial="plastic">
+      <a:bevelT w="50800" h="50800"/>
+    </dgm:sp3d>
+    <dgm:txPr/>
+    <dgm:style>
+      <a:lnRef idx="1">
+        <a:scrgbClr r="0" g="0" b="0"/>
+      </a:lnRef>
+      <a:fillRef idx="1">
+        <a:scrgbClr r="0" g="0" b="0"/>
+      </a:fillRef>
+      <a:effectRef idx="2">
+        <a:scrgbClr r="0" g="0" b="0"/>
+      </a:effectRef>
+      <a:fontRef idx="minor"/>
+    </dgm:style>
+  </dgm:styleLbl>
+  <dgm:styleLbl name="trAlignAcc1">
+    <dgm:scene3d>
+      <a:camera prst="orthographicFront"/>
+      <a:lightRig rig="flat" dir="t"/>
+    </dgm:scene3d>
+    <dgm:sp3d extrusionH="12700" prstMaterial="plastic">
+      <a:bevelT w="50800" h="50800"/>
+    </dgm:sp3d>
+    <dgm:txPr/>
+    <dgm:style>
+      <a:lnRef idx="1">
+        <a:scrgbClr r="0" g="0" b="0"/>
+      </a:lnRef>
+      <a:fillRef idx="1">
+        <a:scrgbClr r="0" g="0" b="0"/>
+      </a:fillRef>
+      <a:effectRef idx="2">
+        <a:scrgbClr r="0" g="0" b="0"/>
+      </a:effectRef>
+      <a:fontRef idx="minor"/>
+    </dgm:style>
+  </dgm:styleLbl>
+  <dgm:styleLbl name="bgAcc1">
+    <dgm:scene3d>
+      <a:camera prst="orthographicFront"/>
+      <a:lightRig rig="flat" dir="t"/>
+    </dgm:scene3d>
+    <dgm:sp3d z="-190500" extrusionH="12700" prstMaterial="plastic">
+      <a:bevelT w="50800" h="50800"/>
+    </dgm:sp3d>
+    <dgm:txPr/>
+    <dgm:style>
+      <a:lnRef idx="1">
+        <a:scrgbClr r="0" g="0" b="0"/>
+      </a:lnRef>
+      <a:fillRef idx="1">
+        <a:scrgbClr r="0" g="0" b="0"/>
+      </a:fillRef>
+      <a:effectRef idx="2">
+        <a:scrgbClr r="0" g="0" b="0"/>
+      </a:effectRef>
+      <a:fontRef idx="minor"/>
+    </dgm:style>
+  </dgm:styleLbl>
+  <dgm:styleLbl name="solidFgAcc1">
+    <dgm:scene3d>
+      <a:camera prst="orthographicFront"/>
+      <a:lightRig rig="flat" dir="t"/>
+    </dgm:scene3d>
+    <dgm:sp3d z="190500" extrusionH="12700" prstMaterial="plastic">
+      <a:bevelT w="50800" h="50800"/>
+    </dgm:sp3d>
+    <dgm:txPr/>
+    <dgm:style>
+      <a:lnRef idx="1">
+        <a:scrgbClr r="0" g="0" b="0"/>
+      </a:lnRef>
+      <a:fillRef idx="1">
+        <a:scrgbClr r="0" g="0" b="0"/>
+      </a:fillRef>
+      <a:effectRef idx="2">
+        <a:scrgbClr r="0" g="0" b="0"/>
+      </a:effectRef>
+      <a:fontRef idx="minor"/>
+    </dgm:style>
+  </dgm:styleLbl>
+  <dgm:styleLbl name="solidAlignAcc1">
+    <dgm:scene3d>
+      <a:camera prst="orthographicFront"/>
+      <a:lightRig rig="flat" dir="t"/>
+    </dgm:scene3d>
+    <dgm:sp3d extrusionH="12700" prstMaterial="plastic">
+      <a:bevelT w="50800" h="50800"/>
+    </dgm:sp3d>
+    <dgm:txPr/>
+    <dgm:style>
+      <a:lnRef idx="1">
+        <a:scrgbClr r="0" g="0" b="0"/>
+      </a:lnRef>
+      <a:fillRef idx="1">
+        <a:scrgbClr r="0" g="0" b="0"/>
+      </a:fillRef>
+      <a:effectRef idx="2">
+        <a:scrgbClr r="0" g="0" b="0"/>
+      </a:effectRef>
+      <a:fontRef idx="minor"/>
+    </dgm:style>
+  </dgm:styleLbl>
+  <dgm:styleLbl name="solidBgAcc1">
+    <dgm:scene3d>
+      <a:camera prst="orthographicFront"/>
+      <a:lightRig rig="flat" dir="t"/>
+    </dgm:scene3d>
+    <dgm:sp3d z="-190500" extrusionH="12700" prstMaterial="plastic">
+      <a:bevelT w="50800" h="50800"/>
+    </dgm:sp3d>
+    <dgm:txPr/>
+    <dgm:style>
+      <a:lnRef idx="1">
+        <a:scrgbClr r="0" g="0" b="0"/>
+      </a:lnRef>
+      <a:fillRef idx="1">
+        <a:scrgbClr r="0" g="0" b="0"/>
+      </a:fillRef>
+      <a:effectRef idx="2">
+        <a:scrgbClr r="0" g="0" b="0"/>
+      </a:effectRef>
+      <a:fontRef idx="minor"/>
+    </dgm:style>
+  </dgm:styleLbl>
+  <dgm:styleLbl name="fgAccFollowNode1">
+    <dgm:scene3d>
+      <a:camera prst="orthographicFront"/>
+      <a:lightRig rig="flat" dir="t"/>
+    </dgm:scene3d>
+    <dgm:sp3d z="190500" extrusionH="12700" prstMaterial="plastic">
+      <a:bevelT w="50800" h="50800"/>
+    </dgm:sp3d>
+    <dgm:txPr/>
+    <dgm:style>
+      <a:lnRef idx="1">
+        <a:scrgbClr r="0" g="0" b="0"/>
+      </a:lnRef>
+      <a:fillRef idx="1">
+        <a:scrgbClr r="0" g="0" b="0"/>
+      </a:fillRef>
+      <a:effectRef idx="2">
+        <a:scrgbClr r="0" g="0" b="0"/>
+      </a:effectRef>
+      <a:fontRef idx="minor"/>
+    </dgm:style>
+  </dgm:styleLbl>
+  <dgm:styleLbl name="alignAccFollowNode1">
+    <dgm:scene3d>
+      <a:camera prst="orthographicFront"/>
+      <a:lightRig rig="flat" dir="t"/>
+    </dgm:scene3d>
+    <dgm:sp3d extrusionH="12700" prstMaterial="plastic">
+      <a:bevelT w="50800" h="50800"/>
+    </dgm:sp3d>
+    <dgm:txPr/>
+    <dgm:style>
+      <a:lnRef idx="1">
+        <a:scrgbClr r="0" g="0" b="0"/>
+      </a:lnRef>
+      <a:fillRef idx="1">
+        <a:scrgbClr r="0" g="0" b="0"/>
+      </a:fillRef>
+      <a:effectRef idx="2">
+        <a:scrgbClr r="0" g="0" b="0"/>
+      </a:effectRef>
+      <a:fontRef idx="minor"/>
+    </dgm:style>
+  </dgm:styleLbl>
+  <dgm:styleLbl name="bgAccFollowNode1">
+    <dgm:scene3d>
+      <a:camera prst="orthographicFront"/>
+      <a:lightRig rig="flat" dir="t"/>
+    </dgm:scene3d>
+    <dgm:sp3d z="-190500" extrusionH="12700" prstMaterial="plastic">
+      <a:bevelT w="50800" h="50800"/>
+    </dgm:sp3d>
+    <dgm:txPr/>
+    <dgm:style>
+      <a:lnRef idx="1">
+        <a:scrgbClr r="0" g="0" b="0"/>
+      </a:lnRef>
+      <a:fillRef idx="1">
+        <a:scrgbClr r="0" g="0" b="0"/>
+      </a:fillRef>
+      <a:effectRef idx="2">
+        <a:scrgbClr r="0" g="0" b="0"/>
+      </a:effectRef>
+      <a:fontRef idx="minor"/>
+    </dgm:style>
+  </dgm:styleLbl>
+  <dgm:styleLbl name="fgAcc0">
+    <dgm:scene3d>
+      <a:camera prst="orthographicFront"/>
+      <a:lightRig rig="flat" dir="t"/>
+    </dgm:scene3d>
+    <dgm:sp3d z="190500" extrusionH="12700" prstMaterial="plastic">
+      <a:bevelT w="50800" h="50800"/>
+    </dgm:sp3d>
+    <dgm:txPr/>
+    <dgm:style>
+      <a:lnRef idx="1">
+        <a:scrgbClr r="0" g="0" b="0"/>
+      </a:lnRef>
+      <a:fillRef idx="1">
+        <a:scrgbClr r="0" g="0" b="0"/>
+      </a:fillRef>
+      <a:effectRef idx="2">
+        <a:scrgbClr r="0" g="0" b="0"/>
+      </a:effectRef>
+      <a:fontRef idx="minor"/>
+    </dgm:style>
+  </dgm:styleLbl>
+  <dgm:styleLbl name="fgAcc2">
+    <dgm:scene3d>
+      <a:camera prst="orthographicFront"/>
+      <a:lightRig rig="flat" dir="t"/>
+    </dgm:scene3d>
+    <dgm:sp3d z="190500" extrusionH="12700" prstMaterial="plastic">
+      <a:bevelT w="50800" h="50800"/>
+    </dgm:sp3d>
+    <dgm:txPr/>
+    <dgm:style>
+      <a:lnRef idx="1">
+        <a:scrgbClr r="0" g="0" b="0"/>
+      </a:lnRef>
+      <a:fillRef idx="1">
+        <a:scrgbClr r="0" g="0" b="0"/>
+      </a:fillRef>
+      <a:effectRef idx="2">
+        <a:scrgbClr r="0" g="0" b="0"/>
+      </a:effectRef>
+      <a:fontRef idx="minor"/>
+    </dgm:style>
+  </dgm:styleLbl>
+  <dgm:styleLbl name="fgAcc3">
+    <dgm:scene3d>
+      <a:camera prst="orthographicFront"/>
+      <a:lightRig rig="flat" dir="t"/>
+    </dgm:scene3d>
+    <dgm:sp3d z="190500" extrusionH="12700" prstMaterial="plastic">
+      <a:bevelT w="50800" h="50800"/>
+    </dgm:sp3d>
+    <dgm:txPr/>
+    <dgm:style>
+      <a:lnRef idx="1">
+        <a:scrgbClr r="0" g="0" b="0"/>
+      </a:lnRef>
+      <a:fillRef idx="1">
+        <a:scrgbClr r="0" g="0" b="0"/>
+      </a:fillRef>
+      <a:effectRef idx="2">
+        <a:scrgbClr r="0" g="0" b="0"/>
+      </a:effectRef>
+      <a:fontRef idx="minor"/>
+    </dgm:style>
+  </dgm:styleLbl>
+  <dgm:styleLbl name="fgAcc4">
+    <dgm:scene3d>
+      <a:camera prst="orthographicFront"/>
+      <a:lightRig rig="flat" dir="t"/>
+    </dgm:scene3d>
+    <dgm:sp3d z="190500" extrusionH="12700" prstMaterial="plastic">
+      <a:bevelT w="50800" h="50800"/>
+    </dgm:sp3d>
+    <dgm:txPr/>
+    <dgm:style>
+      <a:lnRef idx="1">
+        <a:scrgbClr r="0" g="0" b="0"/>
+      </a:lnRef>
+      <a:fillRef idx="1">
+        <a:scrgbClr r="0" g="0" b="0"/>
+      </a:fillRef>
+      <a:effectRef idx="2">
+        <a:scrgbClr r="0" g="0" b="0"/>
+      </a:effectRef>
+      <a:fontRef idx="minor"/>
+    </dgm:style>
+  </dgm:styleLbl>
+  <dgm:styleLbl name="bgShp">
+    <dgm:scene3d>
+      <a:camera prst="orthographicFront"/>
+      <a:lightRig rig="flat" dir="t"/>
+    </dgm:scene3d>
+    <dgm:sp3d z="-190500" extrusionH="12700" prstMaterial="plastic">
+      <a:bevelT w="50800" h="50800"/>
+    </dgm:sp3d>
+    <dgm:txPr/>
+    <dgm:style>
+      <a:lnRef idx="0">
+        <a:scrgbClr r="0" g="0" b="0"/>
+      </a:lnRef>
+      <a:fillRef idx="3">
+        <a:scrgbClr r="0" g="0" b="0"/>
+      </a:fillRef>
+      <a:effectRef idx="0">
+        <a:scrgbClr r="0" g="0" b="0"/>
+      </a:effectRef>
+      <a:fontRef idx="minor"/>
+    </dgm:style>
+  </dgm:styleLbl>
+  <dgm:styleLbl name="dkBgShp">
+    <dgm:scene3d>
+      <a:camera prst="orthographicFront"/>
+      <a:lightRig rig="flat" dir="t"/>
+    </dgm:scene3d>
+    <dgm:sp3d z="-190500" extrusionH="12700" prstMaterial="plastic">
+      <a:bevelT w="50800" h="50800"/>
+    </dgm:sp3d>
+    <dgm:txPr/>
+    <dgm:style>
+      <a:lnRef idx="0">
+        <a:scrgbClr r="0" g="0" b="0"/>
+      </a:lnRef>
+      <a:fillRef idx="2">
+        <a:scrgbClr r="0" g="0" b="0"/>
+      </a:fillRef>
+      <a:effectRef idx="0">
+        <a:scrgbClr r="0" g="0" b="0"/>
+      </a:effectRef>
+      <a:fontRef idx="minor"/>
+    </dgm:style>
+  </dgm:styleLbl>
+  <dgm:styleLbl name="trBgShp">
+    <dgm:scene3d>
+      <a:camera prst="orthographicFront"/>
+      <a:lightRig rig="flat" dir="t"/>
+    </dgm:scene3d>
+    <dgm:sp3d z="-190500" extrusionH="12700" prstMaterial="matte"/>
+    <dgm:txPr/>
+    <dgm:style>
+      <a:lnRef idx="0">
+        <a:scrgbClr r="0" g="0" b="0"/>
+      </a:lnRef>
+      <a:fillRef idx="1">
+        <a:scrgbClr r="0" g="0" b="0"/>
+      </a:fillRef>
+      <a:effectRef idx="0">
+        <a:scrgbClr r="0" g="0" b="0"/>
+      </a:effectRef>
+      <a:fontRef idx="minor"/>
+    </dgm:style>
+  </dgm:styleLbl>
+  <dgm:styleLbl name="fgShp">
+    <dgm:scene3d>
+      <a:camera prst="orthographicFront"/>
+      <a:lightRig rig="flat" dir="t"/>
+    </dgm:scene3d>
+    <dgm:sp3d z="190500" prstMaterial="plastic">
+      <a:bevelT w="120900" h="88900"/>
+      <a:bevelB w="88900" h="31750" prst="angle"/>
+    </dgm:sp3d>
+    <dgm:txPr/>
+    <dgm:style>
+      <a:lnRef idx="0">
+        <a:scrgbClr r="0" g="0" b="0"/>
+      </a:lnRef>
+      <a:fillRef idx="1">
+        <a:scrgbClr r="0" g="0" b="0"/>
+      </a:fillRef>
+      <a:effectRef idx="3">
+        <a:scrgbClr r="0" g="0" b="0"/>
+      </a:effectRef>
+      <a:fontRef idx="minor">
+        <a:schemeClr val="lt1"/>
+      </a:fontRef>
+    </dgm:style>
+  </dgm:styleLbl>
+  <dgm:styleLbl name="revTx">
+    <dgm:scene3d>
+      <a:camera prst="orthographicFront"/>
+      <a:lightRig rig="threePt" dir="t"/>
+    </dgm:scene3d>
+    <dgm:sp3d/>
+    <dgm:txPr/>
+    <dgm:style>
+      <a:lnRef idx="0">
+        <a:scrgbClr r="0" g="0" b="0"/>
+      </a:lnRef>
+      <a:fillRef idx="0">
+        <a:scrgbClr r="0" g="0" b="0"/>
+      </a:fillRef>
+      <a:effectRef idx="0">
+        <a:scrgbClr r="0" g="0" b="0"/>
+      </a:effectRef>
+      <a:fontRef idx="minor"/>
+    </dgm:style>
+  </dgm:styleLbl>
+</dgm:styleDef>
 </file>
 
 <file path=ppt/notesMasters/notesMaster1.xml><?xml version="1.0" encoding="utf-8"?>
@@ -4002,6 +6592,137 @@
 </p:sld>
 </file>
 
+<file path=ppt/slides/slide10.xml><?xml version="1.0" encoding="utf-8"?>
+<p:sld xmlns:a="http://schemas.openxmlformats.org/drawingml/2006/main" xmlns:r="http://schemas.openxmlformats.org/officeDocument/2006/relationships" xmlns:p="http://schemas.openxmlformats.org/presentationml/2006/main">
+  <p:cSld>
+    <p:spTree>
+      <p:nvGrpSpPr>
+        <p:cNvPr id="1" name=""/>
+        <p:cNvGrpSpPr/>
+        <p:nvPr/>
+      </p:nvGrpSpPr>
+      <p:grpSpPr>
+        <a:xfrm>
+          <a:off x="0" y="0"/>
+          <a:ext cx="0" cy="0"/>
+          <a:chOff x="0" y="0"/>
+          <a:chExt cx="0" cy="0"/>
+        </a:xfrm>
+      </p:grpSpPr>
+      <p:sp>
+        <p:nvSpPr>
+          <p:cNvPr id="6" name="Segnaposto data 5"/>
+          <p:cNvSpPr>
+            <a:spLocks noGrp="1"/>
+          </p:cNvSpPr>
+          <p:nvPr>
+            <p:ph type="dt" sz="half" idx="10"/>
+          </p:nvPr>
+        </p:nvSpPr>
+        <p:spPr/>
+        <p:txBody>
+          <a:bodyPr/>
+          <a:lstStyle/>
+          <a:p>
+            <a:r>
+              <a:rPr lang="it-IT" smtClean="0"/>
+              <a:t>Anno accademico 2007/2008</a:t>
+            </a:r>
+            <a:endParaRPr lang="it-IT" dirty="0"/>
+          </a:p>
+        </p:txBody>
+      </p:sp>
+      <p:sp>
+        <p:nvSpPr>
+          <p:cNvPr id="7" name="Segnaposto numero diapositiva 6"/>
+          <p:cNvSpPr>
+            <a:spLocks noGrp="1"/>
+          </p:cNvSpPr>
+          <p:nvPr>
+            <p:ph type="sldNum" sz="quarter" idx="12"/>
+          </p:nvPr>
+        </p:nvSpPr>
+        <p:spPr/>
+        <p:txBody>
+          <a:bodyPr/>
+          <a:lstStyle/>
+          <a:p>
+            <a:fld id="{BB9EEBAB-65FC-4513-B19A-4B06FD56D3C9}" type="slidenum">
+              <a:rPr lang="it-IT" smtClean="0"/>
+              <a:pPr/>
+              <a:t>10</a:t>
+            </a:fld>
+            <a:endParaRPr lang="it-IT" dirty="0"/>
+          </a:p>
+        </p:txBody>
+      </p:sp>
+      <p:sp>
+        <p:nvSpPr>
+          <p:cNvPr id="8" name="Segnaposto piè di pagina 7"/>
+          <p:cNvSpPr>
+            <a:spLocks noGrp="1"/>
+          </p:cNvSpPr>
+          <p:nvPr>
+            <p:ph type="ftr" sz="quarter" idx="11"/>
+          </p:nvPr>
+        </p:nvSpPr>
+        <p:spPr/>
+        <p:txBody>
+          <a:bodyPr/>
+          <a:lstStyle/>
+          <a:p>
+            <a:r>
+              <a:rPr lang="it-IT" smtClean="0"/>
+              <a:t>Università degli studi di Roma Tre</a:t>
+            </a:r>
+            <a:endParaRPr lang="it-IT" dirty="0"/>
+          </a:p>
+        </p:txBody>
+      </p:sp>
+      <p:sp>
+        <p:nvSpPr>
+          <p:cNvPr id="9" name="Titolo 3"/>
+          <p:cNvSpPr>
+            <a:spLocks noGrp="1"/>
+          </p:cNvSpPr>
+          <p:nvPr>
+            <p:ph type="ctrTitle"/>
+          </p:nvPr>
+        </p:nvSpPr>
+        <p:spPr>
+          <a:xfrm>
+            <a:off x="2321671" y="0"/>
+            <a:ext cx="6822329" cy="742954"/>
+          </a:xfrm>
+        </p:spPr>
+        <p:txBody>
+          <a:bodyPr>
+            <a:noAutofit/>
+          </a:bodyPr>
+          <a:lstStyle/>
+          <a:p>
+            <a:endParaRPr lang="it-IT" sz="3600" dirty="0"/>
+          </a:p>
+        </p:txBody>
+      </p:sp>
+    </p:spTree>
+  </p:cSld>
+  <p:clrMapOvr>
+    <a:masterClrMapping/>
+  </p:clrMapOvr>
+  <p:transition>
+    <p:fade/>
+  </p:transition>
+  <p:timing>
+    <p:tnLst>
+      <p:par>
+        <p:cTn id="1" dur="indefinite" restart="never" nodeType="tmRoot"/>
+      </p:par>
+    </p:tnLst>
+  </p:timing>
+</p:sld>
+</file>
+
 <file path=ppt/slides/slide2.xml><?xml version="1.0" encoding="utf-8"?>
 <p:sld xmlns:a="http://schemas.openxmlformats.org/drawingml/2006/main" xmlns:r="http://schemas.openxmlformats.org/officeDocument/2006/relationships" xmlns:p="http://schemas.openxmlformats.org/presentationml/2006/main">
   <p:cSld>
@@ -4856,6 +7577,121 @@
           </a:p>
         </p:txBody>
       </p:sp>
+      <p:sp>
+        <p:nvSpPr>
+          <p:cNvPr id="11" name="CasellaDiTesto 10"/>
+          <p:cNvSpPr txBox="1"/>
+          <p:nvPr/>
+        </p:nvSpPr>
+        <p:spPr>
+          <a:xfrm>
+            <a:off x="3857620" y="4000504"/>
+            <a:ext cx="4537204" cy="1077218"/>
+          </a:xfrm>
+          <a:prstGeom prst="rect">
+            <a:avLst/>
+          </a:prstGeom>
+          <a:noFill/>
+        </p:spPr>
+        <p:txBody>
+          <a:bodyPr wrap="none" rtlCol="0">
+            <a:spAutoFit/>
+          </a:bodyPr>
+          <a:lstStyle/>
+          <a:p>
+            <a:pPr algn="ctr"/>
+            <a:r>
+              <a:rPr lang="en-US" sz="3200" dirty="0" err="1" smtClean="0"/>
+              <a:t>Analizziamo</a:t>
+            </a:r>
+            <a:r>
+              <a:rPr lang="en-US" sz="3200" dirty="0" smtClean="0"/>
+              <a:t> la </a:t>
+            </a:r>
+            <a:r>
+              <a:rPr lang="en-US" sz="3200" dirty="0" err="1" smtClean="0"/>
+              <a:t>struttura</a:t>
+            </a:r>
+            <a:r>
+              <a:rPr lang="en-US" sz="3200" dirty="0" smtClean="0"/>
+              <a:t> </a:t>
+            </a:r>
+            <a:r>
+              <a:rPr lang="en-US" sz="3200" dirty="0" err="1" smtClean="0"/>
+              <a:t>di</a:t>
+            </a:r>
+            <a:endParaRPr lang="en-US" sz="3200" dirty="0" smtClean="0"/>
+          </a:p>
+          <a:p>
+            <a:pPr algn="ctr"/>
+            <a:r>
+              <a:rPr lang="en-US" sz="3200" dirty="0" smtClean="0"/>
+              <a:t>un </a:t>
+            </a:r>
+            <a:r>
+              <a:rPr lang="en-US" sz="3200" dirty="0" err="1" smtClean="0"/>
+              <a:t>laboratorio</a:t>
+            </a:r>
+            <a:r>
+              <a:rPr lang="en-US" sz="3200" dirty="0" smtClean="0"/>
+              <a:t> </a:t>
+            </a:r>
+            <a:r>
+              <a:rPr lang="en-US" sz="3200" dirty="0" err="1" smtClean="0"/>
+              <a:t>di</a:t>
+            </a:r>
+            <a:r>
+              <a:rPr lang="en-US" sz="3200" dirty="0" smtClean="0"/>
+              <a:t> </a:t>
+            </a:r>
+            <a:r>
+              <a:rPr lang="en-US" sz="3200" dirty="0" err="1" smtClean="0"/>
+              <a:t>NetKit</a:t>
+            </a:r>
+            <a:endParaRPr lang="it-IT" sz="3200" dirty="0"/>
+          </a:p>
+        </p:txBody>
+      </p:sp>
+      <p:sp>
+        <p:nvSpPr>
+          <p:cNvPr id="12" name="Freccia a destra 11"/>
+          <p:cNvSpPr/>
+          <p:nvPr/>
+        </p:nvSpPr>
+        <p:spPr>
+          <a:xfrm rot="2606951">
+            <a:off x="2680544" y="3063892"/>
+            <a:ext cx="1357322" cy="857256"/>
+          </a:xfrm>
+          <a:prstGeom prst="rightArrow">
+            <a:avLst/>
+          </a:prstGeom>
+        </p:spPr>
+        <p:style>
+          <a:lnRef idx="2">
+            <a:schemeClr val="accent1">
+              <a:shade val="50000"/>
+            </a:schemeClr>
+          </a:lnRef>
+          <a:fillRef idx="1">
+            <a:schemeClr val="accent1"/>
+          </a:fillRef>
+          <a:effectRef idx="0">
+            <a:schemeClr val="accent1"/>
+          </a:effectRef>
+          <a:fontRef idx="minor">
+            <a:schemeClr val="lt1"/>
+          </a:fontRef>
+        </p:style>
+        <p:txBody>
+          <a:bodyPr rtlCol="0" anchor="ctr"/>
+          <a:lstStyle/>
+          <a:p>
+            <a:pPr algn="ctr"/>
+            <a:endParaRPr lang="it-IT"/>
+          </a:p>
+        </p:txBody>
+      </p:sp>
     </p:spTree>
   </p:cSld>
   <p:clrMapOvr>
@@ -5568,6 +8404,94 @@
                       </p:childTnLst>
                     </p:cTn>
                   </p:par>
+                  <p:par>
+                    <p:cTn id="43" fill="hold">
+                      <p:stCondLst>
+                        <p:cond delay="indefinite"/>
+                      </p:stCondLst>
+                      <p:childTnLst>
+                        <p:par>
+                          <p:cTn id="44" fill="hold">
+                            <p:stCondLst>
+                              <p:cond delay="0"/>
+                            </p:stCondLst>
+                            <p:childTnLst>
+                              <p:par>
+                                <p:cTn id="45" presetID="10" presetClass="entr" presetSubtype="0" fill="hold" grpId="0" nodeType="clickEffect">
+                                  <p:stCondLst>
+                                    <p:cond delay="0"/>
+                                  </p:stCondLst>
+                                  <p:childTnLst>
+                                    <p:set>
+                                      <p:cBhvr>
+                                        <p:cTn id="46" dur="1" fill="hold">
+                                          <p:stCondLst>
+                                            <p:cond delay="0"/>
+                                          </p:stCondLst>
+                                        </p:cTn>
+                                        <p:tgtEl>
+                                          <p:spTgt spid="12"/>
+                                        </p:tgtEl>
+                                        <p:attrNameLst>
+                                          <p:attrName>style.visibility</p:attrName>
+                                        </p:attrNameLst>
+                                      </p:cBhvr>
+                                      <p:to>
+                                        <p:strVal val="visible"/>
+                                      </p:to>
+                                    </p:set>
+                                    <p:animEffect transition="in" filter="fade">
+                                      <p:cBhvr>
+                                        <p:cTn id="47" dur="2000"/>
+                                        <p:tgtEl>
+                                          <p:spTgt spid="12"/>
+                                        </p:tgtEl>
+                                      </p:cBhvr>
+                                    </p:animEffect>
+                                  </p:childTnLst>
+                                </p:cTn>
+                              </p:par>
+                              <p:par>
+                                <p:cTn id="48" presetID="10" presetClass="entr" presetSubtype="0" fill="hold" grpId="0" nodeType="withEffect">
+                                  <p:stCondLst>
+                                    <p:cond delay="0"/>
+                                  </p:stCondLst>
+                                  <p:childTnLst>
+                                    <p:set>
+                                      <p:cBhvr>
+                                        <p:cTn id="49" dur="1" fill="hold">
+                                          <p:stCondLst>
+                                            <p:cond delay="0"/>
+                                          </p:stCondLst>
+                                        </p:cTn>
+                                        <p:tgtEl>
+                                          <p:spTgt spid="11"/>
+                                        </p:tgtEl>
+                                        <p:attrNameLst>
+                                          <p:attrName>style.visibility</p:attrName>
+                                        </p:attrNameLst>
+                                      </p:cBhvr>
+                                      <p:to>
+                                        <p:strVal val="visible"/>
+                                      </p:to>
+                                    </p:set>
+                                    <p:animEffect transition="in" filter="fade">
+                                      <p:cBhvr>
+                                        <p:cTn id="50" dur="2000"/>
+                                        <p:tgtEl>
+                                          <p:spTgt spid="11"/>
+                                        </p:tgtEl>
+                                      </p:cBhvr>
+                                    </p:animEffect>
+                                  </p:childTnLst>
+                                </p:cTn>
+                              </p:par>
+                            </p:childTnLst>
+                          </p:cTn>
+                        </p:par>
+                      </p:childTnLst>
+                    </p:cTn>
+                  </p:par>
                 </p:childTnLst>
               </p:cTn>
               <p:prevCondLst>
@@ -5599,6 +8523,8 @@
       <p:bldP spid="16" grpId="1" animBg="1"/>
       <p:bldP spid="17" grpId="0" animBg="1"/>
       <p:bldP spid="17" grpId="1" animBg="1"/>
+      <p:bldP spid="11" grpId="0"/>
+      <p:bldP spid="12" grpId="0" animBg="1"/>
     </p:bldLst>
   </p:timing>
 </p:sld>
@@ -5899,6 +8825,448 @@
           </a:p>
         </p:txBody>
       </p:sp>
+      <p:pic>
+        <p:nvPicPr>
+          <p:cNvPr id="10" name="Immagine 9" descr="lab_conf.png"/>
+          <p:cNvPicPr>
+            <a:picLocks noChangeAspect="1"/>
+          </p:cNvPicPr>
+          <p:nvPr/>
+        </p:nvPicPr>
+        <p:blipFill>
+          <a:blip r:embed="rId4"/>
+          <a:stretch>
+            <a:fillRect/>
+          </a:stretch>
+        </p:blipFill>
+        <p:spPr>
+          <a:xfrm>
+            <a:off x="5357818" y="2035773"/>
+            <a:ext cx="3488731" cy="2786454"/>
+          </a:xfrm>
+          <a:prstGeom prst="rect">
+            <a:avLst/>
+          </a:prstGeom>
+          <a:ln>
+            <a:noFill/>
+          </a:ln>
+          <a:effectLst>
+            <a:outerShdw blurRad="292100" dist="139700" dir="2700000" algn="tl" rotWithShape="0">
+              <a:srgbClr val="333333">
+                <a:alpha val="65000"/>
+              </a:srgbClr>
+            </a:outerShdw>
+          </a:effectLst>
+        </p:spPr>
+      </p:pic>
+      <p:pic>
+        <p:nvPicPr>
+          <p:cNvPr id="14" name="Immagine 13" descr="startup0.png"/>
+          <p:cNvPicPr>
+            <a:picLocks noChangeAspect="1"/>
+          </p:cNvPicPr>
+          <p:nvPr/>
+        </p:nvPicPr>
+        <p:blipFill>
+          <a:blip r:embed="rId5"/>
+          <a:stretch>
+            <a:fillRect/>
+          </a:stretch>
+        </p:blipFill>
+        <p:spPr>
+          <a:xfrm>
+            <a:off x="5373827" y="1500174"/>
+            <a:ext cx="3500430" cy="638592"/>
+          </a:xfrm>
+          <a:prstGeom prst="rect">
+            <a:avLst/>
+          </a:prstGeom>
+          <a:ln>
+            <a:noFill/>
+          </a:ln>
+          <a:effectLst>
+            <a:outerShdw blurRad="292100" dist="139700" dir="2700000" algn="tl" rotWithShape="0">
+              <a:srgbClr val="333333">
+                <a:alpha val="65000"/>
+              </a:srgbClr>
+            </a:outerShdw>
+          </a:effectLst>
+        </p:spPr>
+      </p:pic>
+      <p:pic>
+        <p:nvPicPr>
+          <p:cNvPr id="15" name="Immagine 14" descr="startup1.png"/>
+          <p:cNvPicPr>
+            <a:picLocks noChangeAspect="1"/>
+          </p:cNvPicPr>
+          <p:nvPr/>
+        </p:nvPicPr>
+        <p:blipFill>
+          <a:blip r:embed="rId6"/>
+          <a:stretch>
+            <a:fillRect/>
+          </a:stretch>
+        </p:blipFill>
+        <p:spPr>
+          <a:xfrm>
+            <a:off x="5393537" y="5572140"/>
+            <a:ext cx="3461011" cy="599172"/>
+          </a:xfrm>
+          <a:prstGeom prst="rect">
+            <a:avLst/>
+          </a:prstGeom>
+          <a:ln>
+            <a:noFill/>
+          </a:ln>
+          <a:effectLst>
+            <a:outerShdw blurRad="292100" dist="139700" dir="2700000" algn="tl" rotWithShape="0">
+              <a:srgbClr val="333333">
+                <a:alpha val="65000"/>
+              </a:srgbClr>
+            </a:outerShdw>
+          </a:effectLst>
+        </p:spPr>
+      </p:pic>
+      <p:pic>
+        <p:nvPicPr>
+          <p:cNvPr id="16" name="Immagine 15" descr="startup2.png"/>
+          <p:cNvPicPr>
+            <a:picLocks noChangeAspect="1"/>
+          </p:cNvPicPr>
+          <p:nvPr/>
+        </p:nvPicPr>
+        <p:blipFill>
+          <a:blip r:embed="rId7"/>
+          <a:stretch>
+            <a:fillRect/>
+          </a:stretch>
+        </p:blipFill>
+        <p:spPr>
+          <a:xfrm>
+            <a:off x="5373827" y="4857760"/>
+            <a:ext cx="3500430" cy="559753"/>
+          </a:xfrm>
+          <a:prstGeom prst="rect">
+            <a:avLst/>
+          </a:prstGeom>
+          <a:ln>
+            <a:noFill/>
+          </a:ln>
+          <a:effectLst>
+            <a:outerShdw blurRad="292100" dist="139700" dir="2700000" algn="tl" rotWithShape="0">
+              <a:srgbClr val="333333">
+                <a:alpha val="65000"/>
+              </a:srgbClr>
+            </a:outerShdw>
+          </a:effectLst>
+        </p:spPr>
+      </p:pic>
+      <p:pic>
+        <p:nvPicPr>
+          <p:cNvPr id="17" name="Immagine 16" descr="startup3.png"/>
+          <p:cNvPicPr>
+            <a:picLocks noChangeAspect="1"/>
+          </p:cNvPicPr>
+          <p:nvPr/>
+        </p:nvPicPr>
+        <p:blipFill>
+          <a:blip r:embed="rId8"/>
+          <a:stretch>
+            <a:fillRect/>
+          </a:stretch>
+        </p:blipFill>
+        <p:spPr>
+          <a:xfrm>
+            <a:off x="5393537" y="785794"/>
+            <a:ext cx="3461011" cy="567638"/>
+          </a:xfrm>
+          <a:prstGeom prst="rect">
+            <a:avLst/>
+          </a:prstGeom>
+          <a:ln>
+            <a:noFill/>
+          </a:ln>
+          <a:effectLst>
+            <a:outerShdw blurRad="292100" dist="139700" dir="2700000" algn="tl" rotWithShape="0">
+              <a:srgbClr val="333333">
+                <a:alpha val="65000"/>
+              </a:srgbClr>
+            </a:outerShdw>
+          </a:effectLst>
+        </p:spPr>
+      </p:pic>
+      <p:pic>
+        <p:nvPicPr>
+          <p:cNvPr id="19" name="Immagine 18" descr="daemons.png"/>
+          <p:cNvPicPr>
+            <a:picLocks noChangeAspect="1"/>
+          </p:cNvPicPr>
+          <p:nvPr/>
+        </p:nvPicPr>
+        <p:blipFill>
+          <a:blip r:embed="rId9"/>
+          <a:stretch>
+            <a:fillRect/>
+          </a:stretch>
+        </p:blipFill>
+        <p:spPr>
+          <a:xfrm>
+            <a:off x="4614866" y="2257420"/>
+            <a:ext cx="3733814" cy="1776509"/>
+          </a:xfrm>
+          <a:prstGeom prst="rect">
+            <a:avLst/>
+          </a:prstGeom>
+          <a:ln>
+            <a:noFill/>
+          </a:ln>
+          <a:effectLst>
+            <a:outerShdw blurRad="292100" dist="139700" dir="2700000" algn="tl" rotWithShape="0">
+              <a:srgbClr val="333333">
+                <a:alpha val="65000"/>
+              </a:srgbClr>
+            </a:outerShdw>
+          </a:effectLst>
+        </p:spPr>
+      </p:pic>
+      <p:pic>
+        <p:nvPicPr>
+          <p:cNvPr id="20" name="Immagine 19" descr="daemons.png"/>
+          <p:cNvPicPr>
+            <a:picLocks noChangeAspect="1"/>
+          </p:cNvPicPr>
+          <p:nvPr/>
+        </p:nvPicPr>
+        <p:blipFill>
+          <a:blip r:embed="rId9"/>
+          <a:stretch>
+            <a:fillRect/>
+          </a:stretch>
+        </p:blipFill>
+        <p:spPr>
+          <a:xfrm>
+            <a:off x="4767266" y="2409820"/>
+            <a:ext cx="3733814" cy="1776509"/>
+          </a:xfrm>
+          <a:prstGeom prst="rect">
+            <a:avLst/>
+          </a:prstGeom>
+          <a:ln>
+            <a:noFill/>
+          </a:ln>
+          <a:effectLst>
+            <a:outerShdw blurRad="292100" dist="139700" dir="2700000" algn="tl" rotWithShape="0">
+              <a:srgbClr val="333333">
+                <a:alpha val="65000"/>
+              </a:srgbClr>
+            </a:outerShdw>
+          </a:effectLst>
+        </p:spPr>
+      </p:pic>
+      <p:pic>
+        <p:nvPicPr>
+          <p:cNvPr id="21" name="Immagine 20" descr="daemons.png"/>
+          <p:cNvPicPr>
+            <a:picLocks noChangeAspect="1"/>
+          </p:cNvPicPr>
+          <p:nvPr/>
+        </p:nvPicPr>
+        <p:blipFill>
+          <a:blip r:embed="rId9"/>
+          <a:stretch>
+            <a:fillRect/>
+          </a:stretch>
+        </p:blipFill>
+        <p:spPr>
+          <a:xfrm>
+            <a:off x="4919666" y="2562220"/>
+            <a:ext cx="3733814" cy="1776509"/>
+          </a:xfrm>
+          <a:prstGeom prst="rect">
+            <a:avLst/>
+          </a:prstGeom>
+          <a:ln>
+            <a:noFill/>
+          </a:ln>
+          <a:effectLst>
+            <a:outerShdw blurRad="292100" dist="139700" dir="2700000" algn="tl" rotWithShape="0">
+              <a:srgbClr val="333333">
+                <a:alpha val="65000"/>
+              </a:srgbClr>
+            </a:outerShdw>
+          </a:effectLst>
+        </p:spPr>
+      </p:pic>
+      <p:pic>
+        <p:nvPicPr>
+          <p:cNvPr id="22" name="Immagine 21" descr="daemons.png"/>
+          <p:cNvPicPr>
+            <a:picLocks noChangeAspect="1"/>
+          </p:cNvPicPr>
+          <p:nvPr/>
+        </p:nvPicPr>
+        <p:blipFill>
+          <a:blip r:embed="rId9"/>
+          <a:stretch>
+            <a:fillRect/>
+          </a:stretch>
+        </p:blipFill>
+        <p:spPr>
+          <a:xfrm>
+            <a:off x="5072066" y="2714620"/>
+            <a:ext cx="3733814" cy="1776509"/>
+          </a:xfrm>
+          <a:prstGeom prst="rect">
+            <a:avLst/>
+          </a:prstGeom>
+          <a:ln>
+            <a:noFill/>
+          </a:ln>
+          <a:effectLst>
+            <a:outerShdw blurRad="292100" dist="139700" dir="2700000" algn="tl" rotWithShape="0">
+              <a:srgbClr val="333333">
+                <a:alpha val="65000"/>
+              </a:srgbClr>
+            </a:outerShdw>
+          </a:effectLst>
+        </p:spPr>
+      </p:pic>
+      <p:pic>
+        <p:nvPicPr>
+          <p:cNvPr id="23" name="Immagine 22" descr="bgpd3.png"/>
+          <p:cNvPicPr>
+            <a:picLocks noChangeAspect="1"/>
+          </p:cNvPicPr>
+          <p:nvPr/>
+        </p:nvPicPr>
+        <p:blipFill>
+          <a:blip r:embed="rId10"/>
+          <a:stretch>
+            <a:fillRect/>
+          </a:stretch>
+        </p:blipFill>
+        <p:spPr>
+          <a:xfrm>
+            <a:off x="642910" y="714356"/>
+            <a:ext cx="3409950" cy="4057650"/>
+          </a:xfrm>
+          <a:prstGeom prst="rect">
+            <a:avLst/>
+          </a:prstGeom>
+          <a:ln>
+            <a:noFill/>
+          </a:ln>
+          <a:effectLst>
+            <a:outerShdw blurRad="292100" dist="139700" dir="2700000" algn="tl" rotWithShape="0">
+              <a:srgbClr val="333333">
+                <a:alpha val="65000"/>
+              </a:srgbClr>
+            </a:outerShdw>
+          </a:effectLst>
+        </p:spPr>
+      </p:pic>
+      <p:pic>
+        <p:nvPicPr>
+          <p:cNvPr id="24" name="Immagine 23" descr="bgpd0.png"/>
+          <p:cNvPicPr>
+            <a:picLocks noChangeAspect="1"/>
+          </p:cNvPicPr>
+          <p:nvPr/>
+        </p:nvPicPr>
+        <p:blipFill>
+          <a:blip r:embed="rId11"/>
+          <a:stretch>
+            <a:fillRect/>
+          </a:stretch>
+        </p:blipFill>
+        <p:spPr>
+          <a:xfrm>
+            <a:off x="3500430" y="1142984"/>
+            <a:ext cx="3390900" cy="4048125"/>
+          </a:xfrm>
+          <a:prstGeom prst="rect">
+            <a:avLst/>
+          </a:prstGeom>
+          <a:ln>
+            <a:noFill/>
+          </a:ln>
+          <a:effectLst>
+            <a:outerShdw blurRad="292100" dist="139700" dir="2700000" algn="tl" rotWithShape="0">
+              <a:srgbClr val="333333">
+                <a:alpha val="65000"/>
+              </a:srgbClr>
+            </a:outerShdw>
+          </a:effectLst>
+        </p:spPr>
+      </p:pic>
+      <p:pic>
+        <p:nvPicPr>
+          <p:cNvPr id="25" name="Immagine 24" descr="bgpd1.png"/>
+          <p:cNvPicPr>
+            <a:picLocks noChangeAspect="1"/>
+          </p:cNvPicPr>
+          <p:nvPr/>
+        </p:nvPicPr>
+        <p:blipFill>
+          <a:blip r:embed="rId12"/>
+          <a:stretch>
+            <a:fillRect/>
+          </a:stretch>
+        </p:blipFill>
+        <p:spPr>
+          <a:xfrm>
+            <a:off x="357158" y="2786058"/>
+            <a:ext cx="2743200" cy="3390900"/>
+          </a:xfrm>
+          <a:prstGeom prst="rect">
+            <a:avLst/>
+          </a:prstGeom>
+          <a:ln>
+            <a:noFill/>
+          </a:ln>
+          <a:effectLst>
+            <a:outerShdw blurRad="292100" dist="139700" dir="2700000" algn="tl" rotWithShape="0">
+              <a:srgbClr val="333333">
+                <a:alpha val="65000"/>
+              </a:srgbClr>
+            </a:outerShdw>
+          </a:effectLst>
+        </p:spPr>
+      </p:pic>
+      <p:pic>
+        <p:nvPicPr>
+          <p:cNvPr id="26" name="Immagine 25" descr="bgpd2.png"/>
+          <p:cNvPicPr>
+            <a:picLocks noChangeAspect="1"/>
+          </p:cNvPicPr>
+          <p:nvPr/>
+        </p:nvPicPr>
+        <p:blipFill>
+          <a:blip r:embed="rId13"/>
+          <a:stretch>
+            <a:fillRect/>
+          </a:stretch>
+        </p:blipFill>
+        <p:spPr>
+          <a:xfrm>
+            <a:off x="5786446" y="2928934"/>
+            <a:ext cx="2571750" cy="3400425"/>
+          </a:xfrm>
+          <a:prstGeom prst="rect">
+            <a:avLst/>
+          </a:prstGeom>
+          <a:ln>
+            <a:noFill/>
+          </a:ln>
+          <a:effectLst>
+            <a:outerShdw blurRad="292100" dist="139700" dir="2700000" algn="tl" rotWithShape="0">
+              <a:srgbClr val="333333">
+                <a:alpha val="65000"/>
+              </a:srgbClr>
+            </a:outerShdw>
+          </a:effectLst>
+        </p:spPr>
+      </p:pic>
     </p:spTree>
   </p:cSld>
   <p:clrMapOvr>
@@ -6091,6 +9459,2294 @@
                       </p:childTnLst>
                     </p:cTn>
                   </p:par>
+                  <p:par>
+                    <p:cTn id="19" fill="hold">
+                      <p:stCondLst>
+                        <p:cond delay="indefinite"/>
+                      </p:stCondLst>
+                      <p:childTnLst>
+                        <p:par>
+                          <p:cTn id="20" fill="hold">
+                            <p:stCondLst>
+                              <p:cond delay="0"/>
+                            </p:stCondLst>
+                            <p:childTnLst>
+                              <p:par>
+                                <p:cTn id="21" presetID="30" presetClass="entr" presetSubtype="0" fill="hold" nodeType="clickEffect">
+                                  <p:stCondLst>
+                                    <p:cond delay="0"/>
+                                  </p:stCondLst>
+                                  <p:childTnLst>
+                                    <p:set>
+                                      <p:cBhvr>
+                                        <p:cTn id="22" dur="1" fill="hold">
+                                          <p:stCondLst>
+                                            <p:cond delay="0"/>
+                                          </p:stCondLst>
+                                        </p:cTn>
+                                        <p:tgtEl>
+                                          <p:spTgt spid="10"/>
+                                        </p:tgtEl>
+                                        <p:attrNameLst>
+                                          <p:attrName>style.visibility</p:attrName>
+                                        </p:attrNameLst>
+                                      </p:cBhvr>
+                                      <p:to>
+                                        <p:strVal val="visible"/>
+                                      </p:to>
+                                    </p:set>
+                                    <p:animEffect transition="in" filter="fade">
+                                      <p:cBhvr>
+                                        <p:cTn id="23" dur="800" decel="100000"/>
+                                        <p:tgtEl>
+                                          <p:spTgt spid="10"/>
+                                        </p:tgtEl>
+                                      </p:cBhvr>
+                                    </p:animEffect>
+                                    <p:anim calcmode="lin" valueType="num">
+                                      <p:cBhvr>
+                                        <p:cTn id="24" dur="800" decel="100000" fill="hold"/>
+                                        <p:tgtEl>
+                                          <p:spTgt spid="10"/>
+                                        </p:tgtEl>
+                                        <p:attrNameLst>
+                                          <p:attrName>style.rotation</p:attrName>
+                                        </p:attrNameLst>
+                                      </p:cBhvr>
+                                      <p:tavLst>
+                                        <p:tav tm="0">
+                                          <p:val>
+                                            <p:fltVal val="-90"/>
+                                          </p:val>
+                                        </p:tav>
+                                        <p:tav tm="100000">
+                                          <p:val>
+                                            <p:fltVal val="0"/>
+                                          </p:val>
+                                        </p:tav>
+                                      </p:tavLst>
+                                    </p:anim>
+                                    <p:anim calcmode="lin" valueType="num">
+                                      <p:cBhvr>
+                                        <p:cTn id="25" dur="800" decel="100000" fill="hold"/>
+                                        <p:tgtEl>
+                                          <p:spTgt spid="10"/>
+                                        </p:tgtEl>
+                                        <p:attrNameLst>
+                                          <p:attrName>ppt_x</p:attrName>
+                                        </p:attrNameLst>
+                                      </p:cBhvr>
+                                      <p:tavLst>
+                                        <p:tav tm="0">
+                                          <p:val>
+                                            <p:strVal val="#ppt_x+0.4"/>
+                                          </p:val>
+                                        </p:tav>
+                                        <p:tav tm="100000">
+                                          <p:val>
+                                            <p:strVal val="#ppt_x-0.05"/>
+                                          </p:val>
+                                        </p:tav>
+                                      </p:tavLst>
+                                    </p:anim>
+                                    <p:anim calcmode="lin" valueType="num">
+                                      <p:cBhvr>
+                                        <p:cTn id="26" dur="800" decel="100000" fill="hold"/>
+                                        <p:tgtEl>
+                                          <p:spTgt spid="10"/>
+                                        </p:tgtEl>
+                                        <p:attrNameLst>
+                                          <p:attrName>ppt_y</p:attrName>
+                                        </p:attrNameLst>
+                                      </p:cBhvr>
+                                      <p:tavLst>
+                                        <p:tav tm="0">
+                                          <p:val>
+                                            <p:strVal val="#ppt_y-0.4"/>
+                                          </p:val>
+                                        </p:tav>
+                                        <p:tav tm="100000">
+                                          <p:val>
+                                            <p:strVal val="#ppt_y+0.1"/>
+                                          </p:val>
+                                        </p:tav>
+                                      </p:tavLst>
+                                    </p:anim>
+                                    <p:anim calcmode="lin" valueType="num">
+                                      <p:cBhvr>
+                                        <p:cTn id="27" dur="200" accel="100000" fill="hold">
+                                          <p:stCondLst>
+                                            <p:cond delay="800"/>
+                                          </p:stCondLst>
+                                        </p:cTn>
+                                        <p:tgtEl>
+                                          <p:spTgt spid="10"/>
+                                        </p:tgtEl>
+                                        <p:attrNameLst>
+                                          <p:attrName>ppt_x</p:attrName>
+                                        </p:attrNameLst>
+                                      </p:cBhvr>
+                                      <p:tavLst>
+                                        <p:tav tm="0">
+                                          <p:val>
+                                            <p:strVal val="#ppt_x-0.05"/>
+                                          </p:val>
+                                        </p:tav>
+                                        <p:tav tm="100000">
+                                          <p:val>
+                                            <p:strVal val="#ppt_x"/>
+                                          </p:val>
+                                        </p:tav>
+                                      </p:tavLst>
+                                    </p:anim>
+                                    <p:anim calcmode="lin" valueType="num">
+                                      <p:cBhvr>
+                                        <p:cTn id="28" dur="200" accel="100000" fill="hold">
+                                          <p:stCondLst>
+                                            <p:cond delay="800"/>
+                                          </p:stCondLst>
+                                        </p:cTn>
+                                        <p:tgtEl>
+                                          <p:spTgt spid="10"/>
+                                        </p:tgtEl>
+                                        <p:attrNameLst>
+                                          <p:attrName>ppt_y</p:attrName>
+                                        </p:attrNameLst>
+                                      </p:cBhvr>
+                                      <p:tavLst>
+                                        <p:tav tm="0">
+                                          <p:val>
+                                            <p:strVal val="#ppt_y+0.1"/>
+                                          </p:val>
+                                        </p:tav>
+                                        <p:tav tm="100000">
+                                          <p:val>
+                                            <p:strVal val="#ppt_y"/>
+                                          </p:val>
+                                        </p:tav>
+                                      </p:tavLst>
+                                    </p:anim>
+                                  </p:childTnLst>
+                                </p:cTn>
+                              </p:par>
+                            </p:childTnLst>
+                          </p:cTn>
+                        </p:par>
+                      </p:childTnLst>
+                    </p:cTn>
+                  </p:par>
+                  <p:par>
+                    <p:cTn id="29" fill="hold">
+                      <p:stCondLst>
+                        <p:cond delay="indefinite"/>
+                      </p:stCondLst>
+                      <p:childTnLst>
+                        <p:par>
+                          <p:cTn id="30" fill="hold">
+                            <p:stCondLst>
+                              <p:cond delay="0"/>
+                            </p:stCondLst>
+                            <p:childTnLst>
+                              <p:par>
+                                <p:cTn id="31" presetID="30" presetClass="entr" presetSubtype="0" fill="hold" nodeType="clickEffect">
+                                  <p:stCondLst>
+                                    <p:cond delay="0"/>
+                                  </p:stCondLst>
+                                  <p:childTnLst>
+                                    <p:set>
+                                      <p:cBhvr>
+                                        <p:cTn id="32" dur="1" fill="hold">
+                                          <p:stCondLst>
+                                            <p:cond delay="0"/>
+                                          </p:stCondLst>
+                                        </p:cTn>
+                                        <p:tgtEl>
+                                          <p:spTgt spid="17"/>
+                                        </p:tgtEl>
+                                        <p:attrNameLst>
+                                          <p:attrName>style.visibility</p:attrName>
+                                        </p:attrNameLst>
+                                      </p:cBhvr>
+                                      <p:to>
+                                        <p:strVal val="visible"/>
+                                      </p:to>
+                                    </p:set>
+                                    <p:animEffect transition="in" filter="fade">
+                                      <p:cBhvr>
+                                        <p:cTn id="33" dur="800" decel="100000"/>
+                                        <p:tgtEl>
+                                          <p:spTgt spid="17"/>
+                                        </p:tgtEl>
+                                      </p:cBhvr>
+                                    </p:animEffect>
+                                    <p:anim calcmode="lin" valueType="num">
+                                      <p:cBhvr>
+                                        <p:cTn id="34" dur="800" decel="100000" fill="hold"/>
+                                        <p:tgtEl>
+                                          <p:spTgt spid="17"/>
+                                        </p:tgtEl>
+                                        <p:attrNameLst>
+                                          <p:attrName>style.rotation</p:attrName>
+                                        </p:attrNameLst>
+                                      </p:cBhvr>
+                                      <p:tavLst>
+                                        <p:tav tm="0">
+                                          <p:val>
+                                            <p:fltVal val="-90"/>
+                                          </p:val>
+                                        </p:tav>
+                                        <p:tav tm="100000">
+                                          <p:val>
+                                            <p:fltVal val="0"/>
+                                          </p:val>
+                                        </p:tav>
+                                      </p:tavLst>
+                                    </p:anim>
+                                    <p:anim calcmode="lin" valueType="num">
+                                      <p:cBhvr>
+                                        <p:cTn id="35" dur="800" decel="100000" fill="hold"/>
+                                        <p:tgtEl>
+                                          <p:spTgt spid="17"/>
+                                        </p:tgtEl>
+                                        <p:attrNameLst>
+                                          <p:attrName>ppt_x</p:attrName>
+                                        </p:attrNameLst>
+                                      </p:cBhvr>
+                                      <p:tavLst>
+                                        <p:tav tm="0">
+                                          <p:val>
+                                            <p:strVal val="#ppt_x+0.4"/>
+                                          </p:val>
+                                        </p:tav>
+                                        <p:tav tm="100000">
+                                          <p:val>
+                                            <p:strVal val="#ppt_x-0.05"/>
+                                          </p:val>
+                                        </p:tav>
+                                      </p:tavLst>
+                                    </p:anim>
+                                    <p:anim calcmode="lin" valueType="num">
+                                      <p:cBhvr>
+                                        <p:cTn id="36" dur="800" decel="100000" fill="hold"/>
+                                        <p:tgtEl>
+                                          <p:spTgt spid="17"/>
+                                        </p:tgtEl>
+                                        <p:attrNameLst>
+                                          <p:attrName>ppt_y</p:attrName>
+                                        </p:attrNameLst>
+                                      </p:cBhvr>
+                                      <p:tavLst>
+                                        <p:tav tm="0">
+                                          <p:val>
+                                            <p:strVal val="#ppt_y-0.4"/>
+                                          </p:val>
+                                        </p:tav>
+                                        <p:tav tm="100000">
+                                          <p:val>
+                                            <p:strVal val="#ppt_y+0.1"/>
+                                          </p:val>
+                                        </p:tav>
+                                      </p:tavLst>
+                                    </p:anim>
+                                    <p:anim calcmode="lin" valueType="num">
+                                      <p:cBhvr>
+                                        <p:cTn id="37" dur="200" accel="100000" fill="hold">
+                                          <p:stCondLst>
+                                            <p:cond delay="800"/>
+                                          </p:stCondLst>
+                                        </p:cTn>
+                                        <p:tgtEl>
+                                          <p:spTgt spid="17"/>
+                                        </p:tgtEl>
+                                        <p:attrNameLst>
+                                          <p:attrName>ppt_x</p:attrName>
+                                        </p:attrNameLst>
+                                      </p:cBhvr>
+                                      <p:tavLst>
+                                        <p:tav tm="0">
+                                          <p:val>
+                                            <p:strVal val="#ppt_x-0.05"/>
+                                          </p:val>
+                                        </p:tav>
+                                        <p:tav tm="100000">
+                                          <p:val>
+                                            <p:strVal val="#ppt_x"/>
+                                          </p:val>
+                                        </p:tav>
+                                      </p:tavLst>
+                                    </p:anim>
+                                    <p:anim calcmode="lin" valueType="num">
+                                      <p:cBhvr>
+                                        <p:cTn id="38" dur="200" accel="100000" fill="hold">
+                                          <p:stCondLst>
+                                            <p:cond delay="800"/>
+                                          </p:stCondLst>
+                                        </p:cTn>
+                                        <p:tgtEl>
+                                          <p:spTgt spid="17"/>
+                                        </p:tgtEl>
+                                        <p:attrNameLst>
+                                          <p:attrName>ppt_y</p:attrName>
+                                        </p:attrNameLst>
+                                      </p:cBhvr>
+                                      <p:tavLst>
+                                        <p:tav tm="0">
+                                          <p:val>
+                                            <p:strVal val="#ppt_y+0.1"/>
+                                          </p:val>
+                                        </p:tav>
+                                        <p:tav tm="100000">
+                                          <p:val>
+                                            <p:strVal val="#ppt_y"/>
+                                          </p:val>
+                                        </p:tav>
+                                      </p:tavLst>
+                                    </p:anim>
+                                  </p:childTnLst>
+                                </p:cTn>
+                              </p:par>
+                            </p:childTnLst>
+                          </p:cTn>
+                        </p:par>
+                      </p:childTnLst>
+                    </p:cTn>
+                  </p:par>
+                  <p:par>
+                    <p:cTn id="39" fill="hold">
+                      <p:stCondLst>
+                        <p:cond delay="indefinite"/>
+                      </p:stCondLst>
+                      <p:childTnLst>
+                        <p:par>
+                          <p:cTn id="40" fill="hold">
+                            <p:stCondLst>
+                              <p:cond delay="0"/>
+                            </p:stCondLst>
+                            <p:childTnLst>
+                              <p:par>
+                                <p:cTn id="41" presetID="30" presetClass="entr" presetSubtype="0" fill="hold" nodeType="clickEffect">
+                                  <p:stCondLst>
+                                    <p:cond delay="0"/>
+                                  </p:stCondLst>
+                                  <p:childTnLst>
+                                    <p:set>
+                                      <p:cBhvr>
+                                        <p:cTn id="42" dur="1" fill="hold">
+                                          <p:stCondLst>
+                                            <p:cond delay="0"/>
+                                          </p:stCondLst>
+                                        </p:cTn>
+                                        <p:tgtEl>
+                                          <p:spTgt spid="14"/>
+                                        </p:tgtEl>
+                                        <p:attrNameLst>
+                                          <p:attrName>style.visibility</p:attrName>
+                                        </p:attrNameLst>
+                                      </p:cBhvr>
+                                      <p:to>
+                                        <p:strVal val="visible"/>
+                                      </p:to>
+                                    </p:set>
+                                    <p:animEffect transition="in" filter="fade">
+                                      <p:cBhvr>
+                                        <p:cTn id="43" dur="800" decel="100000"/>
+                                        <p:tgtEl>
+                                          <p:spTgt spid="14"/>
+                                        </p:tgtEl>
+                                      </p:cBhvr>
+                                    </p:animEffect>
+                                    <p:anim calcmode="lin" valueType="num">
+                                      <p:cBhvr>
+                                        <p:cTn id="44" dur="800" decel="100000" fill="hold"/>
+                                        <p:tgtEl>
+                                          <p:spTgt spid="14"/>
+                                        </p:tgtEl>
+                                        <p:attrNameLst>
+                                          <p:attrName>style.rotation</p:attrName>
+                                        </p:attrNameLst>
+                                      </p:cBhvr>
+                                      <p:tavLst>
+                                        <p:tav tm="0">
+                                          <p:val>
+                                            <p:fltVal val="-90"/>
+                                          </p:val>
+                                        </p:tav>
+                                        <p:tav tm="100000">
+                                          <p:val>
+                                            <p:fltVal val="0"/>
+                                          </p:val>
+                                        </p:tav>
+                                      </p:tavLst>
+                                    </p:anim>
+                                    <p:anim calcmode="lin" valueType="num">
+                                      <p:cBhvr>
+                                        <p:cTn id="45" dur="800" decel="100000" fill="hold"/>
+                                        <p:tgtEl>
+                                          <p:spTgt spid="14"/>
+                                        </p:tgtEl>
+                                        <p:attrNameLst>
+                                          <p:attrName>ppt_x</p:attrName>
+                                        </p:attrNameLst>
+                                      </p:cBhvr>
+                                      <p:tavLst>
+                                        <p:tav tm="0">
+                                          <p:val>
+                                            <p:strVal val="#ppt_x+0.4"/>
+                                          </p:val>
+                                        </p:tav>
+                                        <p:tav tm="100000">
+                                          <p:val>
+                                            <p:strVal val="#ppt_x-0.05"/>
+                                          </p:val>
+                                        </p:tav>
+                                      </p:tavLst>
+                                    </p:anim>
+                                    <p:anim calcmode="lin" valueType="num">
+                                      <p:cBhvr>
+                                        <p:cTn id="46" dur="800" decel="100000" fill="hold"/>
+                                        <p:tgtEl>
+                                          <p:spTgt spid="14"/>
+                                        </p:tgtEl>
+                                        <p:attrNameLst>
+                                          <p:attrName>ppt_y</p:attrName>
+                                        </p:attrNameLst>
+                                      </p:cBhvr>
+                                      <p:tavLst>
+                                        <p:tav tm="0">
+                                          <p:val>
+                                            <p:strVal val="#ppt_y-0.4"/>
+                                          </p:val>
+                                        </p:tav>
+                                        <p:tav tm="100000">
+                                          <p:val>
+                                            <p:strVal val="#ppt_y+0.1"/>
+                                          </p:val>
+                                        </p:tav>
+                                      </p:tavLst>
+                                    </p:anim>
+                                    <p:anim calcmode="lin" valueType="num">
+                                      <p:cBhvr>
+                                        <p:cTn id="47" dur="200" accel="100000" fill="hold">
+                                          <p:stCondLst>
+                                            <p:cond delay="800"/>
+                                          </p:stCondLst>
+                                        </p:cTn>
+                                        <p:tgtEl>
+                                          <p:spTgt spid="14"/>
+                                        </p:tgtEl>
+                                        <p:attrNameLst>
+                                          <p:attrName>ppt_x</p:attrName>
+                                        </p:attrNameLst>
+                                      </p:cBhvr>
+                                      <p:tavLst>
+                                        <p:tav tm="0">
+                                          <p:val>
+                                            <p:strVal val="#ppt_x-0.05"/>
+                                          </p:val>
+                                        </p:tav>
+                                        <p:tav tm="100000">
+                                          <p:val>
+                                            <p:strVal val="#ppt_x"/>
+                                          </p:val>
+                                        </p:tav>
+                                      </p:tavLst>
+                                    </p:anim>
+                                    <p:anim calcmode="lin" valueType="num">
+                                      <p:cBhvr>
+                                        <p:cTn id="48" dur="200" accel="100000" fill="hold">
+                                          <p:stCondLst>
+                                            <p:cond delay="800"/>
+                                          </p:stCondLst>
+                                        </p:cTn>
+                                        <p:tgtEl>
+                                          <p:spTgt spid="14"/>
+                                        </p:tgtEl>
+                                        <p:attrNameLst>
+                                          <p:attrName>ppt_y</p:attrName>
+                                        </p:attrNameLst>
+                                      </p:cBhvr>
+                                      <p:tavLst>
+                                        <p:tav tm="0">
+                                          <p:val>
+                                            <p:strVal val="#ppt_y+0.1"/>
+                                          </p:val>
+                                        </p:tav>
+                                        <p:tav tm="100000">
+                                          <p:val>
+                                            <p:strVal val="#ppt_y"/>
+                                          </p:val>
+                                        </p:tav>
+                                      </p:tavLst>
+                                    </p:anim>
+                                  </p:childTnLst>
+                                </p:cTn>
+                              </p:par>
+                            </p:childTnLst>
+                          </p:cTn>
+                        </p:par>
+                      </p:childTnLst>
+                    </p:cTn>
+                  </p:par>
+                  <p:par>
+                    <p:cTn id="49" fill="hold">
+                      <p:stCondLst>
+                        <p:cond delay="indefinite"/>
+                      </p:stCondLst>
+                      <p:childTnLst>
+                        <p:par>
+                          <p:cTn id="50" fill="hold">
+                            <p:stCondLst>
+                              <p:cond delay="0"/>
+                            </p:stCondLst>
+                            <p:childTnLst>
+                              <p:par>
+                                <p:cTn id="51" presetID="30" presetClass="entr" presetSubtype="0" fill="hold" nodeType="clickEffect">
+                                  <p:stCondLst>
+                                    <p:cond delay="0"/>
+                                  </p:stCondLst>
+                                  <p:childTnLst>
+                                    <p:set>
+                                      <p:cBhvr>
+                                        <p:cTn id="52" dur="1" fill="hold">
+                                          <p:stCondLst>
+                                            <p:cond delay="0"/>
+                                          </p:stCondLst>
+                                        </p:cTn>
+                                        <p:tgtEl>
+                                          <p:spTgt spid="15"/>
+                                        </p:tgtEl>
+                                        <p:attrNameLst>
+                                          <p:attrName>style.visibility</p:attrName>
+                                        </p:attrNameLst>
+                                      </p:cBhvr>
+                                      <p:to>
+                                        <p:strVal val="visible"/>
+                                      </p:to>
+                                    </p:set>
+                                    <p:animEffect transition="in" filter="fade">
+                                      <p:cBhvr>
+                                        <p:cTn id="53" dur="800" decel="100000"/>
+                                        <p:tgtEl>
+                                          <p:spTgt spid="15"/>
+                                        </p:tgtEl>
+                                      </p:cBhvr>
+                                    </p:animEffect>
+                                    <p:anim calcmode="lin" valueType="num">
+                                      <p:cBhvr>
+                                        <p:cTn id="54" dur="800" decel="100000" fill="hold"/>
+                                        <p:tgtEl>
+                                          <p:spTgt spid="15"/>
+                                        </p:tgtEl>
+                                        <p:attrNameLst>
+                                          <p:attrName>style.rotation</p:attrName>
+                                        </p:attrNameLst>
+                                      </p:cBhvr>
+                                      <p:tavLst>
+                                        <p:tav tm="0">
+                                          <p:val>
+                                            <p:fltVal val="-90"/>
+                                          </p:val>
+                                        </p:tav>
+                                        <p:tav tm="100000">
+                                          <p:val>
+                                            <p:fltVal val="0"/>
+                                          </p:val>
+                                        </p:tav>
+                                      </p:tavLst>
+                                    </p:anim>
+                                    <p:anim calcmode="lin" valueType="num">
+                                      <p:cBhvr>
+                                        <p:cTn id="55" dur="800" decel="100000" fill="hold"/>
+                                        <p:tgtEl>
+                                          <p:spTgt spid="15"/>
+                                        </p:tgtEl>
+                                        <p:attrNameLst>
+                                          <p:attrName>ppt_x</p:attrName>
+                                        </p:attrNameLst>
+                                      </p:cBhvr>
+                                      <p:tavLst>
+                                        <p:tav tm="0">
+                                          <p:val>
+                                            <p:strVal val="#ppt_x+0.4"/>
+                                          </p:val>
+                                        </p:tav>
+                                        <p:tav tm="100000">
+                                          <p:val>
+                                            <p:strVal val="#ppt_x-0.05"/>
+                                          </p:val>
+                                        </p:tav>
+                                      </p:tavLst>
+                                    </p:anim>
+                                    <p:anim calcmode="lin" valueType="num">
+                                      <p:cBhvr>
+                                        <p:cTn id="56" dur="800" decel="100000" fill="hold"/>
+                                        <p:tgtEl>
+                                          <p:spTgt spid="15"/>
+                                        </p:tgtEl>
+                                        <p:attrNameLst>
+                                          <p:attrName>ppt_y</p:attrName>
+                                        </p:attrNameLst>
+                                      </p:cBhvr>
+                                      <p:tavLst>
+                                        <p:tav tm="0">
+                                          <p:val>
+                                            <p:strVal val="#ppt_y-0.4"/>
+                                          </p:val>
+                                        </p:tav>
+                                        <p:tav tm="100000">
+                                          <p:val>
+                                            <p:strVal val="#ppt_y+0.1"/>
+                                          </p:val>
+                                        </p:tav>
+                                      </p:tavLst>
+                                    </p:anim>
+                                    <p:anim calcmode="lin" valueType="num">
+                                      <p:cBhvr>
+                                        <p:cTn id="57" dur="200" accel="100000" fill="hold">
+                                          <p:stCondLst>
+                                            <p:cond delay="800"/>
+                                          </p:stCondLst>
+                                        </p:cTn>
+                                        <p:tgtEl>
+                                          <p:spTgt spid="15"/>
+                                        </p:tgtEl>
+                                        <p:attrNameLst>
+                                          <p:attrName>ppt_x</p:attrName>
+                                        </p:attrNameLst>
+                                      </p:cBhvr>
+                                      <p:tavLst>
+                                        <p:tav tm="0">
+                                          <p:val>
+                                            <p:strVal val="#ppt_x-0.05"/>
+                                          </p:val>
+                                        </p:tav>
+                                        <p:tav tm="100000">
+                                          <p:val>
+                                            <p:strVal val="#ppt_x"/>
+                                          </p:val>
+                                        </p:tav>
+                                      </p:tavLst>
+                                    </p:anim>
+                                    <p:anim calcmode="lin" valueType="num">
+                                      <p:cBhvr>
+                                        <p:cTn id="58" dur="200" accel="100000" fill="hold">
+                                          <p:stCondLst>
+                                            <p:cond delay="800"/>
+                                          </p:stCondLst>
+                                        </p:cTn>
+                                        <p:tgtEl>
+                                          <p:spTgt spid="15"/>
+                                        </p:tgtEl>
+                                        <p:attrNameLst>
+                                          <p:attrName>ppt_y</p:attrName>
+                                        </p:attrNameLst>
+                                      </p:cBhvr>
+                                      <p:tavLst>
+                                        <p:tav tm="0">
+                                          <p:val>
+                                            <p:strVal val="#ppt_y+0.1"/>
+                                          </p:val>
+                                        </p:tav>
+                                        <p:tav tm="100000">
+                                          <p:val>
+                                            <p:strVal val="#ppt_y"/>
+                                          </p:val>
+                                        </p:tav>
+                                      </p:tavLst>
+                                    </p:anim>
+                                  </p:childTnLst>
+                                </p:cTn>
+                              </p:par>
+                            </p:childTnLst>
+                          </p:cTn>
+                        </p:par>
+                      </p:childTnLst>
+                    </p:cTn>
+                  </p:par>
+                  <p:par>
+                    <p:cTn id="59" fill="hold">
+                      <p:stCondLst>
+                        <p:cond delay="indefinite"/>
+                      </p:stCondLst>
+                      <p:childTnLst>
+                        <p:par>
+                          <p:cTn id="60" fill="hold">
+                            <p:stCondLst>
+                              <p:cond delay="0"/>
+                            </p:stCondLst>
+                            <p:childTnLst>
+                              <p:par>
+                                <p:cTn id="61" presetID="30" presetClass="entr" presetSubtype="0" fill="hold" nodeType="clickEffect">
+                                  <p:stCondLst>
+                                    <p:cond delay="0"/>
+                                  </p:stCondLst>
+                                  <p:childTnLst>
+                                    <p:set>
+                                      <p:cBhvr>
+                                        <p:cTn id="62" dur="1" fill="hold">
+                                          <p:stCondLst>
+                                            <p:cond delay="0"/>
+                                          </p:stCondLst>
+                                        </p:cTn>
+                                        <p:tgtEl>
+                                          <p:spTgt spid="16"/>
+                                        </p:tgtEl>
+                                        <p:attrNameLst>
+                                          <p:attrName>style.visibility</p:attrName>
+                                        </p:attrNameLst>
+                                      </p:cBhvr>
+                                      <p:to>
+                                        <p:strVal val="visible"/>
+                                      </p:to>
+                                    </p:set>
+                                    <p:animEffect transition="in" filter="fade">
+                                      <p:cBhvr>
+                                        <p:cTn id="63" dur="800" decel="100000"/>
+                                        <p:tgtEl>
+                                          <p:spTgt spid="16"/>
+                                        </p:tgtEl>
+                                      </p:cBhvr>
+                                    </p:animEffect>
+                                    <p:anim calcmode="lin" valueType="num">
+                                      <p:cBhvr>
+                                        <p:cTn id="64" dur="800" decel="100000" fill="hold"/>
+                                        <p:tgtEl>
+                                          <p:spTgt spid="16"/>
+                                        </p:tgtEl>
+                                        <p:attrNameLst>
+                                          <p:attrName>style.rotation</p:attrName>
+                                        </p:attrNameLst>
+                                      </p:cBhvr>
+                                      <p:tavLst>
+                                        <p:tav tm="0">
+                                          <p:val>
+                                            <p:fltVal val="-90"/>
+                                          </p:val>
+                                        </p:tav>
+                                        <p:tav tm="100000">
+                                          <p:val>
+                                            <p:fltVal val="0"/>
+                                          </p:val>
+                                        </p:tav>
+                                      </p:tavLst>
+                                    </p:anim>
+                                    <p:anim calcmode="lin" valueType="num">
+                                      <p:cBhvr>
+                                        <p:cTn id="65" dur="800" decel="100000" fill="hold"/>
+                                        <p:tgtEl>
+                                          <p:spTgt spid="16"/>
+                                        </p:tgtEl>
+                                        <p:attrNameLst>
+                                          <p:attrName>ppt_x</p:attrName>
+                                        </p:attrNameLst>
+                                      </p:cBhvr>
+                                      <p:tavLst>
+                                        <p:tav tm="0">
+                                          <p:val>
+                                            <p:strVal val="#ppt_x+0.4"/>
+                                          </p:val>
+                                        </p:tav>
+                                        <p:tav tm="100000">
+                                          <p:val>
+                                            <p:strVal val="#ppt_x-0.05"/>
+                                          </p:val>
+                                        </p:tav>
+                                      </p:tavLst>
+                                    </p:anim>
+                                    <p:anim calcmode="lin" valueType="num">
+                                      <p:cBhvr>
+                                        <p:cTn id="66" dur="800" decel="100000" fill="hold"/>
+                                        <p:tgtEl>
+                                          <p:spTgt spid="16"/>
+                                        </p:tgtEl>
+                                        <p:attrNameLst>
+                                          <p:attrName>ppt_y</p:attrName>
+                                        </p:attrNameLst>
+                                      </p:cBhvr>
+                                      <p:tavLst>
+                                        <p:tav tm="0">
+                                          <p:val>
+                                            <p:strVal val="#ppt_y-0.4"/>
+                                          </p:val>
+                                        </p:tav>
+                                        <p:tav tm="100000">
+                                          <p:val>
+                                            <p:strVal val="#ppt_y+0.1"/>
+                                          </p:val>
+                                        </p:tav>
+                                      </p:tavLst>
+                                    </p:anim>
+                                    <p:anim calcmode="lin" valueType="num">
+                                      <p:cBhvr>
+                                        <p:cTn id="67" dur="200" accel="100000" fill="hold">
+                                          <p:stCondLst>
+                                            <p:cond delay="800"/>
+                                          </p:stCondLst>
+                                        </p:cTn>
+                                        <p:tgtEl>
+                                          <p:spTgt spid="16"/>
+                                        </p:tgtEl>
+                                        <p:attrNameLst>
+                                          <p:attrName>ppt_x</p:attrName>
+                                        </p:attrNameLst>
+                                      </p:cBhvr>
+                                      <p:tavLst>
+                                        <p:tav tm="0">
+                                          <p:val>
+                                            <p:strVal val="#ppt_x-0.05"/>
+                                          </p:val>
+                                        </p:tav>
+                                        <p:tav tm="100000">
+                                          <p:val>
+                                            <p:strVal val="#ppt_x"/>
+                                          </p:val>
+                                        </p:tav>
+                                      </p:tavLst>
+                                    </p:anim>
+                                    <p:anim calcmode="lin" valueType="num">
+                                      <p:cBhvr>
+                                        <p:cTn id="68" dur="200" accel="100000" fill="hold">
+                                          <p:stCondLst>
+                                            <p:cond delay="800"/>
+                                          </p:stCondLst>
+                                        </p:cTn>
+                                        <p:tgtEl>
+                                          <p:spTgt spid="16"/>
+                                        </p:tgtEl>
+                                        <p:attrNameLst>
+                                          <p:attrName>ppt_y</p:attrName>
+                                        </p:attrNameLst>
+                                      </p:cBhvr>
+                                      <p:tavLst>
+                                        <p:tav tm="0">
+                                          <p:val>
+                                            <p:strVal val="#ppt_y+0.1"/>
+                                          </p:val>
+                                        </p:tav>
+                                        <p:tav tm="100000">
+                                          <p:val>
+                                            <p:strVal val="#ppt_y"/>
+                                          </p:val>
+                                        </p:tav>
+                                      </p:tavLst>
+                                    </p:anim>
+                                  </p:childTnLst>
+                                </p:cTn>
+                              </p:par>
+                            </p:childTnLst>
+                          </p:cTn>
+                        </p:par>
+                      </p:childTnLst>
+                    </p:cTn>
+                  </p:par>
+                  <p:par>
+                    <p:cTn id="69" fill="hold">
+                      <p:stCondLst>
+                        <p:cond delay="indefinite"/>
+                      </p:stCondLst>
+                      <p:childTnLst>
+                        <p:par>
+                          <p:cTn id="70" fill="hold">
+                            <p:stCondLst>
+                              <p:cond delay="0"/>
+                            </p:stCondLst>
+                            <p:childTnLst>
+                              <p:par>
+                                <p:cTn id="71" presetID="30" presetClass="entr" presetSubtype="0" fill="hold" nodeType="clickEffect">
+                                  <p:stCondLst>
+                                    <p:cond delay="0"/>
+                                  </p:stCondLst>
+                                  <p:childTnLst>
+                                    <p:set>
+                                      <p:cBhvr>
+                                        <p:cTn id="72" dur="1" fill="hold">
+                                          <p:stCondLst>
+                                            <p:cond delay="0"/>
+                                          </p:stCondLst>
+                                        </p:cTn>
+                                        <p:tgtEl>
+                                          <p:spTgt spid="19"/>
+                                        </p:tgtEl>
+                                        <p:attrNameLst>
+                                          <p:attrName>style.visibility</p:attrName>
+                                        </p:attrNameLst>
+                                      </p:cBhvr>
+                                      <p:to>
+                                        <p:strVal val="visible"/>
+                                      </p:to>
+                                    </p:set>
+                                    <p:animEffect transition="in" filter="fade">
+                                      <p:cBhvr>
+                                        <p:cTn id="73" dur="800" decel="100000"/>
+                                        <p:tgtEl>
+                                          <p:spTgt spid="19"/>
+                                        </p:tgtEl>
+                                      </p:cBhvr>
+                                    </p:animEffect>
+                                    <p:anim calcmode="lin" valueType="num">
+                                      <p:cBhvr>
+                                        <p:cTn id="74" dur="800" decel="100000" fill="hold"/>
+                                        <p:tgtEl>
+                                          <p:spTgt spid="19"/>
+                                        </p:tgtEl>
+                                        <p:attrNameLst>
+                                          <p:attrName>style.rotation</p:attrName>
+                                        </p:attrNameLst>
+                                      </p:cBhvr>
+                                      <p:tavLst>
+                                        <p:tav tm="0">
+                                          <p:val>
+                                            <p:fltVal val="-90"/>
+                                          </p:val>
+                                        </p:tav>
+                                        <p:tav tm="100000">
+                                          <p:val>
+                                            <p:fltVal val="0"/>
+                                          </p:val>
+                                        </p:tav>
+                                      </p:tavLst>
+                                    </p:anim>
+                                    <p:anim calcmode="lin" valueType="num">
+                                      <p:cBhvr>
+                                        <p:cTn id="75" dur="800" decel="100000" fill="hold"/>
+                                        <p:tgtEl>
+                                          <p:spTgt spid="19"/>
+                                        </p:tgtEl>
+                                        <p:attrNameLst>
+                                          <p:attrName>ppt_x</p:attrName>
+                                        </p:attrNameLst>
+                                      </p:cBhvr>
+                                      <p:tavLst>
+                                        <p:tav tm="0">
+                                          <p:val>
+                                            <p:strVal val="#ppt_x+0.4"/>
+                                          </p:val>
+                                        </p:tav>
+                                        <p:tav tm="100000">
+                                          <p:val>
+                                            <p:strVal val="#ppt_x-0.05"/>
+                                          </p:val>
+                                        </p:tav>
+                                      </p:tavLst>
+                                    </p:anim>
+                                    <p:anim calcmode="lin" valueType="num">
+                                      <p:cBhvr>
+                                        <p:cTn id="76" dur="800" decel="100000" fill="hold"/>
+                                        <p:tgtEl>
+                                          <p:spTgt spid="19"/>
+                                        </p:tgtEl>
+                                        <p:attrNameLst>
+                                          <p:attrName>ppt_y</p:attrName>
+                                        </p:attrNameLst>
+                                      </p:cBhvr>
+                                      <p:tavLst>
+                                        <p:tav tm="0">
+                                          <p:val>
+                                            <p:strVal val="#ppt_y-0.4"/>
+                                          </p:val>
+                                        </p:tav>
+                                        <p:tav tm="100000">
+                                          <p:val>
+                                            <p:strVal val="#ppt_y+0.1"/>
+                                          </p:val>
+                                        </p:tav>
+                                      </p:tavLst>
+                                    </p:anim>
+                                    <p:anim calcmode="lin" valueType="num">
+                                      <p:cBhvr>
+                                        <p:cTn id="77" dur="200" accel="100000" fill="hold">
+                                          <p:stCondLst>
+                                            <p:cond delay="800"/>
+                                          </p:stCondLst>
+                                        </p:cTn>
+                                        <p:tgtEl>
+                                          <p:spTgt spid="19"/>
+                                        </p:tgtEl>
+                                        <p:attrNameLst>
+                                          <p:attrName>ppt_x</p:attrName>
+                                        </p:attrNameLst>
+                                      </p:cBhvr>
+                                      <p:tavLst>
+                                        <p:tav tm="0">
+                                          <p:val>
+                                            <p:strVal val="#ppt_x-0.05"/>
+                                          </p:val>
+                                        </p:tav>
+                                        <p:tav tm="100000">
+                                          <p:val>
+                                            <p:strVal val="#ppt_x"/>
+                                          </p:val>
+                                        </p:tav>
+                                      </p:tavLst>
+                                    </p:anim>
+                                    <p:anim calcmode="lin" valueType="num">
+                                      <p:cBhvr>
+                                        <p:cTn id="78" dur="200" accel="100000" fill="hold">
+                                          <p:stCondLst>
+                                            <p:cond delay="800"/>
+                                          </p:stCondLst>
+                                        </p:cTn>
+                                        <p:tgtEl>
+                                          <p:spTgt spid="19"/>
+                                        </p:tgtEl>
+                                        <p:attrNameLst>
+                                          <p:attrName>ppt_y</p:attrName>
+                                        </p:attrNameLst>
+                                      </p:cBhvr>
+                                      <p:tavLst>
+                                        <p:tav tm="0">
+                                          <p:val>
+                                            <p:strVal val="#ppt_y+0.1"/>
+                                          </p:val>
+                                        </p:tav>
+                                        <p:tav tm="100000">
+                                          <p:val>
+                                            <p:strVal val="#ppt_y"/>
+                                          </p:val>
+                                        </p:tav>
+                                      </p:tavLst>
+                                    </p:anim>
+                                  </p:childTnLst>
+                                </p:cTn>
+                              </p:par>
+                            </p:childTnLst>
+                          </p:cTn>
+                        </p:par>
+                      </p:childTnLst>
+                    </p:cTn>
+                  </p:par>
+                  <p:par>
+                    <p:cTn id="79" fill="hold">
+                      <p:stCondLst>
+                        <p:cond delay="indefinite"/>
+                      </p:stCondLst>
+                      <p:childTnLst>
+                        <p:par>
+                          <p:cTn id="80" fill="hold">
+                            <p:stCondLst>
+                              <p:cond delay="0"/>
+                            </p:stCondLst>
+                            <p:childTnLst>
+                              <p:par>
+                                <p:cTn id="81" presetID="30" presetClass="entr" presetSubtype="0" fill="hold" nodeType="clickEffect">
+                                  <p:stCondLst>
+                                    <p:cond delay="0"/>
+                                  </p:stCondLst>
+                                  <p:childTnLst>
+                                    <p:set>
+                                      <p:cBhvr>
+                                        <p:cTn id="82" dur="1" fill="hold">
+                                          <p:stCondLst>
+                                            <p:cond delay="0"/>
+                                          </p:stCondLst>
+                                        </p:cTn>
+                                        <p:tgtEl>
+                                          <p:spTgt spid="20"/>
+                                        </p:tgtEl>
+                                        <p:attrNameLst>
+                                          <p:attrName>style.visibility</p:attrName>
+                                        </p:attrNameLst>
+                                      </p:cBhvr>
+                                      <p:to>
+                                        <p:strVal val="visible"/>
+                                      </p:to>
+                                    </p:set>
+                                    <p:animEffect transition="in" filter="fade">
+                                      <p:cBhvr>
+                                        <p:cTn id="83" dur="800" decel="100000"/>
+                                        <p:tgtEl>
+                                          <p:spTgt spid="20"/>
+                                        </p:tgtEl>
+                                      </p:cBhvr>
+                                    </p:animEffect>
+                                    <p:anim calcmode="lin" valueType="num">
+                                      <p:cBhvr>
+                                        <p:cTn id="84" dur="800" decel="100000" fill="hold"/>
+                                        <p:tgtEl>
+                                          <p:spTgt spid="20"/>
+                                        </p:tgtEl>
+                                        <p:attrNameLst>
+                                          <p:attrName>style.rotation</p:attrName>
+                                        </p:attrNameLst>
+                                      </p:cBhvr>
+                                      <p:tavLst>
+                                        <p:tav tm="0">
+                                          <p:val>
+                                            <p:fltVal val="-90"/>
+                                          </p:val>
+                                        </p:tav>
+                                        <p:tav tm="100000">
+                                          <p:val>
+                                            <p:fltVal val="0"/>
+                                          </p:val>
+                                        </p:tav>
+                                      </p:tavLst>
+                                    </p:anim>
+                                    <p:anim calcmode="lin" valueType="num">
+                                      <p:cBhvr>
+                                        <p:cTn id="85" dur="800" decel="100000" fill="hold"/>
+                                        <p:tgtEl>
+                                          <p:spTgt spid="20"/>
+                                        </p:tgtEl>
+                                        <p:attrNameLst>
+                                          <p:attrName>ppt_x</p:attrName>
+                                        </p:attrNameLst>
+                                      </p:cBhvr>
+                                      <p:tavLst>
+                                        <p:tav tm="0">
+                                          <p:val>
+                                            <p:strVal val="#ppt_x+0.4"/>
+                                          </p:val>
+                                        </p:tav>
+                                        <p:tav tm="100000">
+                                          <p:val>
+                                            <p:strVal val="#ppt_x-0.05"/>
+                                          </p:val>
+                                        </p:tav>
+                                      </p:tavLst>
+                                    </p:anim>
+                                    <p:anim calcmode="lin" valueType="num">
+                                      <p:cBhvr>
+                                        <p:cTn id="86" dur="800" decel="100000" fill="hold"/>
+                                        <p:tgtEl>
+                                          <p:spTgt spid="20"/>
+                                        </p:tgtEl>
+                                        <p:attrNameLst>
+                                          <p:attrName>ppt_y</p:attrName>
+                                        </p:attrNameLst>
+                                      </p:cBhvr>
+                                      <p:tavLst>
+                                        <p:tav tm="0">
+                                          <p:val>
+                                            <p:strVal val="#ppt_y-0.4"/>
+                                          </p:val>
+                                        </p:tav>
+                                        <p:tav tm="100000">
+                                          <p:val>
+                                            <p:strVal val="#ppt_y+0.1"/>
+                                          </p:val>
+                                        </p:tav>
+                                      </p:tavLst>
+                                    </p:anim>
+                                    <p:anim calcmode="lin" valueType="num">
+                                      <p:cBhvr>
+                                        <p:cTn id="87" dur="200" accel="100000" fill="hold">
+                                          <p:stCondLst>
+                                            <p:cond delay="800"/>
+                                          </p:stCondLst>
+                                        </p:cTn>
+                                        <p:tgtEl>
+                                          <p:spTgt spid="20"/>
+                                        </p:tgtEl>
+                                        <p:attrNameLst>
+                                          <p:attrName>ppt_x</p:attrName>
+                                        </p:attrNameLst>
+                                      </p:cBhvr>
+                                      <p:tavLst>
+                                        <p:tav tm="0">
+                                          <p:val>
+                                            <p:strVal val="#ppt_x-0.05"/>
+                                          </p:val>
+                                        </p:tav>
+                                        <p:tav tm="100000">
+                                          <p:val>
+                                            <p:strVal val="#ppt_x"/>
+                                          </p:val>
+                                        </p:tav>
+                                      </p:tavLst>
+                                    </p:anim>
+                                    <p:anim calcmode="lin" valueType="num">
+                                      <p:cBhvr>
+                                        <p:cTn id="88" dur="200" accel="100000" fill="hold">
+                                          <p:stCondLst>
+                                            <p:cond delay="800"/>
+                                          </p:stCondLst>
+                                        </p:cTn>
+                                        <p:tgtEl>
+                                          <p:spTgt spid="20"/>
+                                        </p:tgtEl>
+                                        <p:attrNameLst>
+                                          <p:attrName>ppt_y</p:attrName>
+                                        </p:attrNameLst>
+                                      </p:cBhvr>
+                                      <p:tavLst>
+                                        <p:tav tm="0">
+                                          <p:val>
+                                            <p:strVal val="#ppt_y+0.1"/>
+                                          </p:val>
+                                        </p:tav>
+                                        <p:tav tm="100000">
+                                          <p:val>
+                                            <p:strVal val="#ppt_y"/>
+                                          </p:val>
+                                        </p:tav>
+                                      </p:tavLst>
+                                    </p:anim>
+                                  </p:childTnLst>
+                                </p:cTn>
+                              </p:par>
+                            </p:childTnLst>
+                          </p:cTn>
+                        </p:par>
+                      </p:childTnLst>
+                    </p:cTn>
+                  </p:par>
+                  <p:par>
+                    <p:cTn id="89" fill="hold">
+                      <p:stCondLst>
+                        <p:cond delay="indefinite"/>
+                      </p:stCondLst>
+                      <p:childTnLst>
+                        <p:par>
+                          <p:cTn id="90" fill="hold">
+                            <p:stCondLst>
+                              <p:cond delay="0"/>
+                            </p:stCondLst>
+                            <p:childTnLst>
+                              <p:par>
+                                <p:cTn id="91" presetID="30" presetClass="entr" presetSubtype="0" fill="hold" nodeType="clickEffect">
+                                  <p:stCondLst>
+                                    <p:cond delay="0"/>
+                                  </p:stCondLst>
+                                  <p:childTnLst>
+                                    <p:set>
+                                      <p:cBhvr>
+                                        <p:cTn id="92" dur="1" fill="hold">
+                                          <p:stCondLst>
+                                            <p:cond delay="0"/>
+                                          </p:stCondLst>
+                                        </p:cTn>
+                                        <p:tgtEl>
+                                          <p:spTgt spid="21"/>
+                                        </p:tgtEl>
+                                        <p:attrNameLst>
+                                          <p:attrName>style.visibility</p:attrName>
+                                        </p:attrNameLst>
+                                      </p:cBhvr>
+                                      <p:to>
+                                        <p:strVal val="visible"/>
+                                      </p:to>
+                                    </p:set>
+                                    <p:animEffect transition="in" filter="fade">
+                                      <p:cBhvr>
+                                        <p:cTn id="93" dur="800" decel="100000"/>
+                                        <p:tgtEl>
+                                          <p:spTgt spid="21"/>
+                                        </p:tgtEl>
+                                      </p:cBhvr>
+                                    </p:animEffect>
+                                    <p:anim calcmode="lin" valueType="num">
+                                      <p:cBhvr>
+                                        <p:cTn id="94" dur="800" decel="100000" fill="hold"/>
+                                        <p:tgtEl>
+                                          <p:spTgt spid="21"/>
+                                        </p:tgtEl>
+                                        <p:attrNameLst>
+                                          <p:attrName>style.rotation</p:attrName>
+                                        </p:attrNameLst>
+                                      </p:cBhvr>
+                                      <p:tavLst>
+                                        <p:tav tm="0">
+                                          <p:val>
+                                            <p:fltVal val="-90"/>
+                                          </p:val>
+                                        </p:tav>
+                                        <p:tav tm="100000">
+                                          <p:val>
+                                            <p:fltVal val="0"/>
+                                          </p:val>
+                                        </p:tav>
+                                      </p:tavLst>
+                                    </p:anim>
+                                    <p:anim calcmode="lin" valueType="num">
+                                      <p:cBhvr>
+                                        <p:cTn id="95" dur="800" decel="100000" fill="hold"/>
+                                        <p:tgtEl>
+                                          <p:spTgt spid="21"/>
+                                        </p:tgtEl>
+                                        <p:attrNameLst>
+                                          <p:attrName>ppt_x</p:attrName>
+                                        </p:attrNameLst>
+                                      </p:cBhvr>
+                                      <p:tavLst>
+                                        <p:tav tm="0">
+                                          <p:val>
+                                            <p:strVal val="#ppt_x+0.4"/>
+                                          </p:val>
+                                        </p:tav>
+                                        <p:tav tm="100000">
+                                          <p:val>
+                                            <p:strVal val="#ppt_x-0.05"/>
+                                          </p:val>
+                                        </p:tav>
+                                      </p:tavLst>
+                                    </p:anim>
+                                    <p:anim calcmode="lin" valueType="num">
+                                      <p:cBhvr>
+                                        <p:cTn id="96" dur="800" decel="100000" fill="hold"/>
+                                        <p:tgtEl>
+                                          <p:spTgt spid="21"/>
+                                        </p:tgtEl>
+                                        <p:attrNameLst>
+                                          <p:attrName>ppt_y</p:attrName>
+                                        </p:attrNameLst>
+                                      </p:cBhvr>
+                                      <p:tavLst>
+                                        <p:tav tm="0">
+                                          <p:val>
+                                            <p:strVal val="#ppt_y-0.4"/>
+                                          </p:val>
+                                        </p:tav>
+                                        <p:tav tm="100000">
+                                          <p:val>
+                                            <p:strVal val="#ppt_y+0.1"/>
+                                          </p:val>
+                                        </p:tav>
+                                      </p:tavLst>
+                                    </p:anim>
+                                    <p:anim calcmode="lin" valueType="num">
+                                      <p:cBhvr>
+                                        <p:cTn id="97" dur="200" accel="100000" fill="hold">
+                                          <p:stCondLst>
+                                            <p:cond delay="800"/>
+                                          </p:stCondLst>
+                                        </p:cTn>
+                                        <p:tgtEl>
+                                          <p:spTgt spid="21"/>
+                                        </p:tgtEl>
+                                        <p:attrNameLst>
+                                          <p:attrName>ppt_x</p:attrName>
+                                        </p:attrNameLst>
+                                      </p:cBhvr>
+                                      <p:tavLst>
+                                        <p:tav tm="0">
+                                          <p:val>
+                                            <p:strVal val="#ppt_x-0.05"/>
+                                          </p:val>
+                                        </p:tav>
+                                        <p:tav tm="100000">
+                                          <p:val>
+                                            <p:strVal val="#ppt_x"/>
+                                          </p:val>
+                                        </p:tav>
+                                      </p:tavLst>
+                                    </p:anim>
+                                    <p:anim calcmode="lin" valueType="num">
+                                      <p:cBhvr>
+                                        <p:cTn id="98" dur="200" accel="100000" fill="hold">
+                                          <p:stCondLst>
+                                            <p:cond delay="800"/>
+                                          </p:stCondLst>
+                                        </p:cTn>
+                                        <p:tgtEl>
+                                          <p:spTgt spid="21"/>
+                                        </p:tgtEl>
+                                        <p:attrNameLst>
+                                          <p:attrName>ppt_y</p:attrName>
+                                        </p:attrNameLst>
+                                      </p:cBhvr>
+                                      <p:tavLst>
+                                        <p:tav tm="0">
+                                          <p:val>
+                                            <p:strVal val="#ppt_y+0.1"/>
+                                          </p:val>
+                                        </p:tav>
+                                        <p:tav tm="100000">
+                                          <p:val>
+                                            <p:strVal val="#ppt_y"/>
+                                          </p:val>
+                                        </p:tav>
+                                      </p:tavLst>
+                                    </p:anim>
+                                  </p:childTnLst>
+                                </p:cTn>
+                              </p:par>
+                            </p:childTnLst>
+                          </p:cTn>
+                        </p:par>
+                      </p:childTnLst>
+                    </p:cTn>
+                  </p:par>
+                  <p:par>
+                    <p:cTn id="99" fill="hold">
+                      <p:stCondLst>
+                        <p:cond delay="indefinite"/>
+                      </p:stCondLst>
+                      <p:childTnLst>
+                        <p:par>
+                          <p:cTn id="100" fill="hold">
+                            <p:stCondLst>
+                              <p:cond delay="0"/>
+                            </p:stCondLst>
+                            <p:childTnLst>
+                              <p:par>
+                                <p:cTn id="101" presetID="30" presetClass="entr" presetSubtype="0" fill="hold" nodeType="clickEffect">
+                                  <p:stCondLst>
+                                    <p:cond delay="0"/>
+                                  </p:stCondLst>
+                                  <p:childTnLst>
+                                    <p:set>
+                                      <p:cBhvr>
+                                        <p:cTn id="102" dur="1" fill="hold">
+                                          <p:stCondLst>
+                                            <p:cond delay="0"/>
+                                          </p:stCondLst>
+                                        </p:cTn>
+                                        <p:tgtEl>
+                                          <p:spTgt spid="22"/>
+                                        </p:tgtEl>
+                                        <p:attrNameLst>
+                                          <p:attrName>style.visibility</p:attrName>
+                                        </p:attrNameLst>
+                                      </p:cBhvr>
+                                      <p:to>
+                                        <p:strVal val="visible"/>
+                                      </p:to>
+                                    </p:set>
+                                    <p:animEffect transition="in" filter="fade">
+                                      <p:cBhvr>
+                                        <p:cTn id="103" dur="800" decel="100000"/>
+                                        <p:tgtEl>
+                                          <p:spTgt spid="22"/>
+                                        </p:tgtEl>
+                                      </p:cBhvr>
+                                    </p:animEffect>
+                                    <p:anim calcmode="lin" valueType="num">
+                                      <p:cBhvr>
+                                        <p:cTn id="104" dur="800" decel="100000" fill="hold"/>
+                                        <p:tgtEl>
+                                          <p:spTgt spid="22"/>
+                                        </p:tgtEl>
+                                        <p:attrNameLst>
+                                          <p:attrName>style.rotation</p:attrName>
+                                        </p:attrNameLst>
+                                      </p:cBhvr>
+                                      <p:tavLst>
+                                        <p:tav tm="0">
+                                          <p:val>
+                                            <p:fltVal val="-90"/>
+                                          </p:val>
+                                        </p:tav>
+                                        <p:tav tm="100000">
+                                          <p:val>
+                                            <p:fltVal val="0"/>
+                                          </p:val>
+                                        </p:tav>
+                                      </p:tavLst>
+                                    </p:anim>
+                                    <p:anim calcmode="lin" valueType="num">
+                                      <p:cBhvr>
+                                        <p:cTn id="105" dur="800" decel="100000" fill="hold"/>
+                                        <p:tgtEl>
+                                          <p:spTgt spid="22"/>
+                                        </p:tgtEl>
+                                        <p:attrNameLst>
+                                          <p:attrName>ppt_x</p:attrName>
+                                        </p:attrNameLst>
+                                      </p:cBhvr>
+                                      <p:tavLst>
+                                        <p:tav tm="0">
+                                          <p:val>
+                                            <p:strVal val="#ppt_x+0.4"/>
+                                          </p:val>
+                                        </p:tav>
+                                        <p:tav tm="100000">
+                                          <p:val>
+                                            <p:strVal val="#ppt_x-0.05"/>
+                                          </p:val>
+                                        </p:tav>
+                                      </p:tavLst>
+                                    </p:anim>
+                                    <p:anim calcmode="lin" valueType="num">
+                                      <p:cBhvr>
+                                        <p:cTn id="106" dur="800" decel="100000" fill="hold"/>
+                                        <p:tgtEl>
+                                          <p:spTgt spid="22"/>
+                                        </p:tgtEl>
+                                        <p:attrNameLst>
+                                          <p:attrName>ppt_y</p:attrName>
+                                        </p:attrNameLst>
+                                      </p:cBhvr>
+                                      <p:tavLst>
+                                        <p:tav tm="0">
+                                          <p:val>
+                                            <p:strVal val="#ppt_y-0.4"/>
+                                          </p:val>
+                                        </p:tav>
+                                        <p:tav tm="100000">
+                                          <p:val>
+                                            <p:strVal val="#ppt_y+0.1"/>
+                                          </p:val>
+                                        </p:tav>
+                                      </p:tavLst>
+                                    </p:anim>
+                                    <p:anim calcmode="lin" valueType="num">
+                                      <p:cBhvr>
+                                        <p:cTn id="107" dur="200" accel="100000" fill="hold">
+                                          <p:stCondLst>
+                                            <p:cond delay="800"/>
+                                          </p:stCondLst>
+                                        </p:cTn>
+                                        <p:tgtEl>
+                                          <p:spTgt spid="22"/>
+                                        </p:tgtEl>
+                                        <p:attrNameLst>
+                                          <p:attrName>ppt_x</p:attrName>
+                                        </p:attrNameLst>
+                                      </p:cBhvr>
+                                      <p:tavLst>
+                                        <p:tav tm="0">
+                                          <p:val>
+                                            <p:strVal val="#ppt_x-0.05"/>
+                                          </p:val>
+                                        </p:tav>
+                                        <p:tav tm="100000">
+                                          <p:val>
+                                            <p:strVal val="#ppt_x"/>
+                                          </p:val>
+                                        </p:tav>
+                                      </p:tavLst>
+                                    </p:anim>
+                                    <p:anim calcmode="lin" valueType="num">
+                                      <p:cBhvr>
+                                        <p:cTn id="108" dur="200" accel="100000" fill="hold">
+                                          <p:stCondLst>
+                                            <p:cond delay="800"/>
+                                          </p:stCondLst>
+                                        </p:cTn>
+                                        <p:tgtEl>
+                                          <p:spTgt spid="22"/>
+                                        </p:tgtEl>
+                                        <p:attrNameLst>
+                                          <p:attrName>ppt_y</p:attrName>
+                                        </p:attrNameLst>
+                                      </p:cBhvr>
+                                      <p:tavLst>
+                                        <p:tav tm="0">
+                                          <p:val>
+                                            <p:strVal val="#ppt_y+0.1"/>
+                                          </p:val>
+                                        </p:tav>
+                                        <p:tav tm="100000">
+                                          <p:val>
+                                            <p:strVal val="#ppt_y"/>
+                                          </p:val>
+                                        </p:tav>
+                                      </p:tavLst>
+                                    </p:anim>
+                                  </p:childTnLst>
+                                </p:cTn>
+                              </p:par>
+                            </p:childTnLst>
+                          </p:cTn>
+                        </p:par>
+                      </p:childTnLst>
+                    </p:cTn>
+                  </p:par>
+                  <p:par>
+                    <p:cTn id="109" fill="hold">
+                      <p:stCondLst>
+                        <p:cond delay="indefinite"/>
+                      </p:stCondLst>
+                      <p:childTnLst>
+                        <p:par>
+                          <p:cTn id="110" fill="hold">
+                            <p:stCondLst>
+                              <p:cond delay="0"/>
+                            </p:stCondLst>
+                            <p:childTnLst>
+                              <p:par>
+                                <p:cTn id="111" presetID="30" presetClass="entr" presetSubtype="0" fill="hold" nodeType="clickEffect">
+                                  <p:stCondLst>
+                                    <p:cond delay="0"/>
+                                  </p:stCondLst>
+                                  <p:childTnLst>
+                                    <p:set>
+                                      <p:cBhvr>
+                                        <p:cTn id="112" dur="1" fill="hold">
+                                          <p:stCondLst>
+                                            <p:cond delay="0"/>
+                                          </p:stCondLst>
+                                        </p:cTn>
+                                        <p:tgtEl>
+                                          <p:spTgt spid="23"/>
+                                        </p:tgtEl>
+                                        <p:attrNameLst>
+                                          <p:attrName>style.visibility</p:attrName>
+                                        </p:attrNameLst>
+                                      </p:cBhvr>
+                                      <p:to>
+                                        <p:strVal val="visible"/>
+                                      </p:to>
+                                    </p:set>
+                                    <p:animEffect transition="in" filter="fade">
+                                      <p:cBhvr>
+                                        <p:cTn id="113" dur="800" decel="100000"/>
+                                        <p:tgtEl>
+                                          <p:spTgt spid="23"/>
+                                        </p:tgtEl>
+                                      </p:cBhvr>
+                                    </p:animEffect>
+                                    <p:anim calcmode="lin" valueType="num">
+                                      <p:cBhvr>
+                                        <p:cTn id="114" dur="800" decel="100000" fill="hold"/>
+                                        <p:tgtEl>
+                                          <p:spTgt spid="23"/>
+                                        </p:tgtEl>
+                                        <p:attrNameLst>
+                                          <p:attrName>style.rotation</p:attrName>
+                                        </p:attrNameLst>
+                                      </p:cBhvr>
+                                      <p:tavLst>
+                                        <p:tav tm="0">
+                                          <p:val>
+                                            <p:fltVal val="-90"/>
+                                          </p:val>
+                                        </p:tav>
+                                        <p:tav tm="100000">
+                                          <p:val>
+                                            <p:fltVal val="0"/>
+                                          </p:val>
+                                        </p:tav>
+                                      </p:tavLst>
+                                    </p:anim>
+                                    <p:anim calcmode="lin" valueType="num">
+                                      <p:cBhvr>
+                                        <p:cTn id="115" dur="800" decel="100000" fill="hold"/>
+                                        <p:tgtEl>
+                                          <p:spTgt spid="23"/>
+                                        </p:tgtEl>
+                                        <p:attrNameLst>
+                                          <p:attrName>ppt_x</p:attrName>
+                                        </p:attrNameLst>
+                                      </p:cBhvr>
+                                      <p:tavLst>
+                                        <p:tav tm="0">
+                                          <p:val>
+                                            <p:strVal val="#ppt_x+0.4"/>
+                                          </p:val>
+                                        </p:tav>
+                                        <p:tav tm="100000">
+                                          <p:val>
+                                            <p:strVal val="#ppt_x-0.05"/>
+                                          </p:val>
+                                        </p:tav>
+                                      </p:tavLst>
+                                    </p:anim>
+                                    <p:anim calcmode="lin" valueType="num">
+                                      <p:cBhvr>
+                                        <p:cTn id="116" dur="800" decel="100000" fill="hold"/>
+                                        <p:tgtEl>
+                                          <p:spTgt spid="23"/>
+                                        </p:tgtEl>
+                                        <p:attrNameLst>
+                                          <p:attrName>ppt_y</p:attrName>
+                                        </p:attrNameLst>
+                                      </p:cBhvr>
+                                      <p:tavLst>
+                                        <p:tav tm="0">
+                                          <p:val>
+                                            <p:strVal val="#ppt_y-0.4"/>
+                                          </p:val>
+                                        </p:tav>
+                                        <p:tav tm="100000">
+                                          <p:val>
+                                            <p:strVal val="#ppt_y+0.1"/>
+                                          </p:val>
+                                        </p:tav>
+                                      </p:tavLst>
+                                    </p:anim>
+                                    <p:anim calcmode="lin" valueType="num">
+                                      <p:cBhvr>
+                                        <p:cTn id="117" dur="200" accel="100000" fill="hold">
+                                          <p:stCondLst>
+                                            <p:cond delay="800"/>
+                                          </p:stCondLst>
+                                        </p:cTn>
+                                        <p:tgtEl>
+                                          <p:spTgt spid="23"/>
+                                        </p:tgtEl>
+                                        <p:attrNameLst>
+                                          <p:attrName>ppt_x</p:attrName>
+                                        </p:attrNameLst>
+                                      </p:cBhvr>
+                                      <p:tavLst>
+                                        <p:tav tm="0">
+                                          <p:val>
+                                            <p:strVal val="#ppt_x-0.05"/>
+                                          </p:val>
+                                        </p:tav>
+                                        <p:tav tm="100000">
+                                          <p:val>
+                                            <p:strVal val="#ppt_x"/>
+                                          </p:val>
+                                        </p:tav>
+                                      </p:tavLst>
+                                    </p:anim>
+                                    <p:anim calcmode="lin" valueType="num">
+                                      <p:cBhvr>
+                                        <p:cTn id="118" dur="200" accel="100000" fill="hold">
+                                          <p:stCondLst>
+                                            <p:cond delay="800"/>
+                                          </p:stCondLst>
+                                        </p:cTn>
+                                        <p:tgtEl>
+                                          <p:spTgt spid="23"/>
+                                        </p:tgtEl>
+                                        <p:attrNameLst>
+                                          <p:attrName>ppt_y</p:attrName>
+                                        </p:attrNameLst>
+                                      </p:cBhvr>
+                                      <p:tavLst>
+                                        <p:tav tm="0">
+                                          <p:val>
+                                            <p:strVal val="#ppt_y+0.1"/>
+                                          </p:val>
+                                        </p:tav>
+                                        <p:tav tm="100000">
+                                          <p:val>
+                                            <p:strVal val="#ppt_y"/>
+                                          </p:val>
+                                        </p:tav>
+                                      </p:tavLst>
+                                    </p:anim>
+                                  </p:childTnLst>
+                                </p:cTn>
+                              </p:par>
+                            </p:childTnLst>
+                          </p:cTn>
+                        </p:par>
+                      </p:childTnLst>
+                    </p:cTn>
+                  </p:par>
+                  <p:par>
+                    <p:cTn id="119" fill="hold">
+                      <p:stCondLst>
+                        <p:cond delay="indefinite"/>
+                      </p:stCondLst>
+                      <p:childTnLst>
+                        <p:par>
+                          <p:cTn id="120" fill="hold">
+                            <p:stCondLst>
+                              <p:cond delay="0"/>
+                            </p:stCondLst>
+                            <p:childTnLst>
+                              <p:par>
+                                <p:cTn id="121" presetID="30" presetClass="entr" presetSubtype="0" fill="hold" nodeType="clickEffect">
+                                  <p:stCondLst>
+                                    <p:cond delay="0"/>
+                                  </p:stCondLst>
+                                  <p:childTnLst>
+                                    <p:set>
+                                      <p:cBhvr>
+                                        <p:cTn id="122" dur="1" fill="hold">
+                                          <p:stCondLst>
+                                            <p:cond delay="0"/>
+                                          </p:stCondLst>
+                                        </p:cTn>
+                                        <p:tgtEl>
+                                          <p:spTgt spid="24"/>
+                                        </p:tgtEl>
+                                        <p:attrNameLst>
+                                          <p:attrName>style.visibility</p:attrName>
+                                        </p:attrNameLst>
+                                      </p:cBhvr>
+                                      <p:to>
+                                        <p:strVal val="visible"/>
+                                      </p:to>
+                                    </p:set>
+                                    <p:animEffect transition="in" filter="fade">
+                                      <p:cBhvr>
+                                        <p:cTn id="123" dur="800" decel="100000"/>
+                                        <p:tgtEl>
+                                          <p:spTgt spid="24"/>
+                                        </p:tgtEl>
+                                      </p:cBhvr>
+                                    </p:animEffect>
+                                    <p:anim calcmode="lin" valueType="num">
+                                      <p:cBhvr>
+                                        <p:cTn id="124" dur="800" decel="100000" fill="hold"/>
+                                        <p:tgtEl>
+                                          <p:spTgt spid="24"/>
+                                        </p:tgtEl>
+                                        <p:attrNameLst>
+                                          <p:attrName>style.rotation</p:attrName>
+                                        </p:attrNameLst>
+                                      </p:cBhvr>
+                                      <p:tavLst>
+                                        <p:tav tm="0">
+                                          <p:val>
+                                            <p:fltVal val="-90"/>
+                                          </p:val>
+                                        </p:tav>
+                                        <p:tav tm="100000">
+                                          <p:val>
+                                            <p:fltVal val="0"/>
+                                          </p:val>
+                                        </p:tav>
+                                      </p:tavLst>
+                                    </p:anim>
+                                    <p:anim calcmode="lin" valueType="num">
+                                      <p:cBhvr>
+                                        <p:cTn id="125" dur="800" decel="100000" fill="hold"/>
+                                        <p:tgtEl>
+                                          <p:spTgt spid="24"/>
+                                        </p:tgtEl>
+                                        <p:attrNameLst>
+                                          <p:attrName>ppt_x</p:attrName>
+                                        </p:attrNameLst>
+                                      </p:cBhvr>
+                                      <p:tavLst>
+                                        <p:tav tm="0">
+                                          <p:val>
+                                            <p:strVal val="#ppt_x+0.4"/>
+                                          </p:val>
+                                        </p:tav>
+                                        <p:tav tm="100000">
+                                          <p:val>
+                                            <p:strVal val="#ppt_x-0.05"/>
+                                          </p:val>
+                                        </p:tav>
+                                      </p:tavLst>
+                                    </p:anim>
+                                    <p:anim calcmode="lin" valueType="num">
+                                      <p:cBhvr>
+                                        <p:cTn id="126" dur="800" decel="100000" fill="hold"/>
+                                        <p:tgtEl>
+                                          <p:spTgt spid="24"/>
+                                        </p:tgtEl>
+                                        <p:attrNameLst>
+                                          <p:attrName>ppt_y</p:attrName>
+                                        </p:attrNameLst>
+                                      </p:cBhvr>
+                                      <p:tavLst>
+                                        <p:tav tm="0">
+                                          <p:val>
+                                            <p:strVal val="#ppt_y-0.4"/>
+                                          </p:val>
+                                        </p:tav>
+                                        <p:tav tm="100000">
+                                          <p:val>
+                                            <p:strVal val="#ppt_y+0.1"/>
+                                          </p:val>
+                                        </p:tav>
+                                      </p:tavLst>
+                                    </p:anim>
+                                    <p:anim calcmode="lin" valueType="num">
+                                      <p:cBhvr>
+                                        <p:cTn id="127" dur="200" accel="100000" fill="hold">
+                                          <p:stCondLst>
+                                            <p:cond delay="800"/>
+                                          </p:stCondLst>
+                                        </p:cTn>
+                                        <p:tgtEl>
+                                          <p:spTgt spid="24"/>
+                                        </p:tgtEl>
+                                        <p:attrNameLst>
+                                          <p:attrName>ppt_x</p:attrName>
+                                        </p:attrNameLst>
+                                      </p:cBhvr>
+                                      <p:tavLst>
+                                        <p:tav tm="0">
+                                          <p:val>
+                                            <p:strVal val="#ppt_x-0.05"/>
+                                          </p:val>
+                                        </p:tav>
+                                        <p:tav tm="100000">
+                                          <p:val>
+                                            <p:strVal val="#ppt_x"/>
+                                          </p:val>
+                                        </p:tav>
+                                      </p:tavLst>
+                                    </p:anim>
+                                    <p:anim calcmode="lin" valueType="num">
+                                      <p:cBhvr>
+                                        <p:cTn id="128" dur="200" accel="100000" fill="hold">
+                                          <p:stCondLst>
+                                            <p:cond delay="800"/>
+                                          </p:stCondLst>
+                                        </p:cTn>
+                                        <p:tgtEl>
+                                          <p:spTgt spid="24"/>
+                                        </p:tgtEl>
+                                        <p:attrNameLst>
+                                          <p:attrName>ppt_y</p:attrName>
+                                        </p:attrNameLst>
+                                      </p:cBhvr>
+                                      <p:tavLst>
+                                        <p:tav tm="0">
+                                          <p:val>
+                                            <p:strVal val="#ppt_y+0.1"/>
+                                          </p:val>
+                                        </p:tav>
+                                        <p:tav tm="100000">
+                                          <p:val>
+                                            <p:strVal val="#ppt_y"/>
+                                          </p:val>
+                                        </p:tav>
+                                      </p:tavLst>
+                                    </p:anim>
+                                  </p:childTnLst>
+                                </p:cTn>
+                              </p:par>
+                            </p:childTnLst>
+                          </p:cTn>
+                        </p:par>
+                      </p:childTnLst>
+                    </p:cTn>
+                  </p:par>
+                  <p:par>
+                    <p:cTn id="129" fill="hold">
+                      <p:stCondLst>
+                        <p:cond delay="indefinite"/>
+                      </p:stCondLst>
+                      <p:childTnLst>
+                        <p:par>
+                          <p:cTn id="130" fill="hold">
+                            <p:stCondLst>
+                              <p:cond delay="0"/>
+                            </p:stCondLst>
+                            <p:childTnLst>
+                              <p:par>
+                                <p:cTn id="131" presetID="30" presetClass="entr" presetSubtype="0" fill="hold" nodeType="clickEffect">
+                                  <p:stCondLst>
+                                    <p:cond delay="0"/>
+                                  </p:stCondLst>
+                                  <p:childTnLst>
+                                    <p:set>
+                                      <p:cBhvr>
+                                        <p:cTn id="132" dur="1" fill="hold">
+                                          <p:stCondLst>
+                                            <p:cond delay="0"/>
+                                          </p:stCondLst>
+                                        </p:cTn>
+                                        <p:tgtEl>
+                                          <p:spTgt spid="25"/>
+                                        </p:tgtEl>
+                                        <p:attrNameLst>
+                                          <p:attrName>style.visibility</p:attrName>
+                                        </p:attrNameLst>
+                                      </p:cBhvr>
+                                      <p:to>
+                                        <p:strVal val="visible"/>
+                                      </p:to>
+                                    </p:set>
+                                    <p:animEffect transition="in" filter="fade">
+                                      <p:cBhvr>
+                                        <p:cTn id="133" dur="800" decel="100000"/>
+                                        <p:tgtEl>
+                                          <p:spTgt spid="25"/>
+                                        </p:tgtEl>
+                                      </p:cBhvr>
+                                    </p:animEffect>
+                                    <p:anim calcmode="lin" valueType="num">
+                                      <p:cBhvr>
+                                        <p:cTn id="134" dur="800" decel="100000" fill="hold"/>
+                                        <p:tgtEl>
+                                          <p:spTgt spid="25"/>
+                                        </p:tgtEl>
+                                        <p:attrNameLst>
+                                          <p:attrName>style.rotation</p:attrName>
+                                        </p:attrNameLst>
+                                      </p:cBhvr>
+                                      <p:tavLst>
+                                        <p:tav tm="0">
+                                          <p:val>
+                                            <p:fltVal val="-90"/>
+                                          </p:val>
+                                        </p:tav>
+                                        <p:tav tm="100000">
+                                          <p:val>
+                                            <p:fltVal val="0"/>
+                                          </p:val>
+                                        </p:tav>
+                                      </p:tavLst>
+                                    </p:anim>
+                                    <p:anim calcmode="lin" valueType="num">
+                                      <p:cBhvr>
+                                        <p:cTn id="135" dur="800" decel="100000" fill="hold"/>
+                                        <p:tgtEl>
+                                          <p:spTgt spid="25"/>
+                                        </p:tgtEl>
+                                        <p:attrNameLst>
+                                          <p:attrName>ppt_x</p:attrName>
+                                        </p:attrNameLst>
+                                      </p:cBhvr>
+                                      <p:tavLst>
+                                        <p:tav tm="0">
+                                          <p:val>
+                                            <p:strVal val="#ppt_x+0.4"/>
+                                          </p:val>
+                                        </p:tav>
+                                        <p:tav tm="100000">
+                                          <p:val>
+                                            <p:strVal val="#ppt_x-0.05"/>
+                                          </p:val>
+                                        </p:tav>
+                                      </p:tavLst>
+                                    </p:anim>
+                                    <p:anim calcmode="lin" valueType="num">
+                                      <p:cBhvr>
+                                        <p:cTn id="136" dur="800" decel="100000" fill="hold"/>
+                                        <p:tgtEl>
+                                          <p:spTgt spid="25"/>
+                                        </p:tgtEl>
+                                        <p:attrNameLst>
+                                          <p:attrName>ppt_y</p:attrName>
+                                        </p:attrNameLst>
+                                      </p:cBhvr>
+                                      <p:tavLst>
+                                        <p:tav tm="0">
+                                          <p:val>
+                                            <p:strVal val="#ppt_y-0.4"/>
+                                          </p:val>
+                                        </p:tav>
+                                        <p:tav tm="100000">
+                                          <p:val>
+                                            <p:strVal val="#ppt_y+0.1"/>
+                                          </p:val>
+                                        </p:tav>
+                                      </p:tavLst>
+                                    </p:anim>
+                                    <p:anim calcmode="lin" valueType="num">
+                                      <p:cBhvr>
+                                        <p:cTn id="137" dur="200" accel="100000" fill="hold">
+                                          <p:stCondLst>
+                                            <p:cond delay="800"/>
+                                          </p:stCondLst>
+                                        </p:cTn>
+                                        <p:tgtEl>
+                                          <p:spTgt spid="25"/>
+                                        </p:tgtEl>
+                                        <p:attrNameLst>
+                                          <p:attrName>ppt_x</p:attrName>
+                                        </p:attrNameLst>
+                                      </p:cBhvr>
+                                      <p:tavLst>
+                                        <p:tav tm="0">
+                                          <p:val>
+                                            <p:strVal val="#ppt_x-0.05"/>
+                                          </p:val>
+                                        </p:tav>
+                                        <p:tav tm="100000">
+                                          <p:val>
+                                            <p:strVal val="#ppt_x"/>
+                                          </p:val>
+                                        </p:tav>
+                                      </p:tavLst>
+                                    </p:anim>
+                                    <p:anim calcmode="lin" valueType="num">
+                                      <p:cBhvr>
+                                        <p:cTn id="138" dur="200" accel="100000" fill="hold">
+                                          <p:stCondLst>
+                                            <p:cond delay="800"/>
+                                          </p:stCondLst>
+                                        </p:cTn>
+                                        <p:tgtEl>
+                                          <p:spTgt spid="25"/>
+                                        </p:tgtEl>
+                                        <p:attrNameLst>
+                                          <p:attrName>ppt_y</p:attrName>
+                                        </p:attrNameLst>
+                                      </p:cBhvr>
+                                      <p:tavLst>
+                                        <p:tav tm="0">
+                                          <p:val>
+                                            <p:strVal val="#ppt_y+0.1"/>
+                                          </p:val>
+                                        </p:tav>
+                                        <p:tav tm="100000">
+                                          <p:val>
+                                            <p:strVal val="#ppt_y"/>
+                                          </p:val>
+                                        </p:tav>
+                                      </p:tavLst>
+                                    </p:anim>
+                                  </p:childTnLst>
+                                </p:cTn>
+                              </p:par>
+                            </p:childTnLst>
+                          </p:cTn>
+                        </p:par>
+                      </p:childTnLst>
+                    </p:cTn>
+                  </p:par>
+                  <p:par>
+                    <p:cTn id="139" fill="hold">
+                      <p:stCondLst>
+                        <p:cond delay="indefinite"/>
+                      </p:stCondLst>
+                      <p:childTnLst>
+                        <p:par>
+                          <p:cTn id="140" fill="hold">
+                            <p:stCondLst>
+                              <p:cond delay="0"/>
+                            </p:stCondLst>
+                            <p:childTnLst>
+                              <p:par>
+                                <p:cTn id="141" presetID="30" presetClass="entr" presetSubtype="0" fill="hold" nodeType="clickEffect">
+                                  <p:stCondLst>
+                                    <p:cond delay="0"/>
+                                  </p:stCondLst>
+                                  <p:childTnLst>
+                                    <p:set>
+                                      <p:cBhvr>
+                                        <p:cTn id="142" dur="1" fill="hold">
+                                          <p:stCondLst>
+                                            <p:cond delay="0"/>
+                                          </p:stCondLst>
+                                        </p:cTn>
+                                        <p:tgtEl>
+                                          <p:spTgt spid="26"/>
+                                        </p:tgtEl>
+                                        <p:attrNameLst>
+                                          <p:attrName>style.visibility</p:attrName>
+                                        </p:attrNameLst>
+                                      </p:cBhvr>
+                                      <p:to>
+                                        <p:strVal val="visible"/>
+                                      </p:to>
+                                    </p:set>
+                                    <p:animEffect transition="in" filter="fade">
+                                      <p:cBhvr>
+                                        <p:cTn id="143" dur="800" decel="100000"/>
+                                        <p:tgtEl>
+                                          <p:spTgt spid="26"/>
+                                        </p:tgtEl>
+                                      </p:cBhvr>
+                                    </p:animEffect>
+                                    <p:anim calcmode="lin" valueType="num">
+                                      <p:cBhvr>
+                                        <p:cTn id="144" dur="800" decel="100000" fill="hold"/>
+                                        <p:tgtEl>
+                                          <p:spTgt spid="26"/>
+                                        </p:tgtEl>
+                                        <p:attrNameLst>
+                                          <p:attrName>style.rotation</p:attrName>
+                                        </p:attrNameLst>
+                                      </p:cBhvr>
+                                      <p:tavLst>
+                                        <p:tav tm="0">
+                                          <p:val>
+                                            <p:fltVal val="-90"/>
+                                          </p:val>
+                                        </p:tav>
+                                        <p:tav tm="100000">
+                                          <p:val>
+                                            <p:fltVal val="0"/>
+                                          </p:val>
+                                        </p:tav>
+                                      </p:tavLst>
+                                    </p:anim>
+                                    <p:anim calcmode="lin" valueType="num">
+                                      <p:cBhvr>
+                                        <p:cTn id="145" dur="800" decel="100000" fill="hold"/>
+                                        <p:tgtEl>
+                                          <p:spTgt spid="26"/>
+                                        </p:tgtEl>
+                                        <p:attrNameLst>
+                                          <p:attrName>ppt_x</p:attrName>
+                                        </p:attrNameLst>
+                                      </p:cBhvr>
+                                      <p:tavLst>
+                                        <p:tav tm="0">
+                                          <p:val>
+                                            <p:strVal val="#ppt_x+0.4"/>
+                                          </p:val>
+                                        </p:tav>
+                                        <p:tav tm="100000">
+                                          <p:val>
+                                            <p:strVal val="#ppt_x-0.05"/>
+                                          </p:val>
+                                        </p:tav>
+                                      </p:tavLst>
+                                    </p:anim>
+                                    <p:anim calcmode="lin" valueType="num">
+                                      <p:cBhvr>
+                                        <p:cTn id="146" dur="800" decel="100000" fill="hold"/>
+                                        <p:tgtEl>
+                                          <p:spTgt spid="26"/>
+                                        </p:tgtEl>
+                                        <p:attrNameLst>
+                                          <p:attrName>ppt_y</p:attrName>
+                                        </p:attrNameLst>
+                                      </p:cBhvr>
+                                      <p:tavLst>
+                                        <p:tav tm="0">
+                                          <p:val>
+                                            <p:strVal val="#ppt_y-0.4"/>
+                                          </p:val>
+                                        </p:tav>
+                                        <p:tav tm="100000">
+                                          <p:val>
+                                            <p:strVal val="#ppt_y+0.1"/>
+                                          </p:val>
+                                        </p:tav>
+                                      </p:tavLst>
+                                    </p:anim>
+                                    <p:anim calcmode="lin" valueType="num">
+                                      <p:cBhvr>
+                                        <p:cTn id="147" dur="200" accel="100000" fill="hold">
+                                          <p:stCondLst>
+                                            <p:cond delay="800"/>
+                                          </p:stCondLst>
+                                        </p:cTn>
+                                        <p:tgtEl>
+                                          <p:spTgt spid="26"/>
+                                        </p:tgtEl>
+                                        <p:attrNameLst>
+                                          <p:attrName>ppt_x</p:attrName>
+                                        </p:attrNameLst>
+                                      </p:cBhvr>
+                                      <p:tavLst>
+                                        <p:tav tm="0">
+                                          <p:val>
+                                            <p:strVal val="#ppt_x-0.05"/>
+                                          </p:val>
+                                        </p:tav>
+                                        <p:tav tm="100000">
+                                          <p:val>
+                                            <p:strVal val="#ppt_x"/>
+                                          </p:val>
+                                        </p:tav>
+                                      </p:tavLst>
+                                    </p:anim>
+                                    <p:anim calcmode="lin" valueType="num">
+                                      <p:cBhvr>
+                                        <p:cTn id="148" dur="200" accel="100000" fill="hold">
+                                          <p:stCondLst>
+                                            <p:cond delay="800"/>
+                                          </p:stCondLst>
+                                        </p:cTn>
+                                        <p:tgtEl>
+                                          <p:spTgt spid="26"/>
+                                        </p:tgtEl>
+                                        <p:attrNameLst>
+                                          <p:attrName>ppt_y</p:attrName>
+                                        </p:attrNameLst>
+                                      </p:cBhvr>
+                                      <p:tavLst>
+                                        <p:tav tm="0">
+                                          <p:val>
+                                            <p:strVal val="#ppt_y+0.1"/>
+                                          </p:val>
+                                        </p:tav>
+                                        <p:tav tm="100000">
+                                          <p:val>
+                                            <p:strVal val="#ppt_y"/>
+                                          </p:val>
+                                        </p:tav>
+                                      </p:tavLst>
+                                    </p:anim>
+                                  </p:childTnLst>
+                                </p:cTn>
+                              </p:par>
+                            </p:childTnLst>
+                          </p:cTn>
+                        </p:par>
+                      </p:childTnLst>
+                    </p:cTn>
+                  </p:par>
                 </p:childTnLst>
               </p:cTn>
               <p:prevCondLst>
@@ -6115,6 +11771,957 @@
     <p:bldLst>
       <p:bldP spid="18" grpId="0" animBg="1"/>
     </p:bldLst>
+  </p:timing>
+</p:sld>
+</file>
+
+<file path=ppt/slides/slide5.xml><?xml version="1.0" encoding="utf-8"?>
+<p:sld xmlns:a="http://schemas.openxmlformats.org/drawingml/2006/main" xmlns:r="http://schemas.openxmlformats.org/officeDocument/2006/relationships" xmlns:p="http://schemas.openxmlformats.org/presentationml/2006/main">
+  <p:cSld>
+    <p:spTree>
+      <p:nvGrpSpPr>
+        <p:cNvPr id="1" name=""/>
+        <p:cNvGrpSpPr/>
+        <p:nvPr/>
+      </p:nvGrpSpPr>
+      <p:grpSpPr>
+        <a:xfrm>
+          <a:off x="0" y="0"/>
+          <a:ext cx="0" cy="0"/>
+          <a:chOff x="0" y="0"/>
+          <a:chExt cx="0" cy="0"/>
+        </a:xfrm>
+      </p:grpSpPr>
+      <p:sp>
+        <p:nvSpPr>
+          <p:cNvPr id="6" name="Segnaposto data 5"/>
+          <p:cNvSpPr>
+            <a:spLocks noGrp="1"/>
+          </p:cNvSpPr>
+          <p:nvPr>
+            <p:ph type="dt" sz="half" idx="10"/>
+          </p:nvPr>
+        </p:nvSpPr>
+        <p:spPr/>
+        <p:txBody>
+          <a:bodyPr/>
+          <a:lstStyle/>
+          <a:p>
+            <a:r>
+              <a:rPr lang="it-IT" smtClean="0"/>
+              <a:t>Anno accademico 2007/2008</a:t>
+            </a:r>
+            <a:endParaRPr lang="it-IT" dirty="0"/>
+          </a:p>
+        </p:txBody>
+      </p:sp>
+      <p:sp>
+        <p:nvSpPr>
+          <p:cNvPr id="7" name="Segnaposto numero diapositiva 6"/>
+          <p:cNvSpPr>
+            <a:spLocks noGrp="1"/>
+          </p:cNvSpPr>
+          <p:nvPr>
+            <p:ph type="sldNum" sz="quarter" idx="12"/>
+          </p:nvPr>
+        </p:nvSpPr>
+        <p:spPr/>
+        <p:txBody>
+          <a:bodyPr/>
+          <a:lstStyle/>
+          <a:p>
+            <a:fld id="{BB9EEBAB-65FC-4513-B19A-4B06FD56D3C9}" type="slidenum">
+              <a:rPr lang="it-IT" smtClean="0"/>
+              <a:pPr/>
+              <a:t>5</a:t>
+            </a:fld>
+            <a:endParaRPr lang="it-IT" dirty="0"/>
+          </a:p>
+        </p:txBody>
+      </p:sp>
+      <p:sp>
+        <p:nvSpPr>
+          <p:cNvPr id="8" name="Segnaposto piè di pagina 7"/>
+          <p:cNvSpPr>
+            <a:spLocks noGrp="1"/>
+          </p:cNvSpPr>
+          <p:nvPr>
+            <p:ph type="ftr" sz="quarter" idx="11"/>
+          </p:nvPr>
+        </p:nvSpPr>
+        <p:spPr/>
+        <p:txBody>
+          <a:bodyPr/>
+          <a:lstStyle/>
+          <a:p>
+            <a:r>
+              <a:rPr lang="it-IT" smtClean="0"/>
+              <a:t>Università degli studi di Roma Tre</a:t>
+            </a:r>
+            <a:endParaRPr lang="it-IT" dirty="0"/>
+          </a:p>
+        </p:txBody>
+      </p:sp>
+      <p:sp>
+        <p:nvSpPr>
+          <p:cNvPr id="9" name="Titolo 3"/>
+          <p:cNvSpPr>
+            <a:spLocks noGrp="1"/>
+          </p:cNvSpPr>
+          <p:nvPr>
+            <p:ph type="ctrTitle"/>
+          </p:nvPr>
+        </p:nvSpPr>
+        <p:spPr>
+          <a:xfrm>
+            <a:off x="2321671" y="0"/>
+            <a:ext cx="6822329" cy="742954"/>
+          </a:xfrm>
+        </p:spPr>
+        <p:txBody>
+          <a:bodyPr>
+            <a:noAutofit/>
+          </a:bodyPr>
+          <a:lstStyle/>
+          <a:p>
+            <a:r>
+              <a:rPr lang="en-US" sz="3600" dirty="0" smtClean="0"/>
+              <a:t>Se </a:t>
+            </a:r>
+            <a:r>
+              <a:rPr lang="en-US" sz="3600" dirty="0" err="1" smtClean="0"/>
+              <a:t>il</a:t>
+            </a:r>
+            <a:r>
+              <a:rPr lang="en-US" sz="3600" dirty="0" smtClean="0"/>
+              <a:t> </a:t>
+            </a:r>
+            <a:r>
+              <a:rPr lang="en-US" sz="3600" dirty="0" err="1" smtClean="0"/>
+              <a:t>laboratorio</a:t>
+            </a:r>
+            <a:r>
+              <a:rPr lang="en-US" sz="3600" dirty="0" smtClean="0"/>
+              <a:t> fosse </a:t>
+            </a:r>
+            <a:r>
+              <a:rPr lang="en-US" sz="3600" dirty="0" err="1" smtClean="0"/>
+              <a:t>questo</a:t>
+            </a:r>
+            <a:r>
+              <a:rPr lang="en-US" sz="3600" dirty="0" smtClean="0"/>
+              <a:t>?</a:t>
+            </a:r>
+            <a:endParaRPr lang="it-IT" sz="3600" dirty="0"/>
+          </a:p>
+        </p:txBody>
+      </p:sp>
+      <p:pic>
+        <p:nvPicPr>
+          <p:cNvPr id="27" name="Immagine 26" descr="big_lab.png"/>
+          <p:cNvPicPr>
+            <a:picLocks noChangeAspect="1"/>
+          </p:cNvPicPr>
+          <p:nvPr/>
+        </p:nvPicPr>
+        <p:blipFill>
+          <a:blip r:embed="rId2"/>
+          <a:stretch>
+            <a:fillRect/>
+          </a:stretch>
+        </p:blipFill>
+        <p:spPr>
+          <a:xfrm>
+            <a:off x="533116" y="642918"/>
+            <a:ext cx="8077768" cy="5715040"/>
+          </a:xfrm>
+          <a:prstGeom prst="rect">
+            <a:avLst/>
+          </a:prstGeom>
+          <a:ln>
+            <a:noFill/>
+          </a:ln>
+          <a:effectLst>
+            <a:softEdge rad="112500"/>
+          </a:effectLst>
+        </p:spPr>
+      </p:pic>
+    </p:spTree>
+  </p:cSld>
+  <p:clrMapOvr>
+    <a:masterClrMapping/>
+  </p:clrMapOvr>
+  <p:transition>
+    <p:fade/>
+  </p:transition>
+  <p:timing>
+    <p:tnLst>
+      <p:par>
+        <p:cTn id="1" dur="indefinite" restart="never" nodeType="tmRoot"/>
+      </p:par>
+    </p:tnLst>
+  </p:timing>
+</p:sld>
+</file>
+
+<file path=ppt/slides/slide6.xml><?xml version="1.0" encoding="utf-8"?>
+<p:sld xmlns:a="http://schemas.openxmlformats.org/drawingml/2006/main" xmlns:r="http://schemas.openxmlformats.org/officeDocument/2006/relationships" xmlns:p="http://schemas.openxmlformats.org/presentationml/2006/main">
+  <p:cSld>
+    <p:spTree>
+      <p:nvGrpSpPr>
+        <p:cNvPr id="1" name=""/>
+        <p:cNvGrpSpPr/>
+        <p:nvPr/>
+      </p:nvGrpSpPr>
+      <p:grpSpPr>
+        <a:xfrm>
+          <a:off x="0" y="0"/>
+          <a:ext cx="0" cy="0"/>
+          <a:chOff x="0" y="0"/>
+          <a:chExt cx="0" cy="0"/>
+        </a:xfrm>
+      </p:grpSpPr>
+      <p:sp>
+        <p:nvSpPr>
+          <p:cNvPr id="6" name="Segnaposto data 5"/>
+          <p:cNvSpPr>
+            <a:spLocks noGrp="1"/>
+          </p:cNvSpPr>
+          <p:nvPr>
+            <p:ph type="dt" sz="half" idx="10"/>
+          </p:nvPr>
+        </p:nvSpPr>
+        <p:spPr/>
+        <p:txBody>
+          <a:bodyPr/>
+          <a:lstStyle/>
+          <a:p>
+            <a:r>
+              <a:rPr lang="it-IT" smtClean="0"/>
+              <a:t>Anno accademico 2007/2008</a:t>
+            </a:r>
+            <a:endParaRPr lang="it-IT" dirty="0"/>
+          </a:p>
+        </p:txBody>
+      </p:sp>
+      <p:sp>
+        <p:nvSpPr>
+          <p:cNvPr id="7" name="Segnaposto numero diapositiva 6"/>
+          <p:cNvSpPr>
+            <a:spLocks noGrp="1"/>
+          </p:cNvSpPr>
+          <p:nvPr>
+            <p:ph type="sldNum" sz="quarter" idx="12"/>
+          </p:nvPr>
+        </p:nvSpPr>
+        <p:spPr/>
+        <p:txBody>
+          <a:bodyPr/>
+          <a:lstStyle/>
+          <a:p>
+            <a:fld id="{BB9EEBAB-65FC-4513-B19A-4B06FD56D3C9}" type="slidenum">
+              <a:rPr lang="it-IT" smtClean="0"/>
+              <a:pPr/>
+              <a:t>6</a:t>
+            </a:fld>
+            <a:endParaRPr lang="it-IT" dirty="0"/>
+          </a:p>
+        </p:txBody>
+      </p:sp>
+      <p:sp>
+        <p:nvSpPr>
+          <p:cNvPr id="8" name="Segnaposto piè di pagina 7"/>
+          <p:cNvSpPr>
+            <a:spLocks noGrp="1"/>
+          </p:cNvSpPr>
+          <p:nvPr>
+            <p:ph type="ftr" sz="quarter" idx="11"/>
+          </p:nvPr>
+        </p:nvSpPr>
+        <p:spPr/>
+        <p:txBody>
+          <a:bodyPr/>
+          <a:lstStyle/>
+          <a:p>
+            <a:r>
+              <a:rPr lang="it-IT" smtClean="0"/>
+              <a:t>Università degli studi di Roma Tre</a:t>
+            </a:r>
+            <a:endParaRPr lang="it-IT" dirty="0"/>
+          </a:p>
+        </p:txBody>
+      </p:sp>
+      <p:sp>
+        <p:nvSpPr>
+          <p:cNvPr id="9" name="Titolo 3"/>
+          <p:cNvSpPr>
+            <a:spLocks noGrp="1"/>
+          </p:cNvSpPr>
+          <p:nvPr>
+            <p:ph type="ctrTitle"/>
+          </p:nvPr>
+        </p:nvSpPr>
+        <p:spPr>
+          <a:xfrm>
+            <a:off x="2643174" y="0"/>
+            <a:ext cx="6500826" cy="571480"/>
+          </a:xfrm>
+        </p:spPr>
+        <p:txBody>
+          <a:bodyPr>
+            <a:noAutofit/>
+          </a:bodyPr>
+          <a:lstStyle/>
+          <a:p>
+            <a:pPr lvl="1"/>
+            <a:r>
+              <a:rPr lang="en-US" sz="2800" dirty="0" err="1" smtClean="0"/>
+              <a:t>Ambienti</a:t>
+            </a:r>
+            <a:r>
+              <a:rPr lang="en-US" sz="2800" dirty="0" smtClean="0"/>
+              <a:t> </a:t>
+            </a:r>
+            <a:r>
+              <a:rPr lang="en-US" sz="2800" dirty="0" err="1" smtClean="0"/>
+              <a:t>di</a:t>
+            </a:r>
+            <a:r>
+              <a:rPr lang="en-US" sz="2800" dirty="0" smtClean="0"/>
+              <a:t> </a:t>
+            </a:r>
+            <a:r>
+              <a:rPr lang="en-US" sz="2800" dirty="0" err="1" smtClean="0"/>
+              <a:t>configurazione</a:t>
+            </a:r>
+            <a:endParaRPr lang="en-US" sz="2800" dirty="0" smtClean="0"/>
+          </a:p>
+        </p:txBody>
+      </p:sp>
+      <p:sp>
+        <p:nvSpPr>
+          <p:cNvPr id="11" name="CasellaDiTesto 10"/>
+          <p:cNvSpPr txBox="1"/>
+          <p:nvPr/>
+        </p:nvSpPr>
+        <p:spPr>
+          <a:xfrm>
+            <a:off x="255306" y="857232"/>
+            <a:ext cx="8633389" cy="3323987"/>
+          </a:xfrm>
+          <a:prstGeom prst="rect">
+            <a:avLst/>
+          </a:prstGeom>
+          <a:noFill/>
+        </p:spPr>
+        <p:txBody>
+          <a:bodyPr wrap="square" rtlCol="0">
+            <a:spAutoFit/>
+          </a:bodyPr>
+          <a:lstStyle/>
+          <a:p>
+            <a:pPr>
+              <a:lnSpc>
+                <a:spcPct val="150000"/>
+              </a:lnSpc>
+              <a:buFont typeface="Wingdings" pitchFamily="2" charset="2"/>
+              <a:buChar char="Ø"/>
+            </a:pPr>
+            <a:r>
+              <a:rPr lang="en-US" sz="2800" dirty="0" err="1" smtClean="0"/>
+              <a:t>Assistono</a:t>
+            </a:r>
+            <a:r>
+              <a:rPr lang="en-US" sz="2800" dirty="0" smtClean="0"/>
+              <a:t> </a:t>
+            </a:r>
+            <a:r>
+              <a:rPr lang="en-US" sz="2800" dirty="0" err="1" smtClean="0"/>
+              <a:t>l’utente</a:t>
+            </a:r>
+            <a:r>
+              <a:rPr lang="en-US" sz="2800" dirty="0" smtClean="0"/>
+              <a:t> </a:t>
+            </a:r>
+            <a:r>
+              <a:rPr lang="en-US" sz="2800" dirty="0" err="1" smtClean="0"/>
+              <a:t>durante</a:t>
+            </a:r>
+            <a:r>
+              <a:rPr lang="en-US" sz="2800" dirty="0" smtClean="0"/>
+              <a:t> la </a:t>
+            </a:r>
+            <a:r>
+              <a:rPr lang="en-US" sz="2800" dirty="0" err="1" smtClean="0"/>
+              <a:t>creazione</a:t>
+            </a:r>
+            <a:r>
+              <a:rPr lang="en-US" sz="2800" dirty="0" smtClean="0"/>
+              <a:t> </a:t>
+            </a:r>
+            <a:r>
+              <a:rPr lang="en-US" sz="2800" dirty="0" err="1" smtClean="0"/>
+              <a:t>di</a:t>
+            </a:r>
+            <a:r>
+              <a:rPr lang="en-US" sz="2800" dirty="0" smtClean="0"/>
+              <a:t> un </a:t>
+            </a:r>
+            <a:r>
+              <a:rPr lang="en-US" sz="2800" dirty="0" err="1" smtClean="0"/>
+              <a:t>laboratorio</a:t>
+            </a:r>
+            <a:endParaRPr lang="en-US" sz="2800" dirty="0" smtClean="0"/>
+          </a:p>
+          <a:p>
+            <a:pPr>
+              <a:lnSpc>
+                <a:spcPct val="150000"/>
+              </a:lnSpc>
+              <a:buFont typeface="Wingdings" pitchFamily="2" charset="2"/>
+              <a:buChar char="Ø"/>
+            </a:pPr>
+            <a:r>
+              <a:rPr lang="en-US" sz="2800" dirty="0" err="1" smtClean="0"/>
+              <a:t>Forniscono</a:t>
+            </a:r>
+            <a:r>
+              <a:rPr lang="en-US" sz="2800" dirty="0" smtClean="0"/>
+              <a:t> </a:t>
+            </a:r>
+            <a:r>
+              <a:rPr lang="en-US" sz="2800" dirty="0" err="1" smtClean="0"/>
+              <a:t>un’interfaccia</a:t>
+            </a:r>
+            <a:r>
+              <a:rPr lang="en-US" sz="2800" dirty="0" smtClean="0"/>
+              <a:t> </a:t>
+            </a:r>
+            <a:r>
+              <a:rPr lang="en-US" sz="2800" dirty="0" err="1" smtClean="0"/>
+              <a:t>grafica</a:t>
+            </a:r>
+            <a:r>
+              <a:rPr lang="en-US" sz="2800" dirty="0" smtClean="0"/>
+              <a:t> </a:t>
+            </a:r>
+            <a:r>
+              <a:rPr lang="en-US" sz="2800" dirty="0" err="1" smtClean="0"/>
+              <a:t>intuitiva</a:t>
+            </a:r>
+            <a:endParaRPr lang="en-US" sz="2800" dirty="0" smtClean="0"/>
+          </a:p>
+          <a:p>
+            <a:pPr>
+              <a:lnSpc>
+                <a:spcPct val="150000"/>
+              </a:lnSpc>
+              <a:buFont typeface="Wingdings" pitchFamily="2" charset="2"/>
+              <a:buChar char="Ø"/>
+            </a:pPr>
+            <a:r>
+              <a:rPr lang="en-US" sz="2800" dirty="0" err="1" smtClean="0"/>
+              <a:t>L’utente</a:t>
+            </a:r>
+            <a:r>
+              <a:rPr lang="en-US" sz="2800" dirty="0" smtClean="0"/>
+              <a:t> ha un feedback </a:t>
+            </a:r>
+            <a:r>
+              <a:rPr lang="en-US" sz="2800" dirty="0" err="1" smtClean="0"/>
+              <a:t>visivo</a:t>
+            </a:r>
+            <a:endParaRPr lang="en-US" sz="2800" dirty="0" smtClean="0"/>
+          </a:p>
+          <a:p>
+            <a:pPr>
+              <a:lnSpc>
+                <a:spcPct val="150000"/>
+              </a:lnSpc>
+              <a:buFont typeface="Wingdings" pitchFamily="2" charset="2"/>
+              <a:buChar char="Ø"/>
+            </a:pPr>
+            <a:r>
+              <a:rPr lang="en-US" sz="2800" dirty="0" err="1" smtClean="0"/>
+              <a:t>Modifiche</a:t>
+            </a:r>
+            <a:r>
+              <a:rPr lang="en-US" sz="2800" dirty="0" smtClean="0"/>
+              <a:t> </a:t>
+            </a:r>
+            <a:r>
+              <a:rPr lang="en-US" sz="2800" dirty="0" err="1" smtClean="0"/>
+              <a:t>alla</a:t>
+            </a:r>
+            <a:r>
+              <a:rPr lang="en-US" sz="2800" dirty="0" smtClean="0"/>
+              <a:t> </a:t>
+            </a:r>
+            <a:r>
+              <a:rPr lang="en-US" sz="2800" dirty="0" err="1" smtClean="0"/>
+              <a:t>topologia</a:t>
+            </a:r>
+            <a:r>
+              <a:rPr lang="en-US" sz="2800" dirty="0" smtClean="0"/>
+              <a:t> </a:t>
+            </a:r>
+            <a:r>
+              <a:rPr lang="en-US" sz="2800" dirty="0" err="1" smtClean="0"/>
+              <a:t>di</a:t>
+            </a:r>
+            <a:r>
+              <a:rPr lang="en-US" sz="2800" dirty="0" smtClean="0"/>
+              <a:t> </a:t>
+            </a:r>
+            <a:r>
+              <a:rPr lang="en-US" sz="2800" dirty="0" err="1" smtClean="0"/>
+              <a:t>rete</a:t>
+            </a:r>
+            <a:r>
+              <a:rPr lang="en-US" sz="2800" dirty="0" smtClean="0"/>
+              <a:t> </a:t>
+            </a:r>
+            <a:r>
+              <a:rPr lang="en-US" sz="2800" dirty="0" err="1" smtClean="0"/>
+              <a:t>rapide</a:t>
+            </a:r>
+            <a:endParaRPr lang="en-US" sz="2800" dirty="0" smtClean="0"/>
+          </a:p>
+          <a:p>
+            <a:pPr>
+              <a:lnSpc>
+                <a:spcPct val="150000"/>
+              </a:lnSpc>
+              <a:buFont typeface="Wingdings" pitchFamily="2" charset="2"/>
+              <a:buChar char="Ø"/>
+            </a:pPr>
+            <a:endParaRPr lang="it-IT" sz="2800" dirty="0"/>
+          </a:p>
+        </p:txBody>
+      </p:sp>
+    </p:spTree>
+  </p:cSld>
+  <p:clrMapOvr>
+    <a:masterClrMapping/>
+  </p:clrMapOvr>
+  <p:transition>
+    <p:fade/>
+  </p:transition>
+  <p:timing>
+    <p:tnLst>
+      <p:par>
+        <p:cTn id="1" dur="indefinite" restart="never" nodeType="tmRoot"/>
+      </p:par>
+    </p:tnLst>
+  </p:timing>
+</p:sld>
+</file>
+
+<file path=ppt/slides/slide7.xml><?xml version="1.0" encoding="utf-8"?>
+<p:sld xmlns:a="http://schemas.openxmlformats.org/drawingml/2006/main" xmlns:r="http://schemas.openxmlformats.org/officeDocument/2006/relationships" xmlns:p="http://schemas.openxmlformats.org/presentationml/2006/main">
+  <p:cSld>
+    <p:spTree>
+      <p:nvGrpSpPr>
+        <p:cNvPr id="1" name=""/>
+        <p:cNvGrpSpPr/>
+        <p:nvPr/>
+      </p:nvGrpSpPr>
+      <p:grpSpPr>
+        <a:xfrm>
+          <a:off x="0" y="0"/>
+          <a:ext cx="0" cy="0"/>
+          <a:chOff x="0" y="0"/>
+          <a:chExt cx="0" cy="0"/>
+        </a:xfrm>
+      </p:grpSpPr>
+      <p:sp>
+        <p:nvSpPr>
+          <p:cNvPr id="6" name="Segnaposto data 5"/>
+          <p:cNvSpPr>
+            <a:spLocks noGrp="1"/>
+          </p:cNvSpPr>
+          <p:nvPr>
+            <p:ph type="dt" sz="half" idx="10"/>
+          </p:nvPr>
+        </p:nvSpPr>
+        <p:spPr/>
+        <p:txBody>
+          <a:bodyPr/>
+          <a:lstStyle/>
+          <a:p>
+            <a:r>
+              <a:rPr lang="it-IT" smtClean="0"/>
+              <a:t>Anno accademico 2007/2008</a:t>
+            </a:r>
+            <a:endParaRPr lang="it-IT" dirty="0"/>
+          </a:p>
+        </p:txBody>
+      </p:sp>
+      <p:sp>
+        <p:nvSpPr>
+          <p:cNvPr id="7" name="Segnaposto numero diapositiva 6"/>
+          <p:cNvSpPr>
+            <a:spLocks noGrp="1"/>
+          </p:cNvSpPr>
+          <p:nvPr>
+            <p:ph type="sldNum" sz="quarter" idx="12"/>
+          </p:nvPr>
+        </p:nvSpPr>
+        <p:spPr/>
+        <p:txBody>
+          <a:bodyPr/>
+          <a:lstStyle/>
+          <a:p>
+            <a:fld id="{BB9EEBAB-65FC-4513-B19A-4B06FD56D3C9}" type="slidenum">
+              <a:rPr lang="it-IT" smtClean="0"/>
+              <a:pPr/>
+              <a:t>7</a:t>
+            </a:fld>
+            <a:endParaRPr lang="it-IT" dirty="0"/>
+          </a:p>
+        </p:txBody>
+      </p:sp>
+      <p:sp>
+        <p:nvSpPr>
+          <p:cNvPr id="8" name="Segnaposto piè di pagina 7"/>
+          <p:cNvSpPr>
+            <a:spLocks noGrp="1"/>
+          </p:cNvSpPr>
+          <p:nvPr>
+            <p:ph type="ftr" sz="quarter" idx="11"/>
+          </p:nvPr>
+        </p:nvSpPr>
+        <p:spPr/>
+        <p:txBody>
+          <a:bodyPr/>
+          <a:lstStyle/>
+          <a:p>
+            <a:r>
+              <a:rPr lang="it-IT" smtClean="0"/>
+              <a:t>Università degli studi di Roma Tre</a:t>
+            </a:r>
+            <a:endParaRPr lang="it-IT" dirty="0"/>
+          </a:p>
+        </p:txBody>
+      </p:sp>
+      <p:sp>
+        <p:nvSpPr>
+          <p:cNvPr id="9" name="Titolo 3"/>
+          <p:cNvSpPr>
+            <a:spLocks noGrp="1"/>
+          </p:cNvSpPr>
+          <p:nvPr>
+            <p:ph type="ctrTitle"/>
+          </p:nvPr>
+        </p:nvSpPr>
+        <p:spPr>
+          <a:xfrm>
+            <a:off x="2321671" y="0"/>
+            <a:ext cx="6822329" cy="742954"/>
+          </a:xfrm>
+        </p:spPr>
+        <p:txBody>
+          <a:bodyPr>
+            <a:noAutofit/>
+          </a:bodyPr>
+          <a:lstStyle/>
+          <a:p>
+            <a:endParaRPr lang="it-IT" sz="3600" dirty="0"/>
+          </a:p>
+        </p:txBody>
+      </p:sp>
+      <p:graphicFrame>
+        <p:nvGraphicFramePr>
+          <p:cNvPr id="10" name="Diagramma 9"/>
+          <p:cNvGraphicFramePr/>
+          <p:nvPr/>
+        </p:nvGraphicFramePr>
+        <p:xfrm>
+          <a:off x="1524000" y="1397000"/>
+          <a:ext cx="6096000" cy="4460892"/>
+        </p:xfrm>
+        <a:graphic>
+          <a:graphicData uri="http://schemas.openxmlformats.org/drawingml/2006/diagram">
+            <dgm:relIds xmlns:dgm="http://schemas.openxmlformats.org/drawingml/2006/diagram" xmlns:r="http://schemas.openxmlformats.org/officeDocument/2006/relationships" r:dm="rId2" r:lo="rId3" r:qs="rId4" r:cs="rId5"/>
+          </a:graphicData>
+        </a:graphic>
+      </p:graphicFrame>
+    </p:spTree>
+  </p:cSld>
+  <p:clrMapOvr>
+    <a:masterClrMapping/>
+  </p:clrMapOvr>
+  <p:transition>
+    <p:fade/>
+  </p:transition>
+  <p:timing>
+    <p:tnLst>
+      <p:par>
+        <p:cTn id="1" dur="indefinite" restart="never" nodeType="tmRoot"/>
+      </p:par>
+    </p:tnLst>
+  </p:timing>
+</p:sld>
+</file>
+
+<file path=ppt/slides/slide8.xml><?xml version="1.0" encoding="utf-8"?>
+<p:sld xmlns:a="http://schemas.openxmlformats.org/drawingml/2006/main" xmlns:r="http://schemas.openxmlformats.org/officeDocument/2006/relationships" xmlns:p="http://schemas.openxmlformats.org/presentationml/2006/main">
+  <p:cSld>
+    <p:spTree>
+      <p:nvGrpSpPr>
+        <p:cNvPr id="1" name=""/>
+        <p:cNvGrpSpPr/>
+        <p:nvPr/>
+      </p:nvGrpSpPr>
+      <p:grpSpPr>
+        <a:xfrm>
+          <a:off x="0" y="0"/>
+          <a:ext cx="0" cy="0"/>
+          <a:chOff x="0" y="0"/>
+          <a:chExt cx="0" cy="0"/>
+        </a:xfrm>
+      </p:grpSpPr>
+      <p:sp>
+        <p:nvSpPr>
+          <p:cNvPr id="6" name="Segnaposto data 5"/>
+          <p:cNvSpPr>
+            <a:spLocks noGrp="1"/>
+          </p:cNvSpPr>
+          <p:nvPr>
+            <p:ph type="dt" sz="half" idx="10"/>
+          </p:nvPr>
+        </p:nvSpPr>
+        <p:spPr/>
+        <p:txBody>
+          <a:bodyPr/>
+          <a:lstStyle/>
+          <a:p>
+            <a:r>
+              <a:rPr lang="it-IT" smtClean="0"/>
+              <a:t>Anno accademico 2007/2008</a:t>
+            </a:r>
+            <a:endParaRPr lang="it-IT" dirty="0"/>
+          </a:p>
+        </p:txBody>
+      </p:sp>
+      <p:sp>
+        <p:nvSpPr>
+          <p:cNvPr id="7" name="Segnaposto numero diapositiva 6"/>
+          <p:cNvSpPr>
+            <a:spLocks noGrp="1"/>
+          </p:cNvSpPr>
+          <p:nvPr>
+            <p:ph type="sldNum" sz="quarter" idx="12"/>
+          </p:nvPr>
+        </p:nvSpPr>
+        <p:spPr/>
+        <p:txBody>
+          <a:bodyPr/>
+          <a:lstStyle/>
+          <a:p>
+            <a:fld id="{BB9EEBAB-65FC-4513-B19A-4B06FD56D3C9}" type="slidenum">
+              <a:rPr lang="it-IT" smtClean="0"/>
+              <a:pPr/>
+              <a:t>8</a:t>
+            </a:fld>
+            <a:endParaRPr lang="it-IT" dirty="0"/>
+          </a:p>
+        </p:txBody>
+      </p:sp>
+      <p:sp>
+        <p:nvSpPr>
+          <p:cNvPr id="8" name="Segnaposto piè di pagina 7"/>
+          <p:cNvSpPr>
+            <a:spLocks noGrp="1"/>
+          </p:cNvSpPr>
+          <p:nvPr>
+            <p:ph type="ftr" sz="quarter" idx="11"/>
+          </p:nvPr>
+        </p:nvSpPr>
+        <p:spPr/>
+        <p:txBody>
+          <a:bodyPr/>
+          <a:lstStyle/>
+          <a:p>
+            <a:r>
+              <a:rPr lang="it-IT" smtClean="0"/>
+              <a:t>Università degli studi di Roma Tre</a:t>
+            </a:r>
+            <a:endParaRPr lang="it-IT" dirty="0"/>
+          </a:p>
+        </p:txBody>
+      </p:sp>
+      <p:sp>
+        <p:nvSpPr>
+          <p:cNvPr id="9" name="Titolo 3"/>
+          <p:cNvSpPr>
+            <a:spLocks noGrp="1"/>
+          </p:cNvSpPr>
+          <p:nvPr>
+            <p:ph type="ctrTitle"/>
+          </p:nvPr>
+        </p:nvSpPr>
+        <p:spPr>
+          <a:xfrm>
+            <a:off x="2321671" y="0"/>
+            <a:ext cx="6822329" cy="742954"/>
+          </a:xfrm>
+        </p:spPr>
+        <p:txBody>
+          <a:bodyPr>
+            <a:noAutofit/>
+          </a:bodyPr>
+          <a:lstStyle/>
+          <a:p>
+            <a:endParaRPr lang="it-IT" sz="3600" dirty="0"/>
+          </a:p>
+        </p:txBody>
+      </p:sp>
+    </p:spTree>
+  </p:cSld>
+  <p:clrMapOvr>
+    <a:masterClrMapping/>
+  </p:clrMapOvr>
+  <p:transition>
+    <p:fade/>
+  </p:transition>
+  <p:timing>
+    <p:tnLst>
+      <p:par>
+        <p:cTn id="1" dur="indefinite" restart="never" nodeType="tmRoot"/>
+      </p:par>
+    </p:tnLst>
+  </p:timing>
+</p:sld>
+</file>
+
+<file path=ppt/slides/slide9.xml><?xml version="1.0" encoding="utf-8"?>
+<p:sld xmlns:a="http://schemas.openxmlformats.org/drawingml/2006/main" xmlns:r="http://schemas.openxmlformats.org/officeDocument/2006/relationships" xmlns:p="http://schemas.openxmlformats.org/presentationml/2006/main">
+  <p:cSld>
+    <p:spTree>
+      <p:nvGrpSpPr>
+        <p:cNvPr id="1" name=""/>
+        <p:cNvGrpSpPr/>
+        <p:nvPr/>
+      </p:nvGrpSpPr>
+      <p:grpSpPr>
+        <a:xfrm>
+          <a:off x="0" y="0"/>
+          <a:ext cx="0" cy="0"/>
+          <a:chOff x="0" y="0"/>
+          <a:chExt cx="0" cy="0"/>
+        </a:xfrm>
+      </p:grpSpPr>
+      <p:sp>
+        <p:nvSpPr>
+          <p:cNvPr id="6" name="Segnaposto data 5"/>
+          <p:cNvSpPr>
+            <a:spLocks noGrp="1"/>
+          </p:cNvSpPr>
+          <p:nvPr>
+            <p:ph type="dt" sz="half" idx="10"/>
+          </p:nvPr>
+        </p:nvSpPr>
+        <p:spPr/>
+        <p:txBody>
+          <a:bodyPr/>
+          <a:lstStyle/>
+          <a:p>
+            <a:r>
+              <a:rPr lang="it-IT" smtClean="0"/>
+              <a:t>Anno accademico 2007/2008</a:t>
+            </a:r>
+            <a:endParaRPr lang="it-IT" dirty="0"/>
+          </a:p>
+        </p:txBody>
+      </p:sp>
+      <p:sp>
+        <p:nvSpPr>
+          <p:cNvPr id="7" name="Segnaposto numero diapositiva 6"/>
+          <p:cNvSpPr>
+            <a:spLocks noGrp="1"/>
+          </p:cNvSpPr>
+          <p:nvPr>
+            <p:ph type="sldNum" sz="quarter" idx="12"/>
+          </p:nvPr>
+        </p:nvSpPr>
+        <p:spPr/>
+        <p:txBody>
+          <a:bodyPr/>
+          <a:lstStyle/>
+          <a:p>
+            <a:fld id="{BB9EEBAB-65FC-4513-B19A-4B06FD56D3C9}" type="slidenum">
+              <a:rPr lang="it-IT" smtClean="0"/>
+              <a:pPr/>
+              <a:t>9</a:t>
+            </a:fld>
+            <a:endParaRPr lang="it-IT" dirty="0"/>
+          </a:p>
+        </p:txBody>
+      </p:sp>
+      <p:sp>
+        <p:nvSpPr>
+          <p:cNvPr id="8" name="Segnaposto piè di pagina 7"/>
+          <p:cNvSpPr>
+            <a:spLocks noGrp="1"/>
+          </p:cNvSpPr>
+          <p:nvPr>
+            <p:ph type="ftr" sz="quarter" idx="11"/>
+          </p:nvPr>
+        </p:nvSpPr>
+        <p:spPr/>
+        <p:txBody>
+          <a:bodyPr/>
+          <a:lstStyle/>
+          <a:p>
+            <a:r>
+              <a:rPr lang="it-IT" smtClean="0"/>
+              <a:t>Università degli studi di Roma Tre</a:t>
+            </a:r>
+            <a:endParaRPr lang="it-IT" dirty="0"/>
+          </a:p>
+        </p:txBody>
+      </p:sp>
+      <p:sp>
+        <p:nvSpPr>
+          <p:cNvPr id="9" name="Titolo 3"/>
+          <p:cNvSpPr>
+            <a:spLocks noGrp="1"/>
+          </p:cNvSpPr>
+          <p:nvPr>
+            <p:ph type="ctrTitle"/>
+          </p:nvPr>
+        </p:nvSpPr>
+        <p:spPr>
+          <a:xfrm>
+            <a:off x="2321671" y="0"/>
+            <a:ext cx="6822329" cy="742954"/>
+          </a:xfrm>
+        </p:spPr>
+        <p:txBody>
+          <a:bodyPr>
+            <a:noAutofit/>
+          </a:bodyPr>
+          <a:lstStyle/>
+          <a:p>
+            <a:endParaRPr lang="it-IT" sz="3600" dirty="0"/>
+          </a:p>
+        </p:txBody>
+      </p:sp>
+    </p:spTree>
+  </p:cSld>
+  <p:clrMapOvr>
+    <a:masterClrMapping/>
+  </p:clrMapOvr>
+  <p:transition>
+    <p:fade/>
+  </p:transition>
+  <p:timing>
+    <p:tnLst>
+      <p:par>
+        <p:cTn id="1" dur="indefinite" restart="never" nodeType="tmRoot"/>
+      </p:par>
+    </p:tnLst>
   </p:timing>
 </p:sld>
 </file>

--- a/thesis_adf/presentazione_tesi/presentazione.pptx
+++ b/thesis_adf/presentazione_tesi/presentazione.pptx
@@ -924,6 +924,42 @@
         <a:bodyPr/>
         <a:lstStyle/>
         <a:p>
+          <a:r>
+            <a:rPr lang="en-US" dirty="0" err="1" smtClean="0"/>
+            <a:t>Nessun</a:t>
+          </a:r>
+          <a:r>
+            <a:rPr lang="en-US" dirty="0" smtClean="0"/>
+            <a:t> </a:t>
+          </a:r>
+          <a:r>
+            <a:rPr lang="en-US" dirty="0" err="1" smtClean="0"/>
+            <a:t>supporto</a:t>
+          </a:r>
+          <a:r>
+            <a:rPr lang="en-US" dirty="0" smtClean="0"/>
+            <a:t> </a:t>
+          </a:r>
+          <a:r>
+            <a:rPr lang="en-US" dirty="0" err="1" smtClean="0"/>
+            <a:t>alle</a:t>
+          </a:r>
+          <a:r>
+            <a:rPr lang="en-US" dirty="0" smtClean="0"/>
+            <a:t> </a:t>
+          </a:r>
+          <a:r>
+            <a:rPr lang="en-US" dirty="0" err="1" smtClean="0"/>
+            <a:t>configurazioni</a:t>
+          </a:r>
+          <a:r>
+            <a:rPr lang="en-US" dirty="0" smtClean="0"/>
+            <a:t> </a:t>
+          </a:r>
+          <a:r>
+            <a:rPr lang="en-US" dirty="0" err="1" smtClean="0"/>
+            <a:t>avanzate</a:t>
+          </a:r>
           <a:endParaRPr lang="it-IT" dirty="0"/>
         </a:p>
       </dgm:t>
@@ -988,12 +1024,48 @@
       </dgm:t>
     </dgm:pt>
     <dgm:pt modelId="{AF6C5FEC-B06D-47E2-8FDA-7DEAC90858E5}">
-      <dgm:prSet phldrT="[Testo]" phldr="1"/>
+      <dgm:prSet phldrT="[Testo]"/>
       <dgm:spPr/>
       <dgm:t>
         <a:bodyPr/>
         <a:lstStyle/>
         <a:p>
+          <a:r>
+            <a:rPr lang="en-US" dirty="0" err="1" smtClean="0"/>
+            <a:t>Nessun</a:t>
+          </a:r>
+          <a:r>
+            <a:rPr lang="en-US" dirty="0" smtClean="0"/>
+            <a:t> </a:t>
+          </a:r>
+          <a:r>
+            <a:rPr lang="en-US" dirty="0" err="1" smtClean="0"/>
+            <a:t>supporto</a:t>
+          </a:r>
+          <a:r>
+            <a:rPr lang="en-US" dirty="0" smtClean="0"/>
+            <a:t> </a:t>
+          </a:r>
+          <a:r>
+            <a:rPr lang="en-US" dirty="0" err="1" smtClean="0"/>
+            <a:t>alle</a:t>
+          </a:r>
+          <a:r>
+            <a:rPr lang="en-US" dirty="0" smtClean="0"/>
+            <a:t> </a:t>
+          </a:r>
+          <a:r>
+            <a:rPr lang="en-US" dirty="0" err="1" smtClean="0"/>
+            <a:t>configurazioni</a:t>
+          </a:r>
+          <a:r>
+            <a:rPr lang="en-US" dirty="0" smtClean="0"/>
+            <a:t> </a:t>
+          </a:r>
+          <a:r>
+            <a:rPr lang="en-US" dirty="0" err="1" smtClean="0"/>
+            <a:t>avanzate</a:t>
+          </a:r>
           <a:endParaRPr lang="it-IT" dirty="0"/>
         </a:p>
       </dgm:t>
@@ -1020,39 +1092,6 @@
         </a:p>
       </dgm:t>
     </dgm:pt>
-    <dgm:pt modelId="{2BD7B090-D898-4E65-9E50-1009FC591733}">
-      <dgm:prSet phldrT="[Testo]" phldr="1"/>
-      <dgm:spPr/>
-      <dgm:t>
-        <a:bodyPr/>
-        <a:lstStyle/>
-        <a:p>
-          <a:endParaRPr lang="it-IT" dirty="0"/>
-        </a:p>
-      </dgm:t>
-    </dgm:pt>
-    <dgm:pt modelId="{233E02C5-2B04-4FD8-8CA1-B56FF9259BC2}" type="parTrans" cxnId="{EF9C0B9D-45B2-4E1D-8DA7-6402EA473527}">
-      <dgm:prSet/>
-      <dgm:spPr/>
-      <dgm:t>
-        <a:bodyPr/>
-        <a:lstStyle/>
-        <a:p>
-          <a:endParaRPr lang="it-IT"/>
-        </a:p>
-      </dgm:t>
-    </dgm:pt>
-    <dgm:pt modelId="{983D3244-10E0-4901-910E-F4D9B80B0F42}" type="sibTrans" cxnId="{EF9C0B9D-45B2-4E1D-8DA7-6402EA473527}">
-      <dgm:prSet/>
-      <dgm:spPr/>
-      <dgm:t>
-        <a:bodyPr/>
-        <a:lstStyle/>
-        <a:p>
-          <a:endParaRPr lang="it-IT"/>
-        </a:p>
-      </dgm:t>
-    </dgm:pt>
     <dgm:pt modelId="{97831BA3-5392-4C40-9746-6020D803C42A}">
       <dgm:prSet phldrT="[Testo]"/>
       <dgm:spPr/>
@@ -1062,7 +1101,7 @@
         <a:p>
           <a:r>
             <a:rPr lang="en-US" dirty="0" err="1" smtClean="0"/>
-            <a:t>VnUML</a:t>
+            <a:t>VnUmlGUI</a:t>
           </a:r>
           <a:endParaRPr lang="it-IT" dirty="0"/>
         </a:p>
@@ -1091,12 +1130,72 @@
       </dgm:t>
     </dgm:pt>
     <dgm:pt modelId="{BF95EC57-5936-4974-A783-8279AA2DE17D}">
-      <dgm:prSet phldrT="[Testo]" phldr="1"/>
+      <dgm:prSet phldrT="[Testo]"/>
       <dgm:spPr/>
       <dgm:t>
         <a:bodyPr/>
         <a:lstStyle/>
         <a:p>
+          <a:r>
+            <a:rPr lang="en-US" dirty="0" err="1" smtClean="0"/>
+            <a:t>Semplice</a:t>
+          </a:r>
+          <a:r>
+            <a:rPr lang="en-US" dirty="0" smtClean="0"/>
+            <a:t> </a:t>
+          </a:r>
+          <a:r>
+            <a:rPr lang="en-US" dirty="0" err="1" smtClean="0"/>
+            <a:t>strumento</a:t>
+          </a:r>
+          <a:r>
+            <a:rPr lang="en-US" dirty="0" smtClean="0"/>
+            <a:t> per la </a:t>
+          </a:r>
+          <a:r>
+            <a:rPr lang="en-US" dirty="0" err="1" smtClean="0"/>
+            <a:t>creazione</a:t>
+          </a:r>
+          <a:r>
+            <a:rPr lang="en-US" dirty="0" smtClean="0"/>
+            <a:t> </a:t>
+          </a:r>
+          <a:r>
+            <a:rPr lang="en-US" dirty="0" err="1" smtClean="0"/>
+            <a:t>assistita</a:t>
+          </a:r>
+          <a:r>
+            <a:rPr lang="en-US" dirty="0" smtClean="0"/>
+            <a:t> </a:t>
+          </a:r>
+          <a:r>
+            <a:rPr lang="en-US" dirty="0" err="1" smtClean="0"/>
+            <a:t>della</a:t>
+          </a:r>
+          <a:r>
+            <a:rPr lang="en-US" dirty="0" smtClean="0"/>
+            <a:t> </a:t>
+          </a:r>
+          <a:r>
+            <a:rPr lang="en-US" dirty="0" err="1" smtClean="0"/>
+            <a:t>topologia</a:t>
+          </a:r>
+          <a:r>
+            <a:rPr lang="en-US" dirty="0" smtClean="0"/>
+            <a:t> </a:t>
+          </a:r>
+          <a:r>
+            <a:rPr lang="en-US" dirty="0" err="1" smtClean="0"/>
+            <a:t>di</a:t>
+          </a:r>
+          <a:r>
+            <a:rPr lang="en-US" dirty="0" smtClean="0"/>
+            <a:t> </a:t>
+          </a:r>
+          <a:r>
+            <a:rPr lang="en-US" dirty="0" err="1" smtClean="0"/>
+            <a:t>rete</a:t>
+          </a:r>
           <a:endParaRPr lang="it-IT" dirty="0"/>
         </a:p>
       </dgm:t>
@@ -1123,41 +1222,23 @@
         </a:p>
       </dgm:t>
     </dgm:pt>
-    <dgm:pt modelId="{61E8DC94-93CC-4EF5-890F-DC9F41836F92}">
-      <dgm:prSet phldrT="[Testo]" phldr="1"/>
-      <dgm:spPr/>
-      <dgm:t>
-        <a:bodyPr/>
-        <a:lstStyle/>
-        <a:p>
-          <a:endParaRPr lang="it-IT" dirty="0"/>
-        </a:p>
-      </dgm:t>
-    </dgm:pt>
-    <dgm:pt modelId="{F79AC635-C281-40F1-8832-20978D84E1F7}" type="parTrans" cxnId="{03B80E62-2126-4CB8-8FEE-594FD95CB979}">
-      <dgm:prSet/>
-      <dgm:spPr/>
-      <dgm:t>
-        <a:bodyPr/>
-        <a:lstStyle/>
-        <a:p>
-          <a:endParaRPr lang="it-IT"/>
-        </a:p>
-      </dgm:t>
-    </dgm:pt>
-    <dgm:pt modelId="{6BD9B842-A648-45BF-958A-8C811AF7F73B}" type="sibTrans" cxnId="{03B80E62-2126-4CB8-8FEE-594FD95CB979}">
-      <dgm:prSet/>
-      <dgm:spPr/>
-      <dgm:t>
-        <a:bodyPr/>
-        <a:lstStyle/>
-        <a:p>
-          <a:endParaRPr lang="it-IT"/>
-        </a:p>
-      </dgm:t>
-    </dgm:pt>
     <dgm:pt modelId="{AC875E57-01B9-490D-8E7B-3E4AA2A39890}">
-      <dgm:prSet phldrT="[Testo]"/>
+      <dgm:prSet phldrT="[Testo]">
+        <dgm:style>
+          <a:lnRef idx="0">
+            <a:schemeClr val="accent6"/>
+          </a:lnRef>
+          <a:fillRef idx="3">
+            <a:schemeClr val="accent6"/>
+          </a:fillRef>
+          <a:effectRef idx="3">
+            <a:schemeClr val="accent6"/>
+          </a:effectRef>
+          <a:fontRef idx="minor">
+            <a:schemeClr val="lt1"/>
+          </a:fontRef>
+        </dgm:style>
+      </dgm:prSet>
       <dgm:spPr/>
       <dgm:t>
         <a:bodyPr/>
@@ -1165,7 +1246,7 @@
         <a:p>
           <a:r>
             <a:rPr lang="en-US" dirty="0" err="1" smtClean="0"/>
-            <a:t>NetKit</a:t>
+            <a:t>VisualNetKit</a:t>
           </a:r>
           <a:endParaRPr lang="it-IT" dirty="0"/>
         </a:p>
@@ -1193,6 +1274,58 @@
         </a:p>
       </dgm:t>
     </dgm:pt>
+    <dgm:pt modelId="{26A77C95-5DF6-4719-ADEC-5EE891442978}">
+      <dgm:prSet phldrT="[Testo]">
+        <dgm:style>
+          <a:lnRef idx="1">
+            <a:schemeClr val="accent6"/>
+          </a:lnRef>
+          <a:fillRef idx="2">
+            <a:schemeClr val="accent6"/>
+          </a:fillRef>
+          <a:effectRef idx="1">
+            <a:schemeClr val="accent6"/>
+          </a:effectRef>
+          <a:fontRef idx="minor">
+            <a:schemeClr val="dk1"/>
+          </a:fontRef>
+        </dgm:style>
+      </dgm:prSet>
+      <dgm:spPr/>
+      <dgm:t>
+        <a:bodyPr/>
+        <a:lstStyle/>
+        <a:p>
+          <a:r>
+            <a:rPr lang="it-IT" dirty="0" smtClean="0"/>
+            <a:t>Supporto flessibile alle configurazioni avanzate</a:t>
+          </a:r>
+          <a:endParaRPr lang="it-IT" dirty="0"/>
+        </a:p>
+      </dgm:t>
+    </dgm:pt>
+    <dgm:pt modelId="{DB61F0F5-7D89-4879-B027-6DF244927978}" type="parTrans" cxnId="{AA919A95-63B0-4EF8-82C6-BAD6A90CB6E8}">
+      <dgm:prSet/>
+      <dgm:spPr/>
+      <dgm:t>
+        <a:bodyPr/>
+        <a:lstStyle/>
+        <a:p>
+          <a:endParaRPr lang="it-IT"/>
+        </a:p>
+      </dgm:t>
+    </dgm:pt>
+    <dgm:pt modelId="{B352306E-8147-4D96-AA3C-C1E01E0A2831}" type="sibTrans" cxnId="{AA919A95-63B0-4EF8-82C6-BAD6A90CB6E8}">
+      <dgm:prSet/>
+      <dgm:spPr/>
+      <dgm:t>
+        <a:bodyPr/>
+        <a:lstStyle/>
+        <a:p>
+          <a:endParaRPr lang="it-IT"/>
+        </a:p>
+      </dgm:t>
+    </dgm:pt>
     <dgm:pt modelId="{8707C7F1-5F37-4BF1-9329-5EE09FFDF905}" type="pres">
       <dgm:prSet presAssocID="{235B55A1-85F2-46BD-B188-6F06F5D4A171}" presName="Name0" presStyleCnt="0">
         <dgm:presLayoutVars>
@@ -1202,6 +1335,13 @@
         </dgm:presLayoutVars>
       </dgm:prSet>
       <dgm:spPr/>
+      <dgm:t>
+        <a:bodyPr/>
+        <a:lstStyle/>
+        <a:p>
+          <a:endParaRPr lang="it-IT"/>
+        </a:p>
+      </dgm:t>
     </dgm:pt>
     <dgm:pt modelId="{A27B2C76-E53D-47E6-B83F-9542B00CEDBB}" type="pres">
       <dgm:prSet presAssocID="{6C742048-B828-4B29-B8E8-E763F092B0E9}" presName="linNode" presStyleCnt="0"/>
@@ -1224,7 +1364,7 @@
       </dgm:t>
     </dgm:pt>
     <dgm:pt modelId="{B9328291-F94C-465E-BC05-BC968E4029C1}" type="pres">
-      <dgm:prSet presAssocID="{6C742048-B828-4B29-B8E8-E763F092B0E9}" presName="descendantText" presStyleLbl="alignAccFollowNode1" presStyleIdx="0" presStyleCnt="3">
+      <dgm:prSet presAssocID="{6C742048-B828-4B29-B8E8-E763F092B0E9}" presName="descendantText" presStyleLbl="alignAccFollowNode1" presStyleIdx="0" presStyleCnt="4">
         <dgm:presLayoutVars>
           <dgm:bulletEnabled val="1"/>
         </dgm:presLayoutVars>
@@ -1254,14 +1394,28 @@
         </dgm:presLayoutVars>
       </dgm:prSet>
       <dgm:spPr/>
+      <dgm:t>
+        <a:bodyPr/>
+        <a:lstStyle/>
+        <a:p>
+          <a:endParaRPr lang="it-IT"/>
+        </a:p>
+      </dgm:t>
     </dgm:pt>
     <dgm:pt modelId="{FFAECC64-C87B-4241-8414-259FAB795432}" type="pres">
-      <dgm:prSet presAssocID="{37BE8EAF-4D9C-45F0-ADFD-34D7679B5DCA}" presName="descendantText" presStyleLbl="alignAccFollowNode1" presStyleIdx="1" presStyleCnt="3">
+      <dgm:prSet presAssocID="{37BE8EAF-4D9C-45F0-ADFD-34D7679B5DCA}" presName="descendantText" presStyleLbl="alignAccFollowNode1" presStyleIdx="1" presStyleCnt="4">
         <dgm:presLayoutVars>
           <dgm:bulletEnabled val="1"/>
         </dgm:presLayoutVars>
       </dgm:prSet>
       <dgm:spPr/>
+      <dgm:t>
+        <a:bodyPr/>
+        <a:lstStyle/>
+        <a:p>
+          <a:endParaRPr lang="it-IT"/>
+        </a:p>
+      </dgm:t>
     </dgm:pt>
     <dgm:pt modelId="{BAAF50DF-CC4E-4A5C-98D0-0AD807959F77}" type="pres">
       <dgm:prSet presAssocID="{B6928DFE-C7BE-4838-A530-3C88A8919FF0}" presName="sp" presStyleCnt="0"/>
@@ -1279,9 +1433,16 @@
         </dgm:presLayoutVars>
       </dgm:prSet>
       <dgm:spPr/>
+      <dgm:t>
+        <a:bodyPr/>
+        <a:lstStyle/>
+        <a:p>
+          <a:endParaRPr lang="it-IT"/>
+        </a:p>
+      </dgm:t>
     </dgm:pt>
     <dgm:pt modelId="{3513A661-E049-49A7-A84B-CDE58BC128C9}" type="pres">
-      <dgm:prSet presAssocID="{97831BA3-5392-4C40-9746-6020D803C42A}" presName="descendantText" presStyleLbl="alignAccFollowNode1" presStyleIdx="2" presStyleCnt="3">
+      <dgm:prSet presAssocID="{97831BA3-5392-4C40-9746-6020D803C42A}" presName="descendantText" presStyleLbl="alignAccFollowNode1" presStyleIdx="2" presStyleCnt="4">
         <dgm:presLayoutVars>
           <dgm:bulletEnabled val="1"/>
         </dgm:presLayoutVars>
@@ -1311,18 +1472,39 @@
         </dgm:presLayoutVars>
       </dgm:prSet>
       <dgm:spPr/>
+      <dgm:t>
+        <a:bodyPr/>
+        <a:lstStyle/>
+        <a:p>
+          <a:endParaRPr lang="it-IT"/>
+        </a:p>
+      </dgm:t>
+    </dgm:pt>
+    <dgm:pt modelId="{73351229-0CD8-43A8-A43A-2D3D9582E716}" type="pres">
+      <dgm:prSet presAssocID="{AC875E57-01B9-490D-8E7B-3E4AA2A39890}" presName="descendantText" presStyleLbl="alignAccFollowNode1" presStyleIdx="3" presStyleCnt="4">
+        <dgm:presLayoutVars>
+          <dgm:bulletEnabled val="1"/>
+        </dgm:presLayoutVars>
+      </dgm:prSet>
+      <dgm:spPr/>
+      <dgm:t>
+        <a:bodyPr/>
+        <a:lstStyle/>
+        <a:p>
+          <a:endParaRPr lang="it-IT"/>
+        </a:p>
+      </dgm:t>
     </dgm:pt>
   </dgm:ptLst>
   <dgm:cxnLst>
     <dgm:cxn modelId="{E7C9EC05-60DC-4B17-8263-586FD8FD257D}" type="presOf" srcId="{97831BA3-5392-4C40-9746-6020D803C42A}" destId="{7A790736-225B-4B7C-84C3-4D835187A6F0}" srcOrd="0" destOrd="0" presId="urn:microsoft.com/office/officeart/2005/8/layout/vList5"/>
     <dgm:cxn modelId="{69D83E30-638B-4C8B-87DC-600FE567AF85}" type="presOf" srcId="{BF95EC57-5936-4974-A783-8279AA2DE17D}" destId="{3513A661-E049-49A7-A84B-CDE58BC128C9}" srcOrd="0" destOrd="0" presId="urn:microsoft.com/office/officeart/2005/8/layout/vList5"/>
     <dgm:cxn modelId="{D29BA0D2-2C00-4F66-8163-3F03AB54F76E}" srcId="{235B55A1-85F2-46BD-B188-6F06F5D4A171}" destId="{6C742048-B828-4B29-B8E8-E763F092B0E9}" srcOrd="0" destOrd="0" parTransId="{0E56E70A-927A-4A3B-B350-6295B4A60749}" sibTransId="{781F592B-7330-4BDB-8722-F883830332DF}"/>
-    <dgm:cxn modelId="{FF28E987-B587-4624-B605-473B52E49CF5}" type="presOf" srcId="{2BD7B090-D898-4E65-9E50-1009FC591733}" destId="{FFAECC64-C87B-4241-8414-259FAB795432}" srcOrd="0" destOrd="1" presId="urn:microsoft.com/office/officeart/2005/8/layout/vList5"/>
+    <dgm:cxn modelId="{30D1160C-EB66-4DA7-AE15-72214F0845CF}" type="presOf" srcId="{26A77C95-5DF6-4719-ADEC-5EE891442978}" destId="{73351229-0CD8-43A8-A43A-2D3D9582E716}" srcOrd="0" destOrd="0" presId="urn:microsoft.com/office/officeart/2005/8/layout/vList5"/>
+    <dgm:cxn modelId="{AA919A95-63B0-4EF8-82C6-BAD6A90CB6E8}" srcId="{AC875E57-01B9-490D-8E7B-3E4AA2A39890}" destId="{26A77C95-5DF6-4719-ADEC-5EE891442978}" srcOrd="0" destOrd="0" parTransId="{DB61F0F5-7D89-4879-B027-6DF244927978}" sibTransId="{B352306E-8147-4D96-AA3C-C1E01E0A2831}"/>
     <dgm:cxn modelId="{1B340EE1-B887-4C4F-B0A1-68705024C313}" type="presOf" srcId="{6C742048-B828-4B29-B8E8-E763F092B0E9}" destId="{8888310B-D3F2-4AF4-921A-B66FB05564C1}" srcOrd="0" destOrd="0" presId="urn:microsoft.com/office/officeart/2005/8/layout/vList5"/>
-    <dgm:cxn modelId="{EF9C0B9D-45B2-4E1D-8DA7-6402EA473527}" srcId="{37BE8EAF-4D9C-45F0-ADFD-34D7679B5DCA}" destId="{2BD7B090-D898-4E65-9E50-1009FC591733}" srcOrd="1" destOrd="0" parTransId="{233E02C5-2B04-4FD8-8CA1-B56FF9259BC2}" sibTransId="{983D3244-10E0-4901-910E-F4D9B80B0F42}"/>
     <dgm:cxn modelId="{B59AE31E-4C11-482B-A4C5-F591A2AA8440}" srcId="{235B55A1-85F2-46BD-B188-6F06F5D4A171}" destId="{37BE8EAF-4D9C-45F0-ADFD-34D7679B5DCA}" srcOrd="1" destOrd="0" parTransId="{5F594A19-68DE-4937-BACF-333B59E5F50E}" sibTransId="{B6928DFE-C7BE-4838-A530-3C88A8919FF0}"/>
     <dgm:cxn modelId="{C80919B0-AE76-4217-B330-F71595F647F5}" srcId="{235B55A1-85F2-46BD-B188-6F06F5D4A171}" destId="{AC875E57-01B9-490D-8E7B-3E4AA2A39890}" srcOrd="3" destOrd="0" parTransId="{3FCB51C7-7057-4812-8576-53C0A98FEC27}" sibTransId="{70C75D3C-4979-4F88-9356-87250DEAA12F}"/>
-    <dgm:cxn modelId="{B69B0156-2165-47DD-A3B1-52DEAC8D90BC}" type="presOf" srcId="{61E8DC94-93CC-4EF5-890F-DC9F41836F92}" destId="{3513A661-E049-49A7-A84B-CDE58BC128C9}" srcOrd="0" destOrd="1" presId="urn:microsoft.com/office/officeart/2005/8/layout/vList5"/>
     <dgm:cxn modelId="{8BA434BB-916A-43A1-B380-93E273A8380A}" srcId="{97831BA3-5392-4C40-9746-6020D803C42A}" destId="{BF95EC57-5936-4974-A783-8279AA2DE17D}" srcOrd="0" destOrd="0" parTransId="{6BAA8F1A-69F8-4D5B-AA49-577C5721987B}" sibTransId="{084A6669-9820-475D-AA7C-BFD82C623498}"/>
     <dgm:cxn modelId="{1468A386-4043-422F-8CFA-1A0564937195}" type="presOf" srcId="{747FF608-217E-438B-BCFC-C198B0161C07}" destId="{B9328291-F94C-465E-BC05-BC968E4029C1}" srcOrd="0" destOrd="0" presId="urn:microsoft.com/office/officeart/2005/8/layout/vList5"/>
     <dgm:cxn modelId="{5707514A-2F67-40D1-819C-108179F9C566}" srcId="{6C742048-B828-4B29-B8E8-E763F092B0E9}" destId="{747FF608-217E-438B-BCFC-C198B0161C07}" srcOrd="0" destOrd="0" parTransId="{04B48E1E-054A-4C14-B28E-93E3BD7C4D3A}" sibTransId="{0FF173F9-2611-4C01-ACDF-5715C6BAD29A}"/>
@@ -1330,7 +1512,6 @@
     <dgm:cxn modelId="{34F6A223-7F87-4F5F-AC4F-FC5DFA2A104A}" srcId="{37BE8EAF-4D9C-45F0-ADFD-34D7679B5DCA}" destId="{AF6C5FEC-B06D-47E2-8FDA-7DEAC90858E5}" srcOrd="0" destOrd="0" parTransId="{70088A29-2B5C-49B0-A5FC-15A77A24724A}" sibTransId="{7AACAFFE-D56C-41EA-A721-8940BC06E628}"/>
     <dgm:cxn modelId="{B0A70232-3147-4FFD-AA52-C9C8FC36B77E}" type="presOf" srcId="{AC875E57-01B9-490D-8E7B-3E4AA2A39890}" destId="{8DCB7F05-B335-45AC-93EC-C3A5F5D6A7E0}" srcOrd="0" destOrd="0" presId="urn:microsoft.com/office/officeart/2005/8/layout/vList5"/>
     <dgm:cxn modelId="{114DE1B5-CA03-403B-A45C-110A9143BABC}" srcId="{235B55A1-85F2-46BD-B188-6F06F5D4A171}" destId="{97831BA3-5392-4C40-9746-6020D803C42A}" srcOrd="2" destOrd="0" parTransId="{0D8D7C03-2873-400C-8032-D645328CDBFE}" sibTransId="{412BF68C-0BEB-43D4-8253-EC1FD3D98463}"/>
-    <dgm:cxn modelId="{03B80E62-2126-4CB8-8FEE-594FD95CB979}" srcId="{97831BA3-5392-4C40-9746-6020D803C42A}" destId="{61E8DC94-93CC-4EF5-890F-DC9F41836F92}" srcOrd="1" destOrd="0" parTransId="{F79AC635-C281-40F1-8832-20978D84E1F7}" sibTransId="{6BD9B842-A648-45BF-958A-8C811AF7F73B}"/>
     <dgm:cxn modelId="{01518609-F9D6-46C9-8F6B-91241E2766B6}" type="presOf" srcId="{AF6C5FEC-B06D-47E2-8FDA-7DEAC90858E5}" destId="{FFAECC64-C87B-4241-8414-259FAB795432}" srcOrd="0" destOrd="0" presId="urn:microsoft.com/office/officeart/2005/8/layout/vList5"/>
     <dgm:cxn modelId="{419903BF-DB0D-4609-B8CC-1F44B96AEA86}" type="presOf" srcId="{235B55A1-85F2-46BD-B188-6F06F5D4A171}" destId="{8707C7F1-5F37-4BF1-9329-5EE09FFDF905}" srcOrd="0" destOrd="0" presId="urn:microsoft.com/office/officeart/2005/8/layout/vList5"/>
     <dgm:cxn modelId="{6B40CB67-857E-4B40-A659-8B8A5ECD8BB6}" type="presParOf" srcId="{8707C7F1-5F37-4BF1-9329-5EE09FFDF905}" destId="{A27B2C76-E53D-47E6-B83F-9542B00CEDBB}" srcOrd="0" destOrd="0" presId="urn:microsoft.com/office/officeart/2005/8/layout/vList5"/>
@@ -1347,6 +1528,7 @@
     <dgm:cxn modelId="{6860FD90-E416-4B4C-9326-B5DB16A6D4BA}" type="presParOf" srcId="{8707C7F1-5F37-4BF1-9329-5EE09FFDF905}" destId="{236287F9-664D-40B9-B2A2-8FAF5CC65211}" srcOrd="5" destOrd="0" presId="urn:microsoft.com/office/officeart/2005/8/layout/vList5"/>
     <dgm:cxn modelId="{54326626-0AC8-49C4-9EA8-FC64A626EB45}" type="presParOf" srcId="{8707C7F1-5F37-4BF1-9329-5EE09FFDF905}" destId="{1597A6FE-FBE5-4A6F-9621-E10D88B0D576}" srcOrd="6" destOrd="0" presId="urn:microsoft.com/office/officeart/2005/8/layout/vList5"/>
     <dgm:cxn modelId="{02AF0A23-307E-4469-B1DE-44646186B352}" type="presParOf" srcId="{1597A6FE-FBE5-4A6F-9621-E10D88B0D576}" destId="{8DCB7F05-B335-45AC-93EC-C3A5F5D6A7E0}" srcOrd="0" destOrd="0" presId="urn:microsoft.com/office/officeart/2005/8/layout/vList5"/>
+    <dgm:cxn modelId="{5A18D983-D300-4497-96DB-46262FAAFBFF}" type="presParOf" srcId="{1597A6FE-FBE5-4A6F-9621-E10D88B0D576}" destId="{73351229-0CD8-43A8-A43A-2D3D9582E716}" srcOrd="1" destOrd="0" presId="urn:microsoft.com/office/officeart/2005/8/layout/vList5"/>
   </dgm:cxnLst>
   <dgm:bg/>
   <dgm:whole/>
@@ -2786,7 +2968,7 @@
             <a:fld id="{8BA93F81-AB1A-49EB-B45D-4C43C205A3D4}" type="datetimeFigureOut">
               <a:rPr lang="it-IT" smtClean="0"/>
               <a:pPr/>
-              <a:t>25/09/2008</a:t>
+              <a:t>26/09/2008</a:t>
             </a:fld>
             <a:endParaRPr lang="it-IT"/>
           </a:p>
@@ -7668,16 +7850,14 @@
           </a:prstGeom>
         </p:spPr>
         <p:style>
-          <a:lnRef idx="2">
-            <a:schemeClr val="accent1">
-              <a:shade val="50000"/>
-            </a:schemeClr>
+          <a:lnRef idx="0">
+            <a:schemeClr val="accent5"/>
           </a:lnRef>
-          <a:fillRef idx="1">
-            <a:schemeClr val="accent1"/>
+          <a:fillRef idx="3">
+            <a:schemeClr val="accent5"/>
           </a:fillRef>
-          <a:effectRef idx="0">
-            <a:schemeClr val="accent1"/>
+          <a:effectRef idx="3">
+            <a:schemeClr val="accent5"/>
           </a:effectRef>
           <a:fontRef idx="minor">
             <a:schemeClr val="lt1"/>
@@ -8674,30 +8854,38 @@
           <a:lstStyle/>
           <a:p>
             <a:r>
-              <a:rPr lang="en-US" sz="3600" dirty="0" err="1" smtClean="0"/>
+              <a:rPr lang="en-US" sz="3000" dirty="0" err="1" smtClean="0"/>
               <a:t>Complessit</a:t>
             </a:r>
             <a:r>
-              <a:rPr lang="it-IT" sz="3600" dirty="0" smtClean="0"/>
+              <a:rPr lang="it-IT" sz="3000" dirty="0" smtClean="0"/>
               <a:t>à</a:t>
             </a:r>
             <a:r>
-              <a:rPr lang="en-US" sz="3600" dirty="0" smtClean="0"/>
+              <a:rPr lang="en-US" sz="3000" dirty="0" smtClean="0"/>
               <a:t> </a:t>
             </a:r>
             <a:r>
-              <a:rPr lang="en-US" sz="3600" dirty="0" err="1" smtClean="0"/>
+              <a:rPr lang="en-US" sz="3000" dirty="0" err="1" smtClean="0"/>
               <a:t>delle</a:t>
             </a:r>
             <a:r>
-              <a:rPr lang="en-US" sz="3600" dirty="0" smtClean="0"/>
+              <a:rPr lang="en-US" sz="3000" dirty="0" smtClean="0"/>
               <a:t> </a:t>
             </a:r>
             <a:r>
-              <a:rPr lang="en-US" sz="3600" dirty="0" err="1" smtClean="0"/>
+              <a:rPr lang="en-US" sz="3000" dirty="0" err="1" smtClean="0"/>
               <a:t>configurazioni</a:t>
             </a:r>
-            <a:endParaRPr lang="it-IT" sz="3600" dirty="0"/>
+            <a:r>
+              <a:rPr lang="en-US" sz="3000" dirty="0" smtClean="0"/>
+              <a:t> </a:t>
+            </a:r>
+            <a:r>
+              <a:rPr lang="en-US" sz="3000" dirty="0" err="1" smtClean="0"/>
+              <a:t>avanzate</a:t>
+            </a:r>
+            <a:endParaRPr lang="it-IT" sz="3000" dirty="0"/>
           </a:p>
         </p:txBody>
       </p:sp>
@@ -12426,6 +12614,26 @@
           </a:bodyPr>
           <a:lstStyle/>
           <a:p>
+            <a:r>
+              <a:rPr lang="en-US" sz="3600" dirty="0" err="1" smtClean="0"/>
+              <a:t>Ambienti</a:t>
+            </a:r>
+            <a:r>
+              <a:rPr lang="en-US" sz="3600" dirty="0" smtClean="0"/>
+              <a:t> </a:t>
+            </a:r>
+            <a:r>
+              <a:rPr lang="en-US" sz="3600" dirty="0" err="1" smtClean="0"/>
+              <a:t>di</a:t>
+            </a:r>
+            <a:r>
+              <a:rPr lang="en-US" sz="3600" dirty="0" smtClean="0"/>
+              <a:t> </a:t>
+            </a:r>
+            <a:r>
+              <a:rPr lang="en-US" sz="3600" dirty="0" err="1" smtClean="0"/>
+              <a:t>configurazione</a:t>
+            </a:r>
             <a:endParaRPr lang="it-IT" sz="3600" dirty="0"/>
           </a:p>
         </p:txBody>
@@ -12437,8 +12645,8 @@
           <p:nvPr/>
         </p:nvGraphicFramePr>
         <p:xfrm>
-          <a:off x="1524000" y="1397000"/>
-          <a:ext cx="6096000" cy="4460892"/>
+          <a:off x="214282" y="785794"/>
+          <a:ext cx="8715436" cy="5500726"/>
         </p:xfrm>
         <a:graphic>
           <a:graphicData uri="http://schemas.openxmlformats.org/drawingml/2006/diagram">
@@ -12553,30 +12761,1559 @@
       </p:sp>
       <p:sp>
         <p:nvSpPr>
-          <p:cNvPr id="9" name="Titolo 3"/>
-          <p:cNvSpPr>
-            <a:spLocks noGrp="1"/>
-          </p:cNvSpPr>
-          <p:nvPr>
-            <p:ph type="ctrTitle"/>
-          </p:nvPr>
+          <p:cNvPr id="10" name="Rettangolo arrotondato 9"/>
+          <p:cNvSpPr/>
+          <p:nvPr/>
         </p:nvSpPr>
         <p:spPr>
           <a:xfrm>
-            <a:off x="2321671" y="0"/>
-            <a:ext cx="6822329" cy="742954"/>
+            <a:off x="2428860" y="142852"/>
+            <a:ext cx="4071966" cy="1285884"/>
           </a:xfrm>
+          <a:prstGeom prst="roundRect">
+            <a:avLst/>
+          </a:prstGeom>
         </p:spPr>
+        <p:style>
+          <a:lnRef idx="1">
+            <a:schemeClr val="accent5"/>
+          </a:lnRef>
+          <a:fillRef idx="2">
+            <a:schemeClr val="accent5"/>
+          </a:fillRef>
+          <a:effectRef idx="1">
+            <a:schemeClr val="accent5"/>
+          </a:effectRef>
+          <a:fontRef idx="minor">
+            <a:schemeClr val="dk1"/>
+          </a:fontRef>
+        </p:style>
         <p:txBody>
-          <a:bodyPr>
-            <a:noAutofit/>
-          </a:bodyPr>
+          <a:bodyPr rtlCol="0" anchor="t" anchorCtr="0"/>
           <a:lstStyle/>
           <a:p>
-            <a:endParaRPr lang="it-IT" sz="3600" dirty="0"/>
+            <a:r>
+              <a:rPr lang="en-US" sz="2400" b="1" dirty="0" smtClean="0"/>
+              <a:t>GUI</a:t>
+            </a:r>
+            <a:endParaRPr lang="it-IT" b="1" dirty="0"/>
           </a:p>
         </p:txBody>
       </p:sp>
+      <p:sp>
+        <p:nvSpPr>
+          <p:cNvPr id="11" name="Ritaglia angolo stesso lato rettangolo 10"/>
+          <p:cNvSpPr/>
+          <p:nvPr/>
+        </p:nvSpPr>
+        <p:spPr>
+          <a:xfrm>
+            <a:off x="2643174" y="642918"/>
+            <a:ext cx="1143008" cy="642942"/>
+          </a:xfrm>
+          <a:prstGeom prst="snip2SameRect">
+            <a:avLst/>
+          </a:prstGeom>
+        </p:spPr>
+        <p:style>
+          <a:lnRef idx="0">
+            <a:schemeClr val="accent3"/>
+          </a:lnRef>
+          <a:fillRef idx="3">
+            <a:schemeClr val="accent3"/>
+          </a:fillRef>
+          <a:effectRef idx="3">
+            <a:schemeClr val="accent3"/>
+          </a:effectRef>
+          <a:fontRef idx="minor">
+            <a:schemeClr val="lt1"/>
+          </a:fontRef>
+        </p:style>
+        <p:txBody>
+          <a:bodyPr rtlCol="0" anchor="ctr"/>
+          <a:lstStyle/>
+          <a:p>
+            <a:pPr algn="ctr"/>
+            <a:r>
+              <a:rPr lang="en-US" b="1" dirty="0" smtClean="0">
+                <a:solidFill>
+                  <a:schemeClr val="tx1"/>
+                </a:solidFill>
+              </a:rPr>
+              <a:t>Property Editor</a:t>
+            </a:r>
+            <a:endParaRPr lang="it-IT" b="1" dirty="0">
+              <a:solidFill>
+                <a:schemeClr val="tx1"/>
+              </a:solidFill>
+            </a:endParaRPr>
+          </a:p>
+        </p:txBody>
+      </p:sp>
+      <p:sp>
+        <p:nvSpPr>
+          <p:cNvPr id="20" name="Rettangolo arrotondato 19"/>
+          <p:cNvSpPr/>
+          <p:nvPr/>
+        </p:nvSpPr>
+        <p:spPr>
+          <a:xfrm>
+            <a:off x="4572000" y="285728"/>
+            <a:ext cx="2428892" cy="1000132"/>
+          </a:xfrm>
+          <a:prstGeom prst="roundRect">
+            <a:avLst/>
+          </a:prstGeom>
+        </p:spPr>
+        <p:style>
+          <a:lnRef idx="0">
+            <a:schemeClr val="accent5"/>
+          </a:lnRef>
+          <a:fillRef idx="3">
+            <a:schemeClr val="accent5"/>
+          </a:fillRef>
+          <a:effectRef idx="3">
+            <a:schemeClr val="accent5"/>
+          </a:effectRef>
+          <a:fontRef idx="minor">
+            <a:schemeClr val="lt1"/>
+          </a:fontRef>
+        </p:style>
+        <p:txBody>
+          <a:bodyPr rtlCol="0" anchor="b" anchorCtr="0"/>
+          <a:lstStyle/>
+          <a:p>
+            <a:pPr algn="ctr"/>
+            <a:r>
+              <a:rPr lang="en-US" b="1" dirty="0" smtClean="0">
+                <a:solidFill>
+                  <a:schemeClr val="bg1"/>
+                </a:solidFill>
+              </a:rPr>
+              <a:t>Graph Scene</a:t>
+            </a:r>
+            <a:endParaRPr lang="it-IT" b="1" dirty="0">
+              <a:solidFill>
+                <a:schemeClr val="bg1"/>
+              </a:solidFill>
+            </a:endParaRPr>
+          </a:p>
+        </p:txBody>
+      </p:sp>
+      <p:sp>
+        <p:nvSpPr>
+          <p:cNvPr id="13" name="Rettangolo arrotondato 12"/>
+          <p:cNvSpPr/>
+          <p:nvPr/>
+        </p:nvSpPr>
+        <p:spPr>
+          <a:xfrm>
+            <a:off x="4714876" y="428604"/>
+            <a:ext cx="2143140" cy="428628"/>
+          </a:xfrm>
+          <a:prstGeom prst="roundRect">
+            <a:avLst/>
+          </a:prstGeom>
+        </p:spPr>
+        <p:style>
+          <a:lnRef idx="0">
+            <a:schemeClr val="accent3"/>
+          </a:lnRef>
+          <a:fillRef idx="3">
+            <a:schemeClr val="accent3"/>
+          </a:fillRef>
+          <a:effectRef idx="3">
+            <a:schemeClr val="accent3"/>
+          </a:effectRef>
+          <a:fontRef idx="minor">
+            <a:schemeClr val="lt1"/>
+          </a:fontRef>
+        </p:style>
+        <p:txBody>
+          <a:bodyPr rtlCol="0" anchor="ctr"/>
+          <a:lstStyle/>
+          <a:p>
+            <a:pPr algn="ctr"/>
+            <a:r>
+              <a:rPr lang="en-US" b="1" dirty="0" err="1" smtClean="0">
+                <a:solidFill>
+                  <a:schemeClr val="tx1"/>
+                </a:solidFill>
+              </a:rPr>
+              <a:t>Graphisc</a:t>
+            </a:r>
+            <a:r>
+              <a:rPr lang="en-US" b="1" dirty="0" smtClean="0">
+                <a:solidFill>
+                  <a:schemeClr val="tx1"/>
+                </a:solidFill>
+              </a:rPr>
+              <a:t> Items</a:t>
+            </a:r>
+            <a:endParaRPr lang="it-IT" b="1" dirty="0">
+              <a:solidFill>
+                <a:schemeClr val="tx1"/>
+              </a:solidFill>
+            </a:endParaRPr>
+          </a:p>
+        </p:txBody>
+      </p:sp>
+      <p:sp>
+        <p:nvSpPr>
+          <p:cNvPr id="14" name="Rettangolo arrotondato 13"/>
+          <p:cNvSpPr/>
+          <p:nvPr/>
+        </p:nvSpPr>
+        <p:spPr>
+          <a:xfrm>
+            <a:off x="5143504" y="1643050"/>
+            <a:ext cx="1285884" cy="642942"/>
+          </a:xfrm>
+          <a:prstGeom prst="roundRect">
+            <a:avLst/>
+          </a:prstGeom>
+        </p:spPr>
+        <p:style>
+          <a:lnRef idx="0">
+            <a:schemeClr val="accent1"/>
+          </a:lnRef>
+          <a:fillRef idx="3">
+            <a:schemeClr val="accent1"/>
+          </a:fillRef>
+          <a:effectRef idx="3">
+            <a:schemeClr val="accent1"/>
+          </a:effectRef>
+          <a:fontRef idx="minor">
+            <a:schemeClr val="lt1"/>
+          </a:fontRef>
+        </p:style>
+        <p:txBody>
+          <a:bodyPr rtlCol="0" anchor="ctr"/>
+          <a:lstStyle/>
+          <a:p>
+            <a:pPr algn="ctr"/>
+            <a:r>
+              <a:rPr lang="en-US" b="1" dirty="0" smtClean="0">
+                <a:solidFill>
+                  <a:schemeClr val="bg1"/>
+                </a:solidFill>
+              </a:rPr>
+              <a:t>Graph Scene</a:t>
+            </a:r>
+            <a:endParaRPr lang="it-IT" b="1" dirty="0">
+              <a:solidFill>
+                <a:schemeClr val="bg1"/>
+              </a:solidFill>
+            </a:endParaRPr>
+          </a:p>
+        </p:txBody>
+      </p:sp>
+      <p:sp>
+        <p:nvSpPr>
+          <p:cNvPr id="15" name="Rettangolo arrotondato 14"/>
+          <p:cNvSpPr/>
+          <p:nvPr/>
+        </p:nvSpPr>
+        <p:spPr>
+          <a:xfrm>
+            <a:off x="4572000" y="2643182"/>
+            <a:ext cx="2428892" cy="357190"/>
+          </a:xfrm>
+          <a:prstGeom prst="roundRect">
+            <a:avLst/>
+          </a:prstGeom>
+        </p:spPr>
+        <p:style>
+          <a:lnRef idx="1">
+            <a:schemeClr val="accent4"/>
+          </a:lnRef>
+          <a:fillRef idx="2">
+            <a:schemeClr val="accent4"/>
+          </a:fillRef>
+          <a:effectRef idx="1">
+            <a:schemeClr val="accent4"/>
+          </a:effectRef>
+          <a:fontRef idx="minor">
+            <a:schemeClr val="dk1"/>
+          </a:fontRef>
+        </p:style>
+        <p:txBody>
+          <a:bodyPr rtlCol="0" anchor="ctr"/>
+          <a:lstStyle/>
+          <a:p>
+            <a:pPr algn="ctr"/>
+            <a:r>
+              <a:rPr lang="en-US" b="1" dirty="0" smtClean="0"/>
+              <a:t>Handlers</a:t>
+            </a:r>
+            <a:endParaRPr lang="it-IT" b="1" dirty="0"/>
+          </a:p>
+        </p:txBody>
+      </p:sp>
+      <p:sp>
+        <p:nvSpPr>
+          <p:cNvPr id="16" name="Rettangolo 15"/>
+          <p:cNvSpPr/>
+          <p:nvPr/>
+        </p:nvSpPr>
+        <p:spPr>
+          <a:xfrm>
+            <a:off x="5357818" y="3286124"/>
+            <a:ext cx="1643074" cy="500066"/>
+          </a:xfrm>
+          <a:prstGeom prst="rect">
+            <a:avLst/>
+          </a:prstGeom>
+        </p:spPr>
+        <p:style>
+          <a:lnRef idx="1">
+            <a:schemeClr val="accent2"/>
+          </a:lnRef>
+          <a:fillRef idx="2">
+            <a:schemeClr val="accent2"/>
+          </a:fillRef>
+          <a:effectRef idx="1">
+            <a:schemeClr val="accent2"/>
+          </a:effectRef>
+          <a:fontRef idx="minor">
+            <a:schemeClr val="dk1"/>
+          </a:fontRef>
+        </p:style>
+        <p:txBody>
+          <a:bodyPr rtlCol="0" anchor="ctr"/>
+          <a:lstStyle/>
+          <a:p>
+            <a:pPr algn="ctr"/>
+            <a:r>
+              <a:rPr lang="en-US" b="1" dirty="0" smtClean="0"/>
+              <a:t>Redo/Undo Framework</a:t>
+            </a:r>
+            <a:endParaRPr lang="it-IT" b="1" dirty="0"/>
+          </a:p>
+        </p:txBody>
+      </p:sp>
+      <p:sp>
+        <p:nvSpPr>
+          <p:cNvPr id="17" name="Rettangolo arrotondato 16"/>
+          <p:cNvSpPr/>
+          <p:nvPr/>
+        </p:nvSpPr>
+        <p:spPr>
+          <a:xfrm>
+            <a:off x="2643174" y="4286256"/>
+            <a:ext cx="4357718" cy="357190"/>
+          </a:xfrm>
+          <a:prstGeom prst="roundRect">
+            <a:avLst/>
+          </a:prstGeom>
+        </p:spPr>
+        <p:style>
+          <a:lnRef idx="1">
+            <a:schemeClr val="accent4"/>
+          </a:lnRef>
+          <a:fillRef idx="2">
+            <a:schemeClr val="accent4"/>
+          </a:fillRef>
+          <a:effectRef idx="1">
+            <a:schemeClr val="accent4"/>
+          </a:effectRef>
+          <a:fontRef idx="minor">
+            <a:schemeClr val="dk1"/>
+          </a:fontRef>
+        </p:style>
+        <p:txBody>
+          <a:bodyPr rtlCol="0" anchor="ctr"/>
+          <a:lstStyle/>
+          <a:p>
+            <a:pPr algn="ctr"/>
+            <a:r>
+              <a:rPr lang="en-US" b="1" dirty="0" smtClean="0"/>
+              <a:t>Facade Controllers</a:t>
+            </a:r>
+            <a:endParaRPr lang="it-IT" b="1" dirty="0"/>
+          </a:p>
+        </p:txBody>
+      </p:sp>
+      <p:sp>
+        <p:nvSpPr>
+          <p:cNvPr id="19" name="Rettangolo arrotondato 18"/>
+          <p:cNvSpPr/>
+          <p:nvPr/>
+        </p:nvSpPr>
+        <p:spPr>
+          <a:xfrm>
+            <a:off x="2643174" y="5000636"/>
+            <a:ext cx="4357718" cy="571504"/>
+          </a:xfrm>
+          <a:prstGeom prst="roundRect">
+            <a:avLst/>
+          </a:prstGeom>
+        </p:spPr>
+        <p:style>
+          <a:lnRef idx="1">
+            <a:schemeClr val="accent5"/>
+          </a:lnRef>
+          <a:fillRef idx="2">
+            <a:schemeClr val="accent5"/>
+          </a:fillRef>
+          <a:effectRef idx="1">
+            <a:schemeClr val="accent5"/>
+          </a:effectRef>
+          <a:fontRef idx="minor">
+            <a:schemeClr val="dk1"/>
+          </a:fontRef>
+        </p:style>
+        <p:txBody>
+          <a:bodyPr rtlCol="0" anchor="ctr" anchorCtr="0"/>
+          <a:lstStyle/>
+          <a:p>
+            <a:pPr algn="ctr"/>
+            <a:r>
+              <a:rPr lang="en-US" sz="2400" b="1" dirty="0" smtClean="0"/>
+              <a:t>CORE</a:t>
+            </a:r>
+            <a:endParaRPr lang="it-IT" b="1" dirty="0"/>
+          </a:p>
+        </p:txBody>
+      </p:sp>
+      <p:sp>
+        <p:nvSpPr>
+          <p:cNvPr id="21" name="Rettangolo arrotondato 20"/>
+          <p:cNvSpPr/>
+          <p:nvPr/>
+        </p:nvSpPr>
+        <p:spPr>
+          <a:xfrm>
+            <a:off x="2643174" y="5715016"/>
+            <a:ext cx="4357718" cy="500066"/>
+          </a:xfrm>
+          <a:prstGeom prst="roundRect">
+            <a:avLst/>
+          </a:prstGeom>
+        </p:spPr>
+        <p:style>
+          <a:lnRef idx="1">
+            <a:schemeClr val="dk1"/>
+          </a:lnRef>
+          <a:fillRef idx="2">
+            <a:schemeClr val="dk1"/>
+          </a:fillRef>
+          <a:effectRef idx="1">
+            <a:schemeClr val="dk1"/>
+          </a:effectRef>
+          <a:fontRef idx="minor">
+            <a:schemeClr val="dk1"/>
+          </a:fontRef>
+        </p:style>
+        <p:txBody>
+          <a:bodyPr rtlCol="0" anchor="ctr"/>
+          <a:lstStyle/>
+          <a:p>
+            <a:pPr algn="ctr"/>
+            <a:r>
+              <a:rPr lang="en-US" b="1" dirty="0" err="1" smtClean="0"/>
+              <a:t>Persistance</a:t>
+            </a:r>
+            <a:endParaRPr lang="it-IT" b="1" dirty="0"/>
+          </a:p>
+        </p:txBody>
+      </p:sp>
+      <p:sp>
+        <p:nvSpPr>
+          <p:cNvPr id="22" name="Disco magnetico 21"/>
+          <p:cNvSpPr/>
+          <p:nvPr/>
+        </p:nvSpPr>
+        <p:spPr>
+          <a:xfrm>
+            <a:off x="7643834" y="5286388"/>
+            <a:ext cx="928694" cy="1000132"/>
+          </a:xfrm>
+          <a:prstGeom prst="flowChartMagneticDisk">
+            <a:avLst/>
+          </a:prstGeom>
+        </p:spPr>
+        <p:style>
+          <a:lnRef idx="1">
+            <a:schemeClr val="dk1"/>
+          </a:lnRef>
+          <a:fillRef idx="2">
+            <a:schemeClr val="dk1"/>
+          </a:fillRef>
+          <a:effectRef idx="1">
+            <a:schemeClr val="dk1"/>
+          </a:effectRef>
+          <a:fontRef idx="minor">
+            <a:schemeClr val="dk1"/>
+          </a:fontRef>
+        </p:style>
+        <p:txBody>
+          <a:bodyPr rtlCol="0" anchor="ctr"/>
+          <a:lstStyle/>
+          <a:p>
+            <a:pPr algn="ctr"/>
+            <a:r>
+              <a:rPr lang="en-US" b="1" dirty="0" smtClean="0"/>
+              <a:t>File</a:t>
+            </a:r>
+          </a:p>
+          <a:p>
+            <a:pPr algn="ctr"/>
+            <a:r>
+              <a:rPr lang="en-US" b="1" dirty="0" smtClean="0"/>
+              <a:t>System</a:t>
+            </a:r>
+            <a:endParaRPr lang="it-IT" b="1" dirty="0"/>
+          </a:p>
+        </p:txBody>
+      </p:sp>
+      <p:sp>
+        <p:nvSpPr>
+          <p:cNvPr id="24" name="Rettangolo arrotondato 23"/>
+          <p:cNvSpPr/>
+          <p:nvPr/>
+        </p:nvSpPr>
+        <p:spPr>
+          <a:xfrm>
+            <a:off x="7358082" y="1000108"/>
+            <a:ext cx="642942" cy="4000528"/>
+          </a:xfrm>
+          <a:prstGeom prst="roundRect">
+            <a:avLst/>
+          </a:prstGeom>
+        </p:spPr>
+        <p:style>
+          <a:lnRef idx="1">
+            <a:schemeClr val="accent4"/>
+          </a:lnRef>
+          <a:fillRef idx="2">
+            <a:schemeClr val="accent4"/>
+          </a:fillRef>
+          <a:effectRef idx="1">
+            <a:schemeClr val="accent4"/>
+          </a:effectRef>
+          <a:fontRef idx="minor">
+            <a:schemeClr val="dk1"/>
+          </a:fontRef>
+        </p:style>
+        <p:txBody>
+          <a:bodyPr vert="wordArtVert" rtlCol="0" anchor="ctr"/>
+          <a:lstStyle/>
+          <a:p>
+            <a:pPr algn="ctr"/>
+            <a:r>
+              <a:rPr lang="en-US" b="1" dirty="0" err="1" smtClean="0"/>
+              <a:t>Mappers</a:t>
+            </a:r>
+            <a:endParaRPr lang="it-IT" b="1" dirty="0"/>
+          </a:p>
+        </p:txBody>
+      </p:sp>
+      <p:cxnSp>
+        <p:nvCxnSpPr>
+          <p:cNvPr id="26" name="Connettore 2 25"/>
+          <p:cNvCxnSpPr>
+            <a:stCxn id="14" idx="0"/>
+            <a:endCxn id="20" idx="2"/>
+          </p:cNvCxnSpPr>
+          <p:nvPr/>
+        </p:nvCxnSpPr>
+        <p:spPr>
+          <a:xfrm rot="5400000" flipH="1" flipV="1">
+            <a:off x="5607851" y="1464455"/>
+            <a:ext cx="357190" cy="1588"/>
+          </a:xfrm>
+          <a:prstGeom prst="straightConnector1">
+            <a:avLst/>
+          </a:prstGeom>
+          <a:ln>
+            <a:tailEnd type="arrow"/>
+          </a:ln>
+        </p:spPr>
+        <p:style>
+          <a:lnRef idx="3">
+            <a:schemeClr val="dk1"/>
+          </a:lnRef>
+          <a:fillRef idx="0">
+            <a:schemeClr val="dk1"/>
+          </a:fillRef>
+          <a:effectRef idx="2">
+            <a:schemeClr val="dk1"/>
+          </a:effectRef>
+          <a:fontRef idx="minor">
+            <a:schemeClr val="tx1"/>
+          </a:fontRef>
+        </p:style>
+      </p:cxnSp>
+      <p:cxnSp>
+        <p:nvCxnSpPr>
+          <p:cNvPr id="28" name="Connettore 2 27"/>
+          <p:cNvCxnSpPr>
+            <a:stCxn id="14" idx="2"/>
+            <a:endCxn id="15" idx="0"/>
+          </p:cNvCxnSpPr>
+          <p:nvPr/>
+        </p:nvCxnSpPr>
+        <p:spPr>
+          <a:xfrm rot="5400000">
+            <a:off x="5607851" y="2464587"/>
+            <a:ext cx="357190" cy="1588"/>
+          </a:xfrm>
+          <a:prstGeom prst="straightConnector1">
+            <a:avLst/>
+          </a:prstGeom>
+          <a:ln>
+            <a:headEnd type="arrow"/>
+            <a:tailEnd type="arrow"/>
+          </a:ln>
+        </p:spPr>
+        <p:style>
+          <a:lnRef idx="2">
+            <a:schemeClr val="dk1"/>
+          </a:lnRef>
+          <a:fillRef idx="0">
+            <a:schemeClr val="dk1"/>
+          </a:fillRef>
+          <a:effectRef idx="1">
+            <a:schemeClr val="dk1"/>
+          </a:effectRef>
+          <a:fontRef idx="minor">
+            <a:schemeClr val="tx1"/>
+          </a:fontRef>
+        </p:style>
+      </p:cxnSp>
+      <p:cxnSp>
+        <p:nvCxnSpPr>
+          <p:cNvPr id="33" name="Connettore 2 32"/>
+          <p:cNvCxnSpPr>
+            <a:stCxn id="15" idx="2"/>
+          </p:cNvCxnSpPr>
+          <p:nvPr/>
+        </p:nvCxnSpPr>
+        <p:spPr>
+          <a:xfrm rot="5400000">
+            <a:off x="5643570" y="3143248"/>
+            <a:ext cx="285752" cy="1588"/>
+          </a:xfrm>
+          <a:prstGeom prst="straightConnector1">
+            <a:avLst/>
+          </a:prstGeom>
+          <a:ln>
+            <a:headEnd type="arrow"/>
+            <a:tailEnd type="arrow"/>
+          </a:ln>
+        </p:spPr>
+        <p:style>
+          <a:lnRef idx="2">
+            <a:schemeClr val="dk1"/>
+          </a:lnRef>
+          <a:fillRef idx="0">
+            <a:schemeClr val="dk1"/>
+          </a:fillRef>
+          <a:effectRef idx="1">
+            <a:schemeClr val="dk1"/>
+          </a:effectRef>
+          <a:fontRef idx="minor">
+            <a:schemeClr val="tx1"/>
+          </a:fontRef>
+        </p:style>
+      </p:cxnSp>
+      <p:cxnSp>
+        <p:nvCxnSpPr>
+          <p:cNvPr id="34" name="Connettore 2 33"/>
+          <p:cNvCxnSpPr/>
+          <p:nvPr/>
+        </p:nvCxnSpPr>
+        <p:spPr>
+          <a:xfrm rot="5400000">
+            <a:off x="5537207" y="4035429"/>
+            <a:ext cx="500066" cy="1588"/>
+          </a:xfrm>
+          <a:prstGeom prst="straightConnector1">
+            <a:avLst/>
+          </a:prstGeom>
+          <a:ln>
+            <a:headEnd type="arrow"/>
+            <a:tailEnd type="arrow"/>
+          </a:ln>
+        </p:spPr>
+        <p:style>
+          <a:lnRef idx="2">
+            <a:schemeClr val="dk1"/>
+          </a:lnRef>
+          <a:fillRef idx="0">
+            <a:schemeClr val="dk1"/>
+          </a:fillRef>
+          <a:effectRef idx="1">
+            <a:schemeClr val="dk1"/>
+          </a:effectRef>
+          <a:fontRef idx="minor">
+            <a:schemeClr val="tx1"/>
+          </a:fontRef>
+        </p:style>
+      </p:cxnSp>
+      <p:cxnSp>
+        <p:nvCxnSpPr>
+          <p:cNvPr id="36" name="Connettore 2 35"/>
+          <p:cNvCxnSpPr>
+            <a:stCxn id="17" idx="0"/>
+          </p:cNvCxnSpPr>
+          <p:nvPr/>
+        </p:nvCxnSpPr>
+        <p:spPr>
+          <a:xfrm rot="16200000" flipV="1">
+            <a:off x="4171149" y="3635371"/>
+            <a:ext cx="1297396" cy="4373"/>
+          </a:xfrm>
+          <a:prstGeom prst="straightConnector1">
+            <a:avLst/>
+          </a:prstGeom>
+          <a:ln>
+            <a:headEnd type="arrow"/>
+            <a:tailEnd type="arrow"/>
+          </a:ln>
+        </p:spPr>
+        <p:style>
+          <a:lnRef idx="3">
+            <a:schemeClr val="dk1"/>
+          </a:lnRef>
+          <a:fillRef idx="0">
+            <a:schemeClr val="dk1"/>
+          </a:fillRef>
+          <a:effectRef idx="2">
+            <a:schemeClr val="dk1"/>
+          </a:effectRef>
+          <a:fontRef idx="minor">
+            <a:schemeClr val="tx1"/>
+          </a:fontRef>
+        </p:style>
+      </p:cxnSp>
+      <p:cxnSp>
+        <p:nvCxnSpPr>
+          <p:cNvPr id="43" name="Connettore 4 42"/>
+          <p:cNvCxnSpPr>
+            <a:stCxn id="17" idx="1"/>
+            <a:endCxn id="21" idx="1"/>
+          </p:cNvCxnSpPr>
+          <p:nvPr/>
+        </p:nvCxnSpPr>
+        <p:spPr>
+          <a:xfrm rot="10800000" flipV="1">
+            <a:off x="2643174" y="4464851"/>
+            <a:ext cx="1588" cy="1500198"/>
+          </a:xfrm>
+          <a:prstGeom prst="bentConnector3">
+            <a:avLst>
+              <a:gd name="adj1" fmla="val 14395466"/>
+            </a:avLst>
+          </a:prstGeom>
+          <a:ln>
+            <a:headEnd type="arrow"/>
+            <a:tailEnd type="arrow"/>
+          </a:ln>
+        </p:spPr>
+        <p:style>
+          <a:lnRef idx="2">
+            <a:schemeClr val="dk1"/>
+          </a:lnRef>
+          <a:fillRef idx="0">
+            <a:schemeClr val="dk1"/>
+          </a:fillRef>
+          <a:effectRef idx="1">
+            <a:schemeClr val="dk1"/>
+          </a:effectRef>
+          <a:fontRef idx="minor">
+            <a:schemeClr val="tx1"/>
+          </a:fontRef>
+        </p:style>
+      </p:cxnSp>
+      <p:cxnSp>
+        <p:nvCxnSpPr>
+          <p:cNvPr id="45" name="Connettore 2 44"/>
+          <p:cNvCxnSpPr>
+            <a:stCxn id="17" idx="2"/>
+            <a:endCxn id="19" idx="0"/>
+          </p:cNvCxnSpPr>
+          <p:nvPr/>
+        </p:nvCxnSpPr>
+        <p:spPr>
+          <a:xfrm rot="5400000">
+            <a:off x="4643438" y="4822041"/>
+            <a:ext cx="357190" cy="1588"/>
+          </a:xfrm>
+          <a:prstGeom prst="straightConnector1">
+            <a:avLst/>
+          </a:prstGeom>
+          <a:ln>
+            <a:headEnd type="arrow"/>
+            <a:tailEnd type="arrow"/>
+          </a:ln>
+        </p:spPr>
+        <p:style>
+          <a:lnRef idx="2">
+            <a:schemeClr val="dk1"/>
+          </a:lnRef>
+          <a:fillRef idx="0">
+            <a:schemeClr val="dk1"/>
+          </a:fillRef>
+          <a:effectRef idx="1">
+            <a:schemeClr val="dk1"/>
+          </a:effectRef>
+          <a:fontRef idx="minor">
+            <a:schemeClr val="tx1"/>
+          </a:fontRef>
+        </p:style>
+      </p:cxnSp>
+      <p:cxnSp>
+        <p:nvCxnSpPr>
+          <p:cNvPr id="57" name="Connettore 2 56"/>
+          <p:cNvCxnSpPr/>
+          <p:nvPr/>
+        </p:nvCxnSpPr>
+        <p:spPr>
+          <a:xfrm rot="5400000" flipH="1" flipV="1">
+            <a:off x="4179091" y="2035959"/>
+            <a:ext cx="1214446" cy="1588"/>
+          </a:xfrm>
+          <a:prstGeom prst="straightConnector1">
+            <a:avLst/>
+          </a:prstGeom>
+          <a:ln>
+            <a:tailEnd type="arrow"/>
+          </a:ln>
+        </p:spPr>
+        <p:style>
+          <a:lnRef idx="3">
+            <a:schemeClr val="dk1"/>
+          </a:lnRef>
+          <a:fillRef idx="0">
+            <a:schemeClr val="dk1"/>
+          </a:fillRef>
+          <a:effectRef idx="2">
+            <a:schemeClr val="dk1"/>
+          </a:effectRef>
+          <a:fontRef idx="minor">
+            <a:schemeClr val="tx1"/>
+          </a:fontRef>
+        </p:style>
+      </p:cxnSp>
+      <p:cxnSp>
+        <p:nvCxnSpPr>
+          <p:cNvPr id="59" name="Connettore 2 58"/>
+          <p:cNvCxnSpPr>
+            <a:stCxn id="15" idx="3"/>
+          </p:cNvCxnSpPr>
+          <p:nvPr/>
+        </p:nvCxnSpPr>
+        <p:spPr>
+          <a:xfrm flipV="1">
+            <a:off x="7000892" y="2428868"/>
+            <a:ext cx="357190" cy="392909"/>
+          </a:xfrm>
+          <a:prstGeom prst="straightConnector1">
+            <a:avLst/>
+          </a:prstGeom>
+          <a:ln>
+            <a:headEnd type="arrow"/>
+            <a:tailEnd type="arrow"/>
+          </a:ln>
+        </p:spPr>
+        <p:style>
+          <a:lnRef idx="2">
+            <a:schemeClr val="dk1"/>
+          </a:lnRef>
+          <a:fillRef idx="0">
+            <a:schemeClr val="dk1"/>
+          </a:fillRef>
+          <a:effectRef idx="1">
+            <a:schemeClr val="dk1"/>
+          </a:effectRef>
+          <a:fontRef idx="minor">
+            <a:schemeClr val="tx1"/>
+          </a:fontRef>
+        </p:style>
+      </p:cxnSp>
+      <p:cxnSp>
+        <p:nvCxnSpPr>
+          <p:cNvPr id="62" name="Connettore 2 61"/>
+          <p:cNvCxnSpPr>
+            <a:stCxn id="17" idx="3"/>
+          </p:cNvCxnSpPr>
+          <p:nvPr/>
+        </p:nvCxnSpPr>
+        <p:spPr>
+          <a:xfrm flipV="1">
+            <a:off x="7000892" y="4000504"/>
+            <a:ext cx="357190" cy="464347"/>
+          </a:xfrm>
+          <a:prstGeom prst="straightConnector1">
+            <a:avLst/>
+          </a:prstGeom>
+          <a:ln>
+            <a:headEnd type="arrow"/>
+            <a:tailEnd type="arrow"/>
+          </a:ln>
+        </p:spPr>
+        <p:style>
+          <a:lnRef idx="2">
+            <a:schemeClr val="dk1"/>
+          </a:lnRef>
+          <a:fillRef idx="0">
+            <a:schemeClr val="dk1"/>
+          </a:fillRef>
+          <a:effectRef idx="1">
+            <a:schemeClr val="dk1"/>
+          </a:effectRef>
+          <a:fontRef idx="minor">
+            <a:schemeClr val="tx1"/>
+          </a:fontRef>
+        </p:style>
+      </p:cxnSp>
+      <p:cxnSp>
+        <p:nvCxnSpPr>
+          <p:cNvPr id="65" name="Connettore 2 64"/>
+          <p:cNvCxnSpPr>
+            <a:endCxn id="19" idx="3"/>
+          </p:cNvCxnSpPr>
+          <p:nvPr/>
+        </p:nvCxnSpPr>
+        <p:spPr>
+          <a:xfrm rot="5400000">
+            <a:off x="6893735" y="4822041"/>
+            <a:ext cx="571504" cy="357190"/>
+          </a:xfrm>
+          <a:prstGeom prst="straightConnector1">
+            <a:avLst/>
+          </a:prstGeom>
+          <a:ln>
+            <a:prstDash val="dash"/>
+            <a:tailEnd type="arrow"/>
+          </a:ln>
+        </p:spPr>
+        <p:style>
+          <a:lnRef idx="2">
+            <a:schemeClr val="dk1"/>
+          </a:lnRef>
+          <a:fillRef idx="0">
+            <a:schemeClr val="dk1"/>
+          </a:fillRef>
+          <a:effectRef idx="1">
+            <a:schemeClr val="dk1"/>
+          </a:effectRef>
+          <a:fontRef idx="minor">
+            <a:schemeClr val="tx1"/>
+          </a:fontRef>
+        </p:style>
+      </p:cxnSp>
+      <p:cxnSp>
+        <p:nvCxnSpPr>
+          <p:cNvPr id="66" name="Connettore 2 65"/>
+          <p:cNvCxnSpPr>
+            <a:endCxn id="13" idx="3"/>
+          </p:cNvCxnSpPr>
+          <p:nvPr/>
+        </p:nvCxnSpPr>
+        <p:spPr>
+          <a:xfrm rot="16200000" flipV="1">
+            <a:off x="6715140" y="785794"/>
+            <a:ext cx="785818" cy="500066"/>
+          </a:xfrm>
+          <a:prstGeom prst="straightConnector1">
+            <a:avLst/>
+          </a:prstGeom>
+          <a:ln>
+            <a:prstDash val="dash"/>
+            <a:tailEnd type="arrow"/>
+          </a:ln>
+        </p:spPr>
+        <p:style>
+          <a:lnRef idx="2">
+            <a:schemeClr val="dk1"/>
+          </a:lnRef>
+          <a:fillRef idx="0">
+            <a:schemeClr val="dk1"/>
+          </a:fillRef>
+          <a:effectRef idx="1">
+            <a:schemeClr val="dk1"/>
+          </a:effectRef>
+          <a:fontRef idx="minor">
+            <a:schemeClr val="tx1"/>
+          </a:fontRef>
+        </p:style>
+      </p:cxnSp>
+      <p:cxnSp>
+        <p:nvCxnSpPr>
+          <p:cNvPr id="70" name="Connettore 2 69"/>
+          <p:cNvCxnSpPr>
+            <a:stCxn id="21" idx="3"/>
+          </p:cNvCxnSpPr>
+          <p:nvPr/>
+        </p:nvCxnSpPr>
+        <p:spPr>
+          <a:xfrm flipV="1">
+            <a:off x="7000892" y="5964072"/>
+            <a:ext cx="669150" cy="977"/>
+          </a:xfrm>
+          <a:prstGeom prst="straightConnector1">
+            <a:avLst/>
+          </a:prstGeom>
+          <a:ln>
+            <a:headEnd type="arrow"/>
+            <a:tailEnd type="arrow"/>
+          </a:ln>
+        </p:spPr>
+        <p:style>
+          <a:lnRef idx="2">
+            <a:schemeClr val="dk1"/>
+          </a:lnRef>
+          <a:fillRef idx="0">
+            <a:schemeClr val="dk1"/>
+          </a:fillRef>
+          <a:effectRef idx="1">
+            <a:schemeClr val="dk1"/>
+          </a:effectRef>
+          <a:fontRef idx="minor">
+            <a:schemeClr val="tx1"/>
+          </a:fontRef>
+        </p:style>
+      </p:cxnSp>
+      <p:sp>
+        <p:nvSpPr>
+          <p:cNvPr id="73" name="Rettangolo arrotondato 72"/>
+          <p:cNvSpPr/>
+          <p:nvPr/>
+        </p:nvSpPr>
+        <p:spPr>
+          <a:xfrm>
+            <a:off x="2357422" y="3071810"/>
+            <a:ext cx="1714512" cy="714380"/>
+          </a:xfrm>
+          <a:prstGeom prst="roundRect">
+            <a:avLst/>
+          </a:prstGeom>
+        </p:spPr>
+        <p:style>
+          <a:lnRef idx="1">
+            <a:schemeClr val="accent4"/>
+          </a:lnRef>
+          <a:fillRef idx="2">
+            <a:schemeClr val="accent4"/>
+          </a:fillRef>
+          <a:effectRef idx="1">
+            <a:schemeClr val="accent4"/>
+          </a:effectRef>
+          <a:fontRef idx="minor">
+            <a:schemeClr val="dk1"/>
+          </a:fontRef>
+        </p:style>
+        <p:txBody>
+          <a:bodyPr rtlCol="0" anchor="ctr"/>
+          <a:lstStyle/>
+          <a:p>
+            <a:pPr algn="ctr"/>
+            <a:r>
+              <a:rPr lang="en-US" b="1" dirty="0" smtClean="0"/>
+              <a:t>Property </a:t>
+            </a:r>
+            <a:r>
+              <a:rPr lang="en-US" b="1" dirty="0" err="1" smtClean="0"/>
+              <a:t>Controlers</a:t>
+            </a:r>
+            <a:endParaRPr lang="it-IT" b="1" dirty="0"/>
+          </a:p>
+        </p:txBody>
+      </p:sp>
+      <p:sp>
+        <p:nvSpPr>
+          <p:cNvPr id="74" name="Rettangolo arrotondato 73"/>
+          <p:cNvSpPr/>
+          <p:nvPr/>
+        </p:nvSpPr>
+        <p:spPr>
+          <a:xfrm>
+            <a:off x="2571736" y="1714488"/>
+            <a:ext cx="1285884" cy="642942"/>
+          </a:xfrm>
+          <a:prstGeom prst="roundRect">
+            <a:avLst/>
+          </a:prstGeom>
+        </p:spPr>
+        <p:style>
+          <a:lnRef idx="0">
+            <a:schemeClr val="accent1"/>
+          </a:lnRef>
+          <a:fillRef idx="3">
+            <a:schemeClr val="accent1"/>
+          </a:fillRef>
+          <a:effectRef idx="3">
+            <a:schemeClr val="accent1"/>
+          </a:effectRef>
+          <a:fontRef idx="minor">
+            <a:schemeClr val="lt1"/>
+          </a:fontRef>
+        </p:style>
+        <p:txBody>
+          <a:bodyPr rtlCol="0" anchor="ctr"/>
+          <a:lstStyle/>
+          <a:p>
+            <a:pPr algn="ctr"/>
+            <a:r>
+              <a:rPr lang="en-US" b="1" dirty="0" smtClean="0">
+                <a:solidFill>
+                  <a:schemeClr val="bg1"/>
+                </a:solidFill>
+              </a:rPr>
+              <a:t>Tree Model</a:t>
+            </a:r>
+            <a:endParaRPr lang="it-IT" b="1" dirty="0">
+              <a:solidFill>
+                <a:schemeClr val="bg1"/>
+              </a:solidFill>
+            </a:endParaRPr>
+          </a:p>
+        </p:txBody>
+      </p:sp>
+      <p:cxnSp>
+        <p:nvCxnSpPr>
+          <p:cNvPr id="76" name="Connettore 2 75"/>
+          <p:cNvCxnSpPr>
+            <a:stCxn id="74" idx="0"/>
+            <a:endCxn id="11" idx="1"/>
+          </p:cNvCxnSpPr>
+          <p:nvPr/>
+        </p:nvCxnSpPr>
+        <p:spPr>
+          <a:xfrm rot="5400000" flipH="1" flipV="1">
+            <a:off x="3000364" y="1500174"/>
+            <a:ext cx="428628" cy="1588"/>
+          </a:xfrm>
+          <a:prstGeom prst="straightConnector1">
+            <a:avLst/>
+          </a:prstGeom>
+          <a:ln>
+            <a:tailEnd type="arrow"/>
+          </a:ln>
+        </p:spPr>
+        <p:style>
+          <a:lnRef idx="2">
+            <a:schemeClr val="dk1"/>
+          </a:lnRef>
+          <a:fillRef idx="0">
+            <a:schemeClr val="dk1"/>
+          </a:fillRef>
+          <a:effectRef idx="1">
+            <a:schemeClr val="dk1"/>
+          </a:effectRef>
+          <a:fontRef idx="minor">
+            <a:schemeClr val="tx1"/>
+          </a:fontRef>
+        </p:style>
+      </p:cxnSp>
+      <p:cxnSp>
+        <p:nvCxnSpPr>
+          <p:cNvPr id="83" name="Connettore 2 82"/>
+          <p:cNvCxnSpPr>
+            <a:stCxn id="74" idx="2"/>
+            <a:endCxn id="73" idx="0"/>
+          </p:cNvCxnSpPr>
+          <p:nvPr/>
+        </p:nvCxnSpPr>
+        <p:spPr>
+          <a:xfrm rot="5400000">
+            <a:off x="2857488" y="2714620"/>
+            <a:ext cx="714380" cy="1588"/>
+          </a:xfrm>
+          <a:prstGeom prst="straightConnector1">
+            <a:avLst/>
+          </a:prstGeom>
+          <a:ln>
+            <a:headEnd type="arrow"/>
+            <a:tailEnd type="arrow"/>
+          </a:ln>
+        </p:spPr>
+        <p:style>
+          <a:lnRef idx="3">
+            <a:schemeClr val="dk1"/>
+          </a:lnRef>
+          <a:fillRef idx="0">
+            <a:schemeClr val="dk1"/>
+          </a:fillRef>
+          <a:effectRef idx="2">
+            <a:schemeClr val="dk1"/>
+          </a:effectRef>
+          <a:fontRef idx="minor">
+            <a:schemeClr val="tx1"/>
+          </a:fontRef>
+        </p:style>
+      </p:cxnSp>
+      <p:cxnSp>
+        <p:nvCxnSpPr>
+          <p:cNvPr id="85" name="Connettore 4 84"/>
+          <p:cNvCxnSpPr>
+            <a:stCxn id="73" idx="3"/>
+            <a:endCxn id="15" idx="1"/>
+          </p:cNvCxnSpPr>
+          <p:nvPr/>
+        </p:nvCxnSpPr>
+        <p:spPr>
+          <a:xfrm flipV="1">
+            <a:off x="4071934" y="2821777"/>
+            <a:ext cx="500066" cy="607223"/>
+          </a:xfrm>
+          <a:prstGeom prst="bentConnector3">
+            <a:avLst>
+              <a:gd name="adj1" fmla="val 50000"/>
+            </a:avLst>
+          </a:prstGeom>
+          <a:ln>
+            <a:prstDash val="dash"/>
+            <a:tailEnd type="arrow"/>
+          </a:ln>
+        </p:spPr>
+        <p:style>
+          <a:lnRef idx="2">
+            <a:schemeClr val="dk1"/>
+          </a:lnRef>
+          <a:fillRef idx="0">
+            <a:schemeClr val="dk1"/>
+          </a:fillRef>
+          <a:effectRef idx="1">
+            <a:schemeClr val="dk1"/>
+          </a:effectRef>
+          <a:fontRef idx="minor">
+            <a:schemeClr val="tx1"/>
+          </a:fontRef>
+        </p:style>
+      </p:cxnSp>
+      <p:sp>
+        <p:nvSpPr>
+          <p:cNvPr id="89" name="Rettangolo arrotondato 88"/>
+          <p:cNvSpPr/>
+          <p:nvPr/>
+        </p:nvSpPr>
+        <p:spPr>
+          <a:xfrm>
+            <a:off x="7929586" y="1714488"/>
+            <a:ext cx="928694" cy="3286148"/>
+          </a:xfrm>
+          <a:prstGeom prst="roundRect">
+            <a:avLst/>
+          </a:prstGeom>
+        </p:spPr>
+        <p:style>
+          <a:lnRef idx="3">
+            <a:schemeClr val="lt1"/>
+          </a:lnRef>
+          <a:fillRef idx="1">
+            <a:schemeClr val="accent6"/>
+          </a:fillRef>
+          <a:effectRef idx="1">
+            <a:schemeClr val="accent6"/>
+          </a:effectRef>
+          <a:fontRef idx="minor">
+            <a:schemeClr val="lt1"/>
+          </a:fontRef>
+        </p:style>
+        <p:txBody>
+          <a:bodyPr vert="wordArtVert" rtlCol="0" anchor="ctr"/>
+          <a:lstStyle/>
+          <a:p>
+            <a:pPr algn="ctr"/>
+            <a:r>
+              <a:rPr lang="en-US" b="1" dirty="0" err="1" smtClean="0"/>
+              <a:t>Plugin</a:t>
+            </a:r>
+            <a:r>
+              <a:rPr lang="en-US" b="1" dirty="0" smtClean="0"/>
+              <a:t> Framework</a:t>
+            </a:r>
+            <a:endParaRPr lang="it-IT" b="1" dirty="0"/>
+          </a:p>
+        </p:txBody>
+      </p:sp>
+      <p:sp>
+        <p:nvSpPr>
+          <p:cNvPr id="91" name="Rettangolo arrotondato 90"/>
+          <p:cNvSpPr/>
+          <p:nvPr/>
+        </p:nvSpPr>
+        <p:spPr>
+          <a:xfrm>
+            <a:off x="8196725" y="1017184"/>
+            <a:ext cx="785818" cy="428628"/>
+          </a:xfrm>
+          <a:prstGeom prst="roundRect">
+            <a:avLst/>
+          </a:prstGeom>
+        </p:spPr>
+        <p:style>
+          <a:lnRef idx="1">
+            <a:schemeClr val="accent6"/>
+          </a:lnRef>
+          <a:fillRef idx="2">
+            <a:schemeClr val="accent6"/>
+          </a:fillRef>
+          <a:effectRef idx="1">
+            <a:schemeClr val="accent6"/>
+          </a:effectRef>
+          <a:fontRef idx="minor">
+            <a:schemeClr val="dk1"/>
+          </a:fontRef>
+        </p:style>
+        <p:txBody>
+          <a:bodyPr rtlCol="0" anchor="ctr"/>
+          <a:lstStyle/>
+          <a:p>
+            <a:pPr algn="ctr"/>
+            <a:endParaRPr lang="it-IT" dirty="0"/>
+          </a:p>
+        </p:txBody>
+      </p:sp>
+      <p:sp>
+        <p:nvSpPr>
+          <p:cNvPr id="90" name="Rettangolo arrotondato 89"/>
+          <p:cNvSpPr/>
+          <p:nvPr/>
+        </p:nvSpPr>
+        <p:spPr>
+          <a:xfrm>
+            <a:off x="8044325" y="1160060"/>
+            <a:ext cx="785818" cy="428628"/>
+          </a:xfrm>
+          <a:prstGeom prst="roundRect">
+            <a:avLst/>
+          </a:prstGeom>
+        </p:spPr>
+        <p:style>
+          <a:lnRef idx="1">
+            <a:schemeClr val="accent6"/>
+          </a:lnRef>
+          <a:fillRef idx="2">
+            <a:schemeClr val="accent6"/>
+          </a:fillRef>
+          <a:effectRef idx="1">
+            <a:schemeClr val="accent6"/>
+          </a:effectRef>
+          <a:fontRef idx="minor">
+            <a:schemeClr val="dk1"/>
+          </a:fontRef>
+        </p:style>
+        <p:txBody>
+          <a:bodyPr rtlCol="0" anchor="ctr"/>
+          <a:lstStyle/>
+          <a:p>
+            <a:pPr algn="ctr"/>
+            <a:r>
+              <a:rPr lang="en-US" b="1" dirty="0" smtClean="0"/>
+              <a:t>Proxy</a:t>
+            </a:r>
+            <a:endParaRPr lang="it-IT" b="1" dirty="0"/>
+          </a:p>
+        </p:txBody>
+      </p:sp>
+      <p:sp>
+        <p:nvSpPr>
+          <p:cNvPr id="92" name="Arrotonda angolo diagonale rettangolo 91"/>
+          <p:cNvSpPr/>
+          <p:nvPr/>
+        </p:nvSpPr>
+        <p:spPr>
+          <a:xfrm>
+            <a:off x="7072330" y="142852"/>
+            <a:ext cx="928694" cy="357190"/>
+          </a:xfrm>
+          <a:prstGeom prst="round2DiagRect">
+            <a:avLst/>
+          </a:prstGeom>
+        </p:spPr>
+        <p:style>
+          <a:lnRef idx="0">
+            <a:schemeClr val="accent6"/>
+          </a:lnRef>
+          <a:fillRef idx="3">
+            <a:schemeClr val="accent6"/>
+          </a:fillRef>
+          <a:effectRef idx="3">
+            <a:schemeClr val="accent6"/>
+          </a:effectRef>
+          <a:fontRef idx="minor">
+            <a:schemeClr val="lt1"/>
+          </a:fontRef>
+        </p:style>
+        <p:txBody>
+          <a:bodyPr rtlCol="0" anchor="ctr"/>
+          <a:lstStyle/>
+          <a:p>
+            <a:pPr algn="ctr"/>
+            <a:r>
+              <a:rPr lang="en-US" b="1" dirty="0" err="1" smtClean="0">
+                <a:solidFill>
+                  <a:schemeClr val="tx1"/>
+                </a:solidFill>
+              </a:rPr>
+              <a:t>Plugin</a:t>
+            </a:r>
+            <a:endParaRPr lang="it-IT" b="1" dirty="0">
+              <a:solidFill>
+                <a:schemeClr val="tx1"/>
+              </a:solidFill>
+            </a:endParaRPr>
+          </a:p>
+        </p:txBody>
+      </p:sp>
+      <p:sp>
+        <p:nvSpPr>
+          <p:cNvPr id="93" name="Arrotonda angolo diagonale rettangolo 92"/>
+          <p:cNvSpPr/>
+          <p:nvPr/>
+        </p:nvSpPr>
+        <p:spPr>
+          <a:xfrm>
+            <a:off x="8215306" y="0"/>
+            <a:ext cx="928694" cy="357190"/>
+          </a:xfrm>
+          <a:prstGeom prst="round2DiagRect">
+            <a:avLst/>
+          </a:prstGeom>
+        </p:spPr>
+        <p:style>
+          <a:lnRef idx="0">
+            <a:schemeClr val="accent6"/>
+          </a:lnRef>
+          <a:fillRef idx="3">
+            <a:schemeClr val="accent6"/>
+          </a:fillRef>
+          <a:effectRef idx="3">
+            <a:schemeClr val="accent6"/>
+          </a:effectRef>
+          <a:fontRef idx="minor">
+            <a:schemeClr val="lt1"/>
+          </a:fontRef>
+        </p:style>
+        <p:txBody>
+          <a:bodyPr rtlCol="0" anchor="ctr"/>
+          <a:lstStyle/>
+          <a:p>
+            <a:pPr algn="ctr"/>
+            <a:r>
+              <a:rPr lang="en-US" b="1" dirty="0" err="1" smtClean="0">
+                <a:solidFill>
+                  <a:schemeClr val="tx1"/>
+                </a:solidFill>
+              </a:rPr>
+              <a:t>Plugin</a:t>
+            </a:r>
+            <a:endParaRPr lang="it-IT" b="1" dirty="0">
+              <a:solidFill>
+                <a:schemeClr val="tx1"/>
+              </a:solidFill>
+            </a:endParaRPr>
+          </a:p>
+        </p:txBody>
+      </p:sp>
+      <p:cxnSp>
+        <p:nvCxnSpPr>
+          <p:cNvPr id="95" name="Connettore 7 94"/>
+          <p:cNvCxnSpPr>
+            <a:stCxn id="92" idx="1"/>
+            <a:endCxn id="90" idx="0"/>
+          </p:cNvCxnSpPr>
+          <p:nvPr/>
+        </p:nvCxnSpPr>
+        <p:spPr>
+          <a:xfrm rot="16200000" flipH="1">
+            <a:off x="7656946" y="379772"/>
+            <a:ext cx="660018" cy="900557"/>
+          </a:xfrm>
+          <a:prstGeom prst="curvedConnector3">
+            <a:avLst>
+              <a:gd name="adj1" fmla="val 50000"/>
+            </a:avLst>
+          </a:prstGeom>
+        </p:spPr>
+        <p:style>
+          <a:lnRef idx="1">
+            <a:schemeClr val="accent1"/>
+          </a:lnRef>
+          <a:fillRef idx="0">
+            <a:schemeClr val="accent1"/>
+          </a:fillRef>
+          <a:effectRef idx="0">
+            <a:schemeClr val="accent1"/>
+          </a:effectRef>
+          <a:fontRef idx="minor">
+            <a:schemeClr val="tx1"/>
+          </a:fontRef>
+        </p:style>
+      </p:cxnSp>
+      <p:cxnSp>
+        <p:nvCxnSpPr>
+          <p:cNvPr id="97" name="Connettore 7 96"/>
+          <p:cNvCxnSpPr>
+            <a:stCxn id="91" idx="0"/>
+            <a:endCxn id="93" idx="1"/>
+          </p:cNvCxnSpPr>
+          <p:nvPr/>
+        </p:nvCxnSpPr>
+        <p:spPr>
+          <a:xfrm rot="5400000" flipH="1" flipV="1">
+            <a:off x="8304646" y="642178"/>
+            <a:ext cx="659994" cy="90019"/>
+          </a:xfrm>
+          <a:prstGeom prst="curvedConnector3">
+            <a:avLst>
+              <a:gd name="adj1" fmla="val 50000"/>
+            </a:avLst>
+          </a:prstGeom>
+        </p:spPr>
+        <p:style>
+          <a:lnRef idx="1">
+            <a:schemeClr val="accent1"/>
+          </a:lnRef>
+          <a:fillRef idx="0">
+            <a:schemeClr val="accent1"/>
+          </a:fillRef>
+          <a:effectRef idx="0">
+            <a:schemeClr val="accent1"/>
+          </a:effectRef>
+          <a:fontRef idx="minor">
+            <a:schemeClr val="tx1"/>
+          </a:fontRef>
+        </p:style>
+      </p:cxnSp>
+      <p:cxnSp>
+        <p:nvCxnSpPr>
+          <p:cNvPr id="103" name="Connettore 1 102"/>
+          <p:cNvCxnSpPr>
+            <a:stCxn id="90" idx="2"/>
+            <a:endCxn id="89" idx="0"/>
+          </p:cNvCxnSpPr>
+          <p:nvPr/>
+        </p:nvCxnSpPr>
+        <p:spPr>
+          <a:xfrm rot="5400000">
+            <a:off x="8352684" y="1629938"/>
+            <a:ext cx="125800" cy="43301"/>
+          </a:xfrm>
+          <a:prstGeom prst="line">
+            <a:avLst/>
+          </a:prstGeom>
+        </p:spPr>
+        <p:style>
+          <a:lnRef idx="3">
+            <a:schemeClr val="dk1"/>
+          </a:lnRef>
+          <a:fillRef idx="0">
+            <a:schemeClr val="dk1"/>
+          </a:fillRef>
+          <a:effectRef idx="2">
+            <a:schemeClr val="dk1"/>
+          </a:effectRef>
+          <a:fontRef idx="minor">
+            <a:schemeClr val="tx1"/>
+          </a:fontRef>
+        </p:style>
+      </p:cxnSp>
     </p:spTree>
   </p:cSld>
   <p:clrMapOvr>

--- a/thesis_adf/presentazione_tesi/presentazione.pptx
+++ b/thesis_adf/presentazione_tesi/presentazione.pptx
@@ -14230,16 +14230,20 @@
               <a:gd name="adj1" fmla="val 50000"/>
             </a:avLst>
           </a:prstGeom>
+          <a:ln>
+            <a:prstDash val="solid"/>
+            <a:tailEnd type="oval"/>
+          </a:ln>
         </p:spPr>
         <p:style>
-          <a:lnRef idx="1">
-            <a:schemeClr val="accent1"/>
+          <a:lnRef idx="2">
+            <a:schemeClr val="dk1"/>
           </a:lnRef>
           <a:fillRef idx="0">
-            <a:schemeClr val="accent1"/>
+            <a:schemeClr val="dk1"/>
           </a:fillRef>
-          <a:effectRef idx="0">
-            <a:schemeClr val="accent1"/>
+          <a:effectRef idx="1">
+            <a:schemeClr val="dk1"/>
           </a:effectRef>
           <a:fontRef idx="minor">
             <a:schemeClr val="tx1"/>
@@ -14265,16 +14269,21 @@
               <a:gd name="adj1" fmla="val 50000"/>
             </a:avLst>
           </a:prstGeom>
+          <a:ln>
+            <a:prstDash val="solid"/>
+            <a:headEnd type="oval"/>
+            <a:tailEnd type="none"/>
+          </a:ln>
         </p:spPr>
         <p:style>
-          <a:lnRef idx="1">
-            <a:schemeClr val="accent1"/>
+          <a:lnRef idx="2">
+            <a:schemeClr val="dk1"/>
           </a:lnRef>
           <a:fillRef idx="0">
-            <a:schemeClr val="accent1"/>
+            <a:schemeClr val="dk1"/>
           </a:fillRef>
-          <a:effectRef idx="0">
-            <a:schemeClr val="accent1"/>
+          <a:effectRef idx="1">
+            <a:schemeClr val="dk1"/>
           </a:effectRef>
           <a:fontRef idx="minor">
             <a:schemeClr val="tx1"/>
@@ -14314,6 +14323,261 @@
           </a:fontRef>
         </p:style>
       </p:cxnSp>
+      <p:sp>
+        <p:nvSpPr>
+          <p:cNvPr id="104" name="CasellaDiTesto 103"/>
+          <p:cNvSpPr txBox="1"/>
+          <p:nvPr/>
+        </p:nvSpPr>
+        <p:spPr>
+          <a:xfrm>
+            <a:off x="0" y="500042"/>
+            <a:ext cx="2285984" cy="954107"/>
+          </a:xfrm>
+          <a:prstGeom prst="rect">
+            <a:avLst/>
+          </a:prstGeom>
+          <a:noFill/>
+        </p:spPr>
+        <p:txBody>
+          <a:bodyPr wrap="square" rtlCol="0">
+            <a:spAutoFit/>
+          </a:bodyPr>
+          <a:lstStyle/>
+          <a:p>
+            <a:pPr algn="ctr"/>
+            <a:r>
+              <a:rPr lang="en-US" sz="2800" dirty="0" err="1" smtClean="0"/>
+              <a:t>Componenti</a:t>
+            </a:r>
+            <a:r>
+              <a:rPr lang="en-US" sz="2800" dirty="0" smtClean="0"/>
+              <a:t> </a:t>
+            </a:r>
+          </a:p>
+          <a:p>
+            <a:pPr algn="ctr"/>
+            <a:r>
+              <a:rPr lang="en-US" sz="2800" dirty="0" err="1" smtClean="0"/>
+              <a:t>VisualNetkit</a:t>
+            </a:r>
+            <a:endParaRPr lang="it-IT" sz="2800" dirty="0"/>
+          </a:p>
+        </p:txBody>
+      </p:sp>
+      <p:sp>
+        <p:nvSpPr>
+          <p:cNvPr id="105" name="CasellaDiTesto 104"/>
+          <p:cNvSpPr txBox="1"/>
+          <p:nvPr/>
+        </p:nvSpPr>
+        <p:spPr>
+          <a:xfrm>
+            <a:off x="0" y="1571612"/>
+            <a:ext cx="2285983" cy="707886"/>
+          </a:xfrm>
+          <a:prstGeom prst="rect">
+            <a:avLst/>
+          </a:prstGeom>
+          <a:noFill/>
+        </p:spPr>
+        <p:txBody>
+          <a:bodyPr wrap="square" rtlCol="0">
+            <a:spAutoFit/>
+          </a:bodyPr>
+          <a:lstStyle/>
+          <a:p>
+            <a:pPr marL="342900" indent="-342900">
+              <a:buFont typeface="Wingdings" pitchFamily="2" charset="2"/>
+              <a:buChar char="Ø"/>
+            </a:pPr>
+            <a:r>
+              <a:rPr lang="en-US" sz="2000" dirty="0" smtClean="0"/>
+              <a:t>Prima </a:t>
+            </a:r>
+            <a:r>
+              <a:rPr lang="en-US" sz="2000" dirty="0" err="1" smtClean="0"/>
+              <a:t>soluzione</a:t>
+            </a:r>
+            <a:r>
+              <a:rPr lang="en-US" sz="2000" dirty="0" smtClean="0"/>
+              <a:t> </a:t>
+            </a:r>
+            <a:r>
+              <a:rPr lang="it-IT" sz="2000" dirty="0" smtClean="0"/>
+              <a:t> monolitica</a:t>
+            </a:r>
+          </a:p>
+        </p:txBody>
+      </p:sp>
+      <p:sp>
+        <p:nvSpPr>
+          <p:cNvPr id="107" name="CasellaDiTesto 106"/>
+          <p:cNvSpPr txBox="1"/>
+          <p:nvPr/>
+        </p:nvSpPr>
+        <p:spPr>
+          <a:xfrm>
+            <a:off x="0" y="2428868"/>
+            <a:ext cx="2285983" cy="1631216"/>
+          </a:xfrm>
+          <a:prstGeom prst="rect">
+            <a:avLst/>
+          </a:prstGeom>
+          <a:noFill/>
+        </p:spPr>
+        <p:txBody>
+          <a:bodyPr wrap="square" rtlCol="0">
+            <a:spAutoFit/>
+          </a:bodyPr>
+          <a:lstStyle/>
+          <a:p>
+            <a:pPr marL="342900" indent="-342900">
+              <a:buFont typeface="Wingdings" pitchFamily="2" charset="2"/>
+              <a:buChar char="Ø"/>
+            </a:pPr>
+            <a:r>
+              <a:rPr lang="en-US" sz="2000" dirty="0" err="1" smtClean="0"/>
+              <a:t>Introduzione</a:t>
+            </a:r>
+            <a:r>
+              <a:rPr lang="en-US" sz="2000" dirty="0" smtClean="0"/>
+              <a:t> del </a:t>
+            </a:r>
+            <a:r>
+              <a:rPr lang="en-US" sz="2000" dirty="0" err="1" smtClean="0"/>
+              <a:t>plugin</a:t>
+            </a:r>
+            <a:r>
+              <a:rPr lang="en-US" sz="2000" dirty="0" smtClean="0"/>
+              <a:t> framework e </a:t>
+            </a:r>
+            <a:r>
+              <a:rPr lang="en-US" sz="2000" dirty="0" err="1" smtClean="0"/>
+              <a:t>aumento</a:t>
+            </a:r>
+            <a:r>
+              <a:rPr lang="en-US" sz="2000" dirty="0" smtClean="0"/>
+              <a:t> </a:t>
+            </a:r>
+            <a:r>
+              <a:rPr lang="en-US" sz="2000" dirty="0" err="1" smtClean="0"/>
+              <a:t>della</a:t>
+            </a:r>
+            <a:r>
+              <a:rPr lang="en-US" sz="2000" dirty="0" smtClean="0"/>
+              <a:t> </a:t>
+            </a:r>
+            <a:r>
+              <a:rPr lang="en-US" sz="2000" dirty="0" err="1" smtClean="0"/>
+              <a:t>flessibilità</a:t>
+            </a:r>
+            <a:endParaRPr lang="en-US" sz="2000" dirty="0" smtClean="0"/>
+          </a:p>
+        </p:txBody>
+      </p:sp>
+      <p:sp>
+        <p:nvSpPr>
+          <p:cNvPr id="108" name="CasellaDiTesto 107"/>
+          <p:cNvSpPr txBox="1"/>
+          <p:nvPr/>
+        </p:nvSpPr>
+        <p:spPr>
+          <a:xfrm>
+            <a:off x="0" y="4214818"/>
+            <a:ext cx="2285983" cy="1938992"/>
+          </a:xfrm>
+          <a:prstGeom prst="rect">
+            <a:avLst/>
+          </a:prstGeom>
+          <a:noFill/>
+        </p:spPr>
+        <p:txBody>
+          <a:bodyPr wrap="square" rtlCol="0">
+            <a:spAutoFit/>
+          </a:bodyPr>
+          <a:lstStyle/>
+          <a:p>
+            <a:pPr marL="342900" indent="-342900">
+              <a:buFont typeface="Wingdings" pitchFamily="2" charset="2"/>
+              <a:buChar char="Ø"/>
+            </a:pPr>
+            <a:r>
+              <a:rPr lang="en-US" sz="2000" dirty="0" err="1" smtClean="0"/>
+              <a:t>Estensione</a:t>
+            </a:r>
+            <a:r>
+              <a:rPr lang="en-US" sz="2000" dirty="0" smtClean="0"/>
+              <a:t> </a:t>
+            </a:r>
+            <a:r>
+              <a:rPr lang="en-US" sz="2000" dirty="0" err="1" smtClean="0"/>
+              <a:t>delle</a:t>
+            </a:r>
+            <a:r>
+              <a:rPr lang="en-US" sz="2000" dirty="0" smtClean="0"/>
+              <a:t> property </a:t>
+            </a:r>
+            <a:r>
+              <a:rPr lang="en-US" sz="2000" dirty="0" err="1" smtClean="0"/>
+              <a:t>dei</a:t>
+            </a:r>
+            <a:r>
+              <a:rPr lang="en-US" sz="2000" dirty="0" smtClean="0"/>
+              <a:t> </a:t>
+            </a:r>
+            <a:r>
+              <a:rPr lang="en-US" sz="2000" dirty="0" err="1" smtClean="0"/>
+              <a:t>plugin</a:t>
+            </a:r>
+            <a:r>
+              <a:rPr lang="en-US" sz="2000" dirty="0" smtClean="0"/>
+              <a:t>. </a:t>
+            </a:r>
+            <a:r>
+              <a:rPr lang="en-US" sz="2000" dirty="0" err="1" smtClean="0"/>
+              <a:t>Pieno</a:t>
+            </a:r>
+            <a:r>
+              <a:rPr lang="en-US" sz="2000" dirty="0" smtClean="0"/>
+              <a:t> </a:t>
+            </a:r>
+            <a:r>
+              <a:rPr lang="en-US" sz="2000" dirty="0" err="1" smtClean="0"/>
+              <a:t>supporto</a:t>
+            </a:r>
+            <a:r>
+              <a:rPr lang="en-US" sz="2000" dirty="0" smtClean="0"/>
+              <a:t> </a:t>
+            </a:r>
+            <a:r>
+              <a:rPr lang="en-US" sz="2000" dirty="0" err="1" smtClean="0"/>
+              <a:t>alle</a:t>
+            </a:r>
+            <a:r>
+              <a:rPr lang="en-US" sz="2000" dirty="0" smtClean="0"/>
+              <a:t> </a:t>
+            </a:r>
+            <a:r>
+              <a:rPr lang="en-US" sz="2000" dirty="0" err="1" smtClean="0"/>
+              <a:t>configurazioni</a:t>
+            </a:r>
+            <a:r>
+              <a:rPr lang="en-US" sz="2000" dirty="0" smtClean="0"/>
+              <a:t> </a:t>
+            </a:r>
+            <a:r>
+              <a:rPr lang="en-US" sz="2000" dirty="0" err="1" smtClean="0"/>
+              <a:t>avanzate</a:t>
+            </a:r>
+            <a:r>
+              <a:rPr lang="en-US" sz="2000" dirty="0" smtClean="0"/>
+              <a:t>.</a:t>
+            </a:r>
+            <a:endParaRPr lang="en-US" sz="2000" dirty="0" smtClean="0"/>
+          </a:p>
+        </p:txBody>
+      </p:sp>
     </p:spTree>
   </p:cSld>
   <p:clrMapOvr>
@@ -14325,9 +14589,808 @@
   <p:timing>
     <p:tnLst>
       <p:par>
-        <p:cTn id="1" dur="indefinite" restart="never" nodeType="tmRoot"/>
+        <p:cTn id="1" dur="indefinite" restart="never" nodeType="tmRoot">
+          <p:childTnLst>
+            <p:seq concurrent="1" nextAc="seek">
+              <p:cTn id="2" dur="indefinite" nodeType="mainSeq">
+                <p:childTnLst>
+                  <p:par>
+                    <p:cTn id="3" fill="hold">
+                      <p:stCondLst>
+                        <p:cond delay="indefinite"/>
+                      </p:stCondLst>
+                      <p:childTnLst>
+                        <p:par>
+                          <p:cTn id="4" fill="hold">
+                            <p:stCondLst>
+                              <p:cond delay="0"/>
+                            </p:stCondLst>
+                            <p:childTnLst>
+                              <p:par>
+                                <p:cTn id="5" presetID="2" presetClass="entr" presetSubtype="4" fill="hold" grpId="0" nodeType="clickEffect">
+                                  <p:stCondLst>
+                                    <p:cond delay="0"/>
+                                  </p:stCondLst>
+                                  <p:childTnLst>
+                                    <p:set>
+                                      <p:cBhvr>
+                                        <p:cTn id="6" dur="1" fill="hold">
+                                          <p:stCondLst>
+                                            <p:cond delay="0"/>
+                                          </p:stCondLst>
+                                        </p:cTn>
+                                        <p:tgtEl>
+                                          <p:spTgt spid="105"/>
+                                        </p:tgtEl>
+                                        <p:attrNameLst>
+                                          <p:attrName>style.visibility</p:attrName>
+                                        </p:attrNameLst>
+                                      </p:cBhvr>
+                                      <p:to>
+                                        <p:strVal val="visible"/>
+                                      </p:to>
+                                    </p:set>
+                                    <p:anim calcmode="lin" valueType="num">
+                                      <p:cBhvr additive="base">
+                                        <p:cTn id="7" dur="500" fill="hold"/>
+                                        <p:tgtEl>
+                                          <p:spTgt spid="105"/>
+                                        </p:tgtEl>
+                                        <p:attrNameLst>
+                                          <p:attrName>ppt_x</p:attrName>
+                                        </p:attrNameLst>
+                                      </p:cBhvr>
+                                      <p:tavLst>
+                                        <p:tav tm="0">
+                                          <p:val>
+                                            <p:strVal val="#ppt_x"/>
+                                          </p:val>
+                                        </p:tav>
+                                        <p:tav tm="100000">
+                                          <p:val>
+                                            <p:strVal val="#ppt_x"/>
+                                          </p:val>
+                                        </p:tav>
+                                      </p:tavLst>
+                                    </p:anim>
+                                    <p:anim calcmode="lin" valueType="num">
+                                      <p:cBhvr additive="base">
+                                        <p:cTn id="8" dur="500" fill="hold"/>
+                                        <p:tgtEl>
+                                          <p:spTgt spid="105"/>
+                                        </p:tgtEl>
+                                        <p:attrNameLst>
+                                          <p:attrName>ppt_y</p:attrName>
+                                        </p:attrNameLst>
+                                      </p:cBhvr>
+                                      <p:tavLst>
+                                        <p:tav tm="0">
+                                          <p:val>
+                                            <p:strVal val="1+#ppt_h/2"/>
+                                          </p:val>
+                                        </p:tav>
+                                        <p:tav tm="100000">
+                                          <p:val>
+                                            <p:strVal val="#ppt_y"/>
+                                          </p:val>
+                                        </p:tav>
+                                      </p:tavLst>
+                                    </p:anim>
+                                  </p:childTnLst>
+                                </p:cTn>
+                              </p:par>
+                            </p:childTnLst>
+                          </p:cTn>
+                        </p:par>
+                      </p:childTnLst>
+                    </p:cTn>
+                  </p:par>
+                  <p:par>
+                    <p:cTn id="9" fill="hold">
+                      <p:stCondLst>
+                        <p:cond delay="indefinite"/>
+                      </p:stCondLst>
+                      <p:childTnLst>
+                        <p:par>
+                          <p:cTn id="10" fill="hold">
+                            <p:stCondLst>
+                              <p:cond delay="0"/>
+                            </p:stCondLst>
+                            <p:childTnLst>
+                              <p:par>
+                                <p:cTn id="11" presetID="2" presetClass="entr" presetSubtype="4" fill="hold" grpId="0" nodeType="clickEffect">
+                                  <p:stCondLst>
+                                    <p:cond delay="0"/>
+                                  </p:stCondLst>
+                                  <p:childTnLst>
+                                    <p:set>
+                                      <p:cBhvr>
+                                        <p:cTn id="12" dur="1" fill="hold">
+                                          <p:stCondLst>
+                                            <p:cond delay="0"/>
+                                          </p:stCondLst>
+                                        </p:cTn>
+                                        <p:tgtEl>
+                                          <p:spTgt spid="107"/>
+                                        </p:tgtEl>
+                                        <p:attrNameLst>
+                                          <p:attrName>style.visibility</p:attrName>
+                                        </p:attrNameLst>
+                                      </p:cBhvr>
+                                      <p:to>
+                                        <p:strVal val="visible"/>
+                                      </p:to>
+                                    </p:set>
+                                    <p:anim calcmode="lin" valueType="num">
+                                      <p:cBhvr additive="base">
+                                        <p:cTn id="13" dur="500" fill="hold"/>
+                                        <p:tgtEl>
+                                          <p:spTgt spid="107"/>
+                                        </p:tgtEl>
+                                        <p:attrNameLst>
+                                          <p:attrName>ppt_x</p:attrName>
+                                        </p:attrNameLst>
+                                      </p:cBhvr>
+                                      <p:tavLst>
+                                        <p:tav tm="0">
+                                          <p:val>
+                                            <p:strVal val="#ppt_x"/>
+                                          </p:val>
+                                        </p:tav>
+                                        <p:tav tm="100000">
+                                          <p:val>
+                                            <p:strVal val="#ppt_x"/>
+                                          </p:val>
+                                        </p:tav>
+                                      </p:tavLst>
+                                    </p:anim>
+                                    <p:anim calcmode="lin" valueType="num">
+                                      <p:cBhvr additive="base">
+                                        <p:cTn id="14" dur="500" fill="hold"/>
+                                        <p:tgtEl>
+                                          <p:spTgt spid="107"/>
+                                        </p:tgtEl>
+                                        <p:attrNameLst>
+                                          <p:attrName>ppt_y</p:attrName>
+                                        </p:attrNameLst>
+                                      </p:cBhvr>
+                                      <p:tavLst>
+                                        <p:tav tm="0">
+                                          <p:val>
+                                            <p:strVal val="1+#ppt_h/2"/>
+                                          </p:val>
+                                        </p:tav>
+                                        <p:tav tm="100000">
+                                          <p:val>
+                                            <p:strVal val="#ppt_y"/>
+                                          </p:val>
+                                        </p:tav>
+                                      </p:tavLst>
+                                    </p:anim>
+                                  </p:childTnLst>
+                                </p:cTn>
+                              </p:par>
+                            </p:childTnLst>
+                          </p:cTn>
+                        </p:par>
+                      </p:childTnLst>
+                    </p:cTn>
+                  </p:par>
+                  <p:par>
+                    <p:cTn id="15" fill="hold">
+                      <p:stCondLst>
+                        <p:cond delay="indefinite"/>
+                      </p:stCondLst>
+                      <p:childTnLst>
+                        <p:par>
+                          <p:cTn id="16" fill="hold">
+                            <p:stCondLst>
+                              <p:cond delay="0"/>
+                            </p:stCondLst>
+                            <p:childTnLst>
+                              <p:par>
+                                <p:cTn id="17" presetID="10" presetClass="entr" presetSubtype="0" fill="hold" grpId="0" nodeType="clickEffect">
+                                  <p:stCondLst>
+                                    <p:cond delay="0"/>
+                                  </p:stCondLst>
+                                  <p:childTnLst>
+                                    <p:set>
+                                      <p:cBhvr>
+                                        <p:cTn id="18" dur="1" fill="hold">
+                                          <p:stCondLst>
+                                            <p:cond delay="0"/>
+                                          </p:stCondLst>
+                                        </p:cTn>
+                                        <p:tgtEl>
+                                          <p:spTgt spid="89"/>
+                                        </p:tgtEl>
+                                        <p:attrNameLst>
+                                          <p:attrName>style.visibility</p:attrName>
+                                        </p:attrNameLst>
+                                      </p:cBhvr>
+                                      <p:to>
+                                        <p:strVal val="visible"/>
+                                      </p:to>
+                                    </p:set>
+                                    <p:animEffect transition="in" filter="fade">
+                                      <p:cBhvr>
+                                        <p:cTn id="19" dur="2000"/>
+                                        <p:tgtEl>
+                                          <p:spTgt spid="89"/>
+                                        </p:tgtEl>
+                                      </p:cBhvr>
+                                    </p:animEffect>
+                                  </p:childTnLst>
+                                </p:cTn>
+                              </p:par>
+                              <p:par>
+                                <p:cTn id="20" presetID="10" presetClass="entr" presetSubtype="0" fill="hold" grpId="0" nodeType="withEffect">
+                                  <p:stCondLst>
+                                    <p:cond delay="0"/>
+                                  </p:stCondLst>
+                                  <p:childTnLst>
+                                    <p:set>
+                                      <p:cBhvr>
+                                        <p:cTn id="21" dur="1" fill="hold">
+                                          <p:stCondLst>
+                                            <p:cond delay="0"/>
+                                          </p:stCondLst>
+                                        </p:cTn>
+                                        <p:tgtEl>
+                                          <p:spTgt spid="91"/>
+                                        </p:tgtEl>
+                                        <p:attrNameLst>
+                                          <p:attrName>style.visibility</p:attrName>
+                                        </p:attrNameLst>
+                                      </p:cBhvr>
+                                      <p:to>
+                                        <p:strVal val="visible"/>
+                                      </p:to>
+                                    </p:set>
+                                    <p:animEffect transition="in" filter="fade">
+                                      <p:cBhvr>
+                                        <p:cTn id="22" dur="2000"/>
+                                        <p:tgtEl>
+                                          <p:spTgt spid="91"/>
+                                        </p:tgtEl>
+                                      </p:cBhvr>
+                                    </p:animEffect>
+                                  </p:childTnLst>
+                                </p:cTn>
+                              </p:par>
+                              <p:par>
+                                <p:cTn id="23" presetID="10" presetClass="entr" presetSubtype="0" fill="hold" grpId="0" nodeType="withEffect">
+                                  <p:stCondLst>
+                                    <p:cond delay="0"/>
+                                  </p:stCondLst>
+                                  <p:childTnLst>
+                                    <p:set>
+                                      <p:cBhvr>
+                                        <p:cTn id="24" dur="1" fill="hold">
+                                          <p:stCondLst>
+                                            <p:cond delay="0"/>
+                                          </p:stCondLst>
+                                        </p:cTn>
+                                        <p:tgtEl>
+                                          <p:spTgt spid="90"/>
+                                        </p:tgtEl>
+                                        <p:attrNameLst>
+                                          <p:attrName>style.visibility</p:attrName>
+                                        </p:attrNameLst>
+                                      </p:cBhvr>
+                                      <p:to>
+                                        <p:strVal val="visible"/>
+                                      </p:to>
+                                    </p:set>
+                                    <p:animEffect transition="in" filter="fade">
+                                      <p:cBhvr>
+                                        <p:cTn id="25" dur="2000"/>
+                                        <p:tgtEl>
+                                          <p:spTgt spid="90"/>
+                                        </p:tgtEl>
+                                      </p:cBhvr>
+                                    </p:animEffect>
+                                  </p:childTnLst>
+                                </p:cTn>
+                              </p:par>
+                              <p:par>
+                                <p:cTn id="26" presetID="10" presetClass="entr" presetSubtype="0" fill="hold" grpId="0" nodeType="withEffect">
+                                  <p:stCondLst>
+                                    <p:cond delay="0"/>
+                                  </p:stCondLst>
+                                  <p:childTnLst>
+                                    <p:set>
+                                      <p:cBhvr>
+                                        <p:cTn id="27" dur="1" fill="hold">
+                                          <p:stCondLst>
+                                            <p:cond delay="0"/>
+                                          </p:stCondLst>
+                                        </p:cTn>
+                                        <p:tgtEl>
+                                          <p:spTgt spid="92"/>
+                                        </p:tgtEl>
+                                        <p:attrNameLst>
+                                          <p:attrName>style.visibility</p:attrName>
+                                        </p:attrNameLst>
+                                      </p:cBhvr>
+                                      <p:to>
+                                        <p:strVal val="visible"/>
+                                      </p:to>
+                                    </p:set>
+                                    <p:animEffect transition="in" filter="fade">
+                                      <p:cBhvr>
+                                        <p:cTn id="28" dur="2000"/>
+                                        <p:tgtEl>
+                                          <p:spTgt spid="92"/>
+                                        </p:tgtEl>
+                                      </p:cBhvr>
+                                    </p:animEffect>
+                                  </p:childTnLst>
+                                </p:cTn>
+                              </p:par>
+                              <p:par>
+                                <p:cTn id="29" presetID="10" presetClass="entr" presetSubtype="0" fill="hold" nodeType="withEffect">
+                                  <p:stCondLst>
+                                    <p:cond delay="0"/>
+                                  </p:stCondLst>
+                                  <p:childTnLst>
+                                    <p:set>
+                                      <p:cBhvr>
+                                        <p:cTn id="30" dur="1" fill="hold">
+                                          <p:stCondLst>
+                                            <p:cond delay="0"/>
+                                          </p:stCondLst>
+                                        </p:cTn>
+                                        <p:tgtEl>
+                                          <p:spTgt spid="95"/>
+                                        </p:tgtEl>
+                                        <p:attrNameLst>
+                                          <p:attrName>style.visibility</p:attrName>
+                                        </p:attrNameLst>
+                                      </p:cBhvr>
+                                      <p:to>
+                                        <p:strVal val="visible"/>
+                                      </p:to>
+                                    </p:set>
+                                    <p:animEffect transition="in" filter="fade">
+                                      <p:cBhvr>
+                                        <p:cTn id="31" dur="2000"/>
+                                        <p:tgtEl>
+                                          <p:spTgt spid="95"/>
+                                        </p:tgtEl>
+                                      </p:cBhvr>
+                                    </p:animEffect>
+                                  </p:childTnLst>
+                                </p:cTn>
+                              </p:par>
+                              <p:par>
+                                <p:cTn id="32" presetID="10" presetClass="entr" presetSubtype="0" fill="hold" nodeType="withEffect">
+                                  <p:stCondLst>
+                                    <p:cond delay="0"/>
+                                  </p:stCondLst>
+                                  <p:childTnLst>
+                                    <p:set>
+                                      <p:cBhvr>
+                                        <p:cTn id="33" dur="1" fill="hold">
+                                          <p:stCondLst>
+                                            <p:cond delay="0"/>
+                                          </p:stCondLst>
+                                        </p:cTn>
+                                        <p:tgtEl>
+                                          <p:spTgt spid="97"/>
+                                        </p:tgtEl>
+                                        <p:attrNameLst>
+                                          <p:attrName>style.visibility</p:attrName>
+                                        </p:attrNameLst>
+                                      </p:cBhvr>
+                                      <p:to>
+                                        <p:strVal val="visible"/>
+                                      </p:to>
+                                    </p:set>
+                                    <p:animEffect transition="in" filter="fade">
+                                      <p:cBhvr>
+                                        <p:cTn id="34" dur="2000"/>
+                                        <p:tgtEl>
+                                          <p:spTgt spid="97"/>
+                                        </p:tgtEl>
+                                      </p:cBhvr>
+                                    </p:animEffect>
+                                  </p:childTnLst>
+                                </p:cTn>
+                              </p:par>
+                              <p:par>
+                                <p:cTn id="35" presetID="10" presetClass="entr" presetSubtype="0" fill="hold" nodeType="withEffect">
+                                  <p:stCondLst>
+                                    <p:cond delay="0"/>
+                                  </p:stCondLst>
+                                  <p:childTnLst>
+                                    <p:set>
+                                      <p:cBhvr>
+                                        <p:cTn id="36" dur="1" fill="hold">
+                                          <p:stCondLst>
+                                            <p:cond delay="0"/>
+                                          </p:stCondLst>
+                                        </p:cTn>
+                                        <p:tgtEl>
+                                          <p:spTgt spid="103"/>
+                                        </p:tgtEl>
+                                        <p:attrNameLst>
+                                          <p:attrName>style.visibility</p:attrName>
+                                        </p:attrNameLst>
+                                      </p:cBhvr>
+                                      <p:to>
+                                        <p:strVal val="visible"/>
+                                      </p:to>
+                                    </p:set>
+                                    <p:animEffect transition="in" filter="fade">
+                                      <p:cBhvr>
+                                        <p:cTn id="37" dur="2000"/>
+                                        <p:tgtEl>
+                                          <p:spTgt spid="103"/>
+                                        </p:tgtEl>
+                                      </p:cBhvr>
+                                    </p:animEffect>
+                                  </p:childTnLst>
+                                </p:cTn>
+                              </p:par>
+                              <p:par>
+                                <p:cTn id="38" presetID="10" presetClass="entr" presetSubtype="0" fill="hold" grpId="0" nodeType="withEffect">
+                                  <p:stCondLst>
+                                    <p:cond delay="0"/>
+                                  </p:stCondLst>
+                                  <p:childTnLst>
+                                    <p:set>
+                                      <p:cBhvr>
+                                        <p:cTn id="39" dur="1" fill="hold">
+                                          <p:stCondLst>
+                                            <p:cond delay="0"/>
+                                          </p:stCondLst>
+                                        </p:cTn>
+                                        <p:tgtEl>
+                                          <p:spTgt spid="93"/>
+                                        </p:tgtEl>
+                                        <p:attrNameLst>
+                                          <p:attrName>style.visibility</p:attrName>
+                                        </p:attrNameLst>
+                                      </p:cBhvr>
+                                      <p:to>
+                                        <p:strVal val="visible"/>
+                                      </p:to>
+                                    </p:set>
+                                    <p:animEffect transition="in" filter="fade">
+                                      <p:cBhvr>
+                                        <p:cTn id="40" dur="2000"/>
+                                        <p:tgtEl>
+                                          <p:spTgt spid="93"/>
+                                        </p:tgtEl>
+                                      </p:cBhvr>
+                                    </p:animEffect>
+                                  </p:childTnLst>
+                                </p:cTn>
+                              </p:par>
+                            </p:childTnLst>
+                          </p:cTn>
+                        </p:par>
+                      </p:childTnLst>
+                    </p:cTn>
+                  </p:par>
+                  <p:par>
+                    <p:cTn id="41" fill="hold">
+                      <p:stCondLst>
+                        <p:cond delay="indefinite"/>
+                      </p:stCondLst>
+                      <p:childTnLst>
+                        <p:par>
+                          <p:cTn id="42" fill="hold">
+                            <p:stCondLst>
+                              <p:cond delay="0"/>
+                            </p:stCondLst>
+                            <p:childTnLst>
+                              <p:par>
+                                <p:cTn id="43" presetID="2" presetClass="entr" presetSubtype="4" fill="hold" grpId="0" nodeType="clickEffect">
+                                  <p:stCondLst>
+                                    <p:cond delay="0"/>
+                                  </p:stCondLst>
+                                  <p:childTnLst>
+                                    <p:set>
+                                      <p:cBhvr>
+                                        <p:cTn id="44" dur="1" fill="hold">
+                                          <p:stCondLst>
+                                            <p:cond delay="0"/>
+                                          </p:stCondLst>
+                                        </p:cTn>
+                                        <p:tgtEl>
+                                          <p:spTgt spid="108"/>
+                                        </p:tgtEl>
+                                        <p:attrNameLst>
+                                          <p:attrName>style.visibility</p:attrName>
+                                        </p:attrNameLst>
+                                      </p:cBhvr>
+                                      <p:to>
+                                        <p:strVal val="visible"/>
+                                      </p:to>
+                                    </p:set>
+                                    <p:anim calcmode="lin" valueType="num">
+                                      <p:cBhvr additive="base">
+                                        <p:cTn id="45" dur="500" fill="hold"/>
+                                        <p:tgtEl>
+                                          <p:spTgt spid="108"/>
+                                        </p:tgtEl>
+                                        <p:attrNameLst>
+                                          <p:attrName>ppt_x</p:attrName>
+                                        </p:attrNameLst>
+                                      </p:cBhvr>
+                                      <p:tavLst>
+                                        <p:tav tm="0">
+                                          <p:val>
+                                            <p:strVal val="#ppt_x"/>
+                                          </p:val>
+                                        </p:tav>
+                                        <p:tav tm="100000">
+                                          <p:val>
+                                            <p:strVal val="#ppt_x"/>
+                                          </p:val>
+                                        </p:tav>
+                                      </p:tavLst>
+                                    </p:anim>
+                                    <p:anim calcmode="lin" valueType="num">
+                                      <p:cBhvr additive="base">
+                                        <p:cTn id="46" dur="500" fill="hold"/>
+                                        <p:tgtEl>
+                                          <p:spTgt spid="108"/>
+                                        </p:tgtEl>
+                                        <p:attrNameLst>
+                                          <p:attrName>ppt_y</p:attrName>
+                                        </p:attrNameLst>
+                                      </p:cBhvr>
+                                      <p:tavLst>
+                                        <p:tav tm="0">
+                                          <p:val>
+                                            <p:strVal val="1+#ppt_h/2"/>
+                                          </p:val>
+                                        </p:tav>
+                                        <p:tav tm="100000">
+                                          <p:val>
+                                            <p:strVal val="#ppt_y"/>
+                                          </p:val>
+                                        </p:tav>
+                                      </p:tavLst>
+                                    </p:anim>
+                                  </p:childTnLst>
+                                </p:cTn>
+                              </p:par>
+                            </p:childTnLst>
+                          </p:cTn>
+                        </p:par>
+                      </p:childTnLst>
+                    </p:cTn>
+                  </p:par>
+                  <p:par>
+                    <p:cTn id="47" fill="hold">
+                      <p:stCondLst>
+                        <p:cond delay="indefinite"/>
+                      </p:stCondLst>
+                      <p:childTnLst>
+                        <p:par>
+                          <p:cTn id="48" fill="hold">
+                            <p:stCondLst>
+                              <p:cond delay="0"/>
+                            </p:stCondLst>
+                            <p:childTnLst>
+                              <p:par>
+                                <p:cTn id="49" presetID="10" presetClass="entr" presetSubtype="0" fill="hold" nodeType="clickEffect">
+                                  <p:stCondLst>
+                                    <p:cond delay="0"/>
+                                  </p:stCondLst>
+                                  <p:childTnLst>
+                                    <p:set>
+                                      <p:cBhvr>
+                                        <p:cTn id="50" dur="1" fill="hold">
+                                          <p:stCondLst>
+                                            <p:cond delay="0"/>
+                                          </p:stCondLst>
+                                        </p:cTn>
+                                        <p:tgtEl>
+                                          <p:spTgt spid="76"/>
+                                        </p:tgtEl>
+                                        <p:attrNameLst>
+                                          <p:attrName>style.visibility</p:attrName>
+                                        </p:attrNameLst>
+                                      </p:cBhvr>
+                                      <p:to>
+                                        <p:strVal val="visible"/>
+                                      </p:to>
+                                    </p:set>
+                                    <p:animEffect transition="in" filter="fade">
+                                      <p:cBhvr>
+                                        <p:cTn id="51" dur="2000"/>
+                                        <p:tgtEl>
+                                          <p:spTgt spid="76"/>
+                                        </p:tgtEl>
+                                      </p:cBhvr>
+                                    </p:animEffect>
+                                  </p:childTnLst>
+                                </p:cTn>
+                              </p:par>
+                              <p:par>
+                                <p:cTn id="52" presetID="10" presetClass="entr" presetSubtype="0" fill="hold" grpId="0" nodeType="withEffect">
+                                  <p:stCondLst>
+                                    <p:cond delay="0"/>
+                                  </p:stCondLst>
+                                  <p:childTnLst>
+                                    <p:set>
+                                      <p:cBhvr>
+                                        <p:cTn id="53" dur="1" fill="hold">
+                                          <p:stCondLst>
+                                            <p:cond delay="0"/>
+                                          </p:stCondLst>
+                                        </p:cTn>
+                                        <p:tgtEl>
+                                          <p:spTgt spid="74"/>
+                                        </p:tgtEl>
+                                        <p:attrNameLst>
+                                          <p:attrName>style.visibility</p:attrName>
+                                        </p:attrNameLst>
+                                      </p:cBhvr>
+                                      <p:to>
+                                        <p:strVal val="visible"/>
+                                      </p:to>
+                                    </p:set>
+                                    <p:animEffect transition="in" filter="fade">
+                                      <p:cBhvr>
+                                        <p:cTn id="54" dur="2000"/>
+                                        <p:tgtEl>
+                                          <p:spTgt spid="74"/>
+                                        </p:tgtEl>
+                                      </p:cBhvr>
+                                    </p:animEffect>
+                                  </p:childTnLst>
+                                </p:cTn>
+                              </p:par>
+                              <p:par>
+                                <p:cTn id="55" presetID="10" presetClass="entr" presetSubtype="0" fill="hold" nodeType="withEffect">
+                                  <p:stCondLst>
+                                    <p:cond delay="0"/>
+                                  </p:stCondLst>
+                                  <p:childTnLst>
+                                    <p:set>
+                                      <p:cBhvr>
+                                        <p:cTn id="56" dur="1" fill="hold">
+                                          <p:stCondLst>
+                                            <p:cond delay="0"/>
+                                          </p:stCondLst>
+                                        </p:cTn>
+                                        <p:tgtEl>
+                                          <p:spTgt spid="83"/>
+                                        </p:tgtEl>
+                                        <p:attrNameLst>
+                                          <p:attrName>style.visibility</p:attrName>
+                                        </p:attrNameLst>
+                                      </p:cBhvr>
+                                      <p:to>
+                                        <p:strVal val="visible"/>
+                                      </p:to>
+                                    </p:set>
+                                    <p:animEffect transition="in" filter="fade">
+                                      <p:cBhvr>
+                                        <p:cTn id="57" dur="2000"/>
+                                        <p:tgtEl>
+                                          <p:spTgt spid="83"/>
+                                        </p:tgtEl>
+                                      </p:cBhvr>
+                                    </p:animEffect>
+                                  </p:childTnLst>
+                                </p:cTn>
+                              </p:par>
+                              <p:par>
+                                <p:cTn id="58" presetID="10" presetClass="entr" presetSubtype="0" fill="hold" grpId="0" nodeType="withEffect">
+                                  <p:stCondLst>
+                                    <p:cond delay="0"/>
+                                  </p:stCondLst>
+                                  <p:childTnLst>
+                                    <p:set>
+                                      <p:cBhvr>
+                                        <p:cTn id="59" dur="1" fill="hold">
+                                          <p:stCondLst>
+                                            <p:cond delay="0"/>
+                                          </p:stCondLst>
+                                        </p:cTn>
+                                        <p:tgtEl>
+                                          <p:spTgt spid="73"/>
+                                        </p:tgtEl>
+                                        <p:attrNameLst>
+                                          <p:attrName>style.visibility</p:attrName>
+                                        </p:attrNameLst>
+                                      </p:cBhvr>
+                                      <p:to>
+                                        <p:strVal val="visible"/>
+                                      </p:to>
+                                    </p:set>
+                                    <p:animEffect transition="in" filter="fade">
+                                      <p:cBhvr>
+                                        <p:cTn id="60" dur="2000"/>
+                                        <p:tgtEl>
+                                          <p:spTgt spid="73"/>
+                                        </p:tgtEl>
+                                      </p:cBhvr>
+                                    </p:animEffect>
+                                  </p:childTnLst>
+                                </p:cTn>
+                              </p:par>
+                              <p:par>
+                                <p:cTn id="61" presetID="10" presetClass="entr" presetSubtype="0" fill="hold" nodeType="withEffect">
+                                  <p:stCondLst>
+                                    <p:cond delay="0"/>
+                                  </p:stCondLst>
+                                  <p:childTnLst>
+                                    <p:set>
+                                      <p:cBhvr>
+                                        <p:cTn id="62" dur="1" fill="hold">
+                                          <p:stCondLst>
+                                            <p:cond delay="0"/>
+                                          </p:stCondLst>
+                                        </p:cTn>
+                                        <p:tgtEl>
+                                          <p:spTgt spid="85"/>
+                                        </p:tgtEl>
+                                        <p:attrNameLst>
+                                          <p:attrName>style.visibility</p:attrName>
+                                        </p:attrNameLst>
+                                      </p:cBhvr>
+                                      <p:to>
+                                        <p:strVal val="visible"/>
+                                      </p:to>
+                                    </p:set>
+                                    <p:animEffect transition="in" filter="fade">
+                                      <p:cBhvr>
+                                        <p:cTn id="63" dur="2000"/>
+                                        <p:tgtEl>
+                                          <p:spTgt spid="85"/>
+                                        </p:tgtEl>
+                                      </p:cBhvr>
+                                    </p:animEffect>
+                                  </p:childTnLst>
+                                </p:cTn>
+                              </p:par>
+                            </p:childTnLst>
+                          </p:cTn>
+                        </p:par>
+                      </p:childTnLst>
+                    </p:cTn>
+                  </p:par>
+                </p:childTnLst>
+              </p:cTn>
+              <p:prevCondLst>
+                <p:cond evt="onPrev" delay="0">
+                  <p:tgtEl>
+                    <p:sldTgt/>
+                  </p:tgtEl>
+                </p:cond>
+              </p:prevCondLst>
+              <p:nextCondLst>
+                <p:cond evt="onNext" delay="0">
+                  <p:tgtEl>
+                    <p:sldTgt/>
+                  </p:tgtEl>
+                </p:cond>
+              </p:nextCondLst>
+            </p:seq>
+          </p:childTnLst>
+        </p:cTn>
       </p:par>
     </p:tnLst>
+    <p:bldLst>
+      <p:bldP spid="73" grpId="0" animBg="1"/>
+      <p:bldP spid="74" grpId="0" animBg="1"/>
+      <p:bldP spid="89" grpId="0" animBg="1"/>
+      <p:bldP spid="91" grpId="0" animBg="1"/>
+      <p:bldP spid="90" grpId="0" animBg="1"/>
+      <p:bldP spid="92" grpId="0" animBg="1"/>
+      <p:bldP spid="93" grpId="0" animBg="1"/>
+      <p:bldP spid="105" grpId="0"/>
+      <p:bldP spid="107" grpId="0"/>
+      <p:bldP spid="108" grpId="0"/>
+    </p:bldLst>
   </p:timing>
 </p:sld>
 </file>

--- a/thesis_adf/presentazione_tesi/presentazione.pptx
+++ b/thesis_adf/presentazione_tesi/presentazione.pptx
@@ -5,7 +5,7 @@
     <p:sldMasterId id="2147483648" r:id="rId1"/>
   </p:sldMasterIdLst>
   <p:notesMasterIdLst>
-    <p:notesMasterId r:id="rId12"/>
+    <p:notesMasterId r:id="rId14"/>
   </p:notesMasterIdLst>
   <p:sldIdLst>
     <p:sldId id="256" r:id="rId2"/>
@@ -13,11 +13,13 @@
     <p:sldId id="259" r:id="rId4"/>
     <p:sldId id="260" r:id="rId5"/>
     <p:sldId id="261" r:id="rId6"/>
-    <p:sldId id="262" r:id="rId7"/>
-    <p:sldId id="263" r:id="rId8"/>
-    <p:sldId id="264" r:id="rId9"/>
-    <p:sldId id="265" r:id="rId10"/>
-    <p:sldId id="266" r:id="rId11"/>
+    <p:sldId id="267" r:id="rId7"/>
+    <p:sldId id="268" r:id="rId8"/>
+    <p:sldId id="262" r:id="rId9"/>
+    <p:sldId id="263" r:id="rId10"/>
+    <p:sldId id="264" r:id="rId11"/>
+    <p:sldId id="265" r:id="rId12"/>
+    <p:sldId id="266" r:id="rId13"/>
   </p:sldIdLst>
   <p:sldSz cx="9144000" cy="6858000" type="screen4x3"/>
   <p:notesSz cx="6858000" cy="9144000"/>
@@ -120,6 +122,881 @@
 </file>
 
 <file path=ppt/diagrams/colors1.xml><?xml version="1.0" encoding="utf-8"?>
+<dgm:colorsDef xmlns:dgm="http://schemas.openxmlformats.org/drawingml/2006/diagram" xmlns:a="http://schemas.openxmlformats.org/drawingml/2006/main" uniqueId="urn:microsoft.com/office/officeart/2005/8/colors/accent1_3">
+  <dgm:title val=""/>
+  <dgm:desc val=""/>
+  <dgm:catLst>
+    <dgm:cat type="accent1" pri="11300"/>
+  </dgm:catLst>
+  <dgm:styleLbl name="node0">
+    <dgm:fillClrLst meth="repeat">
+      <a:schemeClr val="accent1">
+        <a:shade val="80000"/>
+      </a:schemeClr>
+    </dgm:fillClrLst>
+    <dgm:linClrLst meth="repeat">
+      <a:schemeClr val="lt1"/>
+    </dgm:linClrLst>
+    <dgm:effectClrLst/>
+    <dgm:txLinClrLst/>
+    <dgm:txFillClrLst/>
+    <dgm:txEffectClrLst/>
+  </dgm:styleLbl>
+  <dgm:styleLbl name="alignNode1">
+    <dgm:fillClrLst>
+      <a:schemeClr val="accent1">
+        <a:shade val="80000"/>
+      </a:schemeClr>
+      <a:schemeClr val="accent1">
+        <a:tint val="70000"/>
+      </a:schemeClr>
+    </dgm:fillClrLst>
+    <dgm:linClrLst>
+      <a:schemeClr val="accent1">
+        <a:shade val="80000"/>
+      </a:schemeClr>
+      <a:schemeClr val="accent1">
+        <a:tint val="70000"/>
+      </a:schemeClr>
+    </dgm:linClrLst>
+    <dgm:effectClrLst/>
+    <dgm:txLinClrLst/>
+    <dgm:txFillClrLst/>
+    <dgm:txEffectClrLst/>
+  </dgm:styleLbl>
+  <dgm:styleLbl name="node1">
+    <dgm:fillClrLst>
+      <a:schemeClr val="accent1">
+        <a:shade val="80000"/>
+      </a:schemeClr>
+      <a:schemeClr val="accent1">
+        <a:tint val="70000"/>
+      </a:schemeClr>
+    </dgm:fillClrLst>
+    <dgm:linClrLst meth="repeat">
+      <a:schemeClr val="lt1"/>
+    </dgm:linClrLst>
+    <dgm:effectClrLst/>
+    <dgm:txLinClrLst/>
+    <dgm:txFillClrLst/>
+    <dgm:txEffectClrLst/>
+  </dgm:styleLbl>
+  <dgm:styleLbl name="lnNode1">
+    <dgm:fillClrLst>
+      <a:schemeClr val="accent1">
+        <a:shade val="80000"/>
+      </a:schemeClr>
+      <a:schemeClr val="accent1">
+        <a:tint val="70000"/>
+      </a:schemeClr>
+    </dgm:fillClrLst>
+    <dgm:linClrLst meth="repeat">
+      <a:schemeClr val="lt1"/>
+    </dgm:linClrLst>
+    <dgm:effectClrLst/>
+    <dgm:txLinClrLst/>
+    <dgm:txFillClrLst/>
+    <dgm:txEffectClrLst/>
+  </dgm:styleLbl>
+  <dgm:styleLbl name="vennNode1">
+    <dgm:fillClrLst>
+      <a:schemeClr val="accent1">
+        <a:shade val="80000"/>
+        <a:alpha val="50000"/>
+      </a:schemeClr>
+      <a:schemeClr val="accent1">
+        <a:tint val="70000"/>
+        <a:alpha val="50000"/>
+      </a:schemeClr>
+    </dgm:fillClrLst>
+    <dgm:linClrLst meth="repeat">
+      <a:schemeClr val="lt1"/>
+    </dgm:linClrLst>
+    <dgm:effectClrLst/>
+    <dgm:txLinClrLst/>
+    <dgm:txFillClrLst/>
+    <dgm:txEffectClrLst/>
+  </dgm:styleLbl>
+  <dgm:styleLbl name="node2">
+    <dgm:fillClrLst>
+      <a:schemeClr val="accent1">
+        <a:tint val="99000"/>
+      </a:schemeClr>
+    </dgm:fillClrLst>
+    <dgm:linClrLst meth="repeat">
+      <a:schemeClr val="lt1"/>
+    </dgm:linClrLst>
+    <dgm:effectClrLst/>
+    <dgm:txLinClrLst/>
+    <dgm:txFillClrLst/>
+    <dgm:txEffectClrLst/>
+  </dgm:styleLbl>
+  <dgm:styleLbl name="node3">
+    <dgm:fillClrLst>
+      <a:schemeClr val="accent1">
+        <a:tint val="80000"/>
+      </a:schemeClr>
+    </dgm:fillClrLst>
+    <dgm:linClrLst meth="repeat">
+      <a:schemeClr val="lt1"/>
+    </dgm:linClrLst>
+    <dgm:effectClrLst/>
+    <dgm:txLinClrLst/>
+    <dgm:txFillClrLst/>
+    <dgm:txEffectClrLst/>
+  </dgm:styleLbl>
+  <dgm:styleLbl name="node4">
+    <dgm:fillClrLst>
+      <a:schemeClr val="accent1">
+        <a:tint val="70000"/>
+      </a:schemeClr>
+    </dgm:fillClrLst>
+    <dgm:linClrLst meth="repeat">
+      <a:schemeClr val="lt1"/>
+    </dgm:linClrLst>
+    <dgm:effectClrLst/>
+    <dgm:txLinClrLst/>
+    <dgm:txFillClrLst/>
+    <dgm:txEffectClrLst/>
+  </dgm:styleLbl>
+  <dgm:styleLbl name="fgImgPlace1">
+    <dgm:fillClrLst>
+      <a:schemeClr val="accent1">
+        <a:tint val="50000"/>
+      </a:schemeClr>
+      <a:schemeClr val="accent1">
+        <a:tint val="20000"/>
+      </a:schemeClr>
+    </dgm:fillClrLst>
+    <dgm:linClrLst meth="repeat">
+      <a:schemeClr val="lt1"/>
+    </dgm:linClrLst>
+    <dgm:effectClrLst/>
+    <dgm:txLinClrLst/>
+    <dgm:txFillClrLst meth="repeat">
+      <a:schemeClr val="lt1"/>
+    </dgm:txFillClrLst>
+    <dgm:txEffectClrLst/>
+  </dgm:styleLbl>
+  <dgm:styleLbl name="alignImgPlace1">
+    <dgm:fillClrLst>
+      <a:schemeClr val="accent1">
+        <a:tint val="50000"/>
+      </a:schemeClr>
+      <a:schemeClr val="accent1">
+        <a:tint val="20000"/>
+      </a:schemeClr>
+    </dgm:fillClrLst>
+    <dgm:linClrLst meth="repeat">
+      <a:schemeClr val="lt1"/>
+    </dgm:linClrLst>
+    <dgm:effectClrLst/>
+    <dgm:txLinClrLst/>
+    <dgm:txFillClrLst meth="repeat">
+      <a:schemeClr val="lt1"/>
+    </dgm:txFillClrLst>
+    <dgm:txEffectClrLst/>
+  </dgm:styleLbl>
+  <dgm:styleLbl name="bgImgPlace1">
+    <dgm:fillClrLst>
+      <a:schemeClr val="accent1">
+        <a:tint val="50000"/>
+      </a:schemeClr>
+      <a:schemeClr val="accent1">
+        <a:tint val="20000"/>
+      </a:schemeClr>
+    </dgm:fillClrLst>
+    <dgm:linClrLst meth="repeat">
+      <a:schemeClr val="lt1"/>
+    </dgm:linClrLst>
+    <dgm:effectClrLst/>
+    <dgm:txLinClrLst/>
+    <dgm:txFillClrLst meth="repeat">
+      <a:schemeClr val="lt1"/>
+    </dgm:txFillClrLst>
+    <dgm:txEffectClrLst/>
+  </dgm:styleLbl>
+  <dgm:styleLbl name="sibTrans2D1">
+    <dgm:fillClrLst>
+      <a:schemeClr val="accent1">
+        <a:shade val="90000"/>
+      </a:schemeClr>
+      <a:schemeClr val="accent1">
+        <a:tint val="70000"/>
+      </a:schemeClr>
+    </dgm:fillClrLst>
+    <dgm:linClrLst>
+      <a:schemeClr val="accent1">
+        <a:shade val="90000"/>
+      </a:schemeClr>
+      <a:schemeClr val="accent1">
+        <a:tint val="70000"/>
+      </a:schemeClr>
+    </dgm:linClrLst>
+    <dgm:effectClrLst/>
+    <dgm:txLinClrLst/>
+    <dgm:txFillClrLst/>
+    <dgm:txEffectClrLst/>
+  </dgm:styleLbl>
+  <dgm:styleLbl name="fgSibTrans2D1">
+    <dgm:fillClrLst>
+      <a:schemeClr val="accent1">
+        <a:shade val="90000"/>
+      </a:schemeClr>
+      <a:schemeClr val="accent1">
+        <a:tint val="70000"/>
+      </a:schemeClr>
+    </dgm:fillClrLst>
+    <dgm:linClrLst>
+      <a:schemeClr val="accent1">
+        <a:shade val="90000"/>
+      </a:schemeClr>
+      <a:schemeClr val="accent1">
+        <a:tint val="70000"/>
+      </a:schemeClr>
+    </dgm:linClrLst>
+    <dgm:effectClrLst/>
+    <dgm:txLinClrLst/>
+    <dgm:txFillClrLst meth="repeat">
+      <a:schemeClr val="lt1"/>
+    </dgm:txFillClrLst>
+    <dgm:txEffectClrLst/>
+  </dgm:styleLbl>
+  <dgm:styleLbl name="bgSibTrans2D1">
+    <dgm:fillClrLst>
+      <a:schemeClr val="accent1">
+        <a:shade val="90000"/>
+      </a:schemeClr>
+      <a:schemeClr val="accent1">
+        <a:tint val="70000"/>
+      </a:schemeClr>
+    </dgm:fillClrLst>
+    <dgm:linClrLst>
+      <a:schemeClr val="accent1">
+        <a:shade val="90000"/>
+      </a:schemeClr>
+      <a:schemeClr val="accent1">
+        <a:tint val="70000"/>
+      </a:schemeClr>
+    </dgm:linClrLst>
+    <dgm:effectClrLst/>
+    <dgm:txLinClrLst/>
+    <dgm:txFillClrLst meth="repeat">
+      <a:schemeClr val="lt1"/>
+    </dgm:txFillClrLst>
+    <dgm:txEffectClrLst/>
+  </dgm:styleLbl>
+  <dgm:styleLbl name="sibTrans1D1">
+    <dgm:fillClrLst>
+      <a:schemeClr val="accent1">
+        <a:shade val="90000"/>
+      </a:schemeClr>
+      <a:schemeClr val="accent1">
+        <a:tint val="70000"/>
+      </a:schemeClr>
+    </dgm:fillClrLst>
+    <dgm:linClrLst>
+      <a:schemeClr val="accent1">
+        <a:shade val="90000"/>
+      </a:schemeClr>
+      <a:schemeClr val="accent1">
+        <a:tint val="70000"/>
+      </a:schemeClr>
+    </dgm:linClrLst>
+    <dgm:effectClrLst/>
+    <dgm:txLinClrLst/>
+    <dgm:txFillClrLst meth="repeat">
+      <a:schemeClr val="tx1"/>
+    </dgm:txFillClrLst>
+    <dgm:txEffectClrLst/>
+  </dgm:styleLbl>
+  <dgm:styleLbl name="callout">
+    <dgm:fillClrLst meth="repeat">
+      <a:schemeClr val="accent1"/>
+    </dgm:fillClrLst>
+    <dgm:linClrLst meth="repeat">
+      <a:schemeClr val="accent1"/>
+    </dgm:linClrLst>
+    <dgm:effectClrLst/>
+    <dgm:txLinClrLst/>
+    <dgm:txFillClrLst meth="repeat">
+      <a:schemeClr val="tx1"/>
+    </dgm:txFillClrLst>
+    <dgm:txEffectClrLst/>
+  </dgm:styleLbl>
+  <dgm:styleLbl name="asst0">
+    <dgm:fillClrLst meth="repeat">
+      <a:schemeClr val="accent1">
+        <a:shade val="80000"/>
+      </a:schemeClr>
+    </dgm:fillClrLst>
+    <dgm:linClrLst meth="repeat">
+      <a:schemeClr val="lt1"/>
+    </dgm:linClrLst>
+    <dgm:effectClrLst/>
+    <dgm:txLinClrLst/>
+    <dgm:txFillClrLst/>
+    <dgm:txEffectClrLst/>
+  </dgm:styleLbl>
+  <dgm:styleLbl name="asst1">
+    <dgm:fillClrLst meth="repeat">
+      <a:schemeClr val="accent1">
+        <a:shade val="80000"/>
+      </a:schemeClr>
+    </dgm:fillClrLst>
+    <dgm:linClrLst meth="repeat">
+      <a:schemeClr val="lt1"/>
+    </dgm:linClrLst>
+    <dgm:effectClrLst/>
+    <dgm:txLinClrLst/>
+    <dgm:txFillClrLst/>
+    <dgm:txEffectClrLst/>
+  </dgm:styleLbl>
+  <dgm:styleLbl name="asst2">
+    <dgm:fillClrLst>
+      <a:schemeClr val="accent1">
+        <a:tint val="99000"/>
+      </a:schemeClr>
+    </dgm:fillClrLst>
+    <dgm:linClrLst meth="repeat">
+      <a:schemeClr val="lt1"/>
+    </dgm:linClrLst>
+    <dgm:effectClrLst/>
+    <dgm:txLinClrLst/>
+    <dgm:txFillClrLst/>
+    <dgm:txEffectClrLst/>
+  </dgm:styleLbl>
+  <dgm:styleLbl name="asst3">
+    <dgm:fillClrLst>
+      <a:schemeClr val="accent1">
+        <a:tint val="80000"/>
+      </a:schemeClr>
+    </dgm:fillClrLst>
+    <dgm:linClrLst meth="repeat">
+      <a:schemeClr val="lt1"/>
+    </dgm:linClrLst>
+    <dgm:effectClrLst/>
+    <dgm:txLinClrLst/>
+    <dgm:txFillClrLst/>
+    <dgm:txEffectClrLst/>
+  </dgm:styleLbl>
+  <dgm:styleLbl name="asst4">
+    <dgm:fillClrLst>
+      <a:schemeClr val="accent1">
+        <a:tint val="70000"/>
+      </a:schemeClr>
+    </dgm:fillClrLst>
+    <dgm:linClrLst meth="repeat">
+      <a:schemeClr val="lt1"/>
+    </dgm:linClrLst>
+    <dgm:effectClrLst/>
+    <dgm:txLinClrLst/>
+    <dgm:txFillClrLst/>
+    <dgm:txEffectClrLst/>
+  </dgm:styleLbl>
+  <dgm:styleLbl name="parChTrans2D1">
+    <dgm:fillClrLst meth="repeat">
+      <a:schemeClr val="accent1">
+        <a:tint val="60000"/>
+      </a:schemeClr>
+    </dgm:fillClrLst>
+    <dgm:linClrLst meth="repeat">
+      <a:schemeClr val="accent1">
+        <a:tint val="60000"/>
+      </a:schemeClr>
+    </dgm:linClrLst>
+    <dgm:effectClrLst/>
+    <dgm:txLinClrLst/>
+    <dgm:txFillClrLst meth="repeat">
+      <a:schemeClr val="lt1"/>
+    </dgm:txFillClrLst>
+    <dgm:txEffectClrLst/>
+  </dgm:styleLbl>
+  <dgm:styleLbl name="parChTrans2D2">
+    <dgm:fillClrLst meth="repeat">
+      <a:schemeClr val="accent1">
+        <a:tint val="90000"/>
+      </a:schemeClr>
+    </dgm:fillClrLst>
+    <dgm:linClrLst meth="repeat">
+      <a:schemeClr val="accent1">
+        <a:tint val="90000"/>
+      </a:schemeClr>
+    </dgm:linClrLst>
+    <dgm:effectClrLst/>
+    <dgm:txLinClrLst/>
+    <dgm:txFillClrLst/>
+    <dgm:txEffectClrLst/>
+  </dgm:styleLbl>
+  <dgm:styleLbl name="parChTrans2D3">
+    <dgm:fillClrLst meth="repeat">
+      <a:schemeClr val="accent1">
+        <a:tint val="70000"/>
+      </a:schemeClr>
+    </dgm:fillClrLst>
+    <dgm:linClrLst meth="repeat">
+      <a:schemeClr val="accent1">
+        <a:tint val="70000"/>
+      </a:schemeClr>
+    </dgm:linClrLst>
+    <dgm:effectClrLst/>
+    <dgm:txLinClrLst/>
+    <dgm:txFillClrLst/>
+    <dgm:txEffectClrLst/>
+  </dgm:styleLbl>
+  <dgm:styleLbl name="parChTrans2D4">
+    <dgm:fillClrLst meth="repeat">
+      <a:schemeClr val="accent1">
+        <a:tint val="50000"/>
+      </a:schemeClr>
+    </dgm:fillClrLst>
+    <dgm:linClrLst meth="repeat">
+      <a:schemeClr val="accent1">
+        <a:tint val="50000"/>
+      </a:schemeClr>
+    </dgm:linClrLst>
+    <dgm:effectClrLst/>
+    <dgm:txLinClrLst/>
+    <dgm:txFillClrLst meth="repeat">
+      <a:schemeClr val="lt1"/>
+    </dgm:txFillClrLst>
+    <dgm:txEffectClrLst/>
+  </dgm:styleLbl>
+  <dgm:styleLbl name="parChTrans1D1">
+    <dgm:fillClrLst meth="repeat">
+      <a:schemeClr val="accent1">
+        <a:shade val="80000"/>
+      </a:schemeClr>
+    </dgm:fillClrLst>
+    <dgm:linClrLst meth="repeat">
+      <a:schemeClr val="accent1">
+        <a:shade val="80000"/>
+      </a:schemeClr>
+    </dgm:linClrLst>
+    <dgm:effectClrLst/>
+    <dgm:txLinClrLst/>
+    <dgm:txFillClrLst meth="repeat">
+      <a:schemeClr val="tx1"/>
+    </dgm:txFillClrLst>
+    <dgm:txEffectClrLst/>
+  </dgm:styleLbl>
+  <dgm:styleLbl name="parChTrans1D2">
+    <dgm:fillClrLst meth="repeat">
+      <a:schemeClr val="accent1">
+        <a:tint val="99000"/>
+      </a:schemeClr>
+    </dgm:fillClrLst>
+    <dgm:linClrLst meth="repeat">
+      <a:schemeClr val="accent1">
+        <a:tint val="99000"/>
+      </a:schemeClr>
+    </dgm:linClrLst>
+    <dgm:effectClrLst/>
+    <dgm:txLinClrLst/>
+    <dgm:txFillClrLst meth="repeat">
+      <a:schemeClr val="tx1"/>
+    </dgm:txFillClrLst>
+    <dgm:txEffectClrLst/>
+  </dgm:styleLbl>
+  <dgm:styleLbl name="parChTrans1D3">
+    <dgm:fillClrLst meth="repeat">
+      <a:schemeClr val="accent1">
+        <a:tint val="80000"/>
+      </a:schemeClr>
+    </dgm:fillClrLst>
+    <dgm:linClrLst meth="repeat">
+      <a:schemeClr val="accent1">
+        <a:tint val="80000"/>
+      </a:schemeClr>
+    </dgm:linClrLst>
+    <dgm:effectClrLst/>
+    <dgm:txLinClrLst/>
+    <dgm:txFillClrLst meth="repeat">
+      <a:schemeClr val="tx1"/>
+    </dgm:txFillClrLst>
+    <dgm:txEffectClrLst/>
+  </dgm:styleLbl>
+  <dgm:styleLbl name="parChTrans1D4">
+    <dgm:fillClrLst meth="repeat">
+      <a:schemeClr val="accent1">
+        <a:tint val="70000"/>
+      </a:schemeClr>
+    </dgm:fillClrLst>
+    <dgm:linClrLst meth="repeat">
+      <a:schemeClr val="accent1">
+        <a:tint val="70000"/>
+      </a:schemeClr>
+    </dgm:linClrLst>
+    <dgm:effectClrLst/>
+    <dgm:txLinClrLst/>
+    <dgm:txFillClrLst meth="repeat">
+      <a:schemeClr val="tx1"/>
+    </dgm:txFillClrLst>
+    <dgm:txEffectClrLst/>
+  </dgm:styleLbl>
+  <dgm:styleLbl name="fgAcc1">
+    <dgm:fillClrLst meth="repeat">
+      <a:schemeClr val="lt1">
+        <a:alpha val="90000"/>
+      </a:schemeClr>
+    </dgm:fillClrLst>
+    <dgm:linClrLst>
+      <a:schemeClr val="accent1">
+        <a:shade val="80000"/>
+      </a:schemeClr>
+      <a:schemeClr val="accent1">
+        <a:tint val="70000"/>
+      </a:schemeClr>
+    </dgm:linClrLst>
+    <dgm:effectClrLst/>
+    <dgm:txLinClrLst/>
+    <dgm:txFillClrLst meth="repeat">
+      <a:schemeClr val="dk1"/>
+    </dgm:txFillClrLst>
+    <dgm:txEffectClrLst/>
+  </dgm:styleLbl>
+  <dgm:styleLbl name="conFgAcc1">
+    <dgm:fillClrLst meth="repeat">
+      <a:schemeClr val="lt1">
+        <a:alpha val="90000"/>
+      </a:schemeClr>
+    </dgm:fillClrLst>
+    <dgm:linClrLst>
+      <a:schemeClr val="accent1">
+        <a:shade val="80000"/>
+      </a:schemeClr>
+      <a:schemeClr val="accent1">
+        <a:tint val="70000"/>
+      </a:schemeClr>
+    </dgm:linClrLst>
+    <dgm:effectClrLst/>
+    <dgm:txLinClrLst/>
+    <dgm:txFillClrLst meth="repeat">
+      <a:schemeClr val="dk1"/>
+    </dgm:txFillClrLst>
+    <dgm:txEffectClrLst/>
+  </dgm:styleLbl>
+  <dgm:styleLbl name="alignAcc1">
+    <dgm:fillClrLst meth="repeat">
+      <a:schemeClr val="lt1">
+        <a:alpha val="90000"/>
+      </a:schemeClr>
+    </dgm:fillClrLst>
+    <dgm:linClrLst>
+      <a:schemeClr val="accent1">
+        <a:shade val="80000"/>
+      </a:schemeClr>
+      <a:schemeClr val="accent1">
+        <a:tint val="70000"/>
+      </a:schemeClr>
+    </dgm:linClrLst>
+    <dgm:effectClrLst/>
+    <dgm:txLinClrLst/>
+    <dgm:txFillClrLst meth="repeat">
+      <a:schemeClr val="dk1"/>
+    </dgm:txFillClrLst>
+    <dgm:txEffectClrLst/>
+  </dgm:styleLbl>
+  <dgm:styleLbl name="trAlignAcc1">
+    <dgm:fillClrLst meth="repeat">
+      <a:schemeClr val="lt1">
+        <a:alpha val="40000"/>
+      </a:schemeClr>
+    </dgm:fillClrLst>
+    <dgm:linClrLst meth="repeat">
+      <a:schemeClr val="accent1"/>
+    </dgm:linClrLst>
+    <dgm:effectClrLst/>
+    <dgm:txLinClrLst/>
+    <dgm:txFillClrLst meth="repeat">
+      <a:schemeClr val="dk1"/>
+    </dgm:txFillClrLst>
+    <dgm:txEffectClrLst/>
+  </dgm:styleLbl>
+  <dgm:styleLbl name="bgAcc1">
+    <dgm:fillClrLst meth="repeat">
+      <a:schemeClr val="lt1">
+        <a:alpha val="90000"/>
+      </a:schemeClr>
+    </dgm:fillClrLst>
+    <dgm:linClrLst>
+      <a:schemeClr val="accent1">
+        <a:shade val="80000"/>
+      </a:schemeClr>
+      <a:schemeClr val="accent1">
+        <a:tint val="70000"/>
+      </a:schemeClr>
+    </dgm:linClrLst>
+    <dgm:effectClrLst/>
+    <dgm:txLinClrLst/>
+    <dgm:txFillClrLst meth="repeat">
+      <a:schemeClr val="dk1"/>
+    </dgm:txFillClrLst>
+    <dgm:txEffectClrLst/>
+  </dgm:styleLbl>
+  <dgm:styleLbl name="solidFgAcc1">
+    <dgm:fillClrLst meth="repeat">
+      <a:schemeClr val="lt1"/>
+    </dgm:fillClrLst>
+    <dgm:linClrLst>
+      <a:schemeClr val="accent1">
+        <a:shade val="80000"/>
+      </a:schemeClr>
+      <a:schemeClr val="accent1">
+        <a:tint val="70000"/>
+      </a:schemeClr>
+    </dgm:linClrLst>
+    <dgm:effectClrLst/>
+    <dgm:txLinClrLst/>
+    <dgm:txFillClrLst meth="repeat">
+      <a:schemeClr val="dk1"/>
+    </dgm:txFillClrLst>
+    <dgm:txEffectClrLst/>
+  </dgm:styleLbl>
+  <dgm:styleLbl name="solidAlignAcc1">
+    <dgm:fillClrLst meth="repeat">
+      <a:schemeClr val="lt1"/>
+    </dgm:fillClrLst>
+    <dgm:linClrLst meth="repeat">
+      <a:schemeClr val="accent1"/>
+    </dgm:linClrLst>
+    <dgm:effectClrLst/>
+    <dgm:txLinClrLst/>
+    <dgm:txFillClrLst meth="repeat">
+      <a:schemeClr val="dk1"/>
+    </dgm:txFillClrLst>
+    <dgm:txEffectClrLst/>
+  </dgm:styleLbl>
+  <dgm:styleLbl name="solidBgAcc1">
+    <dgm:fillClrLst meth="repeat">
+      <a:schemeClr val="lt1"/>
+    </dgm:fillClrLst>
+    <dgm:linClrLst meth="repeat">
+      <a:schemeClr val="accent1"/>
+    </dgm:linClrLst>
+    <dgm:effectClrLst/>
+    <dgm:txLinClrLst/>
+    <dgm:txFillClrLst meth="repeat">
+      <a:schemeClr val="dk1"/>
+    </dgm:txFillClrLst>
+    <dgm:txEffectClrLst/>
+  </dgm:styleLbl>
+  <dgm:styleLbl name="fgAccFollowNode1">
+    <dgm:fillClrLst meth="repeat">
+      <a:schemeClr val="accent1">
+        <a:alpha val="90000"/>
+        <a:tint val="40000"/>
+      </a:schemeClr>
+    </dgm:fillClrLst>
+    <dgm:linClrLst meth="repeat">
+      <a:schemeClr val="accent1">
+        <a:alpha val="90000"/>
+        <a:tint val="40000"/>
+      </a:schemeClr>
+    </dgm:linClrLst>
+    <dgm:effectClrLst/>
+    <dgm:txLinClrLst/>
+    <dgm:txFillClrLst meth="repeat">
+      <a:schemeClr val="dk1"/>
+    </dgm:txFillClrLst>
+    <dgm:txEffectClrLst/>
+  </dgm:styleLbl>
+  <dgm:styleLbl name="alignAccFollowNode1">
+    <dgm:fillClrLst meth="repeat">
+      <a:schemeClr val="accent1">
+        <a:alpha val="90000"/>
+        <a:tint val="40000"/>
+      </a:schemeClr>
+    </dgm:fillClrLst>
+    <dgm:linClrLst meth="repeat">
+      <a:schemeClr val="accent1">
+        <a:alpha val="90000"/>
+        <a:tint val="40000"/>
+      </a:schemeClr>
+    </dgm:linClrLst>
+    <dgm:effectClrLst/>
+    <dgm:txLinClrLst/>
+    <dgm:txFillClrLst meth="repeat">
+      <a:schemeClr val="dk1"/>
+    </dgm:txFillClrLst>
+    <dgm:txEffectClrLst/>
+  </dgm:styleLbl>
+  <dgm:styleLbl name="bgAccFollowNode1">
+    <dgm:fillClrLst meth="repeat">
+      <a:schemeClr val="accent1">
+        <a:alpha val="90000"/>
+        <a:tint val="40000"/>
+      </a:schemeClr>
+    </dgm:fillClrLst>
+    <dgm:linClrLst meth="repeat">
+      <a:schemeClr val="lt1"/>
+    </dgm:linClrLst>
+    <dgm:effectClrLst/>
+    <dgm:txLinClrLst/>
+    <dgm:txFillClrLst meth="repeat">
+      <a:schemeClr val="dk1"/>
+    </dgm:txFillClrLst>
+    <dgm:txEffectClrLst/>
+  </dgm:styleLbl>
+  <dgm:styleLbl name="fgAcc0">
+    <dgm:fillClrLst meth="repeat">
+      <a:schemeClr val="lt1">
+        <a:alpha val="90000"/>
+      </a:schemeClr>
+    </dgm:fillClrLst>
+    <dgm:linClrLst meth="repeat">
+      <a:schemeClr val="accent1">
+        <a:shade val="80000"/>
+      </a:schemeClr>
+    </dgm:linClrLst>
+    <dgm:effectClrLst/>
+    <dgm:txLinClrLst/>
+    <dgm:txFillClrLst meth="repeat">
+      <a:schemeClr val="dk1"/>
+    </dgm:txFillClrLst>
+    <dgm:txEffectClrLst/>
+  </dgm:styleLbl>
+  <dgm:styleLbl name="fgAcc2">
+    <dgm:fillClrLst meth="repeat">
+      <a:schemeClr val="lt1">
+        <a:alpha val="90000"/>
+      </a:schemeClr>
+    </dgm:fillClrLst>
+    <dgm:linClrLst meth="repeat">
+      <a:schemeClr val="accent1">
+        <a:tint val="99000"/>
+      </a:schemeClr>
+    </dgm:linClrLst>
+    <dgm:effectClrLst/>
+    <dgm:txLinClrLst/>
+    <dgm:txFillClrLst meth="repeat">
+      <a:schemeClr val="dk1"/>
+    </dgm:txFillClrLst>
+    <dgm:txEffectClrLst/>
+  </dgm:styleLbl>
+  <dgm:styleLbl name="fgAcc3">
+    <dgm:fillClrLst meth="repeat">
+      <a:schemeClr val="lt1">
+        <a:alpha val="90000"/>
+      </a:schemeClr>
+    </dgm:fillClrLst>
+    <dgm:linClrLst meth="repeat">
+      <a:schemeClr val="accent1">
+        <a:tint val="80000"/>
+      </a:schemeClr>
+    </dgm:linClrLst>
+    <dgm:effectClrLst/>
+    <dgm:txLinClrLst/>
+    <dgm:txFillClrLst meth="repeat">
+      <a:schemeClr val="dk1"/>
+    </dgm:txFillClrLst>
+    <dgm:txEffectClrLst/>
+  </dgm:styleLbl>
+  <dgm:styleLbl name="fgAcc4">
+    <dgm:fillClrLst meth="repeat">
+      <a:schemeClr val="lt1">
+        <a:alpha val="90000"/>
+      </a:schemeClr>
+    </dgm:fillClrLst>
+    <dgm:linClrLst meth="repeat">
+      <a:schemeClr val="accent1">
+        <a:tint val="70000"/>
+      </a:schemeClr>
+    </dgm:linClrLst>
+    <dgm:effectClrLst/>
+    <dgm:txLinClrLst/>
+    <dgm:txFillClrLst meth="repeat">
+      <a:schemeClr val="dk1"/>
+    </dgm:txFillClrLst>
+    <dgm:txEffectClrLst/>
+  </dgm:styleLbl>
+  <dgm:styleLbl name="bgShp">
+    <dgm:fillClrLst meth="repeat">
+      <a:schemeClr val="accent1">
+        <a:tint val="40000"/>
+      </a:schemeClr>
+    </dgm:fillClrLst>
+    <dgm:linClrLst meth="repeat">
+      <a:schemeClr val="dk1"/>
+    </dgm:linClrLst>
+    <dgm:effectClrLst/>
+    <dgm:txLinClrLst/>
+    <dgm:txFillClrLst meth="repeat">
+      <a:schemeClr val="dk1"/>
+    </dgm:txFillClrLst>
+    <dgm:txEffectClrLst/>
+  </dgm:styleLbl>
+  <dgm:styleLbl name="dkBgShp">
+    <dgm:fillClrLst meth="repeat">
+      <a:schemeClr val="accent1">
+        <a:shade val="90000"/>
+      </a:schemeClr>
+    </dgm:fillClrLst>
+    <dgm:linClrLst meth="repeat">
+      <a:schemeClr val="dk1"/>
+    </dgm:linClrLst>
+    <dgm:effectClrLst/>
+    <dgm:txLinClrLst/>
+    <dgm:txFillClrLst meth="repeat">
+      <a:schemeClr val="lt1"/>
+    </dgm:txFillClrLst>
+    <dgm:txEffectClrLst/>
+  </dgm:styleLbl>
+  <dgm:styleLbl name="trBgShp">
+    <dgm:fillClrLst meth="repeat">
+      <a:schemeClr val="accent1">
+        <a:tint val="50000"/>
+        <a:alpha val="40000"/>
+      </a:schemeClr>
+    </dgm:fillClrLst>
+    <dgm:linClrLst meth="repeat">
+      <a:schemeClr val="accent1"/>
+    </dgm:linClrLst>
+    <dgm:effectClrLst/>
+    <dgm:txLinClrLst/>
+    <dgm:txFillClrLst meth="repeat">
+      <a:schemeClr val="lt1"/>
+    </dgm:txFillClrLst>
+    <dgm:txEffectClrLst/>
+  </dgm:styleLbl>
+  <dgm:styleLbl name="fgShp">
+    <dgm:fillClrLst meth="repeat">
+      <a:schemeClr val="accent1">
+        <a:tint val="40000"/>
+      </a:schemeClr>
+    </dgm:fillClrLst>
+    <dgm:linClrLst meth="repeat">
+      <a:schemeClr val="lt1"/>
+    </dgm:linClrLst>
+    <dgm:effectClrLst/>
+    <dgm:txLinClrLst/>
+    <dgm:txFillClrLst meth="repeat">
+      <a:schemeClr val="dk1"/>
+    </dgm:txFillClrLst>
+    <dgm:txEffectClrLst/>
+  </dgm:styleLbl>
+  <dgm:styleLbl name="revTx">
+    <dgm:fillClrLst meth="repeat">
+      <a:schemeClr val="lt1">
+        <a:alpha val="0"/>
+      </a:schemeClr>
+    </dgm:fillClrLst>
+    <dgm:linClrLst meth="repeat">
+      <a:schemeClr val="dk1">
+        <a:alpha val="0"/>
+      </a:schemeClr>
+    </dgm:linClrLst>
+    <dgm:effectClrLst/>
+    <dgm:txLinClrLst/>
+    <dgm:txFillClrLst meth="repeat">
+      <a:schemeClr val="tx1"/>
+    </dgm:txFillClrLst>
+    <dgm:txEffectClrLst/>
+  </dgm:styleLbl>
+</dgm:colorsDef>
+</file>
+
+<file path=ppt/diagrams/colors2.xml><?xml version="1.0" encoding="utf-8"?>
 <dgm:colorsDef xmlns:dgm="http://schemas.openxmlformats.org/drawingml/2006/diagram" xmlns:a="http://schemas.openxmlformats.org/drawingml/2006/main" uniqueId="urn:microsoft.com/office/officeart/2005/8/colors/accent1_2">
   <dgm:title val=""/>
   <dgm:desc val=""/>
@@ -869,6 +1746,324 @@
 <file path=ppt/diagrams/data1.xml><?xml version="1.0" encoding="utf-8"?>
 <dgm:dataModel xmlns:dgm="http://schemas.openxmlformats.org/drawingml/2006/diagram" xmlns:a="http://schemas.openxmlformats.org/drawingml/2006/main">
   <dgm:ptLst>
+    <dgm:pt modelId="{B5F29565-FC78-455C-979A-63C0C4762ABF}" type="doc">
+      <dgm:prSet loTypeId="urn:microsoft.com/office/officeart/2005/8/layout/vList2" loCatId="list" qsTypeId="urn:microsoft.com/office/officeart/2005/8/quickstyle/simple3" qsCatId="simple" csTypeId="urn:microsoft.com/office/officeart/2005/8/colors/accent1_3" csCatId="accent1" phldr="1"/>
+      <dgm:spPr/>
+      <dgm:t>
+        <a:bodyPr/>
+        <a:lstStyle/>
+        <a:p>
+          <a:endParaRPr lang="it-IT"/>
+        </a:p>
+      </dgm:t>
+    </dgm:pt>
+    <dgm:pt modelId="{B7793FE1-A9A9-487B-AF98-E697E9FE1F61}">
+      <dgm:prSet phldrT="[Testo]"/>
+      <dgm:spPr/>
+      <dgm:t>
+        <a:bodyPr/>
+        <a:lstStyle/>
+        <a:p>
+          <a:r>
+            <a:rPr lang="en-US" dirty="0" err="1" smtClean="0"/>
+            <a:t>Configurazione</a:t>
+          </a:r>
+          <a:r>
+            <a:rPr lang="en-US" dirty="0" smtClean="0"/>
+            <a:t> </a:t>
+          </a:r>
+          <a:r>
+            <a:rPr lang="en-US" dirty="0" err="1" smtClean="0"/>
+            <a:t>di</a:t>
+          </a:r>
+          <a:r>
+            <a:rPr lang="en-US" dirty="0" smtClean="0"/>
+            <a:t> un </a:t>
+          </a:r>
+          <a:r>
+            <a:rPr lang="en-US" dirty="0" err="1" smtClean="0"/>
+            <a:t>determinato</a:t>
+          </a:r>
+          <a:r>
+            <a:rPr lang="en-US" dirty="0" smtClean="0"/>
+            <a:t> </a:t>
+          </a:r>
+          <a:r>
+            <a:rPr lang="en-US" dirty="0" err="1" smtClean="0"/>
+            <a:t>servizio</a:t>
+          </a:r>
+          <a:r>
+            <a:rPr lang="en-US" dirty="0" smtClean="0"/>
+            <a:t>/</a:t>
+          </a:r>
+          <a:r>
+            <a:rPr lang="en-US" dirty="0" err="1" smtClean="0"/>
+            <a:t>protocollo</a:t>
+          </a:r>
+          <a:r>
+            <a:rPr lang="en-US" dirty="0" smtClean="0"/>
+            <a:t> </a:t>
+          </a:r>
+          <a:r>
+            <a:rPr lang="en-US" dirty="0" err="1" smtClean="0"/>
+            <a:t>ospitato</a:t>
+          </a:r>
+          <a:r>
+            <a:rPr lang="en-US" dirty="0" smtClean="0"/>
+            <a:t> </a:t>
+          </a:r>
+          <a:r>
+            <a:rPr lang="en-US" dirty="0" err="1" smtClean="0"/>
+            <a:t>da</a:t>
+          </a:r>
+          <a:r>
+            <a:rPr lang="en-US" dirty="0" smtClean="0"/>
+            <a:t> un host </a:t>
+          </a:r>
+          <a:r>
+            <a:rPr lang="en-US" dirty="0" err="1" smtClean="0"/>
+            <a:t>virtuale</a:t>
+          </a:r>
+          <a:endParaRPr lang="it-IT" dirty="0"/>
+        </a:p>
+      </dgm:t>
+    </dgm:pt>
+    <dgm:pt modelId="{29054730-343C-4B6D-B32B-13B5B69B89EC}" type="parTrans" cxnId="{7BD6E3A7-BFDC-43DE-A3F1-CB1E4526D196}">
+      <dgm:prSet/>
+      <dgm:spPr/>
+      <dgm:t>
+        <a:bodyPr/>
+        <a:lstStyle/>
+        <a:p>
+          <a:endParaRPr lang="it-IT"/>
+        </a:p>
+      </dgm:t>
+    </dgm:pt>
+    <dgm:pt modelId="{9A3E720C-F196-4295-9C17-750E253B3C59}" type="sibTrans" cxnId="{7BD6E3A7-BFDC-43DE-A3F1-CB1E4526D196}">
+      <dgm:prSet/>
+      <dgm:spPr/>
+      <dgm:t>
+        <a:bodyPr/>
+        <a:lstStyle/>
+        <a:p>
+          <a:endParaRPr lang="it-IT"/>
+        </a:p>
+      </dgm:t>
+    </dgm:pt>
+    <dgm:pt modelId="{FEE47C48-803F-4965-AD23-4220D38CE7C5}">
+      <dgm:prSet phldrT="[Testo]"/>
+      <dgm:spPr/>
+      <dgm:t>
+        <a:bodyPr/>
+        <a:lstStyle/>
+        <a:p>
+          <a:r>
+            <a:rPr lang="en-US" dirty="0" smtClean="0"/>
+            <a:t>Un </a:t>
+          </a:r>
+          <a:r>
+            <a:rPr lang="en-US" dirty="0" err="1" smtClean="0"/>
+            <a:t>classico</a:t>
+          </a:r>
+          <a:r>
+            <a:rPr lang="en-US" dirty="0" smtClean="0"/>
+            <a:t> </a:t>
+          </a:r>
+          <a:r>
+            <a:rPr lang="en-US" dirty="0" err="1" smtClean="0"/>
+            <a:t>esempio</a:t>
+          </a:r>
+          <a:r>
+            <a:rPr lang="en-US" dirty="0" smtClean="0"/>
+            <a:t>:</a:t>
+          </a:r>
+        </a:p>
+        <a:p>
+          <a:r>
+            <a:rPr lang="en-US" dirty="0" err="1" smtClean="0"/>
+            <a:t>Quagga</a:t>
+          </a:r>
+          <a:r>
+            <a:rPr lang="en-US" dirty="0" smtClean="0"/>
+            <a:t> Suite – </a:t>
+          </a:r>
+          <a:r>
+            <a:rPr lang="en-US" b="1" dirty="0" err="1" smtClean="0"/>
+            <a:t>Bgp</a:t>
+          </a:r>
+          <a:r>
+            <a:rPr lang="en-US" b="1" dirty="0" smtClean="0"/>
+            <a:t> Daemon</a:t>
+          </a:r>
+          <a:endParaRPr lang="it-IT" b="1" dirty="0"/>
+        </a:p>
+      </dgm:t>
+    </dgm:pt>
+    <dgm:pt modelId="{9CAF6514-5F4A-41C0-A3FA-136E44E44390}" type="parTrans" cxnId="{9382E4A2-330B-49B5-A20F-1959BB6C2D43}">
+      <dgm:prSet/>
+      <dgm:spPr/>
+      <dgm:t>
+        <a:bodyPr/>
+        <a:lstStyle/>
+        <a:p>
+          <a:endParaRPr lang="it-IT"/>
+        </a:p>
+      </dgm:t>
+    </dgm:pt>
+    <dgm:pt modelId="{F6BF7006-A367-4F0B-8181-3733391F2C39}" type="sibTrans" cxnId="{9382E4A2-330B-49B5-A20F-1959BB6C2D43}">
+      <dgm:prSet/>
+      <dgm:spPr/>
+      <dgm:t>
+        <a:bodyPr/>
+        <a:lstStyle/>
+        <a:p>
+          <a:endParaRPr lang="it-IT"/>
+        </a:p>
+      </dgm:t>
+    </dgm:pt>
+    <dgm:pt modelId="{19548BE3-7FE1-483C-9063-D1BB40E9853B}">
+      <dgm:prSet phldrT="[Testo]"/>
+      <dgm:spPr/>
+      <dgm:t>
+        <a:bodyPr/>
+        <a:lstStyle/>
+        <a:p>
+          <a:r>
+            <a:rPr lang="en-US" dirty="0" smtClean="0"/>
+            <a:t>Ma </a:t>
+          </a:r>
+          <a:r>
+            <a:rPr lang="en-US" dirty="0" err="1" smtClean="0"/>
+            <a:t>anche</a:t>
+          </a:r>
+          <a:r>
+            <a:rPr lang="en-US" dirty="0" smtClean="0"/>
+            <a:t> DNS, </a:t>
+          </a:r>
+          <a:r>
+            <a:rPr lang="en-US" dirty="0" err="1" smtClean="0"/>
+            <a:t>WebServer</a:t>
+          </a:r>
+          <a:r>
+            <a:rPr lang="en-US" dirty="0" smtClean="0"/>
+            <a:t>, Firewall, </a:t>
+          </a:r>
+          <a:r>
+            <a:rPr lang="en-US" dirty="0" err="1" smtClean="0"/>
+            <a:t>ecc</a:t>
+          </a:r>
+          <a:r>
+            <a:rPr lang="en-US" dirty="0" smtClean="0"/>
+            <a:t>…</a:t>
+          </a:r>
+          <a:endParaRPr lang="it-IT" dirty="0"/>
+        </a:p>
+      </dgm:t>
+    </dgm:pt>
+    <dgm:pt modelId="{E67AE256-E46F-4C03-93D2-64397F9ABBA4}" type="parTrans" cxnId="{0485498D-2C63-42A4-82E4-1BFEEC69078C}">
+      <dgm:prSet/>
+      <dgm:spPr/>
+      <dgm:t>
+        <a:bodyPr/>
+        <a:lstStyle/>
+        <a:p>
+          <a:endParaRPr lang="it-IT"/>
+        </a:p>
+      </dgm:t>
+    </dgm:pt>
+    <dgm:pt modelId="{9A2786D3-CE46-4C2B-966D-E0197E17F5E3}" type="sibTrans" cxnId="{0485498D-2C63-42A4-82E4-1BFEEC69078C}">
+      <dgm:prSet/>
+      <dgm:spPr/>
+      <dgm:t>
+        <a:bodyPr/>
+        <a:lstStyle/>
+        <a:p>
+          <a:endParaRPr lang="it-IT"/>
+        </a:p>
+      </dgm:t>
+    </dgm:pt>
+    <dgm:pt modelId="{FBC1BF16-1979-4FBD-9895-0BF07E835021}" type="pres">
+      <dgm:prSet presAssocID="{B5F29565-FC78-455C-979A-63C0C4762ABF}" presName="linear" presStyleCnt="0">
+        <dgm:presLayoutVars>
+          <dgm:animLvl val="lvl"/>
+          <dgm:resizeHandles val="exact"/>
+        </dgm:presLayoutVars>
+      </dgm:prSet>
+      <dgm:spPr/>
+    </dgm:pt>
+    <dgm:pt modelId="{6CCAF773-7B59-4B19-8C38-736C006F5D9A}" type="pres">
+      <dgm:prSet presAssocID="{B7793FE1-A9A9-487B-AF98-E697E9FE1F61}" presName="parentText" presStyleLbl="node1" presStyleIdx="0" presStyleCnt="2" custLinFactNeighborX="-19141" custLinFactNeighborY="-73579">
+        <dgm:presLayoutVars>
+          <dgm:chMax val="0"/>
+          <dgm:bulletEnabled val="1"/>
+        </dgm:presLayoutVars>
+      </dgm:prSet>
+      <dgm:spPr/>
+      <dgm:t>
+        <a:bodyPr/>
+        <a:lstStyle/>
+        <a:p>
+          <a:endParaRPr lang="it-IT"/>
+        </a:p>
+      </dgm:t>
+    </dgm:pt>
+    <dgm:pt modelId="{400374E3-A165-4211-A0D8-E8DCFDD9FB92}" type="pres">
+      <dgm:prSet presAssocID="{9A3E720C-F196-4295-9C17-750E253B3C59}" presName="spacer" presStyleCnt="0"/>
+      <dgm:spPr/>
+    </dgm:pt>
+    <dgm:pt modelId="{2FC93ACC-4BFE-493A-93A0-31EDB7FC39C1}" type="pres">
+      <dgm:prSet presAssocID="{FEE47C48-803F-4965-AD23-4220D38CE7C5}" presName="parentText" presStyleLbl="node1" presStyleIdx="1" presStyleCnt="2">
+        <dgm:presLayoutVars>
+          <dgm:chMax val="0"/>
+          <dgm:bulletEnabled val="1"/>
+        </dgm:presLayoutVars>
+      </dgm:prSet>
+      <dgm:spPr/>
+      <dgm:t>
+        <a:bodyPr/>
+        <a:lstStyle/>
+        <a:p>
+          <a:endParaRPr lang="it-IT"/>
+        </a:p>
+      </dgm:t>
+    </dgm:pt>
+    <dgm:pt modelId="{51C47AFF-FFBB-4FD2-9E7E-42D325461FC7}" type="pres">
+      <dgm:prSet presAssocID="{FEE47C48-803F-4965-AD23-4220D38CE7C5}" presName="childText" presStyleLbl="revTx" presStyleIdx="0" presStyleCnt="1">
+        <dgm:presLayoutVars>
+          <dgm:bulletEnabled val="1"/>
+        </dgm:presLayoutVars>
+      </dgm:prSet>
+      <dgm:spPr/>
+      <dgm:t>
+        <a:bodyPr/>
+        <a:lstStyle/>
+        <a:p>
+          <a:endParaRPr lang="it-IT"/>
+        </a:p>
+      </dgm:t>
+    </dgm:pt>
+  </dgm:ptLst>
+  <dgm:cxnLst>
+    <dgm:cxn modelId="{7BD6E3A7-BFDC-43DE-A3F1-CB1E4526D196}" srcId="{B5F29565-FC78-455C-979A-63C0C4762ABF}" destId="{B7793FE1-A9A9-487B-AF98-E697E9FE1F61}" srcOrd="0" destOrd="0" parTransId="{29054730-343C-4B6D-B32B-13B5B69B89EC}" sibTransId="{9A3E720C-F196-4295-9C17-750E253B3C59}"/>
+    <dgm:cxn modelId="{9382E4A2-330B-49B5-A20F-1959BB6C2D43}" srcId="{B5F29565-FC78-455C-979A-63C0C4762ABF}" destId="{FEE47C48-803F-4965-AD23-4220D38CE7C5}" srcOrd="1" destOrd="0" parTransId="{9CAF6514-5F4A-41C0-A3FA-136E44E44390}" sibTransId="{F6BF7006-A367-4F0B-8181-3733391F2C39}"/>
+    <dgm:cxn modelId="{0485498D-2C63-42A4-82E4-1BFEEC69078C}" srcId="{FEE47C48-803F-4965-AD23-4220D38CE7C5}" destId="{19548BE3-7FE1-483C-9063-D1BB40E9853B}" srcOrd="0" destOrd="0" parTransId="{E67AE256-E46F-4C03-93D2-64397F9ABBA4}" sibTransId="{9A2786D3-CE46-4C2B-966D-E0197E17F5E3}"/>
+    <dgm:cxn modelId="{B5DBF466-351F-4601-8A9A-3F6BA01C6568}" type="presOf" srcId="{FEE47C48-803F-4965-AD23-4220D38CE7C5}" destId="{2FC93ACC-4BFE-493A-93A0-31EDB7FC39C1}" srcOrd="0" destOrd="0" presId="urn:microsoft.com/office/officeart/2005/8/layout/vList2"/>
+    <dgm:cxn modelId="{897DEE14-4F33-40FA-9421-5C8623DFD36E}" type="presOf" srcId="{19548BE3-7FE1-483C-9063-D1BB40E9853B}" destId="{51C47AFF-FFBB-4FD2-9E7E-42D325461FC7}" srcOrd="0" destOrd="0" presId="urn:microsoft.com/office/officeart/2005/8/layout/vList2"/>
+    <dgm:cxn modelId="{DFF6A6FF-882D-47FC-A0DC-F7FECEE798BD}" type="presOf" srcId="{B5F29565-FC78-455C-979A-63C0C4762ABF}" destId="{FBC1BF16-1979-4FBD-9895-0BF07E835021}" srcOrd="0" destOrd="0" presId="urn:microsoft.com/office/officeart/2005/8/layout/vList2"/>
+    <dgm:cxn modelId="{B8093327-186B-4E09-A063-C1A43C3ECB84}" type="presOf" srcId="{B7793FE1-A9A9-487B-AF98-E697E9FE1F61}" destId="{6CCAF773-7B59-4B19-8C38-736C006F5D9A}" srcOrd="0" destOrd="0" presId="urn:microsoft.com/office/officeart/2005/8/layout/vList2"/>
+    <dgm:cxn modelId="{36ADADB8-9C59-4354-AE50-57738144C3A6}" type="presParOf" srcId="{FBC1BF16-1979-4FBD-9895-0BF07E835021}" destId="{6CCAF773-7B59-4B19-8C38-736C006F5D9A}" srcOrd="0" destOrd="0" presId="urn:microsoft.com/office/officeart/2005/8/layout/vList2"/>
+    <dgm:cxn modelId="{F5427DBC-2FBF-4C32-AF3B-9439549AE4E8}" type="presParOf" srcId="{FBC1BF16-1979-4FBD-9895-0BF07E835021}" destId="{400374E3-A165-4211-A0D8-E8DCFDD9FB92}" srcOrd="1" destOrd="0" presId="urn:microsoft.com/office/officeart/2005/8/layout/vList2"/>
+    <dgm:cxn modelId="{BB25772B-91D1-419B-BDC2-23691D0BE90B}" type="presParOf" srcId="{FBC1BF16-1979-4FBD-9895-0BF07E835021}" destId="{2FC93ACC-4BFE-493A-93A0-31EDB7FC39C1}" srcOrd="2" destOrd="0" presId="urn:microsoft.com/office/officeart/2005/8/layout/vList2"/>
+    <dgm:cxn modelId="{52895F2D-296F-47FD-A650-5B76D1EB783F}" type="presParOf" srcId="{FBC1BF16-1979-4FBD-9895-0BF07E835021}" destId="{51C47AFF-FFBB-4FD2-9E7E-42D325461FC7}" srcOrd="3" destOrd="0" presId="urn:microsoft.com/office/officeart/2005/8/layout/vList2"/>
+  </dgm:cxnLst>
+  <dgm:bg/>
+  <dgm:whole/>
+</dgm:dataModel>
+</file>
+
+<file path=ppt/diagrams/data2.xml><?xml version="1.0" encoding="utf-8"?>
+<dgm:dataModel xmlns:dgm="http://schemas.openxmlformats.org/drawingml/2006/diagram" xmlns:a="http://schemas.openxmlformats.org/drawingml/2006/main">
+  <dgm:ptLst>
     <dgm:pt modelId="{235B55A1-85F2-46BD-B188-6F06F5D4A171}" type="doc">
       <dgm:prSet loTypeId="urn:microsoft.com/office/officeart/2005/8/layout/vList5" loCatId="list" qsTypeId="urn:microsoft.com/office/officeart/2005/8/quickstyle/3d1" qsCatId="3D" csTypeId="urn:microsoft.com/office/officeart/2005/8/colors/accent1_2" csCatId="accent1" phldr="1"/>
       <dgm:spPr/>
@@ -1536,6 +2731,173 @@
 </file>
 
 <file path=ppt/diagrams/layout1.xml><?xml version="1.0" encoding="utf-8"?>
+<dgm:layoutDef xmlns:dgm="http://schemas.openxmlformats.org/drawingml/2006/diagram" xmlns:a="http://schemas.openxmlformats.org/drawingml/2006/main" uniqueId="urn:microsoft.com/office/officeart/2005/8/layout/vList2">
+  <dgm:title val=""/>
+  <dgm:desc val=""/>
+  <dgm:catLst>
+    <dgm:cat type="list" pri="3000"/>
+    <dgm:cat type="convert" pri="1000"/>
+  </dgm:catLst>
+  <dgm:sampData>
+    <dgm:dataModel>
+      <dgm:ptLst>
+        <dgm:pt modelId="0" type="doc"/>
+        <dgm:pt modelId="1">
+          <dgm:prSet phldr="1"/>
+        </dgm:pt>
+        <dgm:pt modelId="11">
+          <dgm:prSet phldr="1"/>
+        </dgm:pt>
+        <dgm:pt modelId="2">
+          <dgm:prSet phldr="1"/>
+        </dgm:pt>
+        <dgm:pt modelId="21">
+          <dgm:prSet phldr="1"/>
+        </dgm:pt>
+      </dgm:ptLst>
+      <dgm:cxnLst>
+        <dgm:cxn modelId="4" srcId="0" destId="1" srcOrd="0" destOrd="0"/>
+        <dgm:cxn modelId="5" srcId="0" destId="2" srcOrd="1" destOrd="0"/>
+        <dgm:cxn modelId="12" srcId="1" destId="11" srcOrd="0" destOrd="0"/>
+        <dgm:cxn modelId="23" srcId="2" destId="21" srcOrd="0" destOrd="0"/>
+      </dgm:cxnLst>
+      <dgm:bg/>
+      <dgm:whole/>
+    </dgm:dataModel>
+  </dgm:sampData>
+  <dgm:styleData>
+    <dgm:dataModel>
+      <dgm:ptLst>
+        <dgm:pt modelId="0" type="doc"/>
+        <dgm:pt modelId="1"/>
+        <dgm:pt modelId="2"/>
+      </dgm:ptLst>
+      <dgm:cxnLst>
+        <dgm:cxn modelId="3" srcId="0" destId="1" srcOrd="0" destOrd="0"/>
+        <dgm:cxn modelId="4" srcId="0" destId="2" srcOrd="1" destOrd="0"/>
+      </dgm:cxnLst>
+      <dgm:bg/>
+      <dgm:whole/>
+    </dgm:dataModel>
+  </dgm:styleData>
+  <dgm:clrData>
+    <dgm:dataModel>
+      <dgm:ptLst>
+        <dgm:pt modelId="0" type="doc"/>
+        <dgm:pt modelId="1"/>
+        <dgm:pt modelId="2"/>
+        <dgm:pt modelId="3"/>
+        <dgm:pt modelId="4"/>
+      </dgm:ptLst>
+      <dgm:cxnLst>
+        <dgm:cxn modelId="5" srcId="0" destId="1" srcOrd="0" destOrd="0"/>
+        <dgm:cxn modelId="6" srcId="0" destId="2" srcOrd="1" destOrd="0"/>
+        <dgm:cxn modelId="7" srcId="0" destId="3" srcOrd="2" destOrd="0"/>
+        <dgm:cxn modelId="8" srcId="0" destId="4" srcOrd="3" destOrd="0"/>
+      </dgm:cxnLst>
+      <dgm:bg/>
+      <dgm:whole/>
+    </dgm:dataModel>
+  </dgm:clrData>
+  <dgm:layoutNode name="linear">
+    <dgm:varLst>
+      <dgm:animLvl val="lvl"/>
+      <dgm:resizeHandles val="exact"/>
+    </dgm:varLst>
+    <dgm:alg type="lin">
+      <dgm:param type="linDir" val="fromT"/>
+      <dgm:param type="vertAlign" val="mid"/>
+    </dgm:alg>
+    <dgm:shape xmlns:r="http://schemas.openxmlformats.org/officeDocument/2006/relationships" r:blip="">
+      <dgm:adjLst/>
+    </dgm:shape>
+    <dgm:presOf/>
+    <dgm:constrLst>
+      <dgm:constr type="w" for="ch" forName="parentText" refType="w"/>
+      <dgm:constr type="h" for="ch" forName="parentText" refType="primFontSz" refFor="ch" refForName="parentText" fact="0.52"/>
+      <dgm:constr type="w" for="ch" forName="childText" refType="w"/>
+      <dgm:constr type="h" for="ch" forName="childText" refType="primFontSz" refFor="ch" refForName="parentText" fact="0.46"/>
+      <dgm:constr type="h" for="ch" forName="parentText" op="equ"/>
+      <dgm:constr type="primFontSz" for="ch" forName="parentText" op="equ" val="65"/>
+      <dgm:constr type="primFontSz" for="ch" forName="childText" refType="primFontSz" refFor="ch" refForName="parentText" op="equ"/>
+      <dgm:constr type="h" for="ch" forName="spacer" refType="primFontSz" refFor="ch" refForName="parentText" fact="0.08"/>
+    </dgm:constrLst>
+    <dgm:ruleLst>
+      <dgm:rule type="primFontSz" for="ch" forName="parentText" val="5" fact="NaN" max="NaN"/>
+    </dgm:ruleLst>
+    <dgm:forEach name="Name0" axis="ch" ptType="node">
+      <dgm:layoutNode name="parentText" styleLbl="node1">
+        <dgm:varLst>
+          <dgm:chMax val="0"/>
+          <dgm:bulletEnabled val="1"/>
+        </dgm:varLst>
+        <dgm:alg type="tx">
+          <dgm:param type="parTxLTRAlign" val="l"/>
+          <dgm:param type="parTxRTLAlign" val="r"/>
+        </dgm:alg>
+        <dgm:shape xmlns:r="http://schemas.openxmlformats.org/officeDocument/2006/relationships" type="roundRect" r:blip="">
+          <dgm:adjLst/>
+        </dgm:shape>
+        <dgm:presOf axis="self"/>
+        <dgm:constrLst>
+          <dgm:constr type="tMarg" refType="primFontSz" fact="0.3"/>
+          <dgm:constr type="bMarg" refType="primFontSz" fact="0.3"/>
+          <dgm:constr type="lMarg" refType="primFontSz" fact="0.3"/>
+          <dgm:constr type="rMarg" refType="primFontSz" fact="0.3"/>
+        </dgm:constrLst>
+        <dgm:ruleLst>
+          <dgm:rule type="h" val="INF" fact="NaN" max="NaN"/>
+        </dgm:ruleLst>
+      </dgm:layoutNode>
+      <dgm:choose name="Name1">
+        <dgm:if name="Name2" axis="ch" ptType="node" func="cnt" op="gte" val="1">
+          <dgm:layoutNode name="childText" styleLbl="revTx">
+            <dgm:varLst>
+              <dgm:bulletEnabled val="1"/>
+            </dgm:varLst>
+            <dgm:alg type="tx">
+              <dgm:param type="stBulletLvl" val="1"/>
+              <dgm:param type="lnSpAfChP" val="20"/>
+            </dgm:alg>
+            <dgm:shape xmlns:r="http://schemas.openxmlformats.org/officeDocument/2006/relationships" type="rect" r:blip="">
+              <dgm:adjLst/>
+            </dgm:shape>
+            <dgm:presOf axis="des" ptType="node"/>
+            <dgm:constrLst>
+              <dgm:constr type="tMarg" refType="primFontSz" fact="0.1"/>
+              <dgm:constr type="bMarg" refType="primFontSz" fact="0.1"/>
+              <dgm:constr type="lMarg" refType="w" fact="0.09"/>
+            </dgm:constrLst>
+            <dgm:ruleLst>
+              <dgm:rule type="h" val="INF" fact="NaN" max="NaN"/>
+            </dgm:ruleLst>
+          </dgm:layoutNode>
+        </dgm:if>
+        <dgm:else name="Name3">
+          <dgm:choose name="Name4">
+            <dgm:if name="Name5" axis="par ch" ptType="doc node" func="cnt" op="gte" val="2">
+              <dgm:forEach name="Name6" axis="followSib" ptType="sibTrans" cnt="1">
+                <dgm:layoutNode name="spacer">
+                  <dgm:alg type="sp"/>
+                  <dgm:shape xmlns:r="http://schemas.openxmlformats.org/officeDocument/2006/relationships" r:blip="">
+                    <dgm:adjLst/>
+                  </dgm:shape>
+                  <dgm:presOf/>
+                  <dgm:constrLst/>
+                  <dgm:ruleLst/>
+                </dgm:layoutNode>
+              </dgm:forEach>
+            </dgm:if>
+            <dgm:else name="Name7"/>
+          </dgm:choose>
+        </dgm:else>
+      </dgm:choose>
+    </dgm:forEach>
+  </dgm:layoutNode>
+</dgm:layoutDef>
+</file>
+
+<file path=ppt/diagrams/layout2.xml><?xml version="1.0" encoding="utf-8"?>
 <dgm:layoutDef xmlns:dgm="http://schemas.openxmlformats.org/drawingml/2006/diagram" xmlns:a="http://schemas.openxmlformats.org/drawingml/2006/main" uniqueId="urn:microsoft.com/office/officeart/2005/8/layout/vList5">
   <dgm:title val=""/>
   <dgm:desc val=""/>
@@ -1769,6 +3131,1066 @@
 </file>
 
 <file path=ppt/diagrams/quickStyle1.xml><?xml version="1.0" encoding="utf-8"?>
+<dgm:styleDef xmlns:dgm="http://schemas.openxmlformats.org/drawingml/2006/diagram" xmlns:a="http://schemas.openxmlformats.org/drawingml/2006/main" uniqueId="urn:microsoft.com/office/officeart/2005/8/quickstyle/simple3">
+  <dgm:title val=""/>
+  <dgm:desc val=""/>
+  <dgm:catLst>
+    <dgm:cat type="simple" pri="10300"/>
+  </dgm:catLst>
+  <dgm:scene3d>
+    <a:camera prst="orthographicFront"/>
+    <a:lightRig rig="threePt" dir="t"/>
+  </dgm:scene3d>
+  <dgm:styleLbl name="node0">
+    <dgm:scene3d>
+      <a:camera prst="orthographicFront"/>
+      <a:lightRig rig="flat" dir="t"/>
+    </dgm:scene3d>
+    <dgm:sp3d prstMaterial="dkEdge">
+      <a:bevelT w="8200" h="38100"/>
+    </dgm:sp3d>
+    <dgm:txPr/>
+    <dgm:style>
+      <a:lnRef idx="0">
+        <a:scrgbClr r="0" g="0" b="0"/>
+      </a:lnRef>
+      <a:fillRef idx="2">
+        <a:scrgbClr r="0" g="0" b="0"/>
+      </a:fillRef>
+      <a:effectRef idx="1">
+        <a:scrgbClr r="0" g="0" b="0"/>
+      </a:effectRef>
+      <a:fontRef idx="minor">
+        <a:schemeClr val="dk1"/>
+      </a:fontRef>
+    </dgm:style>
+  </dgm:styleLbl>
+  <dgm:styleLbl name="lnNode1">
+    <dgm:scene3d>
+      <a:camera prst="orthographicFront"/>
+      <a:lightRig rig="flat" dir="t"/>
+    </dgm:scene3d>
+    <dgm:sp3d prstMaterial="dkEdge">
+      <a:bevelT w="8200" h="38100"/>
+    </dgm:sp3d>
+    <dgm:txPr/>
+    <dgm:style>
+      <a:lnRef idx="1">
+        <a:scrgbClr r="0" g="0" b="0"/>
+      </a:lnRef>
+      <a:fillRef idx="2">
+        <a:scrgbClr r="0" g="0" b="0"/>
+      </a:fillRef>
+      <a:effectRef idx="0">
+        <a:scrgbClr r="0" g="0" b="0"/>
+      </a:effectRef>
+      <a:fontRef idx="minor">
+        <a:schemeClr val="dk1"/>
+      </a:fontRef>
+    </dgm:style>
+  </dgm:styleLbl>
+  <dgm:styleLbl name="vennNode1">
+    <dgm:scene3d>
+      <a:camera prst="orthographicFront"/>
+      <a:lightRig rig="flat" dir="t"/>
+    </dgm:scene3d>
+    <dgm:sp3d prstMaterial="dkEdge">
+      <a:bevelT w="8200" h="38100"/>
+    </dgm:sp3d>
+    <dgm:txPr/>
+    <dgm:style>
+      <a:lnRef idx="0">
+        <a:scrgbClr r="0" g="0" b="0"/>
+      </a:lnRef>
+      <a:fillRef idx="2">
+        <a:scrgbClr r="0" g="0" b="0"/>
+      </a:fillRef>
+      <a:effectRef idx="0">
+        <a:scrgbClr r="0" g="0" b="0"/>
+      </a:effectRef>
+      <a:fontRef idx="minor">
+        <a:schemeClr val="tx1"/>
+      </a:fontRef>
+    </dgm:style>
+  </dgm:styleLbl>
+  <dgm:styleLbl name="alignNode1">
+    <dgm:scene3d>
+      <a:camera prst="orthographicFront"/>
+      <a:lightRig rig="threePt" dir="t"/>
+    </dgm:scene3d>
+    <dgm:sp3d/>
+    <dgm:txPr/>
+    <dgm:style>
+      <a:lnRef idx="1">
+        <a:scrgbClr r="0" g="0" b="0"/>
+      </a:lnRef>
+      <a:fillRef idx="2">
+        <a:scrgbClr r="0" g="0" b="0"/>
+      </a:fillRef>
+      <a:effectRef idx="1">
+        <a:scrgbClr r="0" g="0" b="0"/>
+      </a:effectRef>
+      <a:fontRef idx="minor">
+        <a:schemeClr val="dk1"/>
+      </a:fontRef>
+    </dgm:style>
+  </dgm:styleLbl>
+  <dgm:styleLbl name="node1">
+    <dgm:scene3d>
+      <a:camera prst="orthographicFront"/>
+      <a:lightRig rig="flat" dir="t"/>
+    </dgm:scene3d>
+    <dgm:sp3d prstMaterial="dkEdge">
+      <a:bevelT w="8200" h="38100"/>
+    </dgm:sp3d>
+    <dgm:txPr/>
+    <dgm:style>
+      <a:lnRef idx="0">
+        <a:scrgbClr r="0" g="0" b="0"/>
+      </a:lnRef>
+      <a:fillRef idx="2">
+        <a:scrgbClr r="0" g="0" b="0"/>
+      </a:fillRef>
+      <a:effectRef idx="1">
+        <a:scrgbClr r="0" g="0" b="0"/>
+      </a:effectRef>
+      <a:fontRef idx="minor">
+        <a:schemeClr val="dk1"/>
+      </a:fontRef>
+    </dgm:style>
+  </dgm:styleLbl>
+  <dgm:styleLbl name="node2">
+    <dgm:scene3d>
+      <a:camera prst="orthographicFront"/>
+      <a:lightRig rig="flat" dir="t"/>
+    </dgm:scene3d>
+    <dgm:sp3d prstMaterial="dkEdge">
+      <a:bevelT w="8200" h="38100"/>
+    </dgm:sp3d>
+    <dgm:txPr/>
+    <dgm:style>
+      <a:lnRef idx="0">
+        <a:scrgbClr r="0" g="0" b="0"/>
+      </a:lnRef>
+      <a:fillRef idx="2">
+        <a:scrgbClr r="0" g="0" b="0"/>
+      </a:fillRef>
+      <a:effectRef idx="1">
+        <a:scrgbClr r="0" g="0" b="0"/>
+      </a:effectRef>
+      <a:fontRef idx="minor">
+        <a:schemeClr val="dk1"/>
+      </a:fontRef>
+    </dgm:style>
+  </dgm:styleLbl>
+  <dgm:styleLbl name="node3">
+    <dgm:scene3d>
+      <a:camera prst="orthographicFront"/>
+      <a:lightRig rig="flat" dir="t"/>
+    </dgm:scene3d>
+    <dgm:sp3d prstMaterial="dkEdge">
+      <a:bevelT w="8200" h="38100"/>
+    </dgm:sp3d>
+    <dgm:txPr/>
+    <dgm:style>
+      <a:lnRef idx="0">
+        <a:scrgbClr r="0" g="0" b="0"/>
+      </a:lnRef>
+      <a:fillRef idx="2">
+        <a:scrgbClr r="0" g="0" b="0"/>
+      </a:fillRef>
+      <a:effectRef idx="1">
+        <a:scrgbClr r="0" g="0" b="0"/>
+      </a:effectRef>
+      <a:fontRef idx="minor">
+        <a:schemeClr val="dk1"/>
+      </a:fontRef>
+    </dgm:style>
+  </dgm:styleLbl>
+  <dgm:styleLbl name="node4">
+    <dgm:scene3d>
+      <a:camera prst="orthographicFront"/>
+      <a:lightRig rig="flat" dir="t"/>
+    </dgm:scene3d>
+    <dgm:sp3d prstMaterial="dkEdge">
+      <a:bevelT w="8200" h="38100"/>
+    </dgm:sp3d>
+    <dgm:txPr/>
+    <dgm:style>
+      <a:lnRef idx="0">
+        <a:scrgbClr r="0" g="0" b="0"/>
+      </a:lnRef>
+      <a:fillRef idx="2">
+        <a:scrgbClr r="0" g="0" b="0"/>
+      </a:fillRef>
+      <a:effectRef idx="1">
+        <a:scrgbClr r="0" g="0" b="0"/>
+      </a:effectRef>
+      <a:fontRef idx="minor">
+        <a:schemeClr val="dk1"/>
+      </a:fontRef>
+    </dgm:style>
+  </dgm:styleLbl>
+  <dgm:styleLbl name="fgImgPlace1">
+    <dgm:scene3d>
+      <a:camera prst="orthographicFront"/>
+      <a:lightRig rig="threePt" dir="t"/>
+    </dgm:scene3d>
+    <dgm:sp3d/>
+    <dgm:txPr/>
+    <dgm:style>
+      <a:lnRef idx="1">
+        <a:scrgbClr r="0" g="0" b="0"/>
+      </a:lnRef>
+      <a:fillRef idx="1">
+        <a:scrgbClr r="0" g="0" b="0"/>
+      </a:fillRef>
+      <a:effectRef idx="1">
+        <a:scrgbClr r="0" g="0" b="0"/>
+      </a:effectRef>
+      <a:fontRef idx="minor"/>
+    </dgm:style>
+  </dgm:styleLbl>
+  <dgm:styleLbl name="alignImgPlace1">
+    <dgm:scene3d>
+      <a:camera prst="orthographicFront"/>
+      <a:lightRig rig="threePt" dir="t"/>
+    </dgm:scene3d>
+    <dgm:sp3d/>
+    <dgm:txPr/>
+    <dgm:style>
+      <a:lnRef idx="1">
+        <a:scrgbClr r="0" g="0" b="0"/>
+      </a:lnRef>
+      <a:fillRef idx="1">
+        <a:scrgbClr r="0" g="0" b="0"/>
+      </a:fillRef>
+      <a:effectRef idx="1">
+        <a:scrgbClr r="0" g="0" b="0"/>
+      </a:effectRef>
+      <a:fontRef idx="minor"/>
+    </dgm:style>
+  </dgm:styleLbl>
+  <dgm:styleLbl name="bgImgPlace1">
+    <dgm:scene3d>
+      <a:camera prst="orthographicFront"/>
+      <a:lightRig rig="threePt" dir="t"/>
+    </dgm:scene3d>
+    <dgm:sp3d/>
+    <dgm:txPr/>
+    <dgm:style>
+      <a:lnRef idx="1">
+        <a:scrgbClr r="0" g="0" b="0"/>
+      </a:lnRef>
+      <a:fillRef idx="1">
+        <a:scrgbClr r="0" g="0" b="0"/>
+      </a:fillRef>
+      <a:effectRef idx="1">
+        <a:scrgbClr r="0" g="0" b="0"/>
+      </a:effectRef>
+      <a:fontRef idx="minor"/>
+    </dgm:style>
+  </dgm:styleLbl>
+  <dgm:styleLbl name="sibTrans2D1">
+    <dgm:scene3d>
+      <a:camera prst="orthographicFront"/>
+      <a:lightRig rig="threePt" dir="t"/>
+    </dgm:scene3d>
+    <dgm:sp3d/>
+    <dgm:txPr/>
+    <dgm:style>
+      <a:lnRef idx="0">
+        <a:scrgbClr r="0" g="0" b="0"/>
+      </a:lnRef>
+      <a:fillRef idx="2">
+        <a:scrgbClr r="0" g="0" b="0"/>
+      </a:fillRef>
+      <a:effectRef idx="1">
+        <a:scrgbClr r="0" g="0" b="0"/>
+      </a:effectRef>
+      <a:fontRef idx="minor">
+        <a:schemeClr val="dk1"/>
+      </a:fontRef>
+    </dgm:style>
+  </dgm:styleLbl>
+  <dgm:styleLbl name="fgSibTrans2D1">
+    <dgm:scene3d>
+      <a:camera prst="orthographicFront"/>
+      <a:lightRig rig="threePt" dir="t"/>
+    </dgm:scene3d>
+    <dgm:sp3d/>
+    <dgm:txPr/>
+    <dgm:style>
+      <a:lnRef idx="0">
+        <a:scrgbClr r="0" g="0" b="0"/>
+      </a:lnRef>
+      <a:fillRef idx="2">
+        <a:scrgbClr r="0" g="0" b="0"/>
+      </a:fillRef>
+      <a:effectRef idx="1">
+        <a:scrgbClr r="0" g="0" b="0"/>
+      </a:effectRef>
+      <a:fontRef idx="minor">
+        <a:schemeClr val="dk1"/>
+      </a:fontRef>
+    </dgm:style>
+  </dgm:styleLbl>
+  <dgm:styleLbl name="bgSibTrans2D1">
+    <dgm:scene3d>
+      <a:camera prst="orthographicFront"/>
+      <a:lightRig rig="threePt" dir="t"/>
+    </dgm:scene3d>
+    <dgm:sp3d/>
+    <dgm:txPr/>
+    <dgm:style>
+      <a:lnRef idx="0">
+        <a:scrgbClr r="0" g="0" b="0"/>
+      </a:lnRef>
+      <a:fillRef idx="2">
+        <a:scrgbClr r="0" g="0" b="0"/>
+      </a:fillRef>
+      <a:effectRef idx="1">
+        <a:scrgbClr r="0" g="0" b="0"/>
+      </a:effectRef>
+      <a:fontRef idx="minor">
+        <a:schemeClr val="dk1"/>
+      </a:fontRef>
+    </dgm:style>
+  </dgm:styleLbl>
+  <dgm:styleLbl name="sibTrans1D1">
+    <dgm:scene3d>
+      <a:camera prst="orthographicFront"/>
+      <a:lightRig rig="threePt" dir="t"/>
+    </dgm:scene3d>
+    <dgm:sp3d/>
+    <dgm:txPr/>
+    <dgm:style>
+      <a:lnRef idx="1">
+        <a:scrgbClr r="0" g="0" b="0"/>
+      </a:lnRef>
+      <a:fillRef idx="0">
+        <a:scrgbClr r="0" g="0" b="0"/>
+      </a:fillRef>
+      <a:effectRef idx="0">
+        <a:scrgbClr r="0" g="0" b="0"/>
+      </a:effectRef>
+      <a:fontRef idx="minor"/>
+    </dgm:style>
+  </dgm:styleLbl>
+  <dgm:styleLbl name="callout">
+    <dgm:scene3d>
+      <a:camera prst="orthographicFront"/>
+      <a:lightRig rig="threePt" dir="t"/>
+    </dgm:scene3d>
+    <dgm:sp3d/>
+    <dgm:txPr/>
+    <dgm:style>
+      <a:lnRef idx="1">
+        <a:scrgbClr r="0" g="0" b="0"/>
+      </a:lnRef>
+      <a:fillRef idx="2">
+        <a:scrgbClr r="0" g="0" b="0"/>
+      </a:fillRef>
+      <a:effectRef idx="1">
+        <a:scrgbClr r="0" g="0" b="0"/>
+      </a:effectRef>
+      <a:fontRef idx="minor"/>
+    </dgm:style>
+  </dgm:styleLbl>
+  <dgm:styleLbl name="asst0">
+    <dgm:scene3d>
+      <a:camera prst="orthographicFront"/>
+      <a:lightRig rig="flat" dir="t"/>
+    </dgm:scene3d>
+    <dgm:sp3d prstMaterial="dkEdge">
+      <a:bevelT w="8200" h="38100"/>
+    </dgm:sp3d>
+    <dgm:txPr/>
+    <dgm:style>
+      <a:lnRef idx="0">
+        <a:scrgbClr r="0" g="0" b="0"/>
+      </a:lnRef>
+      <a:fillRef idx="2">
+        <a:scrgbClr r="0" g="0" b="0"/>
+      </a:fillRef>
+      <a:effectRef idx="1">
+        <a:scrgbClr r="0" g="0" b="0"/>
+      </a:effectRef>
+      <a:fontRef idx="minor">
+        <a:schemeClr val="dk1"/>
+      </a:fontRef>
+    </dgm:style>
+  </dgm:styleLbl>
+  <dgm:styleLbl name="asst1">
+    <dgm:scene3d>
+      <a:camera prst="orthographicFront"/>
+      <a:lightRig rig="flat" dir="t"/>
+    </dgm:scene3d>
+    <dgm:sp3d prstMaterial="dkEdge">
+      <a:bevelT w="8200" h="38100"/>
+    </dgm:sp3d>
+    <dgm:txPr/>
+    <dgm:style>
+      <a:lnRef idx="0">
+        <a:scrgbClr r="0" g="0" b="0"/>
+      </a:lnRef>
+      <a:fillRef idx="2">
+        <a:scrgbClr r="0" g="0" b="0"/>
+      </a:fillRef>
+      <a:effectRef idx="1">
+        <a:scrgbClr r="0" g="0" b="0"/>
+      </a:effectRef>
+      <a:fontRef idx="minor">
+        <a:schemeClr val="dk1"/>
+      </a:fontRef>
+    </dgm:style>
+  </dgm:styleLbl>
+  <dgm:styleLbl name="asst2">
+    <dgm:scene3d>
+      <a:camera prst="orthographicFront"/>
+      <a:lightRig rig="flat" dir="t"/>
+    </dgm:scene3d>
+    <dgm:sp3d prstMaterial="dkEdge">
+      <a:bevelT w="8200" h="38100"/>
+    </dgm:sp3d>
+    <dgm:txPr/>
+    <dgm:style>
+      <a:lnRef idx="0">
+        <a:scrgbClr r="0" g="0" b="0"/>
+      </a:lnRef>
+      <a:fillRef idx="2">
+        <a:scrgbClr r="0" g="0" b="0"/>
+      </a:fillRef>
+      <a:effectRef idx="1">
+        <a:scrgbClr r="0" g="0" b="0"/>
+      </a:effectRef>
+      <a:fontRef idx="minor">
+        <a:schemeClr val="dk1"/>
+      </a:fontRef>
+    </dgm:style>
+  </dgm:styleLbl>
+  <dgm:styleLbl name="asst3">
+    <dgm:scene3d>
+      <a:camera prst="orthographicFront"/>
+      <a:lightRig rig="flat" dir="t"/>
+    </dgm:scene3d>
+    <dgm:sp3d prstMaterial="dkEdge">
+      <a:bevelT w="8200" h="38100"/>
+    </dgm:sp3d>
+    <dgm:txPr/>
+    <dgm:style>
+      <a:lnRef idx="0">
+        <a:scrgbClr r="0" g="0" b="0"/>
+      </a:lnRef>
+      <a:fillRef idx="2">
+        <a:scrgbClr r="0" g="0" b="0"/>
+      </a:fillRef>
+      <a:effectRef idx="1">
+        <a:scrgbClr r="0" g="0" b="0"/>
+      </a:effectRef>
+      <a:fontRef idx="minor">
+        <a:schemeClr val="dk1"/>
+      </a:fontRef>
+    </dgm:style>
+  </dgm:styleLbl>
+  <dgm:styleLbl name="asst4">
+    <dgm:scene3d>
+      <a:camera prst="orthographicFront"/>
+      <a:lightRig rig="flat" dir="t"/>
+    </dgm:scene3d>
+    <dgm:sp3d prstMaterial="dkEdge">
+      <a:bevelT w="8200" h="38100"/>
+    </dgm:sp3d>
+    <dgm:txPr/>
+    <dgm:style>
+      <a:lnRef idx="0">
+        <a:scrgbClr r="0" g="0" b="0"/>
+      </a:lnRef>
+      <a:fillRef idx="2">
+        <a:scrgbClr r="0" g="0" b="0"/>
+      </a:fillRef>
+      <a:effectRef idx="1">
+        <a:scrgbClr r="0" g="0" b="0"/>
+      </a:effectRef>
+      <a:fontRef idx="minor">
+        <a:schemeClr val="dk1"/>
+      </a:fontRef>
+    </dgm:style>
+  </dgm:styleLbl>
+  <dgm:styleLbl name="parChTrans2D1">
+    <dgm:scene3d>
+      <a:camera prst="orthographicFront"/>
+      <a:lightRig rig="threePt" dir="t"/>
+    </dgm:scene3d>
+    <dgm:sp3d/>
+    <dgm:txPr/>
+    <dgm:style>
+      <a:lnRef idx="1">
+        <a:scrgbClr r="0" g="0" b="0"/>
+      </a:lnRef>
+      <a:fillRef idx="2">
+        <a:scrgbClr r="0" g="0" b="0"/>
+      </a:fillRef>
+      <a:effectRef idx="1">
+        <a:scrgbClr r="0" g="0" b="0"/>
+      </a:effectRef>
+      <a:fontRef idx="minor">
+        <a:schemeClr val="dk1"/>
+      </a:fontRef>
+    </dgm:style>
+  </dgm:styleLbl>
+  <dgm:styleLbl name="parChTrans2D2">
+    <dgm:scene3d>
+      <a:camera prst="orthographicFront"/>
+      <a:lightRig rig="threePt" dir="t"/>
+    </dgm:scene3d>
+    <dgm:sp3d/>
+    <dgm:txPr/>
+    <dgm:style>
+      <a:lnRef idx="1">
+        <a:scrgbClr r="0" g="0" b="0"/>
+      </a:lnRef>
+      <a:fillRef idx="2">
+        <a:scrgbClr r="0" g="0" b="0"/>
+      </a:fillRef>
+      <a:effectRef idx="1">
+        <a:scrgbClr r="0" g="0" b="0"/>
+      </a:effectRef>
+      <a:fontRef idx="minor">
+        <a:schemeClr val="dk1"/>
+      </a:fontRef>
+    </dgm:style>
+  </dgm:styleLbl>
+  <dgm:styleLbl name="parChTrans2D3">
+    <dgm:scene3d>
+      <a:camera prst="orthographicFront"/>
+      <a:lightRig rig="threePt" dir="t"/>
+    </dgm:scene3d>
+    <dgm:sp3d/>
+    <dgm:txPr/>
+    <dgm:style>
+      <a:lnRef idx="1">
+        <a:scrgbClr r="0" g="0" b="0"/>
+      </a:lnRef>
+      <a:fillRef idx="2">
+        <a:scrgbClr r="0" g="0" b="0"/>
+      </a:fillRef>
+      <a:effectRef idx="1">
+        <a:scrgbClr r="0" g="0" b="0"/>
+      </a:effectRef>
+      <a:fontRef idx="minor">
+        <a:schemeClr val="dk1"/>
+      </a:fontRef>
+    </dgm:style>
+  </dgm:styleLbl>
+  <dgm:styleLbl name="parChTrans2D4">
+    <dgm:scene3d>
+      <a:camera prst="orthographicFront"/>
+      <a:lightRig rig="threePt" dir="t"/>
+    </dgm:scene3d>
+    <dgm:sp3d/>
+    <dgm:txPr/>
+    <dgm:style>
+      <a:lnRef idx="1">
+        <a:scrgbClr r="0" g="0" b="0"/>
+      </a:lnRef>
+      <a:fillRef idx="2">
+        <a:scrgbClr r="0" g="0" b="0"/>
+      </a:fillRef>
+      <a:effectRef idx="1">
+        <a:scrgbClr r="0" g="0" b="0"/>
+      </a:effectRef>
+      <a:fontRef idx="minor">
+        <a:schemeClr val="dk1"/>
+      </a:fontRef>
+    </dgm:style>
+  </dgm:styleLbl>
+  <dgm:styleLbl name="parChTrans1D1">
+    <dgm:scene3d>
+      <a:camera prst="orthographicFront"/>
+      <a:lightRig rig="threePt" dir="t"/>
+    </dgm:scene3d>
+    <dgm:sp3d/>
+    <dgm:txPr/>
+    <dgm:style>
+      <a:lnRef idx="2">
+        <a:scrgbClr r="0" g="0" b="0"/>
+      </a:lnRef>
+      <a:fillRef idx="0">
+        <a:scrgbClr r="0" g="0" b="0"/>
+      </a:fillRef>
+      <a:effectRef idx="0">
+        <a:scrgbClr r="0" g="0" b="0"/>
+      </a:effectRef>
+      <a:fontRef idx="minor"/>
+    </dgm:style>
+  </dgm:styleLbl>
+  <dgm:styleLbl name="parChTrans1D2">
+    <dgm:scene3d>
+      <a:camera prst="orthographicFront"/>
+      <a:lightRig rig="threePt" dir="t"/>
+    </dgm:scene3d>
+    <dgm:sp3d/>
+    <dgm:txPr/>
+    <dgm:style>
+      <a:lnRef idx="2">
+        <a:scrgbClr r="0" g="0" b="0"/>
+      </a:lnRef>
+      <a:fillRef idx="0">
+        <a:scrgbClr r="0" g="0" b="0"/>
+      </a:fillRef>
+      <a:effectRef idx="0">
+        <a:scrgbClr r="0" g="0" b="0"/>
+      </a:effectRef>
+      <a:fontRef idx="minor"/>
+    </dgm:style>
+  </dgm:styleLbl>
+  <dgm:styleLbl name="parChTrans1D3">
+    <dgm:scene3d>
+      <a:camera prst="orthographicFront"/>
+      <a:lightRig rig="threePt" dir="t"/>
+    </dgm:scene3d>
+    <dgm:sp3d/>
+    <dgm:txPr/>
+    <dgm:style>
+      <a:lnRef idx="2">
+        <a:scrgbClr r="0" g="0" b="0"/>
+      </a:lnRef>
+      <a:fillRef idx="0">
+        <a:scrgbClr r="0" g="0" b="0"/>
+      </a:fillRef>
+      <a:effectRef idx="0">
+        <a:scrgbClr r="0" g="0" b="0"/>
+      </a:effectRef>
+      <a:fontRef idx="minor"/>
+    </dgm:style>
+  </dgm:styleLbl>
+  <dgm:styleLbl name="parChTrans1D4">
+    <dgm:scene3d>
+      <a:camera prst="orthographicFront"/>
+      <a:lightRig rig="threePt" dir="t"/>
+    </dgm:scene3d>
+    <dgm:sp3d/>
+    <dgm:txPr/>
+    <dgm:style>
+      <a:lnRef idx="2">
+        <a:scrgbClr r="0" g="0" b="0"/>
+      </a:lnRef>
+      <a:fillRef idx="0">
+        <a:scrgbClr r="0" g="0" b="0"/>
+      </a:fillRef>
+      <a:effectRef idx="0">
+        <a:scrgbClr r="0" g="0" b="0"/>
+      </a:effectRef>
+      <a:fontRef idx="minor"/>
+    </dgm:style>
+  </dgm:styleLbl>
+  <dgm:styleLbl name="fgAcc1">
+    <dgm:scene3d>
+      <a:camera prst="orthographicFront"/>
+      <a:lightRig rig="threePt" dir="t"/>
+    </dgm:scene3d>
+    <dgm:sp3d/>
+    <dgm:txPr/>
+    <dgm:style>
+      <a:lnRef idx="1">
+        <a:scrgbClr r="0" g="0" b="0"/>
+      </a:lnRef>
+      <a:fillRef idx="1">
+        <a:scrgbClr r="0" g="0" b="0"/>
+      </a:fillRef>
+      <a:effectRef idx="0">
+        <a:scrgbClr r="0" g="0" b="0"/>
+      </a:effectRef>
+      <a:fontRef idx="minor"/>
+    </dgm:style>
+  </dgm:styleLbl>
+  <dgm:styleLbl name="conFgAcc1">
+    <dgm:scene3d>
+      <a:camera prst="orthographicFront"/>
+      <a:lightRig rig="threePt" dir="t"/>
+    </dgm:scene3d>
+    <dgm:sp3d/>
+    <dgm:txPr/>
+    <dgm:style>
+      <a:lnRef idx="1">
+        <a:scrgbClr r="0" g="0" b="0"/>
+      </a:lnRef>
+      <a:fillRef idx="1">
+        <a:scrgbClr r="0" g="0" b="0"/>
+      </a:fillRef>
+      <a:effectRef idx="0">
+        <a:scrgbClr r="0" g="0" b="0"/>
+      </a:effectRef>
+      <a:fontRef idx="minor"/>
+    </dgm:style>
+  </dgm:styleLbl>
+  <dgm:styleLbl name="alignAcc1">
+    <dgm:scene3d>
+      <a:camera prst="orthographicFront"/>
+      <a:lightRig rig="threePt" dir="t"/>
+    </dgm:scene3d>
+    <dgm:sp3d/>
+    <dgm:txPr/>
+    <dgm:style>
+      <a:lnRef idx="1">
+        <a:scrgbClr r="0" g="0" b="0"/>
+      </a:lnRef>
+      <a:fillRef idx="1">
+        <a:scrgbClr r="0" g="0" b="0"/>
+      </a:fillRef>
+      <a:effectRef idx="0">
+        <a:scrgbClr r="0" g="0" b="0"/>
+      </a:effectRef>
+      <a:fontRef idx="minor"/>
+    </dgm:style>
+  </dgm:styleLbl>
+  <dgm:styleLbl name="trAlignAcc1">
+    <dgm:scene3d>
+      <a:camera prst="orthographicFront"/>
+      <a:lightRig rig="threePt" dir="t"/>
+    </dgm:scene3d>
+    <dgm:sp3d/>
+    <dgm:txPr/>
+    <dgm:style>
+      <a:lnRef idx="1">
+        <a:scrgbClr r="0" g="0" b="0"/>
+      </a:lnRef>
+      <a:fillRef idx="1">
+        <a:scrgbClr r="0" g="0" b="0"/>
+      </a:fillRef>
+      <a:effectRef idx="0">
+        <a:scrgbClr r="0" g="0" b="0"/>
+      </a:effectRef>
+      <a:fontRef idx="minor"/>
+    </dgm:style>
+  </dgm:styleLbl>
+  <dgm:styleLbl name="bgAcc1">
+    <dgm:scene3d>
+      <a:camera prst="orthographicFront"/>
+      <a:lightRig rig="threePt" dir="t"/>
+    </dgm:scene3d>
+    <dgm:sp3d/>
+    <dgm:txPr/>
+    <dgm:style>
+      <a:lnRef idx="1">
+        <a:scrgbClr r="0" g="0" b="0"/>
+      </a:lnRef>
+      <a:fillRef idx="1">
+        <a:scrgbClr r="0" g="0" b="0"/>
+      </a:fillRef>
+      <a:effectRef idx="0">
+        <a:scrgbClr r="0" g="0" b="0"/>
+      </a:effectRef>
+      <a:fontRef idx="minor"/>
+    </dgm:style>
+  </dgm:styleLbl>
+  <dgm:styleLbl name="solidFgAcc1">
+    <dgm:scene3d>
+      <a:camera prst="orthographicFront"/>
+      <a:lightRig rig="threePt" dir="t"/>
+    </dgm:scene3d>
+    <dgm:sp3d/>
+    <dgm:txPr/>
+    <dgm:style>
+      <a:lnRef idx="1">
+        <a:scrgbClr r="0" g="0" b="0"/>
+      </a:lnRef>
+      <a:fillRef idx="2">
+        <a:scrgbClr r="0" g="0" b="0"/>
+      </a:fillRef>
+      <a:effectRef idx="0">
+        <a:scrgbClr r="0" g="0" b="0"/>
+      </a:effectRef>
+      <a:fontRef idx="minor"/>
+    </dgm:style>
+  </dgm:styleLbl>
+  <dgm:styleLbl name="solidAlignAcc1">
+    <dgm:scene3d>
+      <a:camera prst="orthographicFront"/>
+      <a:lightRig rig="threePt" dir="t"/>
+    </dgm:scene3d>
+    <dgm:sp3d/>
+    <dgm:txPr/>
+    <dgm:style>
+      <a:lnRef idx="1">
+        <a:scrgbClr r="0" g="0" b="0"/>
+      </a:lnRef>
+      <a:fillRef idx="1">
+        <a:scrgbClr r="0" g="0" b="0"/>
+      </a:fillRef>
+      <a:effectRef idx="0">
+        <a:scrgbClr r="0" g="0" b="0"/>
+      </a:effectRef>
+      <a:fontRef idx="minor"/>
+    </dgm:style>
+  </dgm:styleLbl>
+  <dgm:styleLbl name="solidBgAcc1">
+    <dgm:scene3d>
+      <a:camera prst="orthographicFront"/>
+      <a:lightRig rig="threePt" dir="t"/>
+    </dgm:scene3d>
+    <dgm:sp3d/>
+    <dgm:txPr/>
+    <dgm:style>
+      <a:lnRef idx="1">
+        <a:scrgbClr r="0" g="0" b="0"/>
+      </a:lnRef>
+      <a:fillRef idx="1">
+        <a:scrgbClr r="0" g="0" b="0"/>
+      </a:fillRef>
+      <a:effectRef idx="0">
+        <a:scrgbClr r="0" g="0" b="0"/>
+      </a:effectRef>
+      <a:fontRef idx="minor"/>
+    </dgm:style>
+  </dgm:styleLbl>
+  <dgm:styleLbl name="fgAccFollowNode1">
+    <dgm:scene3d>
+      <a:camera prst="orthographicFront"/>
+      <a:lightRig rig="threePt" dir="t"/>
+    </dgm:scene3d>
+    <dgm:sp3d/>
+    <dgm:txPr/>
+    <dgm:style>
+      <a:lnRef idx="1">
+        <a:scrgbClr r="0" g="0" b="0"/>
+      </a:lnRef>
+      <a:fillRef idx="1">
+        <a:scrgbClr r="0" g="0" b="0"/>
+      </a:fillRef>
+      <a:effectRef idx="0">
+        <a:scrgbClr r="0" g="0" b="0"/>
+      </a:effectRef>
+      <a:fontRef idx="minor"/>
+    </dgm:style>
+  </dgm:styleLbl>
+  <dgm:styleLbl name="alignAccFollowNode1">
+    <dgm:scene3d>
+      <a:camera prst="orthographicFront"/>
+      <a:lightRig rig="threePt" dir="t"/>
+    </dgm:scene3d>
+    <dgm:sp3d/>
+    <dgm:txPr/>
+    <dgm:style>
+      <a:lnRef idx="1">
+        <a:scrgbClr r="0" g="0" b="0"/>
+      </a:lnRef>
+      <a:fillRef idx="1">
+        <a:scrgbClr r="0" g="0" b="0"/>
+      </a:fillRef>
+      <a:effectRef idx="0">
+        <a:scrgbClr r="0" g="0" b="0"/>
+      </a:effectRef>
+      <a:fontRef idx="minor"/>
+    </dgm:style>
+  </dgm:styleLbl>
+  <dgm:styleLbl name="bgAccFollowNode1">
+    <dgm:scene3d>
+      <a:camera prst="orthographicFront"/>
+      <a:lightRig rig="threePt" dir="t"/>
+    </dgm:scene3d>
+    <dgm:sp3d/>
+    <dgm:txPr/>
+    <dgm:style>
+      <a:lnRef idx="1">
+        <a:scrgbClr r="0" g="0" b="0"/>
+      </a:lnRef>
+      <a:fillRef idx="1">
+        <a:scrgbClr r="0" g="0" b="0"/>
+      </a:fillRef>
+      <a:effectRef idx="0">
+        <a:scrgbClr r="0" g="0" b="0"/>
+      </a:effectRef>
+      <a:fontRef idx="minor"/>
+    </dgm:style>
+  </dgm:styleLbl>
+  <dgm:styleLbl name="fgAcc0">
+    <dgm:scene3d>
+      <a:camera prst="orthographicFront"/>
+      <a:lightRig rig="threePt" dir="t"/>
+    </dgm:scene3d>
+    <dgm:sp3d/>
+    <dgm:txPr/>
+    <dgm:style>
+      <a:lnRef idx="1">
+        <a:scrgbClr r="0" g="0" b="0"/>
+      </a:lnRef>
+      <a:fillRef idx="1">
+        <a:scrgbClr r="0" g="0" b="0"/>
+      </a:fillRef>
+      <a:effectRef idx="0">
+        <a:scrgbClr r="0" g="0" b="0"/>
+      </a:effectRef>
+      <a:fontRef idx="minor"/>
+    </dgm:style>
+  </dgm:styleLbl>
+  <dgm:styleLbl name="fgAcc2">
+    <dgm:scene3d>
+      <a:camera prst="orthographicFront"/>
+      <a:lightRig rig="threePt" dir="t"/>
+    </dgm:scene3d>
+    <dgm:sp3d/>
+    <dgm:txPr/>
+    <dgm:style>
+      <a:lnRef idx="1">
+        <a:scrgbClr r="0" g="0" b="0"/>
+      </a:lnRef>
+      <a:fillRef idx="1">
+        <a:scrgbClr r="0" g="0" b="0"/>
+      </a:fillRef>
+      <a:effectRef idx="0">
+        <a:scrgbClr r="0" g="0" b="0"/>
+      </a:effectRef>
+      <a:fontRef idx="minor"/>
+    </dgm:style>
+  </dgm:styleLbl>
+  <dgm:styleLbl name="fgAcc3">
+    <dgm:scene3d>
+      <a:camera prst="orthographicFront"/>
+      <a:lightRig rig="threePt" dir="t"/>
+    </dgm:scene3d>
+    <dgm:sp3d/>
+    <dgm:txPr/>
+    <dgm:style>
+      <a:lnRef idx="1">
+        <a:scrgbClr r="0" g="0" b="0"/>
+      </a:lnRef>
+      <a:fillRef idx="1">
+        <a:scrgbClr r="0" g="0" b="0"/>
+      </a:fillRef>
+      <a:effectRef idx="0">
+        <a:scrgbClr r="0" g="0" b="0"/>
+      </a:effectRef>
+      <a:fontRef idx="minor"/>
+    </dgm:style>
+  </dgm:styleLbl>
+  <dgm:styleLbl name="fgAcc4">
+    <dgm:scene3d>
+      <a:camera prst="orthographicFront"/>
+      <a:lightRig rig="threePt" dir="t"/>
+    </dgm:scene3d>
+    <dgm:sp3d/>
+    <dgm:txPr/>
+    <dgm:style>
+      <a:lnRef idx="1">
+        <a:scrgbClr r="0" g="0" b="0"/>
+      </a:lnRef>
+      <a:fillRef idx="1">
+        <a:scrgbClr r="0" g="0" b="0"/>
+      </a:fillRef>
+      <a:effectRef idx="0">
+        <a:scrgbClr r="0" g="0" b="0"/>
+      </a:effectRef>
+      <a:fontRef idx="minor"/>
+    </dgm:style>
+  </dgm:styleLbl>
+  <dgm:styleLbl name="bgShp">
+    <dgm:scene3d>
+      <a:camera prst="orthographicFront"/>
+      <a:lightRig rig="threePt" dir="t"/>
+    </dgm:scene3d>
+    <dgm:sp3d/>
+    <dgm:txPr/>
+    <dgm:style>
+      <a:lnRef idx="0">
+        <a:scrgbClr r="0" g="0" b="0"/>
+      </a:lnRef>
+      <a:fillRef idx="1">
+        <a:scrgbClr r="0" g="0" b="0"/>
+      </a:fillRef>
+      <a:effectRef idx="1">
+        <a:scrgbClr r="0" g="0" b="0"/>
+      </a:effectRef>
+      <a:fontRef idx="minor"/>
+    </dgm:style>
+  </dgm:styleLbl>
+  <dgm:styleLbl name="dkBgShp">
+    <dgm:scene3d>
+      <a:camera prst="orthographicFront"/>
+      <a:lightRig rig="threePt" dir="t"/>
+    </dgm:scene3d>
+    <dgm:sp3d/>
+    <dgm:txPr/>
+    <dgm:style>
+      <a:lnRef idx="0">
+        <a:scrgbClr r="0" g="0" b="0"/>
+      </a:lnRef>
+      <a:fillRef idx="1">
+        <a:scrgbClr r="0" g="0" b="0"/>
+      </a:fillRef>
+      <a:effectRef idx="1">
+        <a:scrgbClr r="0" g="0" b="0"/>
+      </a:effectRef>
+      <a:fontRef idx="minor"/>
+    </dgm:style>
+  </dgm:styleLbl>
+  <dgm:styleLbl name="trBgShp">
+    <dgm:scene3d>
+      <a:camera prst="orthographicFront"/>
+      <a:lightRig rig="threePt" dir="t"/>
+    </dgm:scene3d>
+    <dgm:sp3d/>
+    <dgm:txPr/>
+    <dgm:style>
+      <a:lnRef idx="0">
+        <a:scrgbClr r="0" g="0" b="0"/>
+      </a:lnRef>
+      <a:fillRef idx="1">
+        <a:scrgbClr r="0" g="0" b="0"/>
+      </a:fillRef>
+      <a:effectRef idx="0">
+        <a:scrgbClr r="0" g="0" b="0"/>
+      </a:effectRef>
+      <a:fontRef idx="minor"/>
+    </dgm:style>
+  </dgm:styleLbl>
+  <dgm:styleLbl name="fgShp">
+    <dgm:scene3d>
+      <a:camera prst="orthographicFront"/>
+      <a:lightRig rig="flat" dir="t"/>
+    </dgm:scene3d>
+    <dgm:sp3d prstMaterial="dkEdge">
+      <a:bevelT w="8200" h="38100"/>
+    </dgm:sp3d>
+    <dgm:txPr/>
+    <dgm:style>
+      <a:lnRef idx="1">
+        <a:scrgbClr r="0" g="0" b="0"/>
+      </a:lnRef>
+      <a:fillRef idx="2">
+        <a:scrgbClr r="0" g="0" b="0"/>
+      </a:fillRef>
+      <a:effectRef idx="1">
+        <a:scrgbClr r="0" g="0" b="0"/>
+      </a:effectRef>
+      <a:fontRef idx="minor"/>
+    </dgm:style>
+  </dgm:styleLbl>
+  <dgm:styleLbl name="revTx">
+    <dgm:scene3d>
+      <a:camera prst="orthographicFront"/>
+      <a:lightRig rig="threePt" dir="t"/>
+    </dgm:scene3d>
+    <dgm:sp3d/>
+    <dgm:txPr/>
+    <dgm:style>
+      <a:lnRef idx="0">
+        <a:scrgbClr r="0" g="0" b="0"/>
+      </a:lnRef>
+      <a:fillRef idx="0">
+        <a:scrgbClr r="0" g="0" b="0"/>
+      </a:fillRef>
+      <a:effectRef idx="0">
+        <a:scrgbClr r="0" g="0" b="0"/>
+      </a:effectRef>
+      <a:fontRef idx="minor"/>
+    </dgm:style>
+  </dgm:styleLbl>
+</dgm:styleDef>
+</file>
+
+<file path=ppt/diagrams/quickStyle2.xml><?xml version="1.0" encoding="utf-8"?>
 <dgm:styleDef xmlns:dgm="http://schemas.openxmlformats.org/drawingml/2006/diagram" xmlns:a="http://schemas.openxmlformats.org/drawingml/2006/main" uniqueId="urn:microsoft.com/office/officeart/2005/8/quickstyle/3d1">
   <dgm:title val=""/>
   <dgm:desc val=""/>
@@ -2968,7 +5390,7 @@
             <a:fld id="{8BA93F81-AB1A-49EB-B45D-4C43C205A3D4}" type="datetimeFigureOut">
               <a:rPr lang="it-IT" smtClean="0"/>
               <a:pPr/>
-              <a:t>26/09/2008</a:t>
+              <a:t>27/09/2008</a:t>
             </a:fld>
             <a:endParaRPr lang="it-IT"/>
           </a:p>
@@ -6833,6 +9255,2859 @@
               <a:rPr lang="it-IT" smtClean="0"/>
               <a:pPr/>
               <a:t>10</a:t>
+            </a:fld>
+            <a:endParaRPr lang="it-IT" dirty="0"/>
+          </a:p>
+        </p:txBody>
+      </p:sp>
+      <p:sp>
+        <p:nvSpPr>
+          <p:cNvPr id="8" name="Segnaposto piè di pagina 7"/>
+          <p:cNvSpPr>
+            <a:spLocks noGrp="1"/>
+          </p:cNvSpPr>
+          <p:nvPr>
+            <p:ph type="ftr" sz="quarter" idx="11"/>
+          </p:nvPr>
+        </p:nvSpPr>
+        <p:spPr/>
+        <p:txBody>
+          <a:bodyPr/>
+          <a:lstStyle/>
+          <a:p>
+            <a:r>
+              <a:rPr lang="it-IT" smtClean="0"/>
+              <a:t>Università degli studi di Roma Tre</a:t>
+            </a:r>
+            <a:endParaRPr lang="it-IT" dirty="0"/>
+          </a:p>
+        </p:txBody>
+      </p:sp>
+      <p:sp>
+        <p:nvSpPr>
+          <p:cNvPr id="10" name="Rettangolo arrotondato 9"/>
+          <p:cNvSpPr/>
+          <p:nvPr/>
+        </p:nvSpPr>
+        <p:spPr>
+          <a:xfrm>
+            <a:off x="2428860" y="142852"/>
+            <a:ext cx="4071966" cy="1285884"/>
+          </a:xfrm>
+          <a:prstGeom prst="roundRect">
+            <a:avLst/>
+          </a:prstGeom>
+        </p:spPr>
+        <p:style>
+          <a:lnRef idx="1">
+            <a:schemeClr val="accent5"/>
+          </a:lnRef>
+          <a:fillRef idx="2">
+            <a:schemeClr val="accent5"/>
+          </a:fillRef>
+          <a:effectRef idx="1">
+            <a:schemeClr val="accent5"/>
+          </a:effectRef>
+          <a:fontRef idx="minor">
+            <a:schemeClr val="dk1"/>
+          </a:fontRef>
+        </p:style>
+        <p:txBody>
+          <a:bodyPr rtlCol="0" anchor="t" anchorCtr="0"/>
+          <a:lstStyle/>
+          <a:p>
+            <a:r>
+              <a:rPr lang="en-US" sz="2400" b="1" dirty="0" smtClean="0"/>
+              <a:t>GUI</a:t>
+            </a:r>
+            <a:endParaRPr lang="it-IT" b="1" dirty="0"/>
+          </a:p>
+        </p:txBody>
+      </p:sp>
+      <p:sp>
+        <p:nvSpPr>
+          <p:cNvPr id="11" name="Ritaglia angolo stesso lato rettangolo 10"/>
+          <p:cNvSpPr/>
+          <p:nvPr/>
+        </p:nvSpPr>
+        <p:spPr>
+          <a:xfrm>
+            <a:off x="2643174" y="642918"/>
+            <a:ext cx="1143008" cy="642942"/>
+          </a:xfrm>
+          <a:prstGeom prst="snip2SameRect">
+            <a:avLst/>
+          </a:prstGeom>
+        </p:spPr>
+        <p:style>
+          <a:lnRef idx="0">
+            <a:schemeClr val="accent3"/>
+          </a:lnRef>
+          <a:fillRef idx="3">
+            <a:schemeClr val="accent3"/>
+          </a:fillRef>
+          <a:effectRef idx="3">
+            <a:schemeClr val="accent3"/>
+          </a:effectRef>
+          <a:fontRef idx="minor">
+            <a:schemeClr val="lt1"/>
+          </a:fontRef>
+        </p:style>
+        <p:txBody>
+          <a:bodyPr rtlCol="0" anchor="ctr"/>
+          <a:lstStyle/>
+          <a:p>
+            <a:pPr algn="ctr"/>
+            <a:r>
+              <a:rPr lang="en-US" b="1" dirty="0" smtClean="0">
+                <a:solidFill>
+                  <a:schemeClr val="tx1"/>
+                </a:solidFill>
+              </a:rPr>
+              <a:t>Property Editor</a:t>
+            </a:r>
+            <a:endParaRPr lang="it-IT" b="1" dirty="0">
+              <a:solidFill>
+                <a:schemeClr val="tx1"/>
+              </a:solidFill>
+            </a:endParaRPr>
+          </a:p>
+        </p:txBody>
+      </p:sp>
+      <p:sp>
+        <p:nvSpPr>
+          <p:cNvPr id="20" name="Rettangolo arrotondato 19"/>
+          <p:cNvSpPr/>
+          <p:nvPr/>
+        </p:nvSpPr>
+        <p:spPr>
+          <a:xfrm>
+            <a:off x="4572000" y="285728"/>
+            <a:ext cx="2428892" cy="1000132"/>
+          </a:xfrm>
+          <a:prstGeom prst="roundRect">
+            <a:avLst/>
+          </a:prstGeom>
+        </p:spPr>
+        <p:style>
+          <a:lnRef idx="0">
+            <a:schemeClr val="accent5"/>
+          </a:lnRef>
+          <a:fillRef idx="3">
+            <a:schemeClr val="accent5"/>
+          </a:fillRef>
+          <a:effectRef idx="3">
+            <a:schemeClr val="accent5"/>
+          </a:effectRef>
+          <a:fontRef idx="minor">
+            <a:schemeClr val="lt1"/>
+          </a:fontRef>
+        </p:style>
+        <p:txBody>
+          <a:bodyPr rtlCol="0" anchor="b" anchorCtr="0"/>
+          <a:lstStyle/>
+          <a:p>
+            <a:pPr algn="ctr"/>
+            <a:r>
+              <a:rPr lang="en-US" b="1" dirty="0" smtClean="0">
+                <a:solidFill>
+                  <a:schemeClr val="bg1"/>
+                </a:solidFill>
+              </a:rPr>
+              <a:t>Graph Scene</a:t>
+            </a:r>
+            <a:endParaRPr lang="it-IT" b="1" dirty="0">
+              <a:solidFill>
+                <a:schemeClr val="bg1"/>
+              </a:solidFill>
+            </a:endParaRPr>
+          </a:p>
+        </p:txBody>
+      </p:sp>
+      <p:sp>
+        <p:nvSpPr>
+          <p:cNvPr id="13" name="Rettangolo arrotondato 12"/>
+          <p:cNvSpPr/>
+          <p:nvPr/>
+        </p:nvSpPr>
+        <p:spPr>
+          <a:xfrm>
+            <a:off x="4714876" y="428604"/>
+            <a:ext cx="2143140" cy="428628"/>
+          </a:xfrm>
+          <a:prstGeom prst="roundRect">
+            <a:avLst/>
+          </a:prstGeom>
+        </p:spPr>
+        <p:style>
+          <a:lnRef idx="0">
+            <a:schemeClr val="accent3"/>
+          </a:lnRef>
+          <a:fillRef idx="3">
+            <a:schemeClr val="accent3"/>
+          </a:fillRef>
+          <a:effectRef idx="3">
+            <a:schemeClr val="accent3"/>
+          </a:effectRef>
+          <a:fontRef idx="minor">
+            <a:schemeClr val="lt1"/>
+          </a:fontRef>
+        </p:style>
+        <p:txBody>
+          <a:bodyPr rtlCol="0" anchor="ctr"/>
+          <a:lstStyle/>
+          <a:p>
+            <a:pPr algn="ctr"/>
+            <a:r>
+              <a:rPr lang="en-US" b="1" dirty="0" err="1" smtClean="0">
+                <a:solidFill>
+                  <a:schemeClr val="tx1"/>
+                </a:solidFill>
+              </a:rPr>
+              <a:t>Graphisc</a:t>
+            </a:r>
+            <a:r>
+              <a:rPr lang="en-US" b="1" dirty="0" smtClean="0">
+                <a:solidFill>
+                  <a:schemeClr val="tx1"/>
+                </a:solidFill>
+              </a:rPr>
+              <a:t> Items</a:t>
+            </a:r>
+            <a:endParaRPr lang="it-IT" b="1" dirty="0">
+              <a:solidFill>
+                <a:schemeClr val="tx1"/>
+              </a:solidFill>
+            </a:endParaRPr>
+          </a:p>
+        </p:txBody>
+      </p:sp>
+      <p:sp>
+        <p:nvSpPr>
+          <p:cNvPr id="14" name="Rettangolo arrotondato 13"/>
+          <p:cNvSpPr/>
+          <p:nvPr/>
+        </p:nvSpPr>
+        <p:spPr>
+          <a:xfrm>
+            <a:off x="5143504" y="1643050"/>
+            <a:ext cx="1285884" cy="642942"/>
+          </a:xfrm>
+          <a:prstGeom prst="roundRect">
+            <a:avLst/>
+          </a:prstGeom>
+        </p:spPr>
+        <p:style>
+          <a:lnRef idx="0">
+            <a:schemeClr val="accent1"/>
+          </a:lnRef>
+          <a:fillRef idx="3">
+            <a:schemeClr val="accent1"/>
+          </a:fillRef>
+          <a:effectRef idx="3">
+            <a:schemeClr val="accent1"/>
+          </a:effectRef>
+          <a:fontRef idx="minor">
+            <a:schemeClr val="lt1"/>
+          </a:fontRef>
+        </p:style>
+        <p:txBody>
+          <a:bodyPr rtlCol="0" anchor="ctr"/>
+          <a:lstStyle/>
+          <a:p>
+            <a:pPr algn="ctr"/>
+            <a:r>
+              <a:rPr lang="en-US" b="1" dirty="0" smtClean="0">
+                <a:solidFill>
+                  <a:schemeClr val="bg1"/>
+                </a:solidFill>
+              </a:rPr>
+              <a:t>Graph Scene</a:t>
+            </a:r>
+            <a:endParaRPr lang="it-IT" b="1" dirty="0">
+              <a:solidFill>
+                <a:schemeClr val="bg1"/>
+              </a:solidFill>
+            </a:endParaRPr>
+          </a:p>
+        </p:txBody>
+      </p:sp>
+      <p:sp>
+        <p:nvSpPr>
+          <p:cNvPr id="15" name="Rettangolo arrotondato 14"/>
+          <p:cNvSpPr/>
+          <p:nvPr/>
+        </p:nvSpPr>
+        <p:spPr>
+          <a:xfrm>
+            <a:off x="4572000" y="2643182"/>
+            <a:ext cx="2428892" cy="357190"/>
+          </a:xfrm>
+          <a:prstGeom prst="roundRect">
+            <a:avLst/>
+          </a:prstGeom>
+        </p:spPr>
+        <p:style>
+          <a:lnRef idx="1">
+            <a:schemeClr val="accent4"/>
+          </a:lnRef>
+          <a:fillRef idx="2">
+            <a:schemeClr val="accent4"/>
+          </a:fillRef>
+          <a:effectRef idx="1">
+            <a:schemeClr val="accent4"/>
+          </a:effectRef>
+          <a:fontRef idx="minor">
+            <a:schemeClr val="dk1"/>
+          </a:fontRef>
+        </p:style>
+        <p:txBody>
+          <a:bodyPr rtlCol="0" anchor="ctr"/>
+          <a:lstStyle/>
+          <a:p>
+            <a:pPr algn="ctr"/>
+            <a:r>
+              <a:rPr lang="en-US" b="1" dirty="0" smtClean="0"/>
+              <a:t>Handlers</a:t>
+            </a:r>
+            <a:endParaRPr lang="it-IT" b="1" dirty="0"/>
+          </a:p>
+        </p:txBody>
+      </p:sp>
+      <p:sp>
+        <p:nvSpPr>
+          <p:cNvPr id="16" name="Rettangolo 15"/>
+          <p:cNvSpPr/>
+          <p:nvPr/>
+        </p:nvSpPr>
+        <p:spPr>
+          <a:xfrm>
+            <a:off x="5357818" y="3286124"/>
+            <a:ext cx="1643074" cy="500066"/>
+          </a:xfrm>
+          <a:prstGeom prst="rect">
+            <a:avLst/>
+          </a:prstGeom>
+        </p:spPr>
+        <p:style>
+          <a:lnRef idx="1">
+            <a:schemeClr val="accent2"/>
+          </a:lnRef>
+          <a:fillRef idx="2">
+            <a:schemeClr val="accent2"/>
+          </a:fillRef>
+          <a:effectRef idx="1">
+            <a:schemeClr val="accent2"/>
+          </a:effectRef>
+          <a:fontRef idx="minor">
+            <a:schemeClr val="dk1"/>
+          </a:fontRef>
+        </p:style>
+        <p:txBody>
+          <a:bodyPr rtlCol="0" anchor="ctr"/>
+          <a:lstStyle/>
+          <a:p>
+            <a:pPr algn="ctr"/>
+            <a:r>
+              <a:rPr lang="en-US" b="1" dirty="0" smtClean="0"/>
+              <a:t>Redo/Undo Framework</a:t>
+            </a:r>
+            <a:endParaRPr lang="it-IT" b="1" dirty="0"/>
+          </a:p>
+        </p:txBody>
+      </p:sp>
+      <p:sp>
+        <p:nvSpPr>
+          <p:cNvPr id="17" name="Rettangolo arrotondato 16"/>
+          <p:cNvSpPr/>
+          <p:nvPr/>
+        </p:nvSpPr>
+        <p:spPr>
+          <a:xfrm>
+            <a:off x="2643174" y="4286256"/>
+            <a:ext cx="4357718" cy="357190"/>
+          </a:xfrm>
+          <a:prstGeom prst="roundRect">
+            <a:avLst/>
+          </a:prstGeom>
+        </p:spPr>
+        <p:style>
+          <a:lnRef idx="1">
+            <a:schemeClr val="accent4"/>
+          </a:lnRef>
+          <a:fillRef idx="2">
+            <a:schemeClr val="accent4"/>
+          </a:fillRef>
+          <a:effectRef idx="1">
+            <a:schemeClr val="accent4"/>
+          </a:effectRef>
+          <a:fontRef idx="minor">
+            <a:schemeClr val="dk1"/>
+          </a:fontRef>
+        </p:style>
+        <p:txBody>
+          <a:bodyPr rtlCol="0" anchor="ctr"/>
+          <a:lstStyle/>
+          <a:p>
+            <a:pPr algn="ctr"/>
+            <a:r>
+              <a:rPr lang="en-US" b="1" dirty="0" smtClean="0"/>
+              <a:t>Facade Controllers</a:t>
+            </a:r>
+            <a:endParaRPr lang="it-IT" b="1" dirty="0"/>
+          </a:p>
+        </p:txBody>
+      </p:sp>
+      <p:sp>
+        <p:nvSpPr>
+          <p:cNvPr id="19" name="Rettangolo arrotondato 18"/>
+          <p:cNvSpPr/>
+          <p:nvPr/>
+        </p:nvSpPr>
+        <p:spPr>
+          <a:xfrm>
+            <a:off x="2643174" y="5000636"/>
+            <a:ext cx="4357718" cy="571504"/>
+          </a:xfrm>
+          <a:prstGeom prst="roundRect">
+            <a:avLst/>
+          </a:prstGeom>
+        </p:spPr>
+        <p:style>
+          <a:lnRef idx="1">
+            <a:schemeClr val="accent5"/>
+          </a:lnRef>
+          <a:fillRef idx="2">
+            <a:schemeClr val="accent5"/>
+          </a:fillRef>
+          <a:effectRef idx="1">
+            <a:schemeClr val="accent5"/>
+          </a:effectRef>
+          <a:fontRef idx="minor">
+            <a:schemeClr val="dk1"/>
+          </a:fontRef>
+        </p:style>
+        <p:txBody>
+          <a:bodyPr rtlCol="0" anchor="ctr" anchorCtr="0"/>
+          <a:lstStyle/>
+          <a:p>
+            <a:pPr algn="ctr"/>
+            <a:r>
+              <a:rPr lang="en-US" sz="2400" b="1" dirty="0" smtClean="0"/>
+              <a:t>CORE</a:t>
+            </a:r>
+            <a:endParaRPr lang="it-IT" b="1" dirty="0"/>
+          </a:p>
+        </p:txBody>
+      </p:sp>
+      <p:sp>
+        <p:nvSpPr>
+          <p:cNvPr id="21" name="Rettangolo arrotondato 20"/>
+          <p:cNvSpPr/>
+          <p:nvPr/>
+        </p:nvSpPr>
+        <p:spPr>
+          <a:xfrm>
+            <a:off x="2643174" y="5715016"/>
+            <a:ext cx="4357718" cy="500066"/>
+          </a:xfrm>
+          <a:prstGeom prst="roundRect">
+            <a:avLst/>
+          </a:prstGeom>
+        </p:spPr>
+        <p:style>
+          <a:lnRef idx="1">
+            <a:schemeClr val="dk1"/>
+          </a:lnRef>
+          <a:fillRef idx="2">
+            <a:schemeClr val="dk1"/>
+          </a:fillRef>
+          <a:effectRef idx="1">
+            <a:schemeClr val="dk1"/>
+          </a:effectRef>
+          <a:fontRef idx="minor">
+            <a:schemeClr val="dk1"/>
+          </a:fontRef>
+        </p:style>
+        <p:txBody>
+          <a:bodyPr rtlCol="0" anchor="ctr"/>
+          <a:lstStyle/>
+          <a:p>
+            <a:pPr algn="ctr"/>
+            <a:r>
+              <a:rPr lang="en-US" b="1" dirty="0" err="1" smtClean="0"/>
+              <a:t>Persistance</a:t>
+            </a:r>
+            <a:endParaRPr lang="it-IT" b="1" dirty="0"/>
+          </a:p>
+        </p:txBody>
+      </p:sp>
+      <p:sp>
+        <p:nvSpPr>
+          <p:cNvPr id="22" name="Disco magnetico 21"/>
+          <p:cNvSpPr/>
+          <p:nvPr/>
+        </p:nvSpPr>
+        <p:spPr>
+          <a:xfrm>
+            <a:off x="7643834" y="5286388"/>
+            <a:ext cx="928694" cy="1000132"/>
+          </a:xfrm>
+          <a:prstGeom prst="flowChartMagneticDisk">
+            <a:avLst/>
+          </a:prstGeom>
+        </p:spPr>
+        <p:style>
+          <a:lnRef idx="1">
+            <a:schemeClr val="dk1"/>
+          </a:lnRef>
+          <a:fillRef idx="2">
+            <a:schemeClr val="dk1"/>
+          </a:fillRef>
+          <a:effectRef idx="1">
+            <a:schemeClr val="dk1"/>
+          </a:effectRef>
+          <a:fontRef idx="minor">
+            <a:schemeClr val="dk1"/>
+          </a:fontRef>
+        </p:style>
+        <p:txBody>
+          <a:bodyPr rtlCol="0" anchor="ctr"/>
+          <a:lstStyle/>
+          <a:p>
+            <a:pPr algn="ctr"/>
+            <a:r>
+              <a:rPr lang="en-US" b="1" dirty="0" smtClean="0"/>
+              <a:t>File</a:t>
+            </a:r>
+          </a:p>
+          <a:p>
+            <a:pPr algn="ctr"/>
+            <a:r>
+              <a:rPr lang="en-US" b="1" dirty="0" smtClean="0"/>
+              <a:t>System</a:t>
+            </a:r>
+            <a:endParaRPr lang="it-IT" b="1" dirty="0"/>
+          </a:p>
+        </p:txBody>
+      </p:sp>
+      <p:sp>
+        <p:nvSpPr>
+          <p:cNvPr id="24" name="Rettangolo arrotondato 23"/>
+          <p:cNvSpPr/>
+          <p:nvPr/>
+        </p:nvSpPr>
+        <p:spPr>
+          <a:xfrm>
+            <a:off x="7358082" y="1000108"/>
+            <a:ext cx="642942" cy="4000528"/>
+          </a:xfrm>
+          <a:prstGeom prst="roundRect">
+            <a:avLst/>
+          </a:prstGeom>
+        </p:spPr>
+        <p:style>
+          <a:lnRef idx="1">
+            <a:schemeClr val="accent4"/>
+          </a:lnRef>
+          <a:fillRef idx="2">
+            <a:schemeClr val="accent4"/>
+          </a:fillRef>
+          <a:effectRef idx="1">
+            <a:schemeClr val="accent4"/>
+          </a:effectRef>
+          <a:fontRef idx="minor">
+            <a:schemeClr val="dk1"/>
+          </a:fontRef>
+        </p:style>
+        <p:txBody>
+          <a:bodyPr vert="wordArtVert" rtlCol="0" anchor="ctr"/>
+          <a:lstStyle/>
+          <a:p>
+            <a:pPr algn="ctr"/>
+            <a:r>
+              <a:rPr lang="en-US" b="1" dirty="0" err="1" smtClean="0"/>
+              <a:t>Mappers</a:t>
+            </a:r>
+            <a:endParaRPr lang="it-IT" b="1" dirty="0"/>
+          </a:p>
+        </p:txBody>
+      </p:sp>
+      <p:cxnSp>
+        <p:nvCxnSpPr>
+          <p:cNvPr id="26" name="Connettore 2 25"/>
+          <p:cNvCxnSpPr>
+            <a:stCxn id="14" idx="0"/>
+            <a:endCxn id="20" idx="2"/>
+          </p:cNvCxnSpPr>
+          <p:nvPr/>
+        </p:nvCxnSpPr>
+        <p:spPr>
+          <a:xfrm rot="5400000" flipH="1" flipV="1">
+            <a:off x="5607851" y="1464455"/>
+            <a:ext cx="357190" cy="1588"/>
+          </a:xfrm>
+          <a:prstGeom prst="straightConnector1">
+            <a:avLst/>
+          </a:prstGeom>
+          <a:ln>
+            <a:tailEnd type="arrow"/>
+          </a:ln>
+        </p:spPr>
+        <p:style>
+          <a:lnRef idx="3">
+            <a:schemeClr val="dk1"/>
+          </a:lnRef>
+          <a:fillRef idx="0">
+            <a:schemeClr val="dk1"/>
+          </a:fillRef>
+          <a:effectRef idx="2">
+            <a:schemeClr val="dk1"/>
+          </a:effectRef>
+          <a:fontRef idx="minor">
+            <a:schemeClr val="tx1"/>
+          </a:fontRef>
+        </p:style>
+      </p:cxnSp>
+      <p:cxnSp>
+        <p:nvCxnSpPr>
+          <p:cNvPr id="28" name="Connettore 2 27"/>
+          <p:cNvCxnSpPr>
+            <a:stCxn id="14" idx="2"/>
+            <a:endCxn id="15" idx="0"/>
+          </p:cNvCxnSpPr>
+          <p:nvPr/>
+        </p:nvCxnSpPr>
+        <p:spPr>
+          <a:xfrm rot="5400000">
+            <a:off x="5607851" y="2464587"/>
+            <a:ext cx="357190" cy="1588"/>
+          </a:xfrm>
+          <a:prstGeom prst="straightConnector1">
+            <a:avLst/>
+          </a:prstGeom>
+          <a:ln>
+            <a:headEnd type="arrow"/>
+            <a:tailEnd type="arrow"/>
+          </a:ln>
+        </p:spPr>
+        <p:style>
+          <a:lnRef idx="2">
+            <a:schemeClr val="dk1"/>
+          </a:lnRef>
+          <a:fillRef idx="0">
+            <a:schemeClr val="dk1"/>
+          </a:fillRef>
+          <a:effectRef idx="1">
+            <a:schemeClr val="dk1"/>
+          </a:effectRef>
+          <a:fontRef idx="minor">
+            <a:schemeClr val="tx1"/>
+          </a:fontRef>
+        </p:style>
+      </p:cxnSp>
+      <p:cxnSp>
+        <p:nvCxnSpPr>
+          <p:cNvPr id="33" name="Connettore 2 32"/>
+          <p:cNvCxnSpPr>
+            <a:stCxn id="15" idx="2"/>
+          </p:cNvCxnSpPr>
+          <p:nvPr/>
+        </p:nvCxnSpPr>
+        <p:spPr>
+          <a:xfrm rot="5400000">
+            <a:off x="5643570" y="3143248"/>
+            <a:ext cx="285752" cy="1588"/>
+          </a:xfrm>
+          <a:prstGeom prst="straightConnector1">
+            <a:avLst/>
+          </a:prstGeom>
+          <a:ln>
+            <a:headEnd type="arrow"/>
+            <a:tailEnd type="arrow"/>
+          </a:ln>
+        </p:spPr>
+        <p:style>
+          <a:lnRef idx="2">
+            <a:schemeClr val="dk1"/>
+          </a:lnRef>
+          <a:fillRef idx="0">
+            <a:schemeClr val="dk1"/>
+          </a:fillRef>
+          <a:effectRef idx="1">
+            <a:schemeClr val="dk1"/>
+          </a:effectRef>
+          <a:fontRef idx="minor">
+            <a:schemeClr val="tx1"/>
+          </a:fontRef>
+        </p:style>
+      </p:cxnSp>
+      <p:cxnSp>
+        <p:nvCxnSpPr>
+          <p:cNvPr id="34" name="Connettore 2 33"/>
+          <p:cNvCxnSpPr/>
+          <p:nvPr/>
+        </p:nvCxnSpPr>
+        <p:spPr>
+          <a:xfrm rot="5400000">
+            <a:off x="5537207" y="4035429"/>
+            <a:ext cx="500066" cy="1588"/>
+          </a:xfrm>
+          <a:prstGeom prst="straightConnector1">
+            <a:avLst/>
+          </a:prstGeom>
+          <a:ln>
+            <a:headEnd type="arrow"/>
+            <a:tailEnd type="arrow"/>
+          </a:ln>
+        </p:spPr>
+        <p:style>
+          <a:lnRef idx="2">
+            <a:schemeClr val="dk1"/>
+          </a:lnRef>
+          <a:fillRef idx="0">
+            <a:schemeClr val="dk1"/>
+          </a:fillRef>
+          <a:effectRef idx="1">
+            <a:schemeClr val="dk1"/>
+          </a:effectRef>
+          <a:fontRef idx="minor">
+            <a:schemeClr val="tx1"/>
+          </a:fontRef>
+        </p:style>
+      </p:cxnSp>
+      <p:cxnSp>
+        <p:nvCxnSpPr>
+          <p:cNvPr id="36" name="Connettore 2 35"/>
+          <p:cNvCxnSpPr>
+            <a:stCxn id="17" idx="0"/>
+          </p:cNvCxnSpPr>
+          <p:nvPr/>
+        </p:nvCxnSpPr>
+        <p:spPr>
+          <a:xfrm rot="16200000" flipV="1">
+            <a:off x="4171149" y="3635371"/>
+            <a:ext cx="1297396" cy="4373"/>
+          </a:xfrm>
+          <a:prstGeom prst="straightConnector1">
+            <a:avLst/>
+          </a:prstGeom>
+          <a:ln>
+            <a:headEnd type="arrow"/>
+            <a:tailEnd type="arrow"/>
+          </a:ln>
+        </p:spPr>
+        <p:style>
+          <a:lnRef idx="3">
+            <a:schemeClr val="dk1"/>
+          </a:lnRef>
+          <a:fillRef idx="0">
+            <a:schemeClr val="dk1"/>
+          </a:fillRef>
+          <a:effectRef idx="2">
+            <a:schemeClr val="dk1"/>
+          </a:effectRef>
+          <a:fontRef idx="minor">
+            <a:schemeClr val="tx1"/>
+          </a:fontRef>
+        </p:style>
+      </p:cxnSp>
+      <p:cxnSp>
+        <p:nvCxnSpPr>
+          <p:cNvPr id="43" name="Connettore 4 42"/>
+          <p:cNvCxnSpPr>
+            <a:stCxn id="17" idx="1"/>
+            <a:endCxn id="21" idx="1"/>
+          </p:cNvCxnSpPr>
+          <p:nvPr/>
+        </p:nvCxnSpPr>
+        <p:spPr>
+          <a:xfrm rot="10800000" flipV="1">
+            <a:off x="2643174" y="4464851"/>
+            <a:ext cx="1588" cy="1500198"/>
+          </a:xfrm>
+          <a:prstGeom prst="bentConnector3">
+            <a:avLst>
+              <a:gd name="adj1" fmla="val 14395466"/>
+            </a:avLst>
+          </a:prstGeom>
+          <a:ln>
+            <a:headEnd type="arrow"/>
+            <a:tailEnd type="arrow"/>
+          </a:ln>
+        </p:spPr>
+        <p:style>
+          <a:lnRef idx="2">
+            <a:schemeClr val="dk1"/>
+          </a:lnRef>
+          <a:fillRef idx="0">
+            <a:schemeClr val="dk1"/>
+          </a:fillRef>
+          <a:effectRef idx="1">
+            <a:schemeClr val="dk1"/>
+          </a:effectRef>
+          <a:fontRef idx="minor">
+            <a:schemeClr val="tx1"/>
+          </a:fontRef>
+        </p:style>
+      </p:cxnSp>
+      <p:cxnSp>
+        <p:nvCxnSpPr>
+          <p:cNvPr id="45" name="Connettore 2 44"/>
+          <p:cNvCxnSpPr>
+            <a:stCxn id="17" idx="2"/>
+            <a:endCxn id="19" idx="0"/>
+          </p:cNvCxnSpPr>
+          <p:nvPr/>
+        </p:nvCxnSpPr>
+        <p:spPr>
+          <a:xfrm rot="5400000">
+            <a:off x="4643438" y="4822041"/>
+            <a:ext cx="357190" cy="1588"/>
+          </a:xfrm>
+          <a:prstGeom prst="straightConnector1">
+            <a:avLst/>
+          </a:prstGeom>
+          <a:ln>
+            <a:headEnd type="arrow"/>
+            <a:tailEnd type="arrow"/>
+          </a:ln>
+        </p:spPr>
+        <p:style>
+          <a:lnRef idx="2">
+            <a:schemeClr val="dk1"/>
+          </a:lnRef>
+          <a:fillRef idx="0">
+            <a:schemeClr val="dk1"/>
+          </a:fillRef>
+          <a:effectRef idx="1">
+            <a:schemeClr val="dk1"/>
+          </a:effectRef>
+          <a:fontRef idx="minor">
+            <a:schemeClr val="tx1"/>
+          </a:fontRef>
+        </p:style>
+      </p:cxnSp>
+      <p:cxnSp>
+        <p:nvCxnSpPr>
+          <p:cNvPr id="57" name="Connettore 2 56"/>
+          <p:cNvCxnSpPr/>
+          <p:nvPr/>
+        </p:nvCxnSpPr>
+        <p:spPr>
+          <a:xfrm rot="5400000" flipH="1" flipV="1">
+            <a:off x="4179091" y="2035959"/>
+            <a:ext cx="1214446" cy="1588"/>
+          </a:xfrm>
+          <a:prstGeom prst="straightConnector1">
+            <a:avLst/>
+          </a:prstGeom>
+          <a:ln>
+            <a:tailEnd type="arrow"/>
+          </a:ln>
+        </p:spPr>
+        <p:style>
+          <a:lnRef idx="3">
+            <a:schemeClr val="dk1"/>
+          </a:lnRef>
+          <a:fillRef idx="0">
+            <a:schemeClr val="dk1"/>
+          </a:fillRef>
+          <a:effectRef idx="2">
+            <a:schemeClr val="dk1"/>
+          </a:effectRef>
+          <a:fontRef idx="minor">
+            <a:schemeClr val="tx1"/>
+          </a:fontRef>
+        </p:style>
+      </p:cxnSp>
+      <p:cxnSp>
+        <p:nvCxnSpPr>
+          <p:cNvPr id="59" name="Connettore 2 58"/>
+          <p:cNvCxnSpPr>
+            <a:stCxn id="15" idx="3"/>
+          </p:cNvCxnSpPr>
+          <p:nvPr/>
+        </p:nvCxnSpPr>
+        <p:spPr>
+          <a:xfrm flipV="1">
+            <a:off x="7000892" y="2428868"/>
+            <a:ext cx="357190" cy="392909"/>
+          </a:xfrm>
+          <a:prstGeom prst="straightConnector1">
+            <a:avLst/>
+          </a:prstGeom>
+          <a:ln>
+            <a:headEnd type="arrow"/>
+            <a:tailEnd type="arrow"/>
+          </a:ln>
+        </p:spPr>
+        <p:style>
+          <a:lnRef idx="2">
+            <a:schemeClr val="dk1"/>
+          </a:lnRef>
+          <a:fillRef idx="0">
+            <a:schemeClr val="dk1"/>
+          </a:fillRef>
+          <a:effectRef idx="1">
+            <a:schemeClr val="dk1"/>
+          </a:effectRef>
+          <a:fontRef idx="minor">
+            <a:schemeClr val="tx1"/>
+          </a:fontRef>
+        </p:style>
+      </p:cxnSp>
+      <p:cxnSp>
+        <p:nvCxnSpPr>
+          <p:cNvPr id="62" name="Connettore 2 61"/>
+          <p:cNvCxnSpPr>
+            <a:stCxn id="17" idx="3"/>
+          </p:cNvCxnSpPr>
+          <p:nvPr/>
+        </p:nvCxnSpPr>
+        <p:spPr>
+          <a:xfrm flipV="1">
+            <a:off x="7000892" y="4000504"/>
+            <a:ext cx="357190" cy="464347"/>
+          </a:xfrm>
+          <a:prstGeom prst="straightConnector1">
+            <a:avLst/>
+          </a:prstGeom>
+          <a:ln>
+            <a:headEnd type="arrow"/>
+            <a:tailEnd type="arrow"/>
+          </a:ln>
+        </p:spPr>
+        <p:style>
+          <a:lnRef idx="2">
+            <a:schemeClr val="dk1"/>
+          </a:lnRef>
+          <a:fillRef idx="0">
+            <a:schemeClr val="dk1"/>
+          </a:fillRef>
+          <a:effectRef idx="1">
+            <a:schemeClr val="dk1"/>
+          </a:effectRef>
+          <a:fontRef idx="minor">
+            <a:schemeClr val="tx1"/>
+          </a:fontRef>
+        </p:style>
+      </p:cxnSp>
+      <p:cxnSp>
+        <p:nvCxnSpPr>
+          <p:cNvPr id="65" name="Connettore 2 64"/>
+          <p:cNvCxnSpPr>
+            <a:endCxn id="19" idx="3"/>
+          </p:cNvCxnSpPr>
+          <p:nvPr/>
+        </p:nvCxnSpPr>
+        <p:spPr>
+          <a:xfrm rot="5400000">
+            <a:off x="6893735" y="4822041"/>
+            <a:ext cx="571504" cy="357190"/>
+          </a:xfrm>
+          <a:prstGeom prst="straightConnector1">
+            <a:avLst/>
+          </a:prstGeom>
+          <a:ln>
+            <a:prstDash val="dash"/>
+            <a:tailEnd type="arrow"/>
+          </a:ln>
+        </p:spPr>
+        <p:style>
+          <a:lnRef idx="2">
+            <a:schemeClr val="dk1"/>
+          </a:lnRef>
+          <a:fillRef idx="0">
+            <a:schemeClr val="dk1"/>
+          </a:fillRef>
+          <a:effectRef idx="1">
+            <a:schemeClr val="dk1"/>
+          </a:effectRef>
+          <a:fontRef idx="minor">
+            <a:schemeClr val="tx1"/>
+          </a:fontRef>
+        </p:style>
+      </p:cxnSp>
+      <p:cxnSp>
+        <p:nvCxnSpPr>
+          <p:cNvPr id="66" name="Connettore 2 65"/>
+          <p:cNvCxnSpPr>
+            <a:endCxn id="13" idx="3"/>
+          </p:cNvCxnSpPr>
+          <p:nvPr/>
+        </p:nvCxnSpPr>
+        <p:spPr>
+          <a:xfrm rot="16200000" flipV="1">
+            <a:off x="6715140" y="785794"/>
+            <a:ext cx="785818" cy="500066"/>
+          </a:xfrm>
+          <a:prstGeom prst="straightConnector1">
+            <a:avLst/>
+          </a:prstGeom>
+          <a:ln>
+            <a:prstDash val="dash"/>
+            <a:tailEnd type="arrow"/>
+          </a:ln>
+        </p:spPr>
+        <p:style>
+          <a:lnRef idx="2">
+            <a:schemeClr val="dk1"/>
+          </a:lnRef>
+          <a:fillRef idx="0">
+            <a:schemeClr val="dk1"/>
+          </a:fillRef>
+          <a:effectRef idx="1">
+            <a:schemeClr val="dk1"/>
+          </a:effectRef>
+          <a:fontRef idx="minor">
+            <a:schemeClr val="tx1"/>
+          </a:fontRef>
+        </p:style>
+      </p:cxnSp>
+      <p:cxnSp>
+        <p:nvCxnSpPr>
+          <p:cNvPr id="70" name="Connettore 2 69"/>
+          <p:cNvCxnSpPr>
+            <a:stCxn id="21" idx="3"/>
+          </p:cNvCxnSpPr>
+          <p:nvPr/>
+        </p:nvCxnSpPr>
+        <p:spPr>
+          <a:xfrm flipV="1">
+            <a:off x="7000892" y="5964072"/>
+            <a:ext cx="669150" cy="977"/>
+          </a:xfrm>
+          <a:prstGeom prst="straightConnector1">
+            <a:avLst/>
+          </a:prstGeom>
+          <a:ln>
+            <a:headEnd type="arrow"/>
+            <a:tailEnd type="arrow"/>
+          </a:ln>
+        </p:spPr>
+        <p:style>
+          <a:lnRef idx="2">
+            <a:schemeClr val="dk1"/>
+          </a:lnRef>
+          <a:fillRef idx="0">
+            <a:schemeClr val="dk1"/>
+          </a:fillRef>
+          <a:effectRef idx="1">
+            <a:schemeClr val="dk1"/>
+          </a:effectRef>
+          <a:fontRef idx="minor">
+            <a:schemeClr val="tx1"/>
+          </a:fontRef>
+        </p:style>
+      </p:cxnSp>
+      <p:sp>
+        <p:nvSpPr>
+          <p:cNvPr id="73" name="Rettangolo arrotondato 72"/>
+          <p:cNvSpPr/>
+          <p:nvPr/>
+        </p:nvSpPr>
+        <p:spPr>
+          <a:xfrm>
+            <a:off x="2357422" y="3071810"/>
+            <a:ext cx="1714512" cy="714380"/>
+          </a:xfrm>
+          <a:prstGeom prst="roundRect">
+            <a:avLst/>
+          </a:prstGeom>
+        </p:spPr>
+        <p:style>
+          <a:lnRef idx="1">
+            <a:schemeClr val="accent4"/>
+          </a:lnRef>
+          <a:fillRef idx="2">
+            <a:schemeClr val="accent4"/>
+          </a:fillRef>
+          <a:effectRef idx="1">
+            <a:schemeClr val="accent4"/>
+          </a:effectRef>
+          <a:fontRef idx="minor">
+            <a:schemeClr val="dk1"/>
+          </a:fontRef>
+        </p:style>
+        <p:txBody>
+          <a:bodyPr rtlCol="0" anchor="ctr"/>
+          <a:lstStyle/>
+          <a:p>
+            <a:pPr algn="ctr"/>
+            <a:r>
+              <a:rPr lang="en-US" b="1" dirty="0" smtClean="0"/>
+              <a:t>Property </a:t>
+            </a:r>
+            <a:r>
+              <a:rPr lang="en-US" b="1" dirty="0" err="1" smtClean="0"/>
+              <a:t>Controlers</a:t>
+            </a:r>
+            <a:endParaRPr lang="it-IT" b="1" dirty="0"/>
+          </a:p>
+        </p:txBody>
+      </p:sp>
+      <p:sp>
+        <p:nvSpPr>
+          <p:cNvPr id="74" name="Rettangolo arrotondato 73"/>
+          <p:cNvSpPr/>
+          <p:nvPr/>
+        </p:nvSpPr>
+        <p:spPr>
+          <a:xfrm>
+            <a:off x="2571736" y="1714488"/>
+            <a:ext cx="1285884" cy="642942"/>
+          </a:xfrm>
+          <a:prstGeom prst="roundRect">
+            <a:avLst/>
+          </a:prstGeom>
+        </p:spPr>
+        <p:style>
+          <a:lnRef idx="0">
+            <a:schemeClr val="accent1"/>
+          </a:lnRef>
+          <a:fillRef idx="3">
+            <a:schemeClr val="accent1"/>
+          </a:fillRef>
+          <a:effectRef idx="3">
+            <a:schemeClr val="accent1"/>
+          </a:effectRef>
+          <a:fontRef idx="minor">
+            <a:schemeClr val="lt1"/>
+          </a:fontRef>
+        </p:style>
+        <p:txBody>
+          <a:bodyPr rtlCol="0" anchor="ctr"/>
+          <a:lstStyle/>
+          <a:p>
+            <a:pPr algn="ctr"/>
+            <a:r>
+              <a:rPr lang="en-US" b="1" dirty="0" smtClean="0">
+                <a:solidFill>
+                  <a:schemeClr val="bg1"/>
+                </a:solidFill>
+              </a:rPr>
+              <a:t>Tree Model</a:t>
+            </a:r>
+            <a:endParaRPr lang="it-IT" b="1" dirty="0">
+              <a:solidFill>
+                <a:schemeClr val="bg1"/>
+              </a:solidFill>
+            </a:endParaRPr>
+          </a:p>
+        </p:txBody>
+      </p:sp>
+      <p:cxnSp>
+        <p:nvCxnSpPr>
+          <p:cNvPr id="76" name="Connettore 2 75"/>
+          <p:cNvCxnSpPr>
+            <a:stCxn id="74" idx="0"/>
+            <a:endCxn id="11" idx="1"/>
+          </p:cNvCxnSpPr>
+          <p:nvPr/>
+        </p:nvCxnSpPr>
+        <p:spPr>
+          <a:xfrm rot="5400000" flipH="1" flipV="1">
+            <a:off x="3000364" y="1500174"/>
+            <a:ext cx="428628" cy="1588"/>
+          </a:xfrm>
+          <a:prstGeom prst="straightConnector1">
+            <a:avLst/>
+          </a:prstGeom>
+          <a:ln>
+            <a:tailEnd type="arrow"/>
+          </a:ln>
+        </p:spPr>
+        <p:style>
+          <a:lnRef idx="2">
+            <a:schemeClr val="dk1"/>
+          </a:lnRef>
+          <a:fillRef idx="0">
+            <a:schemeClr val="dk1"/>
+          </a:fillRef>
+          <a:effectRef idx="1">
+            <a:schemeClr val="dk1"/>
+          </a:effectRef>
+          <a:fontRef idx="minor">
+            <a:schemeClr val="tx1"/>
+          </a:fontRef>
+        </p:style>
+      </p:cxnSp>
+      <p:cxnSp>
+        <p:nvCxnSpPr>
+          <p:cNvPr id="83" name="Connettore 2 82"/>
+          <p:cNvCxnSpPr>
+            <a:stCxn id="74" idx="2"/>
+            <a:endCxn id="73" idx="0"/>
+          </p:cNvCxnSpPr>
+          <p:nvPr/>
+        </p:nvCxnSpPr>
+        <p:spPr>
+          <a:xfrm rot="5400000">
+            <a:off x="2857488" y="2714620"/>
+            <a:ext cx="714380" cy="1588"/>
+          </a:xfrm>
+          <a:prstGeom prst="straightConnector1">
+            <a:avLst/>
+          </a:prstGeom>
+          <a:ln>
+            <a:headEnd type="arrow"/>
+            <a:tailEnd type="arrow"/>
+          </a:ln>
+        </p:spPr>
+        <p:style>
+          <a:lnRef idx="3">
+            <a:schemeClr val="dk1"/>
+          </a:lnRef>
+          <a:fillRef idx="0">
+            <a:schemeClr val="dk1"/>
+          </a:fillRef>
+          <a:effectRef idx="2">
+            <a:schemeClr val="dk1"/>
+          </a:effectRef>
+          <a:fontRef idx="minor">
+            <a:schemeClr val="tx1"/>
+          </a:fontRef>
+        </p:style>
+      </p:cxnSp>
+      <p:cxnSp>
+        <p:nvCxnSpPr>
+          <p:cNvPr id="85" name="Connettore 4 84"/>
+          <p:cNvCxnSpPr>
+            <a:stCxn id="73" idx="3"/>
+            <a:endCxn id="15" idx="1"/>
+          </p:cNvCxnSpPr>
+          <p:nvPr/>
+        </p:nvCxnSpPr>
+        <p:spPr>
+          <a:xfrm flipV="1">
+            <a:off x="4071934" y="2821777"/>
+            <a:ext cx="500066" cy="607223"/>
+          </a:xfrm>
+          <a:prstGeom prst="bentConnector3">
+            <a:avLst>
+              <a:gd name="adj1" fmla="val 50000"/>
+            </a:avLst>
+          </a:prstGeom>
+          <a:ln>
+            <a:prstDash val="dash"/>
+            <a:tailEnd type="arrow"/>
+          </a:ln>
+        </p:spPr>
+        <p:style>
+          <a:lnRef idx="2">
+            <a:schemeClr val="dk1"/>
+          </a:lnRef>
+          <a:fillRef idx="0">
+            <a:schemeClr val="dk1"/>
+          </a:fillRef>
+          <a:effectRef idx="1">
+            <a:schemeClr val="dk1"/>
+          </a:effectRef>
+          <a:fontRef idx="minor">
+            <a:schemeClr val="tx1"/>
+          </a:fontRef>
+        </p:style>
+      </p:cxnSp>
+      <p:sp>
+        <p:nvSpPr>
+          <p:cNvPr id="89" name="Rettangolo arrotondato 88"/>
+          <p:cNvSpPr/>
+          <p:nvPr/>
+        </p:nvSpPr>
+        <p:spPr>
+          <a:xfrm>
+            <a:off x="7929586" y="1714488"/>
+            <a:ext cx="928694" cy="3286148"/>
+          </a:xfrm>
+          <a:prstGeom prst="roundRect">
+            <a:avLst/>
+          </a:prstGeom>
+        </p:spPr>
+        <p:style>
+          <a:lnRef idx="3">
+            <a:schemeClr val="lt1"/>
+          </a:lnRef>
+          <a:fillRef idx="1">
+            <a:schemeClr val="accent6"/>
+          </a:fillRef>
+          <a:effectRef idx="1">
+            <a:schemeClr val="accent6"/>
+          </a:effectRef>
+          <a:fontRef idx="minor">
+            <a:schemeClr val="lt1"/>
+          </a:fontRef>
+        </p:style>
+        <p:txBody>
+          <a:bodyPr vert="wordArtVert" rtlCol="0" anchor="ctr"/>
+          <a:lstStyle/>
+          <a:p>
+            <a:pPr algn="ctr"/>
+            <a:r>
+              <a:rPr lang="en-US" b="1" dirty="0" err="1" smtClean="0"/>
+              <a:t>Plugin</a:t>
+            </a:r>
+            <a:r>
+              <a:rPr lang="en-US" b="1" dirty="0" smtClean="0"/>
+              <a:t> Framework</a:t>
+            </a:r>
+            <a:endParaRPr lang="it-IT" b="1" dirty="0"/>
+          </a:p>
+        </p:txBody>
+      </p:sp>
+      <p:sp>
+        <p:nvSpPr>
+          <p:cNvPr id="91" name="Rettangolo arrotondato 90"/>
+          <p:cNvSpPr/>
+          <p:nvPr/>
+        </p:nvSpPr>
+        <p:spPr>
+          <a:xfrm>
+            <a:off x="8196725" y="1017184"/>
+            <a:ext cx="785818" cy="428628"/>
+          </a:xfrm>
+          <a:prstGeom prst="roundRect">
+            <a:avLst/>
+          </a:prstGeom>
+        </p:spPr>
+        <p:style>
+          <a:lnRef idx="1">
+            <a:schemeClr val="accent6"/>
+          </a:lnRef>
+          <a:fillRef idx="2">
+            <a:schemeClr val="accent6"/>
+          </a:fillRef>
+          <a:effectRef idx="1">
+            <a:schemeClr val="accent6"/>
+          </a:effectRef>
+          <a:fontRef idx="minor">
+            <a:schemeClr val="dk1"/>
+          </a:fontRef>
+        </p:style>
+        <p:txBody>
+          <a:bodyPr rtlCol="0" anchor="ctr"/>
+          <a:lstStyle/>
+          <a:p>
+            <a:pPr algn="ctr"/>
+            <a:endParaRPr lang="it-IT" dirty="0"/>
+          </a:p>
+        </p:txBody>
+      </p:sp>
+      <p:sp>
+        <p:nvSpPr>
+          <p:cNvPr id="90" name="Rettangolo arrotondato 89"/>
+          <p:cNvSpPr/>
+          <p:nvPr/>
+        </p:nvSpPr>
+        <p:spPr>
+          <a:xfrm>
+            <a:off x="8044325" y="1160060"/>
+            <a:ext cx="785818" cy="428628"/>
+          </a:xfrm>
+          <a:prstGeom prst="roundRect">
+            <a:avLst/>
+          </a:prstGeom>
+        </p:spPr>
+        <p:style>
+          <a:lnRef idx="1">
+            <a:schemeClr val="accent6"/>
+          </a:lnRef>
+          <a:fillRef idx="2">
+            <a:schemeClr val="accent6"/>
+          </a:fillRef>
+          <a:effectRef idx="1">
+            <a:schemeClr val="accent6"/>
+          </a:effectRef>
+          <a:fontRef idx="minor">
+            <a:schemeClr val="dk1"/>
+          </a:fontRef>
+        </p:style>
+        <p:txBody>
+          <a:bodyPr rtlCol="0" anchor="ctr"/>
+          <a:lstStyle/>
+          <a:p>
+            <a:pPr algn="ctr"/>
+            <a:r>
+              <a:rPr lang="en-US" b="1" dirty="0" smtClean="0"/>
+              <a:t>Proxy</a:t>
+            </a:r>
+            <a:endParaRPr lang="it-IT" b="1" dirty="0"/>
+          </a:p>
+        </p:txBody>
+      </p:sp>
+      <p:sp>
+        <p:nvSpPr>
+          <p:cNvPr id="92" name="Arrotonda angolo diagonale rettangolo 91"/>
+          <p:cNvSpPr/>
+          <p:nvPr/>
+        </p:nvSpPr>
+        <p:spPr>
+          <a:xfrm>
+            <a:off x="7072330" y="142852"/>
+            <a:ext cx="928694" cy="357190"/>
+          </a:xfrm>
+          <a:prstGeom prst="round2DiagRect">
+            <a:avLst/>
+          </a:prstGeom>
+        </p:spPr>
+        <p:style>
+          <a:lnRef idx="0">
+            <a:schemeClr val="accent6"/>
+          </a:lnRef>
+          <a:fillRef idx="3">
+            <a:schemeClr val="accent6"/>
+          </a:fillRef>
+          <a:effectRef idx="3">
+            <a:schemeClr val="accent6"/>
+          </a:effectRef>
+          <a:fontRef idx="minor">
+            <a:schemeClr val="lt1"/>
+          </a:fontRef>
+        </p:style>
+        <p:txBody>
+          <a:bodyPr rtlCol="0" anchor="ctr"/>
+          <a:lstStyle/>
+          <a:p>
+            <a:pPr algn="ctr"/>
+            <a:r>
+              <a:rPr lang="en-US" b="1" dirty="0" err="1" smtClean="0">
+                <a:solidFill>
+                  <a:schemeClr val="tx1"/>
+                </a:solidFill>
+              </a:rPr>
+              <a:t>Plugin</a:t>
+            </a:r>
+            <a:endParaRPr lang="it-IT" b="1" dirty="0">
+              <a:solidFill>
+                <a:schemeClr val="tx1"/>
+              </a:solidFill>
+            </a:endParaRPr>
+          </a:p>
+        </p:txBody>
+      </p:sp>
+      <p:sp>
+        <p:nvSpPr>
+          <p:cNvPr id="93" name="Arrotonda angolo diagonale rettangolo 92"/>
+          <p:cNvSpPr/>
+          <p:nvPr/>
+        </p:nvSpPr>
+        <p:spPr>
+          <a:xfrm>
+            <a:off x="8215306" y="0"/>
+            <a:ext cx="928694" cy="357190"/>
+          </a:xfrm>
+          <a:prstGeom prst="round2DiagRect">
+            <a:avLst/>
+          </a:prstGeom>
+        </p:spPr>
+        <p:style>
+          <a:lnRef idx="0">
+            <a:schemeClr val="accent6"/>
+          </a:lnRef>
+          <a:fillRef idx="3">
+            <a:schemeClr val="accent6"/>
+          </a:fillRef>
+          <a:effectRef idx="3">
+            <a:schemeClr val="accent6"/>
+          </a:effectRef>
+          <a:fontRef idx="minor">
+            <a:schemeClr val="lt1"/>
+          </a:fontRef>
+        </p:style>
+        <p:txBody>
+          <a:bodyPr rtlCol="0" anchor="ctr"/>
+          <a:lstStyle/>
+          <a:p>
+            <a:pPr algn="ctr"/>
+            <a:r>
+              <a:rPr lang="en-US" b="1" dirty="0" err="1" smtClean="0">
+                <a:solidFill>
+                  <a:schemeClr val="tx1"/>
+                </a:solidFill>
+              </a:rPr>
+              <a:t>Plugin</a:t>
+            </a:r>
+            <a:endParaRPr lang="it-IT" b="1" dirty="0">
+              <a:solidFill>
+                <a:schemeClr val="tx1"/>
+              </a:solidFill>
+            </a:endParaRPr>
+          </a:p>
+        </p:txBody>
+      </p:sp>
+      <p:cxnSp>
+        <p:nvCxnSpPr>
+          <p:cNvPr id="95" name="Connettore 7 94"/>
+          <p:cNvCxnSpPr>
+            <a:stCxn id="92" idx="1"/>
+            <a:endCxn id="90" idx="0"/>
+          </p:cNvCxnSpPr>
+          <p:nvPr/>
+        </p:nvCxnSpPr>
+        <p:spPr>
+          <a:xfrm rot="16200000" flipH="1">
+            <a:off x="7656946" y="379772"/>
+            <a:ext cx="660018" cy="900557"/>
+          </a:xfrm>
+          <a:prstGeom prst="curvedConnector3">
+            <a:avLst>
+              <a:gd name="adj1" fmla="val 50000"/>
+            </a:avLst>
+          </a:prstGeom>
+          <a:ln>
+            <a:prstDash val="solid"/>
+            <a:tailEnd type="oval"/>
+          </a:ln>
+        </p:spPr>
+        <p:style>
+          <a:lnRef idx="2">
+            <a:schemeClr val="dk1"/>
+          </a:lnRef>
+          <a:fillRef idx="0">
+            <a:schemeClr val="dk1"/>
+          </a:fillRef>
+          <a:effectRef idx="1">
+            <a:schemeClr val="dk1"/>
+          </a:effectRef>
+          <a:fontRef idx="minor">
+            <a:schemeClr val="tx1"/>
+          </a:fontRef>
+        </p:style>
+      </p:cxnSp>
+      <p:cxnSp>
+        <p:nvCxnSpPr>
+          <p:cNvPr id="97" name="Connettore 7 96"/>
+          <p:cNvCxnSpPr>
+            <a:stCxn id="91" idx="0"/>
+            <a:endCxn id="93" idx="1"/>
+          </p:cNvCxnSpPr>
+          <p:nvPr/>
+        </p:nvCxnSpPr>
+        <p:spPr>
+          <a:xfrm rot="5400000" flipH="1" flipV="1">
+            <a:off x="8304646" y="642178"/>
+            <a:ext cx="659994" cy="90019"/>
+          </a:xfrm>
+          <a:prstGeom prst="curvedConnector3">
+            <a:avLst>
+              <a:gd name="adj1" fmla="val 50000"/>
+            </a:avLst>
+          </a:prstGeom>
+          <a:ln>
+            <a:prstDash val="solid"/>
+            <a:headEnd type="oval"/>
+            <a:tailEnd type="none"/>
+          </a:ln>
+        </p:spPr>
+        <p:style>
+          <a:lnRef idx="2">
+            <a:schemeClr val="dk1"/>
+          </a:lnRef>
+          <a:fillRef idx="0">
+            <a:schemeClr val="dk1"/>
+          </a:fillRef>
+          <a:effectRef idx="1">
+            <a:schemeClr val="dk1"/>
+          </a:effectRef>
+          <a:fontRef idx="minor">
+            <a:schemeClr val="tx1"/>
+          </a:fontRef>
+        </p:style>
+      </p:cxnSp>
+      <p:cxnSp>
+        <p:nvCxnSpPr>
+          <p:cNvPr id="103" name="Connettore 1 102"/>
+          <p:cNvCxnSpPr>
+            <a:stCxn id="90" idx="2"/>
+            <a:endCxn id="89" idx="0"/>
+          </p:cNvCxnSpPr>
+          <p:nvPr/>
+        </p:nvCxnSpPr>
+        <p:spPr>
+          <a:xfrm rot="5400000">
+            <a:off x="8352684" y="1629938"/>
+            <a:ext cx="125800" cy="43301"/>
+          </a:xfrm>
+          <a:prstGeom prst="line">
+            <a:avLst/>
+          </a:prstGeom>
+        </p:spPr>
+        <p:style>
+          <a:lnRef idx="3">
+            <a:schemeClr val="dk1"/>
+          </a:lnRef>
+          <a:fillRef idx="0">
+            <a:schemeClr val="dk1"/>
+          </a:fillRef>
+          <a:effectRef idx="2">
+            <a:schemeClr val="dk1"/>
+          </a:effectRef>
+          <a:fontRef idx="minor">
+            <a:schemeClr val="tx1"/>
+          </a:fontRef>
+        </p:style>
+      </p:cxnSp>
+      <p:sp>
+        <p:nvSpPr>
+          <p:cNvPr id="104" name="CasellaDiTesto 103"/>
+          <p:cNvSpPr txBox="1"/>
+          <p:nvPr/>
+        </p:nvSpPr>
+        <p:spPr>
+          <a:xfrm>
+            <a:off x="0" y="500042"/>
+            <a:ext cx="2285984" cy="954107"/>
+          </a:xfrm>
+          <a:prstGeom prst="rect">
+            <a:avLst/>
+          </a:prstGeom>
+          <a:noFill/>
+        </p:spPr>
+        <p:txBody>
+          <a:bodyPr wrap="square" rtlCol="0">
+            <a:spAutoFit/>
+          </a:bodyPr>
+          <a:lstStyle/>
+          <a:p>
+            <a:pPr algn="ctr"/>
+            <a:r>
+              <a:rPr lang="en-US" sz="2800" dirty="0" err="1" smtClean="0"/>
+              <a:t>Componenti</a:t>
+            </a:r>
+            <a:r>
+              <a:rPr lang="en-US" sz="2800" dirty="0" smtClean="0"/>
+              <a:t> </a:t>
+            </a:r>
+          </a:p>
+          <a:p>
+            <a:pPr algn="ctr"/>
+            <a:r>
+              <a:rPr lang="en-US" sz="2800" dirty="0" err="1" smtClean="0"/>
+              <a:t>VisualNetkit</a:t>
+            </a:r>
+            <a:endParaRPr lang="it-IT" sz="2800" dirty="0"/>
+          </a:p>
+        </p:txBody>
+      </p:sp>
+      <p:sp>
+        <p:nvSpPr>
+          <p:cNvPr id="105" name="CasellaDiTesto 104"/>
+          <p:cNvSpPr txBox="1"/>
+          <p:nvPr/>
+        </p:nvSpPr>
+        <p:spPr>
+          <a:xfrm>
+            <a:off x="0" y="1571612"/>
+            <a:ext cx="2285983" cy="707886"/>
+          </a:xfrm>
+          <a:prstGeom prst="rect">
+            <a:avLst/>
+          </a:prstGeom>
+          <a:noFill/>
+        </p:spPr>
+        <p:txBody>
+          <a:bodyPr wrap="square" rtlCol="0">
+            <a:spAutoFit/>
+          </a:bodyPr>
+          <a:lstStyle/>
+          <a:p>
+            <a:pPr marL="342900" indent="-342900">
+              <a:buFont typeface="Wingdings" pitchFamily="2" charset="2"/>
+              <a:buChar char="Ø"/>
+            </a:pPr>
+            <a:r>
+              <a:rPr lang="en-US" sz="2000" dirty="0" smtClean="0"/>
+              <a:t>Prima </a:t>
+            </a:r>
+            <a:r>
+              <a:rPr lang="en-US" sz="2000" dirty="0" err="1" smtClean="0"/>
+              <a:t>soluzione</a:t>
+            </a:r>
+            <a:r>
+              <a:rPr lang="en-US" sz="2000" dirty="0" smtClean="0"/>
+              <a:t> </a:t>
+            </a:r>
+            <a:r>
+              <a:rPr lang="it-IT" sz="2000" dirty="0" smtClean="0"/>
+              <a:t> monolitica</a:t>
+            </a:r>
+          </a:p>
+        </p:txBody>
+      </p:sp>
+      <p:sp>
+        <p:nvSpPr>
+          <p:cNvPr id="107" name="CasellaDiTesto 106"/>
+          <p:cNvSpPr txBox="1"/>
+          <p:nvPr/>
+        </p:nvSpPr>
+        <p:spPr>
+          <a:xfrm>
+            <a:off x="0" y="2428868"/>
+            <a:ext cx="2285983" cy="1631216"/>
+          </a:xfrm>
+          <a:prstGeom prst="rect">
+            <a:avLst/>
+          </a:prstGeom>
+          <a:noFill/>
+        </p:spPr>
+        <p:txBody>
+          <a:bodyPr wrap="square" rtlCol="0">
+            <a:spAutoFit/>
+          </a:bodyPr>
+          <a:lstStyle/>
+          <a:p>
+            <a:pPr marL="342900" indent="-342900">
+              <a:buFont typeface="Wingdings" pitchFamily="2" charset="2"/>
+              <a:buChar char="Ø"/>
+            </a:pPr>
+            <a:r>
+              <a:rPr lang="en-US" sz="2000" dirty="0" err="1" smtClean="0"/>
+              <a:t>Introduzione</a:t>
+            </a:r>
+            <a:r>
+              <a:rPr lang="en-US" sz="2000" dirty="0" smtClean="0"/>
+              <a:t> del </a:t>
+            </a:r>
+            <a:r>
+              <a:rPr lang="en-US" sz="2000" dirty="0" err="1" smtClean="0"/>
+              <a:t>plugin</a:t>
+            </a:r>
+            <a:r>
+              <a:rPr lang="en-US" sz="2000" dirty="0" smtClean="0"/>
+              <a:t> framework e </a:t>
+            </a:r>
+            <a:r>
+              <a:rPr lang="en-US" sz="2000" dirty="0" err="1" smtClean="0"/>
+              <a:t>aumento</a:t>
+            </a:r>
+            <a:r>
+              <a:rPr lang="en-US" sz="2000" dirty="0" smtClean="0"/>
+              <a:t> </a:t>
+            </a:r>
+            <a:r>
+              <a:rPr lang="en-US" sz="2000" dirty="0" err="1" smtClean="0"/>
+              <a:t>della</a:t>
+            </a:r>
+            <a:r>
+              <a:rPr lang="en-US" sz="2000" dirty="0" smtClean="0"/>
+              <a:t> </a:t>
+            </a:r>
+            <a:r>
+              <a:rPr lang="en-US" sz="2000" dirty="0" err="1" smtClean="0"/>
+              <a:t>flessibilità</a:t>
+            </a:r>
+            <a:endParaRPr lang="en-US" sz="2000" dirty="0" smtClean="0"/>
+          </a:p>
+        </p:txBody>
+      </p:sp>
+      <p:sp>
+        <p:nvSpPr>
+          <p:cNvPr id="108" name="CasellaDiTesto 107"/>
+          <p:cNvSpPr txBox="1"/>
+          <p:nvPr/>
+        </p:nvSpPr>
+        <p:spPr>
+          <a:xfrm>
+            <a:off x="0" y="4214818"/>
+            <a:ext cx="2285983" cy="1938992"/>
+          </a:xfrm>
+          <a:prstGeom prst="rect">
+            <a:avLst/>
+          </a:prstGeom>
+          <a:noFill/>
+        </p:spPr>
+        <p:txBody>
+          <a:bodyPr wrap="square" rtlCol="0">
+            <a:spAutoFit/>
+          </a:bodyPr>
+          <a:lstStyle/>
+          <a:p>
+            <a:pPr marL="342900" indent="-342900">
+              <a:buFont typeface="Wingdings" pitchFamily="2" charset="2"/>
+              <a:buChar char="Ø"/>
+            </a:pPr>
+            <a:r>
+              <a:rPr lang="en-US" sz="2000" dirty="0" err="1" smtClean="0"/>
+              <a:t>Estensione</a:t>
+            </a:r>
+            <a:r>
+              <a:rPr lang="en-US" sz="2000" dirty="0" smtClean="0"/>
+              <a:t> </a:t>
+            </a:r>
+            <a:r>
+              <a:rPr lang="en-US" sz="2000" dirty="0" err="1" smtClean="0"/>
+              <a:t>delle</a:t>
+            </a:r>
+            <a:r>
+              <a:rPr lang="en-US" sz="2000" dirty="0" smtClean="0"/>
+              <a:t> property </a:t>
+            </a:r>
+            <a:r>
+              <a:rPr lang="en-US" sz="2000" dirty="0" err="1" smtClean="0"/>
+              <a:t>dei</a:t>
+            </a:r>
+            <a:r>
+              <a:rPr lang="en-US" sz="2000" dirty="0" smtClean="0"/>
+              <a:t> </a:t>
+            </a:r>
+            <a:r>
+              <a:rPr lang="en-US" sz="2000" dirty="0" err="1" smtClean="0"/>
+              <a:t>plugin</a:t>
+            </a:r>
+            <a:r>
+              <a:rPr lang="en-US" sz="2000" dirty="0" smtClean="0"/>
+              <a:t>. </a:t>
+            </a:r>
+            <a:r>
+              <a:rPr lang="en-US" sz="2000" dirty="0" err="1" smtClean="0"/>
+              <a:t>Pieno</a:t>
+            </a:r>
+            <a:r>
+              <a:rPr lang="en-US" sz="2000" dirty="0" smtClean="0"/>
+              <a:t> </a:t>
+            </a:r>
+            <a:r>
+              <a:rPr lang="en-US" sz="2000" dirty="0" err="1" smtClean="0"/>
+              <a:t>supporto</a:t>
+            </a:r>
+            <a:r>
+              <a:rPr lang="en-US" sz="2000" dirty="0" smtClean="0"/>
+              <a:t> </a:t>
+            </a:r>
+            <a:r>
+              <a:rPr lang="en-US" sz="2000" dirty="0" err="1" smtClean="0"/>
+              <a:t>alle</a:t>
+            </a:r>
+            <a:r>
+              <a:rPr lang="en-US" sz="2000" dirty="0" smtClean="0"/>
+              <a:t> </a:t>
+            </a:r>
+            <a:r>
+              <a:rPr lang="en-US" sz="2000" dirty="0" err="1" smtClean="0"/>
+              <a:t>configurazioni</a:t>
+            </a:r>
+            <a:r>
+              <a:rPr lang="en-US" sz="2000" dirty="0" smtClean="0"/>
+              <a:t> </a:t>
+            </a:r>
+            <a:r>
+              <a:rPr lang="en-US" sz="2000" dirty="0" err="1" smtClean="0"/>
+              <a:t>avanzate</a:t>
+            </a:r>
+            <a:r>
+              <a:rPr lang="en-US" sz="2000" dirty="0" smtClean="0"/>
+              <a:t>.</a:t>
+            </a:r>
+          </a:p>
+        </p:txBody>
+      </p:sp>
+    </p:spTree>
+  </p:cSld>
+  <p:clrMapOvr>
+    <a:masterClrMapping/>
+  </p:clrMapOvr>
+  <p:transition>
+    <p:fade/>
+  </p:transition>
+  <p:timing>
+    <p:tnLst>
+      <p:par>
+        <p:cTn id="1" dur="indefinite" restart="never" nodeType="tmRoot">
+          <p:childTnLst>
+            <p:seq concurrent="1" nextAc="seek">
+              <p:cTn id="2" dur="indefinite" nodeType="mainSeq">
+                <p:childTnLst>
+                  <p:par>
+                    <p:cTn id="3" fill="hold">
+                      <p:stCondLst>
+                        <p:cond delay="indefinite"/>
+                      </p:stCondLst>
+                      <p:childTnLst>
+                        <p:par>
+                          <p:cTn id="4" fill="hold">
+                            <p:stCondLst>
+                              <p:cond delay="0"/>
+                            </p:stCondLst>
+                            <p:childTnLst>
+                              <p:par>
+                                <p:cTn id="5" presetID="2" presetClass="entr" presetSubtype="4" fill="hold" grpId="0" nodeType="clickEffect">
+                                  <p:stCondLst>
+                                    <p:cond delay="0"/>
+                                  </p:stCondLst>
+                                  <p:childTnLst>
+                                    <p:set>
+                                      <p:cBhvr>
+                                        <p:cTn id="6" dur="1" fill="hold">
+                                          <p:stCondLst>
+                                            <p:cond delay="0"/>
+                                          </p:stCondLst>
+                                        </p:cTn>
+                                        <p:tgtEl>
+                                          <p:spTgt spid="105"/>
+                                        </p:tgtEl>
+                                        <p:attrNameLst>
+                                          <p:attrName>style.visibility</p:attrName>
+                                        </p:attrNameLst>
+                                      </p:cBhvr>
+                                      <p:to>
+                                        <p:strVal val="visible"/>
+                                      </p:to>
+                                    </p:set>
+                                    <p:anim calcmode="lin" valueType="num">
+                                      <p:cBhvr additive="base">
+                                        <p:cTn id="7" dur="500" fill="hold"/>
+                                        <p:tgtEl>
+                                          <p:spTgt spid="105"/>
+                                        </p:tgtEl>
+                                        <p:attrNameLst>
+                                          <p:attrName>ppt_x</p:attrName>
+                                        </p:attrNameLst>
+                                      </p:cBhvr>
+                                      <p:tavLst>
+                                        <p:tav tm="0">
+                                          <p:val>
+                                            <p:strVal val="#ppt_x"/>
+                                          </p:val>
+                                        </p:tav>
+                                        <p:tav tm="100000">
+                                          <p:val>
+                                            <p:strVal val="#ppt_x"/>
+                                          </p:val>
+                                        </p:tav>
+                                      </p:tavLst>
+                                    </p:anim>
+                                    <p:anim calcmode="lin" valueType="num">
+                                      <p:cBhvr additive="base">
+                                        <p:cTn id="8" dur="500" fill="hold"/>
+                                        <p:tgtEl>
+                                          <p:spTgt spid="105"/>
+                                        </p:tgtEl>
+                                        <p:attrNameLst>
+                                          <p:attrName>ppt_y</p:attrName>
+                                        </p:attrNameLst>
+                                      </p:cBhvr>
+                                      <p:tavLst>
+                                        <p:tav tm="0">
+                                          <p:val>
+                                            <p:strVal val="1+#ppt_h/2"/>
+                                          </p:val>
+                                        </p:tav>
+                                        <p:tav tm="100000">
+                                          <p:val>
+                                            <p:strVal val="#ppt_y"/>
+                                          </p:val>
+                                        </p:tav>
+                                      </p:tavLst>
+                                    </p:anim>
+                                  </p:childTnLst>
+                                </p:cTn>
+                              </p:par>
+                            </p:childTnLst>
+                          </p:cTn>
+                        </p:par>
+                      </p:childTnLst>
+                    </p:cTn>
+                  </p:par>
+                  <p:par>
+                    <p:cTn id="9" fill="hold">
+                      <p:stCondLst>
+                        <p:cond delay="indefinite"/>
+                      </p:stCondLst>
+                      <p:childTnLst>
+                        <p:par>
+                          <p:cTn id="10" fill="hold">
+                            <p:stCondLst>
+                              <p:cond delay="0"/>
+                            </p:stCondLst>
+                            <p:childTnLst>
+                              <p:par>
+                                <p:cTn id="11" presetID="2" presetClass="entr" presetSubtype="4" fill="hold" grpId="0" nodeType="clickEffect">
+                                  <p:stCondLst>
+                                    <p:cond delay="0"/>
+                                  </p:stCondLst>
+                                  <p:childTnLst>
+                                    <p:set>
+                                      <p:cBhvr>
+                                        <p:cTn id="12" dur="1" fill="hold">
+                                          <p:stCondLst>
+                                            <p:cond delay="0"/>
+                                          </p:stCondLst>
+                                        </p:cTn>
+                                        <p:tgtEl>
+                                          <p:spTgt spid="107"/>
+                                        </p:tgtEl>
+                                        <p:attrNameLst>
+                                          <p:attrName>style.visibility</p:attrName>
+                                        </p:attrNameLst>
+                                      </p:cBhvr>
+                                      <p:to>
+                                        <p:strVal val="visible"/>
+                                      </p:to>
+                                    </p:set>
+                                    <p:anim calcmode="lin" valueType="num">
+                                      <p:cBhvr additive="base">
+                                        <p:cTn id="13" dur="500" fill="hold"/>
+                                        <p:tgtEl>
+                                          <p:spTgt spid="107"/>
+                                        </p:tgtEl>
+                                        <p:attrNameLst>
+                                          <p:attrName>ppt_x</p:attrName>
+                                        </p:attrNameLst>
+                                      </p:cBhvr>
+                                      <p:tavLst>
+                                        <p:tav tm="0">
+                                          <p:val>
+                                            <p:strVal val="#ppt_x"/>
+                                          </p:val>
+                                        </p:tav>
+                                        <p:tav tm="100000">
+                                          <p:val>
+                                            <p:strVal val="#ppt_x"/>
+                                          </p:val>
+                                        </p:tav>
+                                      </p:tavLst>
+                                    </p:anim>
+                                    <p:anim calcmode="lin" valueType="num">
+                                      <p:cBhvr additive="base">
+                                        <p:cTn id="14" dur="500" fill="hold"/>
+                                        <p:tgtEl>
+                                          <p:spTgt spid="107"/>
+                                        </p:tgtEl>
+                                        <p:attrNameLst>
+                                          <p:attrName>ppt_y</p:attrName>
+                                        </p:attrNameLst>
+                                      </p:cBhvr>
+                                      <p:tavLst>
+                                        <p:tav tm="0">
+                                          <p:val>
+                                            <p:strVal val="1+#ppt_h/2"/>
+                                          </p:val>
+                                        </p:tav>
+                                        <p:tav tm="100000">
+                                          <p:val>
+                                            <p:strVal val="#ppt_y"/>
+                                          </p:val>
+                                        </p:tav>
+                                      </p:tavLst>
+                                    </p:anim>
+                                  </p:childTnLst>
+                                </p:cTn>
+                              </p:par>
+                            </p:childTnLst>
+                          </p:cTn>
+                        </p:par>
+                      </p:childTnLst>
+                    </p:cTn>
+                  </p:par>
+                  <p:par>
+                    <p:cTn id="15" fill="hold">
+                      <p:stCondLst>
+                        <p:cond delay="indefinite"/>
+                      </p:stCondLst>
+                      <p:childTnLst>
+                        <p:par>
+                          <p:cTn id="16" fill="hold">
+                            <p:stCondLst>
+                              <p:cond delay="0"/>
+                            </p:stCondLst>
+                            <p:childTnLst>
+                              <p:par>
+                                <p:cTn id="17" presetID="10" presetClass="entr" presetSubtype="0" fill="hold" grpId="0" nodeType="clickEffect">
+                                  <p:stCondLst>
+                                    <p:cond delay="0"/>
+                                  </p:stCondLst>
+                                  <p:childTnLst>
+                                    <p:set>
+                                      <p:cBhvr>
+                                        <p:cTn id="18" dur="1" fill="hold">
+                                          <p:stCondLst>
+                                            <p:cond delay="0"/>
+                                          </p:stCondLst>
+                                        </p:cTn>
+                                        <p:tgtEl>
+                                          <p:spTgt spid="89"/>
+                                        </p:tgtEl>
+                                        <p:attrNameLst>
+                                          <p:attrName>style.visibility</p:attrName>
+                                        </p:attrNameLst>
+                                      </p:cBhvr>
+                                      <p:to>
+                                        <p:strVal val="visible"/>
+                                      </p:to>
+                                    </p:set>
+                                    <p:animEffect transition="in" filter="fade">
+                                      <p:cBhvr>
+                                        <p:cTn id="19" dur="2000"/>
+                                        <p:tgtEl>
+                                          <p:spTgt spid="89"/>
+                                        </p:tgtEl>
+                                      </p:cBhvr>
+                                    </p:animEffect>
+                                  </p:childTnLst>
+                                </p:cTn>
+                              </p:par>
+                              <p:par>
+                                <p:cTn id="20" presetID="10" presetClass="entr" presetSubtype="0" fill="hold" grpId="0" nodeType="withEffect">
+                                  <p:stCondLst>
+                                    <p:cond delay="0"/>
+                                  </p:stCondLst>
+                                  <p:childTnLst>
+                                    <p:set>
+                                      <p:cBhvr>
+                                        <p:cTn id="21" dur="1" fill="hold">
+                                          <p:stCondLst>
+                                            <p:cond delay="0"/>
+                                          </p:stCondLst>
+                                        </p:cTn>
+                                        <p:tgtEl>
+                                          <p:spTgt spid="91"/>
+                                        </p:tgtEl>
+                                        <p:attrNameLst>
+                                          <p:attrName>style.visibility</p:attrName>
+                                        </p:attrNameLst>
+                                      </p:cBhvr>
+                                      <p:to>
+                                        <p:strVal val="visible"/>
+                                      </p:to>
+                                    </p:set>
+                                    <p:animEffect transition="in" filter="fade">
+                                      <p:cBhvr>
+                                        <p:cTn id="22" dur="2000"/>
+                                        <p:tgtEl>
+                                          <p:spTgt spid="91"/>
+                                        </p:tgtEl>
+                                      </p:cBhvr>
+                                    </p:animEffect>
+                                  </p:childTnLst>
+                                </p:cTn>
+                              </p:par>
+                              <p:par>
+                                <p:cTn id="23" presetID="10" presetClass="entr" presetSubtype="0" fill="hold" grpId="0" nodeType="withEffect">
+                                  <p:stCondLst>
+                                    <p:cond delay="0"/>
+                                  </p:stCondLst>
+                                  <p:childTnLst>
+                                    <p:set>
+                                      <p:cBhvr>
+                                        <p:cTn id="24" dur="1" fill="hold">
+                                          <p:stCondLst>
+                                            <p:cond delay="0"/>
+                                          </p:stCondLst>
+                                        </p:cTn>
+                                        <p:tgtEl>
+                                          <p:spTgt spid="90"/>
+                                        </p:tgtEl>
+                                        <p:attrNameLst>
+                                          <p:attrName>style.visibility</p:attrName>
+                                        </p:attrNameLst>
+                                      </p:cBhvr>
+                                      <p:to>
+                                        <p:strVal val="visible"/>
+                                      </p:to>
+                                    </p:set>
+                                    <p:animEffect transition="in" filter="fade">
+                                      <p:cBhvr>
+                                        <p:cTn id="25" dur="2000"/>
+                                        <p:tgtEl>
+                                          <p:spTgt spid="90"/>
+                                        </p:tgtEl>
+                                      </p:cBhvr>
+                                    </p:animEffect>
+                                  </p:childTnLst>
+                                </p:cTn>
+                              </p:par>
+                              <p:par>
+                                <p:cTn id="26" presetID="10" presetClass="entr" presetSubtype="0" fill="hold" grpId="0" nodeType="withEffect">
+                                  <p:stCondLst>
+                                    <p:cond delay="0"/>
+                                  </p:stCondLst>
+                                  <p:childTnLst>
+                                    <p:set>
+                                      <p:cBhvr>
+                                        <p:cTn id="27" dur="1" fill="hold">
+                                          <p:stCondLst>
+                                            <p:cond delay="0"/>
+                                          </p:stCondLst>
+                                        </p:cTn>
+                                        <p:tgtEl>
+                                          <p:spTgt spid="92"/>
+                                        </p:tgtEl>
+                                        <p:attrNameLst>
+                                          <p:attrName>style.visibility</p:attrName>
+                                        </p:attrNameLst>
+                                      </p:cBhvr>
+                                      <p:to>
+                                        <p:strVal val="visible"/>
+                                      </p:to>
+                                    </p:set>
+                                    <p:animEffect transition="in" filter="fade">
+                                      <p:cBhvr>
+                                        <p:cTn id="28" dur="2000"/>
+                                        <p:tgtEl>
+                                          <p:spTgt spid="92"/>
+                                        </p:tgtEl>
+                                      </p:cBhvr>
+                                    </p:animEffect>
+                                  </p:childTnLst>
+                                </p:cTn>
+                              </p:par>
+                              <p:par>
+                                <p:cTn id="29" presetID="10" presetClass="entr" presetSubtype="0" fill="hold" nodeType="withEffect">
+                                  <p:stCondLst>
+                                    <p:cond delay="0"/>
+                                  </p:stCondLst>
+                                  <p:childTnLst>
+                                    <p:set>
+                                      <p:cBhvr>
+                                        <p:cTn id="30" dur="1" fill="hold">
+                                          <p:stCondLst>
+                                            <p:cond delay="0"/>
+                                          </p:stCondLst>
+                                        </p:cTn>
+                                        <p:tgtEl>
+                                          <p:spTgt spid="95"/>
+                                        </p:tgtEl>
+                                        <p:attrNameLst>
+                                          <p:attrName>style.visibility</p:attrName>
+                                        </p:attrNameLst>
+                                      </p:cBhvr>
+                                      <p:to>
+                                        <p:strVal val="visible"/>
+                                      </p:to>
+                                    </p:set>
+                                    <p:animEffect transition="in" filter="fade">
+                                      <p:cBhvr>
+                                        <p:cTn id="31" dur="2000"/>
+                                        <p:tgtEl>
+                                          <p:spTgt spid="95"/>
+                                        </p:tgtEl>
+                                      </p:cBhvr>
+                                    </p:animEffect>
+                                  </p:childTnLst>
+                                </p:cTn>
+                              </p:par>
+                              <p:par>
+                                <p:cTn id="32" presetID="10" presetClass="entr" presetSubtype="0" fill="hold" nodeType="withEffect">
+                                  <p:stCondLst>
+                                    <p:cond delay="0"/>
+                                  </p:stCondLst>
+                                  <p:childTnLst>
+                                    <p:set>
+                                      <p:cBhvr>
+                                        <p:cTn id="33" dur="1" fill="hold">
+                                          <p:stCondLst>
+                                            <p:cond delay="0"/>
+                                          </p:stCondLst>
+                                        </p:cTn>
+                                        <p:tgtEl>
+                                          <p:spTgt spid="97"/>
+                                        </p:tgtEl>
+                                        <p:attrNameLst>
+                                          <p:attrName>style.visibility</p:attrName>
+                                        </p:attrNameLst>
+                                      </p:cBhvr>
+                                      <p:to>
+                                        <p:strVal val="visible"/>
+                                      </p:to>
+                                    </p:set>
+                                    <p:animEffect transition="in" filter="fade">
+                                      <p:cBhvr>
+                                        <p:cTn id="34" dur="2000"/>
+                                        <p:tgtEl>
+                                          <p:spTgt spid="97"/>
+                                        </p:tgtEl>
+                                      </p:cBhvr>
+                                    </p:animEffect>
+                                  </p:childTnLst>
+                                </p:cTn>
+                              </p:par>
+                              <p:par>
+                                <p:cTn id="35" presetID="10" presetClass="entr" presetSubtype="0" fill="hold" nodeType="withEffect">
+                                  <p:stCondLst>
+                                    <p:cond delay="0"/>
+                                  </p:stCondLst>
+                                  <p:childTnLst>
+                                    <p:set>
+                                      <p:cBhvr>
+                                        <p:cTn id="36" dur="1" fill="hold">
+                                          <p:stCondLst>
+                                            <p:cond delay="0"/>
+                                          </p:stCondLst>
+                                        </p:cTn>
+                                        <p:tgtEl>
+                                          <p:spTgt spid="103"/>
+                                        </p:tgtEl>
+                                        <p:attrNameLst>
+                                          <p:attrName>style.visibility</p:attrName>
+                                        </p:attrNameLst>
+                                      </p:cBhvr>
+                                      <p:to>
+                                        <p:strVal val="visible"/>
+                                      </p:to>
+                                    </p:set>
+                                    <p:animEffect transition="in" filter="fade">
+                                      <p:cBhvr>
+                                        <p:cTn id="37" dur="2000"/>
+                                        <p:tgtEl>
+                                          <p:spTgt spid="103"/>
+                                        </p:tgtEl>
+                                      </p:cBhvr>
+                                    </p:animEffect>
+                                  </p:childTnLst>
+                                </p:cTn>
+                              </p:par>
+                              <p:par>
+                                <p:cTn id="38" presetID="10" presetClass="entr" presetSubtype="0" fill="hold" grpId="0" nodeType="withEffect">
+                                  <p:stCondLst>
+                                    <p:cond delay="0"/>
+                                  </p:stCondLst>
+                                  <p:childTnLst>
+                                    <p:set>
+                                      <p:cBhvr>
+                                        <p:cTn id="39" dur="1" fill="hold">
+                                          <p:stCondLst>
+                                            <p:cond delay="0"/>
+                                          </p:stCondLst>
+                                        </p:cTn>
+                                        <p:tgtEl>
+                                          <p:spTgt spid="93"/>
+                                        </p:tgtEl>
+                                        <p:attrNameLst>
+                                          <p:attrName>style.visibility</p:attrName>
+                                        </p:attrNameLst>
+                                      </p:cBhvr>
+                                      <p:to>
+                                        <p:strVal val="visible"/>
+                                      </p:to>
+                                    </p:set>
+                                    <p:animEffect transition="in" filter="fade">
+                                      <p:cBhvr>
+                                        <p:cTn id="40" dur="2000"/>
+                                        <p:tgtEl>
+                                          <p:spTgt spid="93"/>
+                                        </p:tgtEl>
+                                      </p:cBhvr>
+                                    </p:animEffect>
+                                  </p:childTnLst>
+                                </p:cTn>
+                              </p:par>
+                            </p:childTnLst>
+                          </p:cTn>
+                        </p:par>
+                      </p:childTnLst>
+                    </p:cTn>
+                  </p:par>
+                  <p:par>
+                    <p:cTn id="41" fill="hold">
+                      <p:stCondLst>
+                        <p:cond delay="indefinite"/>
+                      </p:stCondLst>
+                      <p:childTnLst>
+                        <p:par>
+                          <p:cTn id="42" fill="hold">
+                            <p:stCondLst>
+                              <p:cond delay="0"/>
+                            </p:stCondLst>
+                            <p:childTnLst>
+                              <p:par>
+                                <p:cTn id="43" presetID="2" presetClass="entr" presetSubtype="4" fill="hold" grpId="0" nodeType="clickEffect">
+                                  <p:stCondLst>
+                                    <p:cond delay="0"/>
+                                  </p:stCondLst>
+                                  <p:childTnLst>
+                                    <p:set>
+                                      <p:cBhvr>
+                                        <p:cTn id="44" dur="1" fill="hold">
+                                          <p:stCondLst>
+                                            <p:cond delay="0"/>
+                                          </p:stCondLst>
+                                        </p:cTn>
+                                        <p:tgtEl>
+                                          <p:spTgt spid="108"/>
+                                        </p:tgtEl>
+                                        <p:attrNameLst>
+                                          <p:attrName>style.visibility</p:attrName>
+                                        </p:attrNameLst>
+                                      </p:cBhvr>
+                                      <p:to>
+                                        <p:strVal val="visible"/>
+                                      </p:to>
+                                    </p:set>
+                                    <p:anim calcmode="lin" valueType="num">
+                                      <p:cBhvr additive="base">
+                                        <p:cTn id="45" dur="500" fill="hold"/>
+                                        <p:tgtEl>
+                                          <p:spTgt spid="108"/>
+                                        </p:tgtEl>
+                                        <p:attrNameLst>
+                                          <p:attrName>ppt_x</p:attrName>
+                                        </p:attrNameLst>
+                                      </p:cBhvr>
+                                      <p:tavLst>
+                                        <p:tav tm="0">
+                                          <p:val>
+                                            <p:strVal val="#ppt_x"/>
+                                          </p:val>
+                                        </p:tav>
+                                        <p:tav tm="100000">
+                                          <p:val>
+                                            <p:strVal val="#ppt_x"/>
+                                          </p:val>
+                                        </p:tav>
+                                      </p:tavLst>
+                                    </p:anim>
+                                    <p:anim calcmode="lin" valueType="num">
+                                      <p:cBhvr additive="base">
+                                        <p:cTn id="46" dur="500" fill="hold"/>
+                                        <p:tgtEl>
+                                          <p:spTgt spid="108"/>
+                                        </p:tgtEl>
+                                        <p:attrNameLst>
+                                          <p:attrName>ppt_y</p:attrName>
+                                        </p:attrNameLst>
+                                      </p:cBhvr>
+                                      <p:tavLst>
+                                        <p:tav tm="0">
+                                          <p:val>
+                                            <p:strVal val="1+#ppt_h/2"/>
+                                          </p:val>
+                                        </p:tav>
+                                        <p:tav tm="100000">
+                                          <p:val>
+                                            <p:strVal val="#ppt_y"/>
+                                          </p:val>
+                                        </p:tav>
+                                      </p:tavLst>
+                                    </p:anim>
+                                  </p:childTnLst>
+                                </p:cTn>
+                              </p:par>
+                            </p:childTnLst>
+                          </p:cTn>
+                        </p:par>
+                      </p:childTnLst>
+                    </p:cTn>
+                  </p:par>
+                  <p:par>
+                    <p:cTn id="47" fill="hold">
+                      <p:stCondLst>
+                        <p:cond delay="indefinite"/>
+                      </p:stCondLst>
+                      <p:childTnLst>
+                        <p:par>
+                          <p:cTn id="48" fill="hold">
+                            <p:stCondLst>
+                              <p:cond delay="0"/>
+                            </p:stCondLst>
+                            <p:childTnLst>
+                              <p:par>
+                                <p:cTn id="49" presetID="10" presetClass="entr" presetSubtype="0" fill="hold" nodeType="clickEffect">
+                                  <p:stCondLst>
+                                    <p:cond delay="0"/>
+                                  </p:stCondLst>
+                                  <p:childTnLst>
+                                    <p:set>
+                                      <p:cBhvr>
+                                        <p:cTn id="50" dur="1" fill="hold">
+                                          <p:stCondLst>
+                                            <p:cond delay="0"/>
+                                          </p:stCondLst>
+                                        </p:cTn>
+                                        <p:tgtEl>
+                                          <p:spTgt spid="76"/>
+                                        </p:tgtEl>
+                                        <p:attrNameLst>
+                                          <p:attrName>style.visibility</p:attrName>
+                                        </p:attrNameLst>
+                                      </p:cBhvr>
+                                      <p:to>
+                                        <p:strVal val="visible"/>
+                                      </p:to>
+                                    </p:set>
+                                    <p:animEffect transition="in" filter="fade">
+                                      <p:cBhvr>
+                                        <p:cTn id="51" dur="2000"/>
+                                        <p:tgtEl>
+                                          <p:spTgt spid="76"/>
+                                        </p:tgtEl>
+                                      </p:cBhvr>
+                                    </p:animEffect>
+                                  </p:childTnLst>
+                                </p:cTn>
+                              </p:par>
+                              <p:par>
+                                <p:cTn id="52" presetID="10" presetClass="entr" presetSubtype="0" fill="hold" grpId="0" nodeType="withEffect">
+                                  <p:stCondLst>
+                                    <p:cond delay="0"/>
+                                  </p:stCondLst>
+                                  <p:childTnLst>
+                                    <p:set>
+                                      <p:cBhvr>
+                                        <p:cTn id="53" dur="1" fill="hold">
+                                          <p:stCondLst>
+                                            <p:cond delay="0"/>
+                                          </p:stCondLst>
+                                        </p:cTn>
+                                        <p:tgtEl>
+                                          <p:spTgt spid="74"/>
+                                        </p:tgtEl>
+                                        <p:attrNameLst>
+                                          <p:attrName>style.visibility</p:attrName>
+                                        </p:attrNameLst>
+                                      </p:cBhvr>
+                                      <p:to>
+                                        <p:strVal val="visible"/>
+                                      </p:to>
+                                    </p:set>
+                                    <p:animEffect transition="in" filter="fade">
+                                      <p:cBhvr>
+                                        <p:cTn id="54" dur="2000"/>
+                                        <p:tgtEl>
+                                          <p:spTgt spid="74"/>
+                                        </p:tgtEl>
+                                      </p:cBhvr>
+                                    </p:animEffect>
+                                  </p:childTnLst>
+                                </p:cTn>
+                              </p:par>
+                              <p:par>
+                                <p:cTn id="55" presetID="10" presetClass="entr" presetSubtype="0" fill="hold" nodeType="withEffect">
+                                  <p:stCondLst>
+                                    <p:cond delay="0"/>
+                                  </p:stCondLst>
+                                  <p:childTnLst>
+                                    <p:set>
+                                      <p:cBhvr>
+                                        <p:cTn id="56" dur="1" fill="hold">
+                                          <p:stCondLst>
+                                            <p:cond delay="0"/>
+                                          </p:stCondLst>
+                                        </p:cTn>
+                                        <p:tgtEl>
+                                          <p:spTgt spid="83"/>
+                                        </p:tgtEl>
+                                        <p:attrNameLst>
+                                          <p:attrName>style.visibility</p:attrName>
+                                        </p:attrNameLst>
+                                      </p:cBhvr>
+                                      <p:to>
+                                        <p:strVal val="visible"/>
+                                      </p:to>
+                                    </p:set>
+                                    <p:animEffect transition="in" filter="fade">
+                                      <p:cBhvr>
+                                        <p:cTn id="57" dur="2000"/>
+                                        <p:tgtEl>
+                                          <p:spTgt spid="83"/>
+                                        </p:tgtEl>
+                                      </p:cBhvr>
+                                    </p:animEffect>
+                                  </p:childTnLst>
+                                </p:cTn>
+                              </p:par>
+                              <p:par>
+                                <p:cTn id="58" presetID="10" presetClass="entr" presetSubtype="0" fill="hold" grpId="0" nodeType="withEffect">
+                                  <p:stCondLst>
+                                    <p:cond delay="0"/>
+                                  </p:stCondLst>
+                                  <p:childTnLst>
+                                    <p:set>
+                                      <p:cBhvr>
+                                        <p:cTn id="59" dur="1" fill="hold">
+                                          <p:stCondLst>
+                                            <p:cond delay="0"/>
+                                          </p:stCondLst>
+                                        </p:cTn>
+                                        <p:tgtEl>
+                                          <p:spTgt spid="73"/>
+                                        </p:tgtEl>
+                                        <p:attrNameLst>
+                                          <p:attrName>style.visibility</p:attrName>
+                                        </p:attrNameLst>
+                                      </p:cBhvr>
+                                      <p:to>
+                                        <p:strVal val="visible"/>
+                                      </p:to>
+                                    </p:set>
+                                    <p:animEffect transition="in" filter="fade">
+                                      <p:cBhvr>
+                                        <p:cTn id="60" dur="2000"/>
+                                        <p:tgtEl>
+                                          <p:spTgt spid="73"/>
+                                        </p:tgtEl>
+                                      </p:cBhvr>
+                                    </p:animEffect>
+                                  </p:childTnLst>
+                                </p:cTn>
+                              </p:par>
+                              <p:par>
+                                <p:cTn id="61" presetID="10" presetClass="entr" presetSubtype="0" fill="hold" nodeType="withEffect">
+                                  <p:stCondLst>
+                                    <p:cond delay="0"/>
+                                  </p:stCondLst>
+                                  <p:childTnLst>
+                                    <p:set>
+                                      <p:cBhvr>
+                                        <p:cTn id="62" dur="1" fill="hold">
+                                          <p:stCondLst>
+                                            <p:cond delay="0"/>
+                                          </p:stCondLst>
+                                        </p:cTn>
+                                        <p:tgtEl>
+                                          <p:spTgt spid="85"/>
+                                        </p:tgtEl>
+                                        <p:attrNameLst>
+                                          <p:attrName>style.visibility</p:attrName>
+                                        </p:attrNameLst>
+                                      </p:cBhvr>
+                                      <p:to>
+                                        <p:strVal val="visible"/>
+                                      </p:to>
+                                    </p:set>
+                                    <p:animEffect transition="in" filter="fade">
+                                      <p:cBhvr>
+                                        <p:cTn id="63" dur="2000"/>
+                                        <p:tgtEl>
+                                          <p:spTgt spid="85"/>
+                                        </p:tgtEl>
+                                      </p:cBhvr>
+                                    </p:animEffect>
+                                  </p:childTnLst>
+                                </p:cTn>
+                              </p:par>
+                            </p:childTnLst>
+                          </p:cTn>
+                        </p:par>
+                      </p:childTnLst>
+                    </p:cTn>
+                  </p:par>
+                </p:childTnLst>
+              </p:cTn>
+              <p:prevCondLst>
+                <p:cond evt="onPrev" delay="0">
+                  <p:tgtEl>
+                    <p:sldTgt/>
+                  </p:tgtEl>
+                </p:cond>
+              </p:prevCondLst>
+              <p:nextCondLst>
+                <p:cond evt="onNext" delay="0">
+                  <p:tgtEl>
+                    <p:sldTgt/>
+                  </p:tgtEl>
+                </p:cond>
+              </p:nextCondLst>
+            </p:seq>
+          </p:childTnLst>
+        </p:cTn>
+      </p:par>
+    </p:tnLst>
+    <p:bldLst>
+      <p:bldP spid="73" grpId="0" animBg="1"/>
+      <p:bldP spid="74" grpId="0" animBg="1"/>
+      <p:bldP spid="89" grpId="0" animBg="1"/>
+      <p:bldP spid="91" grpId="0" animBg="1"/>
+      <p:bldP spid="90" grpId="0" animBg="1"/>
+      <p:bldP spid="92" grpId="0" animBg="1"/>
+      <p:bldP spid="93" grpId="0" animBg="1"/>
+      <p:bldP spid="105" grpId="0"/>
+      <p:bldP spid="107" grpId="0"/>
+      <p:bldP spid="108" grpId="0"/>
+    </p:bldLst>
+  </p:timing>
+</p:sld>
+</file>
+
+<file path=ppt/slides/slide11.xml><?xml version="1.0" encoding="utf-8"?>
+<p:sld xmlns:a="http://schemas.openxmlformats.org/drawingml/2006/main" xmlns:r="http://schemas.openxmlformats.org/officeDocument/2006/relationships" xmlns:p="http://schemas.openxmlformats.org/presentationml/2006/main">
+  <p:cSld>
+    <p:spTree>
+      <p:nvGrpSpPr>
+        <p:cNvPr id="1" name=""/>
+        <p:cNvGrpSpPr/>
+        <p:nvPr/>
+      </p:nvGrpSpPr>
+      <p:grpSpPr>
+        <a:xfrm>
+          <a:off x="0" y="0"/>
+          <a:ext cx="0" cy="0"/>
+          <a:chOff x="0" y="0"/>
+          <a:chExt cx="0" cy="0"/>
+        </a:xfrm>
+      </p:grpSpPr>
+      <p:sp>
+        <p:nvSpPr>
+          <p:cNvPr id="6" name="Segnaposto data 5"/>
+          <p:cNvSpPr>
+            <a:spLocks noGrp="1"/>
+          </p:cNvSpPr>
+          <p:nvPr>
+            <p:ph type="dt" sz="half" idx="10"/>
+          </p:nvPr>
+        </p:nvSpPr>
+        <p:spPr/>
+        <p:txBody>
+          <a:bodyPr/>
+          <a:lstStyle/>
+          <a:p>
+            <a:r>
+              <a:rPr lang="it-IT" smtClean="0"/>
+              <a:t>Anno accademico 2007/2008</a:t>
+            </a:r>
+            <a:endParaRPr lang="it-IT" dirty="0"/>
+          </a:p>
+        </p:txBody>
+      </p:sp>
+      <p:sp>
+        <p:nvSpPr>
+          <p:cNvPr id="7" name="Segnaposto numero diapositiva 6"/>
+          <p:cNvSpPr>
+            <a:spLocks noGrp="1"/>
+          </p:cNvSpPr>
+          <p:nvPr>
+            <p:ph type="sldNum" sz="quarter" idx="12"/>
+          </p:nvPr>
+        </p:nvSpPr>
+        <p:spPr/>
+        <p:txBody>
+          <a:bodyPr/>
+          <a:lstStyle/>
+          <a:p>
+            <a:fld id="{BB9EEBAB-65FC-4513-B19A-4B06FD56D3C9}" type="slidenum">
+              <a:rPr lang="it-IT" smtClean="0"/>
+              <a:pPr/>
+              <a:t>11</a:t>
+            </a:fld>
+            <a:endParaRPr lang="it-IT" dirty="0"/>
+          </a:p>
+        </p:txBody>
+      </p:sp>
+      <p:sp>
+        <p:nvSpPr>
+          <p:cNvPr id="8" name="Segnaposto piè di pagina 7"/>
+          <p:cNvSpPr>
+            <a:spLocks noGrp="1"/>
+          </p:cNvSpPr>
+          <p:nvPr>
+            <p:ph type="ftr" sz="quarter" idx="11"/>
+          </p:nvPr>
+        </p:nvSpPr>
+        <p:spPr/>
+        <p:txBody>
+          <a:bodyPr/>
+          <a:lstStyle/>
+          <a:p>
+            <a:r>
+              <a:rPr lang="it-IT" smtClean="0"/>
+              <a:t>Università degli studi di Roma Tre</a:t>
+            </a:r>
+            <a:endParaRPr lang="it-IT" dirty="0"/>
+          </a:p>
+        </p:txBody>
+      </p:sp>
+      <p:sp>
+        <p:nvSpPr>
+          <p:cNvPr id="9" name="Titolo 3"/>
+          <p:cNvSpPr>
+            <a:spLocks noGrp="1"/>
+          </p:cNvSpPr>
+          <p:nvPr>
+            <p:ph type="ctrTitle"/>
+          </p:nvPr>
+        </p:nvSpPr>
+        <p:spPr>
+          <a:xfrm>
+            <a:off x="2321671" y="0"/>
+            <a:ext cx="6822329" cy="742954"/>
+          </a:xfrm>
+        </p:spPr>
+        <p:txBody>
+          <a:bodyPr>
+            <a:noAutofit/>
+          </a:bodyPr>
+          <a:lstStyle/>
+          <a:p>
+            <a:endParaRPr lang="it-IT" sz="3600" dirty="0"/>
+          </a:p>
+        </p:txBody>
+      </p:sp>
+    </p:spTree>
+  </p:cSld>
+  <p:clrMapOvr>
+    <a:masterClrMapping/>
+  </p:clrMapOvr>
+  <p:transition>
+    <p:fade/>
+  </p:transition>
+  <p:timing>
+    <p:tnLst>
+      <p:par>
+        <p:cTn id="1" dur="indefinite" restart="never" nodeType="tmRoot"/>
+      </p:par>
+    </p:tnLst>
+  </p:timing>
+</p:sld>
+</file>
+
+<file path=ppt/slides/slide12.xml><?xml version="1.0" encoding="utf-8"?>
+<p:sld xmlns:a="http://schemas.openxmlformats.org/drawingml/2006/main" xmlns:r="http://schemas.openxmlformats.org/officeDocument/2006/relationships" xmlns:p="http://schemas.openxmlformats.org/presentationml/2006/main">
+  <p:cSld>
+    <p:spTree>
+      <p:nvGrpSpPr>
+        <p:cNvPr id="1" name=""/>
+        <p:cNvGrpSpPr/>
+        <p:nvPr/>
+      </p:nvGrpSpPr>
+      <p:grpSpPr>
+        <a:xfrm>
+          <a:off x="0" y="0"/>
+          <a:ext cx="0" cy="0"/>
+          <a:chOff x="0" y="0"/>
+          <a:chExt cx="0" cy="0"/>
+        </a:xfrm>
+      </p:grpSpPr>
+      <p:sp>
+        <p:nvSpPr>
+          <p:cNvPr id="6" name="Segnaposto data 5"/>
+          <p:cNvSpPr>
+            <a:spLocks noGrp="1"/>
+          </p:cNvSpPr>
+          <p:nvPr>
+            <p:ph type="dt" sz="half" idx="10"/>
+          </p:nvPr>
+        </p:nvSpPr>
+        <p:spPr/>
+        <p:txBody>
+          <a:bodyPr/>
+          <a:lstStyle/>
+          <a:p>
+            <a:r>
+              <a:rPr lang="it-IT" smtClean="0"/>
+              <a:t>Anno accademico 2007/2008</a:t>
+            </a:r>
+            <a:endParaRPr lang="it-IT" dirty="0"/>
+          </a:p>
+        </p:txBody>
+      </p:sp>
+      <p:sp>
+        <p:nvSpPr>
+          <p:cNvPr id="7" name="Segnaposto numero diapositiva 6"/>
+          <p:cNvSpPr>
+            <a:spLocks noGrp="1"/>
+          </p:cNvSpPr>
+          <p:nvPr>
+            <p:ph type="sldNum" sz="quarter" idx="12"/>
+          </p:nvPr>
+        </p:nvSpPr>
+        <p:spPr/>
+        <p:txBody>
+          <a:bodyPr/>
+          <a:lstStyle/>
+          <a:p>
+            <a:fld id="{BB9EEBAB-65FC-4513-B19A-4B06FD56D3C9}" type="slidenum">
+              <a:rPr lang="it-IT" smtClean="0"/>
+              <a:pPr/>
+              <a:t>12</a:t>
             </a:fld>
             <a:endParaRPr lang="it-IT" dirty="0"/>
           </a:p>
@@ -12251,8 +17526,8 @@
         </p:nvSpPr>
         <p:spPr>
           <a:xfrm>
-            <a:off x="2643174" y="0"/>
-            <a:ext cx="6500826" cy="571480"/>
+            <a:off x="2321671" y="0"/>
+            <a:ext cx="6822329" cy="571480"/>
           </a:xfrm>
         </p:spPr>
         <p:txBody>
@@ -12261,232 +17536,38 @@
           </a:bodyPr>
           <a:lstStyle/>
           <a:p>
-            <a:pPr lvl="1"/>
-            <a:r>
-              <a:rPr lang="en-US" sz="2800" dirty="0" err="1" smtClean="0"/>
-              <a:t>Ambienti</a:t>
-            </a:r>
-            <a:r>
-              <a:rPr lang="en-US" sz="2800" dirty="0" smtClean="0"/>
+            <a:r>
+              <a:rPr lang="en-US" sz="3600" dirty="0" err="1" smtClean="0"/>
+              <a:t>Configurazione</a:t>
+            </a:r>
+            <a:r>
+              <a:rPr lang="en-US" sz="3600" dirty="0" smtClean="0"/>
               <a:t> </a:t>
             </a:r>
             <a:r>
-              <a:rPr lang="en-US" sz="2800" dirty="0" err="1" smtClean="0"/>
-              <a:t>di</a:t>
-            </a:r>
-            <a:r>
-              <a:rPr lang="en-US" sz="2800" dirty="0" smtClean="0"/>
-              <a:t> </a:t>
-            </a:r>
-            <a:r>
-              <a:rPr lang="en-US" sz="2800" dirty="0" err="1" smtClean="0"/>
-              <a:t>configurazione</a:t>
-            </a:r>
-            <a:endParaRPr lang="en-US" sz="2800" dirty="0" smtClean="0"/>
+              <a:rPr lang="en-US" sz="3600" dirty="0" err="1" smtClean="0"/>
+              <a:t>Avanzata</a:t>
+            </a:r>
+            <a:endParaRPr lang="it-IT" sz="3600" dirty="0"/>
           </a:p>
         </p:txBody>
       </p:sp>
-      <p:sp>
-        <p:nvSpPr>
-          <p:cNvPr id="11" name="CasellaDiTesto 10"/>
-          <p:cNvSpPr txBox="1"/>
+      <p:graphicFrame>
+        <p:nvGraphicFramePr>
+          <p:cNvPr id="11" name="Diagramma 10"/>
+          <p:cNvGraphicFramePr/>
           <p:nvPr/>
-        </p:nvSpPr>
-        <p:spPr>
-          <a:xfrm>
-            <a:off x="255306" y="857232"/>
-            <a:ext cx="8633389" cy="3323987"/>
-          </a:xfrm>
-          <a:prstGeom prst="rect">
-            <a:avLst/>
-          </a:prstGeom>
-          <a:noFill/>
-        </p:spPr>
-        <p:txBody>
-          <a:bodyPr wrap="square" rtlCol="0">
-            <a:spAutoFit/>
-          </a:bodyPr>
-          <a:lstStyle/>
-          <a:p>
-            <a:pPr>
-              <a:lnSpc>
-                <a:spcPct val="150000"/>
-              </a:lnSpc>
-              <a:buFont typeface="Wingdings" pitchFamily="2" charset="2"/>
-              <a:buChar char="Ø"/>
-            </a:pPr>
-            <a:r>
-              <a:rPr lang="en-US" sz="2800" dirty="0" err="1" smtClean="0"/>
-              <a:t>Assistono</a:t>
-            </a:r>
-            <a:r>
-              <a:rPr lang="en-US" sz="2800" dirty="0" smtClean="0"/>
-              <a:t> </a:t>
-            </a:r>
-            <a:r>
-              <a:rPr lang="en-US" sz="2800" dirty="0" err="1" smtClean="0"/>
-              <a:t>l’utente</a:t>
-            </a:r>
-            <a:r>
-              <a:rPr lang="en-US" sz="2800" dirty="0" smtClean="0"/>
-              <a:t> </a:t>
-            </a:r>
-            <a:r>
-              <a:rPr lang="en-US" sz="2800" dirty="0" err="1" smtClean="0"/>
-              <a:t>durante</a:t>
-            </a:r>
-            <a:r>
-              <a:rPr lang="en-US" sz="2800" dirty="0" smtClean="0"/>
-              <a:t> la </a:t>
-            </a:r>
-            <a:r>
-              <a:rPr lang="en-US" sz="2800" dirty="0" err="1" smtClean="0"/>
-              <a:t>creazione</a:t>
-            </a:r>
-            <a:r>
-              <a:rPr lang="en-US" sz="2800" dirty="0" smtClean="0"/>
-              <a:t> </a:t>
-            </a:r>
-            <a:r>
-              <a:rPr lang="en-US" sz="2800" dirty="0" err="1" smtClean="0"/>
-              <a:t>di</a:t>
-            </a:r>
-            <a:r>
-              <a:rPr lang="en-US" sz="2800" dirty="0" smtClean="0"/>
-              <a:t> un </a:t>
-            </a:r>
-            <a:r>
-              <a:rPr lang="en-US" sz="2800" dirty="0" err="1" smtClean="0"/>
-              <a:t>laboratorio</a:t>
-            </a:r>
-            <a:endParaRPr lang="en-US" sz="2800" dirty="0" smtClean="0"/>
-          </a:p>
-          <a:p>
-            <a:pPr>
-              <a:lnSpc>
-                <a:spcPct val="150000"/>
-              </a:lnSpc>
-              <a:buFont typeface="Wingdings" pitchFamily="2" charset="2"/>
-              <a:buChar char="Ø"/>
-            </a:pPr>
-            <a:r>
-              <a:rPr lang="en-US" sz="2800" dirty="0" err="1" smtClean="0"/>
-              <a:t>Forniscono</a:t>
-            </a:r>
-            <a:r>
-              <a:rPr lang="en-US" sz="2800" dirty="0" smtClean="0"/>
-              <a:t> </a:t>
-            </a:r>
-            <a:r>
-              <a:rPr lang="en-US" sz="2800" dirty="0" err="1" smtClean="0"/>
-              <a:t>un’interfaccia</a:t>
-            </a:r>
-            <a:r>
-              <a:rPr lang="en-US" sz="2800" dirty="0" smtClean="0"/>
-              <a:t> </a:t>
-            </a:r>
-            <a:r>
-              <a:rPr lang="en-US" sz="2800" dirty="0" err="1" smtClean="0"/>
-              <a:t>grafica</a:t>
-            </a:r>
-            <a:r>
-              <a:rPr lang="en-US" sz="2800" dirty="0" smtClean="0"/>
-              <a:t> </a:t>
-            </a:r>
-            <a:r>
-              <a:rPr lang="en-US" sz="2800" dirty="0" err="1" smtClean="0"/>
-              <a:t>intuitiva</a:t>
-            </a:r>
-            <a:endParaRPr lang="en-US" sz="2800" dirty="0" smtClean="0"/>
-          </a:p>
-          <a:p>
-            <a:pPr>
-              <a:lnSpc>
-                <a:spcPct val="150000"/>
-              </a:lnSpc>
-              <a:buFont typeface="Wingdings" pitchFamily="2" charset="2"/>
-              <a:buChar char="Ø"/>
-            </a:pPr>
-            <a:r>
-              <a:rPr lang="en-US" sz="2800" dirty="0" err="1" smtClean="0"/>
-              <a:t>L’utente</a:t>
-            </a:r>
-            <a:r>
-              <a:rPr lang="en-US" sz="2800" dirty="0" smtClean="0"/>
-              <a:t> ha un feedback </a:t>
-            </a:r>
-            <a:r>
-              <a:rPr lang="en-US" sz="2800" dirty="0" err="1" smtClean="0"/>
-              <a:t>visivo</a:t>
-            </a:r>
-            <a:endParaRPr lang="en-US" sz="2800" dirty="0" smtClean="0"/>
-          </a:p>
-          <a:p>
-            <a:pPr>
-              <a:lnSpc>
-                <a:spcPct val="150000"/>
-              </a:lnSpc>
-              <a:buFont typeface="Wingdings" pitchFamily="2" charset="2"/>
-              <a:buChar char="Ø"/>
-            </a:pPr>
-            <a:r>
-              <a:rPr lang="en-US" sz="2800" dirty="0" err="1" smtClean="0"/>
-              <a:t>Modifiche</a:t>
-            </a:r>
-            <a:r>
-              <a:rPr lang="en-US" sz="2800" dirty="0" smtClean="0"/>
-              <a:t> </a:t>
-            </a:r>
-            <a:r>
-              <a:rPr lang="en-US" sz="2800" dirty="0" err="1" smtClean="0"/>
-              <a:t>alla</a:t>
-            </a:r>
-            <a:r>
-              <a:rPr lang="en-US" sz="2800" dirty="0" smtClean="0"/>
-              <a:t> </a:t>
-            </a:r>
-            <a:r>
-              <a:rPr lang="en-US" sz="2800" dirty="0" err="1" smtClean="0"/>
-              <a:t>topologia</a:t>
-            </a:r>
-            <a:r>
-              <a:rPr lang="en-US" sz="2800" dirty="0" smtClean="0"/>
-              <a:t> </a:t>
-            </a:r>
-            <a:r>
-              <a:rPr lang="en-US" sz="2800" dirty="0" err="1" smtClean="0"/>
-              <a:t>di</a:t>
-            </a:r>
-            <a:r>
-              <a:rPr lang="en-US" sz="2800" dirty="0" smtClean="0"/>
-              <a:t> </a:t>
-            </a:r>
-            <a:r>
-              <a:rPr lang="en-US" sz="2800" dirty="0" err="1" smtClean="0"/>
-              <a:t>rete</a:t>
-            </a:r>
-            <a:r>
-              <a:rPr lang="en-US" sz="2800" dirty="0" smtClean="0"/>
-              <a:t> </a:t>
-            </a:r>
-            <a:r>
-              <a:rPr lang="en-US" sz="2800" dirty="0" err="1" smtClean="0"/>
-              <a:t>rapide</a:t>
-            </a:r>
-            <a:endParaRPr lang="en-US" sz="2800" dirty="0" smtClean="0"/>
-          </a:p>
-          <a:p>
-            <a:pPr>
-              <a:lnSpc>
-                <a:spcPct val="150000"/>
-              </a:lnSpc>
-              <a:buFont typeface="Wingdings" pitchFamily="2" charset="2"/>
-              <a:buChar char="Ø"/>
-            </a:pPr>
-            <a:endParaRPr lang="it-IT" sz="2800" dirty="0"/>
-          </a:p>
-        </p:txBody>
-      </p:sp>
+        </p:nvGraphicFramePr>
+        <p:xfrm>
+          <a:off x="285720" y="1285860"/>
+          <a:ext cx="8643998" cy="4175140"/>
+        </p:xfrm>
+        <a:graphic>
+          <a:graphicData uri="http://schemas.openxmlformats.org/drawingml/2006/diagram">
+            <dgm:relIds xmlns:dgm="http://schemas.openxmlformats.org/drawingml/2006/diagram" xmlns:r="http://schemas.openxmlformats.org/officeDocument/2006/relationships" r:dm="rId2" r:lo="rId3" r:qs="rId4" r:cs="rId5"/>
+          </a:graphicData>
+        </a:graphic>
+      </p:graphicFrame>
     </p:spTree>
   </p:cSld>
   <p:clrMapOvr>
@@ -12605,7 +17686,7 @@
         <p:spPr>
           <a:xfrm>
             <a:off x="2321671" y="0"/>
-            <a:ext cx="6822329" cy="742954"/>
+            <a:ext cx="6822329" cy="571480"/>
           </a:xfrm>
         </p:spPr>
         <p:txBody>
@@ -12616,7 +17697,7 @@
           <a:p>
             <a:r>
               <a:rPr lang="en-US" sz="3600" dirty="0" err="1" smtClean="0"/>
-              <a:t>Ambienti</a:t>
+              <a:t>Configurazione</a:t>
             </a:r>
             <a:r>
               <a:rPr lang="en-US" sz="3600" dirty="0" smtClean="0"/>
@@ -12624,206 +17705,250 @@
             </a:r>
             <a:r>
               <a:rPr lang="en-US" sz="3600" dirty="0" err="1" smtClean="0"/>
-              <a:t>di</a:t>
-            </a:r>
-            <a:r>
-              <a:rPr lang="en-US" sz="3600" dirty="0" smtClean="0"/>
-              <a:t> </a:t>
-            </a:r>
-            <a:r>
-              <a:rPr lang="en-US" sz="3600" dirty="0" err="1" smtClean="0"/>
-              <a:t>configurazione</a:t>
+              <a:t>Avanzata</a:t>
             </a:r>
             <a:endParaRPr lang="it-IT" sz="3600" dirty="0"/>
           </a:p>
         </p:txBody>
       </p:sp>
-      <p:graphicFrame>
-        <p:nvGraphicFramePr>
-          <p:cNvPr id="10" name="Diagramma 9"/>
-          <p:cNvGraphicFramePr/>
+      <p:pic>
+        <p:nvPicPr>
+          <p:cNvPr id="10" name="Immagine 9" descr="bgp_conf_schema.png"/>
+          <p:cNvPicPr>
+            <a:picLocks noChangeAspect="1"/>
+          </p:cNvPicPr>
           <p:nvPr/>
-        </p:nvGraphicFramePr>
-        <p:xfrm>
-          <a:off x="214282" y="785794"/>
-          <a:ext cx="8715436" cy="5500726"/>
-        </p:xfrm>
-        <a:graphic>
-          <a:graphicData uri="http://schemas.openxmlformats.org/drawingml/2006/diagram">
-            <dgm:relIds xmlns:dgm="http://schemas.openxmlformats.org/drawingml/2006/diagram" xmlns:r="http://schemas.openxmlformats.org/officeDocument/2006/relationships" r:dm="rId2" r:lo="rId3" r:qs="rId4" r:cs="rId5"/>
-          </a:graphicData>
-        </a:graphic>
-      </p:graphicFrame>
-    </p:spTree>
-  </p:cSld>
-  <p:clrMapOvr>
-    <a:masterClrMapping/>
-  </p:clrMapOvr>
-  <p:transition>
-    <p:fade/>
-  </p:transition>
-  <p:timing>
-    <p:tnLst>
-      <p:par>
-        <p:cTn id="1" dur="indefinite" restart="never" nodeType="tmRoot"/>
-      </p:par>
-    </p:tnLst>
-  </p:timing>
-</p:sld>
-</file>
-
-<file path=ppt/slides/slide8.xml><?xml version="1.0" encoding="utf-8"?>
-<p:sld xmlns:a="http://schemas.openxmlformats.org/drawingml/2006/main" xmlns:r="http://schemas.openxmlformats.org/officeDocument/2006/relationships" xmlns:p="http://schemas.openxmlformats.org/presentationml/2006/main">
-  <p:cSld>
-    <p:spTree>
-      <p:nvGrpSpPr>
-        <p:cNvPr id="1" name=""/>
-        <p:cNvGrpSpPr/>
-        <p:nvPr/>
-      </p:nvGrpSpPr>
-      <p:grpSpPr>
-        <a:xfrm>
-          <a:off x="0" y="0"/>
-          <a:ext cx="0" cy="0"/>
-          <a:chOff x="0" y="0"/>
-          <a:chExt cx="0" cy="0"/>
-        </a:xfrm>
-      </p:grpSpPr>
+        </p:nvPicPr>
+        <p:blipFill>
+          <a:blip r:embed="rId2"/>
+          <a:stretch>
+            <a:fillRect/>
+          </a:stretch>
+        </p:blipFill>
+        <p:spPr>
+          <a:xfrm>
+            <a:off x="5357818" y="642918"/>
+            <a:ext cx="3527883" cy="5572140"/>
+          </a:xfrm>
+          <a:prstGeom prst="rect">
+            <a:avLst/>
+          </a:prstGeom>
+          <a:ln>
+            <a:noFill/>
+          </a:ln>
+          <a:effectLst>
+            <a:outerShdw blurRad="292100" dist="139700" dir="2700000" algn="tl" rotWithShape="0">
+              <a:srgbClr val="333333">
+                <a:alpha val="65000"/>
+              </a:srgbClr>
+            </a:outerShdw>
+          </a:effectLst>
+        </p:spPr>
+      </p:pic>
       <p:sp>
         <p:nvSpPr>
-          <p:cNvPr id="6" name="Segnaposto data 5"/>
-          <p:cNvSpPr>
-            <a:spLocks noGrp="1"/>
-          </p:cNvSpPr>
-          <p:nvPr>
-            <p:ph type="dt" sz="half" idx="10"/>
-          </p:nvPr>
+          <p:cNvPr id="12" name="CasellaDiTesto 11"/>
+          <p:cNvSpPr txBox="1"/>
+          <p:nvPr/>
         </p:nvSpPr>
-        <p:spPr/>
+        <p:spPr>
+          <a:xfrm>
+            <a:off x="214282" y="785794"/>
+            <a:ext cx="4929222" cy="2862322"/>
+          </a:xfrm>
+          <a:prstGeom prst="rect">
+            <a:avLst/>
+          </a:prstGeom>
+          <a:noFill/>
+        </p:spPr>
         <p:txBody>
-          <a:bodyPr/>
+          <a:bodyPr wrap="square" rtlCol="0">
+            <a:spAutoFit/>
+          </a:bodyPr>
           <a:lstStyle/>
           <a:p>
-            <a:r>
-              <a:rPr lang="it-IT" smtClean="0"/>
-              <a:t>Anno accademico 2007/2008</a:t>
-            </a:r>
-            <a:endParaRPr lang="it-IT" dirty="0"/>
+            <a:pPr>
+              <a:lnSpc>
+                <a:spcPct val="150000"/>
+              </a:lnSpc>
+            </a:pPr>
+            <a:r>
+              <a:rPr lang="en-US" sz="2400" dirty="0" smtClean="0"/>
+              <a:t>Un </a:t>
+            </a:r>
+            <a:r>
+              <a:rPr lang="en-US" sz="2400" dirty="0" err="1" smtClean="0"/>
+              <a:t>esempio</a:t>
+            </a:r>
+            <a:r>
+              <a:rPr lang="en-US" sz="2400" dirty="0" smtClean="0"/>
+              <a:t> </a:t>
+            </a:r>
+            <a:r>
+              <a:rPr lang="en-US" sz="2400" dirty="0" err="1" smtClean="0"/>
+              <a:t>di</a:t>
+            </a:r>
+            <a:r>
+              <a:rPr lang="en-US" sz="2400" dirty="0" smtClean="0"/>
+              <a:t> </a:t>
+            </a:r>
+            <a:r>
+              <a:rPr lang="en-US" sz="2400" dirty="0" err="1" smtClean="0"/>
+              <a:t>configurazione</a:t>
+            </a:r>
+            <a:r>
+              <a:rPr lang="en-US" sz="2400" dirty="0" smtClean="0"/>
+              <a:t> </a:t>
+            </a:r>
+            <a:r>
+              <a:rPr lang="en-US" sz="2400" dirty="0" err="1" smtClean="0"/>
+              <a:t>avanzata</a:t>
+            </a:r>
+            <a:r>
+              <a:rPr lang="en-US" sz="2400" dirty="0" smtClean="0"/>
+              <a:t> in BGP (</a:t>
+            </a:r>
+            <a:r>
+              <a:rPr lang="en-US" sz="2400" dirty="0" err="1" smtClean="0"/>
+              <a:t>Quagga</a:t>
+            </a:r>
+            <a:r>
+              <a:rPr lang="en-US" sz="2400" dirty="0" smtClean="0"/>
+              <a:t> Suite)</a:t>
+            </a:r>
+          </a:p>
+          <a:p>
+            <a:pPr>
+              <a:lnSpc>
+                <a:spcPct val="150000"/>
+              </a:lnSpc>
+              <a:buFont typeface="Wingdings" pitchFamily="2" charset="2"/>
+              <a:buChar char="Ø"/>
+            </a:pPr>
+            <a:r>
+              <a:rPr lang="en-US" sz="2400" dirty="0" smtClean="0"/>
+              <a:t> </a:t>
+            </a:r>
+            <a:r>
+              <a:rPr lang="en-US" sz="2400" dirty="0" err="1" smtClean="0"/>
+              <a:t>Struttura</a:t>
+            </a:r>
+            <a:r>
+              <a:rPr lang="en-US" sz="2400" dirty="0" smtClean="0"/>
+              <a:t> </a:t>
+            </a:r>
+            <a:r>
+              <a:rPr lang="en-US" sz="2400" dirty="0" err="1" smtClean="0"/>
+              <a:t>complessa</a:t>
+            </a:r>
+            <a:endParaRPr lang="en-US" sz="2400" dirty="0" smtClean="0"/>
+          </a:p>
+          <a:p>
+            <a:pPr>
+              <a:lnSpc>
+                <a:spcPct val="150000"/>
+              </a:lnSpc>
+              <a:buFont typeface="Wingdings" pitchFamily="2" charset="2"/>
+              <a:buChar char="Ø"/>
+            </a:pPr>
+            <a:r>
+              <a:rPr lang="en-US" sz="2400" dirty="0" smtClean="0"/>
+              <a:t> </a:t>
+            </a:r>
+            <a:r>
+              <a:rPr lang="en-US" sz="2400" dirty="0" err="1" smtClean="0"/>
+              <a:t>Struttura</a:t>
+            </a:r>
+            <a:r>
+              <a:rPr lang="en-US" sz="2400" dirty="0" smtClean="0"/>
+              <a:t> </a:t>
+            </a:r>
+            <a:r>
+              <a:rPr lang="en-US" sz="2400" dirty="0" err="1" smtClean="0"/>
+              <a:t>altamente</a:t>
+            </a:r>
+            <a:r>
+              <a:rPr lang="en-US" sz="2400" dirty="0" smtClean="0"/>
+              <a:t> </a:t>
+            </a:r>
+            <a:r>
+              <a:rPr lang="en-US" sz="2400" dirty="0" err="1" smtClean="0"/>
+              <a:t>dinamica</a:t>
+            </a:r>
+            <a:endParaRPr lang="en-US" sz="2400" dirty="0" smtClean="0"/>
+          </a:p>
+          <a:p>
+            <a:pPr>
+              <a:lnSpc>
+                <a:spcPct val="150000"/>
+              </a:lnSpc>
+              <a:buFont typeface="Wingdings" pitchFamily="2" charset="2"/>
+              <a:buChar char="Ø"/>
+            </a:pPr>
+            <a:r>
+              <a:rPr lang="en-US" sz="2400" dirty="0" smtClean="0"/>
+              <a:t> </a:t>
+            </a:r>
+            <a:r>
+              <a:rPr lang="en-US" sz="2400" dirty="0" err="1" smtClean="0"/>
+              <a:t>Concetto</a:t>
+            </a:r>
+            <a:r>
+              <a:rPr lang="en-US" sz="2400" dirty="0" smtClean="0"/>
+              <a:t> </a:t>
+            </a:r>
+            <a:r>
+              <a:rPr lang="en-US" sz="2400" dirty="0" err="1" smtClean="0"/>
+              <a:t>di</a:t>
+            </a:r>
+            <a:r>
+              <a:rPr lang="en-US" sz="2400" dirty="0" smtClean="0"/>
+              <a:t> “</a:t>
+            </a:r>
+            <a:r>
+              <a:rPr lang="en-US" sz="2400" dirty="0" err="1" smtClean="0"/>
+              <a:t>chiave</a:t>
+            </a:r>
+            <a:r>
+              <a:rPr lang="en-US" sz="2400" dirty="0" smtClean="0"/>
+              <a:t> </a:t>
+            </a:r>
+            <a:r>
+              <a:rPr lang="en-US" sz="2400" dirty="0" err="1" smtClean="0"/>
+              <a:t>esterna</a:t>
+            </a:r>
+            <a:r>
+              <a:rPr lang="en-US" sz="2400" dirty="0" smtClean="0"/>
+              <a:t>”</a:t>
+            </a:r>
+            <a:endParaRPr lang="it-IT" sz="2400" dirty="0"/>
           </a:p>
         </p:txBody>
       </p:sp>
       <p:sp>
         <p:nvSpPr>
-          <p:cNvPr id="7" name="Segnaposto numero diapositiva 6"/>
-          <p:cNvSpPr>
-            <a:spLocks noGrp="1"/>
-          </p:cNvSpPr>
-          <p:nvPr>
-            <p:ph type="sldNum" sz="quarter" idx="12"/>
-          </p:nvPr>
-        </p:nvSpPr>
-        <p:spPr/>
-        <p:txBody>
-          <a:bodyPr/>
-          <a:lstStyle/>
-          <a:p>
-            <a:fld id="{BB9EEBAB-65FC-4513-B19A-4B06FD56D3C9}" type="slidenum">
-              <a:rPr lang="it-IT" smtClean="0"/>
-              <a:pPr/>
-              <a:t>8</a:t>
-            </a:fld>
-            <a:endParaRPr lang="it-IT" dirty="0"/>
-          </a:p>
-        </p:txBody>
-      </p:sp>
-      <p:sp>
-        <p:nvSpPr>
-          <p:cNvPr id="8" name="Segnaposto piè di pagina 7"/>
-          <p:cNvSpPr>
-            <a:spLocks noGrp="1"/>
-          </p:cNvSpPr>
-          <p:nvPr>
-            <p:ph type="ftr" sz="quarter" idx="11"/>
-          </p:nvPr>
-        </p:nvSpPr>
-        <p:spPr/>
-        <p:txBody>
-          <a:bodyPr/>
-          <a:lstStyle/>
-          <a:p>
-            <a:r>
-              <a:rPr lang="it-IT" smtClean="0"/>
-              <a:t>Università degli studi di Roma Tre</a:t>
-            </a:r>
-            <a:endParaRPr lang="it-IT" dirty="0"/>
-          </a:p>
-        </p:txBody>
-      </p:sp>
-      <p:sp>
-        <p:nvSpPr>
-          <p:cNvPr id="10" name="Rettangolo arrotondato 9"/>
+          <p:cNvPr id="13" name="Freccia in giù 12"/>
           <p:cNvSpPr/>
           <p:nvPr/>
         </p:nvSpPr>
         <p:spPr>
           <a:xfrm>
-            <a:off x="2428860" y="142852"/>
-            <a:ext cx="4071966" cy="1285884"/>
+            <a:off x="2393141" y="3929066"/>
+            <a:ext cx="571504" cy="785818"/>
           </a:xfrm>
-          <a:prstGeom prst="roundRect">
-            <a:avLst/>
-          </a:prstGeom>
-        </p:spPr>
-        <p:style>
-          <a:lnRef idx="1">
-            <a:schemeClr val="accent5"/>
-          </a:lnRef>
-          <a:fillRef idx="2">
-            <a:schemeClr val="accent5"/>
-          </a:fillRef>
-          <a:effectRef idx="1">
-            <a:schemeClr val="accent5"/>
-          </a:effectRef>
-          <a:fontRef idx="minor">
-            <a:schemeClr val="dk1"/>
-          </a:fontRef>
-        </p:style>
-        <p:txBody>
-          <a:bodyPr rtlCol="0" anchor="t" anchorCtr="0"/>
-          <a:lstStyle/>
-          <a:p>
-            <a:r>
-              <a:rPr lang="en-US" sz="2400" b="1" dirty="0" smtClean="0"/>
-              <a:t>GUI</a:t>
-            </a:r>
-            <a:endParaRPr lang="it-IT" b="1" dirty="0"/>
-          </a:p>
-        </p:txBody>
-      </p:sp>
-      <p:sp>
-        <p:nvSpPr>
-          <p:cNvPr id="11" name="Ritaglia angolo stesso lato rettangolo 10"/>
-          <p:cNvSpPr/>
-          <p:nvPr/>
-        </p:nvSpPr>
-        <p:spPr>
-          <a:xfrm>
-            <a:off x="2643174" y="642918"/>
-            <a:ext cx="1143008" cy="642942"/>
-          </a:xfrm>
-          <a:prstGeom prst="snip2SameRect">
+          <a:prstGeom prst="downArrow">
             <a:avLst/>
           </a:prstGeom>
         </p:spPr>
         <p:style>
           <a:lnRef idx="0">
-            <a:schemeClr val="accent3"/>
+            <a:schemeClr val="accent5"/>
           </a:lnRef>
           <a:fillRef idx="3">
-            <a:schemeClr val="accent3"/>
+            <a:schemeClr val="accent5"/>
           </a:fillRef>
           <a:effectRef idx="3">
-            <a:schemeClr val="accent3"/>
+            <a:schemeClr val="accent5"/>
           </a:effectRef>
           <a:fontRef idx="minor">
             <a:schemeClr val="lt1"/>
@@ -12834,32 +17959,20 @@
           <a:lstStyle/>
           <a:p>
             <a:pPr algn="ctr"/>
-            <a:r>
-              <a:rPr lang="en-US" b="1" dirty="0" smtClean="0">
-                <a:solidFill>
-                  <a:schemeClr val="tx1"/>
-                </a:solidFill>
-              </a:rPr>
-              <a:t>Property Editor</a:t>
-            </a:r>
-            <a:endParaRPr lang="it-IT" b="1" dirty="0">
-              <a:solidFill>
-                <a:schemeClr val="tx1"/>
-              </a:solidFill>
-            </a:endParaRPr>
+            <a:endParaRPr lang="it-IT"/>
           </a:p>
         </p:txBody>
       </p:sp>
       <p:sp>
         <p:nvSpPr>
-          <p:cNvPr id="20" name="Rettangolo arrotondato 19"/>
+          <p:cNvPr id="14" name="Rettangolo arrotondato 13"/>
           <p:cNvSpPr/>
           <p:nvPr/>
         </p:nvSpPr>
         <p:spPr>
           <a:xfrm>
-            <a:off x="4572000" y="285728"/>
-            <a:ext cx="2428892" cy="1000132"/>
+            <a:off x="321439" y="5000636"/>
+            <a:ext cx="4714908" cy="1071570"/>
           </a:xfrm>
           <a:prstGeom prst="roundRect">
             <a:avLst/>
@@ -12880,50 +17993,164 @@
           </a:fontRef>
         </p:style>
         <p:txBody>
-          <a:bodyPr rtlCol="0" anchor="b" anchorCtr="0"/>
+          <a:bodyPr rtlCol="0" anchor="ctr"/>
           <a:lstStyle/>
           <a:p>
             <a:pPr algn="ctr"/>
             <a:r>
-              <a:rPr lang="en-US" b="1" dirty="0" smtClean="0">
+              <a:rPr lang="en-US" sz="2000" b="1" dirty="0" err="1" smtClean="0">
                 <a:solidFill>
-                  <a:schemeClr val="bg1"/>
+                  <a:schemeClr val="tx1"/>
                 </a:solidFill>
               </a:rPr>
-              <a:t>Graph Scene</a:t>
-            </a:r>
-            <a:endParaRPr lang="it-IT" b="1" dirty="0">
+              <a:t>Modello</a:t>
+            </a:r>
+            <a:r>
+              <a:rPr lang="en-US" sz="2000" b="1" dirty="0" smtClean="0">
+                <a:solidFill>
+                  <a:schemeClr val="tx1"/>
+                </a:solidFill>
+              </a:rPr>
+              <a:t> </a:t>
+            </a:r>
+            <a:r>
+              <a:rPr lang="en-US" sz="2000" b="1" dirty="0" err="1" smtClean="0">
+                <a:solidFill>
+                  <a:schemeClr val="tx1"/>
+                </a:solidFill>
+              </a:rPr>
+              <a:t>gerarchico</a:t>
+            </a:r>
+            <a:r>
+              <a:rPr lang="en-US" sz="2000" b="1" dirty="0" smtClean="0">
+                <a:solidFill>
+                  <a:schemeClr val="tx1"/>
+                </a:solidFill>
+              </a:rPr>
+              <a:t> </a:t>
+            </a:r>
+            <a:r>
+              <a:rPr lang="en-US" sz="2000" b="1" dirty="0" err="1" smtClean="0">
+                <a:solidFill>
+                  <a:schemeClr val="tx1"/>
+                </a:solidFill>
+              </a:rPr>
+              <a:t>basato</a:t>
+            </a:r>
+            <a:r>
+              <a:rPr lang="en-US" sz="2000" b="1" dirty="0" smtClean="0">
+                <a:solidFill>
+                  <a:schemeClr val="tx1"/>
+                </a:solidFill>
+              </a:rPr>
+              <a:t> </a:t>
+            </a:r>
+            <a:r>
+              <a:rPr lang="en-US" sz="2000" b="1" dirty="0" err="1" smtClean="0">
+                <a:solidFill>
+                  <a:schemeClr val="tx1"/>
+                </a:solidFill>
+              </a:rPr>
+              <a:t>su</a:t>
+            </a:r>
+            <a:r>
+              <a:rPr lang="en-US" sz="2000" b="1" dirty="0" smtClean="0">
+                <a:solidFill>
+                  <a:schemeClr val="tx1"/>
+                </a:solidFill>
+              </a:rPr>
+              <a:t> </a:t>
+            </a:r>
+            <a:r>
+              <a:rPr lang="en-US" sz="2000" b="1" dirty="0" err="1" smtClean="0">
+                <a:solidFill>
+                  <a:schemeClr val="tx1"/>
+                </a:solidFill>
+              </a:rPr>
+              <a:t>alberi</a:t>
+            </a:r>
+            <a:r>
+              <a:rPr lang="en-US" sz="2000" b="1" dirty="0" smtClean="0">
+                <a:solidFill>
+                  <a:schemeClr val="tx1"/>
+                </a:solidFill>
+              </a:rPr>
+              <a:t> n-</a:t>
+            </a:r>
+            <a:r>
+              <a:rPr lang="en-US" sz="2000" b="1" dirty="0" err="1" smtClean="0">
+                <a:solidFill>
+                  <a:schemeClr val="tx1"/>
+                </a:solidFill>
+              </a:rPr>
+              <a:t>ari</a:t>
+            </a:r>
+            <a:endParaRPr lang="it-IT" sz="2000" b="1" dirty="0">
               <a:solidFill>
-                <a:schemeClr val="bg1"/>
+                <a:schemeClr val="tx1"/>
               </a:solidFill>
             </a:endParaRPr>
           </a:p>
         </p:txBody>
       </p:sp>
+      <p:pic>
+        <p:nvPicPr>
+          <p:cNvPr id="15" name="Immagine 14" descr="bgp_conf_tree.png"/>
+          <p:cNvPicPr>
+            <a:picLocks noChangeAspect="1"/>
+          </p:cNvPicPr>
+          <p:nvPr/>
+        </p:nvPicPr>
+        <p:blipFill>
+          <a:blip r:embed="rId3"/>
+          <a:stretch>
+            <a:fillRect/>
+          </a:stretch>
+        </p:blipFill>
+        <p:spPr>
+          <a:xfrm>
+            <a:off x="214282" y="645272"/>
+            <a:ext cx="3214710" cy="5567432"/>
+          </a:xfrm>
+          <a:prstGeom prst="rect">
+            <a:avLst/>
+          </a:prstGeom>
+          <a:ln>
+            <a:noFill/>
+          </a:ln>
+          <a:effectLst>
+            <a:outerShdw blurRad="292100" dist="139700" dir="2700000" algn="tl" rotWithShape="0">
+              <a:srgbClr val="333333">
+                <a:alpha val="65000"/>
+              </a:srgbClr>
+            </a:outerShdw>
+          </a:effectLst>
+        </p:spPr>
+      </p:pic>
       <p:sp>
         <p:nvSpPr>
-          <p:cNvPr id="13" name="Rettangolo arrotondato 12"/>
+          <p:cNvPr id="16" name="Freccia a destra con strisce 15"/>
           <p:cNvSpPr/>
           <p:nvPr/>
         </p:nvSpPr>
         <p:spPr>
-          <a:xfrm>
-            <a:off x="4714876" y="428604"/>
-            <a:ext cx="2143140" cy="428628"/>
+          <a:xfrm rot="10800000">
+            <a:off x="3714744" y="2857484"/>
+            <a:ext cx="1428760" cy="1143008"/>
           </a:xfrm>
-          <a:prstGeom prst="roundRect">
+          <a:prstGeom prst="stripedRightArrow">
             <a:avLst/>
           </a:prstGeom>
         </p:spPr>
         <p:style>
           <a:lnRef idx="0">
-            <a:schemeClr val="accent3"/>
+            <a:schemeClr val="accent5"/>
           </a:lnRef>
           <a:fillRef idx="3">
-            <a:schemeClr val="accent3"/>
+            <a:schemeClr val="accent5"/>
           </a:fillRef>
           <a:effectRef idx="3">
-            <a:schemeClr val="accent3"/>
+            <a:schemeClr val="accent5"/>
           </a:effectRef>
           <a:fontRef idx="minor">
             <a:schemeClr val="lt1"/>
@@ -12934,1647 +18161,7 @@
           <a:lstStyle/>
           <a:p>
             <a:pPr algn="ctr"/>
-            <a:r>
-              <a:rPr lang="en-US" b="1" dirty="0" err="1" smtClean="0">
-                <a:solidFill>
-                  <a:schemeClr val="tx1"/>
-                </a:solidFill>
-              </a:rPr>
-              <a:t>Graphisc</a:t>
-            </a:r>
-            <a:r>
-              <a:rPr lang="en-US" b="1" dirty="0" smtClean="0">
-                <a:solidFill>
-                  <a:schemeClr val="tx1"/>
-                </a:solidFill>
-              </a:rPr>
-              <a:t> Items</a:t>
-            </a:r>
-            <a:endParaRPr lang="it-IT" b="1" dirty="0">
-              <a:solidFill>
-                <a:schemeClr val="tx1"/>
-              </a:solidFill>
-            </a:endParaRPr>
-          </a:p>
-        </p:txBody>
-      </p:sp>
-      <p:sp>
-        <p:nvSpPr>
-          <p:cNvPr id="14" name="Rettangolo arrotondato 13"/>
-          <p:cNvSpPr/>
-          <p:nvPr/>
-        </p:nvSpPr>
-        <p:spPr>
-          <a:xfrm>
-            <a:off x="5143504" y="1643050"/>
-            <a:ext cx="1285884" cy="642942"/>
-          </a:xfrm>
-          <a:prstGeom prst="roundRect">
-            <a:avLst/>
-          </a:prstGeom>
-        </p:spPr>
-        <p:style>
-          <a:lnRef idx="0">
-            <a:schemeClr val="accent1"/>
-          </a:lnRef>
-          <a:fillRef idx="3">
-            <a:schemeClr val="accent1"/>
-          </a:fillRef>
-          <a:effectRef idx="3">
-            <a:schemeClr val="accent1"/>
-          </a:effectRef>
-          <a:fontRef idx="minor">
-            <a:schemeClr val="lt1"/>
-          </a:fontRef>
-        </p:style>
-        <p:txBody>
-          <a:bodyPr rtlCol="0" anchor="ctr"/>
-          <a:lstStyle/>
-          <a:p>
-            <a:pPr algn="ctr"/>
-            <a:r>
-              <a:rPr lang="en-US" b="1" dirty="0" smtClean="0">
-                <a:solidFill>
-                  <a:schemeClr val="bg1"/>
-                </a:solidFill>
-              </a:rPr>
-              <a:t>Graph Scene</a:t>
-            </a:r>
-            <a:endParaRPr lang="it-IT" b="1" dirty="0">
-              <a:solidFill>
-                <a:schemeClr val="bg1"/>
-              </a:solidFill>
-            </a:endParaRPr>
-          </a:p>
-        </p:txBody>
-      </p:sp>
-      <p:sp>
-        <p:nvSpPr>
-          <p:cNvPr id="15" name="Rettangolo arrotondato 14"/>
-          <p:cNvSpPr/>
-          <p:nvPr/>
-        </p:nvSpPr>
-        <p:spPr>
-          <a:xfrm>
-            <a:off x="4572000" y="2643182"/>
-            <a:ext cx="2428892" cy="357190"/>
-          </a:xfrm>
-          <a:prstGeom prst="roundRect">
-            <a:avLst/>
-          </a:prstGeom>
-        </p:spPr>
-        <p:style>
-          <a:lnRef idx="1">
-            <a:schemeClr val="accent4"/>
-          </a:lnRef>
-          <a:fillRef idx="2">
-            <a:schemeClr val="accent4"/>
-          </a:fillRef>
-          <a:effectRef idx="1">
-            <a:schemeClr val="accent4"/>
-          </a:effectRef>
-          <a:fontRef idx="minor">
-            <a:schemeClr val="dk1"/>
-          </a:fontRef>
-        </p:style>
-        <p:txBody>
-          <a:bodyPr rtlCol="0" anchor="ctr"/>
-          <a:lstStyle/>
-          <a:p>
-            <a:pPr algn="ctr"/>
-            <a:r>
-              <a:rPr lang="en-US" b="1" dirty="0" smtClean="0"/>
-              <a:t>Handlers</a:t>
-            </a:r>
-            <a:endParaRPr lang="it-IT" b="1" dirty="0"/>
-          </a:p>
-        </p:txBody>
-      </p:sp>
-      <p:sp>
-        <p:nvSpPr>
-          <p:cNvPr id="16" name="Rettangolo 15"/>
-          <p:cNvSpPr/>
-          <p:nvPr/>
-        </p:nvSpPr>
-        <p:spPr>
-          <a:xfrm>
-            <a:off x="5357818" y="3286124"/>
-            <a:ext cx="1643074" cy="500066"/>
-          </a:xfrm>
-          <a:prstGeom prst="rect">
-            <a:avLst/>
-          </a:prstGeom>
-        </p:spPr>
-        <p:style>
-          <a:lnRef idx="1">
-            <a:schemeClr val="accent2"/>
-          </a:lnRef>
-          <a:fillRef idx="2">
-            <a:schemeClr val="accent2"/>
-          </a:fillRef>
-          <a:effectRef idx="1">
-            <a:schemeClr val="accent2"/>
-          </a:effectRef>
-          <a:fontRef idx="minor">
-            <a:schemeClr val="dk1"/>
-          </a:fontRef>
-        </p:style>
-        <p:txBody>
-          <a:bodyPr rtlCol="0" anchor="ctr"/>
-          <a:lstStyle/>
-          <a:p>
-            <a:pPr algn="ctr"/>
-            <a:r>
-              <a:rPr lang="en-US" b="1" dirty="0" smtClean="0"/>
-              <a:t>Redo/Undo Framework</a:t>
-            </a:r>
-            <a:endParaRPr lang="it-IT" b="1" dirty="0"/>
-          </a:p>
-        </p:txBody>
-      </p:sp>
-      <p:sp>
-        <p:nvSpPr>
-          <p:cNvPr id="17" name="Rettangolo arrotondato 16"/>
-          <p:cNvSpPr/>
-          <p:nvPr/>
-        </p:nvSpPr>
-        <p:spPr>
-          <a:xfrm>
-            <a:off x="2643174" y="4286256"/>
-            <a:ext cx="4357718" cy="357190"/>
-          </a:xfrm>
-          <a:prstGeom prst="roundRect">
-            <a:avLst/>
-          </a:prstGeom>
-        </p:spPr>
-        <p:style>
-          <a:lnRef idx="1">
-            <a:schemeClr val="accent4"/>
-          </a:lnRef>
-          <a:fillRef idx="2">
-            <a:schemeClr val="accent4"/>
-          </a:fillRef>
-          <a:effectRef idx="1">
-            <a:schemeClr val="accent4"/>
-          </a:effectRef>
-          <a:fontRef idx="minor">
-            <a:schemeClr val="dk1"/>
-          </a:fontRef>
-        </p:style>
-        <p:txBody>
-          <a:bodyPr rtlCol="0" anchor="ctr"/>
-          <a:lstStyle/>
-          <a:p>
-            <a:pPr algn="ctr"/>
-            <a:r>
-              <a:rPr lang="en-US" b="1" dirty="0" smtClean="0"/>
-              <a:t>Facade Controllers</a:t>
-            </a:r>
-            <a:endParaRPr lang="it-IT" b="1" dirty="0"/>
-          </a:p>
-        </p:txBody>
-      </p:sp>
-      <p:sp>
-        <p:nvSpPr>
-          <p:cNvPr id="19" name="Rettangolo arrotondato 18"/>
-          <p:cNvSpPr/>
-          <p:nvPr/>
-        </p:nvSpPr>
-        <p:spPr>
-          <a:xfrm>
-            <a:off x="2643174" y="5000636"/>
-            <a:ext cx="4357718" cy="571504"/>
-          </a:xfrm>
-          <a:prstGeom prst="roundRect">
-            <a:avLst/>
-          </a:prstGeom>
-        </p:spPr>
-        <p:style>
-          <a:lnRef idx="1">
-            <a:schemeClr val="accent5"/>
-          </a:lnRef>
-          <a:fillRef idx="2">
-            <a:schemeClr val="accent5"/>
-          </a:fillRef>
-          <a:effectRef idx="1">
-            <a:schemeClr val="accent5"/>
-          </a:effectRef>
-          <a:fontRef idx="minor">
-            <a:schemeClr val="dk1"/>
-          </a:fontRef>
-        </p:style>
-        <p:txBody>
-          <a:bodyPr rtlCol="0" anchor="ctr" anchorCtr="0"/>
-          <a:lstStyle/>
-          <a:p>
-            <a:pPr algn="ctr"/>
-            <a:r>
-              <a:rPr lang="en-US" sz="2400" b="1" dirty="0" smtClean="0"/>
-              <a:t>CORE</a:t>
-            </a:r>
-            <a:endParaRPr lang="it-IT" b="1" dirty="0"/>
-          </a:p>
-        </p:txBody>
-      </p:sp>
-      <p:sp>
-        <p:nvSpPr>
-          <p:cNvPr id="21" name="Rettangolo arrotondato 20"/>
-          <p:cNvSpPr/>
-          <p:nvPr/>
-        </p:nvSpPr>
-        <p:spPr>
-          <a:xfrm>
-            <a:off x="2643174" y="5715016"/>
-            <a:ext cx="4357718" cy="500066"/>
-          </a:xfrm>
-          <a:prstGeom prst="roundRect">
-            <a:avLst/>
-          </a:prstGeom>
-        </p:spPr>
-        <p:style>
-          <a:lnRef idx="1">
-            <a:schemeClr val="dk1"/>
-          </a:lnRef>
-          <a:fillRef idx="2">
-            <a:schemeClr val="dk1"/>
-          </a:fillRef>
-          <a:effectRef idx="1">
-            <a:schemeClr val="dk1"/>
-          </a:effectRef>
-          <a:fontRef idx="minor">
-            <a:schemeClr val="dk1"/>
-          </a:fontRef>
-        </p:style>
-        <p:txBody>
-          <a:bodyPr rtlCol="0" anchor="ctr"/>
-          <a:lstStyle/>
-          <a:p>
-            <a:pPr algn="ctr"/>
-            <a:r>
-              <a:rPr lang="en-US" b="1" dirty="0" err="1" smtClean="0"/>
-              <a:t>Persistance</a:t>
-            </a:r>
-            <a:endParaRPr lang="it-IT" b="1" dirty="0"/>
-          </a:p>
-        </p:txBody>
-      </p:sp>
-      <p:sp>
-        <p:nvSpPr>
-          <p:cNvPr id="22" name="Disco magnetico 21"/>
-          <p:cNvSpPr/>
-          <p:nvPr/>
-        </p:nvSpPr>
-        <p:spPr>
-          <a:xfrm>
-            <a:off x="7643834" y="5286388"/>
-            <a:ext cx="928694" cy="1000132"/>
-          </a:xfrm>
-          <a:prstGeom prst="flowChartMagneticDisk">
-            <a:avLst/>
-          </a:prstGeom>
-        </p:spPr>
-        <p:style>
-          <a:lnRef idx="1">
-            <a:schemeClr val="dk1"/>
-          </a:lnRef>
-          <a:fillRef idx="2">
-            <a:schemeClr val="dk1"/>
-          </a:fillRef>
-          <a:effectRef idx="1">
-            <a:schemeClr val="dk1"/>
-          </a:effectRef>
-          <a:fontRef idx="minor">
-            <a:schemeClr val="dk1"/>
-          </a:fontRef>
-        </p:style>
-        <p:txBody>
-          <a:bodyPr rtlCol="0" anchor="ctr"/>
-          <a:lstStyle/>
-          <a:p>
-            <a:pPr algn="ctr"/>
-            <a:r>
-              <a:rPr lang="en-US" b="1" dirty="0" smtClean="0"/>
-              <a:t>File</a:t>
-            </a:r>
-          </a:p>
-          <a:p>
-            <a:pPr algn="ctr"/>
-            <a:r>
-              <a:rPr lang="en-US" b="1" dirty="0" smtClean="0"/>
-              <a:t>System</a:t>
-            </a:r>
-            <a:endParaRPr lang="it-IT" b="1" dirty="0"/>
-          </a:p>
-        </p:txBody>
-      </p:sp>
-      <p:sp>
-        <p:nvSpPr>
-          <p:cNvPr id="24" name="Rettangolo arrotondato 23"/>
-          <p:cNvSpPr/>
-          <p:nvPr/>
-        </p:nvSpPr>
-        <p:spPr>
-          <a:xfrm>
-            <a:off x="7358082" y="1000108"/>
-            <a:ext cx="642942" cy="4000528"/>
-          </a:xfrm>
-          <a:prstGeom prst="roundRect">
-            <a:avLst/>
-          </a:prstGeom>
-        </p:spPr>
-        <p:style>
-          <a:lnRef idx="1">
-            <a:schemeClr val="accent4"/>
-          </a:lnRef>
-          <a:fillRef idx="2">
-            <a:schemeClr val="accent4"/>
-          </a:fillRef>
-          <a:effectRef idx="1">
-            <a:schemeClr val="accent4"/>
-          </a:effectRef>
-          <a:fontRef idx="minor">
-            <a:schemeClr val="dk1"/>
-          </a:fontRef>
-        </p:style>
-        <p:txBody>
-          <a:bodyPr vert="wordArtVert" rtlCol="0" anchor="ctr"/>
-          <a:lstStyle/>
-          <a:p>
-            <a:pPr algn="ctr"/>
-            <a:r>
-              <a:rPr lang="en-US" b="1" dirty="0" err="1" smtClean="0"/>
-              <a:t>Mappers</a:t>
-            </a:r>
-            <a:endParaRPr lang="it-IT" b="1" dirty="0"/>
-          </a:p>
-        </p:txBody>
-      </p:sp>
-      <p:cxnSp>
-        <p:nvCxnSpPr>
-          <p:cNvPr id="26" name="Connettore 2 25"/>
-          <p:cNvCxnSpPr>
-            <a:stCxn id="14" idx="0"/>
-            <a:endCxn id="20" idx="2"/>
-          </p:cNvCxnSpPr>
-          <p:nvPr/>
-        </p:nvCxnSpPr>
-        <p:spPr>
-          <a:xfrm rot="5400000" flipH="1" flipV="1">
-            <a:off x="5607851" y="1464455"/>
-            <a:ext cx="357190" cy="1588"/>
-          </a:xfrm>
-          <a:prstGeom prst="straightConnector1">
-            <a:avLst/>
-          </a:prstGeom>
-          <a:ln>
-            <a:tailEnd type="arrow"/>
-          </a:ln>
-        </p:spPr>
-        <p:style>
-          <a:lnRef idx="3">
-            <a:schemeClr val="dk1"/>
-          </a:lnRef>
-          <a:fillRef idx="0">
-            <a:schemeClr val="dk1"/>
-          </a:fillRef>
-          <a:effectRef idx="2">
-            <a:schemeClr val="dk1"/>
-          </a:effectRef>
-          <a:fontRef idx="minor">
-            <a:schemeClr val="tx1"/>
-          </a:fontRef>
-        </p:style>
-      </p:cxnSp>
-      <p:cxnSp>
-        <p:nvCxnSpPr>
-          <p:cNvPr id="28" name="Connettore 2 27"/>
-          <p:cNvCxnSpPr>
-            <a:stCxn id="14" idx="2"/>
-            <a:endCxn id="15" idx="0"/>
-          </p:cNvCxnSpPr>
-          <p:nvPr/>
-        </p:nvCxnSpPr>
-        <p:spPr>
-          <a:xfrm rot="5400000">
-            <a:off x="5607851" y="2464587"/>
-            <a:ext cx="357190" cy="1588"/>
-          </a:xfrm>
-          <a:prstGeom prst="straightConnector1">
-            <a:avLst/>
-          </a:prstGeom>
-          <a:ln>
-            <a:headEnd type="arrow"/>
-            <a:tailEnd type="arrow"/>
-          </a:ln>
-        </p:spPr>
-        <p:style>
-          <a:lnRef idx="2">
-            <a:schemeClr val="dk1"/>
-          </a:lnRef>
-          <a:fillRef idx="0">
-            <a:schemeClr val="dk1"/>
-          </a:fillRef>
-          <a:effectRef idx="1">
-            <a:schemeClr val="dk1"/>
-          </a:effectRef>
-          <a:fontRef idx="minor">
-            <a:schemeClr val="tx1"/>
-          </a:fontRef>
-        </p:style>
-      </p:cxnSp>
-      <p:cxnSp>
-        <p:nvCxnSpPr>
-          <p:cNvPr id="33" name="Connettore 2 32"/>
-          <p:cNvCxnSpPr>
-            <a:stCxn id="15" idx="2"/>
-          </p:cNvCxnSpPr>
-          <p:nvPr/>
-        </p:nvCxnSpPr>
-        <p:spPr>
-          <a:xfrm rot="5400000">
-            <a:off x="5643570" y="3143248"/>
-            <a:ext cx="285752" cy="1588"/>
-          </a:xfrm>
-          <a:prstGeom prst="straightConnector1">
-            <a:avLst/>
-          </a:prstGeom>
-          <a:ln>
-            <a:headEnd type="arrow"/>
-            <a:tailEnd type="arrow"/>
-          </a:ln>
-        </p:spPr>
-        <p:style>
-          <a:lnRef idx="2">
-            <a:schemeClr val="dk1"/>
-          </a:lnRef>
-          <a:fillRef idx="0">
-            <a:schemeClr val="dk1"/>
-          </a:fillRef>
-          <a:effectRef idx="1">
-            <a:schemeClr val="dk1"/>
-          </a:effectRef>
-          <a:fontRef idx="minor">
-            <a:schemeClr val="tx1"/>
-          </a:fontRef>
-        </p:style>
-      </p:cxnSp>
-      <p:cxnSp>
-        <p:nvCxnSpPr>
-          <p:cNvPr id="34" name="Connettore 2 33"/>
-          <p:cNvCxnSpPr/>
-          <p:nvPr/>
-        </p:nvCxnSpPr>
-        <p:spPr>
-          <a:xfrm rot="5400000">
-            <a:off x="5537207" y="4035429"/>
-            <a:ext cx="500066" cy="1588"/>
-          </a:xfrm>
-          <a:prstGeom prst="straightConnector1">
-            <a:avLst/>
-          </a:prstGeom>
-          <a:ln>
-            <a:headEnd type="arrow"/>
-            <a:tailEnd type="arrow"/>
-          </a:ln>
-        </p:spPr>
-        <p:style>
-          <a:lnRef idx="2">
-            <a:schemeClr val="dk1"/>
-          </a:lnRef>
-          <a:fillRef idx="0">
-            <a:schemeClr val="dk1"/>
-          </a:fillRef>
-          <a:effectRef idx="1">
-            <a:schemeClr val="dk1"/>
-          </a:effectRef>
-          <a:fontRef idx="minor">
-            <a:schemeClr val="tx1"/>
-          </a:fontRef>
-        </p:style>
-      </p:cxnSp>
-      <p:cxnSp>
-        <p:nvCxnSpPr>
-          <p:cNvPr id="36" name="Connettore 2 35"/>
-          <p:cNvCxnSpPr>
-            <a:stCxn id="17" idx="0"/>
-          </p:cNvCxnSpPr>
-          <p:nvPr/>
-        </p:nvCxnSpPr>
-        <p:spPr>
-          <a:xfrm rot="16200000" flipV="1">
-            <a:off x="4171149" y="3635371"/>
-            <a:ext cx="1297396" cy="4373"/>
-          </a:xfrm>
-          <a:prstGeom prst="straightConnector1">
-            <a:avLst/>
-          </a:prstGeom>
-          <a:ln>
-            <a:headEnd type="arrow"/>
-            <a:tailEnd type="arrow"/>
-          </a:ln>
-        </p:spPr>
-        <p:style>
-          <a:lnRef idx="3">
-            <a:schemeClr val="dk1"/>
-          </a:lnRef>
-          <a:fillRef idx="0">
-            <a:schemeClr val="dk1"/>
-          </a:fillRef>
-          <a:effectRef idx="2">
-            <a:schemeClr val="dk1"/>
-          </a:effectRef>
-          <a:fontRef idx="minor">
-            <a:schemeClr val="tx1"/>
-          </a:fontRef>
-        </p:style>
-      </p:cxnSp>
-      <p:cxnSp>
-        <p:nvCxnSpPr>
-          <p:cNvPr id="43" name="Connettore 4 42"/>
-          <p:cNvCxnSpPr>
-            <a:stCxn id="17" idx="1"/>
-            <a:endCxn id="21" idx="1"/>
-          </p:cNvCxnSpPr>
-          <p:nvPr/>
-        </p:nvCxnSpPr>
-        <p:spPr>
-          <a:xfrm rot="10800000" flipV="1">
-            <a:off x="2643174" y="4464851"/>
-            <a:ext cx="1588" cy="1500198"/>
-          </a:xfrm>
-          <a:prstGeom prst="bentConnector3">
-            <a:avLst>
-              <a:gd name="adj1" fmla="val 14395466"/>
-            </a:avLst>
-          </a:prstGeom>
-          <a:ln>
-            <a:headEnd type="arrow"/>
-            <a:tailEnd type="arrow"/>
-          </a:ln>
-        </p:spPr>
-        <p:style>
-          <a:lnRef idx="2">
-            <a:schemeClr val="dk1"/>
-          </a:lnRef>
-          <a:fillRef idx="0">
-            <a:schemeClr val="dk1"/>
-          </a:fillRef>
-          <a:effectRef idx="1">
-            <a:schemeClr val="dk1"/>
-          </a:effectRef>
-          <a:fontRef idx="minor">
-            <a:schemeClr val="tx1"/>
-          </a:fontRef>
-        </p:style>
-      </p:cxnSp>
-      <p:cxnSp>
-        <p:nvCxnSpPr>
-          <p:cNvPr id="45" name="Connettore 2 44"/>
-          <p:cNvCxnSpPr>
-            <a:stCxn id="17" idx="2"/>
-            <a:endCxn id="19" idx="0"/>
-          </p:cNvCxnSpPr>
-          <p:nvPr/>
-        </p:nvCxnSpPr>
-        <p:spPr>
-          <a:xfrm rot="5400000">
-            <a:off x="4643438" y="4822041"/>
-            <a:ext cx="357190" cy="1588"/>
-          </a:xfrm>
-          <a:prstGeom prst="straightConnector1">
-            <a:avLst/>
-          </a:prstGeom>
-          <a:ln>
-            <a:headEnd type="arrow"/>
-            <a:tailEnd type="arrow"/>
-          </a:ln>
-        </p:spPr>
-        <p:style>
-          <a:lnRef idx="2">
-            <a:schemeClr val="dk1"/>
-          </a:lnRef>
-          <a:fillRef idx="0">
-            <a:schemeClr val="dk1"/>
-          </a:fillRef>
-          <a:effectRef idx="1">
-            <a:schemeClr val="dk1"/>
-          </a:effectRef>
-          <a:fontRef idx="minor">
-            <a:schemeClr val="tx1"/>
-          </a:fontRef>
-        </p:style>
-      </p:cxnSp>
-      <p:cxnSp>
-        <p:nvCxnSpPr>
-          <p:cNvPr id="57" name="Connettore 2 56"/>
-          <p:cNvCxnSpPr/>
-          <p:nvPr/>
-        </p:nvCxnSpPr>
-        <p:spPr>
-          <a:xfrm rot="5400000" flipH="1" flipV="1">
-            <a:off x="4179091" y="2035959"/>
-            <a:ext cx="1214446" cy="1588"/>
-          </a:xfrm>
-          <a:prstGeom prst="straightConnector1">
-            <a:avLst/>
-          </a:prstGeom>
-          <a:ln>
-            <a:tailEnd type="arrow"/>
-          </a:ln>
-        </p:spPr>
-        <p:style>
-          <a:lnRef idx="3">
-            <a:schemeClr val="dk1"/>
-          </a:lnRef>
-          <a:fillRef idx="0">
-            <a:schemeClr val="dk1"/>
-          </a:fillRef>
-          <a:effectRef idx="2">
-            <a:schemeClr val="dk1"/>
-          </a:effectRef>
-          <a:fontRef idx="minor">
-            <a:schemeClr val="tx1"/>
-          </a:fontRef>
-        </p:style>
-      </p:cxnSp>
-      <p:cxnSp>
-        <p:nvCxnSpPr>
-          <p:cNvPr id="59" name="Connettore 2 58"/>
-          <p:cNvCxnSpPr>
-            <a:stCxn id="15" idx="3"/>
-          </p:cNvCxnSpPr>
-          <p:nvPr/>
-        </p:nvCxnSpPr>
-        <p:spPr>
-          <a:xfrm flipV="1">
-            <a:off x="7000892" y="2428868"/>
-            <a:ext cx="357190" cy="392909"/>
-          </a:xfrm>
-          <a:prstGeom prst="straightConnector1">
-            <a:avLst/>
-          </a:prstGeom>
-          <a:ln>
-            <a:headEnd type="arrow"/>
-            <a:tailEnd type="arrow"/>
-          </a:ln>
-        </p:spPr>
-        <p:style>
-          <a:lnRef idx="2">
-            <a:schemeClr val="dk1"/>
-          </a:lnRef>
-          <a:fillRef idx="0">
-            <a:schemeClr val="dk1"/>
-          </a:fillRef>
-          <a:effectRef idx="1">
-            <a:schemeClr val="dk1"/>
-          </a:effectRef>
-          <a:fontRef idx="minor">
-            <a:schemeClr val="tx1"/>
-          </a:fontRef>
-        </p:style>
-      </p:cxnSp>
-      <p:cxnSp>
-        <p:nvCxnSpPr>
-          <p:cNvPr id="62" name="Connettore 2 61"/>
-          <p:cNvCxnSpPr>
-            <a:stCxn id="17" idx="3"/>
-          </p:cNvCxnSpPr>
-          <p:nvPr/>
-        </p:nvCxnSpPr>
-        <p:spPr>
-          <a:xfrm flipV="1">
-            <a:off x="7000892" y="4000504"/>
-            <a:ext cx="357190" cy="464347"/>
-          </a:xfrm>
-          <a:prstGeom prst="straightConnector1">
-            <a:avLst/>
-          </a:prstGeom>
-          <a:ln>
-            <a:headEnd type="arrow"/>
-            <a:tailEnd type="arrow"/>
-          </a:ln>
-        </p:spPr>
-        <p:style>
-          <a:lnRef idx="2">
-            <a:schemeClr val="dk1"/>
-          </a:lnRef>
-          <a:fillRef idx="0">
-            <a:schemeClr val="dk1"/>
-          </a:fillRef>
-          <a:effectRef idx="1">
-            <a:schemeClr val="dk1"/>
-          </a:effectRef>
-          <a:fontRef idx="minor">
-            <a:schemeClr val="tx1"/>
-          </a:fontRef>
-        </p:style>
-      </p:cxnSp>
-      <p:cxnSp>
-        <p:nvCxnSpPr>
-          <p:cNvPr id="65" name="Connettore 2 64"/>
-          <p:cNvCxnSpPr>
-            <a:endCxn id="19" idx="3"/>
-          </p:cNvCxnSpPr>
-          <p:nvPr/>
-        </p:nvCxnSpPr>
-        <p:spPr>
-          <a:xfrm rot="5400000">
-            <a:off x="6893735" y="4822041"/>
-            <a:ext cx="571504" cy="357190"/>
-          </a:xfrm>
-          <a:prstGeom prst="straightConnector1">
-            <a:avLst/>
-          </a:prstGeom>
-          <a:ln>
-            <a:prstDash val="dash"/>
-            <a:tailEnd type="arrow"/>
-          </a:ln>
-        </p:spPr>
-        <p:style>
-          <a:lnRef idx="2">
-            <a:schemeClr val="dk1"/>
-          </a:lnRef>
-          <a:fillRef idx="0">
-            <a:schemeClr val="dk1"/>
-          </a:fillRef>
-          <a:effectRef idx="1">
-            <a:schemeClr val="dk1"/>
-          </a:effectRef>
-          <a:fontRef idx="minor">
-            <a:schemeClr val="tx1"/>
-          </a:fontRef>
-        </p:style>
-      </p:cxnSp>
-      <p:cxnSp>
-        <p:nvCxnSpPr>
-          <p:cNvPr id="66" name="Connettore 2 65"/>
-          <p:cNvCxnSpPr>
-            <a:endCxn id="13" idx="3"/>
-          </p:cNvCxnSpPr>
-          <p:nvPr/>
-        </p:nvCxnSpPr>
-        <p:spPr>
-          <a:xfrm rot="16200000" flipV="1">
-            <a:off x="6715140" y="785794"/>
-            <a:ext cx="785818" cy="500066"/>
-          </a:xfrm>
-          <a:prstGeom prst="straightConnector1">
-            <a:avLst/>
-          </a:prstGeom>
-          <a:ln>
-            <a:prstDash val="dash"/>
-            <a:tailEnd type="arrow"/>
-          </a:ln>
-        </p:spPr>
-        <p:style>
-          <a:lnRef idx="2">
-            <a:schemeClr val="dk1"/>
-          </a:lnRef>
-          <a:fillRef idx="0">
-            <a:schemeClr val="dk1"/>
-          </a:fillRef>
-          <a:effectRef idx="1">
-            <a:schemeClr val="dk1"/>
-          </a:effectRef>
-          <a:fontRef idx="minor">
-            <a:schemeClr val="tx1"/>
-          </a:fontRef>
-        </p:style>
-      </p:cxnSp>
-      <p:cxnSp>
-        <p:nvCxnSpPr>
-          <p:cNvPr id="70" name="Connettore 2 69"/>
-          <p:cNvCxnSpPr>
-            <a:stCxn id="21" idx="3"/>
-          </p:cNvCxnSpPr>
-          <p:nvPr/>
-        </p:nvCxnSpPr>
-        <p:spPr>
-          <a:xfrm flipV="1">
-            <a:off x="7000892" y="5964072"/>
-            <a:ext cx="669150" cy="977"/>
-          </a:xfrm>
-          <a:prstGeom prst="straightConnector1">
-            <a:avLst/>
-          </a:prstGeom>
-          <a:ln>
-            <a:headEnd type="arrow"/>
-            <a:tailEnd type="arrow"/>
-          </a:ln>
-        </p:spPr>
-        <p:style>
-          <a:lnRef idx="2">
-            <a:schemeClr val="dk1"/>
-          </a:lnRef>
-          <a:fillRef idx="0">
-            <a:schemeClr val="dk1"/>
-          </a:fillRef>
-          <a:effectRef idx="1">
-            <a:schemeClr val="dk1"/>
-          </a:effectRef>
-          <a:fontRef idx="minor">
-            <a:schemeClr val="tx1"/>
-          </a:fontRef>
-        </p:style>
-      </p:cxnSp>
-      <p:sp>
-        <p:nvSpPr>
-          <p:cNvPr id="73" name="Rettangolo arrotondato 72"/>
-          <p:cNvSpPr/>
-          <p:nvPr/>
-        </p:nvSpPr>
-        <p:spPr>
-          <a:xfrm>
-            <a:off x="2357422" y="3071810"/>
-            <a:ext cx="1714512" cy="714380"/>
-          </a:xfrm>
-          <a:prstGeom prst="roundRect">
-            <a:avLst/>
-          </a:prstGeom>
-        </p:spPr>
-        <p:style>
-          <a:lnRef idx="1">
-            <a:schemeClr val="accent4"/>
-          </a:lnRef>
-          <a:fillRef idx="2">
-            <a:schemeClr val="accent4"/>
-          </a:fillRef>
-          <a:effectRef idx="1">
-            <a:schemeClr val="accent4"/>
-          </a:effectRef>
-          <a:fontRef idx="minor">
-            <a:schemeClr val="dk1"/>
-          </a:fontRef>
-        </p:style>
-        <p:txBody>
-          <a:bodyPr rtlCol="0" anchor="ctr"/>
-          <a:lstStyle/>
-          <a:p>
-            <a:pPr algn="ctr"/>
-            <a:r>
-              <a:rPr lang="en-US" b="1" dirty="0" smtClean="0"/>
-              <a:t>Property </a:t>
-            </a:r>
-            <a:r>
-              <a:rPr lang="en-US" b="1" dirty="0" err="1" smtClean="0"/>
-              <a:t>Controlers</a:t>
-            </a:r>
-            <a:endParaRPr lang="it-IT" b="1" dirty="0"/>
-          </a:p>
-        </p:txBody>
-      </p:sp>
-      <p:sp>
-        <p:nvSpPr>
-          <p:cNvPr id="74" name="Rettangolo arrotondato 73"/>
-          <p:cNvSpPr/>
-          <p:nvPr/>
-        </p:nvSpPr>
-        <p:spPr>
-          <a:xfrm>
-            <a:off x="2571736" y="1714488"/>
-            <a:ext cx="1285884" cy="642942"/>
-          </a:xfrm>
-          <a:prstGeom prst="roundRect">
-            <a:avLst/>
-          </a:prstGeom>
-        </p:spPr>
-        <p:style>
-          <a:lnRef idx="0">
-            <a:schemeClr val="accent1"/>
-          </a:lnRef>
-          <a:fillRef idx="3">
-            <a:schemeClr val="accent1"/>
-          </a:fillRef>
-          <a:effectRef idx="3">
-            <a:schemeClr val="accent1"/>
-          </a:effectRef>
-          <a:fontRef idx="minor">
-            <a:schemeClr val="lt1"/>
-          </a:fontRef>
-        </p:style>
-        <p:txBody>
-          <a:bodyPr rtlCol="0" anchor="ctr"/>
-          <a:lstStyle/>
-          <a:p>
-            <a:pPr algn="ctr"/>
-            <a:r>
-              <a:rPr lang="en-US" b="1" dirty="0" smtClean="0">
-                <a:solidFill>
-                  <a:schemeClr val="bg1"/>
-                </a:solidFill>
-              </a:rPr>
-              <a:t>Tree Model</a:t>
-            </a:r>
-            <a:endParaRPr lang="it-IT" b="1" dirty="0">
-              <a:solidFill>
-                <a:schemeClr val="bg1"/>
-              </a:solidFill>
-            </a:endParaRPr>
-          </a:p>
-        </p:txBody>
-      </p:sp>
-      <p:cxnSp>
-        <p:nvCxnSpPr>
-          <p:cNvPr id="76" name="Connettore 2 75"/>
-          <p:cNvCxnSpPr>
-            <a:stCxn id="74" idx="0"/>
-            <a:endCxn id="11" idx="1"/>
-          </p:cNvCxnSpPr>
-          <p:nvPr/>
-        </p:nvCxnSpPr>
-        <p:spPr>
-          <a:xfrm rot="5400000" flipH="1" flipV="1">
-            <a:off x="3000364" y="1500174"/>
-            <a:ext cx="428628" cy="1588"/>
-          </a:xfrm>
-          <a:prstGeom prst="straightConnector1">
-            <a:avLst/>
-          </a:prstGeom>
-          <a:ln>
-            <a:tailEnd type="arrow"/>
-          </a:ln>
-        </p:spPr>
-        <p:style>
-          <a:lnRef idx="2">
-            <a:schemeClr val="dk1"/>
-          </a:lnRef>
-          <a:fillRef idx="0">
-            <a:schemeClr val="dk1"/>
-          </a:fillRef>
-          <a:effectRef idx="1">
-            <a:schemeClr val="dk1"/>
-          </a:effectRef>
-          <a:fontRef idx="minor">
-            <a:schemeClr val="tx1"/>
-          </a:fontRef>
-        </p:style>
-      </p:cxnSp>
-      <p:cxnSp>
-        <p:nvCxnSpPr>
-          <p:cNvPr id="83" name="Connettore 2 82"/>
-          <p:cNvCxnSpPr>
-            <a:stCxn id="74" idx="2"/>
-            <a:endCxn id="73" idx="0"/>
-          </p:cNvCxnSpPr>
-          <p:nvPr/>
-        </p:nvCxnSpPr>
-        <p:spPr>
-          <a:xfrm rot="5400000">
-            <a:off x="2857488" y="2714620"/>
-            <a:ext cx="714380" cy="1588"/>
-          </a:xfrm>
-          <a:prstGeom prst="straightConnector1">
-            <a:avLst/>
-          </a:prstGeom>
-          <a:ln>
-            <a:headEnd type="arrow"/>
-            <a:tailEnd type="arrow"/>
-          </a:ln>
-        </p:spPr>
-        <p:style>
-          <a:lnRef idx="3">
-            <a:schemeClr val="dk1"/>
-          </a:lnRef>
-          <a:fillRef idx="0">
-            <a:schemeClr val="dk1"/>
-          </a:fillRef>
-          <a:effectRef idx="2">
-            <a:schemeClr val="dk1"/>
-          </a:effectRef>
-          <a:fontRef idx="minor">
-            <a:schemeClr val="tx1"/>
-          </a:fontRef>
-        </p:style>
-      </p:cxnSp>
-      <p:cxnSp>
-        <p:nvCxnSpPr>
-          <p:cNvPr id="85" name="Connettore 4 84"/>
-          <p:cNvCxnSpPr>
-            <a:stCxn id="73" idx="3"/>
-            <a:endCxn id="15" idx="1"/>
-          </p:cNvCxnSpPr>
-          <p:nvPr/>
-        </p:nvCxnSpPr>
-        <p:spPr>
-          <a:xfrm flipV="1">
-            <a:off x="4071934" y="2821777"/>
-            <a:ext cx="500066" cy="607223"/>
-          </a:xfrm>
-          <a:prstGeom prst="bentConnector3">
-            <a:avLst>
-              <a:gd name="adj1" fmla="val 50000"/>
-            </a:avLst>
-          </a:prstGeom>
-          <a:ln>
-            <a:prstDash val="dash"/>
-            <a:tailEnd type="arrow"/>
-          </a:ln>
-        </p:spPr>
-        <p:style>
-          <a:lnRef idx="2">
-            <a:schemeClr val="dk1"/>
-          </a:lnRef>
-          <a:fillRef idx="0">
-            <a:schemeClr val="dk1"/>
-          </a:fillRef>
-          <a:effectRef idx="1">
-            <a:schemeClr val="dk1"/>
-          </a:effectRef>
-          <a:fontRef idx="minor">
-            <a:schemeClr val="tx1"/>
-          </a:fontRef>
-        </p:style>
-      </p:cxnSp>
-      <p:sp>
-        <p:nvSpPr>
-          <p:cNvPr id="89" name="Rettangolo arrotondato 88"/>
-          <p:cNvSpPr/>
-          <p:nvPr/>
-        </p:nvSpPr>
-        <p:spPr>
-          <a:xfrm>
-            <a:off x="7929586" y="1714488"/>
-            <a:ext cx="928694" cy="3286148"/>
-          </a:xfrm>
-          <a:prstGeom prst="roundRect">
-            <a:avLst/>
-          </a:prstGeom>
-        </p:spPr>
-        <p:style>
-          <a:lnRef idx="3">
-            <a:schemeClr val="lt1"/>
-          </a:lnRef>
-          <a:fillRef idx="1">
-            <a:schemeClr val="accent6"/>
-          </a:fillRef>
-          <a:effectRef idx="1">
-            <a:schemeClr val="accent6"/>
-          </a:effectRef>
-          <a:fontRef idx="minor">
-            <a:schemeClr val="lt1"/>
-          </a:fontRef>
-        </p:style>
-        <p:txBody>
-          <a:bodyPr vert="wordArtVert" rtlCol="0" anchor="ctr"/>
-          <a:lstStyle/>
-          <a:p>
-            <a:pPr algn="ctr"/>
-            <a:r>
-              <a:rPr lang="en-US" b="1" dirty="0" err="1" smtClean="0"/>
-              <a:t>Plugin</a:t>
-            </a:r>
-            <a:r>
-              <a:rPr lang="en-US" b="1" dirty="0" smtClean="0"/>
-              <a:t> Framework</a:t>
-            </a:r>
-            <a:endParaRPr lang="it-IT" b="1" dirty="0"/>
-          </a:p>
-        </p:txBody>
-      </p:sp>
-      <p:sp>
-        <p:nvSpPr>
-          <p:cNvPr id="91" name="Rettangolo arrotondato 90"/>
-          <p:cNvSpPr/>
-          <p:nvPr/>
-        </p:nvSpPr>
-        <p:spPr>
-          <a:xfrm>
-            <a:off x="8196725" y="1017184"/>
-            <a:ext cx="785818" cy="428628"/>
-          </a:xfrm>
-          <a:prstGeom prst="roundRect">
-            <a:avLst/>
-          </a:prstGeom>
-        </p:spPr>
-        <p:style>
-          <a:lnRef idx="1">
-            <a:schemeClr val="accent6"/>
-          </a:lnRef>
-          <a:fillRef idx="2">
-            <a:schemeClr val="accent6"/>
-          </a:fillRef>
-          <a:effectRef idx="1">
-            <a:schemeClr val="accent6"/>
-          </a:effectRef>
-          <a:fontRef idx="minor">
-            <a:schemeClr val="dk1"/>
-          </a:fontRef>
-        </p:style>
-        <p:txBody>
-          <a:bodyPr rtlCol="0" anchor="ctr"/>
-          <a:lstStyle/>
-          <a:p>
-            <a:pPr algn="ctr"/>
-            <a:endParaRPr lang="it-IT" dirty="0"/>
-          </a:p>
-        </p:txBody>
-      </p:sp>
-      <p:sp>
-        <p:nvSpPr>
-          <p:cNvPr id="90" name="Rettangolo arrotondato 89"/>
-          <p:cNvSpPr/>
-          <p:nvPr/>
-        </p:nvSpPr>
-        <p:spPr>
-          <a:xfrm>
-            <a:off x="8044325" y="1160060"/>
-            <a:ext cx="785818" cy="428628"/>
-          </a:xfrm>
-          <a:prstGeom prst="roundRect">
-            <a:avLst/>
-          </a:prstGeom>
-        </p:spPr>
-        <p:style>
-          <a:lnRef idx="1">
-            <a:schemeClr val="accent6"/>
-          </a:lnRef>
-          <a:fillRef idx="2">
-            <a:schemeClr val="accent6"/>
-          </a:fillRef>
-          <a:effectRef idx="1">
-            <a:schemeClr val="accent6"/>
-          </a:effectRef>
-          <a:fontRef idx="minor">
-            <a:schemeClr val="dk1"/>
-          </a:fontRef>
-        </p:style>
-        <p:txBody>
-          <a:bodyPr rtlCol="0" anchor="ctr"/>
-          <a:lstStyle/>
-          <a:p>
-            <a:pPr algn="ctr"/>
-            <a:r>
-              <a:rPr lang="en-US" b="1" dirty="0" smtClean="0"/>
-              <a:t>Proxy</a:t>
-            </a:r>
-            <a:endParaRPr lang="it-IT" b="1" dirty="0"/>
-          </a:p>
-        </p:txBody>
-      </p:sp>
-      <p:sp>
-        <p:nvSpPr>
-          <p:cNvPr id="92" name="Arrotonda angolo diagonale rettangolo 91"/>
-          <p:cNvSpPr/>
-          <p:nvPr/>
-        </p:nvSpPr>
-        <p:spPr>
-          <a:xfrm>
-            <a:off x="7072330" y="142852"/>
-            <a:ext cx="928694" cy="357190"/>
-          </a:xfrm>
-          <a:prstGeom prst="round2DiagRect">
-            <a:avLst/>
-          </a:prstGeom>
-        </p:spPr>
-        <p:style>
-          <a:lnRef idx="0">
-            <a:schemeClr val="accent6"/>
-          </a:lnRef>
-          <a:fillRef idx="3">
-            <a:schemeClr val="accent6"/>
-          </a:fillRef>
-          <a:effectRef idx="3">
-            <a:schemeClr val="accent6"/>
-          </a:effectRef>
-          <a:fontRef idx="minor">
-            <a:schemeClr val="lt1"/>
-          </a:fontRef>
-        </p:style>
-        <p:txBody>
-          <a:bodyPr rtlCol="0" anchor="ctr"/>
-          <a:lstStyle/>
-          <a:p>
-            <a:pPr algn="ctr"/>
-            <a:r>
-              <a:rPr lang="en-US" b="1" dirty="0" err="1" smtClean="0">
-                <a:solidFill>
-                  <a:schemeClr val="tx1"/>
-                </a:solidFill>
-              </a:rPr>
-              <a:t>Plugin</a:t>
-            </a:r>
-            <a:endParaRPr lang="it-IT" b="1" dirty="0">
-              <a:solidFill>
-                <a:schemeClr val="tx1"/>
-              </a:solidFill>
-            </a:endParaRPr>
-          </a:p>
-        </p:txBody>
-      </p:sp>
-      <p:sp>
-        <p:nvSpPr>
-          <p:cNvPr id="93" name="Arrotonda angolo diagonale rettangolo 92"/>
-          <p:cNvSpPr/>
-          <p:nvPr/>
-        </p:nvSpPr>
-        <p:spPr>
-          <a:xfrm>
-            <a:off x="8215306" y="0"/>
-            <a:ext cx="928694" cy="357190"/>
-          </a:xfrm>
-          <a:prstGeom prst="round2DiagRect">
-            <a:avLst/>
-          </a:prstGeom>
-        </p:spPr>
-        <p:style>
-          <a:lnRef idx="0">
-            <a:schemeClr val="accent6"/>
-          </a:lnRef>
-          <a:fillRef idx="3">
-            <a:schemeClr val="accent6"/>
-          </a:fillRef>
-          <a:effectRef idx="3">
-            <a:schemeClr val="accent6"/>
-          </a:effectRef>
-          <a:fontRef idx="minor">
-            <a:schemeClr val="lt1"/>
-          </a:fontRef>
-        </p:style>
-        <p:txBody>
-          <a:bodyPr rtlCol="0" anchor="ctr"/>
-          <a:lstStyle/>
-          <a:p>
-            <a:pPr algn="ctr"/>
-            <a:r>
-              <a:rPr lang="en-US" b="1" dirty="0" err="1" smtClean="0">
-                <a:solidFill>
-                  <a:schemeClr val="tx1"/>
-                </a:solidFill>
-              </a:rPr>
-              <a:t>Plugin</a:t>
-            </a:r>
-            <a:endParaRPr lang="it-IT" b="1" dirty="0">
-              <a:solidFill>
-                <a:schemeClr val="tx1"/>
-              </a:solidFill>
-            </a:endParaRPr>
-          </a:p>
-        </p:txBody>
-      </p:sp>
-      <p:cxnSp>
-        <p:nvCxnSpPr>
-          <p:cNvPr id="95" name="Connettore 7 94"/>
-          <p:cNvCxnSpPr>
-            <a:stCxn id="92" idx="1"/>
-            <a:endCxn id="90" idx="0"/>
-          </p:cNvCxnSpPr>
-          <p:nvPr/>
-        </p:nvCxnSpPr>
-        <p:spPr>
-          <a:xfrm rot="16200000" flipH="1">
-            <a:off x="7656946" y="379772"/>
-            <a:ext cx="660018" cy="900557"/>
-          </a:xfrm>
-          <a:prstGeom prst="curvedConnector3">
-            <a:avLst>
-              <a:gd name="adj1" fmla="val 50000"/>
-            </a:avLst>
-          </a:prstGeom>
-          <a:ln>
-            <a:prstDash val="solid"/>
-            <a:tailEnd type="oval"/>
-          </a:ln>
-        </p:spPr>
-        <p:style>
-          <a:lnRef idx="2">
-            <a:schemeClr val="dk1"/>
-          </a:lnRef>
-          <a:fillRef idx="0">
-            <a:schemeClr val="dk1"/>
-          </a:fillRef>
-          <a:effectRef idx="1">
-            <a:schemeClr val="dk1"/>
-          </a:effectRef>
-          <a:fontRef idx="minor">
-            <a:schemeClr val="tx1"/>
-          </a:fontRef>
-        </p:style>
-      </p:cxnSp>
-      <p:cxnSp>
-        <p:nvCxnSpPr>
-          <p:cNvPr id="97" name="Connettore 7 96"/>
-          <p:cNvCxnSpPr>
-            <a:stCxn id="91" idx="0"/>
-            <a:endCxn id="93" idx="1"/>
-          </p:cNvCxnSpPr>
-          <p:nvPr/>
-        </p:nvCxnSpPr>
-        <p:spPr>
-          <a:xfrm rot="5400000" flipH="1" flipV="1">
-            <a:off x="8304646" y="642178"/>
-            <a:ext cx="659994" cy="90019"/>
-          </a:xfrm>
-          <a:prstGeom prst="curvedConnector3">
-            <a:avLst>
-              <a:gd name="adj1" fmla="val 50000"/>
-            </a:avLst>
-          </a:prstGeom>
-          <a:ln>
-            <a:prstDash val="solid"/>
-            <a:headEnd type="oval"/>
-            <a:tailEnd type="none"/>
-          </a:ln>
-        </p:spPr>
-        <p:style>
-          <a:lnRef idx="2">
-            <a:schemeClr val="dk1"/>
-          </a:lnRef>
-          <a:fillRef idx="0">
-            <a:schemeClr val="dk1"/>
-          </a:fillRef>
-          <a:effectRef idx="1">
-            <a:schemeClr val="dk1"/>
-          </a:effectRef>
-          <a:fontRef idx="minor">
-            <a:schemeClr val="tx1"/>
-          </a:fontRef>
-        </p:style>
-      </p:cxnSp>
-      <p:cxnSp>
-        <p:nvCxnSpPr>
-          <p:cNvPr id="103" name="Connettore 1 102"/>
-          <p:cNvCxnSpPr>
-            <a:stCxn id="90" idx="2"/>
-            <a:endCxn id="89" idx="0"/>
-          </p:cNvCxnSpPr>
-          <p:nvPr/>
-        </p:nvCxnSpPr>
-        <p:spPr>
-          <a:xfrm rot="5400000">
-            <a:off x="8352684" y="1629938"/>
-            <a:ext cx="125800" cy="43301"/>
-          </a:xfrm>
-          <a:prstGeom prst="line">
-            <a:avLst/>
-          </a:prstGeom>
-        </p:spPr>
-        <p:style>
-          <a:lnRef idx="3">
-            <a:schemeClr val="dk1"/>
-          </a:lnRef>
-          <a:fillRef idx="0">
-            <a:schemeClr val="dk1"/>
-          </a:fillRef>
-          <a:effectRef idx="2">
-            <a:schemeClr val="dk1"/>
-          </a:effectRef>
-          <a:fontRef idx="minor">
-            <a:schemeClr val="tx1"/>
-          </a:fontRef>
-        </p:style>
-      </p:cxnSp>
-      <p:sp>
-        <p:nvSpPr>
-          <p:cNvPr id="104" name="CasellaDiTesto 103"/>
-          <p:cNvSpPr txBox="1"/>
-          <p:nvPr/>
-        </p:nvSpPr>
-        <p:spPr>
-          <a:xfrm>
-            <a:off x="0" y="500042"/>
-            <a:ext cx="2285984" cy="954107"/>
-          </a:xfrm>
-          <a:prstGeom prst="rect">
-            <a:avLst/>
-          </a:prstGeom>
-          <a:noFill/>
-        </p:spPr>
-        <p:txBody>
-          <a:bodyPr wrap="square" rtlCol="0">
-            <a:spAutoFit/>
-          </a:bodyPr>
-          <a:lstStyle/>
-          <a:p>
-            <a:pPr algn="ctr"/>
-            <a:r>
-              <a:rPr lang="en-US" sz="2800" dirty="0" err="1" smtClean="0"/>
-              <a:t>Componenti</a:t>
-            </a:r>
-            <a:r>
-              <a:rPr lang="en-US" sz="2800" dirty="0" smtClean="0"/>
-              <a:t> </a:t>
-            </a:r>
-          </a:p>
-          <a:p>
-            <a:pPr algn="ctr"/>
-            <a:r>
-              <a:rPr lang="en-US" sz="2800" dirty="0" err="1" smtClean="0"/>
-              <a:t>VisualNetkit</a:t>
-            </a:r>
-            <a:endParaRPr lang="it-IT" sz="2800" dirty="0"/>
-          </a:p>
-        </p:txBody>
-      </p:sp>
-      <p:sp>
-        <p:nvSpPr>
-          <p:cNvPr id="105" name="CasellaDiTesto 104"/>
-          <p:cNvSpPr txBox="1"/>
-          <p:nvPr/>
-        </p:nvSpPr>
-        <p:spPr>
-          <a:xfrm>
-            <a:off x="0" y="1571612"/>
-            <a:ext cx="2285983" cy="707886"/>
-          </a:xfrm>
-          <a:prstGeom prst="rect">
-            <a:avLst/>
-          </a:prstGeom>
-          <a:noFill/>
-        </p:spPr>
-        <p:txBody>
-          <a:bodyPr wrap="square" rtlCol="0">
-            <a:spAutoFit/>
-          </a:bodyPr>
-          <a:lstStyle/>
-          <a:p>
-            <a:pPr marL="342900" indent="-342900">
-              <a:buFont typeface="Wingdings" pitchFamily="2" charset="2"/>
-              <a:buChar char="Ø"/>
-            </a:pPr>
-            <a:r>
-              <a:rPr lang="en-US" sz="2000" dirty="0" smtClean="0"/>
-              <a:t>Prima </a:t>
-            </a:r>
-            <a:r>
-              <a:rPr lang="en-US" sz="2000" dirty="0" err="1" smtClean="0"/>
-              <a:t>soluzione</a:t>
-            </a:r>
-            <a:r>
-              <a:rPr lang="en-US" sz="2000" dirty="0" smtClean="0"/>
-              <a:t> </a:t>
-            </a:r>
-            <a:r>
-              <a:rPr lang="it-IT" sz="2000" dirty="0" smtClean="0"/>
-              <a:t> monolitica</a:t>
-            </a:r>
-          </a:p>
-        </p:txBody>
-      </p:sp>
-      <p:sp>
-        <p:nvSpPr>
-          <p:cNvPr id="107" name="CasellaDiTesto 106"/>
-          <p:cNvSpPr txBox="1"/>
-          <p:nvPr/>
-        </p:nvSpPr>
-        <p:spPr>
-          <a:xfrm>
-            <a:off x="0" y="2428868"/>
-            <a:ext cx="2285983" cy="1631216"/>
-          </a:xfrm>
-          <a:prstGeom prst="rect">
-            <a:avLst/>
-          </a:prstGeom>
-          <a:noFill/>
-        </p:spPr>
-        <p:txBody>
-          <a:bodyPr wrap="square" rtlCol="0">
-            <a:spAutoFit/>
-          </a:bodyPr>
-          <a:lstStyle/>
-          <a:p>
-            <a:pPr marL="342900" indent="-342900">
-              <a:buFont typeface="Wingdings" pitchFamily="2" charset="2"/>
-              <a:buChar char="Ø"/>
-            </a:pPr>
-            <a:r>
-              <a:rPr lang="en-US" sz="2000" dirty="0" err="1" smtClean="0"/>
-              <a:t>Introduzione</a:t>
-            </a:r>
-            <a:r>
-              <a:rPr lang="en-US" sz="2000" dirty="0" smtClean="0"/>
-              <a:t> del </a:t>
-            </a:r>
-            <a:r>
-              <a:rPr lang="en-US" sz="2000" dirty="0" err="1" smtClean="0"/>
-              <a:t>plugin</a:t>
-            </a:r>
-            <a:r>
-              <a:rPr lang="en-US" sz="2000" dirty="0" smtClean="0"/>
-              <a:t> framework e </a:t>
-            </a:r>
-            <a:r>
-              <a:rPr lang="en-US" sz="2000" dirty="0" err="1" smtClean="0"/>
-              <a:t>aumento</a:t>
-            </a:r>
-            <a:r>
-              <a:rPr lang="en-US" sz="2000" dirty="0" smtClean="0"/>
-              <a:t> </a:t>
-            </a:r>
-            <a:r>
-              <a:rPr lang="en-US" sz="2000" dirty="0" err="1" smtClean="0"/>
-              <a:t>della</a:t>
-            </a:r>
-            <a:r>
-              <a:rPr lang="en-US" sz="2000" dirty="0" smtClean="0"/>
-              <a:t> </a:t>
-            </a:r>
-            <a:r>
-              <a:rPr lang="en-US" sz="2000" dirty="0" err="1" smtClean="0"/>
-              <a:t>flessibilità</a:t>
-            </a:r>
-            <a:endParaRPr lang="en-US" sz="2000" dirty="0" smtClean="0"/>
-          </a:p>
-        </p:txBody>
-      </p:sp>
-      <p:sp>
-        <p:nvSpPr>
-          <p:cNvPr id="108" name="CasellaDiTesto 107"/>
-          <p:cNvSpPr txBox="1"/>
-          <p:nvPr/>
-        </p:nvSpPr>
-        <p:spPr>
-          <a:xfrm>
-            <a:off x="0" y="4214818"/>
-            <a:ext cx="2285983" cy="1938992"/>
-          </a:xfrm>
-          <a:prstGeom prst="rect">
-            <a:avLst/>
-          </a:prstGeom>
-          <a:noFill/>
-        </p:spPr>
-        <p:txBody>
-          <a:bodyPr wrap="square" rtlCol="0">
-            <a:spAutoFit/>
-          </a:bodyPr>
-          <a:lstStyle/>
-          <a:p>
-            <a:pPr marL="342900" indent="-342900">
-              <a:buFont typeface="Wingdings" pitchFamily="2" charset="2"/>
-              <a:buChar char="Ø"/>
-            </a:pPr>
-            <a:r>
-              <a:rPr lang="en-US" sz="2000" dirty="0" err="1" smtClean="0"/>
-              <a:t>Estensione</a:t>
-            </a:r>
-            <a:r>
-              <a:rPr lang="en-US" sz="2000" dirty="0" smtClean="0"/>
-              <a:t> </a:t>
-            </a:r>
-            <a:r>
-              <a:rPr lang="en-US" sz="2000" dirty="0" err="1" smtClean="0"/>
-              <a:t>delle</a:t>
-            </a:r>
-            <a:r>
-              <a:rPr lang="en-US" sz="2000" dirty="0" smtClean="0"/>
-              <a:t> property </a:t>
-            </a:r>
-            <a:r>
-              <a:rPr lang="en-US" sz="2000" dirty="0" err="1" smtClean="0"/>
-              <a:t>dei</a:t>
-            </a:r>
-            <a:r>
-              <a:rPr lang="en-US" sz="2000" dirty="0" smtClean="0"/>
-              <a:t> </a:t>
-            </a:r>
-            <a:r>
-              <a:rPr lang="en-US" sz="2000" dirty="0" err="1" smtClean="0"/>
-              <a:t>plugin</a:t>
-            </a:r>
-            <a:r>
-              <a:rPr lang="en-US" sz="2000" dirty="0" smtClean="0"/>
-              <a:t>. </a:t>
-            </a:r>
-            <a:r>
-              <a:rPr lang="en-US" sz="2000" dirty="0" err="1" smtClean="0"/>
-              <a:t>Pieno</a:t>
-            </a:r>
-            <a:r>
-              <a:rPr lang="en-US" sz="2000" dirty="0" smtClean="0"/>
-              <a:t> </a:t>
-            </a:r>
-            <a:r>
-              <a:rPr lang="en-US" sz="2000" dirty="0" err="1" smtClean="0"/>
-              <a:t>supporto</a:t>
-            </a:r>
-            <a:r>
-              <a:rPr lang="en-US" sz="2000" dirty="0" smtClean="0"/>
-              <a:t> </a:t>
-            </a:r>
-            <a:r>
-              <a:rPr lang="en-US" sz="2000" dirty="0" err="1" smtClean="0"/>
-              <a:t>alle</a:t>
-            </a:r>
-            <a:r>
-              <a:rPr lang="en-US" sz="2000" dirty="0" smtClean="0"/>
-              <a:t> </a:t>
-            </a:r>
-            <a:r>
-              <a:rPr lang="en-US" sz="2000" dirty="0" err="1" smtClean="0"/>
-              <a:t>configurazioni</a:t>
-            </a:r>
-            <a:r>
-              <a:rPr lang="en-US" sz="2000" dirty="0" smtClean="0"/>
-              <a:t> </a:t>
-            </a:r>
-            <a:r>
-              <a:rPr lang="en-US" sz="2000" dirty="0" err="1" smtClean="0"/>
-              <a:t>avanzate</a:t>
-            </a:r>
-            <a:r>
-              <a:rPr lang="en-US" sz="2000" dirty="0" smtClean="0"/>
-              <a:t>.</a:t>
-            </a:r>
-            <a:endParaRPr lang="en-US" sz="2000" dirty="0" smtClean="0"/>
+            <a:endParaRPr lang="it-IT"/>
           </a:p>
         </p:txBody>
       </p:sp>
@@ -14620,7 +18207,7 @@
                                           </p:stCondLst>
                                         </p:cTn>
                                         <p:tgtEl>
-                                          <p:spTgt spid="105"/>
+                                          <p:spTgt spid="13"/>
                                         </p:tgtEl>
                                         <p:attrNameLst>
                                           <p:attrName>style.visibility</p:attrName>
@@ -14634,7 +18221,7 @@
                                       <p:cBhvr additive="base">
                                         <p:cTn id="7" dur="500" fill="hold"/>
                                         <p:tgtEl>
-                                          <p:spTgt spid="105"/>
+                                          <p:spTgt spid="13"/>
                                         </p:tgtEl>
                                         <p:attrNameLst>
                                           <p:attrName>ppt_x</p:attrName>
@@ -14657,7 +18244,80 @@
                                       <p:cBhvr additive="base">
                                         <p:cTn id="8" dur="500" fill="hold"/>
                                         <p:tgtEl>
-                                          <p:spTgt spid="105"/>
+                                          <p:spTgt spid="13"/>
+                                        </p:tgtEl>
+                                        <p:attrNameLst>
+                                          <p:attrName>ppt_y</p:attrName>
+                                        </p:attrNameLst>
+                                      </p:cBhvr>
+                                      <p:tavLst>
+                                        <p:tav tm="0">
+                                          <p:val>
+                                            <p:strVal val="1+#ppt_h/2"/>
+                                          </p:val>
+                                        </p:tav>
+                                        <p:tav tm="100000">
+                                          <p:val>
+                                            <p:strVal val="#ppt_y"/>
+                                          </p:val>
+                                        </p:tav>
+                                      </p:tavLst>
+                                    </p:anim>
+                                  </p:childTnLst>
+                                </p:cTn>
+                              </p:par>
+                              <p:par>
+                                <p:cTn id="9" presetID="2" presetClass="entr" presetSubtype="4" fill="hold" grpId="0" nodeType="withEffect">
+                                  <p:stCondLst>
+                                    <p:cond delay="0"/>
+                                  </p:stCondLst>
+                                  <p:childTnLst>
+                                    <p:set>
+                                      <p:cBhvr>
+                                        <p:cTn id="10" dur="1" fill="hold">
+                                          <p:stCondLst>
+                                            <p:cond delay="0"/>
+                                          </p:stCondLst>
+                                        </p:cTn>
+                                        <p:tgtEl>
+                                          <p:spTgt spid="14"/>
+                                        </p:tgtEl>
+                                        <p:attrNameLst>
+                                          <p:attrName>style.visibility</p:attrName>
+                                        </p:attrNameLst>
+                                      </p:cBhvr>
+                                      <p:to>
+                                        <p:strVal val="visible"/>
+                                      </p:to>
+                                    </p:set>
+                                    <p:anim calcmode="lin" valueType="num">
+                                      <p:cBhvr additive="base">
+                                        <p:cTn id="11" dur="500" fill="hold"/>
+                                        <p:tgtEl>
+                                          <p:spTgt spid="14"/>
+                                        </p:tgtEl>
+                                        <p:attrNameLst>
+                                          <p:attrName>ppt_x</p:attrName>
+                                        </p:attrNameLst>
+                                      </p:cBhvr>
+                                      <p:tavLst>
+                                        <p:tav tm="0">
+                                          <p:val>
+                                            <p:strVal val="#ppt_x"/>
+                                          </p:val>
+                                        </p:tav>
+                                        <p:tav tm="100000">
+                                          <p:val>
+                                            <p:strVal val="#ppt_x"/>
+                                          </p:val>
+                                        </p:tav>
+                                      </p:tavLst>
+                                    </p:anim>
+                                    <p:anim calcmode="lin" valueType="num">
+                                      <p:cBhvr additive="base">
+                                        <p:cTn id="12" dur="500" fill="hold"/>
+                                        <p:tgtEl>
+                                          <p:spTgt spid="14"/>
                                         </p:tgtEl>
                                         <p:attrNameLst>
                                           <p:attrName>ppt_y</p:attrName>
@@ -14686,46 +18346,28 @@
                     </p:cTn>
                   </p:par>
                   <p:par>
-                    <p:cTn id="9" fill="hold">
+                    <p:cTn id="13" fill="hold">
                       <p:stCondLst>
                         <p:cond delay="indefinite"/>
                       </p:stCondLst>
                       <p:childTnLst>
                         <p:par>
-                          <p:cTn id="10" fill="hold">
+                          <p:cTn id="14" fill="hold">
                             <p:stCondLst>
                               <p:cond delay="0"/>
                             </p:stCondLst>
                             <p:childTnLst>
                               <p:par>
-                                <p:cTn id="11" presetID="2" presetClass="entr" presetSubtype="4" fill="hold" grpId="0" nodeType="clickEffect">
+                                <p:cTn id="15" presetID="2" presetClass="exit" presetSubtype="4" fill="hold" grpId="0" nodeType="clickEffect">
                                   <p:stCondLst>
                                     <p:cond delay="0"/>
                                   </p:stCondLst>
                                   <p:childTnLst>
-                                    <p:set>
-                                      <p:cBhvr>
-                                        <p:cTn id="12" dur="1" fill="hold">
-                                          <p:stCondLst>
-                                            <p:cond delay="0"/>
-                                          </p:stCondLst>
-                                        </p:cTn>
-                                        <p:tgtEl>
-                                          <p:spTgt spid="107"/>
-                                        </p:tgtEl>
-                                        <p:attrNameLst>
-                                          <p:attrName>style.visibility</p:attrName>
-                                        </p:attrNameLst>
-                                      </p:cBhvr>
-                                      <p:to>
-                                        <p:strVal val="visible"/>
-                                      </p:to>
-                                    </p:set>
                                     <p:anim calcmode="lin" valueType="num">
                                       <p:cBhvr additive="base">
-                                        <p:cTn id="13" dur="500" fill="hold"/>
+                                        <p:cTn id="16" dur="500"/>
                                         <p:tgtEl>
-                                          <p:spTgt spid="107"/>
+                                          <p:spTgt spid="12"/>
                                         </p:tgtEl>
                                         <p:attrNameLst>
                                           <p:attrName>ppt_x</p:attrName>
@@ -14734,21 +18376,21 @@
                                       <p:tavLst>
                                         <p:tav tm="0">
                                           <p:val>
-                                            <p:strVal val="#ppt_x"/>
+                                            <p:strVal val="ppt_x"/>
                                           </p:val>
                                         </p:tav>
                                         <p:tav tm="100000">
                                           <p:val>
-                                            <p:strVal val="#ppt_x"/>
+                                            <p:strVal val="ppt_x"/>
                                           </p:val>
                                         </p:tav>
                                       </p:tavLst>
                                     </p:anim>
                                     <p:anim calcmode="lin" valueType="num">
                                       <p:cBhvr additive="base">
-                                        <p:cTn id="14" dur="500" fill="hold"/>
+                                        <p:cTn id="17" dur="500"/>
                                         <p:tgtEl>
-                                          <p:spTgt spid="107"/>
+                                          <p:spTgt spid="12"/>
                                         </p:tgtEl>
                                         <p:attrNameLst>
                                           <p:attrName>ppt_y</p:attrName>
@@ -14757,16 +18399,180 @@
                                       <p:tavLst>
                                         <p:tav tm="0">
                                           <p:val>
-                                            <p:strVal val="1+#ppt_h/2"/>
+                                            <p:strVal val="ppt_y"/>
                                           </p:val>
                                         </p:tav>
                                         <p:tav tm="100000">
                                           <p:val>
-                                            <p:strVal val="#ppt_y"/>
+                                            <p:strVal val="1+ppt_h/2"/>
                                           </p:val>
                                         </p:tav>
                                       </p:tavLst>
                                     </p:anim>
+                                    <p:set>
+                                      <p:cBhvr>
+                                        <p:cTn id="18" dur="1" fill="hold">
+                                          <p:stCondLst>
+                                            <p:cond delay="499"/>
+                                          </p:stCondLst>
+                                        </p:cTn>
+                                        <p:tgtEl>
+                                          <p:spTgt spid="12"/>
+                                        </p:tgtEl>
+                                        <p:attrNameLst>
+                                          <p:attrName>style.visibility</p:attrName>
+                                        </p:attrNameLst>
+                                      </p:cBhvr>
+                                      <p:to>
+                                        <p:strVal val="hidden"/>
+                                      </p:to>
+                                    </p:set>
+                                  </p:childTnLst>
+                                </p:cTn>
+                              </p:par>
+                              <p:par>
+                                <p:cTn id="19" presetID="2" presetClass="exit" presetSubtype="4" fill="hold" grpId="1" nodeType="withEffect">
+                                  <p:stCondLst>
+                                    <p:cond delay="0"/>
+                                  </p:stCondLst>
+                                  <p:childTnLst>
+                                    <p:anim calcmode="lin" valueType="num">
+                                      <p:cBhvr additive="base">
+                                        <p:cTn id="20" dur="500"/>
+                                        <p:tgtEl>
+                                          <p:spTgt spid="13"/>
+                                        </p:tgtEl>
+                                        <p:attrNameLst>
+                                          <p:attrName>ppt_x</p:attrName>
+                                        </p:attrNameLst>
+                                      </p:cBhvr>
+                                      <p:tavLst>
+                                        <p:tav tm="0">
+                                          <p:val>
+                                            <p:strVal val="ppt_x"/>
+                                          </p:val>
+                                        </p:tav>
+                                        <p:tav tm="100000">
+                                          <p:val>
+                                            <p:strVal val="ppt_x"/>
+                                          </p:val>
+                                        </p:tav>
+                                      </p:tavLst>
+                                    </p:anim>
+                                    <p:anim calcmode="lin" valueType="num">
+                                      <p:cBhvr additive="base">
+                                        <p:cTn id="21" dur="500"/>
+                                        <p:tgtEl>
+                                          <p:spTgt spid="13"/>
+                                        </p:tgtEl>
+                                        <p:attrNameLst>
+                                          <p:attrName>ppt_y</p:attrName>
+                                        </p:attrNameLst>
+                                      </p:cBhvr>
+                                      <p:tavLst>
+                                        <p:tav tm="0">
+                                          <p:val>
+                                            <p:strVal val="ppt_y"/>
+                                          </p:val>
+                                        </p:tav>
+                                        <p:tav tm="100000">
+                                          <p:val>
+                                            <p:strVal val="1+ppt_h/2"/>
+                                          </p:val>
+                                        </p:tav>
+                                      </p:tavLst>
+                                    </p:anim>
+                                    <p:set>
+                                      <p:cBhvr>
+                                        <p:cTn id="22" dur="1" fill="hold">
+                                          <p:stCondLst>
+                                            <p:cond delay="499"/>
+                                          </p:stCondLst>
+                                        </p:cTn>
+                                        <p:tgtEl>
+                                          <p:spTgt spid="13"/>
+                                        </p:tgtEl>
+                                        <p:attrNameLst>
+                                          <p:attrName>style.visibility</p:attrName>
+                                        </p:attrNameLst>
+                                      </p:cBhvr>
+                                      <p:to>
+                                        <p:strVal val="hidden"/>
+                                      </p:to>
+                                    </p:set>
+                                  </p:childTnLst>
+                                </p:cTn>
+                              </p:par>
+                              <p:par>
+                                <p:cTn id="23" presetID="2" presetClass="exit" presetSubtype="4" fill="hold" grpId="1" nodeType="withEffect">
+                                  <p:stCondLst>
+                                    <p:cond delay="0"/>
+                                  </p:stCondLst>
+                                  <p:childTnLst>
+                                    <p:anim calcmode="lin" valueType="num">
+                                      <p:cBhvr additive="base">
+                                        <p:cTn id="24" dur="500"/>
+                                        <p:tgtEl>
+                                          <p:spTgt spid="14"/>
+                                        </p:tgtEl>
+                                        <p:attrNameLst>
+                                          <p:attrName>ppt_x</p:attrName>
+                                        </p:attrNameLst>
+                                      </p:cBhvr>
+                                      <p:tavLst>
+                                        <p:tav tm="0">
+                                          <p:val>
+                                            <p:strVal val="ppt_x"/>
+                                          </p:val>
+                                        </p:tav>
+                                        <p:tav tm="100000">
+                                          <p:val>
+                                            <p:strVal val="ppt_x"/>
+                                          </p:val>
+                                        </p:tav>
+                                      </p:tavLst>
+                                    </p:anim>
+                                    <p:anim calcmode="lin" valueType="num">
+                                      <p:cBhvr additive="base">
+                                        <p:cTn id="25" dur="500"/>
+                                        <p:tgtEl>
+                                          <p:spTgt spid="14"/>
+                                        </p:tgtEl>
+                                        <p:attrNameLst>
+                                          <p:attrName>ppt_y</p:attrName>
+                                        </p:attrNameLst>
+                                      </p:cBhvr>
+                                      <p:tavLst>
+                                        <p:tav tm="0">
+                                          <p:val>
+                                            <p:strVal val="ppt_y"/>
+                                          </p:val>
+                                        </p:tav>
+                                        <p:tav tm="100000">
+                                          <p:val>
+                                            <p:strVal val="1+ppt_h/2"/>
+                                          </p:val>
+                                        </p:tav>
+                                      </p:tavLst>
+                                    </p:anim>
+                                    <p:set>
+                                      <p:cBhvr>
+                                        <p:cTn id="26" dur="1" fill="hold">
+                                          <p:stCondLst>
+                                            <p:cond delay="499"/>
+                                          </p:stCondLst>
+                                        </p:cTn>
+                                        <p:tgtEl>
+                                          <p:spTgt spid="14"/>
+                                        </p:tgtEl>
+                                        <p:attrNameLst>
+                                          <p:attrName>style.visibility</p:attrName>
+                                        </p:attrNameLst>
+                                      </p:cBhvr>
+                                      <p:to>
+                                        <p:strVal val="hidden"/>
+                                      </p:to>
+                                    </p:set>
                                   </p:childTnLst>
                                 </p:cTn>
                               </p:par>
@@ -14777,159 +18583,19 @@
                     </p:cTn>
                   </p:par>
                   <p:par>
-                    <p:cTn id="15" fill="hold">
+                    <p:cTn id="27" fill="hold">
                       <p:stCondLst>
                         <p:cond delay="indefinite"/>
                       </p:stCondLst>
                       <p:childTnLst>
                         <p:par>
-                          <p:cTn id="16" fill="hold">
+                          <p:cTn id="28" fill="hold">
                             <p:stCondLst>
                               <p:cond delay="0"/>
                             </p:stCondLst>
                             <p:childTnLst>
                               <p:par>
-                                <p:cTn id="17" presetID="10" presetClass="entr" presetSubtype="0" fill="hold" grpId="0" nodeType="clickEffect">
-                                  <p:stCondLst>
-                                    <p:cond delay="0"/>
-                                  </p:stCondLst>
-                                  <p:childTnLst>
-                                    <p:set>
-                                      <p:cBhvr>
-                                        <p:cTn id="18" dur="1" fill="hold">
-                                          <p:stCondLst>
-                                            <p:cond delay="0"/>
-                                          </p:stCondLst>
-                                        </p:cTn>
-                                        <p:tgtEl>
-                                          <p:spTgt spid="89"/>
-                                        </p:tgtEl>
-                                        <p:attrNameLst>
-                                          <p:attrName>style.visibility</p:attrName>
-                                        </p:attrNameLst>
-                                      </p:cBhvr>
-                                      <p:to>
-                                        <p:strVal val="visible"/>
-                                      </p:to>
-                                    </p:set>
-                                    <p:animEffect transition="in" filter="fade">
-                                      <p:cBhvr>
-                                        <p:cTn id="19" dur="2000"/>
-                                        <p:tgtEl>
-                                          <p:spTgt spid="89"/>
-                                        </p:tgtEl>
-                                      </p:cBhvr>
-                                    </p:animEffect>
-                                  </p:childTnLst>
-                                </p:cTn>
-                              </p:par>
-                              <p:par>
-                                <p:cTn id="20" presetID="10" presetClass="entr" presetSubtype="0" fill="hold" grpId="0" nodeType="withEffect">
-                                  <p:stCondLst>
-                                    <p:cond delay="0"/>
-                                  </p:stCondLst>
-                                  <p:childTnLst>
-                                    <p:set>
-                                      <p:cBhvr>
-                                        <p:cTn id="21" dur="1" fill="hold">
-                                          <p:stCondLst>
-                                            <p:cond delay="0"/>
-                                          </p:stCondLst>
-                                        </p:cTn>
-                                        <p:tgtEl>
-                                          <p:spTgt spid="91"/>
-                                        </p:tgtEl>
-                                        <p:attrNameLst>
-                                          <p:attrName>style.visibility</p:attrName>
-                                        </p:attrNameLst>
-                                      </p:cBhvr>
-                                      <p:to>
-                                        <p:strVal val="visible"/>
-                                      </p:to>
-                                    </p:set>
-                                    <p:animEffect transition="in" filter="fade">
-                                      <p:cBhvr>
-                                        <p:cTn id="22" dur="2000"/>
-                                        <p:tgtEl>
-                                          <p:spTgt spid="91"/>
-                                        </p:tgtEl>
-                                      </p:cBhvr>
-                                    </p:animEffect>
-                                  </p:childTnLst>
-                                </p:cTn>
-                              </p:par>
-                              <p:par>
-                                <p:cTn id="23" presetID="10" presetClass="entr" presetSubtype="0" fill="hold" grpId="0" nodeType="withEffect">
-                                  <p:stCondLst>
-                                    <p:cond delay="0"/>
-                                  </p:stCondLst>
-                                  <p:childTnLst>
-                                    <p:set>
-                                      <p:cBhvr>
-                                        <p:cTn id="24" dur="1" fill="hold">
-                                          <p:stCondLst>
-                                            <p:cond delay="0"/>
-                                          </p:stCondLst>
-                                        </p:cTn>
-                                        <p:tgtEl>
-                                          <p:spTgt spid="90"/>
-                                        </p:tgtEl>
-                                        <p:attrNameLst>
-                                          <p:attrName>style.visibility</p:attrName>
-                                        </p:attrNameLst>
-                                      </p:cBhvr>
-                                      <p:to>
-                                        <p:strVal val="visible"/>
-                                      </p:to>
-                                    </p:set>
-                                    <p:animEffect transition="in" filter="fade">
-                                      <p:cBhvr>
-                                        <p:cTn id="25" dur="2000"/>
-                                        <p:tgtEl>
-                                          <p:spTgt spid="90"/>
-                                        </p:tgtEl>
-                                      </p:cBhvr>
-                                    </p:animEffect>
-                                  </p:childTnLst>
-                                </p:cTn>
-                              </p:par>
-                              <p:par>
-                                <p:cTn id="26" presetID="10" presetClass="entr" presetSubtype="0" fill="hold" grpId="0" nodeType="withEffect">
-                                  <p:stCondLst>
-                                    <p:cond delay="0"/>
-                                  </p:stCondLst>
-                                  <p:childTnLst>
-                                    <p:set>
-                                      <p:cBhvr>
-                                        <p:cTn id="27" dur="1" fill="hold">
-                                          <p:stCondLst>
-                                            <p:cond delay="0"/>
-                                          </p:stCondLst>
-                                        </p:cTn>
-                                        <p:tgtEl>
-                                          <p:spTgt spid="92"/>
-                                        </p:tgtEl>
-                                        <p:attrNameLst>
-                                          <p:attrName>style.visibility</p:attrName>
-                                        </p:attrNameLst>
-                                      </p:cBhvr>
-                                      <p:to>
-                                        <p:strVal val="visible"/>
-                                      </p:to>
-                                    </p:set>
-                                    <p:animEffect transition="in" filter="fade">
-                                      <p:cBhvr>
-                                        <p:cTn id="28" dur="2000"/>
-                                        <p:tgtEl>
-                                          <p:spTgt spid="92"/>
-                                        </p:tgtEl>
-                                      </p:cBhvr>
-                                    </p:animEffect>
-                                  </p:childTnLst>
-                                </p:cTn>
-                              </p:par>
-                              <p:par>
-                                <p:cTn id="29" presetID="10" presetClass="entr" presetSubtype="0" fill="hold" nodeType="withEffect">
+                                <p:cTn id="29" presetID="2" presetClass="entr" presetSubtype="4" fill="hold" nodeType="clickEffect">
                                   <p:stCondLst>
                                     <p:cond delay="0"/>
                                   </p:stCondLst>
@@ -14942,165 +18608,7 @@
                                           </p:stCondLst>
                                         </p:cTn>
                                         <p:tgtEl>
-                                          <p:spTgt spid="95"/>
-                                        </p:tgtEl>
-                                        <p:attrNameLst>
-                                          <p:attrName>style.visibility</p:attrName>
-                                        </p:attrNameLst>
-                                      </p:cBhvr>
-                                      <p:to>
-                                        <p:strVal val="visible"/>
-                                      </p:to>
-                                    </p:set>
-                                    <p:animEffect transition="in" filter="fade">
-                                      <p:cBhvr>
-                                        <p:cTn id="31" dur="2000"/>
-                                        <p:tgtEl>
-                                          <p:spTgt spid="95"/>
-                                        </p:tgtEl>
-                                      </p:cBhvr>
-                                    </p:animEffect>
-                                  </p:childTnLst>
-                                </p:cTn>
-                              </p:par>
-                              <p:par>
-                                <p:cTn id="32" presetID="10" presetClass="entr" presetSubtype="0" fill="hold" nodeType="withEffect">
-                                  <p:stCondLst>
-                                    <p:cond delay="0"/>
-                                  </p:stCondLst>
-                                  <p:childTnLst>
-                                    <p:set>
-                                      <p:cBhvr>
-                                        <p:cTn id="33" dur="1" fill="hold">
-                                          <p:stCondLst>
-                                            <p:cond delay="0"/>
-                                          </p:stCondLst>
-                                        </p:cTn>
-                                        <p:tgtEl>
-                                          <p:spTgt spid="97"/>
-                                        </p:tgtEl>
-                                        <p:attrNameLst>
-                                          <p:attrName>style.visibility</p:attrName>
-                                        </p:attrNameLst>
-                                      </p:cBhvr>
-                                      <p:to>
-                                        <p:strVal val="visible"/>
-                                      </p:to>
-                                    </p:set>
-                                    <p:animEffect transition="in" filter="fade">
-                                      <p:cBhvr>
-                                        <p:cTn id="34" dur="2000"/>
-                                        <p:tgtEl>
-                                          <p:spTgt spid="97"/>
-                                        </p:tgtEl>
-                                      </p:cBhvr>
-                                    </p:animEffect>
-                                  </p:childTnLst>
-                                </p:cTn>
-                              </p:par>
-                              <p:par>
-                                <p:cTn id="35" presetID="10" presetClass="entr" presetSubtype="0" fill="hold" nodeType="withEffect">
-                                  <p:stCondLst>
-                                    <p:cond delay="0"/>
-                                  </p:stCondLst>
-                                  <p:childTnLst>
-                                    <p:set>
-                                      <p:cBhvr>
-                                        <p:cTn id="36" dur="1" fill="hold">
-                                          <p:stCondLst>
-                                            <p:cond delay="0"/>
-                                          </p:stCondLst>
-                                        </p:cTn>
-                                        <p:tgtEl>
-                                          <p:spTgt spid="103"/>
-                                        </p:tgtEl>
-                                        <p:attrNameLst>
-                                          <p:attrName>style.visibility</p:attrName>
-                                        </p:attrNameLst>
-                                      </p:cBhvr>
-                                      <p:to>
-                                        <p:strVal val="visible"/>
-                                      </p:to>
-                                    </p:set>
-                                    <p:animEffect transition="in" filter="fade">
-                                      <p:cBhvr>
-                                        <p:cTn id="37" dur="2000"/>
-                                        <p:tgtEl>
-                                          <p:spTgt spid="103"/>
-                                        </p:tgtEl>
-                                      </p:cBhvr>
-                                    </p:animEffect>
-                                  </p:childTnLst>
-                                </p:cTn>
-                              </p:par>
-                              <p:par>
-                                <p:cTn id="38" presetID="10" presetClass="entr" presetSubtype="0" fill="hold" grpId="0" nodeType="withEffect">
-                                  <p:stCondLst>
-                                    <p:cond delay="0"/>
-                                  </p:stCondLst>
-                                  <p:childTnLst>
-                                    <p:set>
-                                      <p:cBhvr>
-                                        <p:cTn id="39" dur="1" fill="hold">
-                                          <p:stCondLst>
-                                            <p:cond delay="0"/>
-                                          </p:stCondLst>
-                                        </p:cTn>
-                                        <p:tgtEl>
-                                          <p:spTgt spid="93"/>
-                                        </p:tgtEl>
-                                        <p:attrNameLst>
-                                          <p:attrName>style.visibility</p:attrName>
-                                        </p:attrNameLst>
-                                      </p:cBhvr>
-                                      <p:to>
-                                        <p:strVal val="visible"/>
-                                      </p:to>
-                                    </p:set>
-                                    <p:animEffect transition="in" filter="fade">
-                                      <p:cBhvr>
-                                        <p:cTn id="40" dur="2000"/>
-                                        <p:tgtEl>
-                                          <p:spTgt spid="93"/>
-                                        </p:tgtEl>
-                                      </p:cBhvr>
-                                    </p:animEffect>
-                                  </p:childTnLst>
-                                </p:cTn>
-                              </p:par>
-                            </p:childTnLst>
-                          </p:cTn>
-                        </p:par>
-                      </p:childTnLst>
-                    </p:cTn>
-                  </p:par>
-                  <p:par>
-                    <p:cTn id="41" fill="hold">
-                      <p:stCondLst>
-                        <p:cond delay="indefinite"/>
-                      </p:stCondLst>
-                      <p:childTnLst>
-                        <p:par>
-                          <p:cTn id="42" fill="hold">
-                            <p:stCondLst>
-                              <p:cond delay="0"/>
-                            </p:stCondLst>
-                            <p:childTnLst>
-                              <p:par>
-                                <p:cTn id="43" presetID="2" presetClass="entr" presetSubtype="4" fill="hold" grpId="0" nodeType="clickEffect">
-                                  <p:stCondLst>
-                                    <p:cond delay="0"/>
-                                  </p:stCondLst>
-                                  <p:childTnLst>
-                                    <p:set>
-                                      <p:cBhvr>
-                                        <p:cTn id="44" dur="1" fill="hold">
-                                          <p:stCondLst>
-                                            <p:cond delay="0"/>
-                                          </p:stCondLst>
-                                        </p:cTn>
-                                        <p:tgtEl>
-                                          <p:spTgt spid="108"/>
+                                          <p:spTgt spid="15"/>
                                         </p:tgtEl>
                                         <p:attrNameLst>
                                           <p:attrName>style.visibility</p:attrName>
@@ -15112,9 +18620,9 @@
                                     </p:set>
                                     <p:anim calcmode="lin" valueType="num">
                                       <p:cBhvr additive="base">
-                                        <p:cTn id="45" dur="500" fill="hold"/>
+                                        <p:cTn id="31" dur="500" fill="hold"/>
                                         <p:tgtEl>
-                                          <p:spTgt spid="108"/>
+                                          <p:spTgt spid="15"/>
                                         </p:tgtEl>
                                         <p:attrNameLst>
                                           <p:attrName>ppt_x</p:attrName>
@@ -15135,9 +18643,9 @@
                                     </p:anim>
                                     <p:anim calcmode="lin" valueType="num">
                                       <p:cBhvr additive="base">
-                                        <p:cTn id="46" dur="500" fill="hold"/>
+                                        <p:cTn id="32" dur="500" fill="hold"/>
                                         <p:tgtEl>
-                                          <p:spTgt spid="108"/>
+                                          <p:spTgt spid="15"/>
                                         </p:tgtEl>
                                         <p:attrNameLst>
                                           <p:attrName>ppt_y</p:attrName>
@@ -15159,39 +18667,21 @@
                                   </p:childTnLst>
                                 </p:cTn>
                               </p:par>
-                            </p:childTnLst>
-                          </p:cTn>
-                        </p:par>
-                      </p:childTnLst>
-                    </p:cTn>
-                  </p:par>
-                  <p:par>
-                    <p:cTn id="47" fill="hold">
-                      <p:stCondLst>
-                        <p:cond delay="indefinite"/>
-                      </p:stCondLst>
-                      <p:childTnLst>
-                        <p:par>
-                          <p:cTn id="48" fill="hold">
-                            <p:stCondLst>
-                              <p:cond delay="0"/>
-                            </p:stCondLst>
-                            <p:childTnLst>
                               <p:par>
-                                <p:cTn id="49" presetID="10" presetClass="entr" presetSubtype="0" fill="hold" nodeType="clickEffect">
+                                <p:cTn id="33" presetID="2" presetClass="entr" presetSubtype="4" fill="hold" grpId="0" nodeType="withEffect">
                                   <p:stCondLst>
                                     <p:cond delay="0"/>
                                   </p:stCondLst>
                                   <p:childTnLst>
                                     <p:set>
                                       <p:cBhvr>
-                                        <p:cTn id="50" dur="1" fill="hold">
+                                        <p:cTn id="34" dur="1" fill="hold">
                                           <p:stCondLst>
                                             <p:cond delay="0"/>
                                           </p:stCondLst>
                                         </p:cTn>
                                         <p:tgtEl>
-                                          <p:spTgt spid="76"/>
+                                          <p:spTgt spid="16"/>
                                         </p:tgtEl>
                                         <p:attrNameLst>
                                           <p:attrName>style.visibility</p:attrName>
@@ -15201,154 +18691,52 @@
                                         <p:strVal val="visible"/>
                                       </p:to>
                                     </p:set>
-                                    <p:animEffect transition="in" filter="fade">
-                                      <p:cBhvr>
-                                        <p:cTn id="51" dur="2000"/>
+                                    <p:anim calcmode="lin" valueType="num">
+                                      <p:cBhvr additive="base">
+                                        <p:cTn id="35" dur="500" fill="hold"/>
                                         <p:tgtEl>
-                                          <p:spTgt spid="76"/>
-                                        </p:tgtEl>
-                                      </p:cBhvr>
-                                    </p:animEffect>
-                                  </p:childTnLst>
-                                </p:cTn>
-                              </p:par>
-                              <p:par>
-                                <p:cTn id="52" presetID="10" presetClass="entr" presetSubtype="0" fill="hold" grpId="0" nodeType="withEffect">
-                                  <p:stCondLst>
-                                    <p:cond delay="0"/>
-                                  </p:stCondLst>
-                                  <p:childTnLst>
-                                    <p:set>
-                                      <p:cBhvr>
-                                        <p:cTn id="53" dur="1" fill="hold">
-                                          <p:stCondLst>
-                                            <p:cond delay="0"/>
-                                          </p:stCondLst>
-                                        </p:cTn>
-                                        <p:tgtEl>
-                                          <p:spTgt spid="74"/>
+                                          <p:spTgt spid="16"/>
                                         </p:tgtEl>
                                         <p:attrNameLst>
-                                          <p:attrName>style.visibility</p:attrName>
+                                          <p:attrName>ppt_x</p:attrName>
                                         </p:attrNameLst>
                                       </p:cBhvr>
-                                      <p:to>
-                                        <p:strVal val="visible"/>
-                                      </p:to>
-                                    </p:set>
-                                    <p:animEffect transition="in" filter="fade">
-                                      <p:cBhvr>
-                                        <p:cTn id="54" dur="2000"/>
+                                      <p:tavLst>
+                                        <p:tav tm="0">
+                                          <p:val>
+                                            <p:strVal val="#ppt_x"/>
+                                          </p:val>
+                                        </p:tav>
+                                        <p:tav tm="100000">
+                                          <p:val>
+                                            <p:strVal val="#ppt_x"/>
+                                          </p:val>
+                                        </p:tav>
+                                      </p:tavLst>
+                                    </p:anim>
+                                    <p:anim calcmode="lin" valueType="num">
+                                      <p:cBhvr additive="base">
+                                        <p:cTn id="36" dur="500" fill="hold"/>
                                         <p:tgtEl>
-                                          <p:spTgt spid="74"/>
-                                        </p:tgtEl>
-                                      </p:cBhvr>
-                                    </p:animEffect>
-                                  </p:childTnLst>
-                                </p:cTn>
-                              </p:par>
-                              <p:par>
-                                <p:cTn id="55" presetID="10" presetClass="entr" presetSubtype="0" fill="hold" nodeType="withEffect">
-                                  <p:stCondLst>
-                                    <p:cond delay="0"/>
-                                  </p:stCondLst>
-                                  <p:childTnLst>
-                                    <p:set>
-                                      <p:cBhvr>
-                                        <p:cTn id="56" dur="1" fill="hold">
-                                          <p:stCondLst>
-                                            <p:cond delay="0"/>
-                                          </p:stCondLst>
-                                        </p:cTn>
-                                        <p:tgtEl>
-                                          <p:spTgt spid="83"/>
+                                          <p:spTgt spid="16"/>
                                         </p:tgtEl>
                                         <p:attrNameLst>
-                                          <p:attrName>style.visibility</p:attrName>
+                                          <p:attrName>ppt_y</p:attrName>
                                         </p:attrNameLst>
                                       </p:cBhvr>
-                                      <p:to>
-                                        <p:strVal val="visible"/>
-                                      </p:to>
-                                    </p:set>
-                                    <p:animEffect transition="in" filter="fade">
-                                      <p:cBhvr>
-                                        <p:cTn id="57" dur="2000"/>
-                                        <p:tgtEl>
-                                          <p:spTgt spid="83"/>
-                                        </p:tgtEl>
-                                      </p:cBhvr>
-                                    </p:animEffect>
-                                  </p:childTnLst>
-                                </p:cTn>
-                              </p:par>
-                              <p:par>
-                                <p:cTn id="58" presetID="10" presetClass="entr" presetSubtype="0" fill="hold" grpId="0" nodeType="withEffect">
-                                  <p:stCondLst>
-                                    <p:cond delay="0"/>
-                                  </p:stCondLst>
-                                  <p:childTnLst>
-                                    <p:set>
-                                      <p:cBhvr>
-                                        <p:cTn id="59" dur="1" fill="hold">
-                                          <p:stCondLst>
-                                            <p:cond delay="0"/>
-                                          </p:stCondLst>
-                                        </p:cTn>
-                                        <p:tgtEl>
-                                          <p:spTgt spid="73"/>
-                                        </p:tgtEl>
-                                        <p:attrNameLst>
-                                          <p:attrName>style.visibility</p:attrName>
-                                        </p:attrNameLst>
-                                      </p:cBhvr>
-                                      <p:to>
-                                        <p:strVal val="visible"/>
-                                      </p:to>
-                                    </p:set>
-                                    <p:animEffect transition="in" filter="fade">
-                                      <p:cBhvr>
-                                        <p:cTn id="60" dur="2000"/>
-                                        <p:tgtEl>
-                                          <p:spTgt spid="73"/>
-                                        </p:tgtEl>
-                                      </p:cBhvr>
-                                    </p:animEffect>
-                                  </p:childTnLst>
-                                </p:cTn>
-                              </p:par>
-                              <p:par>
-                                <p:cTn id="61" presetID="10" presetClass="entr" presetSubtype="0" fill="hold" nodeType="withEffect">
-                                  <p:stCondLst>
-                                    <p:cond delay="0"/>
-                                  </p:stCondLst>
-                                  <p:childTnLst>
-                                    <p:set>
-                                      <p:cBhvr>
-                                        <p:cTn id="62" dur="1" fill="hold">
-                                          <p:stCondLst>
-                                            <p:cond delay="0"/>
-                                          </p:stCondLst>
-                                        </p:cTn>
-                                        <p:tgtEl>
-                                          <p:spTgt spid="85"/>
-                                        </p:tgtEl>
-                                        <p:attrNameLst>
-                                          <p:attrName>style.visibility</p:attrName>
-                                        </p:attrNameLst>
-                                      </p:cBhvr>
-                                      <p:to>
-                                        <p:strVal val="visible"/>
-                                      </p:to>
-                                    </p:set>
-                                    <p:animEffect transition="in" filter="fade">
-                                      <p:cBhvr>
-                                        <p:cTn id="63" dur="2000"/>
-                                        <p:tgtEl>
-                                          <p:spTgt spid="85"/>
-                                        </p:tgtEl>
-                                      </p:cBhvr>
-                                    </p:animEffect>
+                                      <p:tavLst>
+                                        <p:tav tm="0">
+                                          <p:val>
+                                            <p:strVal val="1+#ppt_h/2"/>
+                                          </p:val>
+                                        </p:tav>
+                                        <p:tav tm="100000">
+                                          <p:val>
+                                            <p:strVal val="#ppt_y"/>
+                                          </p:val>
+                                        </p:tav>
+                                      </p:tavLst>
+                                    </p:anim>
                                   </p:childTnLst>
                                 </p:cTn>
                               </p:par>
@@ -15380,17 +18768,366 @@
       </p:par>
     </p:tnLst>
     <p:bldLst>
-      <p:bldP spid="73" grpId="0" animBg="1"/>
-      <p:bldP spid="74" grpId="0" animBg="1"/>
-      <p:bldP spid="89" grpId="0" animBg="1"/>
-      <p:bldP spid="91" grpId="0" animBg="1"/>
-      <p:bldP spid="90" grpId="0" animBg="1"/>
-      <p:bldP spid="92" grpId="0" animBg="1"/>
-      <p:bldP spid="93" grpId="0" animBg="1"/>
-      <p:bldP spid="105" grpId="0"/>
-      <p:bldP spid="107" grpId="0"/>
-      <p:bldP spid="108" grpId="0"/>
+      <p:bldP spid="12" grpId="0"/>
+      <p:bldP spid="13" grpId="0" animBg="1"/>
+      <p:bldP spid="13" grpId="1" animBg="1"/>
+      <p:bldP spid="14" grpId="0" animBg="1"/>
+      <p:bldP spid="14" grpId="1" animBg="1"/>
+      <p:bldP spid="16" grpId="0" animBg="1"/>
     </p:bldLst>
+  </p:timing>
+</p:sld>
+</file>
+
+<file path=ppt/slides/slide8.xml><?xml version="1.0" encoding="utf-8"?>
+<p:sld xmlns:a="http://schemas.openxmlformats.org/drawingml/2006/main" xmlns:r="http://schemas.openxmlformats.org/officeDocument/2006/relationships" xmlns:p="http://schemas.openxmlformats.org/presentationml/2006/main">
+  <p:cSld>
+    <p:spTree>
+      <p:nvGrpSpPr>
+        <p:cNvPr id="1" name=""/>
+        <p:cNvGrpSpPr/>
+        <p:nvPr/>
+      </p:nvGrpSpPr>
+      <p:grpSpPr>
+        <a:xfrm>
+          <a:off x="0" y="0"/>
+          <a:ext cx="0" cy="0"/>
+          <a:chOff x="0" y="0"/>
+          <a:chExt cx="0" cy="0"/>
+        </a:xfrm>
+      </p:grpSpPr>
+      <p:sp>
+        <p:nvSpPr>
+          <p:cNvPr id="6" name="Segnaposto data 5"/>
+          <p:cNvSpPr>
+            <a:spLocks noGrp="1"/>
+          </p:cNvSpPr>
+          <p:nvPr>
+            <p:ph type="dt" sz="half" idx="10"/>
+          </p:nvPr>
+        </p:nvSpPr>
+        <p:spPr/>
+        <p:txBody>
+          <a:bodyPr/>
+          <a:lstStyle/>
+          <a:p>
+            <a:r>
+              <a:rPr lang="it-IT" smtClean="0"/>
+              <a:t>Anno accademico 2007/2008</a:t>
+            </a:r>
+            <a:endParaRPr lang="it-IT" dirty="0"/>
+          </a:p>
+        </p:txBody>
+      </p:sp>
+      <p:sp>
+        <p:nvSpPr>
+          <p:cNvPr id="7" name="Segnaposto numero diapositiva 6"/>
+          <p:cNvSpPr>
+            <a:spLocks noGrp="1"/>
+          </p:cNvSpPr>
+          <p:nvPr>
+            <p:ph type="sldNum" sz="quarter" idx="12"/>
+          </p:nvPr>
+        </p:nvSpPr>
+        <p:spPr/>
+        <p:txBody>
+          <a:bodyPr/>
+          <a:lstStyle/>
+          <a:p>
+            <a:fld id="{BB9EEBAB-65FC-4513-B19A-4B06FD56D3C9}" type="slidenum">
+              <a:rPr lang="it-IT" smtClean="0"/>
+              <a:pPr/>
+              <a:t>8</a:t>
+            </a:fld>
+            <a:endParaRPr lang="it-IT" dirty="0"/>
+          </a:p>
+        </p:txBody>
+      </p:sp>
+      <p:sp>
+        <p:nvSpPr>
+          <p:cNvPr id="8" name="Segnaposto piè di pagina 7"/>
+          <p:cNvSpPr>
+            <a:spLocks noGrp="1"/>
+          </p:cNvSpPr>
+          <p:nvPr>
+            <p:ph type="ftr" sz="quarter" idx="11"/>
+          </p:nvPr>
+        </p:nvSpPr>
+        <p:spPr/>
+        <p:txBody>
+          <a:bodyPr/>
+          <a:lstStyle/>
+          <a:p>
+            <a:r>
+              <a:rPr lang="it-IT" smtClean="0"/>
+              <a:t>Università degli studi di Roma Tre</a:t>
+            </a:r>
+            <a:endParaRPr lang="it-IT" dirty="0"/>
+          </a:p>
+        </p:txBody>
+      </p:sp>
+      <p:sp>
+        <p:nvSpPr>
+          <p:cNvPr id="9" name="Titolo 3"/>
+          <p:cNvSpPr>
+            <a:spLocks noGrp="1"/>
+          </p:cNvSpPr>
+          <p:nvPr>
+            <p:ph type="ctrTitle"/>
+          </p:nvPr>
+        </p:nvSpPr>
+        <p:spPr>
+          <a:xfrm>
+            <a:off x="2643174" y="0"/>
+            <a:ext cx="6500826" cy="571480"/>
+          </a:xfrm>
+        </p:spPr>
+        <p:txBody>
+          <a:bodyPr>
+            <a:noAutofit/>
+          </a:bodyPr>
+          <a:lstStyle/>
+          <a:p>
+            <a:pPr lvl="1"/>
+            <a:r>
+              <a:rPr lang="en-US" sz="2800" dirty="0" err="1" smtClean="0"/>
+              <a:t>Ambienti</a:t>
+            </a:r>
+            <a:r>
+              <a:rPr lang="en-US" sz="2800" dirty="0" smtClean="0"/>
+              <a:t> </a:t>
+            </a:r>
+            <a:r>
+              <a:rPr lang="en-US" sz="2800" dirty="0" err="1" smtClean="0"/>
+              <a:t>di</a:t>
+            </a:r>
+            <a:r>
+              <a:rPr lang="en-US" sz="2800" dirty="0" smtClean="0"/>
+              <a:t> </a:t>
+            </a:r>
+            <a:r>
+              <a:rPr lang="en-US" sz="2800" dirty="0" err="1" smtClean="0"/>
+              <a:t>configurazione</a:t>
+            </a:r>
+            <a:endParaRPr lang="en-US" sz="2800" dirty="0" smtClean="0"/>
+          </a:p>
+        </p:txBody>
+      </p:sp>
+      <p:sp>
+        <p:nvSpPr>
+          <p:cNvPr id="11" name="CasellaDiTesto 10"/>
+          <p:cNvSpPr txBox="1"/>
+          <p:nvPr/>
+        </p:nvSpPr>
+        <p:spPr>
+          <a:xfrm>
+            <a:off x="255306" y="857232"/>
+            <a:ext cx="8633389" cy="3323987"/>
+          </a:xfrm>
+          <a:prstGeom prst="rect">
+            <a:avLst/>
+          </a:prstGeom>
+          <a:noFill/>
+        </p:spPr>
+        <p:txBody>
+          <a:bodyPr wrap="square" rtlCol="0">
+            <a:spAutoFit/>
+          </a:bodyPr>
+          <a:lstStyle/>
+          <a:p>
+            <a:pPr>
+              <a:lnSpc>
+                <a:spcPct val="150000"/>
+              </a:lnSpc>
+              <a:buFont typeface="Wingdings" pitchFamily="2" charset="2"/>
+              <a:buChar char="Ø"/>
+            </a:pPr>
+            <a:r>
+              <a:rPr lang="en-US" sz="2800" dirty="0" err="1" smtClean="0"/>
+              <a:t>Assistono</a:t>
+            </a:r>
+            <a:r>
+              <a:rPr lang="en-US" sz="2800" dirty="0" smtClean="0"/>
+              <a:t> </a:t>
+            </a:r>
+            <a:r>
+              <a:rPr lang="en-US" sz="2800" dirty="0" err="1" smtClean="0"/>
+              <a:t>l’utente</a:t>
+            </a:r>
+            <a:r>
+              <a:rPr lang="en-US" sz="2800" dirty="0" smtClean="0"/>
+              <a:t> </a:t>
+            </a:r>
+            <a:r>
+              <a:rPr lang="en-US" sz="2800" dirty="0" err="1" smtClean="0"/>
+              <a:t>durante</a:t>
+            </a:r>
+            <a:r>
+              <a:rPr lang="en-US" sz="2800" dirty="0" smtClean="0"/>
+              <a:t> la </a:t>
+            </a:r>
+            <a:r>
+              <a:rPr lang="en-US" sz="2800" dirty="0" err="1" smtClean="0"/>
+              <a:t>creazione</a:t>
+            </a:r>
+            <a:r>
+              <a:rPr lang="en-US" sz="2800" dirty="0" smtClean="0"/>
+              <a:t> </a:t>
+            </a:r>
+            <a:r>
+              <a:rPr lang="en-US" sz="2800" dirty="0" err="1" smtClean="0"/>
+              <a:t>di</a:t>
+            </a:r>
+            <a:r>
+              <a:rPr lang="en-US" sz="2800" dirty="0" smtClean="0"/>
+              <a:t> un </a:t>
+            </a:r>
+            <a:r>
+              <a:rPr lang="en-US" sz="2800" dirty="0" err="1" smtClean="0"/>
+              <a:t>laboratorio</a:t>
+            </a:r>
+            <a:endParaRPr lang="en-US" sz="2800" dirty="0" smtClean="0"/>
+          </a:p>
+          <a:p>
+            <a:pPr>
+              <a:lnSpc>
+                <a:spcPct val="150000"/>
+              </a:lnSpc>
+              <a:buFont typeface="Wingdings" pitchFamily="2" charset="2"/>
+              <a:buChar char="Ø"/>
+            </a:pPr>
+            <a:r>
+              <a:rPr lang="en-US" sz="2800" dirty="0" err="1" smtClean="0"/>
+              <a:t>Forniscono</a:t>
+            </a:r>
+            <a:r>
+              <a:rPr lang="en-US" sz="2800" dirty="0" smtClean="0"/>
+              <a:t> </a:t>
+            </a:r>
+            <a:r>
+              <a:rPr lang="en-US" sz="2800" dirty="0" err="1" smtClean="0"/>
+              <a:t>un’interfaccia</a:t>
+            </a:r>
+            <a:r>
+              <a:rPr lang="en-US" sz="2800" dirty="0" smtClean="0"/>
+              <a:t> </a:t>
+            </a:r>
+            <a:r>
+              <a:rPr lang="en-US" sz="2800" dirty="0" err="1" smtClean="0"/>
+              <a:t>grafica</a:t>
+            </a:r>
+            <a:r>
+              <a:rPr lang="en-US" sz="2800" dirty="0" smtClean="0"/>
+              <a:t> </a:t>
+            </a:r>
+            <a:r>
+              <a:rPr lang="en-US" sz="2800" dirty="0" err="1" smtClean="0"/>
+              <a:t>intuitiva</a:t>
+            </a:r>
+            <a:endParaRPr lang="en-US" sz="2800" dirty="0" smtClean="0"/>
+          </a:p>
+          <a:p>
+            <a:pPr>
+              <a:lnSpc>
+                <a:spcPct val="150000"/>
+              </a:lnSpc>
+              <a:buFont typeface="Wingdings" pitchFamily="2" charset="2"/>
+              <a:buChar char="Ø"/>
+            </a:pPr>
+            <a:r>
+              <a:rPr lang="en-US" sz="2800" dirty="0" err="1" smtClean="0"/>
+              <a:t>L’utente</a:t>
+            </a:r>
+            <a:r>
+              <a:rPr lang="en-US" sz="2800" dirty="0" smtClean="0"/>
+              <a:t> ha un feedback </a:t>
+            </a:r>
+            <a:r>
+              <a:rPr lang="en-US" sz="2800" dirty="0" err="1" smtClean="0"/>
+              <a:t>visivo</a:t>
+            </a:r>
+            <a:endParaRPr lang="en-US" sz="2800" dirty="0" smtClean="0"/>
+          </a:p>
+          <a:p>
+            <a:pPr>
+              <a:lnSpc>
+                <a:spcPct val="150000"/>
+              </a:lnSpc>
+              <a:buFont typeface="Wingdings" pitchFamily="2" charset="2"/>
+              <a:buChar char="Ø"/>
+            </a:pPr>
+            <a:r>
+              <a:rPr lang="en-US" sz="2800" dirty="0" err="1" smtClean="0"/>
+              <a:t>Modifiche</a:t>
+            </a:r>
+            <a:r>
+              <a:rPr lang="en-US" sz="2800" dirty="0" smtClean="0"/>
+              <a:t> </a:t>
+            </a:r>
+            <a:r>
+              <a:rPr lang="en-US" sz="2800" dirty="0" err="1" smtClean="0"/>
+              <a:t>alla</a:t>
+            </a:r>
+            <a:r>
+              <a:rPr lang="en-US" sz="2800" dirty="0" smtClean="0"/>
+              <a:t> </a:t>
+            </a:r>
+            <a:r>
+              <a:rPr lang="en-US" sz="2800" dirty="0" err="1" smtClean="0"/>
+              <a:t>topologia</a:t>
+            </a:r>
+            <a:r>
+              <a:rPr lang="en-US" sz="2800" dirty="0" smtClean="0"/>
+              <a:t> </a:t>
+            </a:r>
+            <a:r>
+              <a:rPr lang="en-US" sz="2800" dirty="0" err="1" smtClean="0"/>
+              <a:t>di</a:t>
+            </a:r>
+            <a:r>
+              <a:rPr lang="en-US" sz="2800" dirty="0" smtClean="0"/>
+              <a:t> </a:t>
+            </a:r>
+            <a:r>
+              <a:rPr lang="en-US" sz="2800" dirty="0" err="1" smtClean="0"/>
+              <a:t>rete</a:t>
+            </a:r>
+            <a:r>
+              <a:rPr lang="en-US" sz="2800" dirty="0" smtClean="0"/>
+              <a:t> </a:t>
+            </a:r>
+            <a:r>
+              <a:rPr lang="en-US" sz="2800" dirty="0" err="1" smtClean="0"/>
+              <a:t>rapide</a:t>
+            </a:r>
+            <a:endParaRPr lang="en-US" sz="2800" dirty="0" smtClean="0"/>
+          </a:p>
+          <a:p>
+            <a:pPr>
+              <a:lnSpc>
+                <a:spcPct val="150000"/>
+              </a:lnSpc>
+              <a:buFont typeface="Wingdings" pitchFamily="2" charset="2"/>
+              <a:buChar char="Ø"/>
+            </a:pPr>
+            <a:endParaRPr lang="it-IT" sz="2800" dirty="0"/>
+          </a:p>
+        </p:txBody>
+      </p:sp>
+    </p:spTree>
+  </p:cSld>
+  <p:clrMapOvr>
+    <a:masterClrMapping/>
+  </p:clrMapOvr>
+  <p:transition>
+    <p:fade/>
+  </p:transition>
+  <p:timing>
+    <p:tnLst>
+      <p:par>
+        <p:cTn id="1" dur="indefinite" restart="never" nodeType="tmRoot"/>
+      </p:par>
+    </p:tnLst>
   </p:timing>
 </p:sld>
 </file>
@@ -15504,10 +19241,46 @@
           </a:bodyPr>
           <a:lstStyle/>
           <a:p>
+            <a:r>
+              <a:rPr lang="en-US" sz="3600" dirty="0" err="1" smtClean="0"/>
+              <a:t>Ambienti</a:t>
+            </a:r>
+            <a:r>
+              <a:rPr lang="en-US" sz="3600" dirty="0" smtClean="0"/>
+              <a:t> </a:t>
+            </a:r>
+            <a:r>
+              <a:rPr lang="en-US" sz="3600" dirty="0" err="1" smtClean="0"/>
+              <a:t>di</a:t>
+            </a:r>
+            <a:r>
+              <a:rPr lang="en-US" sz="3600" dirty="0" smtClean="0"/>
+              <a:t> </a:t>
+            </a:r>
+            <a:r>
+              <a:rPr lang="en-US" sz="3600" dirty="0" err="1" smtClean="0"/>
+              <a:t>configurazione</a:t>
+            </a:r>
             <a:endParaRPr lang="it-IT" sz="3600" dirty="0"/>
           </a:p>
         </p:txBody>
       </p:sp>
+      <p:graphicFrame>
+        <p:nvGraphicFramePr>
+          <p:cNvPr id="10" name="Diagramma 9"/>
+          <p:cNvGraphicFramePr/>
+          <p:nvPr/>
+        </p:nvGraphicFramePr>
+        <p:xfrm>
+          <a:off x="214282" y="785794"/>
+          <a:ext cx="8715436" cy="5500726"/>
+        </p:xfrm>
+        <a:graphic>
+          <a:graphicData uri="http://schemas.openxmlformats.org/drawingml/2006/diagram">
+            <dgm:relIds xmlns:dgm="http://schemas.openxmlformats.org/drawingml/2006/diagram" xmlns:r="http://schemas.openxmlformats.org/officeDocument/2006/relationships" r:dm="rId2" r:lo="rId3" r:qs="rId4" r:cs="rId5"/>
+          </a:graphicData>
+        </a:graphic>
+      </p:graphicFrame>
     </p:spTree>
   </p:cSld>
   <p:clrMapOvr>

--- a/thesis_adf/presentazione_tesi/presentazione.pptx
+++ b/thesis_adf/presentazione_tesi/presentazione.pptx
@@ -12018,7 +12018,7 @@
         <p:spPr>
           <a:xfrm>
             <a:off x="2321671" y="0"/>
-            <a:ext cx="6822329" cy="742954"/>
+            <a:ext cx="6822329" cy="571480"/>
           </a:xfrm>
         </p:spPr>
         <p:txBody>
@@ -12027,6 +12027,10 @@
           </a:bodyPr>
           <a:lstStyle/>
           <a:p>
+            <a:r>
+              <a:rPr lang="en-US" sz="3600" dirty="0" err="1" smtClean="0"/>
+              <a:t>VisualNetkit</a:t>
+            </a:r>
             <a:endParaRPr lang="it-IT" sz="3600" dirty="0"/>
           </a:p>
         </p:txBody>
@@ -18921,8 +18925,8 @@
         </p:nvSpPr>
         <p:spPr>
           <a:xfrm>
-            <a:off x="255306" y="857232"/>
-            <a:ext cx="8633389" cy="3323987"/>
+            <a:off x="255306" y="857233"/>
+            <a:ext cx="8633389" cy="2677656"/>
           </a:xfrm>
           <a:prstGeom prst="rect">
             <a:avLst/>
@@ -19100,20 +19104,112 @@
               <a:rPr lang="en-US" sz="2800" dirty="0" err="1" smtClean="0"/>
               <a:t>rapide</a:t>
             </a:r>
-            <a:endParaRPr lang="en-US" sz="2800" dirty="0" smtClean="0"/>
-          </a:p>
-          <a:p>
-            <a:pPr>
-              <a:lnSpc>
-                <a:spcPct val="150000"/>
-              </a:lnSpc>
-              <a:buFont typeface="Wingdings" pitchFamily="2" charset="2"/>
-              <a:buChar char="Ø"/>
-            </a:pPr>
             <a:endParaRPr lang="it-IT" sz="2800" dirty="0"/>
           </a:p>
         </p:txBody>
       </p:sp>
+      <p:pic>
+        <p:nvPicPr>
+          <p:cNvPr id="10" name="Immagine 9" descr="vnumlgui.png"/>
+          <p:cNvPicPr>
+            <a:picLocks noChangeAspect="1"/>
+          </p:cNvPicPr>
+          <p:nvPr/>
+        </p:nvPicPr>
+        <p:blipFill>
+          <a:blip r:embed="rId2"/>
+          <a:stretch>
+            <a:fillRect/>
+          </a:stretch>
+        </p:blipFill>
+        <p:spPr>
+          <a:xfrm>
+            <a:off x="2643174" y="3799569"/>
+            <a:ext cx="2763601" cy="2273526"/>
+          </a:xfrm>
+          <a:prstGeom prst="rect">
+            <a:avLst/>
+          </a:prstGeom>
+          <a:ln>
+            <a:noFill/>
+          </a:ln>
+          <a:effectLst>
+            <a:outerShdw blurRad="190500" algn="tl" rotWithShape="0">
+              <a:srgbClr val="000000">
+                <a:alpha val="70000"/>
+              </a:srgbClr>
+            </a:outerShdw>
+          </a:effectLst>
+        </p:spPr>
+      </p:pic>
+      <p:pic>
+        <p:nvPicPr>
+          <p:cNvPr id="12" name="Immagine 11" descr="imunes_gui_normal.png"/>
+          <p:cNvPicPr>
+            <a:picLocks noChangeAspect="1"/>
+          </p:cNvPicPr>
+          <p:nvPr/>
+        </p:nvPicPr>
+        <p:blipFill>
+          <a:blip r:embed="rId3"/>
+          <a:stretch>
+            <a:fillRect/>
+          </a:stretch>
+        </p:blipFill>
+        <p:spPr>
+          <a:xfrm>
+            <a:off x="5786446" y="3682617"/>
+            <a:ext cx="3074360" cy="2507430"/>
+          </a:xfrm>
+          <a:prstGeom prst="rect">
+            <a:avLst/>
+          </a:prstGeom>
+          <a:ln>
+            <a:noFill/>
+          </a:ln>
+          <a:effectLst>
+            <a:outerShdw blurRad="190500" algn="tl" rotWithShape="0">
+              <a:srgbClr val="000000">
+                <a:alpha val="70000"/>
+              </a:srgbClr>
+            </a:outerShdw>
+          </a:effectLst>
+        </p:spPr>
+      </p:pic>
+      <p:pic>
+        <p:nvPicPr>
+          <p:cNvPr id="14" name="Immagine 13" descr="marionnet_gui.png"/>
+          <p:cNvPicPr>
+            <a:picLocks noChangeAspect="1"/>
+          </p:cNvPicPr>
+          <p:nvPr/>
+        </p:nvPicPr>
+        <p:blipFill>
+          <a:blip r:embed="rId4"/>
+          <a:stretch>
+            <a:fillRect/>
+          </a:stretch>
+        </p:blipFill>
+        <p:spPr>
+          <a:xfrm>
+            <a:off x="214282" y="3643314"/>
+            <a:ext cx="2062341" cy="2586037"/>
+          </a:xfrm>
+          <a:prstGeom prst="rect">
+            <a:avLst/>
+          </a:prstGeom>
+          <a:ln>
+            <a:noFill/>
+          </a:ln>
+          <a:effectLst>
+            <a:outerShdw blurRad="190500" algn="tl" rotWithShape="0">
+              <a:srgbClr val="000000">
+                <a:alpha val="70000"/>
+              </a:srgbClr>
+            </a:outerShdw>
+          </a:effectLst>
+        </p:spPr>
+      </p:pic>
     </p:spTree>
   </p:cSld>
   <p:clrMapOvr>

--- a/thesis_adf/presentazione_tesi/presentazione.pptx
+++ b/thesis_adf/presentazione_tesi/presentazione.pptx
@@ -21,7 +21,7 @@
     <p:sldId id="271" r:id="rId12"/>
     <p:sldId id="265" r:id="rId13"/>
     <p:sldId id="269" r:id="rId14"/>
-    <p:sldId id="270" r:id="rId15"/>
+    <p:sldId id="272" r:id="rId15"/>
   </p:sldIdLst>
   <p:sldSz cx="9144000" cy="6858000" type="screen4x3"/>
   <p:notesSz cx="6858000" cy="9144000"/>
@@ -4771,10 +4771,10 @@
     <dgm:cxn modelId="{1BD1173A-F23C-4ADB-B85C-5A3F5F4750B2}" srcId="{4BB90C08-9948-4B99-AE29-E070C10ED07D}" destId="{434D032E-C61E-4571-AF21-48A2D5FE67A6}" srcOrd="2" destOrd="0" parTransId="{72FB1532-600E-44FB-91C4-EA4D0D14C7AB}" sibTransId="{86109CA4-B773-4060-B2D1-1BF8D03AFCF4}"/>
     <dgm:cxn modelId="{48E7C4AD-D00A-446E-9FC8-65C186BFAFCB}" type="presOf" srcId="{4BB90C08-9948-4B99-AE29-E070C10ED07D}" destId="{A71205EB-3838-4A0C-B40C-6DE903DA1BAA}" srcOrd="1" destOrd="0" presId="urn:microsoft.com/office/officeart/2005/8/layout/vList4"/>
     <dgm:cxn modelId="{7DCC1E52-6A27-44F0-B063-C5D4918FF1EA}" type="presOf" srcId="{AE1B0D04-8EB0-46D4-9D71-8C91A1B25C69}" destId="{A71205EB-3838-4A0C-B40C-6DE903DA1BAA}" srcOrd="1" destOrd="2" presId="urn:microsoft.com/office/officeart/2005/8/layout/vList4"/>
+    <dgm:cxn modelId="{16A22180-76C5-4DC2-8106-25CDAF3E06B2}" type="presOf" srcId="{D83903CD-6AC1-4E33-B399-BA937328CD13}" destId="{CE6CBFD9-0742-4FE3-BD5E-367C35A58332}" srcOrd="0" destOrd="1" presId="urn:microsoft.com/office/officeart/2005/8/layout/vList4"/>
+    <dgm:cxn modelId="{3B0E098E-86E0-49BE-AC87-10F470C99095}" type="presOf" srcId="{D83903CD-6AC1-4E33-B399-BA937328CD13}" destId="{A71205EB-3838-4A0C-B40C-6DE903DA1BAA}" srcOrd="1" destOrd="1" presId="urn:microsoft.com/office/officeart/2005/8/layout/vList4"/>
+    <dgm:cxn modelId="{A96FFE1A-C698-4A84-8854-CE335A935B44}" type="presOf" srcId="{C0916FAB-656D-41AF-BF2F-38089F158062}" destId="{CE6CBFD9-0742-4FE3-BD5E-367C35A58332}" srcOrd="0" destOrd="4" presId="urn:microsoft.com/office/officeart/2005/8/layout/vList4"/>
     <dgm:cxn modelId="{655CDAFF-DEAC-4A2A-A528-27D8AFA87DF6}" type="presOf" srcId="{434D032E-C61E-4571-AF21-48A2D5FE67A6}" destId="{CE6CBFD9-0742-4FE3-BD5E-367C35A58332}" srcOrd="0" destOrd="3" presId="urn:microsoft.com/office/officeart/2005/8/layout/vList4"/>
-    <dgm:cxn modelId="{16A22180-76C5-4DC2-8106-25CDAF3E06B2}" type="presOf" srcId="{D83903CD-6AC1-4E33-B399-BA937328CD13}" destId="{CE6CBFD9-0742-4FE3-BD5E-367C35A58332}" srcOrd="0" destOrd="1" presId="urn:microsoft.com/office/officeart/2005/8/layout/vList4"/>
-    <dgm:cxn modelId="{A96FFE1A-C698-4A84-8854-CE335A935B44}" type="presOf" srcId="{C0916FAB-656D-41AF-BF2F-38089F158062}" destId="{CE6CBFD9-0742-4FE3-BD5E-367C35A58332}" srcOrd="0" destOrd="4" presId="urn:microsoft.com/office/officeart/2005/8/layout/vList4"/>
-    <dgm:cxn modelId="{3B0E098E-86E0-49BE-AC87-10F470C99095}" type="presOf" srcId="{D83903CD-6AC1-4E33-B399-BA937328CD13}" destId="{A71205EB-3838-4A0C-B40C-6DE903DA1BAA}" srcOrd="1" destOrd="1" presId="urn:microsoft.com/office/officeart/2005/8/layout/vList4"/>
     <dgm:cxn modelId="{DB39DD9F-4FAD-44DF-A487-4F6C71C70FF5}" srcId="{C1A390D4-7138-40E5-A69C-D39AE7E0CDE2}" destId="{4BB90C08-9948-4B99-AE29-E070C10ED07D}" srcOrd="0" destOrd="0" parTransId="{93FD8235-B7A5-4F8A-A57A-C464DD824903}" sibTransId="{C3C21756-133E-4EE2-A7EA-024CB74EA3CD}"/>
     <dgm:cxn modelId="{C6719B37-81A6-4B0E-BE48-12CA3F90F5D9}" srcId="{4BB90C08-9948-4B99-AE29-E070C10ED07D}" destId="{C0916FAB-656D-41AF-BF2F-38089F158062}" srcOrd="3" destOrd="0" parTransId="{D31449A8-BEFC-46BB-9AAF-3A7CB4C4E6A9}" sibTransId="{3D7B2CA4-B23D-45D9-BA15-91A12D8C9928}"/>
     <dgm:cxn modelId="{287C8AF9-0383-4B04-B5B2-CA2232BB474D}" type="presOf" srcId="{2FE0AFA9-A075-4FFA-8F73-A688628FE36D}" destId="{CE6CBFD9-0742-4FE3-BD5E-367C35A58332}" srcOrd="0" destOrd="5" presId="urn:microsoft.com/office/officeart/2005/8/layout/vList4"/>
@@ -4811,7 +4811,7 @@
         </a:p>
       </dgm:t>
     </dgm:pt>
-    <dgm:pt modelId="{4E2C6713-A699-4F31-84AA-D7B9D8A41B89}">
+    <dgm:pt modelId="{110F2E96-341F-4128-B22A-EFC5B7C48AE1}">
       <dgm:prSet phldrT="[Testo]"/>
       <dgm:spPr/>
       <dgm:t>
@@ -4819,146 +4819,6 @@
         <a:lstStyle/>
         <a:p>
           <a:pPr algn="l"/>
-          <a:r>
-            <a:rPr lang="it-IT" b="1" noProof="0" dirty="0" smtClean="0"/>
-            <a:t>Tecnologie</a:t>
-          </a:r>
-          <a:r>
-            <a:rPr lang="en-US" b="1" dirty="0" smtClean="0"/>
-            <a:t> </a:t>
-          </a:r>
-          <a:r>
-            <a:rPr lang="en-US" b="1" dirty="0" err="1" smtClean="0"/>
-            <a:t>utilizzate</a:t>
-          </a:r>
-          <a:endParaRPr lang="it-IT" b="1" dirty="0"/>
-        </a:p>
-      </dgm:t>
-    </dgm:pt>
-    <dgm:pt modelId="{96FCEB82-E74E-4272-9156-AB0B13B984C7}" type="parTrans" cxnId="{C8230CD9-48EE-483D-AD7C-6662A3B862D7}">
-      <dgm:prSet/>
-      <dgm:spPr/>
-      <dgm:t>
-        <a:bodyPr/>
-        <a:lstStyle/>
-        <a:p>
-          <a:endParaRPr lang="it-IT"/>
-        </a:p>
-      </dgm:t>
-    </dgm:pt>
-    <dgm:pt modelId="{B1F29E6E-E987-4D71-9280-0A24669EB5CD}" type="sibTrans" cxnId="{C8230CD9-48EE-483D-AD7C-6662A3B862D7}">
-      <dgm:prSet/>
-      <dgm:spPr/>
-      <dgm:t>
-        <a:bodyPr/>
-        <a:lstStyle/>
-        <a:p>
-          <a:endParaRPr lang="it-IT"/>
-        </a:p>
-      </dgm:t>
-    </dgm:pt>
-    <dgm:pt modelId="{7545480F-1199-4772-B20D-6C4AC8D70E25}">
-      <dgm:prSet phldrT="[Testo]"/>
-      <dgm:spPr/>
-      <dgm:t>
-        <a:bodyPr/>
-        <a:lstStyle/>
-        <a:p>
-          <a:pPr algn="l"/>
-          <a:r>
-            <a:rPr lang="en-US" dirty="0" err="1" smtClean="0"/>
-            <a:t>Linguaggio</a:t>
-          </a:r>
-          <a:r>
-            <a:rPr lang="en-US" dirty="0" smtClean="0"/>
-            <a:t>: C++/Qt4 by Nokia-</a:t>
-          </a:r>
-          <a:r>
-            <a:rPr lang="en-US" dirty="0" err="1" smtClean="0"/>
-            <a:t>Trolltech</a:t>
-          </a:r>
-          <a:r>
-            <a:rPr lang="en-US" dirty="0" smtClean="0">
-              <a:latin typeface="Times New Roman"/>
-              <a:cs typeface="Times New Roman"/>
-            </a:rPr>
-            <a:t>®</a:t>
-          </a:r>
-          <a:endParaRPr lang="it-IT" dirty="0"/>
-        </a:p>
-      </dgm:t>
-    </dgm:pt>
-    <dgm:pt modelId="{3E40A5E9-A40E-4319-B6CA-4E98E8D6DC0F}" type="parTrans" cxnId="{E0134206-EEFB-4F2B-A615-C703AEF41A76}">
-      <dgm:prSet/>
-      <dgm:spPr/>
-      <dgm:t>
-        <a:bodyPr/>
-        <a:lstStyle/>
-        <a:p>
-          <a:endParaRPr lang="it-IT"/>
-        </a:p>
-      </dgm:t>
-    </dgm:pt>
-    <dgm:pt modelId="{CB7CC851-55EA-4D36-880F-E1DD44AEC0B9}" type="sibTrans" cxnId="{E0134206-EEFB-4F2B-A615-C703AEF41A76}">
-      <dgm:prSet/>
-      <dgm:spPr/>
-      <dgm:t>
-        <a:bodyPr/>
-        <a:lstStyle/>
-        <a:p>
-          <a:endParaRPr lang="it-IT"/>
-        </a:p>
-      </dgm:t>
-    </dgm:pt>
-    <dgm:pt modelId="{EFB38241-3FF5-4F69-9CD8-65E77B4258E5}">
-      <dgm:prSet phldrT="[Testo]"/>
-      <dgm:spPr/>
-      <dgm:t>
-        <a:bodyPr/>
-        <a:lstStyle/>
-        <a:p>
-          <a:pPr algn="l"/>
-          <a:r>
-            <a:rPr lang="en-US" dirty="0" err="1" smtClean="0"/>
-            <a:t>Licenza</a:t>
-          </a:r>
-          <a:r>
-            <a:rPr lang="en-US" dirty="0" smtClean="0"/>
-            <a:t>: GPL v3</a:t>
-          </a:r>
-          <a:endParaRPr lang="it-IT" dirty="0"/>
-        </a:p>
-      </dgm:t>
-    </dgm:pt>
-    <dgm:pt modelId="{F711AF4B-F847-40DA-9090-5300192BE764}" type="parTrans" cxnId="{38913ED5-F397-430C-BD82-BFA6E451537E}">
-      <dgm:prSet/>
-      <dgm:spPr/>
-      <dgm:t>
-        <a:bodyPr/>
-        <a:lstStyle/>
-        <a:p>
-          <a:endParaRPr lang="it-IT"/>
-        </a:p>
-      </dgm:t>
-    </dgm:pt>
-    <dgm:pt modelId="{A80F3F8C-BCF2-418C-9A32-68ADB7829858}" type="sibTrans" cxnId="{38913ED5-F397-430C-BD82-BFA6E451537E}">
-      <dgm:prSet/>
-      <dgm:spPr/>
-      <dgm:t>
-        <a:bodyPr/>
-        <a:lstStyle/>
-        <a:p>
-          <a:endParaRPr lang="it-IT"/>
-        </a:p>
-      </dgm:t>
-    </dgm:pt>
-    <dgm:pt modelId="{110F2E96-341F-4128-B22A-EFC5B7C48AE1}">
-      <dgm:prSet phldrT="[Testo]"/>
-      <dgm:spPr/>
-      <dgm:t>
-        <a:bodyPr/>
-        <a:lstStyle/>
-        <a:p>
           <a:r>
             <a:rPr lang="en-US" b="1" dirty="0" err="1" smtClean="0"/>
             <a:t>Riferimenti</a:t>
@@ -4996,6 +4856,7 @@
         <a:bodyPr/>
         <a:lstStyle/>
         <a:p>
+          <a:pPr algn="l"/>
           <a:r>
             <a:rPr lang="en-US" dirty="0" err="1" smtClean="0"/>
             <a:t>Tre</a:t>
@@ -5053,6 +4914,7 @@
         <a:bodyPr/>
         <a:lstStyle/>
         <a:p>
+          <a:pPr algn="l"/>
           <a:r>
             <a:rPr lang="it-IT" u="sng" dirty="0" smtClean="0"/>
             <a:t>http://code.google.com/p/visual-netkit/</a:t>
@@ -5214,7 +5076,11 @@
           </a:r>
           <a:r>
             <a:rPr lang="en-US" dirty="0" smtClean="0"/>
-            <a:t> “Made-By-Hands”</a:t>
+            <a:t> </a:t>
+          </a:r>
+          <a:r>
+            <a:rPr lang="en-US" dirty="0" err="1" smtClean="0"/>
+            <a:t>esistenti</a:t>
           </a:r>
           <a:endParaRPr lang="it-IT" dirty="0"/>
         </a:p>
@@ -5242,6 +5108,162 @@
         </a:p>
       </dgm:t>
     </dgm:pt>
+    <dgm:pt modelId="{9DA24099-3650-4745-AA47-1038CD8BB4EA}">
+      <dgm:prSet phldrT="[Testo]"/>
+      <dgm:spPr/>
+      <dgm:t>
+        <a:bodyPr/>
+        <a:lstStyle/>
+        <a:p>
+          <a:r>
+            <a:rPr lang="it-IT" dirty="0" smtClean="0"/>
+            <a:t>Problemi di </a:t>
+          </a:r>
+          <a:r>
+            <a:rPr lang="it-IT" dirty="0" err="1" smtClean="0"/>
+            <a:t>Graph</a:t>
+          </a:r>
+          <a:r>
+            <a:rPr lang="it-IT" dirty="0" smtClean="0"/>
+            <a:t> </a:t>
+          </a:r>
+          <a:r>
+            <a:rPr lang="it-IT" dirty="0" err="1" smtClean="0"/>
+            <a:t>Drawing</a:t>
+          </a:r>
+          <a:endParaRPr lang="it-IT" dirty="0"/>
+        </a:p>
+      </dgm:t>
+    </dgm:pt>
+    <dgm:pt modelId="{A05FEFBC-8531-4D3F-812E-7BC36C9E9339}" type="parTrans" cxnId="{D5B0E4F0-8608-4A18-874B-5BE82E10C79B}">
+      <dgm:prSet/>
+      <dgm:spPr/>
+      <dgm:t>
+        <a:bodyPr/>
+        <a:lstStyle/>
+        <a:p>
+          <a:endParaRPr lang="it-IT"/>
+        </a:p>
+      </dgm:t>
+    </dgm:pt>
+    <dgm:pt modelId="{4DB7908E-EE0D-4B56-9BDA-4F7D240F80B1}" type="sibTrans" cxnId="{D5B0E4F0-8608-4A18-874B-5BE82E10C79B}">
+      <dgm:prSet/>
+      <dgm:spPr/>
+      <dgm:t>
+        <a:bodyPr/>
+        <a:lstStyle/>
+        <a:p>
+          <a:endParaRPr lang="it-IT"/>
+        </a:p>
+      </dgm:t>
+    </dgm:pt>
+    <dgm:pt modelId="{9E629373-1FAD-4713-A26E-979AC12C66A4}">
+      <dgm:prSet phldrT="[Testo]"/>
+      <dgm:spPr/>
+      <dgm:t>
+        <a:bodyPr/>
+        <a:lstStyle/>
+        <a:p>
+          <a:r>
+            <a:rPr lang="it-IT" dirty="0" err="1" smtClean="0"/>
+            <a:t>Esporting</a:t>
+          </a:r>
+          <a:r>
+            <a:rPr lang="it-IT" dirty="0" smtClean="0"/>
+            <a:t> del laboratorio creato in un formato portabile ed auto-contenuto</a:t>
+          </a:r>
+          <a:endParaRPr lang="it-IT" dirty="0"/>
+        </a:p>
+      </dgm:t>
+    </dgm:pt>
+    <dgm:pt modelId="{D071B07A-0A1F-4A3B-9A6D-A05601320698}" type="parTrans" cxnId="{16B1CCE2-24CC-47EA-8B1D-2136574C736C}">
+      <dgm:prSet/>
+      <dgm:spPr/>
+      <dgm:t>
+        <a:bodyPr/>
+        <a:lstStyle/>
+        <a:p>
+          <a:endParaRPr lang="it-IT"/>
+        </a:p>
+      </dgm:t>
+    </dgm:pt>
+    <dgm:pt modelId="{52871FA2-5C6E-4BDA-AC42-9C7781DFF690}" type="sibTrans" cxnId="{16B1CCE2-24CC-47EA-8B1D-2136574C736C}">
+      <dgm:prSet/>
+      <dgm:spPr/>
+      <dgm:t>
+        <a:bodyPr/>
+        <a:lstStyle/>
+        <a:p>
+          <a:endParaRPr lang="it-IT"/>
+        </a:p>
+      </dgm:t>
+    </dgm:pt>
+    <dgm:pt modelId="{1079109F-2DCD-40C8-8D6B-C4E3ABEBB31A}">
+      <dgm:prSet phldrT="[Testo]"/>
+      <dgm:spPr/>
+      <dgm:t>
+        <a:bodyPr/>
+        <a:lstStyle/>
+        <a:p>
+          <a:pPr algn="l"/>
+          <a:r>
+            <a:rPr lang="en-US" dirty="0" err="1" smtClean="0"/>
+            <a:t>Licenza</a:t>
+          </a:r>
+          <a:r>
+            <a:rPr lang="en-US" dirty="0" smtClean="0"/>
+            <a:t>: </a:t>
+          </a:r>
+          <a:r>
+            <a:rPr lang="en-US" b="1" dirty="0" smtClean="0"/>
+            <a:t>G</a:t>
+          </a:r>
+          <a:r>
+            <a:rPr lang="en-US" dirty="0" smtClean="0"/>
+            <a:t>eneral </a:t>
+          </a:r>
+          <a:r>
+            <a:rPr lang="en-US" b="1" dirty="0" smtClean="0"/>
+            <a:t>P</a:t>
+          </a:r>
+          <a:r>
+            <a:rPr lang="en-US" dirty="0" smtClean="0"/>
+            <a:t>ublic </a:t>
+          </a:r>
+          <a:r>
+            <a:rPr lang="en-US" b="1" dirty="0" smtClean="0"/>
+            <a:t>L</a:t>
+          </a:r>
+          <a:r>
+            <a:rPr lang="en-US" dirty="0" smtClean="0"/>
+            <a:t>icense  v3</a:t>
+          </a:r>
+          <a:endParaRPr lang="it-IT" u="sng" dirty="0"/>
+        </a:p>
+      </dgm:t>
+    </dgm:pt>
+    <dgm:pt modelId="{526AC214-B2D9-4887-9401-97D12C2F101F}" type="parTrans" cxnId="{4D89E140-023B-4846-9BDC-7B0BF3336AA8}">
+      <dgm:prSet/>
+      <dgm:spPr/>
+      <dgm:t>
+        <a:bodyPr/>
+        <a:lstStyle/>
+        <a:p>
+          <a:endParaRPr lang="it-IT"/>
+        </a:p>
+      </dgm:t>
+    </dgm:pt>
+    <dgm:pt modelId="{4C939F3A-5F51-4687-BB38-15397C3EF84B}" type="sibTrans" cxnId="{4D89E140-023B-4846-9BDC-7B0BF3336AA8}">
+      <dgm:prSet/>
+      <dgm:spPr/>
+      <dgm:t>
+        <a:bodyPr/>
+        <a:lstStyle/>
+        <a:p>
+          <a:endParaRPr lang="it-IT"/>
+        </a:p>
+      </dgm:t>
+    </dgm:pt>
     <dgm:pt modelId="{51EE6571-4C05-47DC-9029-C35BF00D7394}" type="pres">
       <dgm:prSet presAssocID="{C1A390D4-7138-40E5-A69C-D39AE7E0CDE2}" presName="linear" presStyleCnt="0">
         <dgm:presLayoutVars>
@@ -5258,12 +5280,12 @@
         </a:p>
       </dgm:t>
     </dgm:pt>
-    <dgm:pt modelId="{72DB655B-BEF4-4F62-AD39-39A14EE24ED3}" type="pres">
-      <dgm:prSet presAssocID="{4E2C6713-A699-4F31-84AA-D7B9D8A41B89}" presName="comp" presStyleCnt="0"/>
+    <dgm:pt modelId="{3578B1C2-270F-4E67-A98F-6C2F1125B8AC}" type="pres">
+      <dgm:prSet presAssocID="{110F2E96-341F-4128-B22A-EFC5B7C48AE1}" presName="comp" presStyleCnt="0"/>
       <dgm:spPr/>
     </dgm:pt>
-    <dgm:pt modelId="{30B578B6-7F36-4957-ACAC-9F98D07B76EC}" type="pres">
-      <dgm:prSet presAssocID="{4E2C6713-A699-4F31-84AA-D7B9D8A41B89}" presName="box" presStyleLbl="node1" presStyleIdx="0" presStyleCnt="3"/>
+    <dgm:pt modelId="{F1F76F48-0235-4A43-B8D0-180C84B9DF40}" type="pres">
+      <dgm:prSet presAssocID="{110F2E96-341F-4128-B22A-EFC5B7C48AE1}" presName="box" presStyleLbl="node1" presStyleIdx="0" presStyleCnt="2"/>
       <dgm:spPr/>
       <dgm:t>
         <a:bodyPr/>
@@ -5273,8 +5295,8 @@
         </a:p>
       </dgm:t>
     </dgm:pt>
-    <dgm:pt modelId="{27C1CC1E-A68D-49B7-BE62-DA6FC4BC8BEF}" type="pres">
-      <dgm:prSet presAssocID="{4E2C6713-A699-4F31-84AA-D7B9D8A41B89}" presName="img" presStyleLbl="fgImgPlace1" presStyleIdx="0" presStyleCnt="3" custScaleX="77254"/>
+    <dgm:pt modelId="{671E2F99-F347-4C31-BCF9-178DFD24F364}" type="pres">
+      <dgm:prSet presAssocID="{110F2E96-341F-4128-B22A-EFC5B7C48AE1}" presName="img" presStyleLbl="fgImgPlace1" presStyleIdx="0" presStyleCnt="2" custScaleX="77254" custScaleY="75378"/>
       <dgm:spPr>
         <a:blipFill rotWithShape="0">
           <a:blip xmlns:r="http://schemas.openxmlformats.org/officeDocument/2006/relationships" r:embed="rId1"/>
@@ -5287,56 +5309,8 @@
         </a:ln>
       </dgm:spPr>
     </dgm:pt>
-    <dgm:pt modelId="{87CE5B62-3C61-49ED-AD3D-E0091AF4CB7C}" type="pres">
-      <dgm:prSet presAssocID="{4E2C6713-A699-4F31-84AA-D7B9D8A41B89}" presName="text" presStyleLbl="node1" presStyleIdx="0" presStyleCnt="3">
-        <dgm:presLayoutVars>
-          <dgm:bulletEnabled val="1"/>
-        </dgm:presLayoutVars>
-      </dgm:prSet>
-      <dgm:spPr/>
-      <dgm:t>
-        <a:bodyPr/>
-        <a:lstStyle/>
-        <a:p>
-          <a:endParaRPr lang="it-IT"/>
-        </a:p>
-      </dgm:t>
-    </dgm:pt>
-    <dgm:pt modelId="{90DD10DF-B962-48BC-84F6-DC0A91330DC1}" type="pres">
-      <dgm:prSet presAssocID="{B1F29E6E-E987-4D71-9280-0A24669EB5CD}" presName="spacer" presStyleCnt="0"/>
-      <dgm:spPr/>
-    </dgm:pt>
-    <dgm:pt modelId="{3578B1C2-270F-4E67-A98F-6C2F1125B8AC}" type="pres">
-      <dgm:prSet presAssocID="{110F2E96-341F-4128-B22A-EFC5B7C48AE1}" presName="comp" presStyleCnt="0"/>
-      <dgm:spPr/>
-    </dgm:pt>
-    <dgm:pt modelId="{F1F76F48-0235-4A43-B8D0-180C84B9DF40}" type="pres">
-      <dgm:prSet presAssocID="{110F2E96-341F-4128-B22A-EFC5B7C48AE1}" presName="box" presStyleLbl="node1" presStyleIdx="1" presStyleCnt="3"/>
-      <dgm:spPr/>
-      <dgm:t>
-        <a:bodyPr/>
-        <a:lstStyle/>
-        <a:p>
-          <a:endParaRPr lang="it-IT"/>
-        </a:p>
-      </dgm:t>
-    </dgm:pt>
-    <dgm:pt modelId="{671E2F99-F347-4C31-BCF9-178DFD24F364}" type="pres">
-      <dgm:prSet presAssocID="{110F2E96-341F-4128-B22A-EFC5B7C48AE1}" presName="img" presStyleLbl="fgImgPlace1" presStyleIdx="1" presStyleCnt="3" custScaleX="77254"/>
-      <dgm:spPr>
-        <a:blipFill rotWithShape="0">
-          <a:blip xmlns:r="http://schemas.openxmlformats.org/officeDocument/2006/relationships" r:embed="rId2"/>
-          <a:stretch>
-            <a:fillRect/>
-          </a:stretch>
-        </a:blipFill>
-        <a:ln>
-          <a:noFill/>
-        </a:ln>
-      </dgm:spPr>
-    </dgm:pt>
     <dgm:pt modelId="{3074BDE6-8662-42B7-AE43-CF1D6E099A77}" type="pres">
-      <dgm:prSet presAssocID="{110F2E96-341F-4128-B22A-EFC5B7C48AE1}" presName="text" presStyleLbl="node1" presStyleIdx="1" presStyleCnt="3">
+      <dgm:prSet presAssocID="{110F2E96-341F-4128-B22A-EFC5B7C48AE1}" presName="text" presStyleLbl="node1" presStyleIdx="0" presStyleCnt="2">
         <dgm:presLayoutVars>
           <dgm:bulletEnabled val="1"/>
         </dgm:presLayoutVars>
@@ -5359,7 +5333,7 @@
       <dgm:spPr/>
     </dgm:pt>
     <dgm:pt modelId="{CE6CBFD9-0742-4FE3-BD5E-367C35A58332}" type="pres">
-      <dgm:prSet presAssocID="{4BB90C08-9948-4B99-AE29-E070C10ED07D}" presName="box" presStyleLbl="node1" presStyleIdx="2" presStyleCnt="3"/>
+      <dgm:prSet presAssocID="{4BB90C08-9948-4B99-AE29-E070C10ED07D}" presName="box" presStyleLbl="node1" presStyleIdx="1" presStyleCnt="2"/>
       <dgm:spPr/>
       <dgm:t>
         <a:bodyPr/>
@@ -5370,10 +5344,10 @@
       </dgm:t>
     </dgm:pt>
     <dgm:pt modelId="{7B2C9246-A286-4015-9848-A3761EA99150}" type="pres">
-      <dgm:prSet presAssocID="{4BB90C08-9948-4B99-AE29-E070C10ED07D}" presName="img" presStyleLbl="fgImgPlace1" presStyleIdx="2" presStyleCnt="3" custScaleX="86680"/>
+      <dgm:prSet presAssocID="{4BB90C08-9948-4B99-AE29-E070C10ED07D}" presName="img" presStyleLbl="fgImgPlace1" presStyleIdx="1" presStyleCnt="2" custScaleX="86680" custScaleY="69852"/>
       <dgm:spPr>
         <a:blipFill rotWithShape="0">
-          <a:blip xmlns:r="http://schemas.openxmlformats.org/officeDocument/2006/relationships" r:embed="rId3"/>
+          <a:blip xmlns:r="http://schemas.openxmlformats.org/officeDocument/2006/relationships" r:embed="rId2"/>
           <a:stretch>
             <a:fillRect/>
           </a:stretch>
@@ -5384,7 +5358,7 @@
       </dgm:spPr>
     </dgm:pt>
     <dgm:pt modelId="{A71205EB-3838-4A0C-B40C-6DE903DA1BAA}" type="pres">
-      <dgm:prSet presAssocID="{4BB90C08-9948-4B99-AE29-E070C10ED07D}" presName="text" presStyleLbl="node1" presStyleIdx="2" presStyleCnt="3">
+      <dgm:prSet presAssocID="{4BB90C08-9948-4B99-AE29-E070C10ED07D}" presName="text" presStyleLbl="node1" presStyleIdx="1" presStyleCnt="2">
         <dgm:presLayoutVars>
           <dgm:bulletEnabled val="1"/>
         </dgm:presLayoutVars>
@@ -5400,48 +5374,43 @@
     </dgm:pt>
   </dgm:ptLst>
   <dgm:cxnLst>
-    <dgm:cxn modelId="{E0134206-EEFB-4F2B-A615-C703AEF41A76}" srcId="{4E2C6713-A699-4F31-84AA-D7B9D8A41B89}" destId="{7545480F-1199-4772-B20D-6C4AC8D70E25}" srcOrd="0" destOrd="0" parTransId="{3E40A5E9-A40E-4319-B6CA-4E98E8D6DC0F}" sibTransId="{CB7CC851-55EA-4D36-880F-E1DD44AEC0B9}"/>
-    <dgm:cxn modelId="{B05BA182-B07B-4636-ADE2-35C8398EEF82}" type="presOf" srcId="{7545480F-1199-4772-B20D-6C4AC8D70E25}" destId="{87CE5B62-3C61-49ED-AD3D-E0091AF4CB7C}" srcOrd="1" destOrd="1" presId="urn:microsoft.com/office/officeart/2005/8/layout/vList4"/>
+    <dgm:cxn modelId="{3F5E57F8-5605-4DEA-A881-819D5753C0DD}" type="presOf" srcId="{07533D2A-FC6D-4865-96C6-33BF266B5D44}" destId="{A71205EB-3838-4A0C-B40C-6DE903DA1BAA}" srcOrd="1" destOrd="1" presId="urn:microsoft.com/office/officeart/2005/8/layout/vList4"/>
+    <dgm:cxn modelId="{8934ED2A-8312-463E-9A20-960E6D5AF85E}" type="presOf" srcId="{9DA24099-3650-4745-AA47-1038CD8BB4EA}" destId="{A71205EB-3838-4A0C-B40C-6DE903DA1BAA}" srcOrd="1" destOrd="3" presId="urn:microsoft.com/office/officeart/2005/8/layout/vList4"/>
     <dgm:cxn modelId="{1E196E1A-3901-42C1-BCD4-0230AA83C2D1}" srcId="{110F2E96-341F-4128-B22A-EFC5B7C48AE1}" destId="{F53456BF-D7AD-4017-BFD9-A55BF2DDE759}" srcOrd="1" destOrd="0" parTransId="{414BBFD3-D211-4E83-AF97-ED7EDCB0DD24}" sibTransId="{181A691F-047F-4FBE-9CF3-508FF106DEE9}"/>
-    <dgm:cxn modelId="{A9E259B0-B4E4-43B1-B657-3B38EE3BA9FE}" type="presOf" srcId="{2543E51C-1F69-4F16-A26E-985B31922749}" destId="{F1F76F48-0235-4A43-B8D0-180C84B9DF40}" srcOrd="0" destOrd="1" presId="urn:microsoft.com/office/officeart/2005/8/layout/vList4"/>
-    <dgm:cxn modelId="{F9242D5B-C395-4312-92F9-2E3B59BD87F3}" type="presOf" srcId="{4BB90C08-9948-4B99-AE29-E070C10ED07D}" destId="{A71205EB-3838-4A0C-B40C-6DE903DA1BAA}" srcOrd="1" destOrd="0" presId="urn:microsoft.com/office/officeart/2005/8/layout/vList4"/>
-    <dgm:cxn modelId="{DB2B6868-92B3-48D6-A618-9B26D97F01EE}" type="presOf" srcId="{F53456BF-D7AD-4017-BFD9-A55BF2DDE759}" destId="{3074BDE6-8662-42B7-AE43-CF1D6E099A77}" srcOrd="1" destOrd="2" presId="urn:microsoft.com/office/officeart/2005/8/layout/vList4"/>
+    <dgm:cxn modelId="{16891203-43B8-4F60-8645-D1F376D21C0E}" type="presOf" srcId="{9E629373-1FAD-4713-A26E-979AC12C66A4}" destId="{CE6CBFD9-0742-4FE3-BD5E-367C35A58332}" srcOrd="0" destOrd="4" presId="urn:microsoft.com/office/officeart/2005/8/layout/vList4"/>
+    <dgm:cxn modelId="{8BFEC5B5-FCBA-43CA-9BA0-128342635827}" type="presOf" srcId="{1079109F-2DCD-40C8-8D6B-C4E3ABEBB31A}" destId="{F1F76F48-0235-4A43-B8D0-180C84B9DF40}" srcOrd="0" destOrd="3" presId="urn:microsoft.com/office/officeart/2005/8/layout/vList4"/>
+    <dgm:cxn modelId="{CF5C6C99-411E-417B-BEED-C424892FC119}" type="presOf" srcId="{110F2E96-341F-4128-B22A-EFC5B7C48AE1}" destId="{3074BDE6-8662-42B7-AE43-CF1D6E099A77}" srcOrd="1" destOrd="0" presId="urn:microsoft.com/office/officeart/2005/8/layout/vList4"/>
     <dgm:cxn modelId="{181EC5BF-B4E0-4973-A8CC-44CE7C80ABF4}" srcId="{4BB90C08-9948-4B99-AE29-E070C10ED07D}" destId="{C53F41FB-401F-47E2-851B-7978B377975C}" srcOrd="1" destOrd="0" parTransId="{DCF3CB66-A532-45C0-8DE4-94A56BCA57CF}" sibTransId="{A97DD4BE-3A59-48C2-9307-2D00B0B9513F}"/>
-    <dgm:cxn modelId="{82E8E974-0618-40C7-B62C-261F51D94F9C}" type="presOf" srcId="{110F2E96-341F-4128-B22A-EFC5B7C48AE1}" destId="{3074BDE6-8662-42B7-AE43-CF1D6E099A77}" srcOrd="1" destOrd="0" presId="urn:microsoft.com/office/officeart/2005/8/layout/vList4"/>
-    <dgm:cxn modelId="{DB39DD9F-4FAD-44DF-A487-4F6C71C70FF5}" srcId="{C1A390D4-7138-40E5-A69C-D39AE7E0CDE2}" destId="{4BB90C08-9948-4B99-AE29-E070C10ED07D}" srcOrd="2" destOrd="0" parTransId="{93FD8235-B7A5-4F8A-A57A-C464DD824903}" sibTransId="{C3C21756-133E-4EE2-A7EA-024CB74EA3CD}"/>
-    <dgm:cxn modelId="{4539F703-EF40-494C-A241-2826CB392F5B}" type="presOf" srcId="{F53456BF-D7AD-4017-BFD9-A55BF2DDE759}" destId="{F1F76F48-0235-4A43-B8D0-180C84B9DF40}" srcOrd="0" destOrd="2" presId="urn:microsoft.com/office/officeart/2005/8/layout/vList4"/>
-    <dgm:cxn modelId="{A33A6D19-BEA1-4B9B-B274-D2F90B354223}" type="presOf" srcId="{C1A390D4-7138-40E5-A69C-D39AE7E0CDE2}" destId="{51EE6571-4C05-47DC-9029-C35BF00D7394}" srcOrd="0" destOrd="0" presId="urn:microsoft.com/office/officeart/2005/8/layout/vList4"/>
-    <dgm:cxn modelId="{7CD2A870-38A8-4DE5-B4C5-C2C8000BDFD3}" type="presOf" srcId="{4E2C6713-A699-4F31-84AA-D7B9D8A41B89}" destId="{87CE5B62-3C61-49ED-AD3D-E0091AF4CB7C}" srcOrd="1" destOrd="0" presId="urn:microsoft.com/office/officeart/2005/8/layout/vList4"/>
-    <dgm:cxn modelId="{4D4940BE-48D5-461A-ABD4-43EE7B9B898D}" srcId="{C1A390D4-7138-40E5-A69C-D39AE7E0CDE2}" destId="{110F2E96-341F-4128-B22A-EFC5B7C48AE1}" srcOrd="1" destOrd="0" parTransId="{FD8B310D-3B04-4D27-8CAD-B52FB25CFE44}" sibTransId="{0B1EE089-295C-4329-95D3-E42187FC751B}"/>
+    <dgm:cxn modelId="{DB39DD9F-4FAD-44DF-A487-4F6C71C70FF5}" srcId="{C1A390D4-7138-40E5-A69C-D39AE7E0CDE2}" destId="{4BB90C08-9948-4B99-AE29-E070C10ED07D}" srcOrd="1" destOrd="0" parTransId="{93FD8235-B7A5-4F8A-A57A-C464DD824903}" sibTransId="{C3C21756-133E-4EE2-A7EA-024CB74EA3CD}"/>
+    <dgm:cxn modelId="{DE9A9783-B761-4190-8B90-CE1E50763CF6}" type="presOf" srcId="{9E629373-1FAD-4713-A26E-979AC12C66A4}" destId="{A71205EB-3838-4A0C-B40C-6DE903DA1BAA}" srcOrd="1" destOrd="4" presId="urn:microsoft.com/office/officeart/2005/8/layout/vList4"/>
+    <dgm:cxn modelId="{4D4940BE-48D5-461A-ABD4-43EE7B9B898D}" srcId="{C1A390D4-7138-40E5-A69C-D39AE7E0CDE2}" destId="{110F2E96-341F-4128-B22A-EFC5B7C48AE1}" srcOrd="0" destOrd="0" parTransId="{FD8B310D-3B04-4D27-8CAD-B52FB25CFE44}" sibTransId="{0B1EE089-295C-4329-95D3-E42187FC751B}"/>
+    <dgm:cxn modelId="{203BE71A-7379-4A89-A5BC-5867791F674A}" type="presOf" srcId="{1079109F-2DCD-40C8-8D6B-C4E3ABEBB31A}" destId="{3074BDE6-8662-42B7-AE43-CF1D6E099A77}" srcOrd="1" destOrd="3" presId="urn:microsoft.com/office/officeart/2005/8/layout/vList4"/>
     <dgm:cxn modelId="{56B51F9F-8347-499B-8595-DF0461CE2F85}" srcId="{4BB90C08-9948-4B99-AE29-E070C10ED07D}" destId="{07533D2A-FC6D-4865-96C6-33BF266B5D44}" srcOrd="0" destOrd="0" parTransId="{74021AF2-1DAE-4955-873A-AF244FE96899}" sibTransId="{139E4F7D-4EEE-43A6-916A-5AF75AB95507}"/>
-    <dgm:cxn modelId="{511D10D6-DC0F-4425-BAD8-FABCD1237B53}" type="presOf" srcId="{EFB38241-3FF5-4F69-9CD8-65E77B4258E5}" destId="{87CE5B62-3C61-49ED-AD3D-E0091AF4CB7C}" srcOrd="1" destOrd="2" presId="urn:microsoft.com/office/officeart/2005/8/layout/vList4"/>
-    <dgm:cxn modelId="{A7E30683-A574-4EA3-97D2-926DB92EEA30}" type="presOf" srcId="{7545480F-1199-4772-B20D-6C4AC8D70E25}" destId="{30B578B6-7F36-4957-ACAC-9F98D07B76EC}" srcOrd="0" destOrd="1" presId="urn:microsoft.com/office/officeart/2005/8/layout/vList4"/>
-    <dgm:cxn modelId="{2B6D1214-50DF-4D2E-9FA3-22083E9B2C17}" type="presOf" srcId="{07533D2A-FC6D-4865-96C6-33BF266B5D44}" destId="{A71205EB-3838-4A0C-B40C-6DE903DA1BAA}" srcOrd="1" destOrd="1" presId="urn:microsoft.com/office/officeart/2005/8/layout/vList4"/>
-    <dgm:cxn modelId="{CC047E3B-0CAE-4956-A977-5067BF6B68E3}" type="presOf" srcId="{C53F41FB-401F-47E2-851B-7978B377975C}" destId="{CE6CBFD9-0742-4FE3-BD5E-367C35A58332}" srcOrd="0" destOrd="2" presId="urn:microsoft.com/office/officeart/2005/8/layout/vList4"/>
+    <dgm:cxn modelId="{1FFB427F-CB47-4EDD-9293-096433099BFA}" type="presOf" srcId="{4BB90C08-9948-4B99-AE29-E070C10ED07D}" destId="{A71205EB-3838-4A0C-B40C-6DE903DA1BAA}" srcOrd="1" destOrd="0" presId="urn:microsoft.com/office/officeart/2005/8/layout/vList4"/>
     <dgm:cxn modelId="{4DA68AF4-2CC9-43FE-8185-E463C9C3550E}" srcId="{110F2E96-341F-4128-B22A-EFC5B7C48AE1}" destId="{2543E51C-1F69-4F16-A26E-985B31922749}" srcOrd="0" destOrd="0" parTransId="{01C5541C-AE9D-4A1B-92F0-20869F77C635}" sibTransId="{920081C0-E665-4BE5-9A00-D2DFE2F23852}"/>
-    <dgm:cxn modelId="{C8230CD9-48EE-483D-AD7C-6662A3B862D7}" srcId="{C1A390D4-7138-40E5-A69C-D39AE7E0CDE2}" destId="{4E2C6713-A699-4F31-84AA-D7B9D8A41B89}" srcOrd="0" destOrd="0" parTransId="{96FCEB82-E74E-4272-9156-AB0B13B984C7}" sibTransId="{B1F29E6E-E987-4D71-9280-0A24669EB5CD}"/>
-    <dgm:cxn modelId="{88004B0B-5F47-4BBA-B8D9-8957705B1B51}" type="presOf" srcId="{4BB90C08-9948-4B99-AE29-E070C10ED07D}" destId="{CE6CBFD9-0742-4FE3-BD5E-367C35A58332}" srcOrd="0" destOrd="0" presId="urn:microsoft.com/office/officeart/2005/8/layout/vList4"/>
-    <dgm:cxn modelId="{152564A0-5B01-49AE-9D74-39E61254C1EC}" type="presOf" srcId="{EFB38241-3FF5-4F69-9CD8-65E77B4258E5}" destId="{30B578B6-7F36-4957-ACAC-9F98D07B76EC}" srcOrd="0" destOrd="2" presId="urn:microsoft.com/office/officeart/2005/8/layout/vList4"/>
-    <dgm:cxn modelId="{41303189-71B8-4D82-B224-DDC2BE5B7CBE}" type="presOf" srcId="{07533D2A-FC6D-4865-96C6-33BF266B5D44}" destId="{CE6CBFD9-0742-4FE3-BD5E-367C35A58332}" srcOrd="0" destOrd="1" presId="urn:microsoft.com/office/officeart/2005/8/layout/vList4"/>
-    <dgm:cxn modelId="{41168F24-2105-42C2-95B6-9E5DE53D228E}" type="presOf" srcId="{C53F41FB-401F-47E2-851B-7978B377975C}" destId="{A71205EB-3838-4A0C-B40C-6DE903DA1BAA}" srcOrd="1" destOrd="2" presId="urn:microsoft.com/office/officeart/2005/8/layout/vList4"/>
-    <dgm:cxn modelId="{CBC7D370-197E-43E2-B2DE-7FB114BE4F5A}" type="presOf" srcId="{110F2E96-341F-4128-B22A-EFC5B7C48AE1}" destId="{F1F76F48-0235-4A43-B8D0-180C84B9DF40}" srcOrd="0" destOrd="0" presId="urn:microsoft.com/office/officeart/2005/8/layout/vList4"/>
-    <dgm:cxn modelId="{53C804E7-A066-4BCB-842C-C5A463A60DAD}" type="presOf" srcId="{2543E51C-1F69-4F16-A26E-985B31922749}" destId="{3074BDE6-8662-42B7-AE43-CF1D6E099A77}" srcOrd="1" destOrd="1" presId="urn:microsoft.com/office/officeart/2005/8/layout/vList4"/>
-    <dgm:cxn modelId="{38913ED5-F397-430C-BD82-BFA6E451537E}" srcId="{4E2C6713-A699-4F31-84AA-D7B9D8A41B89}" destId="{EFB38241-3FF5-4F69-9CD8-65E77B4258E5}" srcOrd="1" destOrd="0" parTransId="{F711AF4B-F847-40DA-9090-5300192BE764}" sibTransId="{A80F3F8C-BCF2-418C-9A32-68ADB7829858}"/>
-    <dgm:cxn modelId="{CE7C14D8-B40C-4A76-B497-9D8C0C4CD0CD}" type="presOf" srcId="{4E2C6713-A699-4F31-84AA-D7B9D8A41B89}" destId="{30B578B6-7F36-4957-ACAC-9F98D07B76EC}" srcOrd="0" destOrd="0" presId="urn:microsoft.com/office/officeart/2005/8/layout/vList4"/>
-    <dgm:cxn modelId="{0E07DF07-527A-4F4F-8DFE-33A773CA0A74}" type="presParOf" srcId="{51EE6571-4C05-47DC-9029-C35BF00D7394}" destId="{72DB655B-BEF4-4F62-AD39-39A14EE24ED3}" srcOrd="0" destOrd="0" presId="urn:microsoft.com/office/officeart/2005/8/layout/vList4"/>
-    <dgm:cxn modelId="{5B388820-F576-4BAD-AB58-6FE8FDB11D9C}" type="presParOf" srcId="{72DB655B-BEF4-4F62-AD39-39A14EE24ED3}" destId="{30B578B6-7F36-4957-ACAC-9F98D07B76EC}" srcOrd="0" destOrd="0" presId="urn:microsoft.com/office/officeart/2005/8/layout/vList4"/>
-    <dgm:cxn modelId="{61FE2E32-6B38-4C78-B302-FB9DE48C8EDF}" type="presParOf" srcId="{72DB655B-BEF4-4F62-AD39-39A14EE24ED3}" destId="{27C1CC1E-A68D-49B7-BE62-DA6FC4BC8BEF}" srcOrd="1" destOrd="0" presId="urn:microsoft.com/office/officeart/2005/8/layout/vList4"/>
-    <dgm:cxn modelId="{02519BE0-D9F4-4A07-AC93-E3A8F764118D}" type="presParOf" srcId="{72DB655B-BEF4-4F62-AD39-39A14EE24ED3}" destId="{87CE5B62-3C61-49ED-AD3D-E0091AF4CB7C}" srcOrd="2" destOrd="0" presId="urn:microsoft.com/office/officeart/2005/8/layout/vList4"/>
-    <dgm:cxn modelId="{8133E1F4-2450-4356-839A-AFBC39DB1174}" type="presParOf" srcId="{51EE6571-4C05-47DC-9029-C35BF00D7394}" destId="{90DD10DF-B962-48BC-84F6-DC0A91330DC1}" srcOrd="1" destOrd="0" presId="urn:microsoft.com/office/officeart/2005/8/layout/vList4"/>
-    <dgm:cxn modelId="{B363DDC9-0043-4463-8C9F-A04F345E04BC}" type="presParOf" srcId="{51EE6571-4C05-47DC-9029-C35BF00D7394}" destId="{3578B1C2-270F-4E67-A98F-6C2F1125B8AC}" srcOrd="2" destOrd="0" presId="urn:microsoft.com/office/officeart/2005/8/layout/vList4"/>
-    <dgm:cxn modelId="{BA6B6F90-7C93-4166-A164-7B78A3FBF0F2}" type="presParOf" srcId="{3578B1C2-270F-4E67-A98F-6C2F1125B8AC}" destId="{F1F76F48-0235-4A43-B8D0-180C84B9DF40}" srcOrd="0" destOrd="0" presId="urn:microsoft.com/office/officeart/2005/8/layout/vList4"/>
-    <dgm:cxn modelId="{A14C1F0C-3DC6-4C95-AB40-A4ED6D90DD3A}" type="presParOf" srcId="{3578B1C2-270F-4E67-A98F-6C2F1125B8AC}" destId="{671E2F99-F347-4C31-BCF9-178DFD24F364}" srcOrd="1" destOrd="0" presId="urn:microsoft.com/office/officeart/2005/8/layout/vList4"/>
-    <dgm:cxn modelId="{7721325C-B41D-4895-B4C8-A65F82A63A9E}" type="presParOf" srcId="{3578B1C2-270F-4E67-A98F-6C2F1125B8AC}" destId="{3074BDE6-8662-42B7-AE43-CF1D6E099A77}" srcOrd="2" destOrd="0" presId="urn:microsoft.com/office/officeart/2005/8/layout/vList4"/>
-    <dgm:cxn modelId="{8E7152FF-61B0-40B6-9E47-1E8D0D462575}" type="presParOf" srcId="{51EE6571-4C05-47DC-9029-C35BF00D7394}" destId="{0071B0B5-6DCA-4C41-9E31-89118F729017}" srcOrd="3" destOrd="0" presId="urn:microsoft.com/office/officeart/2005/8/layout/vList4"/>
-    <dgm:cxn modelId="{7D92A9B1-A3D8-484A-ABDB-3E34378DF29F}" type="presParOf" srcId="{51EE6571-4C05-47DC-9029-C35BF00D7394}" destId="{61423C0B-CF11-462B-8A20-8185C1AE0FD5}" srcOrd="4" destOrd="0" presId="urn:microsoft.com/office/officeart/2005/8/layout/vList4"/>
-    <dgm:cxn modelId="{C66A3EA2-DFBF-41A9-926C-C0B1C1C5E872}" type="presParOf" srcId="{61423C0B-CF11-462B-8A20-8185C1AE0FD5}" destId="{CE6CBFD9-0742-4FE3-BD5E-367C35A58332}" srcOrd="0" destOrd="0" presId="urn:microsoft.com/office/officeart/2005/8/layout/vList4"/>
-    <dgm:cxn modelId="{66A03438-2133-4FBF-9716-90C117D778E5}" type="presParOf" srcId="{61423C0B-CF11-462B-8A20-8185C1AE0FD5}" destId="{7B2C9246-A286-4015-9848-A3761EA99150}" srcOrd="1" destOrd="0" presId="urn:microsoft.com/office/officeart/2005/8/layout/vList4"/>
-    <dgm:cxn modelId="{51D9CA70-16C0-4BAA-9CC0-B8290FCF53CD}" type="presParOf" srcId="{61423C0B-CF11-462B-8A20-8185C1AE0FD5}" destId="{A71205EB-3838-4A0C-B40C-6DE903DA1BAA}" srcOrd="2" destOrd="0" presId="urn:microsoft.com/office/officeart/2005/8/layout/vList4"/>
+    <dgm:cxn modelId="{16B1CCE2-24CC-47EA-8B1D-2136574C736C}" srcId="{4BB90C08-9948-4B99-AE29-E070C10ED07D}" destId="{9E629373-1FAD-4713-A26E-979AC12C66A4}" srcOrd="2" destOrd="0" parTransId="{D071B07A-0A1F-4A3B-9A6D-A05601320698}" sibTransId="{52871FA2-5C6E-4BDA-AC42-9C7781DFF690}"/>
+    <dgm:cxn modelId="{4D89E140-023B-4846-9BDC-7B0BF3336AA8}" srcId="{110F2E96-341F-4128-B22A-EFC5B7C48AE1}" destId="{1079109F-2DCD-40C8-8D6B-C4E3ABEBB31A}" srcOrd="2" destOrd="0" parTransId="{526AC214-B2D9-4887-9401-97D12C2F101F}" sibTransId="{4C939F3A-5F51-4687-BB38-15397C3EF84B}"/>
+    <dgm:cxn modelId="{2F10D86D-B98B-4ED1-9A95-F2D7C721B7F1}" type="presOf" srcId="{F53456BF-D7AD-4017-BFD9-A55BF2DDE759}" destId="{3074BDE6-8662-42B7-AE43-CF1D6E099A77}" srcOrd="1" destOrd="2" presId="urn:microsoft.com/office/officeart/2005/8/layout/vList4"/>
+    <dgm:cxn modelId="{66ED1920-3A9D-4239-9A34-B9725A56B4D0}" type="presOf" srcId="{2543E51C-1F69-4F16-A26E-985B31922749}" destId="{F1F76F48-0235-4A43-B8D0-180C84B9DF40}" srcOrd="0" destOrd="1" presId="urn:microsoft.com/office/officeart/2005/8/layout/vList4"/>
+    <dgm:cxn modelId="{3440B014-E5CC-42E5-9706-DE00AE18CA46}" type="presOf" srcId="{C53F41FB-401F-47E2-851B-7978B377975C}" destId="{CE6CBFD9-0742-4FE3-BD5E-367C35A58332}" srcOrd="0" destOrd="2" presId="urn:microsoft.com/office/officeart/2005/8/layout/vList4"/>
+    <dgm:cxn modelId="{F2200C62-F531-4AA3-9ED4-2E7DD2945B23}" type="presOf" srcId="{9DA24099-3650-4745-AA47-1038CD8BB4EA}" destId="{CE6CBFD9-0742-4FE3-BD5E-367C35A58332}" srcOrd="0" destOrd="3" presId="urn:microsoft.com/office/officeart/2005/8/layout/vList4"/>
+    <dgm:cxn modelId="{65F06C98-2AEC-45D1-86DF-984B7139F6D0}" type="presOf" srcId="{110F2E96-341F-4128-B22A-EFC5B7C48AE1}" destId="{F1F76F48-0235-4A43-B8D0-180C84B9DF40}" srcOrd="0" destOrd="0" presId="urn:microsoft.com/office/officeart/2005/8/layout/vList4"/>
+    <dgm:cxn modelId="{0A28EE5F-FBF0-4058-B7BD-00774A80B9E5}" type="presOf" srcId="{4BB90C08-9948-4B99-AE29-E070C10ED07D}" destId="{CE6CBFD9-0742-4FE3-BD5E-367C35A58332}" srcOrd="0" destOrd="0" presId="urn:microsoft.com/office/officeart/2005/8/layout/vList4"/>
+    <dgm:cxn modelId="{17F1856B-CE33-4047-A66F-30B5C64D9A3F}" type="presOf" srcId="{07533D2A-FC6D-4865-96C6-33BF266B5D44}" destId="{CE6CBFD9-0742-4FE3-BD5E-367C35A58332}" srcOrd="0" destOrd="1" presId="urn:microsoft.com/office/officeart/2005/8/layout/vList4"/>
+    <dgm:cxn modelId="{D5B0E4F0-8608-4A18-874B-5BE82E10C79B}" srcId="{C53F41FB-401F-47E2-851B-7978B377975C}" destId="{9DA24099-3650-4745-AA47-1038CD8BB4EA}" srcOrd="0" destOrd="0" parTransId="{A05FEFBC-8531-4D3F-812E-7BC36C9E9339}" sibTransId="{4DB7908E-EE0D-4B56-9BDA-4F7D240F80B1}"/>
+    <dgm:cxn modelId="{5010B7F7-15B6-494C-8B16-6CFF70C5187F}" type="presOf" srcId="{F53456BF-D7AD-4017-BFD9-A55BF2DDE759}" destId="{F1F76F48-0235-4A43-B8D0-180C84B9DF40}" srcOrd="0" destOrd="2" presId="urn:microsoft.com/office/officeart/2005/8/layout/vList4"/>
+    <dgm:cxn modelId="{B3EA2ED4-324E-47E8-88CA-2B3EAF910003}" type="presOf" srcId="{2543E51C-1F69-4F16-A26E-985B31922749}" destId="{3074BDE6-8662-42B7-AE43-CF1D6E099A77}" srcOrd="1" destOrd="1" presId="urn:microsoft.com/office/officeart/2005/8/layout/vList4"/>
+    <dgm:cxn modelId="{A725BB50-E48D-45F0-A863-58DF201E55E3}" type="presOf" srcId="{C1A390D4-7138-40E5-A69C-D39AE7E0CDE2}" destId="{51EE6571-4C05-47DC-9029-C35BF00D7394}" srcOrd="0" destOrd="0" presId="urn:microsoft.com/office/officeart/2005/8/layout/vList4"/>
+    <dgm:cxn modelId="{649A9767-872C-4BFB-B215-2D34757E1517}" type="presOf" srcId="{C53F41FB-401F-47E2-851B-7978B377975C}" destId="{A71205EB-3838-4A0C-B40C-6DE903DA1BAA}" srcOrd="1" destOrd="2" presId="urn:microsoft.com/office/officeart/2005/8/layout/vList4"/>
+    <dgm:cxn modelId="{99D9DF56-17D8-4806-8A73-6A24652D1E72}" type="presParOf" srcId="{51EE6571-4C05-47DC-9029-C35BF00D7394}" destId="{3578B1C2-270F-4E67-A98F-6C2F1125B8AC}" srcOrd="0" destOrd="0" presId="urn:microsoft.com/office/officeart/2005/8/layout/vList4"/>
+    <dgm:cxn modelId="{53959BD1-75AA-4026-8055-DD93FF661832}" type="presParOf" srcId="{3578B1C2-270F-4E67-A98F-6C2F1125B8AC}" destId="{F1F76F48-0235-4A43-B8D0-180C84B9DF40}" srcOrd="0" destOrd="0" presId="urn:microsoft.com/office/officeart/2005/8/layout/vList4"/>
+    <dgm:cxn modelId="{2B0402C6-EAC0-47EB-8BE2-529544408180}" type="presParOf" srcId="{3578B1C2-270F-4E67-A98F-6C2F1125B8AC}" destId="{671E2F99-F347-4C31-BCF9-178DFD24F364}" srcOrd="1" destOrd="0" presId="urn:microsoft.com/office/officeart/2005/8/layout/vList4"/>
+    <dgm:cxn modelId="{192968BE-CB3D-4AC4-B8C5-D15C103FC575}" type="presParOf" srcId="{3578B1C2-270F-4E67-A98F-6C2F1125B8AC}" destId="{3074BDE6-8662-42B7-AE43-CF1D6E099A77}" srcOrd="2" destOrd="0" presId="urn:microsoft.com/office/officeart/2005/8/layout/vList4"/>
+    <dgm:cxn modelId="{FFAC7537-6198-466D-9F70-4149B08E0095}" type="presParOf" srcId="{51EE6571-4C05-47DC-9029-C35BF00D7394}" destId="{0071B0B5-6DCA-4C41-9E31-89118F729017}" srcOrd="1" destOrd="0" presId="urn:microsoft.com/office/officeart/2005/8/layout/vList4"/>
+    <dgm:cxn modelId="{56B86C36-E48C-42CC-9514-4E568FE06743}" type="presParOf" srcId="{51EE6571-4C05-47DC-9029-C35BF00D7394}" destId="{61423C0B-CF11-462B-8A20-8185C1AE0FD5}" srcOrd="2" destOrd="0" presId="urn:microsoft.com/office/officeart/2005/8/layout/vList4"/>
+    <dgm:cxn modelId="{BCFA8DF2-AE2E-472F-962E-D0115DDE1D9E}" type="presParOf" srcId="{61423C0B-CF11-462B-8A20-8185C1AE0FD5}" destId="{CE6CBFD9-0742-4FE3-BD5E-367C35A58332}" srcOrd="0" destOrd="0" presId="urn:microsoft.com/office/officeart/2005/8/layout/vList4"/>
+    <dgm:cxn modelId="{20DB03EB-B3DB-418E-BB51-9E13120FBD72}" type="presParOf" srcId="{61423C0B-CF11-462B-8A20-8185C1AE0FD5}" destId="{7B2C9246-A286-4015-9848-A3761EA99150}" srcOrd="1" destOrd="0" presId="urn:microsoft.com/office/officeart/2005/8/layout/vList4"/>
+    <dgm:cxn modelId="{6CC66F37-2FB2-4278-881B-839363131046}" type="presParOf" srcId="{61423C0B-CF11-462B-8A20-8185C1AE0FD5}" destId="{A71205EB-3838-4A0C-B40C-6DE903DA1BAA}" srcOrd="2" destOrd="0" presId="urn:microsoft.com/office/officeart/2005/8/layout/vList4"/>
   </dgm:cxnLst>
   <dgm:bg/>
   <dgm:whole/>
@@ -10638,7 +10607,7 @@
             <a:fld id="{8BA93F81-AB1A-49EB-B45D-4C43C205A3D4}" type="datetimeFigureOut">
               <a:rPr lang="it-IT" smtClean="0"/>
               <a:pPr/>
-              <a:t>02/10/2008</a:t>
+              <a:t>03/10/2008</a:t>
             </a:fld>
             <a:endParaRPr lang="it-IT"/>
           </a:p>
@@ -21731,6 +21700,76 @@
           <a:chExt cx="0" cy="0"/>
         </a:xfrm>
       </p:grpSpPr>
+      <p:pic>
+        <p:nvPicPr>
+          <p:cNvPr id="19" name="Picture 2" descr="C:\Documents and Settings\slux\Desktop\presentazione_tesi\images\visual-netkit-on-windowsXP.png"/>
+          <p:cNvPicPr>
+            <a:picLocks noChangeAspect="1" noChangeArrowheads="1"/>
+          </p:cNvPicPr>
+          <p:nvPr/>
+        </p:nvPicPr>
+        <p:blipFill>
+          <a:blip r:embed="rId2"/>
+          <a:srcRect/>
+          <a:stretch>
+            <a:fillRect/>
+          </a:stretch>
+        </p:blipFill>
+        <p:spPr bwMode="auto">
+          <a:xfrm>
+            <a:off x="371909" y="500042"/>
+            <a:ext cx="8400182" cy="5715040"/>
+          </a:xfrm>
+          <a:prstGeom prst="rect">
+            <a:avLst/>
+          </a:prstGeom>
+          <a:ln>
+            <a:noFill/>
+          </a:ln>
+          <a:effectLst>
+            <a:outerShdw blurRad="190500" algn="tl" rotWithShape="0">
+              <a:srgbClr val="000000">
+                <a:alpha val="70000"/>
+              </a:srgbClr>
+            </a:outerShdw>
+          </a:effectLst>
+        </p:spPr>
+      </p:pic>
+      <p:pic>
+        <p:nvPicPr>
+          <p:cNvPr id="2" name="Picture 2" descr="C:\Documents and Settings\slux\Desktop\presentazione_tesi\images\visual-netkit-on-windowsXP.png"/>
+          <p:cNvPicPr>
+            <a:picLocks noChangeAspect="1" noChangeArrowheads="1"/>
+          </p:cNvPicPr>
+          <p:nvPr/>
+        </p:nvPicPr>
+        <p:blipFill>
+          <a:blip r:embed="rId3" cstate="print"/>
+          <a:srcRect/>
+          <a:stretch>
+            <a:fillRect/>
+          </a:stretch>
+        </p:blipFill>
+        <p:spPr bwMode="auto">
+          <a:xfrm>
+            <a:off x="5786446" y="571480"/>
+            <a:ext cx="2571768" cy="1749695"/>
+          </a:xfrm>
+          <a:prstGeom prst="rect">
+            <a:avLst/>
+          </a:prstGeom>
+          <a:ln>
+            <a:noFill/>
+          </a:ln>
+          <a:effectLst>
+            <a:outerShdw blurRad="190500" algn="tl" rotWithShape="0">
+              <a:srgbClr val="000000">
+                <a:alpha val="70000"/>
+              </a:srgbClr>
+            </a:outerShdw>
+          </a:effectLst>
+        </p:spPr>
+      </p:pic>
       <p:sp>
         <p:nvSpPr>
           <p:cNvPr id="6" name="Segnaposto data 5"/>
@@ -21849,22 +21888,58 @@
       </p:sp>
       <p:pic>
         <p:nvPicPr>
-          <p:cNvPr id="10" name="Immagine 9" descr="visual-netkit-on-windowsXP.png"/>
+          <p:cNvPr id="3" name="Picture 3" descr="C:\Documents and Settings\slux\Desktop\presentazione_tesi\images\visual_netkit_zoom.png"/>
           <p:cNvPicPr>
-            <a:picLocks noChangeAspect="1"/>
+            <a:picLocks noChangeAspect="1" noChangeArrowheads="1"/>
           </p:cNvPicPr>
           <p:nvPr/>
         </p:nvPicPr>
         <p:blipFill>
-          <a:blip r:embed="rId2"/>
+          <a:blip r:embed="rId4" cstate="print"/>
+          <a:srcRect/>
           <a:stretch>
             <a:fillRect/>
           </a:stretch>
         </p:blipFill>
-        <p:spPr>
+        <p:spPr bwMode="auto">
           <a:xfrm>
-            <a:off x="732208" y="642918"/>
-            <a:ext cx="7679585" cy="5224784"/>
+            <a:off x="5857884" y="2571744"/>
+            <a:ext cx="2357453" cy="1801242"/>
+          </a:xfrm>
+          <a:prstGeom prst="rect">
+            <a:avLst/>
+          </a:prstGeom>
+          <a:ln>
+            <a:noFill/>
+          </a:ln>
+          <a:effectLst>
+            <a:outerShdw blurRad="190500" algn="tl" rotWithShape="0">
+              <a:srgbClr val="000000">
+                <a:alpha val="70000"/>
+              </a:srgbClr>
+            </a:outerShdw>
+          </a:effectLst>
+        </p:spPr>
+      </p:pic>
+      <p:pic>
+        <p:nvPicPr>
+          <p:cNvPr id="1028" name="Picture 4" descr="C:\Documents and Settings\slux\Desktop\presentazione_tesi\images\visualnetkit_editor.png"/>
+          <p:cNvPicPr>
+            <a:picLocks noChangeAspect="1" noChangeArrowheads="1"/>
+          </p:cNvPicPr>
+          <p:nvPr/>
+        </p:nvPicPr>
+        <p:blipFill>
+          <a:blip r:embed="rId5"/>
+          <a:srcRect/>
+          <a:stretch>
+            <a:fillRect/>
+          </a:stretch>
+        </p:blipFill>
+        <p:spPr bwMode="auto">
+          <a:xfrm>
+            <a:off x="5572132" y="4643446"/>
+            <a:ext cx="2928958" cy="1578892"/>
           </a:xfrm>
           <a:prstGeom prst="rect">
             <a:avLst/>
@@ -21883,49 +21958,72 @@
       </p:pic>
       <p:sp>
         <p:nvSpPr>
-          <p:cNvPr id="11" name="CasellaDiTesto 10"/>
-          <p:cNvSpPr txBox="1"/>
+          <p:cNvPr id="15" name="Rettangolo arrotondato 14"/>
+          <p:cNvSpPr/>
           <p:nvPr/>
         </p:nvSpPr>
         <p:spPr>
           <a:xfrm>
-            <a:off x="1535885" y="5929330"/>
-            <a:ext cx="6072230" cy="400110"/>
+            <a:off x="214282" y="642918"/>
+            <a:ext cx="4572000" cy="1571636"/>
           </a:xfrm>
-          <a:prstGeom prst="rect">
+          <a:prstGeom prst="roundRect">
             <a:avLst/>
           </a:prstGeom>
-          <a:noFill/>
         </p:spPr>
+        <p:style>
+          <a:lnRef idx="1">
+            <a:schemeClr val="accent5"/>
+          </a:lnRef>
+          <a:fillRef idx="2">
+            <a:schemeClr val="accent5"/>
+          </a:fillRef>
+          <a:effectRef idx="1">
+            <a:schemeClr val="accent5"/>
+          </a:effectRef>
+          <a:fontRef idx="minor">
+            <a:schemeClr val="dk1"/>
+          </a:fontRef>
+        </p:style>
         <p:txBody>
-          <a:bodyPr wrap="square" rtlCol="0">
-            <a:spAutoFit/>
-          </a:bodyPr>
+          <a:bodyPr rtlCol="0" anchor="ctr"/>
           <a:lstStyle/>
           <a:p>
-            <a:pPr algn="ctr"/>
-            <a:r>
-              <a:rPr lang="en-US" sz="2000" b="1" err="1" smtClean="0"/>
+            <a:pPr lvl="0" algn="ctr"/>
+            <a:r>
+              <a:rPr lang="en-US" sz="2400" b="1" dirty="0" err="1" smtClean="0"/>
               <a:t>Portabilità</a:t>
             </a:r>
             <a:r>
-              <a:rPr lang="en-US" sz="2000" b="1" smtClean="0"/>
-              <a:t>: Linux – Windows (XP/Vista) – Mac OSX</a:t>
-            </a:r>
-            <a:endParaRPr lang="it-IT" sz="2000" b="1"/>
+              <a:rPr lang="en-US" sz="2400" b="1" dirty="0" smtClean="0"/>
+              <a:t>: </a:t>
+            </a:r>
+            <a:r>
+              <a:rPr lang="en-US" sz="2400" b="1" dirty="0" smtClean="0"/>
+              <a:t>Linux </a:t>
+            </a:r>
+            <a:r>
+              <a:rPr lang="en-US" sz="2400" b="1" dirty="0" smtClean="0"/>
+              <a:t>– Windows  – Mac </a:t>
+            </a:r>
+            <a:r>
+              <a:rPr lang="en-US" sz="2400" b="1" dirty="0" smtClean="0"/>
+              <a:t>OS X</a:t>
+            </a:r>
+            <a:endParaRPr lang="it-IT" sz="2400" b="1" dirty="0"/>
           </a:p>
         </p:txBody>
       </p:sp>
       <p:pic>
         <p:nvPicPr>
-          <p:cNvPr id="1026" name="Picture 2" descr="C:\Documents and Settings\slux\Desktop\presentazione_tesi\images\visualnetkit_editor.png"/>
+          <p:cNvPr id="20" name="Picture 3" descr="C:\Documents and Settings\slux\Desktop\presentazione_tesi\images\visual_netkit_zoom.png"/>
           <p:cNvPicPr>
             <a:picLocks noChangeAspect="1" noChangeArrowheads="1"/>
           </p:cNvPicPr>
           <p:nvPr/>
         </p:nvPicPr>
         <p:blipFill>
-          <a:blip r:embed="rId3"/>
+          <a:blip r:embed="rId6"/>
           <a:srcRect/>
           <a:stretch>
             <a:fillRect/>
@@ -21933,8 +22031,8 @@
         </p:blipFill>
         <p:spPr bwMode="auto">
           <a:xfrm>
-            <a:off x="331274" y="928670"/>
-            <a:ext cx="8481452" cy="4572032"/>
+            <a:off x="785786" y="500042"/>
+            <a:ext cx="7572428" cy="5785810"/>
           </a:xfrm>
           <a:prstGeom prst="rect">
             <a:avLst/>
@@ -21953,53 +22051,76 @@
       </p:pic>
       <p:sp>
         <p:nvSpPr>
-          <p:cNvPr id="12" name="CasellaDiTesto 11"/>
-          <p:cNvSpPr txBox="1"/>
+          <p:cNvPr id="17" name="Rettangolo arrotondato 16"/>
+          <p:cNvSpPr/>
           <p:nvPr/>
         </p:nvSpPr>
         <p:spPr>
           <a:xfrm>
-            <a:off x="1535885" y="5929330"/>
-            <a:ext cx="6072230" cy="400110"/>
+            <a:off x="214282" y="2643182"/>
+            <a:ext cx="4572000" cy="1571636"/>
           </a:xfrm>
-          <a:prstGeom prst="rect">
+          <a:prstGeom prst="roundRect">
             <a:avLst/>
           </a:prstGeom>
-          <a:noFill/>
         </p:spPr>
+        <p:style>
+          <a:lnRef idx="1">
+            <a:schemeClr val="accent5"/>
+          </a:lnRef>
+          <a:fillRef idx="2">
+            <a:schemeClr val="accent5"/>
+          </a:fillRef>
+          <a:effectRef idx="1">
+            <a:schemeClr val="accent5"/>
+          </a:effectRef>
+          <a:fontRef idx="minor">
+            <a:schemeClr val="dk1"/>
+          </a:fontRef>
+        </p:style>
         <p:txBody>
-          <a:bodyPr wrap="square" rtlCol="0">
-            <a:spAutoFit/>
-          </a:bodyPr>
+          <a:bodyPr rtlCol="0" anchor="ctr"/>
           <a:lstStyle/>
           <a:p>
-            <a:pPr algn="ctr"/>
-            <a:r>
-              <a:rPr lang="en-US" sz="2000" b="1" smtClean="0"/>
-              <a:t>Editor </a:t>
-            </a:r>
-            <a:r>
-              <a:rPr lang="en-US" sz="2000" b="1" err="1" smtClean="0"/>
-              <a:t>testuale</a:t>
-            </a:r>
-            <a:r>
-              <a:rPr lang="en-US" sz="2000" b="1" smtClean="0"/>
-              <a:t> con Syntax Highlighting</a:t>
-            </a:r>
-            <a:endParaRPr lang="it-IT" sz="2000" b="1"/>
+            <a:pPr lvl="0" algn="ctr"/>
+            <a:r>
+              <a:rPr lang="en-US" sz="2400" b="1" dirty="0" err="1" smtClean="0"/>
+              <a:t>Grafica</a:t>
+            </a:r>
+            <a:r>
+              <a:rPr lang="en-US" sz="2400" b="1" dirty="0" smtClean="0"/>
+              <a:t> </a:t>
+            </a:r>
+            <a:r>
+              <a:rPr lang="en-US" sz="2400" b="1" dirty="0" err="1" smtClean="0"/>
+              <a:t>basata</a:t>
+            </a:r>
+            <a:r>
+              <a:rPr lang="en-US" sz="2400" b="1" dirty="0" smtClean="0"/>
+              <a:t> </a:t>
+            </a:r>
+            <a:r>
+              <a:rPr lang="en-US" sz="2400" b="1" dirty="0" err="1" smtClean="0"/>
+              <a:t>su</a:t>
+            </a:r>
+            <a:r>
+              <a:rPr lang="en-US" sz="2400" b="1" dirty="0" smtClean="0"/>
+              <a:t> SVG</a:t>
+            </a:r>
+            <a:endParaRPr lang="it-IT" sz="2400" b="1" dirty="0"/>
           </a:p>
         </p:txBody>
       </p:sp>
       <p:pic>
         <p:nvPicPr>
-          <p:cNvPr id="1027" name="Picture 3" descr="C:\Documents and Settings\slux\Desktop\presentazione_tesi\images\visual_netkit_zoom.png"/>
+          <p:cNvPr id="21" name="Picture 4" descr="C:\Documents and Settings\slux\Desktop\presentazione_tesi\images\visualnetkit_editor.png"/>
           <p:cNvPicPr>
             <a:picLocks noChangeAspect="1" noChangeArrowheads="1"/>
           </p:cNvPicPr>
           <p:nvPr/>
         </p:nvPicPr>
         <p:blipFill>
-          <a:blip r:embed="rId4"/>
+          <a:blip r:embed="rId5"/>
           <a:srcRect/>
           <a:stretch>
             <a:fillRect/>
@@ -22007,8 +22128,8 @@
         </p:blipFill>
         <p:spPr bwMode="auto">
           <a:xfrm>
-            <a:off x="1142976" y="714356"/>
-            <a:ext cx="6858048" cy="5239978"/>
+            <a:off x="381974" y="714356"/>
+            <a:ext cx="8380053" cy="4517374"/>
           </a:xfrm>
           <a:prstGeom prst="rect">
             <a:avLst/>
@@ -22027,52 +22148,51 @@
       </p:pic>
       <p:sp>
         <p:nvSpPr>
-          <p:cNvPr id="13" name="CasellaDiTesto 12"/>
-          <p:cNvSpPr txBox="1"/>
+          <p:cNvPr id="16" name="Rettangolo arrotondato 15"/>
+          <p:cNvSpPr/>
           <p:nvPr/>
         </p:nvSpPr>
         <p:spPr>
           <a:xfrm>
-            <a:off x="1714480" y="6000768"/>
-            <a:ext cx="6072230" cy="400110"/>
+            <a:off x="214282" y="4714884"/>
+            <a:ext cx="4572000" cy="1571636"/>
           </a:xfrm>
-          <a:prstGeom prst="rect">
+          <a:prstGeom prst="roundRect">
             <a:avLst/>
           </a:prstGeom>
-          <a:noFill/>
         </p:spPr>
+        <p:style>
+          <a:lnRef idx="1">
+            <a:schemeClr val="accent5"/>
+          </a:lnRef>
+          <a:fillRef idx="2">
+            <a:schemeClr val="accent5"/>
+          </a:fillRef>
+          <a:effectRef idx="1">
+            <a:schemeClr val="accent5"/>
+          </a:effectRef>
+          <a:fontRef idx="minor">
+            <a:schemeClr val="dk1"/>
+          </a:fontRef>
+        </p:style>
         <p:txBody>
-          <a:bodyPr wrap="square" rtlCol="0">
-            <a:spAutoFit/>
-          </a:bodyPr>
+          <a:bodyPr rtlCol="0" anchor="ctr"/>
           <a:lstStyle/>
           <a:p>
-            <a:pPr algn="ctr"/>
-            <a:r>
-              <a:rPr lang="en-US" sz="2000" b="1" err="1" smtClean="0"/>
-              <a:t>Grafica</a:t>
-            </a:r>
-            <a:r>
-              <a:rPr lang="en-US" sz="2000" b="1" smtClean="0"/>
-              <a:t> </a:t>
-            </a:r>
-            <a:r>
-              <a:rPr lang="en-US" sz="2000" b="1" err="1" smtClean="0"/>
-              <a:t>basata</a:t>
-            </a:r>
-            <a:r>
-              <a:rPr lang="en-US" sz="2000" b="1" smtClean="0"/>
-              <a:t> </a:t>
-            </a:r>
-            <a:r>
-              <a:rPr lang="en-US" sz="2000" b="1" err="1" smtClean="0"/>
-              <a:t>su</a:t>
-            </a:r>
-            <a:r>
-              <a:rPr lang="en-US" sz="2000" b="1" smtClean="0"/>
-              <a:t> SVG</a:t>
-            </a:r>
-            <a:endParaRPr lang="it-IT" sz="2000" b="1"/>
+            <a:pPr lvl="0" algn="ctr"/>
+            <a:r>
+              <a:rPr lang="en-US" sz="2400" b="1" dirty="0" smtClean="0"/>
+              <a:t>Editor </a:t>
+            </a:r>
+            <a:r>
+              <a:rPr lang="en-US" sz="2400" b="1" dirty="0" err="1" smtClean="0"/>
+              <a:t>testuale</a:t>
+            </a:r>
+            <a:r>
+              <a:rPr lang="en-US" sz="2400" b="1" dirty="0" smtClean="0"/>
+              <a:t> con Syntax Highlighting</a:t>
+            </a:r>
+            <a:endParaRPr lang="it-IT" sz="2400" b="1" dirty="0"/>
           </a:p>
         </p:txBody>
       </p:sp>
@@ -22096,6 +22216,9 @@
                     <p:cTn id="3" fill="hold">
                       <p:stCondLst>
                         <p:cond delay="indefinite"/>
+                        <p:cond evt="onBegin" delay="0">
+                          <p:tn val="2"/>
+                        </p:cond>
                       </p:stCondLst>
                       <p:childTnLst>
                         <p:par>
@@ -22105,28 +22228,119 @@
                             </p:stCondLst>
                             <p:childTnLst>
                               <p:par>
-                                <p:cTn id="5" presetID="10" presetClass="exit" presetSubtype="0" fill="hold" grpId="0" nodeType="clickEffect">
+                                <p:cTn id="5" presetID="2" presetClass="entr" presetSubtype="4" fill="hold" grpId="0" nodeType="afterEffect">
+                                  <p:stCondLst>
+                                    <p:cond delay="0"/>
+                                  </p:stCondLst>
+                                  <p:childTnLst>
+                                    <p:set>
+                                      <p:cBhvr>
+                                        <p:cTn id="6" dur="1" fill="hold">
+                                          <p:stCondLst>
+                                            <p:cond delay="0"/>
+                                          </p:stCondLst>
+                                        </p:cTn>
+                                        <p:tgtEl>
+                                          <p:spTgt spid="15"/>
+                                        </p:tgtEl>
+                                        <p:attrNameLst>
+                                          <p:attrName>style.visibility</p:attrName>
+                                        </p:attrNameLst>
+                                      </p:cBhvr>
+                                      <p:to>
+                                        <p:strVal val="visible"/>
+                                      </p:to>
+                                    </p:set>
+                                    <p:anim calcmode="lin" valueType="num">
+                                      <p:cBhvr additive="base">
+                                        <p:cTn id="7" dur="500" fill="hold"/>
+                                        <p:tgtEl>
+                                          <p:spTgt spid="15"/>
+                                        </p:tgtEl>
+                                        <p:attrNameLst>
+                                          <p:attrName>ppt_x</p:attrName>
+                                        </p:attrNameLst>
+                                      </p:cBhvr>
+                                      <p:tavLst>
+                                        <p:tav tm="0">
+                                          <p:val>
+                                            <p:strVal val="#ppt_x"/>
+                                          </p:val>
+                                        </p:tav>
+                                        <p:tav tm="100000">
+                                          <p:val>
+                                            <p:strVal val="#ppt_x"/>
+                                          </p:val>
+                                        </p:tav>
+                                      </p:tavLst>
+                                    </p:anim>
+                                    <p:anim calcmode="lin" valueType="num">
+                                      <p:cBhvr additive="base">
+                                        <p:cTn id="8" dur="500" fill="hold"/>
+                                        <p:tgtEl>
+                                          <p:spTgt spid="15"/>
+                                        </p:tgtEl>
+                                        <p:attrNameLst>
+                                          <p:attrName>ppt_y</p:attrName>
+                                        </p:attrNameLst>
+                                      </p:cBhvr>
+                                      <p:tavLst>
+                                        <p:tav tm="0">
+                                          <p:val>
+                                            <p:strVal val="1+#ppt_h/2"/>
+                                          </p:val>
+                                        </p:tav>
+                                        <p:tav tm="100000">
+                                          <p:val>
+                                            <p:strVal val="#ppt_y"/>
+                                          </p:val>
+                                        </p:tav>
+                                      </p:tavLst>
+                                    </p:anim>
+                                  </p:childTnLst>
+                                </p:cTn>
+                              </p:par>
+                            </p:childTnLst>
+                          </p:cTn>
+                        </p:par>
+                      </p:childTnLst>
+                    </p:cTn>
+                  </p:par>
+                  <p:par>
+                    <p:cTn id="9" fill="hold">
+                      <p:stCondLst>
+                        <p:cond delay="indefinite"/>
+                      </p:stCondLst>
+                      <p:childTnLst>
+                        <p:par>
+                          <p:cTn id="10" fill="hold">
+                            <p:stCondLst>
+                              <p:cond delay="0"/>
+                            </p:stCondLst>
+                            <p:childTnLst>
+                              <p:par>
+                                <p:cTn id="11" presetID="10" presetClass="exit" presetSubtype="0" fill="hold" nodeType="clickEffect">
                                   <p:stCondLst>
                                     <p:cond delay="0"/>
                                   </p:stCondLst>
                                   <p:childTnLst>
                                     <p:animEffect transition="out" filter="fade">
                                       <p:cBhvr>
-                                        <p:cTn id="6" dur="500"/>
-                                        <p:tgtEl>
-                                          <p:spTgt spid="11"/>
+                                        <p:cTn id="12" dur="500"/>
+                                        <p:tgtEl>
+                                          <p:spTgt spid="19"/>
                                         </p:tgtEl>
                                       </p:cBhvr>
                                     </p:animEffect>
                                     <p:set>
                                       <p:cBhvr>
-                                        <p:cTn id="7" dur="1" fill="hold">
+                                        <p:cTn id="13" dur="1" fill="hold">
                                           <p:stCondLst>
                                             <p:cond delay="499"/>
                                           </p:stCondLst>
                                         </p:cTn>
                                         <p:tgtEl>
-                                          <p:spTgt spid="11"/>
+                                          <p:spTgt spid="19"/>
                                         </p:tgtEl>
                                         <p:attrNameLst>
                                           <p:attrName>style.visibility</p:attrName>
@@ -22140,64 +22354,20 @@
                                 </p:cTn>
                               </p:par>
                               <p:par>
-                                <p:cTn id="8" presetID="10" presetClass="exit" presetSubtype="0" fill="hold" nodeType="withEffect">
-                                  <p:stCondLst>
-                                    <p:cond delay="0"/>
-                                  </p:stCondLst>
-                                  <p:childTnLst>
-                                    <p:animEffect transition="out" filter="fade">
-                                      <p:cBhvr>
-                                        <p:cTn id="9" dur="500"/>
-                                        <p:tgtEl>
-                                          <p:spTgt spid="10"/>
-                                        </p:tgtEl>
-                                      </p:cBhvr>
-                                    </p:animEffect>
-                                    <p:set>
-                                      <p:cBhvr>
-                                        <p:cTn id="10" dur="1" fill="hold">
-                                          <p:stCondLst>
-                                            <p:cond delay="499"/>
-                                          </p:stCondLst>
-                                        </p:cTn>
-                                        <p:tgtEl>
-                                          <p:spTgt spid="10"/>
-                                        </p:tgtEl>
-                                        <p:attrNameLst>
-                                          <p:attrName>style.visibility</p:attrName>
-                                        </p:attrNameLst>
-                                      </p:cBhvr>
-                                      <p:to>
-                                        <p:strVal val="hidden"/>
-                                      </p:to>
-                                    </p:set>
-                                  </p:childTnLst>
-                                </p:cTn>
-                              </p:par>
-                            </p:childTnLst>
-                          </p:cTn>
-                        </p:par>
-                        <p:par>
-                          <p:cTn id="11" fill="hold">
-                            <p:stCondLst>
-                              <p:cond delay="500"/>
-                            </p:stCondLst>
-                            <p:childTnLst>
-                              <p:par>
-                                <p:cTn id="12" presetID="10" presetClass="entr" presetSubtype="0" fill="hold" grpId="0" nodeType="afterEffect">
+                                <p:cTn id="14" presetID="10" presetClass="entr" presetSubtype="0" fill="hold" nodeType="withEffect">
                                   <p:stCondLst>
                                     <p:cond delay="0"/>
                                   </p:stCondLst>
                                   <p:childTnLst>
                                     <p:set>
                                       <p:cBhvr>
-                                        <p:cTn id="13" dur="1" fill="hold">
+                                        <p:cTn id="15" dur="1" fill="hold">
                                           <p:stCondLst>
                                             <p:cond delay="0"/>
                                           </p:stCondLst>
                                         </p:cTn>
                                         <p:tgtEl>
-                                          <p:spTgt spid="12"/>
+                                          <p:spTgt spid="2"/>
                                         </p:tgtEl>
                                         <p:attrNameLst>
                                           <p:attrName>style.visibility</p:attrName>
@@ -22209,44 +22379,9 @@
                                     </p:set>
                                     <p:animEffect transition="in" filter="fade">
                                       <p:cBhvr>
-                                        <p:cTn id="14" dur="500"/>
-                                        <p:tgtEl>
-                                          <p:spTgt spid="12"/>
-                                        </p:tgtEl>
-                                      </p:cBhvr>
-                                    </p:animEffect>
-                                  </p:childTnLst>
-                                </p:cTn>
-                              </p:par>
-                              <p:par>
-                                <p:cTn id="15" presetID="10" presetClass="entr" presetSubtype="0" fill="hold" nodeType="withEffect">
-                                  <p:stCondLst>
-                                    <p:cond delay="0"/>
-                                  </p:stCondLst>
-                                  <p:childTnLst>
-                                    <p:set>
-                                      <p:cBhvr>
-                                        <p:cTn id="16" dur="1" fill="hold">
-                                          <p:stCondLst>
-                                            <p:cond delay="0"/>
-                                          </p:stCondLst>
-                                        </p:cTn>
-                                        <p:tgtEl>
-                                          <p:spTgt spid="1026"/>
-                                        </p:tgtEl>
-                                        <p:attrNameLst>
-                                          <p:attrName>style.visibility</p:attrName>
-                                        </p:attrNameLst>
-                                      </p:cBhvr>
-                                      <p:to>
-                                        <p:strVal val="visible"/>
-                                      </p:to>
-                                    </p:set>
-                                    <p:animEffect transition="in" filter="fade">
-                                      <p:cBhvr>
-                                        <p:cTn id="17" dur="500"/>
-                                        <p:tgtEl>
-                                          <p:spTgt spid="1026"/>
+                                        <p:cTn id="16" dur="500"/>
+                                        <p:tgtEl>
+                                          <p:spTgt spid="2"/>
                                         </p:tgtEl>
                                       </p:cBhvr>
                                     </p:animEffect>
@@ -22260,40 +22395,175 @@
                     </p:cTn>
                   </p:par>
                   <p:par>
-                    <p:cTn id="18" fill="hold">
+                    <p:cTn id="17" fill="hold">
                       <p:stCondLst>
                         <p:cond delay="indefinite"/>
                       </p:stCondLst>
                       <p:childTnLst>
                         <p:par>
-                          <p:cTn id="19" fill="hold">
+                          <p:cTn id="18" fill="hold">
                             <p:stCondLst>
                               <p:cond delay="0"/>
                             </p:stCondLst>
                             <p:childTnLst>
                               <p:par>
-                                <p:cTn id="20" presetID="10" presetClass="exit" presetSubtype="0" fill="hold" grpId="1" nodeType="clickEffect">
+                                <p:cTn id="19" presetID="10" presetClass="entr" presetSubtype="0" fill="hold" nodeType="clickEffect">
+                                  <p:stCondLst>
+                                    <p:cond delay="0"/>
+                                  </p:stCondLst>
+                                  <p:childTnLst>
+                                    <p:set>
+                                      <p:cBhvr>
+                                        <p:cTn id="20" dur="1" fill="hold">
+                                          <p:stCondLst>
+                                            <p:cond delay="0"/>
+                                          </p:stCondLst>
+                                        </p:cTn>
+                                        <p:tgtEl>
+                                          <p:spTgt spid="20"/>
+                                        </p:tgtEl>
+                                        <p:attrNameLst>
+                                          <p:attrName>style.visibility</p:attrName>
+                                        </p:attrNameLst>
+                                      </p:cBhvr>
+                                      <p:to>
+                                        <p:strVal val="visible"/>
+                                      </p:to>
+                                    </p:set>
+                                    <p:animEffect transition="in" filter="fade">
+                                      <p:cBhvr>
+                                        <p:cTn id="21" dur="500"/>
+                                        <p:tgtEl>
+                                          <p:spTgt spid="20"/>
+                                        </p:tgtEl>
+                                      </p:cBhvr>
+                                    </p:animEffect>
+                                  </p:childTnLst>
+                                </p:cTn>
+                              </p:par>
+                            </p:childTnLst>
+                          </p:cTn>
+                        </p:par>
+                        <p:par>
+                          <p:cTn id="22" fill="hold">
+                            <p:stCondLst>
+                              <p:cond delay="500"/>
+                            </p:stCondLst>
+                            <p:childTnLst>
+                              <p:par>
+                                <p:cTn id="23" presetID="2" presetClass="entr" presetSubtype="4" fill="hold" grpId="0" nodeType="afterEffect">
+                                  <p:stCondLst>
+                                    <p:cond delay="0"/>
+                                  </p:stCondLst>
+                                  <p:childTnLst>
+                                    <p:set>
+                                      <p:cBhvr>
+                                        <p:cTn id="24" dur="1" fill="hold">
+                                          <p:stCondLst>
+                                            <p:cond delay="0"/>
+                                          </p:stCondLst>
+                                        </p:cTn>
+                                        <p:tgtEl>
+                                          <p:spTgt spid="17"/>
+                                        </p:tgtEl>
+                                        <p:attrNameLst>
+                                          <p:attrName>style.visibility</p:attrName>
+                                        </p:attrNameLst>
+                                      </p:cBhvr>
+                                      <p:to>
+                                        <p:strVal val="visible"/>
+                                      </p:to>
+                                    </p:set>
+                                    <p:anim calcmode="lin" valueType="num">
+                                      <p:cBhvr additive="base">
+                                        <p:cTn id="25" dur="500" fill="hold"/>
+                                        <p:tgtEl>
+                                          <p:spTgt spid="17"/>
+                                        </p:tgtEl>
+                                        <p:attrNameLst>
+                                          <p:attrName>ppt_x</p:attrName>
+                                        </p:attrNameLst>
+                                      </p:cBhvr>
+                                      <p:tavLst>
+                                        <p:tav tm="0">
+                                          <p:val>
+                                            <p:strVal val="#ppt_x"/>
+                                          </p:val>
+                                        </p:tav>
+                                        <p:tav tm="100000">
+                                          <p:val>
+                                            <p:strVal val="#ppt_x"/>
+                                          </p:val>
+                                        </p:tav>
+                                      </p:tavLst>
+                                    </p:anim>
+                                    <p:anim calcmode="lin" valueType="num">
+                                      <p:cBhvr additive="base">
+                                        <p:cTn id="26" dur="500" fill="hold"/>
+                                        <p:tgtEl>
+                                          <p:spTgt spid="17"/>
+                                        </p:tgtEl>
+                                        <p:attrNameLst>
+                                          <p:attrName>ppt_y</p:attrName>
+                                        </p:attrNameLst>
+                                      </p:cBhvr>
+                                      <p:tavLst>
+                                        <p:tav tm="0">
+                                          <p:val>
+                                            <p:strVal val="1+#ppt_h/2"/>
+                                          </p:val>
+                                        </p:tav>
+                                        <p:tav tm="100000">
+                                          <p:val>
+                                            <p:strVal val="#ppt_y"/>
+                                          </p:val>
+                                        </p:tav>
+                                      </p:tavLst>
+                                    </p:anim>
+                                  </p:childTnLst>
+                                </p:cTn>
+                              </p:par>
+                            </p:childTnLst>
+                          </p:cTn>
+                        </p:par>
+                      </p:childTnLst>
+                    </p:cTn>
+                  </p:par>
+                  <p:par>
+                    <p:cTn id="27" fill="hold">
+                      <p:stCondLst>
+                        <p:cond delay="indefinite"/>
+                      </p:stCondLst>
+                      <p:childTnLst>
+                        <p:par>
+                          <p:cTn id="28" fill="hold">
+                            <p:stCondLst>
+                              <p:cond delay="0"/>
+                            </p:stCondLst>
+                            <p:childTnLst>
+                              <p:par>
+                                <p:cTn id="29" presetID="10" presetClass="exit" presetSubtype="0" fill="hold" nodeType="clickEffect">
                                   <p:stCondLst>
                                     <p:cond delay="0"/>
                                   </p:stCondLst>
                                   <p:childTnLst>
                                     <p:animEffect transition="out" filter="fade">
                                       <p:cBhvr>
-                                        <p:cTn id="21" dur="500"/>
-                                        <p:tgtEl>
-                                          <p:spTgt spid="12"/>
+                                        <p:cTn id="30" dur="500"/>
+                                        <p:tgtEl>
+                                          <p:spTgt spid="20"/>
                                         </p:tgtEl>
                                       </p:cBhvr>
                                     </p:animEffect>
                                     <p:set>
                                       <p:cBhvr>
-                                        <p:cTn id="22" dur="1" fill="hold">
+                                        <p:cTn id="31" dur="1" fill="hold">
                                           <p:stCondLst>
                                             <p:cond delay="499"/>
                                           </p:stCondLst>
                                         </p:cTn>
                                         <p:tgtEl>
-                                          <p:spTgt spid="12"/>
+                                          <p:spTgt spid="20"/>
                                         </p:tgtEl>
                                         <p:attrNameLst>
                                           <p:attrName>style.visibility</p:attrName>
@@ -22307,28 +22577,216 @@
                                 </p:cTn>
                               </p:par>
                               <p:par>
-                                <p:cTn id="23" presetID="10" presetClass="exit" presetSubtype="0" fill="hold" nodeType="withEffect">
+                                <p:cTn id="32" presetID="10" presetClass="entr" presetSubtype="0" fill="hold" nodeType="withEffect">
+                                  <p:stCondLst>
+                                    <p:cond delay="0"/>
+                                  </p:stCondLst>
+                                  <p:childTnLst>
+                                    <p:set>
+                                      <p:cBhvr>
+                                        <p:cTn id="33" dur="1" fill="hold">
+                                          <p:stCondLst>
+                                            <p:cond delay="0"/>
+                                          </p:stCondLst>
+                                        </p:cTn>
+                                        <p:tgtEl>
+                                          <p:spTgt spid="3"/>
+                                        </p:tgtEl>
+                                        <p:attrNameLst>
+                                          <p:attrName>style.visibility</p:attrName>
+                                        </p:attrNameLst>
+                                      </p:cBhvr>
+                                      <p:to>
+                                        <p:strVal val="visible"/>
+                                      </p:to>
+                                    </p:set>
+                                    <p:animEffect transition="in" filter="fade">
+                                      <p:cBhvr>
+                                        <p:cTn id="34" dur="500"/>
+                                        <p:tgtEl>
+                                          <p:spTgt spid="3"/>
+                                        </p:tgtEl>
+                                      </p:cBhvr>
+                                    </p:animEffect>
+                                  </p:childTnLst>
+                                </p:cTn>
+                              </p:par>
+                            </p:childTnLst>
+                          </p:cTn>
+                        </p:par>
+                      </p:childTnLst>
+                    </p:cTn>
+                  </p:par>
+                  <p:par>
+                    <p:cTn id="35" fill="hold">
+                      <p:stCondLst>
+                        <p:cond delay="indefinite"/>
+                      </p:stCondLst>
+                      <p:childTnLst>
+                        <p:par>
+                          <p:cTn id="36" fill="hold">
+                            <p:stCondLst>
+                              <p:cond delay="0"/>
+                            </p:stCondLst>
+                            <p:childTnLst>
+                              <p:par>
+                                <p:cTn id="37" presetID="10" presetClass="entr" presetSubtype="0" fill="hold" nodeType="clickEffect">
+                                  <p:stCondLst>
+                                    <p:cond delay="0"/>
+                                  </p:stCondLst>
+                                  <p:childTnLst>
+                                    <p:set>
+                                      <p:cBhvr>
+                                        <p:cTn id="38" dur="1" fill="hold">
+                                          <p:stCondLst>
+                                            <p:cond delay="0"/>
+                                          </p:stCondLst>
+                                        </p:cTn>
+                                        <p:tgtEl>
+                                          <p:spTgt spid="21"/>
+                                        </p:tgtEl>
+                                        <p:attrNameLst>
+                                          <p:attrName>style.visibility</p:attrName>
+                                        </p:attrNameLst>
+                                      </p:cBhvr>
+                                      <p:to>
+                                        <p:strVal val="visible"/>
+                                      </p:to>
+                                    </p:set>
+                                    <p:animEffect transition="in" filter="fade">
+                                      <p:cBhvr>
+                                        <p:cTn id="39" dur="500"/>
+                                        <p:tgtEl>
+                                          <p:spTgt spid="21"/>
+                                        </p:tgtEl>
+                                      </p:cBhvr>
+                                    </p:animEffect>
+                                  </p:childTnLst>
+                                </p:cTn>
+                              </p:par>
+                            </p:childTnLst>
+                          </p:cTn>
+                        </p:par>
+                        <p:par>
+                          <p:cTn id="40" fill="hold">
+                            <p:stCondLst>
+                              <p:cond delay="500"/>
+                            </p:stCondLst>
+                            <p:childTnLst>
+                              <p:par>
+                                <p:cTn id="41" presetID="2" presetClass="entr" presetSubtype="4" fill="hold" grpId="0" nodeType="afterEffect">
+                                  <p:stCondLst>
+                                    <p:cond delay="0"/>
+                                  </p:stCondLst>
+                                  <p:childTnLst>
+                                    <p:set>
+                                      <p:cBhvr>
+                                        <p:cTn id="42" dur="1" fill="hold">
+                                          <p:stCondLst>
+                                            <p:cond delay="0"/>
+                                          </p:stCondLst>
+                                        </p:cTn>
+                                        <p:tgtEl>
+                                          <p:spTgt spid="16"/>
+                                        </p:tgtEl>
+                                        <p:attrNameLst>
+                                          <p:attrName>style.visibility</p:attrName>
+                                        </p:attrNameLst>
+                                      </p:cBhvr>
+                                      <p:to>
+                                        <p:strVal val="visible"/>
+                                      </p:to>
+                                    </p:set>
+                                    <p:anim calcmode="lin" valueType="num">
+                                      <p:cBhvr additive="base">
+                                        <p:cTn id="43" dur="500" fill="hold"/>
+                                        <p:tgtEl>
+                                          <p:spTgt spid="16"/>
+                                        </p:tgtEl>
+                                        <p:attrNameLst>
+                                          <p:attrName>ppt_x</p:attrName>
+                                        </p:attrNameLst>
+                                      </p:cBhvr>
+                                      <p:tavLst>
+                                        <p:tav tm="0">
+                                          <p:val>
+                                            <p:strVal val="#ppt_x"/>
+                                          </p:val>
+                                        </p:tav>
+                                        <p:tav tm="100000">
+                                          <p:val>
+                                            <p:strVal val="#ppt_x"/>
+                                          </p:val>
+                                        </p:tav>
+                                      </p:tavLst>
+                                    </p:anim>
+                                    <p:anim calcmode="lin" valueType="num">
+                                      <p:cBhvr additive="base">
+                                        <p:cTn id="44" dur="500" fill="hold"/>
+                                        <p:tgtEl>
+                                          <p:spTgt spid="16"/>
+                                        </p:tgtEl>
+                                        <p:attrNameLst>
+                                          <p:attrName>ppt_y</p:attrName>
+                                        </p:attrNameLst>
+                                      </p:cBhvr>
+                                      <p:tavLst>
+                                        <p:tav tm="0">
+                                          <p:val>
+                                            <p:strVal val="1+#ppt_h/2"/>
+                                          </p:val>
+                                        </p:tav>
+                                        <p:tav tm="100000">
+                                          <p:val>
+                                            <p:strVal val="#ppt_y"/>
+                                          </p:val>
+                                        </p:tav>
+                                      </p:tavLst>
+                                    </p:anim>
+                                  </p:childTnLst>
+                                </p:cTn>
+                              </p:par>
+                            </p:childTnLst>
+                          </p:cTn>
+                        </p:par>
+                      </p:childTnLst>
+                    </p:cTn>
+                  </p:par>
+                  <p:par>
+                    <p:cTn id="45" fill="hold">
+                      <p:stCondLst>
+                        <p:cond delay="indefinite"/>
+                      </p:stCondLst>
+                      <p:childTnLst>
+                        <p:par>
+                          <p:cTn id="46" fill="hold">
+                            <p:stCondLst>
+                              <p:cond delay="0"/>
+                            </p:stCondLst>
+                            <p:childTnLst>
+                              <p:par>
+                                <p:cTn id="47" presetID="10" presetClass="exit" presetSubtype="0" fill="hold" nodeType="clickEffect">
                                   <p:stCondLst>
                                     <p:cond delay="0"/>
                                   </p:stCondLst>
                                   <p:childTnLst>
                                     <p:animEffect transition="out" filter="fade">
                                       <p:cBhvr>
-                                        <p:cTn id="24" dur="500"/>
-                                        <p:tgtEl>
-                                          <p:spTgt spid="1026"/>
+                                        <p:cTn id="48" dur="500"/>
+                                        <p:tgtEl>
+                                          <p:spTgt spid="21"/>
                                         </p:tgtEl>
                                       </p:cBhvr>
                                     </p:animEffect>
                                     <p:set>
                                       <p:cBhvr>
-                                        <p:cTn id="25" dur="1" fill="hold">
+                                        <p:cTn id="49" dur="1" fill="hold">
                                           <p:stCondLst>
                                             <p:cond delay="499"/>
                                           </p:stCondLst>
                                         </p:cTn>
                                         <p:tgtEl>
-                                          <p:spTgt spid="1026"/>
+                                          <p:spTgt spid="21"/>
                                         </p:tgtEl>
                                         <p:attrNameLst>
                                           <p:attrName>style.visibility</p:attrName>
@@ -22341,30 +22799,21 @@
                                   </p:childTnLst>
                                 </p:cTn>
                               </p:par>
-                            </p:childTnLst>
-                          </p:cTn>
-                        </p:par>
-                        <p:par>
-                          <p:cTn id="26" fill="hold">
-                            <p:stCondLst>
-                              <p:cond delay="500"/>
-                            </p:stCondLst>
-                            <p:childTnLst>
                               <p:par>
-                                <p:cTn id="27" presetID="10" presetClass="entr" presetSubtype="0" fill="hold" grpId="0" nodeType="afterEffect">
+                                <p:cTn id="50" presetID="10" presetClass="entr" presetSubtype="0" fill="hold" nodeType="withEffect">
                                   <p:stCondLst>
                                     <p:cond delay="0"/>
                                   </p:stCondLst>
                                   <p:childTnLst>
                                     <p:set>
                                       <p:cBhvr>
-                                        <p:cTn id="28" dur="1" fill="hold">
+                                        <p:cTn id="51" dur="1" fill="hold">
                                           <p:stCondLst>
                                             <p:cond delay="0"/>
                                           </p:stCondLst>
                                         </p:cTn>
                                         <p:tgtEl>
-                                          <p:spTgt spid="13"/>
+                                          <p:spTgt spid="1028"/>
                                         </p:tgtEl>
                                         <p:attrNameLst>
                                           <p:attrName>style.visibility</p:attrName>
@@ -22376,44 +22825,9 @@
                                     </p:set>
                                     <p:animEffect transition="in" filter="fade">
                                       <p:cBhvr>
-                                        <p:cTn id="29" dur="500"/>
-                                        <p:tgtEl>
-                                          <p:spTgt spid="13"/>
-                                        </p:tgtEl>
-                                      </p:cBhvr>
-                                    </p:animEffect>
-                                  </p:childTnLst>
-                                </p:cTn>
-                              </p:par>
-                              <p:par>
-                                <p:cTn id="30" presetID="10" presetClass="entr" presetSubtype="0" fill="hold" nodeType="withEffect">
-                                  <p:stCondLst>
-                                    <p:cond delay="0"/>
-                                  </p:stCondLst>
-                                  <p:childTnLst>
-                                    <p:set>
-                                      <p:cBhvr>
-                                        <p:cTn id="31" dur="1" fill="hold">
-                                          <p:stCondLst>
-                                            <p:cond delay="0"/>
-                                          </p:stCondLst>
-                                        </p:cTn>
-                                        <p:tgtEl>
-                                          <p:spTgt spid="1027"/>
-                                        </p:tgtEl>
-                                        <p:attrNameLst>
-                                          <p:attrName>style.visibility</p:attrName>
-                                        </p:attrNameLst>
-                                      </p:cBhvr>
-                                      <p:to>
-                                        <p:strVal val="visible"/>
-                                      </p:to>
-                                    </p:set>
-                                    <p:animEffect transition="in" filter="fade">
-                                      <p:cBhvr>
-                                        <p:cTn id="32" dur="500"/>
-                                        <p:tgtEl>
-                                          <p:spTgt spid="1027"/>
+                                        <p:cTn id="52" dur="500"/>
+                                        <p:tgtEl>
+                                          <p:spTgt spid="1028"/>
                                         </p:tgtEl>
                                       </p:cBhvr>
                                     </p:animEffect>
@@ -22448,10 +22862,9 @@
       </p:par>
     </p:tnLst>
     <p:bldLst>
-      <p:bldP spid="11" grpId="0"/>
-      <p:bldP spid="12" grpId="0"/>
-      <p:bldP spid="12" grpId="1"/>
-      <p:bldP spid="13" grpId="0"/>
+      <p:bldP spid="15" grpId="0" animBg="1"/>
+      <p:bldP spid="17" grpId="0" animBg="1"/>
+      <p:bldP spid="16" grpId="0" animBg="1"/>
     </p:bldLst>
   </p:timing>
 </p:sld>
@@ -25851,24 +26264,15 @@
                                   </p:childTnLst>
                                 </p:cTn>
                               </p:par>
-                            </p:childTnLst>
-                          </p:cTn>
-                        </p:par>
-                        <p:par>
-                          <p:cTn id="39" fill="hold">
-                            <p:stCondLst>
-                              <p:cond delay="500"/>
-                            </p:stCondLst>
-                            <p:childTnLst>
                               <p:par>
-                                <p:cTn id="40" presetID="30" presetClass="entr" presetSubtype="0" fill="hold" nodeType="afterEffect">
+                                <p:cTn id="39" presetID="30" presetClass="entr" presetSubtype="0" fill="hold" nodeType="withEffect">
                                   <p:stCondLst>
                                     <p:cond delay="0"/>
                                   </p:stCondLst>
                                   <p:childTnLst>
                                     <p:set>
                                       <p:cBhvr>
-                                        <p:cTn id="41" dur="1" fill="hold">
+                                        <p:cTn id="40" dur="1" fill="hold">
                                           <p:stCondLst>
                                             <p:cond delay="0"/>
                                           </p:stCondLst>
@@ -25886,7 +26290,7 @@
                                     </p:set>
                                     <p:animEffect transition="in" filter="fade">
                                       <p:cBhvr>
-                                        <p:cTn id="42" dur="400" decel="100000"/>
+                                        <p:cTn id="41" dur="400" decel="100000"/>
                                         <p:tgtEl>
                                           <p:spTgt spid="14"/>
                                         </p:tgtEl>
@@ -25894,7 +26298,7 @@
                                     </p:animEffect>
                                     <p:anim calcmode="lin" valueType="num">
                                       <p:cBhvr>
-                                        <p:cTn id="43" dur="400" decel="100000" fill="hold"/>
+                                        <p:cTn id="42" dur="400" decel="100000" fill="hold"/>
                                         <p:tgtEl>
                                           <p:spTgt spid="14"/>
                                         </p:tgtEl>
@@ -25911,6 +26315,29 @@
                                         <p:tav tm="100000">
                                           <p:val>
                                             <p:fltVal val="0"/>
+                                          </p:val>
+                                        </p:tav>
+                                      </p:tavLst>
+                                    </p:anim>
+                                    <p:anim calcmode="lin" valueType="num">
+                                      <p:cBhvr>
+                                        <p:cTn id="43" dur="400" decel="100000" fill="hold"/>
+                                        <p:tgtEl>
+                                          <p:spTgt spid="14"/>
+                                        </p:tgtEl>
+                                        <p:attrNameLst>
+                                          <p:attrName>ppt_x</p:attrName>
+                                        </p:attrNameLst>
+                                      </p:cBhvr>
+                                      <p:tavLst>
+                                        <p:tav tm="0">
+                                          <p:val>
+                                            <p:strVal val="#ppt_x+0.4"/>
+                                          </p:val>
+                                        </p:tav>
+                                        <p:tav tm="100000">
+                                          <p:val>
+                                            <p:strVal val="#ppt_x-0.05"/>
                                           </p:val>
                                         </p:tav>
                                       </p:tavLst>
@@ -25922,41 +26349,45 @@
                                           <p:spTgt spid="14"/>
                                         </p:tgtEl>
                                         <p:attrNameLst>
-                                          <p:attrName>ppt_x</p:attrName>
+                                          <p:attrName>ppt_y</p:attrName>
                                         </p:attrNameLst>
                                       </p:cBhvr>
                                       <p:tavLst>
                                         <p:tav tm="0">
                                           <p:val>
-                                            <p:strVal val="#ppt_x+0.4"/>
+                                            <p:strVal val="#ppt_y-0.4"/>
                                           </p:val>
                                         </p:tav>
                                         <p:tav tm="100000">
                                           <p:val>
-                                            <p:strVal val="#ppt_x-0.05"/>
+                                            <p:strVal val="#ppt_y+0.1"/>
                                           </p:val>
                                         </p:tav>
                                       </p:tavLst>
                                     </p:anim>
                                     <p:anim calcmode="lin" valueType="num">
                                       <p:cBhvr>
-                                        <p:cTn id="45" dur="400" decel="100000" fill="hold"/>
+                                        <p:cTn id="45" dur="100" accel="100000" fill="hold">
+                                          <p:stCondLst>
+                                            <p:cond delay="400"/>
+                                          </p:stCondLst>
+                                        </p:cTn>
                                         <p:tgtEl>
                                           <p:spTgt spid="14"/>
                                         </p:tgtEl>
                                         <p:attrNameLst>
-                                          <p:attrName>ppt_y</p:attrName>
+                                          <p:attrName>ppt_x</p:attrName>
                                         </p:attrNameLst>
                                       </p:cBhvr>
                                       <p:tavLst>
                                         <p:tav tm="0">
                                           <p:val>
-                                            <p:strVal val="#ppt_y-0.4"/>
+                                            <p:strVal val="#ppt_x-0.05"/>
                                           </p:val>
                                         </p:tav>
                                         <p:tav tm="100000">
                                           <p:val>
-                                            <p:strVal val="#ppt_y+0.1"/>
+                                            <p:strVal val="#ppt_x"/>
                                           </p:val>
                                         </p:tav>
                                       </p:tavLst>
@@ -25972,33 +26403,6 @@
                                           <p:spTgt spid="14"/>
                                         </p:tgtEl>
                                         <p:attrNameLst>
-                                          <p:attrName>ppt_x</p:attrName>
-                                        </p:attrNameLst>
-                                      </p:cBhvr>
-                                      <p:tavLst>
-                                        <p:tav tm="0">
-                                          <p:val>
-                                            <p:strVal val="#ppt_x-0.05"/>
-                                          </p:val>
-                                        </p:tav>
-                                        <p:tav tm="100000">
-                                          <p:val>
-                                            <p:strVal val="#ppt_x"/>
-                                          </p:val>
-                                        </p:tav>
-                                      </p:tavLst>
-                                    </p:anim>
-                                    <p:anim calcmode="lin" valueType="num">
-                                      <p:cBhvr>
-                                        <p:cTn id="47" dur="100" accel="100000" fill="hold">
-                                          <p:stCondLst>
-                                            <p:cond delay="400"/>
-                                          </p:stCondLst>
-                                        </p:cTn>
-                                        <p:tgtEl>
-                                          <p:spTgt spid="14"/>
-                                        </p:tgtEl>
-                                        <p:attrNameLst>
                                           <p:attrName>ppt_y</p:attrName>
                                         </p:attrNameLst>
                                       </p:cBhvr>
@@ -26018,24 +26422,15 @@
                                   </p:childTnLst>
                                 </p:cTn>
                               </p:par>
-                            </p:childTnLst>
-                          </p:cTn>
-                        </p:par>
-                        <p:par>
-                          <p:cTn id="48" fill="hold">
-                            <p:stCondLst>
-                              <p:cond delay="1000"/>
-                            </p:stCondLst>
-                            <p:childTnLst>
                               <p:par>
-                                <p:cTn id="49" presetID="30" presetClass="entr" presetSubtype="0" fill="hold" nodeType="afterEffect">
+                                <p:cTn id="47" presetID="30" presetClass="entr" presetSubtype="0" fill="hold" nodeType="withEffect">
                                   <p:stCondLst>
                                     <p:cond delay="0"/>
                                   </p:stCondLst>
                                   <p:childTnLst>
                                     <p:set>
                                       <p:cBhvr>
-                                        <p:cTn id="50" dur="1" fill="hold">
+                                        <p:cTn id="48" dur="1" fill="hold">
                                           <p:stCondLst>
                                             <p:cond delay="0"/>
                                           </p:stCondLst>
@@ -26053,7 +26448,7 @@
                                     </p:set>
                                     <p:animEffect transition="in" filter="fade">
                                       <p:cBhvr>
-                                        <p:cTn id="51" dur="400" decel="100000"/>
+                                        <p:cTn id="49" dur="400" decel="100000"/>
                                         <p:tgtEl>
                                           <p:spTgt spid="15"/>
                                         </p:tgtEl>
@@ -26061,7 +26456,7 @@
                                     </p:animEffect>
                                     <p:anim calcmode="lin" valueType="num">
                                       <p:cBhvr>
-                                        <p:cTn id="52" dur="400" decel="100000" fill="hold"/>
+                                        <p:cTn id="50" dur="400" decel="100000" fill="hold"/>
                                         <p:tgtEl>
                                           <p:spTgt spid="15"/>
                                         </p:tgtEl>
@@ -26084,7 +26479,7 @@
                                     </p:anim>
                                     <p:anim calcmode="lin" valueType="num">
                                       <p:cBhvr>
-                                        <p:cTn id="53" dur="400" decel="100000" fill="hold"/>
+                                        <p:cTn id="51" dur="400" decel="100000" fill="hold"/>
                                         <p:tgtEl>
                                           <p:spTgt spid="15"/>
                                         </p:tgtEl>
@@ -26107,7 +26502,7 @@
                                     </p:anim>
                                     <p:anim calcmode="lin" valueType="num">
                                       <p:cBhvr>
-                                        <p:cTn id="54" dur="400" decel="100000" fill="hold"/>
+                                        <p:cTn id="52" dur="400" decel="100000" fill="hold"/>
                                         <p:tgtEl>
                                           <p:spTgt spid="15"/>
                                         </p:tgtEl>
@@ -26130,7 +26525,7 @@
                                     </p:anim>
                                     <p:anim calcmode="lin" valueType="num">
                                       <p:cBhvr>
-                                        <p:cTn id="55" dur="100" accel="100000" fill="hold">
+                                        <p:cTn id="53" dur="100" accel="100000" fill="hold">
                                           <p:stCondLst>
                                             <p:cond delay="400"/>
                                           </p:stCondLst>
@@ -26157,7 +26552,7 @@
                                     </p:anim>
                                     <p:anim calcmode="lin" valueType="num">
                                       <p:cBhvr>
-                                        <p:cTn id="56" dur="100" accel="100000" fill="hold">
+                                        <p:cTn id="54" dur="100" accel="100000" fill="hold">
                                           <p:stCondLst>
                                             <p:cond delay="400"/>
                                           </p:stCondLst>
@@ -26185,24 +26580,15 @@
                                   </p:childTnLst>
                                 </p:cTn>
                               </p:par>
-                            </p:childTnLst>
-                          </p:cTn>
-                        </p:par>
-                        <p:par>
-                          <p:cTn id="57" fill="hold">
-                            <p:stCondLst>
-                              <p:cond delay="1500"/>
-                            </p:stCondLst>
-                            <p:childTnLst>
                               <p:par>
-                                <p:cTn id="58" presetID="30" presetClass="entr" presetSubtype="0" fill="hold" nodeType="afterEffect">
+                                <p:cTn id="55" presetID="30" presetClass="entr" presetSubtype="0" fill="hold" nodeType="withEffect">
                                   <p:stCondLst>
                                     <p:cond delay="0"/>
                                   </p:stCondLst>
                                   <p:childTnLst>
                                     <p:set>
                                       <p:cBhvr>
-                                        <p:cTn id="59" dur="1" fill="hold">
+                                        <p:cTn id="56" dur="1" fill="hold">
                                           <p:stCondLst>
                                             <p:cond delay="0"/>
                                           </p:stCondLst>
@@ -26220,7 +26606,7 @@
                                     </p:set>
                                     <p:animEffect transition="in" filter="fade">
                                       <p:cBhvr>
-                                        <p:cTn id="60" dur="400" decel="100000"/>
+                                        <p:cTn id="57" dur="400" decel="100000"/>
                                         <p:tgtEl>
                                           <p:spTgt spid="16"/>
                                         </p:tgtEl>
@@ -26228,7 +26614,7 @@
                                     </p:animEffect>
                                     <p:anim calcmode="lin" valueType="num">
                                       <p:cBhvr>
-                                        <p:cTn id="61" dur="400" decel="100000" fill="hold"/>
+                                        <p:cTn id="58" dur="400" decel="100000" fill="hold"/>
                                         <p:tgtEl>
                                           <p:spTgt spid="16"/>
                                         </p:tgtEl>
@@ -26251,7 +26637,7 @@
                                     </p:anim>
                                     <p:anim calcmode="lin" valueType="num">
                                       <p:cBhvr>
-                                        <p:cTn id="62" dur="400" decel="100000" fill="hold"/>
+                                        <p:cTn id="59" dur="400" decel="100000" fill="hold"/>
                                         <p:tgtEl>
                                           <p:spTgt spid="16"/>
                                         </p:tgtEl>
@@ -26274,7 +26660,7 @@
                                     </p:anim>
                                     <p:anim calcmode="lin" valueType="num">
                                       <p:cBhvr>
-                                        <p:cTn id="63" dur="400" decel="100000" fill="hold"/>
+                                        <p:cTn id="60" dur="400" decel="100000" fill="hold"/>
                                         <p:tgtEl>
                                           <p:spTgt spid="16"/>
                                         </p:tgtEl>
@@ -26297,7 +26683,7 @@
                                     </p:anim>
                                     <p:anim calcmode="lin" valueType="num">
                                       <p:cBhvr>
-                                        <p:cTn id="64" dur="100" accel="100000" fill="hold">
+                                        <p:cTn id="61" dur="100" accel="100000" fill="hold">
                                           <p:stCondLst>
                                             <p:cond delay="400"/>
                                           </p:stCondLst>
@@ -26324,7 +26710,7 @@
                                     </p:anim>
                                     <p:anim calcmode="lin" valueType="num">
                                       <p:cBhvr>
-                                        <p:cTn id="65" dur="100" accel="100000" fill="hold">
+                                        <p:cTn id="62" dur="100" accel="100000" fill="hold">
                                           <p:stCondLst>
                                             <p:cond delay="400"/>
                                           </p:stCondLst>
@@ -26359,26 +26745,26 @@
                     </p:cTn>
                   </p:par>
                   <p:par>
-                    <p:cTn id="66" fill="hold">
+                    <p:cTn id="63" fill="hold">
                       <p:stCondLst>
                         <p:cond delay="indefinite"/>
                       </p:stCondLst>
                       <p:childTnLst>
                         <p:par>
-                          <p:cTn id="67" fill="hold">
+                          <p:cTn id="64" fill="hold">
                             <p:stCondLst>
                               <p:cond delay="0"/>
                             </p:stCondLst>
                             <p:childTnLst>
                               <p:par>
-                                <p:cTn id="68" presetID="30" presetClass="entr" presetSubtype="0" fill="hold" nodeType="clickEffect">
+                                <p:cTn id="65" presetID="30" presetClass="entr" presetSubtype="0" fill="hold" nodeType="clickEffect">
                                   <p:stCondLst>
                                     <p:cond delay="0"/>
                                   </p:stCondLst>
                                   <p:childTnLst>
                                     <p:set>
                                       <p:cBhvr>
-                                        <p:cTn id="69" dur="1" fill="hold">
+                                        <p:cTn id="66" dur="1" fill="hold">
                                           <p:stCondLst>
                                             <p:cond delay="0"/>
                                           </p:stCondLst>
@@ -26396,7 +26782,7 @@
                                     </p:set>
                                     <p:animEffect transition="in" filter="fade">
                                       <p:cBhvr>
-                                        <p:cTn id="70" dur="400" decel="100000"/>
+                                        <p:cTn id="67" dur="400" decel="100000"/>
                                         <p:tgtEl>
                                           <p:spTgt spid="19"/>
                                         </p:tgtEl>
@@ -26404,7 +26790,7 @@
                                     </p:animEffect>
                                     <p:anim calcmode="lin" valueType="num">
                                       <p:cBhvr>
-                                        <p:cTn id="71" dur="400" decel="100000" fill="hold"/>
+                                        <p:cTn id="68" dur="400" decel="100000" fill="hold"/>
                                         <p:tgtEl>
                                           <p:spTgt spid="19"/>
                                         </p:tgtEl>
@@ -26427,7 +26813,7 @@
                                     </p:anim>
                                     <p:anim calcmode="lin" valueType="num">
                                       <p:cBhvr>
-                                        <p:cTn id="72" dur="400" decel="100000" fill="hold"/>
+                                        <p:cTn id="69" dur="400" decel="100000" fill="hold"/>
                                         <p:tgtEl>
                                           <p:spTgt spid="19"/>
                                         </p:tgtEl>
@@ -26450,7 +26836,7 @@
                                     </p:anim>
                                     <p:anim calcmode="lin" valueType="num">
                                       <p:cBhvr>
-                                        <p:cTn id="73" dur="400" decel="100000" fill="hold"/>
+                                        <p:cTn id="70" dur="400" decel="100000" fill="hold"/>
                                         <p:tgtEl>
                                           <p:spTgt spid="19"/>
                                         </p:tgtEl>
@@ -26473,7 +26859,7 @@
                                     </p:anim>
                                     <p:anim calcmode="lin" valueType="num">
                                       <p:cBhvr>
-                                        <p:cTn id="74" dur="100" accel="100000" fill="hold">
+                                        <p:cTn id="71" dur="100" accel="100000" fill="hold">
                                           <p:stCondLst>
                                             <p:cond delay="400"/>
                                           </p:stCondLst>
@@ -26500,7 +26886,7 @@
                                     </p:anim>
                                     <p:anim calcmode="lin" valueType="num">
                                       <p:cBhvr>
-                                        <p:cTn id="75" dur="100" accel="100000" fill="hold">
+                                        <p:cTn id="72" dur="100" accel="100000" fill="hold">
                                           <p:stCondLst>
                                             <p:cond delay="400"/>
                                           </p:stCondLst>
@@ -26532,20 +26918,20 @@
                           </p:cTn>
                         </p:par>
                         <p:par>
-                          <p:cTn id="76" fill="hold">
+                          <p:cTn id="73" fill="hold">
                             <p:stCondLst>
                               <p:cond delay="500"/>
                             </p:stCondLst>
                             <p:childTnLst>
                               <p:par>
-                                <p:cTn id="77" presetID="30" presetClass="entr" presetSubtype="0" fill="hold" nodeType="afterEffect">
+                                <p:cTn id="74" presetID="30" presetClass="entr" presetSubtype="0" fill="hold" nodeType="afterEffect">
                                   <p:stCondLst>
                                     <p:cond delay="0"/>
                                   </p:stCondLst>
                                   <p:childTnLst>
                                     <p:set>
                                       <p:cBhvr>
-                                        <p:cTn id="78" dur="1" fill="hold">
+                                        <p:cTn id="75" dur="1" fill="hold">
                                           <p:stCondLst>
                                             <p:cond delay="0"/>
                                           </p:stCondLst>
@@ -26563,7 +26949,7 @@
                                     </p:set>
                                     <p:animEffect transition="in" filter="fade">
                                       <p:cBhvr>
-                                        <p:cTn id="79" dur="400" decel="100000"/>
+                                        <p:cTn id="76" dur="400" decel="100000"/>
                                         <p:tgtEl>
                                           <p:spTgt spid="20"/>
                                         </p:tgtEl>
@@ -26571,7 +26957,7 @@
                                     </p:animEffect>
                                     <p:anim calcmode="lin" valueType="num">
                                       <p:cBhvr>
-                                        <p:cTn id="80" dur="400" decel="100000" fill="hold"/>
+                                        <p:cTn id="77" dur="400" decel="100000" fill="hold"/>
                                         <p:tgtEl>
                                           <p:spTgt spid="20"/>
                                         </p:tgtEl>
@@ -26594,7 +26980,7 @@
                                     </p:anim>
                                     <p:anim calcmode="lin" valueType="num">
                                       <p:cBhvr>
-                                        <p:cTn id="81" dur="400" decel="100000" fill="hold"/>
+                                        <p:cTn id="78" dur="400" decel="100000" fill="hold"/>
                                         <p:tgtEl>
                                           <p:spTgt spid="20"/>
                                         </p:tgtEl>
@@ -26617,7 +27003,7 @@
                                     </p:anim>
                                     <p:anim calcmode="lin" valueType="num">
                                       <p:cBhvr>
-                                        <p:cTn id="82" dur="400" decel="100000" fill="hold"/>
+                                        <p:cTn id="79" dur="400" decel="100000" fill="hold"/>
                                         <p:tgtEl>
                                           <p:spTgt spid="20"/>
                                         </p:tgtEl>
@@ -26640,7 +27026,7 @@
                                     </p:anim>
                                     <p:anim calcmode="lin" valueType="num">
                                       <p:cBhvr>
-                                        <p:cTn id="83" dur="100" accel="100000" fill="hold">
+                                        <p:cTn id="80" dur="100" accel="100000" fill="hold">
                                           <p:stCondLst>
                                             <p:cond delay="400"/>
                                           </p:stCondLst>
@@ -26667,7 +27053,7 @@
                                     </p:anim>
                                     <p:anim calcmode="lin" valueType="num">
                                       <p:cBhvr>
-                                        <p:cTn id="84" dur="100" accel="100000" fill="hold">
+                                        <p:cTn id="81" dur="100" accel="100000" fill="hold">
                                           <p:stCondLst>
                                             <p:cond delay="400"/>
                                           </p:stCondLst>
@@ -26699,20 +27085,20 @@
                           </p:cTn>
                         </p:par>
                         <p:par>
-                          <p:cTn id="85" fill="hold">
+                          <p:cTn id="82" fill="hold">
                             <p:stCondLst>
                               <p:cond delay="1000"/>
                             </p:stCondLst>
                             <p:childTnLst>
                               <p:par>
-                                <p:cTn id="86" presetID="30" presetClass="entr" presetSubtype="0" fill="hold" nodeType="afterEffect">
+                                <p:cTn id="83" presetID="30" presetClass="entr" presetSubtype="0" fill="hold" nodeType="afterEffect">
                                   <p:stCondLst>
                                     <p:cond delay="0"/>
                                   </p:stCondLst>
                                   <p:childTnLst>
                                     <p:set>
                                       <p:cBhvr>
-                                        <p:cTn id="87" dur="1" fill="hold">
+                                        <p:cTn id="84" dur="1" fill="hold">
                                           <p:stCondLst>
                                             <p:cond delay="0"/>
                                           </p:stCondLst>
@@ -26730,7 +27116,7 @@
                                     </p:set>
                                     <p:animEffect transition="in" filter="fade">
                                       <p:cBhvr>
-                                        <p:cTn id="88" dur="400" decel="100000"/>
+                                        <p:cTn id="85" dur="400" decel="100000"/>
                                         <p:tgtEl>
                                           <p:spTgt spid="21"/>
                                         </p:tgtEl>
@@ -26738,7 +27124,7 @@
                                     </p:animEffect>
                                     <p:anim calcmode="lin" valueType="num">
                                       <p:cBhvr>
-                                        <p:cTn id="89" dur="400" decel="100000" fill="hold"/>
+                                        <p:cTn id="86" dur="400" decel="100000" fill="hold"/>
                                         <p:tgtEl>
                                           <p:spTgt spid="21"/>
                                         </p:tgtEl>
@@ -26761,7 +27147,7 @@
                                     </p:anim>
                                     <p:anim calcmode="lin" valueType="num">
                                       <p:cBhvr>
-                                        <p:cTn id="90" dur="400" decel="100000" fill="hold"/>
+                                        <p:cTn id="87" dur="400" decel="100000" fill="hold"/>
                                         <p:tgtEl>
                                           <p:spTgt spid="21"/>
                                         </p:tgtEl>
@@ -26784,7 +27170,7 @@
                                     </p:anim>
                                     <p:anim calcmode="lin" valueType="num">
                                       <p:cBhvr>
-                                        <p:cTn id="91" dur="400" decel="100000" fill="hold"/>
+                                        <p:cTn id="88" dur="400" decel="100000" fill="hold"/>
                                         <p:tgtEl>
                                           <p:spTgt spid="21"/>
                                         </p:tgtEl>
@@ -26807,7 +27193,7 @@
                                     </p:anim>
                                     <p:anim calcmode="lin" valueType="num">
                                       <p:cBhvr>
-                                        <p:cTn id="92" dur="100" accel="100000" fill="hold">
+                                        <p:cTn id="89" dur="100" accel="100000" fill="hold">
                                           <p:stCondLst>
                                             <p:cond delay="400"/>
                                           </p:stCondLst>
@@ -26834,7 +27220,7 @@
                                     </p:anim>
                                     <p:anim calcmode="lin" valueType="num">
                                       <p:cBhvr>
-                                        <p:cTn id="93" dur="100" accel="100000" fill="hold">
+                                        <p:cTn id="90" dur="100" accel="100000" fill="hold">
                                           <p:stCondLst>
                                             <p:cond delay="400"/>
                                           </p:stCondLst>
@@ -26866,20 +27252,20 @@
                           </p:cTn>
                         </p:par>
                         <p:par>
-                          <p:cTn id="94" fill="hold">
+                          <p:cTn id="91" fill="hold">
                             <p:stCondLst>
                               <p:cond delay="1500"/>
                             </p:stCondLst>
                             <p:childTnLst>
                               <p:par>
-                                <p:cTn id="95" presetID="30" presetClass="entr" presetSubtype="0" fill="hold" nodeType="afterEffect">
+                                <p:cTn id="92" presetID="30" presetClass="entr" presetSubtype="0" fill="hold" nodeType="afterEffect">
                                   <p:stCondLst>
                                     <p:cond delay="0"/>
                                   </p:stCondLst>
                                   <p:childTnLst>
                                     <p:set>
                                       <p:cBhvr>
-                                        <p:cTn id="96" dur="1" fill="hold">
+                                        <p:cTn id="93" dur="1" fill="hold">
                                           <p:stCondLst>
                                             <p:cond delay="0"/>
                                           </p:stCondLst>
@@ -26897,7 +27283,7 @@
                                     </p:set>
                                     <p:animEffect transition="in" filter="fade">
                                       <p:cBhvr>
-                                        <p:cTn id="97" dur="400" decel="100000"/>
+                                        <p:cTn id="94" dur="400" decel="100000"/>
                                         <p:tgtEl>
                                           <p:spTgt spid="22"/>
                                         </p:tgtEl>
@@ -26905,7 +27291,7 @@
                                     </p:animEffect>
                                     <p:anim calcmode="lin" valueType="num">
                                       <p:cBhvr>
-                                        <p:cTn id="98" dur="400" decel="100000" fill="hold"/>
+                                        <p:cTn id="95" dur="400" decel="100000" fill="hold"/>
                                         <p:tgtEl>
                                           <p:spTgt spid="22"/>
                                         </p:tgtEl>
@@ -26928,7 +27314,7 @@
                                     </p:anim>
                                     <p:anim calcmode="lin" valueType="num">
                                       <p:cBhvr>
-                                        <p:cTn id="99" dur="400" decel="100000" fill="hold"/>
+                                        <p:cTn id="96" dur="400" decel="100000" fill="hold"/>
                                         <p:tgtEl>
                                           <p:spTgt spid="22"/>
                                         </p:tgtEl>
@@ -26951,7 +27337,7 @@
                                     </p:anim>
                                     <p:anim calcmode="lin" valueType="num">
                                       <p:cBhvr>
-                                        <p:cTn id="100" dur="400" decel="100000" fill="hold"/>
+                                        <p:cTn id="97" dur="400" decel="100000" fill="hold"/>
                                         <p:tgtEl>
                                           <p:spTgt spid="22"/>
                                         </p:tgtEl>
@@ -26974,7 +27360,7 @@
                                     </p:anim>
                                     <p:anim calcmode="lin" valueType="num">
                                       <p:cBhvr>
-                                        <p:cTn id="101" dur="100" accel="100000" fill="hold">
+                                        <p:cTn id="98" dur="100" accel="100000" fill="hold">
                                           <p:stCondLst>
                                             <p:cond delay="400"/>
                                           </p:stCondLst>
@@ -27001,7 +27387,7 @@
                                     </p:anim>
                                     <p:anim calcmode="lin" valueType="num">
                                       <p:cBhvr>
-                                        <p:cTn id="102" dur="100" accel="100000" fill="hold">
+                                        <p:cTn id="99" dur="100" accel="100000" fill="hold">
                                           <p:stCondLst>
                                             <p:cond delay="400"/>
                                           </p:stCondLst>
@@ -27036,26 +27422,26 @@
                     </p:cTn>
                   </p:par>
                   <p:par>
-                    <p:cTn id="103" fill="hold">
+                    <p:cTn id="100" fill="hold">
                       <p:stCondLst>
                         <p:cond delay="indefinite"/>
                       </p:stCondLst>
                       <p:childTnLst>
                         <p:par>
-                          <p:cTn id="104" fill="hold">
+                          <p:cTn id="101" fill="hold">
                             <p:stCondLst>
                               <p:cond delay="0"/>
                             </p:stCondLst>
                             <p:childTnLst>
                               <p:par>
-                                <p:cTn id="105" presetID="30" presetClass="entr" presetSubtype="0" fill="hold" nodeType="clickEffect">
+                                <p:cTn id="102" presetID="30" presetClass="entr" presetSubtype="0" fill="hold" nodeType="clickEffect">
                                   <p:stCondLst>
                                     <p:cond delay="0"/>
                                   </p:stCondLst>
                                   <p:childTnLst>
                                     <p:set>
                                       <p:cBhvr>
-                                        <p:cTn id="106" dur="1" fill="hold">
+                                        <p:cTn id="103" dur="1" fill="hold">
                                           <p:stCondLst>
                                             <p:cond delay="0"/>
                                           </p:stCondLst>
@@ -27073,7 +27459,7 @@
                                     </p:set>
                                     <p:animEffect transition="in" filter="fade">
                                       <p:cBhvr>
-                                        <p:cTn id="107" dur="400" decel="100000"/>
+                                        <p:cTn id="104" dur="400" decel="100000"/>
                                         <p:tgtEl>
                                           <p:spTgt spid="23"/>
                                         </p:tgtEl>
@@ -27081,7 +27467,7 @@
                                     </p:animEffect>
                                     <p:anim calcmode="lin" valueType="num">
                                       <p:cBhvr>
-                                        <p:cTn id="108" dur="400" decel="100000" fill="hold"/>
+                                        <p:cTn id="105" dur="400" decel="100000" fill="hold"/>
                                         <p:tgtEl>
                                           <p:spTgt spid="23"/>
                                         </p:tgtEl>
@@ -27104,7 +27490,7 @@
                                     </p:anim>
                                     <p:anim calcmode="lin" valueType="num">
                                       <p:cBhvr>
-                                        <p:cTn id="109" dur="400" decel="100000" fill="hold"/>
+                                        <p:cTn id="106" dur="400" decel="100000" fill="hold"/>
                                         <p:tgtEl>
                                           <p:spTgt spid="23"/>
                                         </p:tgtEl>
@@ -27127,7 +27513,7 @@
                                     </p:anim>
                                     <p:anim calcmode="lin" valueType="num">
                                       <p:cBhvr>
-                                        <p:cTn id="110" dur="400" decel="100000" fill="hold"/>
+                                        <p:cTn id="107" dur="400" decel="100000" fill="hold"/>
                                         <p:tgtEl>
                                           <p:spTgt spid="23"/>
                                         </p:tgtEl>
@@ -27150,7 +27536,7 @@
                                     </p:anim>
                                     <p:anim calcmode="lin" valueType="num">
                                       <p:cBhvr>
-                                        <p:cTn id="111" dur="100" accel="100000" fill="hold">
+                                        <p:cTn id="108" dur="100" accel="100000" fill="hold">
                                           <p:stCondLst>
                                             <p:cond delay="400"/>
                                           </p:stCondLst>
@@ -27177,7 +27563,7 @@
                                     </p:anim>
                                     <p:anim calcmode="lin" valueType="num">
                                       <p:cBhvr>
-                                        <p:cTn id="112" dur="100" accel="100000" fill="hold">
+                                        <p:cTn id="109" dur="100" accel="100000" fill="hold">
                                           <p:stCondLst>
                                             <p:cond delay="400"/>
                                           </p:stCondLst>
@@ -27209,20 +27595,20 @@
                           </p:cTn>
                         </p:par>
                         <p:par>
-                          <p:cTn id="113" fill="hold">
+                          <p:cTn id="110" fill="hold">
                             <p:stCondLst>
                               <p:cond delay="500"/>
                             </p:stCondLst>
                             <p:childTnLst>
                               <p:par>
-                                <p:cTn id="114" presetID="30" presetClass="entr" presetSubtype="0" fill="hold" nodeType="afterEffect">
+                                <p:cTn id="111" presetID="30" presetClass="entr" presetSubtype="0" fill="hold" nodeType="afterEffect">
                                   <p:stCondLst>
                                     <p:cond delay="0"/>
                                   </p:stCondLst>
                                   <p:childTnLst>
                                     <p:set>
                                       <p:cBhvr>
-                                        <p:cTn id="115" dur="1" fill="hold">
+                                        <p:cTn id="112" dur="1" fill="hold">
                                           <p:stCondLst>
                                             <p:cond delay="0"/>
                                           </p:stCondLst>
@@ -27240,7 +27626,7 @@
                                     </p:set>
                                     <p:animEffect transition="in" filter="fade">
                                       <p:cBhvr>
-                                        <p:cTn id="116" dur="400" decel="100000"/>
+                                        <p:cTn id="113" dur="400" decel="100000"/>
                                         <p:tgtEl>
                                           <p:spTgt spid="24"/>
                                         </p:tgtEl>
@@ -27248,7 +27634,7 @@
                                     </p:animEffect>
                                     <p:anim calcmode="lin" valueType="num">
                                       <p:cBhvr>
-                                        <p:cTn id="117" dur="400" decel="100000" fill="hold"/>
+                                        <p:cTn id="114" dur="400" decel="100000" fill="hold"/>
                                         <p:tgtEl>
                                           <p:spTgt spid="24"/>
                                         </p:tgtEl>
@@ -27271,7 +27657,7 @@
                                     </p:anim>
                                     <p:anim calcmode="lin" valueType="num">
                                       <p:cBhvr>
-                                        <p:cTn id="118" dur="400" decel="100000" fill="hold"/>
+                                        <p:cTn id="115" dur="400" decel="100000" fill="hold"/>
                                         <p:tgtEl>
                                           <p:spTgt spid="24"/>
                                         </p:tgtEl>
@@ -27294,7 +27680,7 @@
                                     </p:anim>
                                     <p:anim calcmode="lin" valueType="num">
                                       <p:cBhvr>
-                                        <p:cTn id="119" dur="400" decel="100000" fill="hold"/>
+                                        <p:cTn id="116" dur="400" decel="100000" fill="hold"/>
                                         <p:tgtEl>
                                           <p:spTgt spid="24"/>
                                         </p:tgtEl>
@@ -27317,7 +27703,7 @@
                                     </p:anim>
                                     <p:anim calcmode="lin" valueType="num">
                                       <p:cBhvr>
-                                        <p:cTn id="120" dur="100" accel="100000" fill="hold">
+                                        <p:cTn id="117" dur="100" accel="100000" fill="hold">
                                           <p:stCondLst>
                                             <p:cond delay="400"/>
                                           </p:stCondLst>
@@ -27344,7 +27730,7 @@
                                     </p:anim>
                                     <p:anim calcmode="lin" valueType="num">
                                       <p:cBhvr>
-                                        <p:cTn id="121" dur="100" accel="100000" fill="hold">
+                                        <p:cTn id="118" dur="100" accel="100000" fill="hold">
                                           <p:stCondLst>
                                             <p:cond delay="400"/>
                                           </p:stCondLst>
@@ -27376,20 +27762,20 @@
                           </p:cTn>
                         </p:par>
                         <p:par>
-                          <p:cTn id="122" fill="hold">
+                          <p:cTn id="119" fill="hold">
                             <p:stCondLst>
                               <p:cond delay="1000"/>
                             </p:stCondLst>
                             <p:childTnLst>
                               <p:par>
-                                <p:cTn id="123" presetID="30" presetClass="entr" presetSubtype="0" fill="hold" nodeType="afterEffect">
+                                <p:cTn id="120" presetID="30" presetClass="entr" presetSubtype="0" fill="hold" nodeType="afterEffect">
                                   <p:stCondLst>
                                     <p:cond delay="0"/>
                                   </p:stCondLst>
                                   <p:childTnLst>
                                     <p:set>
                                       <p:cBhvr>
-                                        <p:cTn id="124" dur="1" fill="hold">
+                                        <p:cTn id="121" dur="1" fill="hold">
                                           <p:stCondLst>
                                             <p:cond delay="0"/>
                                           </p:stCondLst>
@@ -27407,7 +27793,7 @@
                                     </p:set>
                                     <p:animEffect transition="in" filter="fade">
                                       <p:cBhvr>
-                                        <p:cTn id="125" dur="400" decel="100000"/>
+                                        <p:cTn id="122" dur="400" decel="100000"/>
                                         <p:tgtEl>
                                           <p:spTgt spid="25"/>
                                         </p:tgtEl>
@@ -27415,7 +27801,7 @@
                                     </p:animEffect>
                                     <p:anim calcmode="lin" valueType="num">
                                       <p:cBhvr>
-                                        <p:cTn id="126" dur="400" decel="100000" fill="hold"/>
+                                        <p:cTn id="123" dur="400" decel="100000" fill="hold"/>
                                         <p:tgtEl>
                                           <p:spTgt spid="25"/>
                                         </p:tgtEl>
@@ -27438,7 +27824,7 @@
                                     </p:anim>
                                     <p:anim calcmode="lin" valueType="num">
                                       <p:cBhvr>
-                                        <p:cTn id="127" dur="400" decel="100000" fill="hold"/>
+                                        <p:cTn id="124" dur="400" decel="100000" fill="hold"/>
                                         <p:tgtEl>
                                           <p:spTgt spid="25"/>
                                         </p:tgtEl>
@@ -27461,7 +27847,7 @@
                                     </p:anim>
                                     <p:anim calcmode="lin" valueType="num">
                                       <p:cBhvr>
-                                        <p:cTn id="128" dur="400" decel="100000" fill="hold"/>
+                                        <p:cTn id="125" dur="400" decel="100000" fill="hold"/>
                                         <p:tgtEl>
                                           <p:spTgt spid="25"/>
                                         </p:tgtEl>
@@ -27484,7 +27870,7 @@
                                     </p:anim>
                                     <p:anim calcmode="lin" valueType="num">
                                       <p:cBhvr>
-                                        <p:cTn id="129" dur="100" accel="100000" fill="hold">
+                                        <p:cTn id="126" dur="100" accel="100000" fill="hold">
                                           <p:stCondLst>
                                             <p:cond delay="400"/>
                                           </p:stCondLst>
@@ -27511,7 +27897,7 @@
                                     </p:anim>
                                     <p:anim calcmode="lin" valueType="num">
                                       <p:cBhvr>
-                                        <p:cTn id="130" dur="100" accel="100000" fill="hold">
+                                        <p:cTn id="127" dur="100" accel="100000" fill="hold">
                                           <p:stCondLst>
                                             <p:cond delay="400"/>
                                           </p:stCondLst>
@@ -27543,20 +27929,20 @@
                           </p:cTn>
                         </p:par>
                         <p:par>
-                          <p:cTn id="131" fill="hold">
+                          <p:cTn id="128" fill="hold">
                             <p:stCondLst>
                               <p:cond delay="1500"/>
                             </p:stCondLst>
                             <p:childTnLst>
                               <p:par>
-                                <p:cTn id="132" presetID="30" presetClass="entr" presetSubtype="0" fill="hold" nodeType="afterEffect">
+                                <p:cTn id="129" presetID="30" presetClass="entr" presetSubtype="0" fill="hold" nodeType="afterEffect">
                                   <p:stCondLst>
                                     <p:cond delay="0"/>
                                   </p:stCondLst>
                                   <p:childTnLst>
                                     <p:set>
                                       <p:cBhvr>
-                                        <p:cTn id="133" dur="1" fill="hold">
+                                        <p:cTn id="130" dur="1" fill="hold">
                                           <p:stCondLst>
                                             <p:cond delay="0"/>
                                           </p:stCondLst>
@@ -27574,7 +27960,7 @@
                                     </p:set>
                                     <p:animEffect transition="in" filter="fade">
                                       <p:cBhvr>
-                                        <p:cTn id="134" dur="400" decel="100000"/>
+                                        <p:cTn id="131" dur="400" decel="100000"/>
                                         <p:tgtEl>
                                           <p:spTgt spid="26"/>
                                         </p:tgtEl>
@@ -27582,7 +27968,7 @@
                                     </p:animEffect>
                                     <p:anim calcmode="lin" valueType="num">
                                       <p:cBhvr>
-                                        <p:cTn id="135" dur="400" decel="100000" fill="hold"/>
+                                        <p:cTn id="132" dur="400" decel="100000" fill="hold"/>
                                         <p:tgtEl>
                                           <p:spTgt spid="26"/>
                                         </p:tgtEl>
@@ -27605,7 +27991,7 @@
                                     </p:anim>
                                     <p:anim calcmode="lin" valueType="num">
                                       <p:cBhvr>
-                                        <p:cTn id="136" dur="400" decel="100000" fill="hold"/>
+                                        <p:cTn id="133" dur="400" decel="100000" fill="hold"/>
                                         <p:tgtEl>
                                           <p:spTgt spid="26"/>
                                         </p:tgtEl>
@@ -27628,7 +28014,7 @@
                                     </p:anim>
                                     <p:anim calcmode="lin" valueType="num">
                                       <p:cBhvr>
-                                        <p:cTn id="137" dur="400" decel="100000" fill="hold"/>
+                                        <p:cTn id="134" dur="400" decel="100000" fill="hold"/>
                                         <p:tgtEl>
                                           <p:spTgt spid="26"/>
                                         </p:tgtEl>
@@ -27651,7 +28037,7 @@
                                     </p:anim>
                                     <p:anim calcmode="lin" valueType="num">
                                       <p:cBhvr>
-                                        <p:cTn id="138" dur="100" accel="100000" fill="hold">
+                                        <p:cTn id="135" dur="100" accel="100000" fill="hold">
                                           <p:stCondLst>
                                             <p:cond delay="400"/>
                                           </p:stCondLst>
@@ -27678,7 +28064,7 @@
                                     </p:anim>
                                     <p:anim calcmode="lin" valueType="num">
                                       <p:cBhvr>
-                                        <p:cTn id="139" dur="100" accel="100000" fill="hold">
+                                        <p:cTn id="136" dur="100" accel="100000" fill="hold">
                                           <p:stCondLst>
                                             <p:cond delay="400"/>
                                           </p:stCondLst>

--- a/thesis_adf/presentazione_tesi/presentazione.pptx
+++ b/thesis_adf/presentazione_tesi/presentazione.pptx
@@ -5392,8 +5392,8 @@
     <dgm:cxn modelId="{4D89E140-023B-4846-9BDC-7B0BF3336AA8}" srcId="{110F2E96-341F-4128-B22A-EFC5B7C48AE1}" destId="{1079109F-2DCD-40C8-8D6B-C4E3ABEBB31A}" srcOrd="2" destOrd="0" parTransId="{526AC214-B2D9-4887-9401-97D12C2F101F}" sibTransId="{4C939F3A-5F51-4687-BB38-15397C3EF84B}"/>
     <dgm:cxn modelId="{2F10D86D-B98B-4ED1-9A95-F2D7C721B7F1}" type="presOf" srcId="{F53456BF-D7AD-4017-BFD9-A55BF2DDE759}" destId="{3074BDE6-8662-42B7-AE43-CF1D6E099A77}" srcOrd="1" destOrd="2" presId="urn:microsoft.com/office/officeart/2005/8/layout/vList4"/>
     <dgm:cxn modelId="{66ED1920-3A9D-4239-9A34-B9725A56B4D0}" type="presOf" srcId="{2543E51C-1F69-4F16-A26E-985B31922749}" destId="{F1F76F48-0235-4A43-B8D0-180C84B9DF40}" srcOrd="0" destOrd="1" presId="urn:microsoft.com/office/officeart/2005/8/layout/vList4"/>
+    <dgm:cxn modelId="{F2200C62-F531-4AA3-9ED4-2E7DD2945B23}" type="presOf" srcId="{9DA24099-3650-4745-AA47-1038CD8BB4EA}" destId="{CE6CBFD9-0742-4FE3-BD5E-367C35A58332}" srcOrd="0" destOrd="3" presId="urn:microsoft.com/office/officeart/2005/8/layout/vList4"/>
     <dgm:cxn modelId="{3440B014-E5CC-42E5-9706-DE00AE18CA46}" type="presOf" srcId="{C53F41FB-401F-47E2-851B-7978B377975C}" destId="{CE6CBFD9-0742-4FE3-BD5E-367C35A58332}" srcOrd="0" destOrd="2" presId="urn:microsoft.com/office/officeart/2005/8/layout/vList4"/>
-    <dgm:cxn modelId="{F2200C62-F531-4AA3-9ED4-2E7DD2945B23}" type="presOf" srcId="{9DA24099-3650-4745-AA47-1038CD8BB4EA}" destId="{CE6CBFD9-0742-4FE3-BD5E-367C35A58332}" srcOrd="0" destOrd="3" presId="urn:microsoft.com/office/officeart/2005/8/layout/vList4"/>
     <dgm:cxn modelId="{65F06C98-2AEC-45D1-86DF-984B7139F6D0}" type="presOf" srcId="{110F2E96-341F-4128-B22A-EFC5B7C48AE1}" destId="{F1F76F48-0235-4A43-B8D0-180C84B9DF40}" srcOrd="0" destOrd="0" presId="urn:microsoft.com/office/officeart/2005/8/layout/vList4"/>
     <dgm:cxn modelId="{0A28EE5F-FBF0-4058-B7BD-00774A80B9E5}" type="presOf" srcId="{4BB90C08-9948-4B99-AE29-E070C10ED07D}" destId="{CE6CBFD9-0742-4FE3-BD5E-367C35A58332}" srcOrd="0" destOrd="0" presId="urn:microsoft.com/office/officeart/2005/8/layout/vList4"/>
     <dgm:cxn modelId="{17F1856B-CE33-4047-A66F-30B5C64D9A3F}" type="presOf" srcId="{07533D2A-FC6D-4865-96C6-33BF266B5D44}" destId="{CE6CBFD9-0742-4FE3-BD5E-367C35A58332}" srcOrd="0" destOrd="1" presId="urn:microsoft.com/office/officeart/2005/8/layout/vList4"/>
@@ -10607,7 +10607,7 @@
             <a:fld id="{8BA93F81-AB1A-49EB-B45D-4C43C205A3D4}" type="datetimeFigureOut">
               <a:rPr lang="it-IT" smtClean="0"/>
               <a:pPr/>
-              <a:t>03/10/2008</a:t>
+              <a:t>04/10/2008</a:t>
             </a:fld>
             <a:endParaRPr lang="it-IT"/>
           </a:p>
@@ -21903,7 +21903,7 @@
         </p:blipFill>
         <p:spPr bwMode="auto">
           <a:xfrm>
-            <a:off x="5857884" y="2571744"/>
+            <a:off x="5857884" y="4500570"/>
             <a:ext cx="2357453" cy="1801242"/>
           </a:xfrm>
           <a:prstGeom prst="rect">
@@ -21938,7 +21938,7 @@
         </p:blipFill>
         <p:spPr bwMode="auto">
           <a:xfrm>
-            <a:off x="5572132" y="4643446"/>
+            <a:off x="5572132" y="2643182"/>
             <a:ext cx="2928958" cy="1578892"/>
           </a:xfrm>
           <a:prstGeom prst="rect">
@@ -21965,7 +21965,7 @@
         <p:spPr>
           <a:xfrm>
             <a:off x="214282" y="642918"/>
-            <a:ext cx="4572000" cy="1571636"/>
+            <a:ext cx="2928958" cy="1571636"/>
           </a:xfrm>
           <a:prstGeom prst="roundRect">
             <a:avLst/>
@@ -21996,19 +21996,103 @@
             </a:r>
             <a:r>
               <a:rPr lang="en-US" sz="2400" b="1" dirty="0" smtClean="0"/>
-              <a:t>: </a:t>
+              <a:t>: Linux – Windows  </a:t>
             </a:r>
             <a:r>
               <a:rPr lang="en-US" sz="2400" b="1" dirty="0" smtClean="0"/>
-              <a:t>Linux </a:t>
-            </a:r>
+              <a:t>–</a:t>
+            </a:r>
+          </a:p>
+          <a:p>
+            <a:pPr lvl="0" algn="ctr"/>
             <a:r>
               <a:rPr lang="en-US" sz="2400" b="1" dirty="0" smtClean="0"/>
-              <a:t>– Windows  – Mac </a:t>
-            </a:r>
+              <a:t>Mac OSX</a:t>
+            </a:r>
+            <a:endParaRPr lang="it-IT" sz="2400" b="1" dirty="0"/>
+          </a:p>
+        </p:txBody>
+      </p:sp>
+      <p:pic>
+        <p:nvPicPr>
+          <p:cNvPr id="21" name="Picture 4" descr="C:\Documents and Settings\slux\Desktop\presentazione_tesi\images\visualnetkit_editor.png"/>
+          <p:cNvPicPr>
+            <a:picLocks noChangeAspect="1" noChangeArrowheads="1"/>
+          </p:cNvPicPr>
+          <p:nvPr/>
+        </p:nvPicPr>
+        <p:blipFill>
+          <a:blip r:embed="rId5"/>
+          <a:srcRect/>
+          <a:stretch>
+            <a:fillRect/>
+          </a:stretch>
+        </p:blipFill>
+        <p:spPr bwMode="auto">
+          <a:xfrm>
+            <a:off x="428596" y="500042"/>
+            <a:ext cx="8380053" cy="4517374"/>
+          </a:xfrm>
+          <a:prstGeom prst="rect">
+            <a:avLst/>
+          </a:prstGeom>
+          <a:ln>
+            <a:noFill/>
+          </a:ln>
+          <a:effectLst>
+            <a:outerShdw blurRad="190500" algn="tl" rotWithShape="0">
+              <a:srgbClr val="000000">
+                <a:alpha val="70000"/>
+              </a:srgbClr>
+            </a:outerShdw>
+          </a:effectLst>
+        </p:spPr>
+      </p:pic>
+      <p:sp>
+        <p:nvSpPr>
+          <p:cNvPr id="16" name="Rettangolo arrotondato 15"/>
+          <p:cNvSpPr/>
+          <p:nvPr/>
+        </p:nvSpPr>
+        <p:spPr>
+          <a:xfrm>
+            <a:off x="214282" y="2643182"/>
+            <a:ext cx="2928958" cy="1571636"/>
+          </a:xfrm>
+          <a:prstGeom prst="roundRect">
+            <a:avLst/>
+          </a:prstGeom>
+        </p:spPr>
+        <p:style>
+          <a:lnRef idx="1">
+            <a:schemeClr val="accent5"/>
+          </a:lnRef>
+          <a:fillRef idx="2">
+            <a:schemeClr val="accent5"/>
+          </a:fillRef>
+          <a:effectRef idx="1">
+            <a:schemeClr val="accent5"/>
+          </a:effectRef>
+          <a:fontRef idx="minor">
+            <a:schemeClr val="dk1"/>
+          </a:fontRef>
+        </p:style>
+        <p:txBody>
+          <a:bodyPr rtlCol="0" anchor="ctr"/>
+          <a:lstStyle/>
+          <a:p>
+            <a:pPr lvl="0" algn="ctr"/>
             <a:r>
               <a:rPr lang="en-US" sz="2400" b="1" dirty="0" smtClean="0"/>
-              <a:t>OS X</a:t>
+              <a:t>Editor </a:t>
+            </a:r>
+            <a:r>
+              <a:rPr lang="en-US" sz="2400" b="1" dirty="0" err="1" smtClean="0"/>
+              <a:t>testuale</a:t>
+            </a:r>
+            <a:r>
+              <a:rPr lang="en-US" sz="2400" b="1" dirty="0" smtClean="0"/>
+              <a:t> con Syntax Highlighting</a:t>
             </a:r>
             <a:endParaRPr lang="it-IT" sz="2400" b="1" dirty="0"/>
           </a:p>
@@ -22057,8 +22141,8 @@
         </p:nvSpPr>
         <p:spPr>
           <a:xfrm>
-            <a:off x="214282" y="2643182"/>
-            <a:ext cx="4572000" cy="1571636"/>
+            <a:off x="214282" y="4714884"/>
+            <a:ext cx="2928958" cy="1571636"/>
           </a:xfrm>
           <a:prstGeom prst="roundRect">
             <a:avLst/>
@@ -22106,91 +22190,6 @@
             <a:r>
               <a:rPr lang="en-US" sz="2400" b="1" dirty="0" smtClean="0"/>
               <a:t> SVG</a:t>
-            </a:r>
-            <a:endParaRPr lang="it-IT" sz="2400" b="1" dirty="0"/>
-          </a:p>
-        </p:txBody>
-      </p:sp>
-      <p:pic>
-        <p:nvPicPr>
-          <p:cNvPr id="21" name="Picture 4" descr="C:\Documents and Settings\slux\Desktop\presentazione_tesi\images\visualnetkit_editor.png"/>
-          <p:cNvPicPr>
-            <a:picLocks noChangeAspect="1" noChangeArrowheads="1"/>
-          </p:cNvPicPr>
-          <p:nvPr/>
-        </p:nvPicPr>
-        <p:blipFill>
-          <a:blip r:embed="rId5"/>
-          <a:srcRect/>
-          <a:stretch>
-            <a:fillRect/>
-          </a:stretch>
-        </p:blipFill>
-        <p:spPr bwMode="auto">
-          <a:xfrm>
-            <a:off x="381974" y="714356"/>
-            <a:ext cx="8380053" cy="4517374"/>
-          </a:xfrm>
-          <a:prstGeom prst="rect">
-            <a:avLst/>
-          </a:prstGeom>
-          <a:ln>
-            <a:noFill/>
-          </a:ln>
-          <a:effectLst>
-            <a:outerShdw blurRad="190500" algn="tl" rotWithShape="0">
-              <a:srgbClr val="000000">
-                <a:alpha val="70000"/>
-              </a:srgbClr>
-            </a:outerShdw>
-          </a:effectLst>
-        </p:spPr>
-      </p:pic>
-      <p:sp>
-        <p:nvSpPr>
-          <p:cNvPr id="16" name="Rettangolo arrotondato 15"/>
-          <p:cNvSpPr/>
-          <p:nvPr/>
-        </p:nvSpPr>
-        <p:spPr>
-          <a:xfrm>
-            <a:off x="214282" y="4714884"/>
-            <a:ext cx="4572000" cy="1571636"/>
-          </a:xfrm>
-          <a:prstGeom prst="roundRect">
-            <a:avLst/>
-          </a:prstGeom>
-        </p:spPr>
-        <p:style>
-          <a:lnRef idx="1">
-            <a:schemeClr val="accent5"/>
-          </a:lnRef>
-          <a:fillRef idx="2">
-            <a:schemeClr val="accent5"/>
-          </a:fillRef>
-          <a:effectRef idx="1">
-            <a:schemeClr val="accent5"/>
-          </a:effectRef>
-          <a:fontRef idx="minor">
-            <a:schemeClr val="dk1"/>
-          </a:fontRef>
-        </p:style>
-        <p:txBody>
-          <a:bodyPr rtlCol="0" anchor="ctr"/>
-          <a:lstStyle/>
-          <a:p>
-            <a:pPr lvl="0" algn="ctr"/>
-            <a:r>
-              <a:rPr lang="en-US" sz="2400" b="1" dirty="0" smtClean="0"/>
-              <a:t>Editor </a:t>
-            </a:r>
-            <a:r>
-              <a:rPr lang="en-US" sz="2400" b="1" dirty="0" err="1" smtClean="0"/>
-              <a:t>testuale</a:t>
-            </a:r>
-            <a:r>
-              <a:rPr lang="en-US" sz="2400" b="1" dirty="0" smtClean="0"/>
-              <a:t> con Syntax Highlighting</a:t>
             </a:r>
             <a:endParaRPr lang="it-IT" sz="2400" b="1" dirty="0"/>
           </a:p>
@@ -22228,7 +22227,7 @@
                             </p:stCondLst>
                             <p:childTnLst>
                               <p:par>
-                                <p:cTn id="5" presetID="2" presetClass="entr" presetSubtype="4" fill="hold" grpId="0" nodeType="afterEffect">
+                                <p:cTn id="5" presetID="10" presetClass="entr" presetSubtype="0" fill="hold" grpId="0" nodeType="afterEffect">
                                   <p:stCondLst>
                                     <p:cond delay="0"/>
                                   </p:stCondLst>
@@ -22251,137 +22250,11 @@
                                         <p:strVal val="visible"/>
                                       </p:to>
                                     </p:set>
-                                    <p:anim calcmode="lin" valueType="num">
-                                      <p:cBhvr additive="base">
-                                        <p:cTn id="7" dur="500" fill="hold"/>
-                                        <p:tgtEl>
-                                          <p:spTgt spid="15"/>
-                                        </p:tgtEl>
-                                        <p:attrNameLst>
-                                          <p:attrName>ppt_x</p:attrName>
-                                        </p:attrNameLst>
-                                      </p:cBhvr>
-                                      <p:tavLst>
-                                        <p:tav tm="0">
-                                          <p:val>
-                                            <p:strVal val="#ppt_x"/>
-                                          </p:val>
-                                        </p:tav>
-                                        <p:tav tm="100000">
-                                          <p:val>
-                                            <p:strVal val="#ppt_x"/>
-                                          </p:val>
-                                        </p:tav>
-                                      </p:tavLst>
-                                    </p:anim>
-                                    <p:anim calcmode="lin" valueType="num">
-                                      <p:cBhvr additive="base">
-                                        <p:cTn id="8" dur="500" fill="hold"/>
-                                        <p:tgtEl>
-                                          <p:spTgt spid="15"/>
-                                        </p:tgtEl>
-                                        <p:attrNameLst>
-                                          <p:attrName>ppt_y</p:attrName>
-                                        </p:attrNameLst>
-                                      </p:cBhvr>
-                                      <p:tavLst>
-                                        <p:tav tm="0">
-                                          <p:val>
-                                            <p:strVal val="1+#ppt_h/2"/>
-                                          </p:val>
-                                        </p:tav>
-                                        <p:tav tm="100000">
-                                          <p:val>
-                                            <p:strVal val="#ppt_y"/>
-                                          </p:val>
-                                        </p:tav>
-                                      </p:tavLst>
-                                    </p:anim>
-                                  </p:childTnLst>
-                                </p:cTn>
-                              </p:par>
-                            </p:childTnLst>
-                          </p:cTn>
-                        </p:par>
-                      </p:childTnLst>
-                    </p:cTn>
-                  </p:par>
-                  <p:par>
-                    <p:cTn id="9" fill="hold">
-                      <p:stCondLst>
-                        <p:cond delay="indefinite"/>
-                      </p:stCondLst>
-                      <p:childTnLst>
-                        <p:par>
-                          <p:cTn id="10" fill="hold">
-                            <p:stCondLst>
-                              <p:cond delay="0"/>
-                            </p:stCondLst>
-                            <p:childTnLst>
-                              <p:par>
-                                <p:cTn id="11" presetID="10" presetClass="exit" presetSubtype="0" fill="hold" nodeType="clickEffect">
-                                  <p:stCondLst>
-                                    <p:cond delay="0"/>
-                                  </p:stCondLst>
-                                  <p:childTnLst>
-                                    <p:animEffect transition="out" filter="fade">
-                                      <p:cBhvr>
-                                        <p:cTn id="12" dur="500"/>
-                                        <p:tgtEl>
-                                          <p:spTgt spid="19"/>
-                                        </p:tgtEl>
-                                      </p:cBhvr>
-                                    </p:animEffect>
-                                    <p:set>
-                                      <p:cBhvr>
-                                        <p:cTn id="13" dur="1" fill="hold">
-                                          <p:stCondLst>
-                                            <p:cond delay="499"/>
-                                          </p:stCondLst>
-                                        </p:cTn>
-                                        <p:tgtEl>
-                                          <p:spTgt spid="19"/>
-                                        </p:tgtEl>
-                                        <p:attrNameLst>
-                                          <p:attrName>style.visibility</p:attrName>
-                                        </p:attrNameLst>
-                                      </p:cBhvr>
-                                      <p:to>
-                                        <p:strVal val="hidden"/>
-                                      </p:to>
-                                    </p:set>
-                                  </p:childTnLst>
-                                </p:cTn>
-                              </p:par>
-                              <p:par>
-                                <p:cTn id="14" presetID="10" presetClass="entr" presetSubtype="0" fill="hold" nodeType="withEffect">
-                                  <p:stCondLst>
-                                    <p:cond delay="0"/>
-                                  </p:stCondLst>
-                                  <p:childTnLst>
-                                    <p:set>
-                                      <p:cBhvr>
-                                        <p:cTn id="15" dur="1" fill="hold">
-                                          <p:stCondLst>
-                                            <p:cond delay="0"/>
-                                          </p:stCondLst>
-                                        </p:cTn>
-                                        <p:tgtEl>
-                                          <p:spTgt spid="2"/>
-                                        </p:tgtEl>
-                                        <p:attrNameLst>
-                                          <p:attrName>style.visibility</p:attrName>
-                                        </p:attrNameLst>
-                                      </p:cBhvr>
-                                      <p:to>
-                                        <p:strVal val="visible"/>
-                                      </p:to>
-                                    </p:set>
                                     <p:animEffect transition="in" filter="fade">
                                       <p:cBhvr>
-                                        <p:cTn id="16" dur="500"/>
-                                        <p:tgtEl>
-                                          <p:spTgt spid="2"/>
+                                        <p:cTn id="7" dur="500"/>
+                                        <p:tgtEl>
+                                          <p:spTgt spid="15"/>
                                         </p:tgtEl>
                                       </p:cBhvr>
                                     </p:animEffect>
@@ -22395,175 +22268,40 @@
                     </p:cTn>
                   </p:par>
                   <p:par>
-                    <p:cTn id="17" fill="hold">
+                    <p:cTn id="8" fill="hold">
                       <p:stCondLst>
                         <p:cond delay="indefinite"/>
                       </p:stCondLst>
                       <p:childTnLst>
                         <p:par>
-                          <p:cTn id="18" fill="hold">
+                          <p:cTn id="9" fill="hold">
                             <p:stCondLst>
                               <p:cond delay="0"/>
                             </p:stCondLst>
                             <p:childTnLst>
                               <p:par>
-                                <p:cTn id="19" presetID="10" presetClass="entr" presetSubtype="0" fill="hold" nodeType="clickEffect">
-                                  <p:stCondLst>
-                                    <p:cond delay="0"/>
-                                  </p:stCondLst>
-                                  <p:childTnLst>
-                                    <p:set>
-                                      <p:cBhvr>
-                                        <p:cTn id="20" dur="1" fill="hold">
-                                          <p:stCondLst>
-                                            <p:cond delay="0"/>
-                                          </p:stCondLst>
-                                        </p:cTn>
-                                        <p:tgtEl>
-                                          <p:spTgt spid="20"/>
-                                        </p:tgtEl>
-                                        <p:attrNameLst>
-                                          <p:attrName>style.visibility</p:attrName>
-                                        </p:attrNameLst>
-                                      </p:cBhvr>
-                                      <p:to>
-                                        <p:strVal val="visible"/>
-                                      </p:to>
-                                    </p:set>
-                                    <p:animEffect transition="in" filter="fade">
-                                      <p:cBhvr>
-                                        <p:cTn id="21" dur="500"/>
-                                        <p:tgtEl>
-                                          <p:spTgt spid="20"/>
-                                        </p:tgtEl>
-                                      </p:cBhvr>
-                                    </p:animEffect>
-                                  </p:childTnLst>
-                                </p:cTn>
-                              </p:par>
-                            </p:childTnLst>
-                          </p:cTn>
-                        </p:par>
-                        <p:par>
-                          <p:cTn id="22" fill="hold">
-                            <p:stCondLst>
-                              <p:cond delay="500"/>
-                            </p:stCondLst>
-                            <p:childTnLst>
-                              <p:par>
-                                <p:cTn id="23" presetID="2" presetClass="entr" presetSubtype="4" fill="hold" grpId="0" nodeType="afterEffect">
-                                  <p:stCondLst>
-                                    <p:cond delay="0"/>
-                                  </p:stCondLst>
-                                  <p:childTnLst>
-                                    <p:set>
-                                      <p:cBhvr>
-                                        <p:cTn id="24" dur="1" fill="hold">
-                                          <p:stCondLst>
-                                            <p:cond delay="0"/>
-                                          </p:stCondLst>
-                                        </p:cTn>
-                                        <p:tgtEl>
-                                          <p:spTgt spid="17"/>
-                                        </p:tgtEl>
-                                        <p:attrNameLst>
-                                          <p:attrName>style.visibility</p:attrName>
-                                        </p:attrNameLst>
-                                      </p:cBhvr>
-                                      <p:to>
-                                        <p:strVal val="visible"/>
-                                      </p:to>
-                                    </p:set>
-                                    <p:anim calcmode="lin" valueType="num">
-                                      <p:cBhvr additive="base">
-                                        <p:cTn id="25" dur="500" fill="hold"/>
-                                        <p:tgtEl>
-                                          <p:spTgt spid="17"/>
-                                        </p:tgtEl>
-                                        <p:attrNameLst>
-                                          <p:attrName>ppt_x</p:attrName>
-                                        </p:attrNameLst>
-                                      </p:cBhvr>
-                                      <p:tavLst>
-                                        <p:tav tm="0">
-                                          <p:val>
-                                            <p:strVal val="#ppt_x"/>
-                                          </p:val>
-                                        </p:tav>
-                                        <p:tav tm="100000">
-                                          <p:val>
-                                            <p:strVal val="#ppt_x"/>
-                                          </p:val>
-                                        </p:tav>
-                                      </p:tavLst>
-                                    </p:anim>
-                                    <p:anim calcmode="lin" valueType="num">
-                                      <p:cBhvr additive="base">
-                                        <p:cTn id="26" dur="500" fill="hold"/>
-                                        <p:tgtEl>
-                                          <p:spTgt spid="17"/>
-                                        </p:tgtEl>
-                                        <p:attrNameLst>
-                                          <p:attrName>ppt_y</p:attrName>
-                                        </p:attrNameLst>
-                                      </p:cBhvr>
-                                      <p:tavLst>
-                                        <p:tav tm="0">
-                                          <p:val>
-                                            <p:strVal val="1+#ppt_h/2"/>
-                                          </p:val>
-                                        </p:tav>
-                                        <p:tav tm="100000">
-                                          <p:val>
-                                            <p:strVal val="#ppt_y"/>
-                                          </p:val>
-                                        </p:tav>
-                                      </p:tavLst>
-                                    </p:anim>
-                                  </p:childTnLst>
-                                </p:cTn>
-                              </p:par>
-                            </p:childTnLst>
-                          </p:cTn>
-                        </p:par>
-                      </p:childTnLst>
-                    </p:cTn>
-                  </p:par>
-                  <p:par>
-                    <p:cTn id="27" fill="hold">
-                      <p:stCondLst>
-                        <p:cond delay="indefinite"/>
-                      </p:stCondLst>
-                      <p:childTnLst>
-                        <p:par>
-                          <p:cTn id="28" fill="hold">
-                            <p:stCondLst>
-                              <p:cond delay="0"/>
-                            </p:stCondLst>
-                            <p:childTnLst>
-                              <p:par>
-                                <p:cTn id="29" presetID="10" presetClass="exit" presetSubtype="0" fill="hold" nodeType="clickEffect">
+                                <p:cTn id="10" presetID="10" presetClass="exit" presetSubtype="0" fill="hold" nodeType="clickEffect">
                                   <p:stCondLst>
                                     <p:cond delay="0"/>
                                   </p:stCondLst>
                                   <p:childTnLst>
                                     <p:animEffect transition="out" filter="fade">
                                       <p:cBhvr>
-                                        <p:cTn id="30" dur="500"/>
-                                        <p:tgtEl>
-                                          <p:spTgt spid="20"/>
+                                        <p:cTn id="11" dur="500"/>
+                                        <p:tgtEl>
+                                          <p:spTgt spid="19"/>
                                         </p:tgtEl>
                                       </p:cBhvr>
                                     </p:animEffect>
                                     <p:set>
                                       <p:cBhvr>
-                                        <p:cTn id="31" dur="1" fill="hold">
+                                        <p:cTn id="12" dur="1" fill="hold">
                                           <p:stCondLst>
                                             <p:cond delay="499"/>
                                           </p:stCondLst>
                                         </p:cTn>
                                         <p:tgtEl>
-                                          <p:spTgt spid="20"/>
+                                          <p:spTgt spid="19"/>
                                         </p:tgtEl>
                                         <p:attrNameLst>
                                           <p:attrName>style.visibility</p:attrName>
@@ -22577,20 +22315,20 @@
                                 </p:cTn>
                               </p:par>
                               <p:par>
-                                <p:cTn id="32" presetID="10" presetClass="entr" presetSubtype="0" fill="hold" nodeType="withEffect">
+                                <p:cTn id="13" presetID="10" presetClass="entr" presetSubtype="0" fill="hold" nodeType="withEffect">
                                   <p:stCondLst>
                                     <p:cond delay="0"/>
                                   </p:stCondLst>
                                   <p:childTnLst>
                                     <p:set>
                                       <p:cBhvr>
-                                        <p:cTn id="33" dur="1" fill="hold">
+                                        <p:cTn id="14" dur="1" fill="hold">
                                           <p:stCondLst>
                                             <p:cond delay="0"/>
                                           </p:stCondLst>
                                         </p:cTn>
                                         <p:tgtEl>
-                                          <p:spTgt spid="3"/>
+                                          <p:spTgt spid="2"/>
                                         </p:tgtEl>
                                         <p:attrNameLst>
                                           <p:attrName>style.visibility</p:attrName>
@@ -22602,9 +22340,9 @@
                                     </p:set>
                                     <p:animEffect transition="in" filter="fade">
                                       <p:cBhvr>
-                                        <p:cTn id="34" dur="500"/>
-                                        <p:tgtEl>
-                                          <p:spTgt spid="3"/>
+                                        <p:cTn id="15" dur="500"/>
+                                        <p:tgtEl>
+                                          <p:spTgt spid="2"/>
                                         </p:tgtEl>
                                       </p:cBhvr>
                                     </p:animEffect>
@@ -22618,26 +22356,26 @@
                     </p:cTn>
                   </p:par>
                   <p:par>
-                    <p:cTn id="35" fill="hold">
+                    <p:cTn id="16" fill="hold">
                       <p:stCondLst>
                         <p:cond delay="indefinite"/>
                       </p:stCondLst>
                       <p:childTnLst>
                         <p:par>
-                          <p:cTn id="36" fill="hold">
+                          <p:cTn id="17" fill="hold">
                             <p:stCondLst>
                               <p:cond delay="0"/>
                             </p:stCondLst>
                             <p:childTnLst>
                               <p:par>
-                                <p:cTn id="37" presetID="10" presetClass="entr" presetSubtype="0" fill="hold" nodeType="clickEffect">
+                                <p:cTn id="18" presetID="10" presetClass="entr" presetSubtype="0" fill="hold" nodeType="clickEffect">
                                   <p:stCondLst>
                                     <p:cond delay="0"/>
                                   </p:stCondLst>
                                   <p:childTnLst>
                                     <p:set>
                                       <p:cBhvr>
-                                        <p:cTn id="38" dur="1" fill="hold">
+                                        <p:cTn id="19" dur="1" fill="hold">
                                           <p:stCondLst>
                                             <p:cond delay="0"/>
                                           </p:stCondLst>
@@ -22655,7 +22393,7 @@
                                     </p:set>
                                     <p:animEffect transition="in" filter="fade">
                                       <p:cBhvr>
-                                        <p:cTn id="39" dur="500"/>
+                                        <p:cTn id="20" dur="500"/>
                                         <p:tgtEl>
                                           <p:spTgt spid="21"/>
                                         </p:tgtEl>
@@ -22668,20 +22406,20 @@
                           </p:cTn>
                         </p:par>
                         <p:par>
-                          <p:cTn id="40" fill="hold">
+                          <p:cTn id="21" fill="hold">
                             <p:stCondLst>
                               <p:cond delay="500"/>
                             </p:stCondLst>
                             <p:childTnLst>
                               <p:par>
-                                <p:cTn id="41" presetID="2" presetClass="entr" presetSubtype="4" fill="hold" grpId="0" nodeType="afterEffect">
+                                <p:cTn id="22" presetID="10" presetClass="entr" presetSubtype="0" fill="hold" grpId="0" nodeType="afterEffect">
                                   <p:stCondLst>
                                     <p:cond delay="0"/>
                                   </p:stCondLst>
                                   <p:childTnLst>
                                     <p:set>
                                       <p:cBhvr>
-                                        <p:cTn id="42" dur="1" fill="hold">
+                                        <p:cTn id="23" dur="1" fill="hold">
                                           <p:stCondLst>
                                             <p:cond delay="0"/>
                                           </p:stCondLst>
@@ -22697,52 +22435,14 @@
                                         <p:strVal val="visible"/>
                                       </p:to>
                                     </p:set>
-                                    <p:anim calcmode="lin" valueType="num">
-                                      <p:cBhvr additive="base">
-                                        <p:cTn id="43" dur="500" fill="hold"/>
+                                    <p:animEffect transition="in" filter="fade">
+                                      <p:cBhvr>
+                                        <p:cTn id="24" dur="500"/>
                                         <p:tgtEl>
                                           <p:spTgt spid="16"/>
                                         </p:tgtEl>
-                                        <p:attrNameLst>
-                                          <p:attrName>ppt_x</p:attrName>
-                                        </p:attrNameLst>
-                                      </p:cBhvr>
-                                      <p:tavLst>
-                                        <p:tav tm="0">
-                                          <p:val>
-                                            <p:strVal val="#ppt_x"/>
-                                          </p:val>
-                                        </p:tav>
-                                        <p:tav tm="100000">
-                                          <p:val>
-                                            <p:strVal val="#ppt_x"/>
-                                          </p:val>
-                                        </p:tav>
-                                      </p:tavLst>
-                                    </p:anim>
-                                    <p:anim calcmode="lin" valueType="num">
-                                      <p:cBhvr additive="base">
-                                        <p:cTn id="44" dur="500" fill="hold"/>
-                                        <p:tgtEl>
-                                          <p:spTgt spid="16"/>
-                                        </p:tgtEl>
-                                        <p:attrNameLst>
-                                          <p:attrName>ppt_y</p:attrName>
-                                        </p:attrNameLst>
-                                      </p:cBhvr>
-                                      <p:tavLst>
-                                        <p:tav tm="0">
-                                          <p:val>
-                                            <p:strVal val="1+#ppt_h/2"/>
-                                          </p:val>
-                                        </p:tav>
-                                        <p:tav tm="100000">
-                                          <p:val>
-                                            <p:strVal val="#ppt_y"/>
-                                          </p:val>
-                                        </p:tav>
-                                      </p:tavLst>
-                                    </p:anim>
+                                      </p:cBhvr>
+                                    </p:animEffect>
                                   </p:childTnLst>
                                 </p:cTn>
                               </p:par>
@@ -22753,26 +22453,26 @@
                     </p:cTn>
                   </p:par>
                   <p:par>
-                    <p:cTn id="45" fill="hold">
+                    <p:cTn id="25" fill="hold">
                       <p:stCondLst>
                         <p:cond delay="indefinite"/>
                       </p:stCondLst>
                       <p:childTnLst>
                         <p:par>
-                          <p:cTn id="46" fill="hold">
+                          <p:cTn id="26" fill="hold">
                             <p:stCondLst>
                               <p:cond delay="0"/>
                             </p:stCondLst>
                             <p:childTnLst>
                               <p:par>
-                                <p:cTn id="47" presetID="10" presetClass="exit" presetSubtype="0" fill="hold" nodeType="clickEffect">
+                                <p:cTn id="27" presetID="10" presetClass="exit" presetSubtype="0" fill="hold" nodeType="clickEffect">
                                   <p:stCondLst>
                                     <p:cond delay="0"/>
                                   </p:stCondLst>
                                   <p:childTnLst>
                                     <p:animEffect transition="out" filter="fade">
                                       <p:cBhvr>
-                                        <p:cTn id="48" dur="500"/>
+                                        <p:cTn id="28" dur="500"/>
                                         <p:tgtEl>
                                           <p:spTgt spid="21"/>
                                         </p:tgtEl>
@@ -22780,7 +22480,7 @@
                                     </p:animEffect>
                                     <p:set>
                                       <p:cBhvr>
-                                        <p:cTn id="49" dur="1" fill="hold">
+                                        <p:cTn id="29" dur="1" fill="hold">
                                           <p:stCondLst>
                                             <p:cond delay="499"/>
                                           </p:stCondLst>
@@ -22800,14 +22500,14 @@
                                 </p:cTn>
                               </p:par>
                               <p:par>
-                                <p:cTn id="50" presetID="10" presetClass="entr" presetSubtype="0" fill="hold" nodeType="withEffect">
+                                <p:cTn id="30" presetID="10" presetClass="entr" presetSubtype="0" fill="hold" nodeType="withEffect">
                                   <p:stCondLst>
                                     <p:cond delay="0"/>
                                   </p:stCondLst>
                                   <p:childTnLst>
                                     <p:set>
                                       <p:cBhvr>
-                                        <p:cTn id="51" dur="1" fill="hold">
+                                        <p:cTn id="31" dur="1" fill="hold">
                                           <p:stCondLst>
                                             <p:cond delay="0"/>
                                           </p:stCondLst>
@@ -22825,9 +22525,194 @@
                                     </p:set>
                                     <p:animEffect transition="in" filter="fade">
                                       <p:cBhvr>
-                                        <p:cTn id="52" dur="500"/>
+                                        <p:cTn id="32" dur="500"/>
                                         <p:tgtEl>
                                           <p:spTgt spid="1028"/>
+                                        </p:tgtEl>
+                                      </p:cBhvr>
+                                    </p:animEffect>
+                                  </p:childTnLst>
+                                </p:cTn>
+                              </p:par>
+                            </p:childTnLst>
+                          </p:cTn>
+                        </p:par>
+                      </p:childTnLst>
+                    </p:cTn>
+                  </p:par>
+                  <p:par>
+                    <p:cTn id="33" fill="hold">
+                      <p:stCondLst>
+                        <p:cond delay="indefinite"/>
+                      </p:stCondLst>
+                      <p:childTnLst>
+                        <p:par>
+                          <p:cTn id="34" fill="hold">
+                            <p:stCondLst>
+                              <p:cond delay="0"/>
+                            </p:stCondLst>
+                            <p:childTnLst>
+                              <p:par>
+                                <p:cTn id="35" presetID="10" presetClass="entr" presetSubtype="0" fill="hold" nodeType="clickEffect">
+                                  <p:stCondLst>
+                                    <p:cond delay="0"/>
+                                  </p:stCondLst>
+                                  <p:childTnLst>
+                                    <p:set>
+                                      <p:cBhvr>
+                                        <p:cTn id="36" dur="1" fill="hold">
+                                          <p:stCondLst>
+                                            <p:cond delay="0"/>
+                                          </p:stCondLst>
+                                        </p:cTn>
+                                        <p:tgtEl>
+                                          <p:spTgt spid="20"/>
+                                        </p:tgtEl>
+                                        <p:attrNameLst>
+                                          <p:attrName>style.visibility</p:attrName>
+                                        </p:attrNameLst>
+                                      </p:cBhvr>
+                                      <p:to>
+                                        <p:strVal val="visible"/>
+                                      </p:to>
+                                    </p:set>
+                                    <p:animEffect transition="in" filter="fade">
+                                      <p:cBhvr>
+                                        <p:cTn id="37" dur="500"/>
+                                        <p:tgtEl>
+                                          <p:spTgt spid="20"/>
+                                        </p:tgtEl>
+                                      </p:cBhvr>
+                                    </p:animEffect>
+                                  </p:childTnLst>
+                                </p:cTn>
+                              </p:par>
+                            </p:childTnLst>
+                          </p:cTn>
+                        </p:par>
+                        <p:par>
+                          <p:cTn id="38" fill="hold">
+                            <p:stCondLst>
+                              <p:cond delay="500"/>
+                            </p:stCondLst>
+                            <p:childTnLst>
+                              <p:par>
+                                <p:cTn id="39" presetID="10" presetClass="entr" presetSubtype="0" fill="hold" grpId="0" nodeType="afterEffect">
+                                  <p:stCondLst>
+                                    <p:cond delay="0"/>
+                                  </p:stCondLst>
+                                  <p:childTnLst>
+                                    <p:set>
+                                      <p:cBhvr>
+                                        <p:cTn id="40" dur="1" fill="hold">
+                                          <p:stCondLst>
+                                            <p:cond delay="0"/>
+                                          </p:stCondLst>
+                                        </p:cTn>
+                                        <p:tgtEl>
+                                          <p:spTgt spid="17"/>
+                                        </p:tgtEl>
+                                        <p:attrNameLst>
+                                          <p:attrName>style.visibility</p:attrName>
+                                        </p:attrNameLst>
+                                      </p:cBhvr>
+                                      <p:to>
+                                        <p:strVal val="visible"/>
+                                      </p:to>
+                                    </p:set>
+                                    <p:animEffect transition="in" filter="fade">
+                                      <p:cBhvr>
+                                        <p:cTn id="41" dur="500"/>
+                                        <p:tgtEl>
+                                          <p:spTgt spid="17"/>
+                                        </p:tgtEl>
+                                      </p:cBhvr>
+                                    </p:animEffect>
+                                  </p:childTnLst>
+                                </p:cTn>
+                              </p:par>
+                            </p:childTnLst>
+                          </p:cTn>
+                        </p:par>
+                      </p:childTnLst>
+                    </p:cTn>
+                  </p:par>
+                  <p:par>
+                    <p:cTn id="42" fill="hold">
+                      <p:stCondLst>
+                        <p:cond delay="indefinite"/>
+                      </p:stCondLst>
+                      <p:childTnLst>
+                        <p:par>
+                          <p:cTn id="43" fill="hold">
+                            <p:stCondLst>
+                              <p:cond delay="0"/>
+                            </p:stCondLst>
+                            <p:childTnLst>
+                              <p:par>
+                                <p:cTn id="44" presetID="10" presetClass="exit" presetSubtype="0" fill="hold" nodeType="clickEffect">
+                                  <p:stCondLst>
+                                    <p:cond delay="0"/>
+                                  </p:stCondLst>
+                                  <p:childTnLst>
+                                    <p:animEffect transition="out" filter="fade">
+                                      <p:cBhvr>
+                                        <p:cTn id="45" dur="500"/>
+                                        <p:tgtEl>
+                                          <p:spTgt spid="20"/>
+                                        </p:tgtEl>
+                                      </p:cBhvr>
+                                    </p:animEffect>
+                                    <p:set>
+                                      <p:cBhvr>
+                                        <p:cTn id="46" dur="1" fill="hold">
+                                          <p:stCondLst>
+                                            <p:cond delay="499"/>
+                                          </p:stCondLst>
+                                        </p:cTn>
+                                        <p:tgtEl>
+                                          <p:spTgt spid="20"/>
+                                        </p:tgtEl>
+                                        <p:attrNameLst>
+                                          <p:attrName>style.visibility</p:attrName>
+                                        </p:attrNameLst>
+                                      </p:cBhvr>
+                                      <p:to>
+                                        <p:strVal val="hidden"/>
+                                      </p:to>
+                                    </p:set>
+                                  </p:childTnLst>
+                                </p:cTn>
+                              </p:par>
+                              <p:par>
+                                <p:cTn id="47" presetID="10" presetClass="entr" presetSubtype="0" fill="hold" nodeType="withEffect">
+                                  <p:stCondLst>
+                                    <p:cond delay="0"/>
+                                  </p:stCondLst>
+                                  <p:childTnLst>
+                                    <p:set>
+                                      <p:cBhvr>
+                                        <p:cTn id="48" dur="1" fill="hold">
+                                          <p:stCondLst>
+                                            <p:cond delay="0"/>
+                                          </p:stCondLst>
+                                        </p:cTn>
+                                        <p:tgtEl>
+                                          <p:spTgt spid="3"/>
+                                        </p:tgtEl>
+                                        <p:attrNameLst>
+                                          <p:attrName>style.visibility</p:attrName>
+                                        </p:attrNameLst>
+                                      </p:cBhvr>
+                                      <p:to>
+                                        <p:strVal val="visible"/>
+                                      </p:to>
+                                    </p:set>
+                                    <p:animEffect transition="in" filter="fade">
+                                      <p:cBhvr>
+                                        <p:cTn id="49" dur="500"/>
+                                        <p:tgtEl>
+                                          <p:spTgt spid="3"/>
                                         </p:tgtEl>
                                       </p:cBhvr>
                                     </p:animEffect>
@@ -22863,8 +22748,8 @@
     </p:tnLst>
     <p:bldLst>
       <p:bldP spid="15" grpId="0" animBg="1"/>
+      <p:bldP spid="16" grpId="0" animBg="1"/>
       <p:bldP spid="17" grpId="0" animBg="1"/>
-      <p:bldP spid="16" grpId="0" animBg="1"/>
     </p:bldLst>
   </p:timing>
 </p:sld>
@@ -23279,23 +23164,7 @@
             </a:pPr>
             <a:r>
               <a:rPr lang="en-US" sz="2800" dirty="0" err="1" smtClean="0"/>
-              <a:t>Configurazione</a:t>
-            </a:r>
-            <a:r>
-              <a:rPr lang="en-US" sz="2800" dirty="0" smtClean="0"/>
-              <a:t> </a:t>
-            </a:r>
-            <a:r>
-              <a:rPr lang="en-US" sz="2800" dirty="0" err="1" smtClean="0"/>
-              <a:t>di</a:t>
-            </a:r>
-            <a:r>
-              <a:rPr lang="en-US" sz="2800" dirty="0" smtClean="0"/>
-              <a:t> </a:t>
-            </a:r>
-            <a:r>
-              <a:rPr lang="en-US" sz="2800" dirty="0" err="1" smtClean="0"/>
-              <a:t>servizi</a:t>
+              <a:t>Servizi</a:t>
             </a:r>
             <a:r>
               <a:rPr lang="en-US" sz="2800" dirty="0" smtClean="0"/>
@@ -23411,7 +23280,7 @@
             </a:pPr>
             <a:r>
               <a:rPr lang="en-US" sz="2800" dirty="0" err="1" smtClean="0"/>
-              <a:t>Strumenti</a:t>
+              <a:t>Tecnologie</a:t>
             </a:r>
             <a:r>
               <a:rPr lang="en-US" sz="2800" dirty="0" smtClean="0"/>
@@ -23419,7 +23288,7 @@
             </a:r>
             <a:r>
               <a:rPr lang="en-US" sz="2800" dirty="0" err="1" smtClean="0"/>
-              <a:t>utilizzati</a:t>
+              <a:t>utilizzate</a:t>
             </a:r>
             <a:endParaRPr lang="en-US" sz="2800" dirty="0" smtClean="0"/>
           </a:p>
@@ -23440,8 +23309,8 @@
               <a:t> e </a:t>
             </a:r>
             <a:r>
-              <a:rPr lang="en-US" sz="2800" dirty="0" err="1" smtClean="0"/>
-              <a:t>svilupi</a:t>
+              <a:rPr lang="en-US" sz="2800" smtClean="0"/>
+              <a:t>sviluppi</a:t>
             </a:r>
             <a:r>
               <a:rPr lang="en-US" sz="2800" dirty="0" smtClean="0"/>
@@ -25827,30 +25696,21 @@
                             </p:childTnLst>
                           </p:cTn>
                         </p:par>
-                      </p:childTnLst>
-                    </p:cTn>
-                  </p:par>
-                  <p:par>
-                    <p:cTn id="11" fill="hold">
-                      <p:stCondLst>
-                        <p:cond delay="indefinite"/>
-                      </p:stCondLst>
-                      <p:childTnLst>
                         <p:par>
-                          <p:cTn id="12" fill="hold">
+                          <p:cTn id="11" fill="hold">
                             <p:stCondLst>
-                              <p:cond delay="0"/>
+                              <p:cond delay="500"/>
                             </p:stCondLst>
                             <p:childTnLst>
                               <p:par>
-                                <p:cTn id="13" presetID="10" presetClass="entr" presetSubtype="0" fill="hold" grpId="0" nodeType="clickEffect">
+                                <p:cTn id="12" presetID="10" presetClass="entr" presetSubtype="0" fill="hold" grpId="0" nodeType="afterEffect">
                                   <p:stCondLst>
                                     <p:cond delay="0"/>
                                   </p:stCondLst>
                                   <p:childTnLst>
                                     <p:set>
                                       <p:cBhvr>
-                                        <p:cTn id="14" dur="1" fill="hold">
+                                        <p:cTn id="13" dur="1" fill="hold">
                                           <p:stCondLst>
                                             <p:cond delay="0"/>
                                           </p:stCondLst>
@@ -25868,7 +25728,7 @@
                                     </p:set>
                                     <p:animEffect transition="in" filter="fade">
                                       <p:cBhvr>
-                                        <p:cTn id="15" dur="500"/>
+                                        <p:cTn id="14" dur="500"/>
                                         <p:tgtEl>
                                           <p:spTgt spid="18"/>
                                         </p:tgtEl>
@@ -25878,14 +25738,14 @@
                                 </p:cTn>
                               </p:par>
                               <p:par>
-                                <p:cTn id="16" presetID="10" presetClass="entr" presetSubtype="0" fill="hold" nodeType="withEffect">
+                                <p:cTn id="15" presetID="10" presetClass="entr" presetSubtype="0" fill="hold" nodeType="withEffect">
                                   <p:stCondLst>
                                     <p:cond delay="0"/>
                                   </p:stCondLst>
                                   <p:childTnLst>
                                     <p:set>
                                       <p:cBhvr>
-                                        <p:cTn id="17" dur="1" fill="hold">
+                                        <p:cTn id="16" dur="1" fill="hold">
                                           <p:stCondLst>
                                             <p:cond delay="0"/>
                                           </p:stCondLst>
@@ -25903,7 +25763,7 @@
                                     </p:set>
                                     <p:animEffect transition="in" filter="fade">
                                       <p:cBhvr>
-                                        <p:cTn id="18" dur="500"/>
+                                        <p:cTn id="17" dur="500"/>
                                         <p:tgtEl>
                                           <p:spTgt spid="13"/>
                                         </p:tgtEl>
@@ -25919,26 +25779,26 @@
                     </p:cTn>
                   </p:par>
                   <p:par>
-                    <p:cTn id="19" fill="hold">
+                    <p:cTn id="18" fill="hold">
                       <p:stCondLst>
                         <p:cond delay="indefinite"/>
                       </p:stCondLst>
                       <p:childTnLst>
                         <p:par>
-                          <p:cTn id="20" fill="hold">
+                          <p:cTn id="19" fill="hold">
                             <p:stCondLst>
                               <p:cond delay="0"/>
                             </p:stCondLst>
                             <p:childTnLst>
                               <p:par>
-                                <p:cTn id="21" presetID="30" presetClass="entr" presetSubtype="0" fill="hold" nodeType="clickEffect">
+                                <p:cTn id="20" presetID="30" presetClass="entr" presetSubtype="0" fill="hold" nodeType="clickEffect">
                                   <p:stCondLst>
                                     <p:cond delay="0"/>
                                   </p:stCondLst>
                                   <p:childTnLst>
                                     <p:set>
                                       <p:cBhvr>
-                                        <p:cTn id="22" dur="1" fill="hold">
+                                        <p:cTn id="21" dur="1" fill="hold">
                                           <p:stCondLst>
                                             <p:cond delay="0"/>
                                           </p:stCondLst>
@@ -25956,7 +25816,7 @@
                                     </p:set>
                                     <p:animEffect transition="in" filter="fade">
                                       <p:cBhvr>
-                                        <p:cTn id="23" dur="400" decel="100000"/>
+                                        <p:cTn id="22" dur="400" decel="100000"/>
                                         <p:tgtEl>
                                           <p:spTgt spid="10"/>
                                         </p:tgtEl>
@@ -25964,7 +25824,7 @@
                                     </p:animEffect>
                                     <p:anim calcmode="lin" valueType="num">
                                       <p:cBhvr>
-                                        <p:cTn id="24" dur="400" decel="100000" fill="hold"/>
+                                        <p:cTn id="23" dur="400" decel="100000" fill="hold"/>
                                         <p:tgtEl>
                                           <p:spTgt spid="10"/>
                                         </p:tgtEl>
@@ -25981,6 +25841,29 @@
                                         <p:tav tm="100000">
                                           <p:val>
                                             <p:fltVal val="0"/>
+                                          </p:val>
+                                        </p:tav>
+                                      </p:tavLst>
+                                    </p:anim>
+                                    <p:anim calcmode="lin" valueType="num">
+                                      <p:cBhvr>
+                                        <p:cTn id="24" dur="400" decel="100000" fill="hold"/>
+                                        <p:tgtEl>
+                                          <p:spTgt spid="10"/>
+                                        </p:tgtEl>
+                                        <p:attrNameLst>
+                                          <p:attrName>ppt_x</p:attrName>
+                                        </p:attrNameLst>
+                                      </p:cBhvr>
+                                      <p:tavLst>
+                                        <p:tav tm="0">
+                                          <p:val>
+                                            <p:strVal val="#ppt_x+0.4"/>
+                                          </p:val>
+                                        </p:tav>
+                                        <p:tav tm="100000">
+                                          <p:val>
+                                            <p:strVal val="#ppt_x-0.05"/>
                                           </p:val>
                                         </p:tav>
                                       </p:tavLst>
@@ -25992,41 +25875,45 @@
                                           <p:spTgt spid="10"/>
                                         </p:tgtEl>
                                         <p:attrNameLst>
-                                          <p:attrName>ppt_x</p:attrName>
+                                          <p:attrName>ppt_y</p:attrName>
                                         </p:attrNameLst>
                                       </p:cBhvr>
                                       <p:tavLst>
                                         <p:tav tm="0">
                                           <p:val>
-                                            <p:strVal val="#ppt_x+0.4"/>
+                                            <p:strVal val="#ppt_y-0.4"/>
                                           </p:val>
                                         </p:tav>
                                         <p:tav tm="100000">
                                           <p:val>
-                                            <p:strVal val="#ppt_x-0.05"/>
+                                            <p:strVal val="#ppt_y+0.1"/>
                                           </p:val>
                                         </p:tav>
                                       </p:tavLst>
                                     </p:anim>
                                     <p:anim calcmode="lin" valueType="num">
                                       <p:cBhvr>
-                                        <p:cTn id="26" dur="400" decel="100000" fill="hold"/>
+                                        <p:cTn id="26" dur="100" accel="100000" fill="hold">
+                                          <p:stCondLst>
+                                            <p:cond delay="400"/>
+                                          </p:stCondLst>
+                                        </p:cTn>
                                         <p:tgtEl>
                                           <p:spTgt spid="10"/>
                                         </p:tgtEl>
                                         <p:attrNameLst>
-                                          <p:attrName>ppt_y</p:attrName>
+                                          <p:attrName>ppt_x</p:attrName>
                                         </p:attrNameLst>
                                       </p:cBhvr>
                                       <p:tavLst>
                                         <p:tav tm="0">
                                           <p:val>
-                                            <p:strVal val="#ppt_y-0.4"/>
+                                            <p:strVal val="#ppt_x-0.05"/>
                                           </p:val>
                                         </p:tav>
                                         <p:tav tm="100000">
                                           <p:val>
-                                            <p:strVal val="#ppt_y+0.1"/>
+                                            <p:strVal val="#ppt_x"/>
                                           </p:val>
                                         </p:tav>
                                       </p:tavLst>
@@ -26034,33 +25921,6 @@
                                     <p:anim calcmode="lin" valueType="num">
                                       <p:cBhvr>
                                         <p:cTn id="27" dur="100" accel="100000" fill="hold">
-                                          <p:stCondLst>
-                                            <p:cond delay="400"/>
-                                          </p:stCondLst>
-                                        </p:cTn>
-                                        <p:tgtEl>
-                                          <p:spTgt spid="10"/>
-                                        </p:tgtEl>
-                                        <p:attrNameLst>
-                                          <p:attrName>ppt_x</p:attrName>
-                                        </p:attrNameLst>
-                                      </p:cBhvr>
-                                      <p:tavLst>
-                                        <p:tav tm="0">
-                                          <p:val>
-                                            <p:strVal val="#ppt_x-0.05"/>
-                                          </p:val>
-                                        </p:tav>
-                                        <p:tav tm="100000">
-                                          <p:val>
-                                            <p:strVal val="#ppt_x"/>
-                                          </p:val>
-                                        </p:tav>
-                                      </p:tavLst>
-                                    </p:anim>
-                                    <p:anim calcmode="lin" valueType="num">
-                                      <p:cBhvr>
-                                        <p:cTn id="28" dur="100" accel="100000" fill="hold">
                                           <p:stCondLst>
                                             <p:cond delay="400"/>
                                           </p:stCondLst>
@@ -26095,26 +25955,26 @@
                     </p:cTn>
                   </p:par>
                   <p:par>
-                    <p:cTn id="29" fill="hold">
+                    <p:cTn id="28" fill="hold">
                       <p:stCondLst>
                         <p:cond delay="indefinite"/>
                       </p:stCondLst>
                       <p:childTnLst>
                         <p:par>
-                          <p:cTn id="30" fill="hold">
+                          <p:cTn id="29" fill="hold">
                             <p:stCondLst>
                               <p:cond delay="0"/>
                             </p:stCondLst>
                             <p:childTnLst>
                               <p:par>
-                                <p:cTn id="31" presetID="30" presetClass="entr" presetSubtype="0" fill="hold" nodeType="clickEffect">
+                                <p:cTn id="30" presetID="30" presetClass="entr" presetSubtype="0" fill="hold" nodeType="clickEffect">
                                   <p:stCondLst>
                                     <p:cond delay="0"/>
                                   </p:stCondLst>
                                   <p:childTnLst>
                                     <p:set>
                                       <p:cBhvr>
-                                        <p:cTn id="32" dur="1" fill="hold">
+                                        <p:cTn id="31" dur="1" fill="hold">
                                           <p:stCondLst>
                                             <p:cond delay="0"/>
                                           </p:stCondLst>
@@ -26132,7 +25992,7 @@
                                     </p:set>
                                     <p:animEffect transition="in" filter="fade">
                                       <p:cBhvr>
-                                        <p:cTn id="33" dur="400" decel="100000"/>
+                                        <p:cTn id="32" dur="400" decel="100000"/>
                                         <p:tgtEl>
                                           <p:spTgt spid="17"/>
                                         </p:tgtEl>
@@ -26140,7 +26000,7 @@
                                     </p:animEffect>
                                     <p:anim calcmode="lin" valueType="num">
                                       <p:cBhvr>
-                                        <p:cTn id="34" dur="400" decel="100000" fill="hold"/>
+                                        <p:cTn id="33" dur="400" decel="100000" fill="hold"/>
                                         <p:tgtEl>
                                           <p:spTgt spid="17"/>
                                         </p:tgtEl>
@@ -26157,6 +26017,29 @@
                                         <p:tav tm="100000">
                                           <p:val>
                                             <p:fltVal val="0"/>
+                                          </p:val>
+                                        </p:tav>
+                                      </p:tavLst>
+                                    </p:anim>
+                                    <p:anim calcmode="lin" valueType="num">
+                                      <p:cBhvr>
+                                        <p:cTn id="34" dur="400" decel="100000" fill="hold"/>
+                                        <p:tgtEl>
+                                          <p:spTgt spid="17"/>
+                                        </p:tgtEl>
+                                        <p:attrNameLst>
+                                          <p:attrName>ppt_x</p:attrName>
+                                        </p:attrNameLst>
+                                      </p:cBhvr>
+                                      <p:tavLst>
+                                        <p:tav tm="0">
+                                          <p:val>
+                                            <p:strVal val="#ppt_x+0.4"/>
+                                          </p:val>
+                                        </p:tav>
+                                        <p:tav tm="100000">
+                                          <p:val>
+                                            <p:strVal val="#ppt_x-0.05"/>
                                           </p:val>
                                         </p:tav>
                                       </p:tavLst>
@@ -26168,41 +26051,45 @@
                                           <p:spTgt spid="17"/>
                                         </p:tgtEl>
                                         <p:attrNameLst>
-                                          <p:attrName>ppt_x</p:attrName>
+                                          <p:attrName>ppt_y</p:attrName>
                                         </p:attrNameLst>
                                       </p:cBhvr>
                                       <p:tavLst>
                                         <p:tav tm="0">
                                           <p:val>
-                                            <p:strVal val="#ppt_x+0.4"/>
+                                            <p:strVal val="#ppt_y-0.4"/>
                                           </p:val>
                                         </p:tav>
                                         <p:tav tm="100000">
                                           <p:val>
-                                            <p:strVal val="#ppt_x-0.05"/>
+                                            <p:strVal val="#ppt_y+0.1"/>
                                           </p:val>
                                         </p:tav>
                                       </p:tavLst>
                                     </p:anim>
                                     <p:anim calcmode="lin" valueType="num">
                                       <p:cBhvr>
-                                        <p:cTn id="36" dur="400" decel="100000" fill="hold"/>
+                                        <p:cTn id="36" dur="100" accel="100000" fill="hold">
+                                          <p:stCondLst>
+                                            <p:cond delay="400"/>
+                                          </p:stCondLst>
+                                        </p:cTn>
                                         <p:tgtEl>
                                           <p:spTgt spid="17"/>
                                         </p:tgtEl>
                                         <p:attrNameLst>
-                                          <p:attrName>ppt_y</p:attrName>
+                                          <p:attrName>ppt_x</p:attrName>
                                         </p:attrNameLst>
                                       </p:cBhvr>
                                       <p:tavLst>
                                         <p:tav tm="0">
                                           <p:val>
-                                            <p:strVal val="#ppt_y-0.4"/>
+                                            <p:strVal val="#ppt_x-0.05"/>
                                           </p:val>
                                         </p:tav>
                                         <p:tav tm="100000">
                                           <p:val>
-                                            <p:strVal val="#ppt_y+0.1"/>
+                                            <p:strVal val="#ppt_x"/>
                                           </p:val>
                                         </p:tav>
                                       </p:tavLst>
@@ -26218,33 +26105,6 @@
                                           <p:spTgt spid="17"/>
                                         </p:tgtEl>
                                         <p:attrNameLst>
-                                          <p:attrName>ppt_x</p:attrName>
-                                        </p:attrNameLst>
-                                      </p:cBhvr>
-                                      <p:tavLst>
-                                        <p:tav tm="0">
-                                          <p:val>
-                                            <p:strVal val="#ppt_x-0.05"/>
-                                          </p:val>
-                                        </p:tav>
-                                        <p:tav tm="100000">
-                                          <p:val>
-                                            <p:strVal val="#ppt_x"/>
-                                          </p:val>
-                                        </p:tav>
-                                      </p:tavLst>
-                                    </p:anim>
-                                    <p:anim calcmode="lin" valueType="num">
-                                      <p:cBhvr>
-                                        <p:cTn id="38" dur="100" accel="100000" fill="hold">
-                                          <p:stCondLst>
-                                            <p:cond delay="400"/>
-                                          </p:stCondLst>
-                                        </p:cTn>
-                                        <p:tgtEl>
-                                          <p:spTgt spid="17"/>
-                                        </p:tgtEl>
-                                        <p:attrNameLst>
                                           <p:attrName>ppt_y</p:attrName>
                                         </p:attrNameLst>
                                       </p:cBhvr>
@@ -26265,14 +26125,14 @@
                                 </p:cTn>
                               </p:par>
                               <p:par>
-                                <p:cTn id="39" presetID="30" presetClass="entr" presetSubtype="0" fill="hold" nodeType="withEffect">
+                                <p:cTn id="38" presetID="30" presetClass="entr" presetSubtype="0" fill="hold" nodeType="withEffect">
                                   <p:stCondLst>
                                     <p:cond delay="0"/>
                                   </p:stCondLst>
                                   <p:childTnLst>
                                     <p:set>
                                       <p:cBhvr>
-                                        <p:cTn id="40" dur="1" fill="hold">
+                                        <p:cTn id="39" dur="1" fill="hold">
                                           <p:stCondLst>
                                             <p:cond delay="0"/>
                                           </p:stCondLst>
@@ -26290,7 +26150,7 @@
                                     </p:set>
                                     <p:animEffect transition="in" filter="fade">
                                       <p:cBhvr>
-                                        <p:cTn id="41" dur="400" decel="100000"/>
+                                        <p:cTn id="40" dur="400" decel="100000"/>
                                         <p:tgtEl>
                                           <p:spTgt spid="14"/>
                                         </p:tgtEl>
@@ -26298,7 +26158,7 @@
                                     </p:animEffect>
                                     <p:anim calcmode="lin" valueType="num">
                                       <p:cBhvr>
-                                        <p:cTn id="42" dur="400" decel="100000" fill="hold"/>
+                                        <p:cTn id="41" dur="400" decel="100000" fill="hold"/>
                                         <p:tgtEl>
                                           <p:spTgt spid="14"/>
                                         </p:tgtEl>
@@ -26315,6 +26175,29 @@
                                         <p:tav tm="100000">
                                           <p:val>
                                             <p:fltVal val="0"/>
+                                          </p:val>
+                                        </p:tav>
+                                      </p:tavLst>
+                                    </p:anim>
+                                    <p:anim calcmode="lin" valueType="num">
+                                      <p:cBhvr>
+                                        <p:cTn id="42" dur="400" decel="100000" fill="hold"/>
+                                        <p:tgtEl>
+                                          <p:spTgt spid="14"/>
+                                        </p:tgtEl>
+                                        <p:attrNameLst>
+                                          <p:attrName>ppt_x</p:attrName>
+                                        </p:attrNameLst>
+                                      </p:cBhvr>
+                                      <p:tavLst>
+                                        <p:tav tm="0">
+                                          <p:val>
+                                            <p:strVal val="#ppt_x+0.4"/>
+                                          </p:val>
+                                        </p:tav>
+                                        <p:tav tm="100000">
+                                          <p:val>
+                                            <p:strVal val="#ppt_x-0.05"/>
                                           </p:val>
                                         </p:tav>
                                       </p:tavLst>
@@ -26326,41 +26209,45 @@
                                           <p:spTgt spid="14"/>
                                         </p:tgtEl>
                                         <p:attrNameLst>
-                                          <p:attrName>ppt_x</p:attrName>
+                                          <p:attrName>ppt_y</p:attrName>
                                         </p:attrNameLst>
                                       </p:cBhvr>
                                       <p:tavLst>
                                         <p:tav tm="0">
                                           <p:val>
-                                            <p:strVal val="#ppt_x+0.4"/>
+                                            <p:strVal val="#ppt_y-0.4"/>
                                           </p:val>
                                         </p:tav>
                                         <p:tav tm="100000">
                                           <p:val>
-                                            <p:strVal val="#ppt_x-0.05"/>
+                                            <p:strVal val="#ppt_y+0.1"/>
                                           </p:val>
                                         </p:tav>
                                       </p:tavLst>
                                     </p:anim>
                                     <p:anim calcmode="lin" valueType="num">
                                       <p:cBhvr>
-                                        <p:cTn id="44" dur="400" decel="100000" fill="hold"/>
+                                        <p:cTn id="44" dur="100" accel="100000" fill="hold">
+                                          <p:stCondLst>
+                                            <p:cond delay="400"/>
+                                          </p:stCondLst>
+                                        </p:cTn>
                                         <p:tgtEl>
                                           <p:spTgt spid="14"/>
                                         </p:tgtEl>
                                         <p:attrNameLst>
-                                          <p:attrName>ppt_y</p:attrName>
+                                          <p:attrName>ppt_x</p:attrName>
                                         </p:attrNameLst>
                                       </p:cBhvr>
                                       <p:tavLst>
                                         <p:tav tm="0">
                                           <p:val>
-                                            <p:strVal val="#ppt_y-0.4"/>
+                                            <p:strVal val="#ppt_x-0.05"/>
                                           </p:val>
                                         </p:tav>
                                         <p:tav tm="100000">
                                           <p:val>
-                                            <p:strVal val="#ppt_y+0.1"/>
+                                            <p:strVal val="#ppt_x"/>
                                           </p:val>
                                         </p:tav>
                                       </p:tavLst>
@@ -26376,33 +26263,6 @@
                                           <p:spTgt spid="14"/>
                                         </p:tgtEl>
                                         <p:attrNameLst>
-                                          <p:attrName>ppt_x</p:attrName>
-                                        </p:attrNameLst>
-                                      </p:cBhvr>
-                                      <p:tavLst>
-                                        <p:tav tm="0">
-                                          <p:val>
-                                            <p:strVal val="#ppt_x-0.05"/>
-                                          </p:val>
-                                        </p:tav>
-                                        <p:tav tm="100000">
-                                          <p:val>
-                                            <p:strVal val="#ppt_x"/>
-                                          </p:val>
-                                        </p:tav>
-                                      </p:tavLst>
-                                    </p:anim>
-                                    <p:anim calcmode="lin" valueType="num">
-                                      <p:cBhvr>
-                                        <p:cTn id="46" dur="100" accel="100000" fill="hold">
-                                          <p:stCondLst>
-                                            <p:cond delay="400"/>
-                                          </p:stCondLst>
-                                        </p:cTn>
-                                        <p:tgtEl>
-                                          <p:spTgt spid="14"/>
-                                        </p:tgtEl>
-                                        <p:attrNameLst>
                                           <p:attrName>ppt_y</p:attrName>
                                         </p:attrNameLst>
                                       </p:cBhvr>
@@ -26423,14 +26283,14 @@
                                 </p:cTn>
                               </p:par>
                               <p:par>
-                                <p:cTn id="47" presetID="30" presetClass="entr" presetSubtype="0" fill="hold" nodeType="withEffect">
+                                <p:cTn id="46" presetID="30" presetClass="entr" presetSubtype="0" fill="hold" nodeType="withEffect">
                                   <p:stCondLst>
                                     <p:cond delay="0"/>
                                   </p:stCondLst>
                                   <p:childTnLst>
                                     <p:set>
                                       <p:cBhvr>
-                                        <p:cTn id="48" dur="1" fill="hold">
+                                        <p:cTn id="47" dur="1" fill="hold">
                                           <p:stCondLst>
                                             <p:cond delay="0"/>
                                           </p:stCondLst>
@@ -26448,7 +26308,7 @@
                                     </p:set>
                                     <p:animEffect transition="in" filter="fade">
                                       <p:cBhvr>
-                                        <p:cTn id="49" dur="400" decel="100000"/>
+                                        <p:cTn id="48" dur="400" decel="100000"/>
                                         <p:tgtEl>
                                           <p:spTgt spid="15"/>
                                         </p:tgtEl>
@@ -26456,7 +26316,7 @@
                                     </p:animEffect>
                                     <p:anim calcmode="lin" valueType="num">
                                       <p:cBhvr>
-                                        <p:cTn id="50" dur="400" decel="100000" fill="hold"/>
+                                        <p:cTn id="49" dur="400" decel="100000" fill="hold"/>
                                         <p:tgtEl>
                                           <p:spTgt spid="15"/>
                                         </p:tgtEl>
@@ -26473,6 +26333,29 @@
                                         <p:tav tm="100000">
                                           <p:val>
                                             <p:fltVal val="0"/>
+                                          </p:val>
+                                        </p:tav>
+                                      </p:tavLst>
+                                    </p:anim>
+                                    <p:anim calcmode="lin" valueType="num">
+                                      <p:cBhvr>
+                                        <p:cTn id="50" dur="400" decel="100000" fill="hold"/>
+                                        <p:tgtEl>
+                                          <p:spTgt spid="15"/>
+                                        </p:tgtEl>
+                                        <p:attrNameLst>
+                                          <p:attrName>ppt_x</p:attrName>
+                                        </p:attrNameLst>
+                                      </p:cBhvr>
+                                      <p:tavLst>
+                                        <p:tav tm="0">
+                                          <p:val>
+                                            <p:strVal val="#ppt_x+0.4"/>
+                                          </p:val>
+                                        </p:tav>
+                                        <p:tav tm="100000">
+                                          <p:val>
+                                            <p:strVal val="#ppt_x-0.05"/>
                                           </p:val>
                                         </p:tav>
                                       </p:tavLst>
@@ -26484,41 +26367,45 @@
                                           <p:spTgt spid="15"/>
                                         </p:tgtEl>
                                         <p:attrNameLst>
-                                          <p:attrName>ppt_x</p:attrName>
+                                          <p:attrName>ppt_y</p:attrName>
                                         </p:attrNameLst>
                                       </p:cBhvr>
                                       <p:tavLst>
                                         <p:tav tm="0">
                                           <p:val>
-                                            <p:strVal val="#ppt_x+0.4"/>
+                                            <p:strVal val="#ppt_y-0.4"/>
                                           </p:val>
                                         </p:tav>
                                         <p:tav tm="100000">
                                           <p:val>
-                                            <p:strVal val="#ppt_x-0.05"/>
+                                            <p:strVal val="#ppt_y+0.1"/>
                                           </p:val>
                                         </p:tav>
                                       </p:tavLst>
                                     </p:anim>
                                     <p:anim calcmode="lin" valueType="num">
                                       <p:cBhvr>
-                                        <p:cTn id="52" dur="400" decel="100000" fill="hold"/>
+                                        <p:cTn id="52" dur="100" accel="100000" fill="hold">
+                                          <p:stCondLst>
+                                            <p:cond delay="400"/>
+                                          </p:stCondLst>
+                                        </p:cTn>
                                         <p:tgtEl>
                                           <p:spTgt spid="15"/>
                                         </p:tgtEl>
                                         <p:attrNameLst>
-                                          <p:attrName>ppt_y</p:attrName>
+                                          <p:attrName>ppt_x</p:attrName>
                                         </p:attrNameLst>
                                       </p:cBhvr>
                                       <p:tavLst>
                                         <p:tav tm="0">
                                           <p:val>
-                                            <p:strVal val="#ppt_y-0.4"/>
+                                            <p:strVal val="#ppt_x-0.05"/>
                                           </p:val>
                                         </p:tav>
                                         <p:tav tm="100000">
                                           <p:val>
-                                            <p:strVal val="#ppt_y+0.1"/>
+                                            <p:strVal val="#ppt_x"/>
                                           </p:val>
                                         </p:tav>
                                       </p:tavLst>
@@ -26534,33 +26421,6 @@
                                           <p:spTgt spid="15"/>
                                         </p:tgtEl>
                                         <p:attrNameLst>
-                                          <p:attrName>ppt_x</p:attrName>
-                                        </p:attrNameLst>
-                                      </p:cBhvr>
-                                      <p:tavLst>
-                                        <p:tav tm="0">
-                                          <p:val>
-                                            <p:strVal val="#ppt_x-0.05"/>
-                                          </p:val>
-                                        </p:tav>
-                                        <p:tav tm="100000">
-                                          <p:val>
-                                            <p:strVal val="#ppt_x"/>
-                                          </p:val>
-                                        </p:tav>
-                                      </p:tavLst>
-                                    </p:anim>
-                                    <p:anim calcmode="lin" valueType="num">
-                                      <p:cBhvr>
-                                        <p:cTn id="54" dur="100" accel="100000" fill="hold">
-                                          <p:stCondLst>
-                                            <p:cond delay="400"/>
-                                          </p:stCondLst>
-                                        </p:cTn>
-                                        <p:tgtEl>
-                                          <p:spTgt spid="15"/>
-                                        </p:tgtEl>
-                                        <p:attrNameLst>
                                           <p:attrName>ppt_y</p:attrName>
                                         </p:attrNameLst>
                                       </p:cBhvr>
@@ -26581,14 +26441,14 @@
                                 </p:cTn>
                               </p:par>
                               <p:par>
-                                <p:cTn id="55" presetID="30" presetClass="entr" presetSubtype="0" fill="hold" nodeType="withEffect">
+                                <p:cTn id="54" presetID="30" presetClass="entr" presetSubtype="0" fill="hold" nodeType="withEffect">
                                   <p:stCondLst>
                                     <p:cond delay="0"/>
                                   </p:stCondLst>
                                   <p:childTnLst>
                                     <p:set>
                                       <p:cBhvr>
-                                        <p:cTn id="56" dur="1" fill="hold">
+                                        <p:cTn id="55" dur="1" fill="hold">
                                           <p:stCondLst>
                                             <p:cond delay="0"/>
                                           </p:stCondLst>
@@ -26606,7 +26466,7 @@
                                     </p:set>
                                     <p:animEffect transition="in" filter="fade">
                                       <p:cBhvr>
-                                        <p:cTn id="57" dur="400" decel="100000"/>
+                                        <p:cTn id="56" dur="400" decel="100000"/>
                                         <p:tgtEl>
                                           <p:spTgt spid="16"/>
                                         </p:tgtEl>
@@ -26614,7 +26474,7 @@
                                     </p:animEffect>
                                     <p:anim calcmode="lin" valueType="num">
                                       <p:cBhvr>
-                                        <p:cTn id="58" dur="400" decel="100000" fill="hold"/>
+                                        <p:cTn id="57" dur="400" decel="100000" fill="hold"/>
                                         <p:tgtEl>
                                           <p:spTgt spid="16"/>
                                         </p:tgtEl>
@@ -26631,6 +26491,29 @@
                                         <p:tav tm="100000">
                                           <p:val>
                                             <p:fltVal val="0"/>
+                                          </p:val>
+                                        </p:tav>
+                                      </p:tavLst>
+                                    </p:anim>
+                                    <p:anim calcmode="lin" valueType="num">
+                                      <p:cBhvr>
+                                        <p:cTn id="58" dur="400" decel="100000" fill="hold"/>
+                                        <p:tgtEl>
+                                          <p:spTgt spid="16"/>
+                                        </p:tgtEl>
+                                        <p:attrNameLst>
+                                          <p:attrName>ppt_x</p:attrName>
+                                        </p:attrNameLst>
+                                      </p:cBhvr>
+                                      <p:tavLst>
+                                        <p:tav tm="0">
+                                          <p:val>
+                                            <p:strVal val="#ppt_x+0.4"/>
+                                          </p:val>
+                                        </p:tav>
+                                        <p:tav tm="100000">
+                                          <p:val>
+                                            <p:strVal val="#ppt_x-0.05"/>
                                           </p:val>
                                         </p:tav>
                                       </p:tavLst>
@@ -26642,41 +26525,45 @@
                                           <p:spTgt spid="16"/>
                                         </p:tgtEl>
                                         <p:attrNameLst>
-                                          <p:attrName>ppt_x</p:attrName>
+                                          <p:attrName>ppt_y</p:attrName>
                                         </p:attrNameLst>
                                       </p:cBhvr>
                                       <p:tavLst>
                                         <p:tav tm="0">
                                           <p:val>
-                                            <p:strVal val="#ppt_x+0.4"/>
+                                            <p:strVal val="#ppt_y-0.4"/>
                                           </p:val>
                                         </p:tav>
                                         <p:tav tm="100000">
                                           <p:val>
-                                            <p:strVal val="#ppt_x-0.05"/>
+                                            <p:strVal val="#ppt_y+0.1"/>
                                           </p:val>
                                         </p:tav>
                                       </p:tavLst>
                                     </p:anim>
                                     <p:anim calcmode="lin" valueType="num">
                                       <p:cBhvr>
-                                        <p:cTn id="60" dur="400" decel="100000" fill="hold"/>
+                                        <p:cTn id="60" dur="100" accel="100000" fill="hold">
+                                          <p:stCondLst>
+                                            <p:cond delay="400"/>
+                                          </p:stCondLst>
+                                        </p:cTn>
                                         <p:tgtEl>
                                           <p:spTgt spid="16"/>
                                         </p:tgtEl>
                                         <p:attrNameLst>
-                                          <p:attrName>ppt_y</p:attrName>
+                                          <p:attrName>ppt_x</p:attrName>
                                         </p:attrNameLst>
                                       </p:cBhvr>
                                       <p:tavLst>
                                         <p:tav tm="0">
                                           <p:val>
-                                            <p:strVal val="#ppt_y-0.4"/>
+                                            <p:strVal val="#ppt_x-0.05"/>
                                           </p:val>
                                         </p:tav>
                                         <p:tav tm="100000">
                                           <p:val>
-                                            <p:strVal val="#ppt_y+0.1"/>
+                                            <p:strVal val="#ppt_x"/>
                                           </p:val>
                                         </p:tav>
                                       </p:tavLst>
@@ -26684,33 +26571,6 @@
                                     <p:anim calcmode="lin" valueType="num">
                                       <p:cBhvr>
                                         <p:cTn id="61" dur="100" accel="100000" fill="hold">
-                                          <p:stCondLst>
-                                            <p:cond delay="400"/>
-                                          </p:stCondLst>
-                                        </p:cTn>
-                                        <p:tgtEl>
-                                          <p:spTgt spid="16"/>
-                                        </p:tgtEl>
-                                        <p:attrNameLst>
-                                          <p:attrName>ppt_x</p:attrName>
-                                        </p:attrNameLst>
-                                      </p:cBhvr>
-                                      <p:tavLst>
-                                        <p:tav tm="0">
-                                          <p:val>
-                                            <p:strVal val="#ppt_x-0.05"/>
-                                          </p:val>
-                                        </p:tav>
-                                        <p:tav tm="100000">
-                                          <p:val>
-                                            <p:strVal val="#ppt_x"/>
-                                          </p:val>
-                                        </p:tav>
-                                      </p:tavLst>
-                                    </p:anim>
-                                    <p:anim calcmode="lin" valueType="num">
-                                      <p:cBhvr>
-                                        <p:cTn id="62" dur="100" accel="100000" fill="hold">
                                           <p:stCondLst>
                                             <p:cond delay="400"/>
                                           </p:stCondLst>
@@ -26745,26 +26605,26 @@
                     </p:cTn>
                   </p:par>
                   <p:par>
-                    <p:cTn id="63" fill="hold">
+                    <p:cTn id="62" fill="hold">
                       <p:stCondLst>
                         <p:cond delay="indefinite"/>
                       </p:stCondLst>
                       <p:childTnLst>
                         <p:par>
-                          <p:cTn id="64" fill="hold">
+                          <p:cTn id="63" fill="hold">
                             <p:stCondLst>
                               <p:cond delay="0"/>
                             </p:stCondLst>
                             <p:childTnLst>
                               <p:par>
-                                <p:cTn id="65" presetID="30" presetClass="entr" presetSubtype="0" fill="hold" nodeType="clickEffect">
+                                <p:cTn id="64" presetID="30" presetClass="entr" presetSubtype="0" fill="hold" nodeType="clickEffect">
                                   <p:stCondLst>
                                     <p:cond delay="0"/>
                                   </p:stCondLst>
                                   <p:childTnLst>
                                     <p:set>
                                       <p:cBhvr>
-                                        <p:cTn id="66" dur="1" fill="hold">
+                                        <p:cTn id="65" dur="1" fill="hold">
                                           <p:stCondLst>
                                             <p:cond delay="0"/>
                                           </p:stCondLst>
@@ -26782,7 +26642,7 @@
                                     </p:set>
                                     <p:animEffect transition="in" filter="fade">
                                       <p:cBhvr>
-                                        <p:cTn id="67" dur="400" decel="100000"/>
+                                        <p:cTn id="66" dur="400" decel="100000"/>
                                         <p:tgtEl>
                                           <p:spTgt spid="19"/>
                                         </p:tgtEl>
@@ -26790,7 +26650,7 @@
                                     </p:animEffect>
                                     <p:anim calcmode="lin" valueType="num">
                                       <p:cBhvr>
-                                        <p:cTn id="68" dur="400" decel="100000" fill="hold"/>
+                                        <p:cTn id="67" dur="400" decel="100000" fill="hold"/>
                                         <p:tgtEl>
                                           <p:spTgt spid="19"/>
                                         </p:tgtEl>
@@ -26807,6 +26667,29 @@
                                         <p:tav tm="100000">
                                           <p:val>
                                             <p:fltVal val="0"/>
+                                          </p:val>
+                                        </p:tav>
+                                      </p:tavLst>
+                                    </p:anim>
+                                    <p:anim calcmode="lin" valueType="num">
+                                      <p:cBhvr>
+                                        <p:cTn id="68" dur="400" decel="100000" fill="hold"/>
+                                        <p:tgtEl>
+                                          <p:spTgt spid="19"/>
+                                        </p:tgtEl>
+                                        <p:attrNameLst>
+                                          <p:attrName>ppt_x</p:attrName>
+                                        </p:attrNameLst>
+                                      </p:cBhvr>
+                                      <p:tavLst>
+                                        <p:tav tm="0">
+                                          <p:val>
+                                            <p:strVal val="#ppt_x+0.4"/>
+                                          </p:val>
+                                        </p:tav>
+                                        <p:tav tm="100000">
+                                          <p:val>
+                                            <p:strVal val="#ppt_x-0.05"/>
                                           </p:val>
                                         </p:tav>
                                       </p:tavLst>
@@ -26818,41 +26701,45 @@
                                           <p:spTgt spid="19"/>
                                         </p:tgtEl>
                                         <p:attrNameLst>
-                                          <p:attrName>ppt_x</p:attrName>
+                                          <p:attrName>ppt_y</p:attrName>
                                         </p:attrNameLst>
                                       </p:cBhvr>
                                       <p:tavLst>
                                         <p:tav tm="0">
                                           <p:val>
-                                            <p:strVal val="#ppt_x+0.4"/>
+                                            <p:strVal val="#ppt_y-0.4"/>
                                           </p:val>
                                         </p:tav>
                                         <p:tav tm="100000">
                                           <p:val>
-                                            <p:strVal val="#ppt_x-0.05"/>
+                                            <p:strVal val="#ppt_y+0.1"/>
                                           </p:val>
                                         </p:tav>
                                       </p:tavLst>
                                     </p:anim>
                                     <p:anim calcmode="lin" valueType="num">
                                       <p:cBhvr>
-                                        <p:cTn id="70" dur="400" decel="100000" fill="hold"/>
+                                        <p:cTn id="70" dur="100" accel="100000" fill="hold">
+                                          <p:stCondLst>
+                                            <p:cond delay="400"/>
+                                          </p:stCondLst>
+                                        </p:cTn>
                                         <p:tgtEl>
                                           <p:spTgt spid="19"/>
                                         </p:tgtEl>
                                         <p:attrNameLst>
-                                          <p:attrName>ppt_y</p:attrName>
+                                          <p:attrName>ppt_x</p:attrName>
                                         </p:attrNameLst>
                                       </p:cBhvr>
                                       <p:tavLst>
                                         <p:tav tm="0">
                                           <p:val>
-                                            <p:strVal val="#ppt_y-0.4"/>
+                                            <p:strVal val="#ppt_x-0.05"/>
                                           </p:val>
                                         </p:tav>
                                         <p:tav tm="100000">
                                           <p:val>
-                                            <p:strVal val="#ppt_y+0.1"/>
+                                            <p:strVal val="#ppt_x"/>
                                           </p:val>
                                         </p:tav>
                                       </p:tavLst>
@@ -26868,33 +26755,6 @@
                                           <p:spTgt spid="19"/>
                                         </p:tgtEl>
                                         <p:attrNameLst>
-                                          <p:attrName>ppt_x</p:attrName>
-                                        </p:attrNameLst>
-                                      </p:cBhvr>
-                                      <p:tavLst>
-                                        <p:tav tm="0">
-                                          <p:val>
-                                            <p:strVal val="#ppt_x-0.05"/>
-                                          </p:val>
-                                        </p:tav>
-                                        <p:tav tm="100000">
-                                          <p:val>
-                                            <p:strVal val="#ppt_x"/>
-                                          </p:val>
-                                        </p:tav>
-                                      </p:tavLst>
-                                    </p:anim>
-                                    <p:anim calcmode="lin" valueType="num">
-                                      <p:cBhvr>
-                                        <p:cTn id="72" dur="100" accel="100000" fill="hold">
-                                          <p:stCondLst>
-                                            <p:cond delay="400"/>
-                                          </p:stCondLst>
-                                        </p:cTn>
-                                        <p:tgtEl>
-                                          <p:spTgt spid="19"/>
-                                        </p:tgtEl>
-                                        <p:attrNameLst>
                                           <p:attrName>ppt_y</p:attrName>
                                         </p:attrNameLst>
                                       </p:cBhvr>
@@ -26918,20 +26778,20 @@
                           </p:cTn>
                         </p:par>
                         <p:par>
-                          <p:cTn id="73" fill="hold">
+                          <p:cTn id="72" fill="hold">
                             <p:stCondLst>
                               <p:cond delay="500"/>
                             </p:stCondLst>
                             <p:childTnLst>
                               <p:par>
-                                <p:cTn id="74" presetID="30" presetClass="entr" presetSubtype="0" fill="hold" nodeType="afterEffect">
+                                <p:cTn id="73" presetID="30" presetClass="entr" presetSubtype="0" fill="hold" nodeType="afterEffect">
                                   <p:stCondLst>
                                     <p:cond delay="0"/>
                                   </p:stCondLst>
                                   <p:childTnLst>
                                     <p:set>
                                       <p:cBhvr>
-                                        <p:cTn id="75" dur="1" fill="hold">
+                                        <p:cTn id="74" dur="1" fill="hold">
                                           <p:stCondLst>
                                             <p:cond delay="0"/>
                                           </p:stCondLst>
@@ -26949,7 +26809,7 @@
                                     </p:set>
                                     <p:animEffect transition="in" filter="fade">
                                       <p:cBhvr>
-                                        <p:cTn id="76" dur="400" decel="100000"/>
+                                        <p:cTn id="75" dur="400" decel="100000"/>
                                         <p:tgtEl>
                                           <p:spTgt spid="20"/>
                                         </p:tgtEl>
@@ -26957,7 +26817,7 @@
                                     </p:animEffect>
                                     <p:anim calcmode="lin" valueType="num">
                                       <p:cBhvr>
-                                        <p:cTn id="77" dur="400" decel="100000" fill="hold"/>
+                                        <p:cTn id="76" dur="400" decel="100000" fill="hold"/>
                                         <p:tgtEl>
                                           <p:spTgt spid="20"/>
                                         </p:tgtEl>
@@ -26974,6 +26834,29 @@
                                         <p:tav tm="100000">
                                           <p:val>
                                             <p:fltVal val="0"/>
+                                          </p:val>
+                                        </p:tav>
+                                      </p:tavLst>
+                                    </p:anim>
+                                    <p:anim calcmode="lin" valueType="num">
+                                      <p:cBhvr>
+                                        <p:cTn id="77" dur="400" decel="100000" fill="hold"/>
+                                        <p:tgtEl>
+                                          <p:spTgt spid="20"/>
+                                        </p:tgtEl>
+                                        <p:attrNameLst>
+                                          <p:attrName>ppt_x</p:attrName>
+                                        </p:attrNameLst>
+                                      </p:cBhvr>
+                                      <p:tavLst>
+                                        <p:tav tm="0">
+                                          <p:val>
+                                            <p:strVal val="#ppt_x+0.4"/>
+                                          </p:val>
+                                        </p:tav>
+                                        <p:tav tm="100000">
+                                          <p:val>
+                                            <p:strVal val="#ppt_x-0.05"/>
                                           </p:val>
                                         </p:tav>
                                       </p:tavLst>
@@ -26985,41 +26868,45 @@
                                           <p:spTgt spid="20"/>
                                         </p:tgtEl>
                                         <p:attrNameLst>
-                                          <p:attrName>ppt_x</p:attrName>
+                                          <p:attrName>ppt_y</p:attrName>
                                         </p:attrNameLst>
                                       </p:cBhvr>
                                       <p:tavLst>
                                         <p:tav tm="0">
                                           <p:val>
-                                            <p:strVal val="#ppt_x+0.4"/>
+                                            <p:strVal val="#ppt_y-0.4"/>
                                           </p:val>
                                         </p:tav>
                                         <p:tav tm="100000">
                                           <p:val>
-                                            <p:strVal val="#ppt_x-0.05"/>
+                                            <p:strVal val="#ppt_y+0.1"/>
                                           </p:val>
                                         </p:tav>
                                       </p:tavLst>
                                     </p:anim>
                                     <p:anim calcmode="lin" valueType="num">
                                       <p:cBhvr>
-                                        <p:cTn id="79" dur="400" decel="100000" fill="hold"/>
+                                        <p:cTn id="79" dur="100" accel="100000" fill="hold">
+                                          <p:stCondLst>
+                                            <p:cond delay="400"/>
+                                          </p:stCondLst>
+                                        </p:cTn>
                                         <p:tgtEl>
                                           <p:spTgt spid="20"/>
                                         </p:tgtEl>
                                         <p:attrNameLst>
-                                          <p:attrName>ppt_y</p:attrName>
+                                          <p:attrName>ppt_x</p:attrName>
                                         </p:attrNameLst>
                                       </p:cBhvr>
                                       <p:tavLst>
                                         <p:tav tm="0">
                                           <p:val>
-                                            <p:strVal val="#ppt_y-0.4"/>
+                                            <p:strVal val="#ppt_x-0.05"/>
                                           </p:val>
                                         </p:tav>
                                         <p:tav tm="100000">
                                           <p:val>
-                                            <p:strVal val="#ppt_y+0.1"/>
+                                            <p:strVal val="#ppt_x"/>
                                           </p:val>
                                         </p:tav>
                                       </p:tavLst>
@@ -27035,33 +26922,6 @@
                                           <p:spTgt spid="20"/>
                                         </p:tgtEl>
                                         <p:attrNameLst>
-                                          <p:attrName>ppt_x</p:attrName>
-                                        </p:attrNameLst>
-                                      </p:cBhvr>
-                                      <p:tavLst>
-                                        <p:tav tm="0">
-                                          <p:val>
-                                            <p:strVal val="#ppt_x-0.05"/>
-                                          </p:val>
-                                        </p:tav>
-                                        <p:tav tm="100000">
-                                          <p:val>
-                                            <p:strVal val="#ppt_x"/>
-                                          </p:val>
-                                        </p:tav>
-                                      </p:tavLst>
-                                    </p:anim>
-                                    <p:anim calcmode="lin" valueType="num">
-                                      <p:cBhvr>
-                                        <p:cTn id="81" dur="100" accel="100000" fill="hold">
-                                          <p:stCondLst>
-                                            <p:cond delay="400"/>
-                                          </p:stCondLst>
-                                        </p:cTn>
-                                        <p:tgtEl>
-                                          <p:spTgt spid="20"/>
-                                        </p:tgtEl>
-                                        <p:attrNameLst>
                                           <p:attrName>ppt_y</p:attrName>
                                         </p:attrNameLst>
                                       </p:cBhvr>
@@ -27085,20 +26945,20 @@
                           </p:cTn>
                         </p:par>
                         <p:par>
-                          <p:cTn id="82" fill="hold">
+                          <p:cTn id="81" fill="hold">
                             <p:stCondLst>
                               <p:cond delay="1000"/>
                             </p:stCondLst>
                             <p:childTnLst>
                               <p:par>
-                                <p:cTn id="83" presetID="30" presetClass="entr" presetSubtype="0" fill="hold" nodeType="afterEffect">
+                                <p:cTn id="82" presetID="30" presetClass="entr" presetSubtype="0" fill="hold" nodeType="afterEffect">
                                   <p:stCondLst>
                                     <p:cond delay="0"/>
                                   </p:stCondLst>
                                   <p:childTnLst>
                                     <p:set>
                                       <p:cBhvr>
-                                        <p:cTn id="84" dur="1" fill="hold">
+                                        <p:cTn id="83" dur="1" fill="hold">
                                           <p:stCondLst>
                                             <p:cond delay="0"/>
                                           </p:stCondLst>
@@ -27116,7 +26976,7 @@
                                     </p:set>
                                     <p:animEffect transition="in" filter="fade">
                                       <p:cBhvr>
-                                        <p:cTn id="85" dur="400" decel="100000"/>
+                                        <p:cTn id="84" dur="400" decel="100000"/>
                                         <p:tgtEl>
                                           <p:spTgt spid="21"/>
                                         </p:tgtEl>
@@ -27124,7 +26984,7 @@
                                     </p:animEffect>
                                     <p:anim calcmode="lin" valueType="num">
                                       <p:cBhvr>
-                                        <p:cTn id="86" dur="400" decel="100000" fill="hold"/>
+                                        <p:cTn id="85" dur="400" decel="100000" fill="hold"/>
                                         <p:tgtEl>
                                           <p:spTgt spid="21"/>
                                         </p:tgtEl>
@@ -27141,6 +27001,29 @@
                                         <p:tav tm="100000">
                                           <p:val>
                                             <p:fltVal val="0"/>
+                                          </p:val>
+                                        </p:tav>
+                                      </p:tavLst>
+                                    </p:anim>
+                                    <p:anim calcmode="lin" valueType="num">
+                                      <p:cBhvr>
+                                        <p:cTn id="86" dur="400" decel="100000" fill="hold"/>
+                                        <p:tgtEl>
+                                          <p:spTgt spid="21"/>
+                                        </p:tgtEl>
+                                        <p:attrNameLst>
+                                          <p:attrName>ppt_x</p:attrName>
+                                        </p:attrNameLst>
+                                      </p:cBhvr>
+                                      <p:tavLst>
+                                        <p:tav tm="0">
+                                          <p:val>
+                                            <p:strVal val="#ppt_x+0.4"/>
+                                          </p:val>
+                                        </p:tav>
+                                        <p:tav tm="100000">
+                                          <p:val>
+                                            <p:strVal val="#ppt_x-0.05"/>
                                           </p:val>
                                         </p:tav>
                                       </p:tavLst>
@@ -27152,41 +27035,45 @@
                                           <p:spTgt spid="21"/>
                                         </p:tgtEl>
                                         <p:attrNameLst>
-                                          <p:attrName>ppt_x</p:attrName>
+                                          <p:attrName>ppt_y</p:attrName>
                                         </p:attrNameLst>
                                       </p:cBhvr>
                                       <p:tavLst>
                                         <p:tav tm="0">
                                           <p:val>
-                                            <p:strVal val="#ppt_x+0.4"/>
+                                            <p:strVal val="#ppt_y-0.4"/>
                                           </p:val>
                                         </p:tav>
                                         <p:tav tm="100000">
                                           <p:val>
-                                            <p:strVal val="#ppt_x-0.05"/>
+                                            <p:strVal val="#ppt_y+0.1"/>
                                           </p:val>
                                         </p:tav>
                                       </p:tavLst>
                                     </p:anim>
                                     <p:anim calcmode="lin" valueType="num">
                                       <p:cBhvr>
-                                        <p:cTn id="88" dur="400" decel="100000" fill="hold"/>
+                                        <p:cTn id="88" dur="100" accel="100000" fill="hold">
+                                          <p:stCondLst>
+                                            <p:cond delay="400"/>
+                                          </p:stCondLst>
+                                        </p:cTn>
                                         <p:tgtEl>
                                           <p:spTgt spid="21"/>
                                         </p:tgtEl>
                                         <p:attrNameLst>
-                                          <p:attrName>ppt_y</p:attrName>
+                                          <p:attrName>ppt_x</p:attrName>
                                         </p:attrNameLst>
                                       </p:cBhvr>
                                       <p:tavLst>
                                         <p:tav tm="0">
                                           <p:val>
-                                            <p:strVal val="#ppt_y-0.4"/>
+                                            <p:strVal val="#ppt_x-0.05"/>
                                           </p:val>
                                         </p:tav>
                                         <p:tav tm="100000">
                                           <p:val>
-                                            <p:strVal val="#ppt_y+0.1"/>
+                                            <p:strVal val="#ppt_x"/>
                                           </p:val>
                                         </p:tav>
                                       </p:tavLst>
@@ -27202,33 +27089,6 @@
                                           <p:spTgt spid="21"/>
                                         </p:tgtEl>
                                         <p:attrNameLst>
-                                          <p:attrName>ppt_x</p:attrName>
-                                        </p:attrNameLst>
-                                      </p:cBhvr>
-                                      <p:tavLst>
-                                        <p:tav tm="0">
-                                          <p:val>
-                                            <p:strVal val="#ppt_x-0.05"/>
-                                          </p:val>
-                                        </p:tav>
-                                        <p:tav tm="100000">
-                                          <p:val>
-                                            <p:strVal val="#ppt_x"/>
-                                          </p:val>
-                                        </p:tav>
-                                      </p:tavLst>
-                                    </p:anim>
-                                    <p:anim calcmode="lin" valueType="num">
-                                      <p:cBhvr>
-                                        <p:cTn id="90" dur="100" accel="100000" fill="hold">
-                                          <p:stCondLst>
-                                            <p:cond delay="400"/>
-                                          </p:stCondLst>
-                                        </p:cTn>
-                                        <p:tgtEl>
-                                          <p:spTgt spid="21"/>
-                                        </p:tgtEl>
-                                        <p:attrNameLst>
                                           <p:attrName>ppt_y</p:attrName>
                                         </p:attrNameLst>
                                       </p:cBhvr>
@@ -27252,20 +27112,20 @@
                           </p:cTn>
                         </p:par>
                         <p:par>
-                          <p:cTn id="91" fill="hold">
+                          <p:cTn id="90" fill="hold">
                             <p:stCondLst>
                               <p:cond delay="1500"/>
                             </p:stCondLst>
                             <p:childTnLst>
                               <p:par>
-                                <p:cTn id="92" presetID="30" presetClass="entr" presetSubtype="0" fill="hold" nodeType="afterEffect">
+                                <p:cTn id="91" presetID="30" presetClass="entr" presetSubtype="0" fill="hold" nodeType="afterEffect">
                                   <p:stCondLst>
                                     <p:cond delay="0"/>
                                   </p:stCondLst>
                                   <p:childTnLst>
                                     <p:set>
                                       <p:cBhvr>
-                                        <p:cTn id="93" dur="1" fill="hold">
+                                        <p:cTn id="92" dur="1" fill="hold">
                                           <p:stCondLst>
                                             <p:cond delay="0"/>
                                           </p:stCondLst>
@@ -27283,7 +27143,7 @@
                                     </p:set>
                                     <p:animEffect transition="in" filter="fade">
                                       <p:cBhvr>
-                                        <p:cTn id="94" dur="400" decel="100000"/>
+                                        <p:cTn id="93" dur="400" decel="100000"/>
                                         <p:tgtEl>
                                           <p:spTgt spid="22"/>
                                         </p:tgtEl>
@@ -27291,7 +27151,7 @@
                                     </p:animEffect>
                                     <p:anim calcmode="lin" valueType="num">
                                       <p:cBhvr>
-                                        <p:cTn id="95" dur="400" decel="100000" fill="hold"/>
+                                        <p:cTn id="94" dur="400" decel="100000" fill="hold"/>
                                         <p:tgtEl>
                                           <p:spTgt spid="22"/>
                                         </p:tgtEl>
@@ -27308,6 +27168,29 @@
                                         <p:tav tm="100000">
                                           <p:val>
                                             <p:fltVal val="0"/>
+                                          </p:val>
+                                        </p:tav>
+                                      </p:tavLst>
+                                    </p:anim>
+                                    <p:anim calcmode="lin" valueType="num">
+                                      <p:cBhvr>
+                                        <p:cTn id="95" dur="400" decel="100000" fill="hold"/>
+                                        <p:tgtEl>
+                                          <p:spTgt spid="22"/>
+                                        </p:tgtEl>
+                                        <p:attrNameLst>
+                                          <p:attrName>ppt_x</p:attrName>
+                                        </p:attrNameLst>
+                                      </p:cBhvr>
+                                      <p:tavLst>
+                                        <p:tav tm="0">
+                                          <p:val>
+                                            <p:strVal val="#ppt_x+0.4"/>
+                                          </p:val>
+                                        </p:tav>
+                                        <p:tav tm="100000">
+                                          <p:val>
+                                            <p:strVal val="#ppt_x-0.05"/>
                                           </p:val>
                                         </p:tav>
                                       </p:tavLst>
@@ -27319,41 +27202,45 @@
                                           <p:spTgt spid="22"/>
                                         </p:tgtEl>
                                         <p:attrNameLst>
-                                          <p:attrName>ppt_x</p:attrName>
+                                          <p:attrName>ppt_y</p:attrName>
                                         </p:attrNameLst>
                                       </p:cBhvr>
                                       <p:tavLst>
                                         <p:tav tm="0">
                                           <p:val>
-                                            <p:strVal val="#ppt_x+0.4"/>
+                                            <p:strVal val="#ppt_y-0.4"/>
                                           </p:val>
                                         </p:tav>
                                         <p:tav tm="100000">
                                           <p:val>
-                                            <p:strVal val="#ppt_x-0.05"/>
+                                            <p:strVal val="#ppt_y+0.1"/>
                                           </p:val>
                                         </p:tav>
                                       </p:tavLst>
                                     </p:anim>
                                     <p:anim calcmode="lin" valueType="num">
                                       <p:cBhvr>
-                                        <p:cTn id="97" dur="400" decel="100000" fill="hold"/>
+                                        <p:cTn id="97" dur="100" accel="100000" fill="hold">
+                                          <p:stCondLst>
+                                            <p:cond delay="400"/>
+                                          </p:stCondLst>
+                                        </p:cTn>
                                         <p:tgtEl>
                                           <p:spTgt spid="22"/>
                                         </p:tgtEl>
                                         <p:attrNameLst>
-                                          <p:attrName>ppt_y</p:attrName>
+                                          <p:attrName>ppt_x</p:attrName>
                                         </p:attrNameLst>
                                       </p:cBhvr>
                                       <p:tavLst>
                                         <p:tav tm="0">
                                           <p:val>
-                                            <p:strVal val="#ppt_y-0.4"/>
+                                            <p:strVal val="#ppt_x-0.05"/>
                                           </p:val>
                                         </p:tav>
                                         <p:tav tm="100000">
                                           <p:val>
-                                            <p:strVal val="#ppt_y+0.1"/>
+                                            <p:strVal val="#ppt_x"/>
                                           </p:val>
                                         </p:tav>
                                       </p:tavLst>
@@ -27369,209 +27256,6 @@
                                           <p:spTgt spid="22"/>
                                         </p:tgtEl>
                                         <p:attrNameLst>
-                                          <p:attrName>ppt_x</p:attrName>
-                                        </p:attrNameLst>
-                                      </p:cBhvr>
-                                      <p:tavLst>
-                                        <p:tav tm="0">
-                                          <p:val>
-                                            <p:strVal val="#ppt_x-0.05"/>
-                                          </p:val>
-                                        </p:tav>
-                                        <p:tav tm="100000">
-                                          <p:val>
-                                            <p:strVal val="#ppt_x"/>
-                                          </p:val>
-                                        </p:tav>
-                                      </p:tavLst>
-                                    </p:anim>
-                                    <p:anim calcmode="lin" valueType="num">
-                                      <p:cBhvr>
-                                        <p:cTn id="99" dur="100" accel="100000" fill="hold">
-                                          <p:stCondLst>
-                                            <p:cond delay="400"/>
-                                          </p:stCondLst>
-                                        </p:cTn>
-                                        <p:tgtEl>
-                                          <p:spTgt spid="22"/>
-                                        </p:tgtEl>
-                                        <p:attrNameLst>
-                                          <p:attrName>ppt_y</p:attrName>
-                                        </p:attrNameLst>
-                                      </p:cBhvr>
-                                      <p:tavLst>
-                                        <p:tav tm="0">
-                                          <p:val>
-                                            <p:strVal val="#ppt_y+0.1"/>
-                                          </p:val>
-                                        </p:tav>
-                                        <p:tav tm="100000">
-                                          <p:val>
-                                            <p:strVal val="#ppt_y"/>
-                                          </p:val>
-                                        </p:tav>
-                                      </p:tavLst>
-                                    </p:anim>
-                                  </p:childTnLst>
-                                </p:cTn>
-                              </p:par>
-                            </p:childTnLst>
-                          </p:cTn>
-                        </p:par>
-                      </p:childTnLst>
-                    </p:cTn>
-                  </p:par>
-                  <p:par>
-                    <p:cTn id="100" fill="hold">
-                      <p:stCondLst>
-                        <p:cond delay="indefinite"/>
-                      </p:stCondLst>
-                      <p:childTnLst>
-                        <p:par>
-                          <p:cTn id="101" fill="hold">
-                            <p:stCondLst>
-                              <p:cond delay="0"/>
-                            </p:stCondLst>
-                            <p:childTnLst>
-                              <p:par>
-                                <p:cTn id="102" presetID="30" presetClass="entr" presetSubtype="0" fill="hold" nodeType="clickEffect">
-                                  <p:stCondLst>
-                                    <p:cond delay="0"/>
-                                  </p:stCondLst>
-                                  <p:childTnLst>
-                                    <p:set>
-                                      <p:cBhvr>
-                                        <p:cTn id="103" dur="1" fill="hold">
-                                          <p:stCondLst>
-                                            <p:cond delay="0"/>
-                                          </p:stCondLst>
-                                        </p:cTn>
-                                        <p:tgtEl>
-                                          <p:spTgt spid="23"/>
-                                        </p:tgtEl>
-                                        <p:attrNameLst>
-                                          <p:attrName>style.visibility</p:attrName>
-                                        </p:attrNameLst>
-                                      </p:cBhvr>
-                                      <p:to>
-                                        <p:strVal val="visible"/>
-                                      </p:to>
-                                    </p:set>
-                                    <p:animEffect transition="in" filter="fade">
-                                      <p:cBhvr>
-                                        <p:cTn id="104" dur="400" decel="100000"/>
-                                        <p:tgtEl>
-                                          <p:spTgt spid="23"/>
-                                        </p:tgtEl>
-                                      </p:cBhvr>
-                                    </p:animEffect>
-                                    <p:anim calcmode="lin" valueType="num">
-                                      <p:cBhvr>
-                                        <p:cTn id="105" dur="400" decel="100000" fill="hold"/>
-                                        <p:tgtEl>
-                                          <p:spTgt spid="23"/>
-                                        </p:tgtEl>
-                                        <p:attrNameLst>
-                                          <p:attrName>style.rotation</p:attrName>
-                                        </p:attrNameLst>
-                                      </p:cBhvr>
-                                      <p:tavLst>
-                                        <p:tav tm="0">
-                                          <p:val>
-                                            <p:fltVal val="-90"/>
-                                          </p:val>
-                                        </p:tav>
-                                        <p:tav tm="100000">
-                                          <p:val>
-                                            <p:fltVal val="0"/>
-                                          </p:val>
-                                        </p:tav>
-                                      </p:tavLst>
-                                    </p:anim>
-                                    <p:anim calcmode="lin" valueType="num">
-                                      <p:cBhvr>
-                                        <p:cTn id="106" dur="400" decel="100000" fill="hold"/>
-                                        <p:tgtEl>
-                                          <p:spTgt spid="23"/>
-                                        </p:tgtEl>
-                                        <p:attrNameLst>
-                                          <p:attrName>ppt_x</p:attrName>
-                                        </p:attrNameLst>
-                                      </p:cBhvr>
-                                      <p:tavLst>
-                                        <p:tav tm="0">
-                                          <p:val>
-                                            <p:strVal val="#ppt_x+0.4"/>
-                                          </p:val>
-                                        </p:tav>
-                                        <p:tav tm="100000">
-                                          <p:val>
-                                            <p:strVal val="#ppt_x-0.05"/>
-                                          </p:val>
-                                        </p:tav>
-                                      </p:tavLst>
-                                    </p:anim>
-                                    <p:anim calcmode="lin" valueType="num">
-                                      <p:cBhvr>
-                                        <p:cTn id="107" dur="400" decel="100000" fill="hold"/>
-                                        <p:tgtEl>
-                                          <p:spTgt spid="23"/>
-                                        </p:tgtEl>
-                                        <p:attrNameLst>
-                                          <p:attrName>ppt_y</p:attrName>
-                                        </p:attrNameLst>
-                                      </p:cBhvr>
-                                      <p:tavLst>
-                                        <p:tav tm="0">
-                                          <p:val>
-                                            <p:strVal val="#ppt_y-0.4"/>
-                                          </p:val>
-                                        </p:tav>
-                                        <p:tav tm="100000">
-                                          <p:val>
-                                            <p:strVal val="#ppt_y+0.1"/>
-                                          </p:val>
-                                        </p:tav>
-                                      </p:tavLst>
-                                    </p:anim>
-                                    <p:anim calcmode="lin" valueType="num">
-                                      <p:cBhvr>
-                                        <p:cTn id="108" dur="100" accel="100000" fill="hold">
-                                          <p:stCondLst>
-                                            <p:cond delay="400"/>
-                                          </p:stCondLst>
-                                        </p:cTn>
-                                        <p:tgtEl>
-                                          <p:spTgt spid="23"/>
-                                        </p:tgtEl>
-                                        <p:attrNameLst>
-                                          <p:attrName>ppt_x</p:attrName>
-                                        </p:attrNameLst>
-                                      </p:cBhvr>
-                                      <p:tavLst>
-                                        <p:tav tm="0">
-                                          <p:val>
-                                            <p:strVal val="#ppt_x-0.05"/>
-                                          </p:val>
-                                        </p:tav>
-                                        <p:tav tm="100000">
-                                          <p:val>
-                                            <p:strVal val="#ppt_x"/>
-                                          </p:val>
-                                        </p:tav>
-                                      </p:tavLst>
-                                    </p:anim>
-                                    <p:anim calcmode="lin" valueType="num">
-                                      <p:cBhvr>
-                                        <p:cTn id="109" dur="100" accel="100000" fill="hold">
-                                          <p:stCondLst>
-                                            <p:cond delay="400"/>
-                                          </p:stCondLst>
-                                        </p:cTn>
-                                        <p:tgtEl>
-                                          <p:spTgt spid="23"/>
-                                        </p:tgtEl>
-                                        <p:attrNameLst>
                                           <p:attrName>ppt_y</p:attrName>
                                         </p:attrNameLst>
                                       </p:cBhvr>
@@ -27595,26 +27279,26 @@
                           </p:cTn>
                         </p:par>
                         <p:par>
-                          <p:cTn id="110" fill="hold">
+                          <p:cTn id="99" fill="hold">
                             <p:stCondLst>
-                              <p:cond delay="500"/>
+                              <p:cond delay="2000"/>
                             </p:stCondLst>
                             <p:childTnLst>
                               <p:par>
-                                <p:cTn id="111" presetID="30" presetClass="entr" presetSubtype="0" fill="hold" nodeType="afterEffect">
+                                <p:cTn id="100" presetID="30" presetClass="entr" presetSubtype="0" fill="hold" nodeType="afterEffect">
                                   <p:stCondLst>
                                     <p:cond delay="0"/>
                                   </p:stCondLst>
                                   <p:childTnLst>
                                     <p:set>
                                       <p:cBhvr>
-                                        <p:cTn id="112" dur="1" fill="hold">
+                                        <p:cTn id="101" dur="1" fill="hold">
                                           <p:stCondLst>
                                             <p:cond delay="0"/>
                                           </p:stCondLst>
                                         </p:cTn>
                                         <p:tgtEl>
-                                          <p:spTgt spid="24"/>
+                                          <p:spTgt spid="23"/>
                                         </p:tgtEl>
                                         <p:attrNameLst>
                                           <p:attrName>style.visibility</p:attrName>
@@ -27626,17 +27310,17 @@
                                     </p:set>
                                     <p:animEffect transition="in" filter="fade">
                                       <p:cBhvr>
-                                        <p:cTn id="113" dur="400" decel="100000"/>
-                                        <p:tgtEl>
-                                          <p:spTgt spid="24"/>
+                                        <p:cTn id="102" dur="400" decel="100000"/>
+                                        <p:tgtEl>
+                                          <p:spTgt spid="23"/>
                                         </p:tgtEl>
                                       </p:cBhvr>
                                     </p:animEffect>
                                     <p:anim calcmode="lin" valueType="num">
                                       <p:cBhvr>
-                                        <p:cTn id="114" dur="400" decel="100000" fill="hold"/>
-                                        <p:tgtEl>
-                                          <p:spTgt spid="24"/>
+                                        <p:cTn id="103" dur="400" decel="100000" fill="hold"/>
+                                        <p:tgtEl>
+                                          <p:spTgt spid="23"/>
                                         </p:tgtEl>
                                         <p:attrNameLst>
                                           <p:attrName>style.rotation</p:attrName>
@@ -27657,9 +27341,9 @@
                                     </p:anim>
                                     <p:anim calcmode="lin" valueType="num">
                                       <p:cBhvr>
-                                        <p:cTn id="115" dur="400" decel="100000" fill="hold"/>
-                                        <p:tgtEl>
-                                          <p:spTgt spid="24"/>
+                                        <p:cTn id="104" dur="400" decel="100000" fill="hold"/>
+                                        <p:tgtEl>
+                                          <p:spTgt spid="23"/>
                                         </p:tgtEl>
                                         <p:attrNameLst>
                                           <p:attrName>ppt_x</p:attrName>
@@ -27680,9 +27364,9 @@
                                     </p:anim>
                                     <p:anim calcmode="lin" valueType="num">
                                       <p:cBhvr>
-                                        <p:cTn id="116" dur="400" decel="100000" fill="hold"/>
-                                        <p:tgtEl>
-                                          <p:spTgt spid="24"/>
+                                        <p:cTn id="105" dur="400" decel="100000" fill="hold"/>
+                                        <p:tgtEl>
+                                          <p:spTgt spid="23"/>
                                         </p:tgtEl>
                                         <p:attrNameLst>
                                           <p:attrName>ppt_y</p:attrName>
@@ -27703,13 +27387,13 @@
                                     </p:anim>
                                     <p:anim calcmode="lin" valueType="num">
                                       <p:cBhvr>
-                                        <p:cTn id="117" dur="100" accel="100000" fill="hold">
+                                        <p:cTn id="106" dur="100" accel="100000" fill="hold">
                                           <p:stCondLst>
                                             <p:cond delay="400"/>
                                           </p:stCondLst>
                                         </p:cTn>
                                         <p:tgtEl>
-                                          <p:spTgt spid="24"/>
+                                          <p:spTgt spid="23"/>
                                         </p:tgtEl>
                                         <p:attrNameLst>
                                           <p:attrName>ppt_x</p:attrName>
@@ -27730,13 +27414,13 @@
                                     </p:anim>
                                     <p:anim calcmode="lin" valueType="num">
                                       <p:cBhvr>
-                                        <p:cTn id="118" dur="100" accel="100000" fill="hold">
+                                        <p:cTn id="107" dur="100" accel="100000" fill="hold">
                                           <p:stCondLst>
                                             <p:cond delay="400"/>
                                           </p:stCondLst>
                                         </p:cTn>
                                         <p:tgtEl>
-                                          <p:spTgt spid="24"/>
+                                          <p:spTgt spid="23"/>
                                         </p:tgtEl>
                                         <p:attrNameLst>
                                           <p:attrName>ppt_y</p:attrName>
@@ -27762,26 +27446,26 @@
                           </p:cTn>
                         </p:par>
                         <p:par>
-                          <p:cTn id="119" fill="hold">
+                          <p:cTn id="108" fill="hold">
                             <p:stCondLst>
-                              <p:cond delay="1000"/>
+                              <p:cond delay="2500"/>
                             </p:stCondLst>
                             <p:childTnLst>
                               <p:par>
-                                <p:cTn id="120" presetID="30" presetClass="entr" presetSubtype="0" fill="hold" nodeType="afterEffect">
+                                <p:cTn id="109" presetID="30" presetClass="entr" presetSubtype="0" fill="hold" nodeType="afterEffect">
                                   <p:stCondLst>
                                     <p:cond delay="0"/>
                                   </p:stCondLst>
                                   <p:childTnLst>
                                     <p:set>
                                       <p:cBhvr>
-                                        <p:cTn id="121" dur="1" fill="hold">
+                                        <p:cTn id="110" dur="1" fill="hold">
                                           <p:stCondLst>
                                             <p:cond delay="0"/>
                                           </p:stCondLst>
                                         </p:cTn>
                                         <p:tgtEl>
-                                          <p:spTgt spid="25"/>
+                                          <p:spTgt spid="24"/>
                                         </p:tgtEl>
                                         <p:attrNameLst>
                                           <p:attrName>style.visibility</p:attrName>
@@ -27793,17 +27477,17 @@
                                     </p:set>
                                     <p:animEffect transition="in" filter="fade">
                                       <p:cBhvr>
-                                        <p:cTn id="122" dur="400" decel="100000"/>
-                                        <p:tgtEl>
-                                          <p:spTgt spid="25"/>
+                                        <p:cTn id="111" dur="400" decel="100000"/>
+                                        <p:tgtEl>
+                                          <p:spTgt spid="24"/>
                                         </p:tgtEl>
                                       </p:cBhvr>
                                     </p:animEffect>
                                     <p:anim calcmode="lin" valueType="num">
                                       <p:cBhvr>
-                                        <p:cTn id="123" dur="400" decel="100000" fill="hold"/>
-                                        <p:tgtEl>
-                                          <p:spTgt spid="25"/>
+                                        <p:cTn id="112" dur="400" decel="100000" fill="hold"/>
+                                        <p:tgtEl>
+                                          <p:spTgt spid="24"/>
                                         </p:tgtEl>
                                         <p:attrNameLst>
                                           <p:attrName>style.rotation</p:attrName>
@@ -27824,9 +27508,9 @@
                                     </p:anim>
                                     <p:anim calcmode="lin" valueType="num">
                                       <p:cBhvr>
-                                        <p:cTn id="124" dur="400" decel="100000" fill="hold"/>
-                                        <p:tgtEl>
-                                          <p:spTgt spid="25"/>
+                                        <p:cTn id="113" dur="400" decel="100000" fill="hold"/>
+                                        <p:tgtEl>
+                                          <p:spTgt spid="24"/>
                                         </p:tgtEl>
                                         <p:attrNameLst>
                                           <p:attrName>ppt_x</p:attrName>
@@ -27847,9 +27531,9 @@
                                     </p:anim>
                                     <p:anim calcmode="lin" valueType="num">
                                       <p:cBhvr>
-                                        <p:cTn id="125" dur="400" decel="100000" fill="hold"/>
-                                        <p:tgtEl>
-                                          <p:spTgt spid="25"/>
+                                        <p:cTn id="114" dur="400" decel="100000" fill="hold"/>
+                                        <p:tgtEl>
+                                          <p:spTgt spid="24"/>
                                         </p:tgtEl>
                                         <p:attrNameLst>
                                           <p:attrName>ppt_y</p:attrName>
@@ -27870,13 +27554,13 @@
                                     </p:anim>
                                     <p:anim calcmode="lin" valueType="num">
                                       <p:cBhvr>
-                                        <p:cTn id="126" dur="100" accel="100000" fill="hold">
+                                        <p:cTn id="115" dur="100" accel="100000" fill="hold">
                                           <p:stCondLst>
                                             <p:cond delay="400"/>
                                           </p:stCondLst>
                                         </p:cTn>
                                         <p:tgtEl>
-                                          <p:spTgt spid="25"/>
+                                          <p:spTgt spid="24"/>
                                         </p:tgtEl>
                                         <p:attrNameLst>
                                           <p:attrName>ppt_x</p:attrName>
@@ -27897,13 +27581,13 @@
                                     </p:anim>
                                     <p:anim calcmode="lin" valueType="num">
                                       <p:cBhvr>
-                                        <p:cTn id="127" dur="100" accel="100000" fill="hold">
+                                        <p:cTn id="116" dur="100" accel="100000" fill="hold">
                                           <p:stCondLst>
                                             <p:cond delay="400"/>
                                           </p:stCondLst>
                                         </p:cTn>
                                         <p:tgtEl>
-                                          <p:spTgt spid="25"/>
+                                          <p:spTgt spid="24"/>
                                         </p:tgtEl>
                                         <p:attrNameLst>
                                           <p:attrName>ppt_y</p:attrName>
@@ -27929,26 +27613,26 @@
                           </p:cTn>
                         </p:par>
                         <p:par>
-                          <p:cTn id="128" fill="hold">
+                          <p:cTn id="117" fill="hold">
                             <p:stCondLst>
-                              <p:cond delay="1500"/>
+                              <p:cond delay="3000"/>
                             </p:stCondLst>
                             <p:childTnLst>
                               <p:par>
-                                <p:cTn id="129" presetID="30" presetClass="entr" presetSubtype="0" fill="hold" nodeType="afterEffect">
+                                <p:cTn id="118" presetID="30" presetClass="entr" presetSubtype="0" fill="hold" nodeType="afterEffect">
                                   <p:stCondLst>
                                     <p:cond delay="0"/>
                                   </p:stCondLst>
                                   <p:childTnLst>
                                     <p:set>
                                       <p:cBhvr>
-                                        <p:cTn id="130" dur="1" fill="hold">
+                                        <p:cTn id="119" dur="1" fill="hold">
                                           <p:stCondLst>
                                             <p:cond delay="0"/>
                                           </p:stCondLst>
                                         </p:cTn>
                                         <p:tgtEl>
-                                          <p:spTgt spid="26"/>
+                                          <p:spTgt spid="25"/>
                                         </p:tgtEl>
                                         <p:attrNameLst>
                                           <p:attrName>style.visibility</p:attrName>
@@ -27960,17 +27644,17 @@
                                     </p:set>
                                     <p:animEffect transition="in" filter="fade">
                                       <p:cBhvr>
-                                        <p:cTn id="131" dur="400" decel="100000"/>
-                                        <p:tgtEl>
-                                          <p:spTgt spid="26"/>
+                                        <p:cTn id="120" dur="400" decel="100000"/>
+                                        <p:tgtEl>
+                                          <p:spTgt spid="25"/>
                                         </p:tgtEl>
                                       </p:cBhvr>
                                     </p:animEffect>
                                     <p:anim calcmode="lin" valueType="num">
                                       <p:cBhvr>
-                                        <p:cTn id="132" dur="400" decel="100000" fill="hold"/>
-                                        <p:tgtEl>
-                                          <p:spTgt spid="26"/>
+                                        <p:cTn id="121" dur="400" decel="100000" fill="hold"/>
+                                        <p:tgtEl>
+                                          <p:spTgt spid="25"/>
                                         </p:tgtEl>
                                         <p:attrNameLst>
                                           <p:attrName>style.rotation</p:attrName>
@@ -27991,9 +27675,9 @@
                                     </p:anim>
                                     <p:anim calcmode="lin" valueType="num">
                                       <p:cBhvr>
-                                        <p:cTn id="133" dur="400" decel="100000" fill="hold"/>
-                                        <p:tgtEl>
-                                          <p:spTgt spid="26"/>
+                                        <p:cTn id="122" dur="400" decel="100000" fill="hold"/>
+                                        <p:tgtEl>
+                                          <p:spTgt spid="25"/>
                                         </p:tgtEl>
                                         <p:attrNameLst>
                                           <p:attrName>ppt_x</p:attrName>
@@ -28014,9 +27698,9 @@
                                     </p:anim>
                                     <p:anim calcmode="lin" valueType="num">
                                       <p:cBhvr>
-                                        <p:cTn id="134" dur="400" decel="100000" fill="hold"/>
-                                        <p:tgtEl>
-                                          <p:spTgt spid="26"/>
+                                        <p:cTn id="123" dur="400" decel="100000" fill="hold"/>
+                                        <p:tgtEl>
+                                          <p:spTgt spid="25"/>
                                         </p:tgtEl>
                                         <p:attrNameLst>
                                           <p:attrName>ppt_y</p:attrName>
@@ -28037,13 +27721,13 @@
                                     </p:anim>
                                     <p:anim calcmode="lin" valueType="num">
                                       <p:cBhvr>
-                                        <p:cTn id="135" dur="100" accel="100000" fill="hold">
+                                        <p:cTn id="124" dur="100" accel="100000" fill="hold">
                                           <p:stCondLst>
                                             <p:cond delay="400"/>
                                           </p:stCondLst>
                                         </p:cTn>
                                         <p:tgtEl>
-                                          <p:spTgt spid="26"/>
+                                          <p:spTgt spid="25"/>
                                         </p:tgtEl>
                                         <p:attrNameLst>
                                           <p:attrName>ppt_x</p:attrName>
@@ -28064,7 +27748,174 @@
                                     </p:anim>
                                     <p:anim calcmode="lin" valueType="num">
                                       <p:cBhvr>
-                                        <p:cTn id="136" dur="100" accel="100000" fill="hold">
+                                        <p:cTn id="125" dur="100" accel="100000" fill="hold">
+                                          <p:stCondLst>
+                                            <p:cond delay="400"/>
+                                          </p:stCondLst>
+                                        </p:cTn>
+                                        <p:tgtEl>
+                                          <p:spTgt spid="25"/>
+                                        </p:tgtEl>
+                                        <p:attrNameLst>
+                                          <p:attrName>ppt_y</p:attrName>
+                                        </p:attrNameLst>
+                                      </p:cBhvr>
+                                      <p:tavLst>
+                                        <p:tav tm="0">
+                                          <p:val>
+                                            <p:strVal val="#ppt_y+0.1"/>
+                                          </p:val>
+                                        </p:tav>
+                                        <p:tav tm="100000">
+                                          <p:val>
+                                            <p:strVal val="#ppt_y"/>
+                                          </p:val>
+                                        </p:tav>
+                                      </p:tavLst>
+                                    </p:anim>
+                                  </p:childTnLst>
+                                </p:cTn>
+                              </p:par>
+                            </p:childTnLst>
+                          </p:cTn>
+                        </p:par>
+                        <p:par>
+                          <p:cTn id="126" fill="hold">
+                            <p:stCondLst>
+                              <p:cond delay="3500"/>
+                            </p:stCondLst>
+                            <p:childTnLst>
+                              <p:par>
+                                <p:cTn id="127" presetID="30" presetClass="entr" presetSubtype="0" fill="hold" nodeType="afterEffect">
+                                  <p:stCondLst>
+                                    <p:cond delay="0"/>
+                                  </p:stCondLst>
+                                  <p:childTnLst>
+                                    <p:set>
+                                      <p:cBhvr>
+                                        <p:cTn id="128" dur="1" fill="hold">
+                                          <p:stCondLst>
+                                            <p:cond delay="0"/>
+                                          </p:stCondLst>
+                                        </p:cTn>
+                                        <p:tgtEl>
+                                          <p:spTgt spid="26"/>
+                                        </p:tgtEl>
+                                        <p:attrNameLst>
+                                          <p:attrName>style.visibility</p:attrName>
+                                        </p:attrNameLst>
+                                      </p:cBhvr>
+                                      <p:to>
+                                        <p:strVal val="visible"/>
+                                      </p:to>
+                                    </p:set>
+                                    <p:animEffect transition="in" filter="fade">
+                                      <p:cBhvr>
+                                        <p:cTn id="129" dur="400" decel="100000"/>
+                                        <p:tgtEl>
+                                          <p:spTgt spid="26"/>
+                                        </p:tgtEl>
+                                      </p:cBhvr>
+                                    </p:animEffect>
+                                    <p:anim calcmode="lin" valueType="num">
+                                      <p:cBhvr>
+                                        <p:cTn id="130" dur="400" decel="100000" fill="hold"/>
+                                        <p:tgtEl>
+                                          <p:spTgt spid="26"/>
+                                        </p:tgtEl>
+                                        <p:attrNameLst>
+                                          <p:attrName>style.rotation</p:attrName>
+                                        </p:attrNameLst>
+                                      </p:cBhvr>
+                                      <p:tavLst>
+                                        <p:tav tm="0">
+                                          <p:val>
+                                            <p:fltVal val="-90"/>
+                                          </p:val>
+                                        </p:tav>
+                                        <p:tav tm="100000">
+                                          <p:val>
+                                            <p:fltVal val="0"/>
+                                          </p:val>
+                                        </p:tav>
+                                      </p:tavLst>
+                                    </p:anim>
+                                    <p:anim calcmode="lin" valueType="num">
+                                      <p:cBhvr>
+                                        <p:cTn id="131" dur="400" decel="100000" fill="hold"/>
+                                        <p:tgtEl>
+                                          <p:spTgt spid="26"/>
+                                        </p:tgtEl>
+                                        <p:attrNameLst>
+                                          <p:attrName>ppt_x</p:attrName>
+                                        </p:attrNameLst>
+                                      </p:cBhvr>
+                                      <p:tavLst>
+                                        <p:tav tm="0">
+                                          <p:val>
+                                            <p:strVal val="#ppt_x+0.4"/>
+                                          </p:val>
+                                        </p:tav>
+                                        <p:tav tm="100000">
+                                          <p:val>
+                                            <p:strVal val="#ppt_x-0.05"/>
+                                          </p:val>
+                                        </p:tav>
+                                      </p:tavLst>
+                                    </p:anim>
+                                    <p:anim calcmode="lin" valueType="num">
+                                      <p:cBhvr>
+                                        <p:cTn id="132" dur="400" decel="100000" fill="hold"/>
+                                        <p:tgtEl>
+                                          <p:spTgt spid="26"/>
+                                        </p:tgtEl>
+                                        <p:attrNameLst>
+                                          <p:attrName>ppt_y</p:attrName>
+                                        </p:attrNameLst>
+                                      </p:cBhvr>
+                                      <p:tavLst>
+                                        <p:tav tm="0">
+                                          <p:val>
+                                            <p:strVal val="#ppt_y-0.4"/>
+                                          </p:val>
+                                        </p:tav>
+                                        <p:tav tm="100000">
+                                          <p:val>
+                                            <p:strVal val="#ppt_y+0.1"/>
+                                          </p:val>
+                                        </p:tav>
+                                      </p:tavLst>
+                                    </p:anim>
+                                    <p:anim calcmode="lin" valueType="num">
+                                      <p:cBhvr>
+                                        <p:cTn id="133" dur="100" accel="100000" fill="hold">
+                                          <p:stCondLst>
+                                            <p:cond delay="400"/>
+                                          </p:stCondLst>
+                                        </p:cTn>
+                                        <p:tgtEl>
+                                          <p:spTgt spid="26"/>
+                                        </p:tgtEl>
+                                        <p:attrNameLst>
+                                          <p:attrName>ppt_x</p:attrName>
+                                        </p:attrNameLst>
+                                      </p:cBhvr>
+                                      <p:tavLst>
+                                        <p:tav tm="0">
+                                          <p:val>
+                                            <p:strVal val="#ppt_x-0.05"/>
+                                          </p:val>
+                                        </p:tav>
+                                        <p:tav tm="100000">
+                                          <p:val>
+                                            <p:strVal val="#ppt_x"/>
+                                          </p:val>
+                                        </p:tav>
+                                      </p:tavLst>
+                                    </p:anim>
+                                    <p:anim calcmode="lin" valueType="num">
+                                      <p:cBhvr>
+                                        <p:cTn id="134" dur="100" accel="100000" fill="hold">
                                           <p:stCondLst>
                                             <p:cond delay="400"/>
                                           </p:stCondLst>

--- a/thesis_adf/presentazione_tesi/presentazione.pptx
+++ b/thesis_adf/presentazione_tesi/presentazione.pptx
@@ -5,7 +5,7 @@
     <p:sldMasterId id="2147483648" r:id="rId1"/>
   </p:sldMasterIdLst>
   <p:notesMasterIdLst>
-    <p:notesMasterId r:id="rId16"/>
+    <p:notesMasterId r:id="rId17"/>
   </p:notesMasterIdLst>
   <p:sldIdLst>
     <p:sldId id="256" r:id="rId2"/>
@@ -20,8 +20,9 @@
     <p:sldId id="264" r:id="rId11"/>
     <p:sldId id="271" r:id="rId12"/>
     <p:sldId id="265" r:id="rId13"/>
-    <p:sldId id="269" r:id="rId14"/>
-    <p:sldId id="272" r:id="rId15"/>
+    <p:sldId id="273" r:id="rId14"/>
+    <p:sldId id="269" r:id="rId15"/>
+    <p:sldId id="272" r:id="rId16"/>
   </p:sldIdLst>
   <p:sldSz cx="9144000" cy="6858000" type="screen4x3"/>
   <p:notesSz cx="6858000" cy="9144000"/>
@@ -4773,8 +4774,8 @@
     <dgm:cxn modelId="{7DCC1E52-6A27-44F0-B063-C5D4918FF1EA}" type="presOf" srcId="{AE1B0D04-8EB0-46D4-9D71-8C91A1B25C69}" destId="{A71205EB-3838-4A0C-B40C-6DE903DA1BAA}" srcOrd="1" destOrd="2" presId="urn:microsoft.com/office/officeart/2005/8/layout/vList4"/>
     <dgm:cxn modelId="{16A22180-76C5-4DC2-8106-25CDAF3E06B2}" type="presOf" srcId="{D83903CD-6AC1-4E33-B399-BA937328CD13}" destId="{CE6CBFD9-0742-4FE3-BD5E-367C35A58332}" srcOrd="0" destOrd="1" presId="urn:microsoft.com/office/officeart/2005/8/layout/vList4"/>
     <dgm:cxn modelId="{3B0E098E-86E0-49BE-AC87-10F470C99095}" type="presOf" srcId="{D83903CD-6AC1-4E33-B399-BA937328CD13}" destId="{A71205EB-3838-4A0C-B40C-6DE903DA1BAA}" srcOrd="1" destOrd="1" presId="urn:microsoft.com/office/officeart/2005/8/layout/vList4"/>
+    <dgm:cxn modelId="{655CDAFF-DEAC-4A2A-A528-27D8AFA87DF6}" type="presOf" srcId="{434D032E-C61E-4571-AF21-48A2D5FE67A6}" destId="{CE6CBFD9-0742-4FE3-BD5E-367C35A58332}" srcOrd="0" destOrd="3" presId="urn:microsoft.com/office/officeart/2005/8/layout/vList4"/>
     <dgm:cxn modelId="{A96FFE1A-C698-4A84-8854-CE335A935B44}" type="presOf" srcId="{C0916FAB-656D-41AF-BF2F-38089F158062}" destId="{CE6CBFD9-0742-4FE3-BD5E-367C35A58332}" srcOrd="0" destOrd="4" presId="urn:microsoft.com/office/officeart/2005/8/layout/vList4"/>
-    <dgm:cxn modelId="{655CDAFF-DEAC-4A2A-A528-27D8AFA87DF6}" type="presOf" srcId="{434D032E-C61E-4571-AF21-48A2D5FE67A6}" destId="{CE6CBFD9-0742-4FE3-BD5E-367C35A58332}" srcOrd="0" destOrd="3" presId="urn:microsoft.com/office/officeart/2005/8/layout/vList4"/>
     <dgm:cxn modelId="{DB39DD9F-4FAD-44DF-A487-4F6C71C70FF5}" srcId="{C1A390D4-7138-40E5-A69C-D39AE7E0CDE2}" destId="{4BB90C08-9948-4B99-AE29-E070C10ED07D}" srcOrd="0" destOrd="0" parTransId="{93FD8235-B7A5-4F8A-A57A-C464DD824903}" sibTransId="{C3C21756-133E-4EE2-A7EA-024CB74EA3CD}"/>
     <dgm:cxn modelId="{C6719B37-81A6-4B0E-BE48-12CA3F90F5D9}" srcId="{4BB90C08-9948-4B99-AE29-E070C10ED07D}" destId="{C0916FAB-656D-41AF-BF2F-38089F158062}" srcOrd="3" destOrd="0" parTransId="{D31449A8-BEFC-46BB-9AAF-3A7CB4C4E6A9}" sibTransId="{3D7B2CA4-B23D-45D9-BA15-91A12D8C9928}"/>
     <dgm:cxn modelId="{287C8AF9-0383-4B04-B5B2-CA2232BB474D}" type="presOf" srcId="{2FE0AFA9-A075-4FFA-8F73-A688628FE36D}" destId="{CE6CBFD9-0742-4FE3-BD5E-367C35A58332}" srcOrd="0" destOrd="5" presId="urn:microsoft.com/office/officeart/2005/8/layout/vList4"/>
@@ -5395,13 +5396,13 @@
     <dgm:cxn modelId="{F2200C62-F531-4AA3-9ED4-2E7DD2945B23}" type="presOf" srcId="{9DA24099-3650-4745-AA47-1038CD8BB4EA}" destId="{CE6CBFD9-0742-4FE3-BD5E-367C35A58332}" srcOrd="0" destOrd="3" presId="urn:microsoft.com/office/officeart/2005/8/layout/vList4"/>
     <dgm:cxn modelId="{3440B014-E5CC-42E5-9706-DE00AE18CA46}" type="presOf" srcId="{C53F41FB-401F-47E2-851B-7978B377975C}" destId="{CE6CBFD9-0742-4FE3-BD5E-367C35A58332}" srcOrd="0" destOrd="2" presId="urn:microsoft.com/office/officeart/2005/8/layout/vList4"/>
     <dgm:cxn modelId="{65F06C98-2AEC-45D1-86DF-984B7139F6D0}" type="presOf" srcId="{110F2E96-341F-4128-B22A-EFC5B7C48AE1}" destId="{F1F76F48-0235-4A43-B8D0-180C84B9DF40}" srcOrd="0" destOrd="0" presId="urn:microsoft.com/office/officeart/2005/8/layout/vList4"/>
+    <dgm:cxn modelId="{17F1856B-CE33-4047-A66F-30B5C64D9A3F}" type="presOf" srcId="{07533D2A-FC6D-4865-96C6-33BF266B5D44}" destId="{CE6CBFD9-0742-4FE3-BD5E-367C35A58332}" srcOrd="0" destOrd="1" presId="urn:microsoft.com/office/officeart/2005/8/layout/vList4"/>
     <dgm:cxn modelId="{0A28EE5F-FBF0-4058-B7BD-00774A80B9E5}" type="presOf" srcId="{4BB90C08-9948-4B99-AE29-E070C10ED07D}" destId="{CE6CBFD9-0742-4FE3-BD5E-367C35A58332}" srcOrd="0" destOrd="0" presId="urn:microsoft.com/office/officeart/2005/8/layout/vList4"/>
-    <dgm:cxn modelId="{17F1856B-CE33-4047-A66F-30B5C64D9A3F}" type="presOf" srcId="{07533D2A-FC6D-4865-96C6-33BF266B5D44}" destId="{CE6CBFD9-0742-4FE3-BD5E-367C35A58332}" srcOrd="0" destOrd="1" presId="urn:microsoft.com/office/officeart/2005/8/layout/vList4"/>
     <dgm:cxn modelId="{D5B0E4F0-8608-4A18-874B-5BE82E10C79B}" srcId="{C53F41FB-401F-47E2-851B-7978B377975C}" destId="{9DA24099-3650-4745-AA47-1038CD8BB4EA}" srcOrd="0" destOrd="0" parTransId="{A05FEFBC-8531-4D3F-812E-7BC36C9E9339}" sibTransId="{4DB7908E-EE0D-4B56-9BDA-4F7D240F80B1}"/>
     <dgm:cxn modelId="{5010B7F7-15B6-494C-8B16-6CFF70C5187F}" type="presOf" srcId="{F53456BF-D7AD-4017-BFD9-A55BF2DDE759}" destId="{F1F76F48-0235-4A43-B8D0-180C84B9DF40}" srcOrd="0" destOrd="2" presId="urn:microsoft.com/office/officeart/2005/8/layout/vList4"/>
     <dgm:cxn modelId="{B3EA2ED4-324E-47E8-88CA-2B3EAF910003}" type="presOf" srcId="{2543E51C-1F69-4F16-A26E-985B31922749}" destId="{3074BDE6-8662-42B7-AE43-CF1D6E099A77}" srcOrd="1" destOrd="1" presId="urn:microsoft.com/office/officeart/2005/8/layout/vList4"/>
+    <dgm:cxn modelId="{649A9767-872C-4BFB-B215-2D34757E1517}" type="presOf" srcId="{C53F41FB-401F-47E2-851B-7978B377975C}" destId="{A71205EB-3838-4A0C-B40C-6DE903DA1BAA}" srcOrd="1" destOrd="2" presId="urn:microsoft.com/office/officeart/2005/8/layout/vList4"/>
     <dgm:cxn modelId="{A725BB50-E48D-45F0-A863-58DF201E55E3}" type="presOf" srcId="{C1A390D4-7138-40E5-A69C-D39AE7E0CDE2}" destId="{51EE6571-4C05-47DC-9029-C35BF00D7394}" srcOrd="0" destOrd="0" presId="urn:microsoft.com/office/officeart/2005/8/layout/vList4"/>
-    <dgm:cxn modelId="{649A9767-872C-4BFB-B215-2D34757E1517}" type="presOf" srcId="{C53F41FB-401F-47E2-851B-7978B377975C}" destId="{A71205EB-3838-4A0C-B40C-6DE903DA1BAA}" srcOrd="1" destOrd="2" presId="urn:microsoft.com/office/officeart/2005/8/layout/vList4"/>
     <dgm:cxn modelId="{99D9DF56-17D8-4806-8A73-6A24652D1E72}" type="presParOf" srcId="{51EE6571-4C05-47DC-9029-C35BF00D7394}" destId="{3578B1C2-270F-4E67-A98F-6C2F1125B8AC}" srcOrd="0" destOrd="0" presId="urn:microsoft.com/office/officeart/2005/8/layout/vList4"/>
     <dgm:cxn modelId="{53959BD1-75AA-4026-8055-DD93FF661832}" type="presParOf" srcId="{3578B1C2-270F-4E67-A98F-6C2F1125B8AC}" destId="{F1F76F48-0235-4A43-B8D0-180C84B9DF40}" srcOrd="0" destOrd="0" presId="urn:microsoft.com/office/officeart/2005/8/layout/vList4"/>
     <dgm:cxn modelId="{2B0402C6-EAC0-47EB-8BE2-529544408180}" type="presParOf" srcId="{3578B1C2-270F-4E67-A98F-6C2F1125B8AC}" destId="{671E2F99-F347-4C31-BCF9-178DFD24F364}" srcOrd="1" destOrd="0" presId="urn:microsoft.com/office/officeart/2005/8/layout/vList4"/>
@@ -10607,7 +10608,7 @@
             <a:fld id="{8BA93F81-AB1A-49EB-B45D-4C43C205A3D4}" type="datetimeFigureOut">
               <a:rPr lang="it-IT" smtClean="0"/>
               <a:pPr/>
-              <a:t>04/10/2008</a:t>
+              <a:t>07/10/2008</a:t>
             </a:fld>
             <a:endParaRPr lang="it-IT"/>
           </a:p>
@@ -21700,6 +21701,492 @@
           <a:chExt cx="0" cy="0"/>
         </a:xfrm>
       </p:grpSpPr>
+      <p:sp>
+        <p:nvSpPr>
+          <p:cNvPr id="6" name="Segnaposto data 5"/>
+          <p:cNvSpPr>
+            <a:spLocks noGrp="1"/>
+          </p:cNvSpPr>
+          <p:nvPr>
+            <p:ph type="dt" sz="half" idx="10"/>
+          </p:nvPr>
+        </p:nvSpPr>
+        <p:spPr/>
+        <p:txBody>
+          <a:bodyPr/>
+          <a:lstStyle/>
+          <a:p>
+            <a:r>
+              <a:rPr lang="it-IT" smtClean="0"/>
+              <a:t>Anno accademico 2007/2008</a:t>
+            </a:r>
+            <a:endParaRPr lang="it-IT"/>
+          </a:p>
+        </p:txBody>
+      </p:sp>
+      <p:sp>
+        <p:nvSpPr>
+          <p:cNvPr id="7" name="Segnaposto numero diapositiva 6"/>
+          <p:cNvSpPr>
+            <a:spLocks noGrp="1"/>
+          </p:cNvSpPr>
+          <p:nvPr>
+            <p:ph type="sldNum" sz="quarter" idx="12"/>
+          </p:nvPr>
+        </p:nvSpPr>
+        <p:spPr/>
+        <p:txBody>
+          <a:bodyPr/>
+          <a:lstStyle/>
+          <a:p>
+            <a:fld id="{BB9EEBAB-65FC-4513-B19A-4B06FD56D3C9}" type="slidenum">
+              <a:rPr lang="it-IT" smtClean="0"/>
+              <a:pPr/>
+              <a:t>13</a:t>
+            </a:fld>
+            <a:endParaRPr lang="it-IT"/>
+          </a:p>
+        </p:txBody>
+      </p:sp>
+      <p:sp>
+        <p:nvSpPr>
+          <p:cNvPr id="8" name="Segnaposto piè di pagina 7"/>
+          <p:cNvSpPr>
+            <a:spLocks noGrp="1"/>
+          </p:cNvSpPr>
+          <p:nvPr>
+            <p:ph type="ftr" sz="quarter" idx="11"/>
+          </p:nvPr>
+        </p:nvSpPr>
+        <p:spPr/>
+        <p:txBody>
+          <a:bodyPr/>
+          <a:lstStyle/>
+          <a:p>
+            <a:r>
+              <a:rPr lang="it-IT" smtClean="0"/>
+              <a:t>Università degli studi di Roma Tre</a:t>
+            </a:r>
+            <a:endParaRPr lang="it-IT"/>
+          </a:p>
+        </p:txBody>
+      </p:sp>
+      <p:sp>
+        <p:nvSpPr>
+          <p:cNvPr id="9" name="Titolo 3"/>
+          <p:cNvSpPr>
+            <a:spLocks noGrp="1"/>
+          </p:cNvSpPr>
+          <p:nvPr>
+            <p:ph type="ctrTitle"/>
+          </p:nvPr>
+        </p:nvSpPr>
+        <p:spPr>
+          <a:xfrm>
+            <a:off x="2321671" y="0"/>
+            <a:ext cx="6822329" cy="571480"/>
+          </a:xfrm>
+        </p:spPr>
+        <p:txBody>
+          <a:bodyPr>
+            <a:noAutofit/>
+          </a:bodyPr>
+          <a:lstStyle/>
+          <a:p>
+            <a:r>
+              <a:rPr lang="en-US" sz="3600" err="1" smtClean="0"/>
+              <a:t>VisualNetkit</a:t>
+            </a:r>
+            <a:r>
+              <a:rPr lang="en-US" sz="3600" smtClean="0"/>
+              <a:t>: </a:t>
+            </a:r>
+            <a:r>
+              <a:rPr lang="en-US" sz="3600" err="1" smtClean="0"/>
+              <a:t>creazione</a:t>
+            </a:r>
+            <a:r>
+              <a:rPr lang="en-US" sz="3600" smtClean="0"/>
+              <a:t> </a:t>
+            </a:r>
+            <a:r>
+              <a:rPr lang="en-US" sz="3600" err="1" smtClean="0"/>
+              <a:t>di</a:t>
+            </a:r>
+            <a:r>
+              <a:rPr lang="en-US" sz="3600" smtClean="0"/>
+              <a:t> un Lab</a:t>
+            </a:r>
+            <a:endParaRPr lang="it-IT" sz="3600"/>
+          </a:p>
+        </p:txBody>
+      </p:sp>
+      <p:pic>
+        <p:nvPicPr>
+          <p:cNvPr id="2" name="Picture 2" descr="C:\Documents and Settings\slux\Desktop\presentazione_tesi\images\scenario2.png"/>
+          <p:cNvPicPr>
+            <a:picLocks noChangeAspect="1" noChangeArrowheads="1"/>
+          </p:cNvPicPr>
+          <p:nvPr/>
+        </p:nvPicPr>
+        <p:blipFill>
+          <a:blip r:embed="rId2"/>
+          <a:srcRect/>
+          <a:stretch>
+            <a:fillRect/>
+          </a:stretch>
+        </p:blipFill>
+        <p:spPr bwMode="auto">
+          <a:xfrm>
+            <a:off x="892943" y="571480"/>
+            <a:ext cx="7358114" cy="5622059"/>
+          </a:xfrm>
+          <a:prstGeom prst="rect">
+            <a:avLst/>
+          </a:prstGeom>
+          <a:ln>
+            <a:noFill/>
+          </a:ln>
+          <a:effectLst>
+            <a:outerShdw blurRad="190500" algn="tl" rotWithShape="0">
+              <a:srgbClr val="000000">
+                <a:alpha val="70000"/>
+              </a:srgbClr>
+            </a:outerShdw>
+          </a:effectLst>
+        </p:spPr>
+      </p:pic>
+      <p:pic>
+        <p:nvPicPr>
+          <p:cNvPr id="3" name="Picture 3" descr="C:\Documents and Settings\slux\Desktop\presentazione_tesi\images\scenario4.png"/>
+          <p:cNvPicPr>
+            <a:picLocks noChangeAspect="1" noChangeArrowheads="1"/>
+          </p:cNvPicPr>
+          <p:nvPr/>
+        </p:nvPicPr>
+        <p:blipFill>
+          <a:blip r:embed="rId3"/>
+          <a:srcRect/>
+          <a:stretch>
+            <a:fillRect/>
+          </a:stretch>
+        </p:blipFill>
+        <p:spPr bwMode="auto">
+          <a:xfrm>
+            <a:off x="5572132" y="642918"/>
+            <a:ext cx="3357586" cy="5560359"/>
+          </a:xfrm>
+          <a:prstGeom prst="rect">
+            <a:avLst/>
+          </a:prstGeom>
+          <a:ln>
+            <a:noFill/>
+          </a:ln>
+          <a:effectLst>
+            <a:outerShdw blurRad="190500" algn="tl" rotWithShape="0">
+              <a:srgbClr val="000000">
+                <a:alpha val="70000"/>
+              </a:srgbClr>
+            </a:outerShdw>
+          </a:effectLst>
+        </p:spPr>
+      </p:pic>
+      <p:pic>
+        <p:nvPicPr>
+          <p:cNvPr id="4" name="Picture 4" descr="C:\Documents and Settings\slux\Desktop\presentazione_tesi\images\scenario3.png"/>
+          <p:cNvPicPr>
+            <a:picLocks noChangeAspect="1" noChangeArrowheads="1"/>
+          </p:cNvPicPr>
+          <p:nvPr/>
+        </p:nvPicPr>
+        <p:blipFill>
+          <a:blip r:embed="rId4"/>
+          <a:srcRect/>
+          <a:stretch>
+            <a:fillRect/>
+          </a:stretch>
+        </p:blipFill>
+        <p:spPr bwMode="auto">
+          <a:xfrm>
+            <a:off x="357190" y="644071"/>
+            <a:ext cx="3286148" cy="5558053"/>
+          </a:xfrm>
+          <a:prstGeom prst="rect">
+            <a:avLst/>
+          </a:prstGeom>
+          <a:ln>
+            <a:noFill/>
+          </a:ln>
+          <a:effectLst>
+            <a:outerShdw blurRad="190500" algn="tl" rotWithShape="0">
+              <a:srgbClr val="000000">
+                <a:alpha val="70000"/>
+              </a:srgbClr>
+            </a:outerShdw>
+          </a:effectLst>
+        </p:spPr>
+      </p:pic>
+      <p:sp>
+        <p:nvSpPr>
+          <p:cNvPr id="29" name="Gallone 28"/>
+          <p:cNvSpPr/>
+          <p:nvPr/>
+        </p:nvSpPr>
+        <p:spPr>
+          <a:xfrm>
+            <a:off x="4143404" y="2923031"/>
+            <a:ext cx="1071570" cy="1000132"/>
+          </a:xfrm>
+          <a:prstGeom prst="chevron">
+            <a:avLst/>
+          </a:prstGeom>
+        </p:spPr>
+        <p:style>
+          <a:lnRef idx="0">
+            <a:schemeClr val="accent6"/>
+          </a:lnRef>
+          <a:fillRef idx="3">
+            <a:schemeClr val="accent6"/>
+          </a:fillRef>
+          <a:effectRef idx="3">
+            <a:schemeClr val="accent6"/>
+          </a:effectRef>
+          <a:fontRef idx="minor">
+            <a:schemeClr val="lt1"/>
+          </a:fontRef>
+        </p:style>
+        <p:txBody>
+          <a:bodyPr rtlCol="0" anchor="ctr"/>
+          <a:lstStyle/>
+          <a:p>
+            <a:pPr algn="ctr"/>
+            <a:endParaRPr lang="it-IT">
+              <a:solidFill>
+                <a:schemeClr val="tx1"/>
+              </a:solidFill>
+            </a:endParaRPr>
+          </a:p>
+        </p:txBody>
+      </p:sp>
+    </p:spTree>
+  </p:cSld>
+  <p:clrMapOvr>
+    <a:masterClrMapping/>
+  </p:clrMapOvr>
+  <p:transition>
+    <p:fade/>
+  </p:transition>
+  <p:timing>
+    <p:tnLst>
+      <p:par>
+        <p:cTn id="1" dur="indefinite" restart="never" nodeType="tmRoot">
+          <p:childTnLst>
+            <p:seq concurrent="1" nextAc="seek">
+              <p:cTn id="2" dur="indefinite" nodeType="mainSeq">
+                <p:childTnLst>
+                  <p:par>
+                    <p:cTn id="3" fill="hold">
+                      <p:stCondLst>
+                        <p:cond delay="indefinite"/>
+                      </p:stCondLst>
+                      <p:childTnLst>
+                        <p:par>
+                          <p:cTn id="4" fill="hold">
+                            <p:stCondLst>
+                              <p:cond delay="0"/>
+                            </p:stCondLst>
+                            <p:childTnLst>
+                              <p:par>
+                                <p:cTn id="5" presetID="10" presetClass="exit" presetSubtype="0" fill="hold" nodeType="clickEffect">
+                                  <p:stCondLst>
+                                    <p:cond delay="0"/>
+                                  </p:stCondLst>
+                                  <p:childTnLst>
+                                    <p:animEffect transition="out" filter="fade">
+                                      <p:cBhvr>
+                                        <p:cTn id="6" dur="500"/>
+                                        <p:tgtEl>
+                                          <p:spTgt spid="2"/>
+                                        </p:tgtEl>
+                                      </p:cBhvr>
+                                    </p:animEffect>
+                                    <p:set>
+                                      <p:cBhvr>
+                                        <p:cTn id="7" dur="1" fill="hold">
+                                          <p:stCondLst>
+                                            <p:cond delay="499"/>
+                                          </p:stCondLst>
+                                        </p:cTn>
+                                        <p:tgtEl>
+                                          <p:spTgt spid="2"/>
+                                        </p:tgtEl>
+                                        <p:attrNameLst>
+                                          <p:attrName>style.visibility</p:attrName>
+                                        </p:attrNameLst>
+                                      </p:cBhvr>
+                                      <p:to>
+                                        <p:strVal val="hidden"/>
+                                      </p:to>
+                                    </p:set>
+                                  </p:childTnLst>
+                                </p:cTn>
+                              </p:par>
+                              <p:par>
+                                <p:cTn id="8" presetID="10" presetClass="entr" presetSubtype="0" fill="hold" nodeType="withEffect">
+                                  <p:stCondLst>
+                                    <p:cond delay="0"/>
+                                  </p:stCondLst>
+                                  <p:childTnLst>
+                                    <p:set>
+                                      <p:cBhvr>
+                                        <p:cTn id="9" dur="1" fill="hold">
+                                          <p:stCondLst>
+                                            <p:cond delay="0"/>
+                                          </p:stCondLst>
+                                        </p:cTn>
+                                        <p:tgtEl>
+                                          <p:spTgt spid="3"/>
+                                        </p:tgtEl>
+                                        <p:attrNameLst>
+                                          <p:attrName>style.visibility</p:attrName>
+                                        </p:attrNameLst>
+                                      </p:cBhvr>
+                                      <p:to>
+                                        <p:strVal val="visible"/>
+                                      </p:to>
+                                    </p:set>
+                                    <p:animEffect transition="in" filter="fade">
+                                      <p:cBhvr>
+                                        <p:cTn id="10" dur="500"/>
+                                        <p:tgtEl>
+                                          <p:spTgt spid="3"/>
+                                        </p:tgtEl>
+                                      </p:cBhvr>
+                                    </p:animEffect>
+                                  </p:childTnLst>
+                                </p:cTn>
+                              </p:par>
+                              <p:par>
+                                <p:cTn id="11" presetID="10" presetClass="entr" presetSubtype="0" fill="hold" nodeType="withEffect">
+                                  <p:stCondLst>
+                                    <p:cond delay="0"/>
+                                  </p:stCondLst>
+                                  <p:childTnLst>
+                                    <p:set>
+                                      <p:cBhvr>
+                                        <p:cTn id="12" dur="1" fill="hold">
+                                          <p:stCondLst>
+                                            <p:cond delay="0"/>
+                                          </p:stCondLst>
+                                        </p:cTn>
+                                        <p:tgtEl>
+                                          <p:spTgt spid="4"/>
+                                        </p:tgtEl>
+                                        <p:attrNameLst>
+                                          <p:attrName>style.visibility</p:attrName>
+                                        </p:attrNameLst>
+                                      </p:cBhvr>
+                                      <p:to>
+                                        <p:strVal val="visible"/>
+                                      </p:to>
+                                    </p:set>
+                                    <p:animEffect transition="in" filter="fade">
+                                      <p:cBhvr>
+                                        <p:cTn id="13" dur="500"/>
+                                        <p:tgtEl>
+                                          <p:spTgt spid="4"/>
+                                        </p:tgtEl>
+                                      </p:cBhvr>
+                                    </p:animEffect>
+                                  </p:childTnLst>
+                                </p:cTn>
+                              </p:par>
+                              <p:par>
+                                <p:cTn id="14" presetID="10" presetClass="entr" presetSubtype="0" fill="hold" grpId="0" nodeType="withEffect">
+                                  <p:stCondLst>
+                                    <p:cond delay="0"/>
+                                  </p:stCondLst>
+                                  <p:childTnLst>
+                                    <p:set>
+                                      <p:cBhvr>
+                                        <p:cTn id="15" dur="1" fill="hold">
+                                          <p:stCondLst>
+                                            <p:cond delay="0"/>
+                                          </p:stCondLst>
+                                        </p:cTn>
+                                        <p:tgtEl>
+                                          <p:spTgt spid="29"/>
+                                        </p:tgtEl>
+                                        <p:attrNameLst>
+                                          <p:attrName>style.visibility</p:attrName>
+                                        </p:attrNameLst>
+                                      </p:cBhvr>
+                                      <p:to>
+                                        <p:strVal val="visible"/>
+                                      </p:to>
+                                    </p:set>
+                                    <p:animEffect transition="in" filter="fade">
+                                      <p:cBhvr>
+                                        <p:cTn id="16" dur="500"/>
+                                        <p:tgtEl>
+                                          <p:spTgt spid="29"/>
+                                        </p:tgtEl>
+                                      </p:cBhvr>
+                                    </p:animEffect>
+                                  </p:childTnLst>
+                                </p:cTn>
+                              </p:par>
+                            </p:childTnLst>
+                          </p:cTn>
+                        </p:par>
+                      </p:childTnLst>
+                    </p:cTn>
+                  </p:par>
+                </p:childTnLst>
+              </p:cTn>
+              <p:prevCondLst>
+                <p:cond evt="onPrev" delay="0">
+                  <p:tgtEl>
+                    <p:sldTgt/>
+                  </p:tgtEl>
+                </p:cond>
+              </p:prevCondLst>
+              <p:nextCondLst>
+                <p:cond evt="onNext" delay="0">
+                  <p:tgtEl>
+                    <p:sldTgt/>
+                  </p:tgtEl>
+                </p:cond>
+              </p:nextCondLst>
+            </p:seq>
+          </p:childTnLst>
+        </p:cTn>
+      </p:par>
+    </p:tnLst>
+    <p:bldLst>
+      <p:bldP spid="29" grpId="0" animBg="1"/>
+    </p:bldLst>
+  </p:timing>
+</p:sld>
+</file>
+
+<file path=ppt/slides/slide14.xml><?xml version="1.0" encoding="utf-8"?>
+<p:sld xmlns:a="http://schemas.openxmlformats.org/drawingml/2006/main" xmlns:r="http://schemas.openxmlformats.org/officeDocument/2006/relationships" xmlns:p="http://schemas.openxmlformats.org/presentationml/2006/main">
+  <p:cSld>
+    <p:spTree>
+      <p:nvGrpSpPr>
+        <p:cNvPr id="1" name=""/>
+        <p:cNvGrpSpPr/>
+        <p:nvPr/>
+      </p:nvGrpSpPr>
+      <p:grpSpPr>
+        <a:xfrm>
+          <a:off x="0" y="0"/>
+          <a:ext cx="0" cy="0"/>
+          <a:chOff x="0" y="0"/>
+          <a:chExt cx="0" cy="0"/>
+        </a:xfrm>
+      </p:grpSpPr>
       <p:pic>
         <p:nvPicPr>
           <p:cNvPr id="19" name="Picture 2" descr="C:\Documents and Settings\slux\Desktop\presentazione_tesi\images\visual-netkit-on-windowsXP.png"/>
@@ -21811,7 +22298,7 @@
             <a:fld id="{BB9EEBAB-65FC-4513-B19A-4B06FD56D3C9}" type="slidenum">
               <a:rPr lang="it-IT" smtClean="0"/>
               <a:pPr/>
-              <a:t>13</a:t>
+              <a:t>14</a:t>
             </a:fld>
             <a:endParaRPr lang="it-IT"/>
           </a:p>
@@ -21996,11 +22483,7 @@
             </a:r>
             <a:r>
               <a:rPr lang="en-US" sz="2400" b="1" dirty="0" smtClean="0"/>
-              <a:t>: Linux – Windows  </a:t>
-            </a:r>
-            <a:r>
-              <a:rPr lang="en-US" sz="2400" b="1" dirty="0" smtClean="0"/>
-              <a:t>–</a:t>
+              <a:t>: Linux – Windows  –</a:t>
             </a:r>
           </a:p>
           <a:p>
@@ -22755,7 +23238,7 @@
 </p:sld>
 </file>
 
-<file path=ppt/slides/slide14.xml><?xml version="1.0" encoding="utf-8"?>
+<file path=ppt/slides/slide15.xml><?xml version="1.0" encoding="utf-8"?>
 <p:sld xmlns:a="http://schemas.openxmlformats.org/drawingml/2006/main" xmlns:r="http://schemas.openxmlformats.org/officeDocument/2006/relationships" xmlns:p="http://schemas.openxmlformats.org/presentationml/2006/main">
   <p:cSld>
     <p:spTree>
@@ -22813,7 +23296,7 @@
             <a:fld id="{BB9EEBAB-65FC-4513-B19A-4B06FD56D3C9}" type="slidenum">
               <a:rPr lang="it-IT" smtClean="0"/>
               <a:pPr/>
-              <a:t>14</a:t>
+              <a:t>15</a:t>
             </a:fld>
             <a:endParaRPr lang="it-IT"/>
           </a:p>
